--- a/FinalPresentation.pptx
+++ b/FinalPresentation.pptx
@@ -9,16 +9,18 @@
     <p:sldId id="260" r:id="rId3"/>
     <p:sldId id="261" r:id="rId4"/>
     <p:sldId id="257" r:id="rId5"/>
-    <p:sldId id="258" r:id="rId6"/>
-    <p:sldId id="259" r:id="rId7"/>
-    <p:sldId id="262" r:id="rId8"/>
-    <p:sldId id="266" r:id="rId9"/>
-    <p:sldId id="263" r:id="rId10"/>
-    <p:sldId id="264" r:id="rId11"/>
-    <p:sldId id="265" r:id="rId12"/>
-    <p:sldId id="267" r:id="rId13"/>
-    <p:sldId id="268" r:id="rId14"/>
-    <p:sldId id="269" r:id="rId15"/>
+    <p:sldId id="270" r:id="rId6"/>
+    <p:sldId id="271" r:id="rId7"/>
+    <p:sldId id="258" r:id="rId8"/>
+    <p:sldId id="259" r:id="rId9"/>
+    <p:sldId id="262" r:id="rId10"/>
+    <p:sldId id="266" r:id="rId11"/>
+    <p:sldId id="263" r:id="rId12"/>
+    <p:sldId id="264" r:id="rId13"/>
+    <p:sldId id="265" r:id="rId14"/>
+    <p:sldId id="267" r:id="rId15"/>
+    <p:sldId id="268" r:id="rId16"/>
+    <p:sldId id="269" r:id="rId17"/>
   </p:sldIdLst>
   <p:sldSz cx="12192000" cy="6858000"/>
   <p:notesSz cx="6858000" cy="9144000"/>
@@ -456,7 +458,7 @@
             <a:fld id="{5923F103-BC34-4FE4-A40E-EDDEECFDA5D0}" type="datetimeFigureOut">
               <a:rPr lang="en-US" dirty="0"/>
               <a:pPr/>
-              <a:t>4/30/2014</a:t>
+              <a:t>5/4/2014</a:t>
             </a:fld>
             <a:endParaRPr lang="en-US" dirty="0"/>
           </a:p>
@@ -1544,7 +1546,7 @@
           <a:p>
             <a:fld id="{923A1CC3-2375-41D4-9E03-427CAF2A4C1A}" type="datetimeFigureOut">
               <a:rPr lang="en-US" dirty="0"/>
-              <a:t>4/30/2014</a:t>
+              <a:t>5/4/2014</a:t>
             </a:fld>
             <a:endParaRPr lang="en-US" dirty="0"/>
           </a:p>
@@ -2524,7 +2526,7 @@
           <a:p>
             <a:fld id="{AFF16868-8199-4C2C-A5B1-63AEE139F88E}" type="datetimeFigureOut">
               <a:rPr lang="en-US" dirty="0"/>
-              <a:t>4/30/2014</a:t>
+              <a:t>5/4/2014</a:t>
             </a:fld>
             <a:endParaRPr lang="en-US" dirty="0"/>
           </a:p>
@@ -3658,7 +3660,7 @@
           <a:p>
             <a:fld id="{AAD9FF7F-6988-44CC-821B-644E70CD2F73}" type="datetimeFigureOut">
               <a:rPr lang="en-US" dirty="0"/>
-              <a:t>4/30/2014</a:t>
+              <a:t>5/4/2014</a:t>
             </a:fld>
             <a:endParaRPr lang="en-US" dirty="0"/>
           </a:p>
@@ -4691,7 +4693,7 @@
           <a:p>
             <a:fld id="{5C12C299-16B2-4475-990D-751901EACC14}" type="datetimeFigureOut">
               <a:rPr lang="en-US" dirty="0"/>
-              <a:t>4/30/2014</a:t>
+              <a:t>5/4/2014</a:t>
             </a:fld>
             <a:endParaRPr lang="en-US" dirty="0"/>
           </a:p>
@@ -5351,7 +5353,7 @@
           <a:p>
             <a:fld id="{9FE86839-B9D8-4651-8783-F325ECE74E65}" type="datetimeFigureOut">
               <a:rPr lang="en-US" dirty="0"/>
-              <a:t>4/30/2014</a:t>
+              <a:t>5/4/2014</a:t>
             </a:fld>
             <a:endParaRPr lang="en-US" dirty="0"/>
           </a:p>
@@ -6212,7 +6214,7 @@
           <a:p>
             <a:fld id="{FD484F64-32F6-45C5-931F-ADC1662401D0}" type="datetimeFigureOut">
               <a:rPr lang="en-US" dirty="0"/>
-              <a:t>4/30/2014</a:t>
+              <a:t>5/4/2014</a:t>
             </a:fld>
             <a:endParaRPr lang="en-US" dirty="0"/>
           </a:p>
@@ -6402,7 +6404,7 @@
           <a:p>
             <a:fld id="{53086D93-FCAC-47E0-A2EE-787E62CA814C}" type="datetimeFigureOut">
               <a:rPr lang="en-US" dirty="0"/>
-              <a:t>4/30/2014</a:t>
+              <a:t>5/4/2014</a:t>
             </a:fld>
             <a:endParaRPr lang="en-US" dirty="0"/>
           </a:p>
@@ -7374,7 +7376,7 @@
           <a:p>
             <a:fld id="{CDA879A6-0FD0-4734-A311-86BFCA472E6E}" type="datetimeFigureOut">
               <a:rPr lang="en-US" dirty="0"/>
-              <a:t>4/30/2014</a:t>
+              <a:t>5/4/2014</a:t>
             </a:fld>
             <a:endParaRPr lang="en-US" dirty="0"/>
           </a:p>
@@ -7585,7 +7587,7 @@
           <a:p>
             <a:fld id="{19C9CA7B-DFD4-44B5-8C60-D14B8CD1FB59}" type="datetimeFigureOut">
               <a:rPr lang="en-US" dirty="0"/>
-              <a:t>4/30/2014</a:t>
+              <a:t>5/4/2014</a:t>
             </a:fld>
             <a:endParaRPr lang="en-US" dirty="0"/>
           </a:p>
@@ -8619,7 +8621,7 @@
           <a:p>
             <a:fld id="{F34E6425-0181-43F2-84FC-787E803FD2F8}" type="datetimeFigureOut">
               <a:rPr lang="en-US" dirty="0"/>
-              <a:t>4/30/2014</a:t>
+              <a:t>5/4/2014</a:t>
             </a:fld>
             <a:endParaRPr lang="en-US" dirty="0"/>
           </a:p>
@@ -8891,7 +8893,7 @@
           <a:p>
             <a:fld id="{3BDB8791-F1B0-41E7-B7FD-A781E65C4266}" type="datetimeFigureOut">
               <a:rPr lang="en-US" dirty="0"/>
-              <a:t>4/30/2014</a:t>
+              <a:t>5/4/2014</a:t>
             </a:fld>
             <a:endParaRPr lang="en-US" dirty="0"/>
           </a:p>
@@ -9301,7 +9303,7 @@
           <a:p>
             <a:fld id="{5FDD63B2-E120-4ED8-B27B-C685F510A5FE}" type="datetimeFigureOut">
               <a:rPr lang="en-US" dirty="0"/>
-              <a:t>4/30/2014</a:t>
+              <a:t>5/4/2014</a:t>
             </a:fld>
             <a:endParaRPr lang="en-US" dirty="0"/>
           </a:p>
@@ -9428,7 +9430,7 @@
           <a:p>
             <a:fld id="{7AA18ACC-A947-437B-A130-35BD54FDF1E9}" type="datetimeFigureOut">
               <a:rPr lang="en-US" dirty="0"/>
-              <a:t>4/30/2014</a:t>
+              <a:t>5/4/2014</a:t>
             </a:fld>
             <a:endParaRPr lang="en-US" dirty="0"/>
           </a:p>
@@ -9523,7 +9525,7 @@
           <a:p>
             <a:fld id="{7C8D7E02-BCB8-4D50-A234-369438C08659}" type="datetimeFigureOut">
               <a:rPr lang="en-US" dirty="0"/>
-              <a:t>4/30/2014</a:t>
+              <a:t>5/4/2014</a:t>
             </a:fld>
             <a:endParaRPr lang="en-US" dirty="0"/>
           </a:p>
@@ -10604,7 +10606,7 @@
           <a:p>
             <a:fld id="{76E86A4C-8E40-4F87-A4F0-01A0687C5742}" type="datetimeFigureOut">
               <a:rPr lang="en-US" dirty="0"/>
-              <a:t>4/30/2014</a:t>
+              <a:t>5/4/2014</a:t>
             </a:fld>
             <a:endParaRPr lang="en-US" dirty="0"/>
           </a:p>
@@ -11712,7 +11714,7 @@
           <a:p>
             <a:fld id="{35E72C73-2D91-4E12-BA25-F0AA0C03599B}" type="datetimeFigureOut">
               <a:rPr lang="en-US" dirty="0"/>
-              <a:t>4/30/2014</a:t>
+              <a:t>5/4/2014</a:t>
             </a:fld>
             <a:endParaRPr lang="en-US" dirty="0"/>
           </a:p>
@@ -12709,7 +12711,7 @@
           <a:p>
             <a:fld id="{2BE451C3-0FF4-47C4-B829-773ADF60F88C}" type="datetimeFigureOut">
               <a:rPr lang="en-US" dirty="0"/>
-              <a:t>4/30/2014</a:t>
+              <a:t>5/4/2014</a:t>
             </a:fld>
             <a:endParaRPr lang="en-US" dirty="0"/>
           </a:p>
@@ -13374,6 +13376,215 @@
           <a:p>
             <a:r>
               <a:rPr lang="en-US" dirty="0" smtClean="0"/>
+              <a:t>Visual Stuff</a:t>
+            </a:r>
+            <a:endParaRPr lang="en-US" dirty="0"/>
+          </a:p>
+        </p:txBody>
+      </p:sp>
+      <p:sp>
+        <p:nvSpPr>
+          <p:cNvPr id="3" name="Content Placeholder 2"/>
+          <p:cNvSpPr>
+            <a:spLocks noGrp="1"/>
+          </p:cNvSpPr>
+          <p:nvPr>
+            <p:ph idx="1"/>
+          </p:nvPr>
+        </p:nvSpPr>
+        <p:spPr/>
+        <p:txBody>
+          <a:bodyPr/>
+          <a:lstStyle/>
+          <a:p>
+            <a:endParaRPr lang="en-US"/>
+          </a:p>
+        </p:txBody>
+      </p:sp>
+    </p:spTree>
+    <p:extLst>
+      <p:ext uri="{BB962C8B-B14F-4D97-AF65-F5344CB8AC3E}">
+        <p14:creationId xmlns:p14="http://schemas.microsoft.com/office/powerpoint/2010/main" val="69646937"/>
+      </p:ext>
+    </p:extLst>
+  </p:cSld>
+  <p:clrMapOvr>
+    <a:masterClrMapping/>
+  </p:clrMapOvr>
+</p:sld>
+</file>
+
+<file path=ppt/slides/slide11.xml><?xml version="1.0" encoding="utf-8"?>
+<p:sld xmlns:a="http://schemas.openxmlformats.org/drawingml/2006/main" xmlns:r="http://schemas.openxmlformats.org/officeDocument/2006/relationships" xmlns:p="http://schemas.openxmlformats.org/presentationml/2006/main">
+  <p:cSld>
+    <p:spTree>
+      <p:nvGrpSpPr>
+        <p:cNvPr id="1" name=""/>
+        <p:cNvGrpSpPr/>
+        <p:nvPr/>
+      </p:nvGrpSpPr>
+      <p:grpSpPr>
+        <a:xfrm>
+          <a:off x="0" y="0"/>
+          <a:ext cx="0" cy="0"/>
+          <a:chOff x="0" y="0"/>
+          <a:chExt cx="0" cy="0"/>
+        </a:xfrm>
+      </p:grpSpPr>
+      <p:sp>
+        <p:nvSpPr>
+          <p:cNvPr id="2" name="Title 1"/>
+          <p:cNvSpPr>
+            <a:spLocks noGrp="1"/>
+          </p:cNvSpPr>
+          <p:nvPr>
+            <p:ph type="title"/>
+          </p:nvPr>
+        </p:nvSpPr>
+        <p:spPr/>
+        <p:txBody>
+          <a:bodyPr/>
+          <a:lstStyle/>
+          <a:p>
+            <a:r>
+              <a:rPr lang="en-US" dirty="0" smtClean="0"/>
+              <a:t>Complexity Analysis</a:t>
+            </a:r>
+            <a:endParaRPr lang="en-US" dirty="0"/>
+          </a:p>
+        </p:txBody>
+      </p:sp>
+      <p:sp>
+        <p:nvSpPr>
+          <p:cNvPr id="4" name="Text Placeholder 3"/>
+          <p:cNvSpPr>
+            <a:spLocks noGrp="1"/>
+          </p:cNvSpPr>
+          <p:nvPr>
+            <p:ph type="body" idx="1"/>
+          </p:nvPr>
+        </p:nvSpPr>
+        <p:spPr/>
+        <p:txBody>
+          <a:bodyPr/>
+          <a:lstStyle/>
+          <a:p>
+            <a:r>
+              <a:rPr lang="en-US" dirty="0" smtClean="0"/>
+              <a:t>DBSCAN</a:t>
+            </a:r>
+            <a:endParaRPr lang="en-US" dirty="0"/>
+          </a:p>
+        </p:txBody>
+      </p:sp>
+      <p:sp>
+        <p:nvSpPr>
+          <p:cNvPr id="5" name="Content Placeholder 4"/>
+          <p:cNvSpPr>
+            <a:spLocks noGrp="1"/>
+          </p:cNvSpPr>
+          <p:nvPr>
+            <p:ph sz="half" idx="2"/>
+          </p:nvPr>
+        </p:nvSpPr>
+        <p:spPr/>
+        <p:txBody>
+          <a:bodyPr/>
+          <a:lstStyle/>
+          <a:p>
+            <a:endParaRPr lang="en-US" dirty="0"/>
+          </a:p>
+        </p:txBody>
+      </p:sp>
+      <p:sp>
+        <p:nvSpPr>
+          <p:cNvPr id="6" name="Text Placeholder 5"/>
+          <p:cNvSpPr>
+            <a:spLocks noGrp="1"/>
+          </p:cNvSpPr>
+          <p:nvPr>
+            <p:ph type="body" sz="quarter" idx="3"/>
+          </p:nvPr>
+        </p:nvSpPr>
+        <p:spPr/>
+        <p:txBody>
+          <a:bodyPr/>
+          <a:lstStyle/>
+          <a:p>
+            <a:r>
+              <a:rPr lang="en-US" dirty="0" smtClean="0"/>
+              <a:t>OPTICS</a:t>
+            </a:r>
+            <a:endParaRPr lang="en-US" dirty="0"/>
+          </a:p>
+        </p:txBody>
+      </p:sp>
+      <p:sp>
+        <p:nvSpPr>
+          <p:cNvPr id="7" name="Content Placeholder 6"/>
+          <p:cNvSpPr>
+            <a:spLocks noGrp="1"/>
+          </p:cNvSpPr>
+          <p:nvPr>
+            <p:ph sz="quarter" idx="4"/>
+          </p:nvPr>
+        </p:nvSpPr>
+        <p:spPr/>
+        <p:txBody>
+          <a:bodyPr/>
+          <a:lstStyle/>
+          <a:p>
+            <a:endParaRPr lang="en-US"/>
+          </a:p>
+        </p:txBody>
+      </p:sp>
+    </p:spTree>
+    <p:extLst>
+      <p:ext uri="{BB962C8B-B14F-4D97-AF65-F5344CB8AC3E}">
+        <p14:creationId xmlns:p14="http://schemas.microsoft.com/office/powerpoint/2010/main" val="1979480688"/>
+      </p:ext>
+    </p:extLst>
+  </p:cSld>
+  <p:clrMapOvr>
+    <a:masterClrMapping/>
+  </p:clrMapOvr>
+</p:sld>
+</file>
+
+<file path=ppt/slides/slide12.xml><?xml version="1.0" encoding="utf-8"?>
+<p:sld xmlns:a="http://schemas.openxmlformats.org/drawingml/2006/main" xmlns:r="http://schemas.openxmlformats.org/officeDocument/2006/relationships" xmlns:p="http://schemas.openxmlformats.org/presentationml/2006/main">
+  <p:cSld>
+    <p:spTree>
+      <p:nvGrpSpPr>
+        <p:cNvPr id="1" name=""/>
+        <p:cNvGrpSpPr/>
+        <p:nvPr/>
+      </p:nvGrpSpPr>
+      <p:grpSpPr>
+        <a:xfrm>
+          <a:off x="0" y="0"/>
+          <a:ext cx="0" cy="0"/>
+          <a:chOff x="0" y="0"/>
+          <a:chExt cx="0" cy="0"/>
+        </a:xfrm>
+      </p:grpSpPr>
+      <p:sp>
+        <p:nvSpPr>
+          <p:cNvPr id="2" name="Title 1"/>
+          <p:cNvSpPr>
+            <a:spLocks noGrp="1"/>
+          </p:cNvSpPr>
+          <p:nvPr>
+            <p:ph type="title"/>
+          </p:nvPr>
+        </p:nvSpPr>
+        <p:spPr/>
+        <p:txBody>
+          <a:bodyPr/>
+          <a:lstStyle/>
+          <a:p>
+            <a:r>
+              <a:rPr lang="en-US" dirty="0" smtClean="0"/>
               <a:t>Entropy by Cluster</a:t>
             </a:r>
             <a:endParaRPr lang="en-US" dirty="0"/>
@@ -13412,7 +13623,7 @@
 </p:sld>
 </file>
 
-<file path=ppt/slides/slide11.xml><?xml version="1.0" encoding="utf-8"?>
+<file path=ppt/slides/slide13.xml><?xml version="1.0" encoding="utf-8"?>
 <p:sld xmlns:a="http://schemas.openxmlformats.org/drawingml/2006/main" xmlns:r="http://schemas.openxmlformats.org/officeDocument/2006/relationships" xmlns:p="http://schemas.openxmlformats.org/presentationml/2006/main">
   <p:cSld>
     <p:spTree>
@@ -13484,7 +13695,7 @@
 </p:sld>
 </file>
 
-<file path=ppt/slides/slide12.xml><?xml version="1.0" encoding="utf-8"?>
+<file path=ppt/slides/slide14.xml><?xml version="1.0" encoding="utf-8"?>
 <p:sld xmlns:a="http://schemas.openxmlformats.org/drawingml/2006/main" xmlns:r="http://schemas.openxmlformats.org/officeDocument/2006/relationships" xmlns:p="http://schemas.openxmlformats.org/presentationml/2006/main">
   <p:cSld>
     <p:spTree>
@@ -13556,7 +13767,7 @@
 </p:sld>
 </file>
 
-<file path=ppt/slides/slide13.xml><?xml version="1.0" encoding="utf-8"?>
+<file path=ppt/slides/slide15.xml><?xml version="1.0" encoding="utf-8"?>
 <p:sld xmlns:a="http://schemas.openxmlformats.org/drawingml/2006/main" xmlns:r="http://schemas.openxmlformats.org/officeDocument/2006/relationships" xmlns:p="http://schemas.openxmlformats.org/presentationml/2006/main">
   <p:cSld>
     <p:spTree>
@@ -13745,7 +13956,7 @@
 </p:sld>
 </file>
 
-<file path=ppt/slides/slide14.xml><?xml version="1.0" encoding="utf-8"?>
+<file path=ppt/slides/slide16.xml><?xml version="1.0" encoding="utf-8"?>
 <p:sld xmlns:a="http://schemas.openxmlformats.org/drawingml/2006/main" xmlns:r="http://schemas.openxmlformats.org/officeDocument/2006/relationships" xmlns:p="http://schemas.openxmlformats.org/presentationml/2006/main">
   <p:cSld>
     <p:spTree>
@@ -13994,16 +14205,24 @@
           <a:lstStyle/>
           <a:p>
             <a:r>
-              <a:rPr lang="en-US" dirty="0" err="1" smtClean="0"/>
-              <a:t>Parition</a:t>
+              <a:rPr lang="en-US" dirty="0" smtClean="0"/>
+              <a:t>Partition </a:t>
             </a:r>
             <a:r>
               <a:rPr lang="en-US" dirty="0" smtClean="0"/>
-              <a:t> Around the </a:t>
+              <a:t>Around </a:t>
+            </a:r>
+            <a:r>
+              <a:rPr lang="en-US" dirty="0" smtClean="0"/>
+              <a:t> </a:t>
             </a:r>
             <a:r>
               <a:rPr lang="en-US" dirty="0" err="1" smtClean="0"/>
               <a:t>Medoids</a:t>
+            </a:r>
+            <a:r>
+              <a:rPr lang="en-US" dirty="0" smtClean="0"/>
+              <a:t> (PAM)</a:t>
             </a:r>
             <a:endParaRPr lang="en-US" dirty="0"/>
           </a:p>
@@ -14011,23 +14230,88 @@
       </p:sp>
       <p:sp>
         <p:nvSpPr>
-          <p:cNvPr id="3" name="Text Placeholder 2"/>
-          <p:cNvSpPr>
-            <a:spLocks noGrp="1"/>
-          </p:cNvSpPr>
-          <p:nvPr>
-            <p:ph type="body" idx="1"/>
-          </p:nvPr>
+          <p:cNvPr id="4" name="TextBox 3"/>
+          <p:cNvSpPr txBox="1"/>
+          <p:nvPr/>
         </p:nvSpPr>
-        <p:spPr/>
+        <p:spPr>
+          <a:xfrm>
+            <a:off x="6945548" y="1760706"/>
+            <a:ext cx="3356043" cy="3970318"/>
+          </a:xfrm>
+          <a:prstGeom prst="rect">
+            <a:avLst/>
+          </a:prstGeom>
+          <a:noFill/>
+        </p:spPr>
         <p:txBody>
-          <a:bodyPr/>
+          <a:bodyPr wrap="square" rtlCol="0">
+            <a:spAutoFit/>
+          </a:bodyPr>
           <a:lstStyle/>
           <a:p>
+            <a:pPr marL="285750" indent="-285750">
+              <a:buFont typeface="Arial" panose="020B0604020202020204" pitchFamily="34" charset="0"/>
+              <a:buChar char="•"/>
+            </a:pPr>
             <a:r>
               <a:rPr lang="en-US" dirty="0" smtClean="0"/>
-              <a:t>Spencer Hanson</a:t>
+              <a:t>Involves finding representative objects, called </a:t>
             </a:r>
+            <a:r>
+              <a:rPr lang="en-US" dirty="0" err="1" smtClean="0"/>
+              <a:t>medoids</a:t>
+            </a:r>
+            <a:r>
+              <a:rPr lang="en-US" dirty="0" smtClean="0"/>
+              <a:t>, in clusters</a:t>
+            </a:r>
+          </a:p>
+          <a:p>
+            <a:pPr marL="285750" indent="-285750">
+              <a:buFont typeface="Arial" panose="020B0604020202020204" pitchFamily="34" charset="0"/>
+              <a:buChar char="•"/>
+            </a:pPr>
+            <a:endParaRPr lang="en-US" dirty="0"/>
+          </a:p>
+          <a:p>
+            <a:pPr marL="285750" indent="-285750">
+              <a:buFont typeface="Arial" panose="020B0604020202020204" pitchFamily="34" charset="0"/>
+              <a:buChar char="•"/>
+            </a:pPr>
+            <a:endParaRPr lang="en-US" dirty="0" smtClean="0"/>
+          </a:p>
+          <a:p>
+            <a:pPr marL="285750" indent="-285750">
+              <a:buFont typeface="Arial" panose="020B0604020202020204" pitchFamily="34" charset="0"/>
+              <a:buChar char="•"/>
+            </a:pPr>
+            <a:r>
+              <a:rPr lang="en-US" dirty="0" smtClean="0"/>
+              <a:t>Very effective on small data sets, but scales poorly with large</a:t>
+            </a:r>
+          </a:p>
+          <a:p>
+            <a:pPr marL="285750" indent="-285750">
+              <a:buFont typeface="Arial" panose="020B0604020202020204" pitchFamily="34" charset="0"/>
+              <a:buChar char="•"/>
+            </a:pPr>
+            <a:endParaRPr lang="en-US" dirty="0"/>
+          </a:p>
+          <a:p>
+            <a:pPr marL="285750" indent="-285750">
+              <a:buFont typeface="Arial" panose="020B0604020202020204" pitchFamily="34" charset="0"/>
+              <a:buChar char="•"/>
+            </a:pPr>
+            <a:r>
+              <a:rPr lang="en-US" dirty="0" smtClean="0"/>
+              <a:t>Handles outliers and noise better</a:t>
+            </a:r>
+          </a:p>
+          <a:p>
+            <a:endParaRPr lang="en-US" dirty="0"/>
+          </a:p>
+          <a:p>
             <a:endParaRPr lang="en-US" dirty="0"/>
           </a:p>
         </p:txBody>
@@ -14046,6 +14330,5849 @@
 </file>
 
 <file path=ppt/slides/slide5.xml><?xml version="1.0" encoding="utf-8"?>
+<p:sld xmlns:a="http://schemas.openxmlformats.org/drawingml/2006/main" xmlns:r="http://schemas.openxmlformats.org/officeDocument/2006/relationships" xmlns:p="http://schemas.openxmlformats.org/presentationml/2006/main">
+  <p:cSld>
+    <p:spTree>
+      <p:nvGrpSpPr>
+        <p:cNvPr id="1" name=""/>
+        <p:cNvGrpSpPr/>
+        <p:nvPr/>
+      </p:nvGrpSpPr>
+      <p:grpSpPr>
+        <a:xfrm>
+          <a:off x="0" y="0"/>
+          <a:ext cx="0" cy="0"/>
+          <a:chOff x="0" y="0"/>
+          <a:chExt cx="0" cy="0"/>
+        </a:xfrm>
+      </p:grpSpPr>
+      <p:sp>
+        <p:nvSpPr>
+          <p:cNvPr id="4" name="Rectangle 3"/>
+          <p:cNvSpPr/>
+          <p:nvPr/>
+        </p:nvSpPr>
+        <p:spPr>
+          <a:xfrm>
+            <a:off x="3048000" y="889844"/>
+            <a:ext cx="6096000" cy="5078313"/>
+          </a:xfrm>
+          <a:prstGeom prst="rect">
+            <a:avLst/>
+          </a:prstGeom>
+        </p:spPr>
+        <p:txBody>
+          <a:bodyPr>
+            <a:spAutoFit/>
+          </a:bodyPr>
+          <a:lstStyle/>
+          <a:p>
+            <a:pPr>
+              <a:lnSpc>
+                <a:spcPct val="120000"/>
+              </a:lnSpc>
+              <a:defRPr/>
+            </a:pPr>
+            <a:r>
+              <a:rPr lang="en-US" altLang="ko-KR" sz="2400" dirty="0">
+                <a:ea typeface="굴림" pitchFamily="34" charset="-127"/>
+              </a:rPr>
+              <a:t>Use real object to represent the cluster</a:t>
+            </a:r>
+          </a:p>
+          <a:p>
+            <a:pPr lvl="1">
+              <a:lnSpc>
+                <a:spcPct val="120000"/>
+              </a:lnSpc>
+              <a:defRPr/>
+            </a:pPr>
+            <a:r>
+              <a:rPr lang="en-US" altLang="ko-KR" sz="2400" dirty="0">
+                <a:ea typeface="굴림" pitchFamily="34" charset="-127"/>
+              </a:rPr>
+              <a:t>Select </a:t>
+            </a:r>
+            <a:r>
+              <a:rPr lang="en-US" altLang="ko-KR" sz="2400" b="1" i="1" dirty="0">
+                <a:ea typeface="굴림" pitchFamily="34" charset="-127"/>
+              </a:rPr>
+              <a:t>k</a:t>
+            </a:r>
+            <a:r>
+              <a:rPr lang="en-US" altLang="ko-KR" sz="2400" dirty="0">
+                <a:ea typeface="굴림" pitchFamily="34" charset="-127"/>
+              </a:rPr>
+              <a:t> representative objects arbitrarily</a:t>
+            </a:r>
+          </a:p>
+          <a:p>
+            <a:pPr lvl="1">
+              <a:lnSpc>
+                <a:spcPct val="120000"/>
+              </a:lnSpc>
+              <a:defRPr/>
+            </a:pPr>
+            <a:r>
+              <a:rPr lang="en-US" altLang="ko-KR" sz="2400" dirty="0">
+                <a:ea typeface="굴림" pitchFamily="34" charset="-127"/>
+              </a:rPr>
+              <a:t>For each pair of non-selected object </a:t>
+            </a:r>
+            <a:r>
+              <a:rPr lang="en-US" altLang="ko-KR" sz="2400" b="1" i="1" dirty="0">
+                <a:ea typeface="굴림" pitchFamily="34" charset="-127"/>
+              </a:rPr>
+              <a:t>h</a:t>
+            </a:r>
+            <a:r>
+              <a:rPr lang="en-US" altLang="ko-KR" sz="2400" dirty="0">
+                <a:ea typeface="굴림" pitchFamily="34" charset="-127"/>
+              </a:rPr>
+              <a:t> and selected object </a:t>
+            </a:r>
+            <a:r>
+              <a:rPr lang="en-US" altLang="ko-KR" sz="2400" b="1" i="1" dirty="0" err="1">
+                <a:ea typeface="굴림" pitchFamily="34" charset="-127"/>
+              </a:rPr>
+              <a:t>i</a:t>
+            </a:r>
+            <a:r>
+              <a:rPr lang="en-US" altLang="ko-KR" sz="2400" dirty="0">
+                <a:ea typeface="굴림" pitchFamily="34" charset="-127"/>
+              </a:rPr>
+              <a:t>, calculate the total swapping cost </a:t>
+            </a:r>
+            <a:r>
+              <a:rPr lang="en-US" altLang="ko-KR" sz="2400" b="1" i="1" dirty="0" err="1">
+                <a:ea typeface="굴림" pitchFamily="34" charset="-127"/>
+              </a:rPr>
+              <a:t>TC</a:t>
+            </a:r>
+            <a:r>
+              <a:rPr lang="en-US" altLang="ko-KR" sz="2400" b="1" i="1" baseline="-25000" dirty="0" err="1">
+                <a:ea typeface="굴림" pitchFamily="34" charset="-127"/>
+              </a:rPr>
+              <a:t>ih</a:t>
+            </a:r>
+            <a:endParaRPr lang="en-US" altLang="ko-KR" sz="2400" dirty="0">
+              <a:ea typeface="굴림" pitchFamily="34" charset="-127"/>
+            </a:endParaRPr>
+          </a:p>
+          <a:p>
+            <a:pPr lvl="1">
+              <a:lnSpc>
+                <a:spcPct val="120000"/>
+              </a:lnSpc>
+              <a:defRPr/>
+            </a:pPr>
+            <a:r>
+              <a:rPr lang="en-US" altLang="ko-KR" sz="2400" dirty="0">
+                <a:ea typeface="굴림" pitchFamily="34" charset="-127"/>
+              </a:rPr>
+              <a:t>For each pair of </a:t>
+            </a:r>
+            <a:r>
+              <a:rPr lang="en-US" altLang="ko-KR" sz="2400" b="1" i="1" dirty="0" err="1">
+                <a:ea typeface="굴림" pitchFamily="34" charset="-127"/>
+              </a:rPr>
+              <a:t>i</a:t>
+            </a:r>
+            <a:r>
+              <a:rPr lang="en-US" altLang="ko-KR" sz="2400" dirty="0">
+                <a:ea typeface="굴림" pitchFamily="34" charset="-127"/>
+              </a:rPr>
+              <a:t> and </a:t>
+            </a:r>
+            <a:r>
+              <a:rPr lang="en-US" altLang="ko-KR" sz="2400" b="1" i="1" dirty="0">
+                <a:ea typeface="굴림" pitchFamily="34" charset="-127"/>
+              </a:rPr>
+              <a:t>h</a:t>
+            </a:r>
+            <a:r>
+              <a:rPr lang="en-US" altLang="ko-KR" sz="2400" dirty="0">
+                <a:ea typeface="굴림" pitchFamily="34" charset="-127"/>
+              </a:rPr>
+              <a:t>, </a:t>
+            </a:r>
+          </a:p>
+          <a:p>
+            <a:pPr lvl="2">
+              <a:lnSpc>
+                <a:spcPct val="120000"/>
+              </a:lnSpc>
+              <a:defRPr/>
+            </a:pPr>
+            <a:r>
+              <a:rPr lang="en-US" altLang="ko-KR" dirty="0">
+                <a:ea typeface="굴림" pitchFamily="34" charset="-127"/>
+              </a:rPr>
+              <a:t>If </a:t>
+            </a:r>
+            <a:r>
+              <a:rPr lang="en-US" altLang="ko-KR" i="1" dirty="0" err="1">
+                <a:ea typeface="굴림" pitchFamily="34" charset="-127"/>
+              </a:rPr>
+              <a:t>TC</a:t>
+            </a:r>
+            <a:r>
+              <a:rPr lang="en-US" altLang="ko-KR" i="1" baseline="-25000" dirty="0" err="1">
+                <a:ea typeface="굴림" pitchFamily="34" charset="-127"/>
+              </a:rPr>
+              <a:t>ih</a:t>
+            </a:r>
+            <a:r>
+              <a:rPr lang="en-US" altLang="ko-KR" dirty="0">
+                <a:ea typeface="굴림" pitchFamily="34" charset="-127"/>
+              </a:rPr>
+              <a:t> &lt; 0, </a:t>
+            </a:r>
+            <a:r>
+              <a:rPr lang="en-US" altLang="ko-KR" b="1" i="1" dirty="0" err="1">
+                <a:ea typeface="굴림" pitchFamily="34" charset="-127"/>
+              </a:rPr>
+              <a:t>i</a:t>
+            </a:r>
+            <a:r>
+              <a:rPr lang="en-US" altLang="ko-KR" dirty="0">
+                <a:ea typeface="굴림" pitchFamily="34" charset="-127"/>
+              </a:rPr>
+              <a:t> is replaced by </a:t>
+            </a:r>
+            <a:r>
+              <a:rPr lang="en-US" altLang="ko-KR" b="1" i="1" dirty="0">
+                <a:ea typeface="굴림" pitchFamily="34" charset="-127"/>
+              </a:rPr>
+              <a:t>h</a:t>
+            </a:r>
+            <a:endParaRPr lang="en-US" altLang="ko-KR" dirty="0">
+              <a:ea typeface="굴림" pitchFamily="34" charset="-127"/>
+            </a:endParaRPr>
+          </a:p>
+          <a:p>
+            <a:pPr lvl="2">
+              <a:lnSpc>
+                <a:spcPct val="120000"/>
+              </a:lnSpc>
+              <a:defRPr/>
+            </a:pPr>
+            <a:r>
+              <a:rPr lang="en-US" altLang="ko-KR" dirty="0">
+                <a:ea typeface="굴림" pitchFamily="34" charset="-127"/>
+              </a:rPr>
+              <a:t>Then assign each non-selected object to the most similar representative object</a:t>
+            </a:r>
+          </a:p>
+          <a:p>
+            <a:pPr lvl="1">
+              <a:lnSpc>
+                <a:spcPct val="120000"/>
+              </a:lnSpc>
+              <a:defRPr/>
+            </a:pPr>
+            <a:r>
+              <a:rPr lang="en-US" altLang="ko-KR" sz="2400" dirty="0">
+                <a:ea typeface="굴림" pitchFamily="34" charset="-127"/>
+              </a:rPr>
+              <a:t>repeat steps 2-3 until there is no change</a:t>
+            </a:r>
+            <a:endParaRPr lang="en-US" altLang="ko-KR" sz="2400" dirty="0">
+              <a:ea typeface="굴림" pitchFamily="34" charset="-127"/>
+            </a:endParaRPr>
+          </a:p>
+        </p:txBody>
+      </p:sp>
+    </p:spTree>
+    <p:extLst>
+      <p:ext uri="{BB962C8B-B14F-4D97-AF65-F5344CB8AC3E}">
+        <p14:creationId xmlns:p14="http://schemas.microsoft.com/office/powerpoint/2010/main" val="1376934550"/>
+      </p:ext>
+    </p:extLst>
+  </p:cSld>
+  <p:clrMapOvr>
+    <a:masterClrMapping/>
+  </p:clrMapOvr>
+</p:sld>
+</file>
+
+<file path=ppt/slides/slide6.xml><?xml version="1.0" encoding="utf-8"?>
+<p:sld xmlns:a="http://schemas.openxmlformats.org/drawingml/2006/main" xmlns:r="http://schemas.openxmlformats.org/officeDocument/2006/relationships" xmlns:p="http://schemas.openxmlformats.org/presentationml/2006/main">
+  <p:cSld>
+    <p:spTree>
+      <p:nvGrpSpPr>
+        <p:cNvPr id="1" name=""/>
+        <p:cNvGrpSpPr/>
+        <p:nvPr/>
+      </p:nvGrpSpPr>
+      <p:grpSpPr>
+        <a:xfrm>
+          <a:off x="0" y="0"/>
+          <a:ext cx="0" cy="0"/>
+          <a:chOff x="0" y="0"/>
+          <a:chExt cx="0" cy="0"/>
+        </a:xfrm>
+      </p:grpSpPr>
+      <p:grpSp>
+        <p:nvGrpSpPr>
+          <p:cNvPr id="16" name="Group 14"/>
+          <p:cNvGrpSpPr>
+            <a:grpSpLocks/>
+          </p:cNvGrpSpPr>
+          <p:nvPr/>
+        </p:nvGrpSpPr>
+        <p:grpSpPr bwMode="auto">
+          <a:xfrm>
+            <a:off x="1404938" y="805656"/>
+            <a:ext cx="2514600" cy="3051177"/>
+            <a:chOff x="861" y="707"/>
+            <a:chExt cx="1584" cy="1922"/>
+          </a:xfrm>
+        </p:grpSpPr>
+        <p:grpSp>
+          <p:nvGrpSpPr>
+            <p:cNvPr id="17" name="Group 15"/>
+            <p:cNvGrpSpPr>
+              <a:grpSpLocks/>
+            </p:cNvGrpSpPr>
+            <p:nvPr/>
+          </p:nvGrpSpPr>
+          <p:grpSpPr bwMode="auto">
+            <a:xfrm>
+              <a:off x="861" y="707"/>
+              <a:ext cx="1584" cy="1488"/>
+              <a:chOff x="861" y="707"/>
+              <a:chExt cx="1584" cy="1488"/>
+            </a:xfrm>
+          </p:grpSpPr>
+          <p:graphicFrame>
+            <p:nvGraphicFramePr>
+              <p:cNvPr id="19" name="Object 16"/>
+              <p:cNvGraphicFramePr>
+                <a:graphicFrameLocks noChangeAspect="1"/>
+              </p:cNvGraphicFramePr>
+              <p:nvPr>
+                <p:extLst>
+                  <p:ext uri="{D42A27DB-BD31-4B8C-83A1-F6EECF244321}">
+                    <p14:modId xmlns:p14="http://schemas.microsoft.com/office/powerpoint/2010/main" val="1245152645"/>
+                  </p:ext>
+                </p:extLst>
+              </p:nvPr>
+            </p:nvGraphicFramePr>
+            <p:xfrm>
+              <a:off x="861" y="707"/>
+              <a:ext cx="1584" cy="1488"/>
+            </p:xfrm>
+            <a:graphic>
+              <a:graphicData uri="http://schemas.openxmlformats.org/presentationml/2006/ole">
+                <mc:AlternateContent xmlns:mc="http://schemas.openxmlformats.org/markup-compatibility/2006">
+                  <mc:Choice xmlns:v="urn:schemas-microsoft-com:vml" Requires="v">
+                    <p:oleObj spid="_x0000_s1026" name="Worksheet" r:id="rId3" imgW="2200656" imgH="2076907" progId="Excel.Sheet.8">
+                      <p:embed/>
+                    </p:oleObj>
+                  </mc:Choice>
+                  <mc:Fallback>
+                    <p:oleObj name="Worksheet" r:id="rId3" imgW="2200656" imgH="2076907" progId="Excel.Sheet.8">
+                      <p:embed/>
+                      <p:pic>
+                        <p:nvPicPr>
+                          <p:cNvPr id="0" name=""/>
+                          <p:cNvPicPr>
+                            <a:picLocks noChangeAspect="1" noChangeArrowheads="1"/>
+                          </p:cNvPicPr>
+                          <p:nvPr/>
+                        </p:nvPicPr>
+                        <p:blipFill>
+                          <a:blip r:embed="rId4">
+                            <a:extLst>
+                              <a:ext uri="{28A0092B-C50C-407E-A947-70E740481C1C}">
+                                <a14:useLocalDpi xmlns:a14="http://schemas.microsoft.com/office/drawing/2010/main" val="0"/>
+                              </a:ext>
+                            </a:extLst>
+                          </a:blip>
+                          <a:srcRect/>
+                          <a:stretch>
+                            <a:fillRect/>
+                          </a:stretch>
+                        </p:blipFill>
+                        <p:spPr bwMode="auto">
+                          <a:xfrm>
+                            <a:off x="861" y="707"/>
+                            <a:ext cx="1584" cy="1488"/>
+                          </a:xfrm>
+                          <a:prstGeom prst="rect">
+                            <a:avLst/>
+                          </a:prstGeom>
+                          <a:noFill/>
+                          <a:ln>
+                            <a:noFill/>
+                          </a:ln>
+                          <a:effectLst/>
+                          <a:extLst>
+                            <a:ext uri="{909E8E84-426E-40DD-AFC4-6F175D3DCCD1}">
+                              <a14:hiddenFill xmlns:a14="http://schemas.microsoft.com/office/drawing/2010/main">
+                                <a:solidFill>
+                                  <a:schemeClr val="accent1"/>
+                                </a:solidFill>
+                              </a14:hiddenFill>
+                            </a:ext>
+                            <a:ext uri="{91240B29-F687-4F45-9708-019B960494DF}">
+                              <a14:hiddenLine xmlns:a14="http://schemas.microsoft.com/office/drawing/2010/main" w="9525">
+                                <a:solidFill>
+                                  <a:schemeClr val="tx1"/>
+                                </a:solidFill>
+                                <a:miter lim="800000"/>
+                                <a:headEnd/>
+                                <a:tailEnd/>
+                              </a14:hiddenLine>
+                            </a:ext>
+                            <a:ext uri="{AF507438-7753-43E0-B8FC-AC1667EBCBE1}">
+                              <a14:hiddenEffects xmlns:a14="http://schemas.microsoft.com/office/drawing/2010/main">
+                                <a:effectLst>
+                                  <a:outerShdw dist="35921" dir="2700000" algn="ctr" rotWithShape="0">
+                                    <a:schemeClr val="bg2"/>
+                                  </a:outerShdw>
+                                </a:effectLst>
+                              </a14:hiddenEffects>
+                            </a:ext>
+                          </a:extLst>
+                        </p:spPr>
+                      </p:pic>
+                    </p:oleObj>
+                  </mc:Fallback>
+                </mc:AlternateContent>
+              </a:graphicData>
+            </a:graphic>
+          </p:graphicFrame>
+          <p:sp>
+            <p:nvSpPr>
+              <p:cNvPr id="20" name="Text Box 17"/>
+              <p:cNvSpPr txBox="1">
+                <a:spLocks noChangeArrowheads="1"/>
+              </p:cNvSpPr>
+              <p:nvPr/>
+            </p:nvSpPr>
+            <p:spPr bwMode="auto">
+              <a:xfrm>
+                <a:off x="1257" y="990"/>
+                <a:ext cx="225" cy="231"/>
+              </a:xfrm>
+              <a:prstGeom prst="rect">
+                <a:avLst/>
+              </a:prstGeom>
+              <a:noFill/>
+              <a:ln>
+                <a:noFill/>
+              </a:ln>
+              <a:effectLst/>
+              <a:extLst>
+                <a:ext uri="{909E8E84-426E-40DD-AFC4-6F175D3DCCD1}">
+                  <a14:hiddenFill xmlns:a14="http://schemas.microsoft.com/office/drawing/2010/main">
+                    <a:solidFill>
+                      <a:schemeClr val="accent1"/>
+                    </a:solidFill>
+                  </a14:hiddenFill>
+                </a:ext>
+                <a:ext uri="{91240B29-F687-4F45-9708-019B960494DF}">
+                  <a14:hiddenLine xmlns:a14="http://schemas.microsoft.com/office/drawing/2010/main" w="9525">
+                    <a:solidFill>
+                      <a:schemeClr val="tx1"/>
+                    </a:solidFill>
+                    <a:miter lim="800000"/>
+                    <a:headEnd/>
+                    <a:tailEnd/>
+                  </a14:hiddenLine>
+                </a:ext>
+                <a:ext uri="{AF507438-7753-43E0-B8FC-AC1667EBCBE1}">
+                  <a14:hiddenEffects xmlns:a14="http://schemas.microsoft.com/office/drawing/2010/main">
+                    <a:effectLst>
+                      <a:outerShdw dist="35921" dir="2700000" algn="ctr" rotWithShape="0">
+                        <a:schemeClr val="bg2"/>
+                      </a:outerShdw>
+                    </a:effectLst>
+                  </a14:hiddenEffects>
+                </a:ext>
+              </a:extLst>
+            </p:spPr>
+            <p:txBody>
+              <a:bodyPr>
+                <a:spAutoFit/>
+              </a:bodyPr>
+              <a:lstStyle>
+                <a:lvl1pPr>
+                  <a:defRPr>
+                    <a:solidFill>
+                      <a:schemeClr val="tx1"/>
+                    </a:solidFill>
+                    <a:latin typeface="Tahoma" panose="020B0604030504040204" pitchFamily="34" charset="0"/>
+                  </a:defRPr>
+                </a:lvl1pPr>
+                <a:lvl2pPr marL="742950" indent="-285750">
+                  <a:defRPr>
+                    <a:solidFill>
+                      <a:schemeClr val="tx1"/>
+                    </a:solidFill>
+                    <a:latin typeface="Tahoma" panose="020B0604030504040204" pitchFamily="34" charset="0"/>
+                  </a:defRPr>
+                </a:lvl2pPr>
+                <a:lvl3pPr marL="1143000" indent="-228600">
+                  <a:defRPr>
+                    <a:solidFill>
+                      <a:schemeClr val="tx1"/>
+                    </a:solidFill>
+                    <a:latin typeface="Tahoma" panose="020B0604030504040204" pitchFamily="34" charset="0"/>
+                  </a:defRPr>
+                </a:lvl3pPr>
+                <a:lvl4pPr marL="1600200" indent="-228600">
+                  <a:defRPr>
+                    <a:solidFill>
+                      <a:schemeClr val="tx1"/>
+                    </a:solidFill>
+                    <a:latin typeface="Tahoma" panose="020B0604030504040204" pitchFamily="34" charset="0"/>
+                  </a:defRPr>
+                </a:lvl4pPr>
+                <a:lvl5pPr marL="2057400" indent="-228600">
+                  <a:defRPr>
+                    <a:solidFill>
+                      <a:schemeClr val="tx1"/>
+                    </a:solidFill>
+                    <a:latin typeface="Tahoma" panose="020B0604030504040204" pitchFamily="34" charset="0"/>
+                  </a:defRPr>
+                </a:lvl5pPr>
+                <a:lvl6pPr marL="2514600" indent="-228600" eaLnBrk="0" fontAlgn="base" hangingPunct="0">
+                  <a:spcBef>
+                    <a:spcPct val="0"/>
+                  </a:spcBef>
+                  <a:spcAft>
+                    <a:spcPct val="0"/>
+                  </a:spcAft>
+                  <a:defRPr>
+                    <a:solidFill>
+                      <a:schemeClr val="tx1"/>
+                    </a:solidFill>
+                    <a:latin typeface="Tahoma" panose="020B0604030504040204" pitchFamily="34" charset="0"/>
+                  </a:defRPr>
+                </a:lvl6pPr>
+                <a:lvl7pPr marL="2971800" indent="-228600" eaLnBrk="0" fontAlgn="base" hangingPunct="0">
+                  <a:spcBef>
+                    <a:spcPct val="0"/>
+                  </a:spcBef>
+                  <a:spcAft>
+                    <a:spcPct val="0"/>
+                  </a:spcAft>
+                  <a:defRPr>
+                    <a:solidFill>
+                      <a:schemeClr val="tx1"/>
+                    </a:solidFill>
+                    <a:latin typeface="Tahoma" panose="020B0604030504040204" pitchFamily="34" charset="0"/>
+                  </a:defRPr>
+                </a:lvl7pPr>
+                <a:lvl8pPr marL="3429000" indent="-228600" eaLnBrk="0" fontAlgn="base" hangingPunct="0">
+                  <a:spcBef>
+                    <a:spcPct val="0"/>
+                  </a:spcBef>
+                  <a:spcAft>
+                    <a:spcPct val="0"/>
+                  </a:spcAft>
+                  <a:defRPr>
+                    <a:solidFill>
+                      <a:schemeClr val="tx1"/>
+                    </a:solidFill>
+                    <a:latin typeface="Tahoma" panose="020B0604030504040204" pitchFamily="34" charset="0"/>
+                  </a:defRPr>
+                </a:lvl8pPr>
+                <a:lvl9pPr marL="3886200" indent="-228600" eaLnBrk="0" fontAlgn="base" hangingPunct="0">
+                  <a:spcBef>
+                    <a:spcPct val="0"/>
+                  </a:spcBef>
+                  <a:spcAft>
+                    <a:spcPct val="0"/>
+                  </a:spcAft>
+                  <a:defRPr>
+                    <a:solidFill>
+                      <a:schemeClr val="tx1"/>
+                    </a:solidFill>
+                    <a:latin typeface="Tahoma" panose="020B0604030504040204" pitchFamily="34" charset="0"/>
+                  </a:defRPr>
+                </a:lvl9pPr>
+              </a:lstStyle>
+              <a:p>
+                <a:pPr>
+                  <a:spcBef>
+                    <a:spcPct val="50000"/>
+                  </a:spcBef>
+                </a:pPr>
+                <a:r>
+                  <a:rPr lang="en-US" b="1" i="1">
+                    <a:latin typeface="Times New Roman" panose="02020603050405020304" pitchFamily="18" charset="0"/>
+                  </a:rPr>
+                  <a:t>t</a:t>
+                </a:r>
+                <a:endParaRPr lang="en-US">
+                  <a:latin typeface="Times New Roman" panose="02020603050405020304" pitchFamily="18" charset="0"/>
+                </a:endParaRPr>
+              </a:p>
+            </p:txBody>
+          </p:sp>
+          <p:sp>
+            <p:nvSpPr>
+              <p:cNvPr id="21" name="Text Box 18"/>
+              <p:cNvSpPr txBox="1">
+                <a:spLocks noChangeArrowheads="1"/>
+              </p:cNvSpPr>
+              <p:nvPr/>
+            </p:nvSpPr>
+            <p:spPr bwMode="auto">
+              <a:xfrm>
+                <a:off x="1653" y="1451"/>
+                <a:ext cx="281" cy="231"/>
+              </a:xfrm>
+              <a:prstGeom prst="rect">
+                <a:avLst/>
+              </a:prstGeom>
+              <a:noFill/>
+              <a:ln>
+                <a:noFill/>
+              </a:ln>
+              <a:effectLst/>
+              <a:extLst>
+                <a:ext uri="{909E8E84-426E-40DD-AFC4-6F175D3DCCD1}">
+                  <a14:hiddenFill xmlns:a14="http://schemas.microsoft.com/office/drawing/2010/main">
+                    <a:solidFill>
+                      <a:schemeClr val="accent1"/>
+                    </a:solidFill>
+                  </a14:hiddenFill>
+                </a:ext>
+                <a:ext uri="{91240B29-F687-4F45-9708-019B960494DF}">
+                  <a14:hiddenLine xmlns:a14="http://schemas.microsoft.com/office/drawing/2010/main" w="9525">
+                    <a:solidFill>
+                      <a:schemeClr val="tx1"/>
+                    </a:solidFill>
+                    <a:miter lim="800000"/>
+                    <a:headEnd/>
+                    <a:tailEnd/>
+                  </a14:hiddenLine>
+                </a:ext>
+                <a:ext uri="{AF507438-7753-43E0-B8FC-AC1667EBCBE1}">
+                  <a14:hiddenEffects xmlns:a14="http://schemas.microsoft.com/office/drawing/2010/main">
+                    <a:effectLst>
+                      <a:outerShdw dist="35921" dir="2700000" algn="ctr" rotWithShape="0">
+                        <a:schemeClr val="bg2"/>
+                      </a:outerShdw>
+                    </a:effectLst>
+                  </a14:hiddenEffects>
+                </a:ext>
+              </a:extLst>
+            </p:spPr>
+            <p:txBody>
+              <a:bodyPr>
+                <a:spAutoFit/>
+              </a:bodyPr>
+              <a:lstStyle>
+                <a:lvl1pPr>
+                  <a:defRPr>
+                    <a:solidFill>
+                      <a:schemeClr val="tx1"/>
+                    </a:solidFill>
+                    <a:latin typeface="Tahoma" panose="020B0604030504040204" pitchFamily="34" charset="0"/>
+                  </a:defRPr>
+                </a:lvl1pPr>
+                <a:lvl2pPr marL="742950" indent="-285750">
+                  <a:defRPr>
+                    <a:solidFill>
+                      <a:schemeClr val="tx1"/>
+                    </a:solidFill>
+                    <a:latin typeface="Tahoma" panose="020B0604030504040204" pitchFamily="34" charset="0"/>
+                  </a:defRPr>
+                </a:lvl2pPr>
+                <a:lvl3pPr marL="1143000" indent="-228600">
+                  <a:defRPr>
+                    <a:solidFill>
+                      <a:schemeClr val="tx1"/>
+                    </a:solidFill>
+                    <a:latin typeface="Tahoma" panose="020B0604030504040204" pitchFamily="34" charset="0"/>
+                  </a:defRPr>
+                </a:lvl3pPr>
+                <a:lvl4pPr marL="1600200" indent="-228600">
+                  <a:defRPr>
+                    <a:solidFill>
+                      <a:schemeClr val="tx1"/>
+                    </a:solidFill>
+                    <a:latin typeface="Tahoma" panose="020B0604030504040204" pitchFamily="34" charset="0"/>
+                  </a:defRPr>
+                </a:lvl4pPr>
+                <a:lvl5pPr marL="2057400" indent="-228600">
+                  <a:defRPr>
+                    <a:solidFill>
+                      <a:schemeClr val="tx1"/>
+                    </a:solidFill>
+                    <a:latin typeface="Tahoma" panose="020B0604030504040204" pitchFamily="34" charset="0"/>
+                  </a:defRPr>
+                </a:lvl5pPr>
+                <a:lvl6pPr marL="2514600" indent="-228600" eaLnBrk="0" fontAlgn="base" hangingPunct="0">
+                  <a:spcBef>
+                    <a:spcPct val="0"/>
+                  </a:spcBef>
+                  <a:spcAft>
+                    <a:spcPct val="0"/>
+                  </a:spcAft>
+                  <a:defRPr>
+                    <a:solidFill>
+                      <a:schemeClr val="tx1"/>
+                    </a:solidFill>
+                    <a:latin typeface="Tahoma" panose="020B0604030504040204" pitchFamily="34" charset="0"/>
+                  </a:defRPr>
+                </a:lvl6pPr>
+                <a:lvl7pPr marL="2971800" indent="-228600" eaLnBrk="0" fontAlgn="base" hangingPunct="0">
+                  <a:spcBef>
+                    <a:spcPct val="0"/>
+                  </a:spcBef>
+                  <a:spcAft>
+                    <a:spcPct val="0"/>
+                  </a:spcAft>
+                  <a:defRPr>
+                    <a:solidFill>
+                      <a:schemeClr val="tx1"/>
+                    </a:solidFill>
+                    <a:latin typeface="Tahoma" panose="020B0604030504040204" pitchFamily="34" charset="0"/>
+                  </a:defRPr>
+                </a:lvl7pPr>
+                <a:lvl8pPr marL="3429000" indent="-228600" eaLnBrk="0" fontAlgn="base" hangingPunct="0">
+                  <a:spcBef>
+                    <a:spcPct val="0"/>
+                  </a:spcBef>
+                  <a:spcAft>
+                    <a:spcPct val="0"/>
+                  </a:spcAft>
+                  <a:defRPr>
+                    <a:solidFill>
+                      <a:schemeClr val="tx1"/>
+                    </a:solidFill>
+                    <a:latin typeface="Tahoma" panose="020B0604030504040204" pitchFamily="34" charset="0"/>
+                  </a:defRPr>
+                </a:lvl8pPr>
+                <a:lvl9pPr marL="3886200" indent="-228600" eaLnBrk="0" fontAlgn="base" hangingPunct="0">
+                  <a:spcBef>
+                    <a:spcPct val="0"/>
+                  </a:spcBef>
+                  <a:spcAft>
+                    <a:spcPct val="0"/>
+                  </a:spcAft>
+                  <a:defRPr>
+                    <a:solidFill>
+                      <a:schemeClr val="tx1"/>
+                    </a:solidFill>
+                    <a:latin typeface="Tahoma" panose="020B0604030504040204" pitchFamily="34" charset="0"/>
+                  </a:defRPr>
+                </a:lvl9pPr>
+              </a:lstStyle>
+              <a:p>
+                <a:pPr>
+                  <a:spcBef>
+                    <a:spcPct val="50000"/>
+                  </a:spcBef>
+                </a:pPr>
+                <a:r>
+                  <a:rPr lang="en-US" b="1" i="1">
+                    <a:latin typeface="Times New Roman" panose="02020603050405020304" pitchFamily="18" charset="0"/>
+                  </a:rPr>
+                  <a:t>i</a:t>
+                </a:r>
+                <a:endParaRPr lang="en-US">
+                  <a:latin typeface="Times New Roman" panose="02020603050405020304" pitchFamily="18" charset="0"/>
+                </a:endParaRPr>
+              </a:p>
+            </p:txBody>
+          </p:sp>
+          <p:sp>
+            <p:nvSpPr>
+              <p:cNvPr id="22" name="Text Box 19"/>
+              <p:cNvSpPr txBox="1">
+                <a:spLocks noChangeArrowheads="1"/>
+              </p:cNvSpPr>
+              <p:nvPr/>
+            </p:nvSpPr>
+            <p:spPr bwMode="auto">
+              <a:xfrm>
+                <a:off x="1946" y="1451"/>
+                <a:ext cx="225" cy="231"/>
+              </a:xfrm>
+              <a:prstGeom prst="rect">
+                <a:avLst/>
+              </a:prstGeom>
+              <a:noFill/>
+              <a:ln>
+                <a:noFill/>
+              </a:ln>
+              <a:effectLst/>
+              <a:extLst>
+                <a:ext uri="{909E8E84-426E-40DD-AFC4-6F175D3DCCD1}">
+                  <a14:hiddenFill xmlns:a14="http://schemas.microsoft.com/office/drawing/2010/main">
+                    <a:solidFill>
+                      <a:schemeClr val="accent1"/>
+                    </a:solidFill>
+                  </a14:hiddenFill>
+                </a:ext>
+                <a:ext uri="{91240B29-F687-4F45-9708-019B960494DF}">
+                  <a14:hiddenLine xmlns:a14="http://schemas.microsoft.com/office/drawing/2010/main" w="9525">
+                    <a:solidFill>
+                      <a:schemeClr val="tx1"/>
+                    </a:solidFill>
+                    <a:miter lim="800000"/>
+                    <a:headEnd/>
+                    <a:tailEnd/>
+                  </a14:hiddenLine>
+                </a:ext>
+                <a:ext uri="{AF507438-7753-43E0-B8FC-AC1667EBCBE1}">
+                  <a14:hiddenEffects xmlns:a14="http://schemas.microsoft.com/office/drawing/2010/main">
+                    <a:effectLst>
+                      <a:outerShdw dist="35921" dir="2700000" algn="ctr" rotWithShape="0">
+                        <a:schemeClr val="bg2"/>
+                      </a:outerShdw>
+                    </a:effectLst>
+                  </a14:hiddenEffects>
+                </a:ext>
+              </a:extLst>
+            </p:spPr>
+            <p:txBody>
+              <a:bodyPr>
+                <a:spAutoFit/>
+              </a:bodyPr>
+              <a:lstStyle>
+                <a:lvl1pPr>
+                  <a:defRPr>
+                    <a:solidFill>
+                      <a:schemeClr val="tx1"/>
+                    </a:solidFill>
+                    <a:latin typeface="Tahoma" panose="020B0604030504040204" pitchFamily="34" charset="0"/>
+                  </a:defRPr>
+                </a:lvl1pPr>
+                <a:lvl2pPr marL="742950" indent="-285750">
+                  <a:defRPr>
+                    <a:solidFill>
+                      <a:schemeClr val="tx1"/>
+                    </a:solidFill>
+                    <a:latin typeface="Tahoma" panose="020B0604030504040204" pitchFamily="34" charset="0"/>
+                  </a:defRPr>
+                </a:lvl2pPr>
+                <a:lvl3pPr marL="1143000" indent="-228600">
+                  <a:defRPr>
+                    <a:solidFill>
+                      <a:schemeClr val="tx1"/>
+                    </a:solidFill>
+                    <a:latin typeface="Tahoma" panose="020B0604030504040204" pitchFamily="34" charset="0"/>
+                  </a:defRPr>
+                </a:lvl3pPr>
+                <a:lvl4pPr marL="1600200" indent="-228600">
+                  <a:defRPr>
+                    <a:solidFill>
+                      <a:schemeClr val="tx1"/>
+                    </a:solidFill>
+                    <a:latin typeface="Tahoma" panose="020B0604030504040204" pitchFamily="34" charset="0"/>
+                  </a:defRPr>
+                </a:lvl4pPr>
+                <a:lvl5pPr marL="2057400" indent="-228600">
+                  <a:defRPr>
+                    <a:solidFill>
+                      <a:schemeClr val="tx1"/>
+                    </a:solidFill>
+                    <a:latin typeface="Tahoma" panose="020B0604030504040204" pitchFamily="34" charset="0"/>
+                  </a:defRPr>
+                </a:lvl5pPr>
+                <a:lvl6pPr marL="2514600" indent="-228600" eaLnBrk="0" fontAlgn="base" hangingPunct="0">
+                  <a:spcBef>
+                    <a:spcPct val="0"/>
+                  </a:spcBef>
+                  <a:spcAft>
+                    <a:spcPct val="0"/>
+                  </a:spcAft>
+                  <a:defRPr>
+                    <a:solidFill>
+                      <a:schemeClr val="tx1"/>
+                    </a:solidFill>
+                    <a:latin typeface="Tahoma" panose="020B0604030504040204" pitchFamily="34" charset="0"/>
+                  </a:defRPr>
+                </a:lvl6pPr>
+                <a:lvl7pPr marL="2971800" indent="-228600" eaLnBrk="0" fontAlgn="base" hangingPunct="0">
+                  <a:spcBef>
+                    <a:spcPct val="0"/>
+                  </a:spcBef>
+                  <a:spcAft>
+                    <a:spcPct val="0"/>
+                  </a:spcAft>
+                  <a:defRPr>
+                    <a:solidFill>
+                      <a:schemeClr val="tx1"/>
+                    </a:solidFill>
+                    <a:latin typeface="Tahoma" panose="020B0604030504040204" pitchFamily="34" charset="0"/>
+                  </a:defRPr>
+                </a:lvl7pPr>
+                <a:lvl8pPr marL="3429000" indent="-228600" eaLnBrk="0" fontAlgn="base" hangingPunct="0">
+                  <a:spcBef>
+                    <a:spcPct val="0"/>
+                  </a:spcBef>
+                  <a:spcAft>
+                    <a:spcPct val="0"/>
+                  </a:spcAft>
+                  <a:defRPr>
+                    <a:solidFill>
+                      <a:schemeClr val="tx1"/>
+                    </a:solidFill>
+                    <a:latin typeface="Tahoma" panose="020B0604030504040204" pitchFamily="34" charset="0"/>
+                  </a:defRPr>
+                </a:lvl8pPr>
+                <a:lvl9pPr marL="3886200" indent="-228600" eaLnBrk="0" fontAlgn="base" hangingPunct="0">
+                  <a:spcBef>
+                    <a:spcPct val="0"/>
+                  </a:spcBef>
+                  <a:spcAft>
+                    <a:spcPct val="0"/>
+                  </a:spcAft>
+                  <a:defRPr>
+                    <a:solidFill>
+                      <a:schemeClr val="tx1"/>
+                    </a:solidFill>
+                    <a:latin typeface="Tahoma" panose="020B0604030504040204" pitchFamily="34" charset="0"/>
+                  </a:defRPr>
+                </a:lvl9pPr>
+              </a:lstStyle>
+              <a:p>
+                <a:pPr>
+                  <a:spcBef>
+                    <a:spcPct val="50000"/>
+                  </a:spcBef>
+                </a:pPr>
+                <a:r>
+                  <a:rPr lang="en-US" b="1" i="1">
+                    <a:latin typeface="Times New Roman" panose="02020603050405020304" pitchFamily="18" charset="0"/>
+                  </a:rPr>
+                  <a:t>h</a:t>
+                </a:r>
+                <a:endParaRPr lang="en-US">
+                  <a:latin typeface="Times New Roman" panose="02020603050405020304" pitchFamily="18" charset="0"/>
+                </a:endParaRPr>
+              </a:p>
+            </p:txBody>
+          </p:sp>
+          <p:sp>
+            <p:nvSpPr>
+              <p:cNvPr id="23" name="Text Box 20"/>
+              <p:cNvSpPr txBox="1">
+                <a:spLocks noChangeArrowheads="1"/>
+              </p:cNvSpPr>
+              <p:nvPr/>
+            </p:nvSpPr>
+            <p:spPr bwMode="auto">
+              <a:xfrm>
+                <a:off x="1946" y="1220"/>
+                <a:ext cx="225" cy="231"/>
+              </a:xfrm>
+              <a:prstGeom prst="rect">
+                <a:avLst/>
+              </a:prstGeom>
+              <a:noFill/>
+              <a:ln>
+                <a:noFill/>
+              </a:ln>
+              <a:effectLst/>
+              <a:extLst>
+                <a:ext uri="{909E8E84-426E-40DD-AFC4-6F175D3DCCD1}">
+                  <a14:hiddenFill xmlns:a14="http://schemas.microsoft.com/office/drawing/2010/main">
+                    <a:solidFill>
+                      <a:schemeClr val="accent1"/>
+                    </a:solidFill>
+                  </a14:hiddenFill>
+                </a:ext>
+                <a:ext uri="{91240B29-F687-4F45-9708-019B960494DF}">
+                  <a14:hiddenLine xmlns:a14="http://schemas.microsoft.com/office/drawing/2010/main" w="9525">
+                    <a:solidFill>
+                      <a:schemeClr val="tx1"/>
+                    </a:solidFill>
+                    <a:miter lim="800000"/>
+                    <a:headEnd/>
+                    <a:tailEnd/>
+                  </a14:hiddenLine>
+                </a:ext>
+                <a:ext uri="{AF507438-7753-43E0-B8FC-AC1667EBCBE1}">
+                  <a14:hiddenEffects xmlns:a14="http://schemas.microsoft.com/office/drawing/2010/main">
+                    <a:effectLst>
+                      <a:outerShdw dist="35921" dir="2700000" algn="ctr" rotWithShape="0">
+                        <a:schemeClr val="bg2"/>
+                      </a:outerShdw>
+                    </a:effectLst>
+                  </a14:hiddenEffects>
+                </a:ext>
+              </a:extLst>
+            </p:spPr>
+            <p:txBody>
+              <a:bodyPr>
+                <a:spAutoFit/>
+              </a:bodyPr>
+              <a:lstStyle>
+                <a:lvl1pPr>
+                  <a:defRPr>
+                    <a:solidFill>
+                      <a:schemeClr val="tx1"/>
+                    </a:solidFill>
+                    <a:latin typeface="Tahoma" panose="020B0604030504040204" pitchFamily="34" charset="0"/>
+                  </a:defRPr>
+                </a:lvl1pPr>
+                <a:lvl2pPr marL="742950" indent="-285750">
+                  <a:defRPr>
+                    <a:solidFill>
+                      <a:schemeClr val="tx1"/>
+                    </a:solidFill>
+                    <a:latin typeface="Tahoma" panose="020B0604030504040204" pitchFamily="34" charset="0"/>
+                  </a:defRPr>
+                </a:lvl2pPr>
+                <a:lvl3pPr marL="1143000" indent="-228600">
+                  <a:defRPr>
+                    <a:solidFill>
+                      <a:schemeClr val="tx1"/>
+                    </a:solidFill>
+                    <a:latin typeface="Tahoma" panose="020B0604030504040204" pitchFamily="34" charset="0"/>
+                  </a:defRPr>
+                </a:lvl3pPr>
+                <a:lvl4pPr marL="1600200" indent="-228600">
+                  <a:defRPr>
+                    <a:solidFill>
+                      <a:schemeClr val="tx1"/>
+                    </a:solidFill>
+                    <a:latin typeface="Tahoma" panose="020B0604030504040204" pitchFamily="34" charset="0"/>
+                  </a:defRPr>
+                </a:lvl4pPr>
+                <a:lvl5pPr marL="2057400" indent="-228600">
+                  <a:defRPr>
+                    <a:solidFill>
+                      <a:schemeClr val="tx1"/>
+                    </a:solidFill>
+                    <a:latin typeface="Tahoma" panose="020B0604030504040204" pitchFamily="34" charset="0"/>
+                  </a:defRPr>
+                </a:lvl5pPr>
+                <a:lvl6pPr marL="2514600" indent="-228600" eaLnBrk="0" fontAlgn="base" hangingPunct="0">
+                  <a:spcBef>
+                    <a:spcPct val="0"/>
+                  </a:spcBef>
+                  <a:spcAft>
+                    <a:spcPct val="0"/>
+                  </a:spcAft>
+                  <a:defRPr>
+                    <a:solidFill>
+                      <a:schemeClr val="tx1"/>
+                    </a:solidFill>
+                    <a:latin typeface="Tahoma" panose="020B0604030504040204" pitchFamily="34" charset="0"/>
+                  </a:defRPr>
+                </a:lvl6pPr>
+                <a:lvl7pPr marL="2971800" indent="-228600" eaLnBrk="0" fontAlgn="base" hangingPunct="0">
+                  <a:spcBef>
+                    <a:spcPct val="0"/>
+                  </a:spcBef>
+                  <a:spcAft>
+                    <a:spcPct val="0"/>
+                  </a:spcAft>
+                  <a:defRPr>
+                    <a:solidFill>
+                      <a:schemeClr val="tx1"/>
+                    </a:solidFill>
+                    <a:latin typeface="Tahoma" panose="020B0604030504040204" pitchFamily="34" charset="0"/>
+                  </a:defRPr>
+                </a:lvl7pPr>
+                <a:lvl8pPr marL="3429000" indent="-228600" eaLnBrk="0" fontAlgn="base" hangingPunct="0">
+                  <a:spcBef>
+                    <a:spcPct val="0"/>
+                  </a:spcBef>
+                  <a:spcAft>
+                    <a:spcPct val="0"/>
+                  </a:spcAft>
+                  <a:defRPr>
+                    <a:solidFill>
+                      <a:schemeClr val="tx1"/>
+                    </a:solidFill>
+                    <a:latin typeface="Tahoma" panose="020B0604030504040204" pitchFamily="34" charset="0"/>
+                  </a:defRPr>
+                </a:lvl8pPr>
+                <a:lvl9pPr marL="3886200" indent="-228600" eaLnBrk="0" fontAlgn="base" hangingPunct="0">
+                  <a:spcBef>
+                    <a:spcPct val="0"/>
+                  </a:spcBef>
+                  <a:spcAft>
+                    <a:spcPct val="0"/>
+                  </a:spcAft>
+                  <a:defRPr>
+                    <a:solidFill>
+                      <a:schemeClr val="tx1"/>
+                    </a:solidFill>
+                    <a:latin typeface="Tahoma" panose="020B0604030504040204" pitchFamily="34" charset="0"/>
+                  </a:defRPr>
+                </a:lvl9pPr>
+              </a:lstStyle>
+              <a:p>
+                <a:pPr algn="just">
+                  <a:spcBef>
+                    <a:spcPct val="50000"/>
+                  </a:spcBef>
+                </a:pPr>
+                <a:r>
+                  <a:rPr lang="en-US" b="1" i="1">
+                    <a:latin typeface="Times New Roman" panose="02020603050405020304" pitchFamily="18" charset="0"/>
+                  </a:rPr>
+                  <a:t>j</a:t>
+                </a:r>
+                <a:endParaRPr lang="en-US">
+                  <a:latin typeface="Times New Roman" panose="02020603050405020304" pitchFamily="18" charset="0"/>
+                </a:endParaRPr>
+              </a:p>
+            </p:txBody>
+          </p:sp>
+          <p:sp>
+            <p:nvSpPr>
+              <p:cNvPr id="24" name="Line 21"/>
+              <p:cNvSpPr>
+                <a:spLocks noChangeShapeType="1"/>
+              </p:cNvSpPr>
+              <p:nvPr/>
+            </p:nvSpPr>
+            <p:spPr bwMode="auto">
+              <a:xfrm>
+                <a:off x="1934" y="1358"/>
+                <a:ext cx="0" cy="127"/>
+              </a:xfrm>
+              <a:prstGeom prst="line">
+                <a:avLst/>
+              </a:prstGeom>
+              <a:noFill/>
+              <a:ln w="9525">
+                <a:solidFill>
+                  <a:schemeClr val="tx1"/>
+                </a:solidFill>
+                <a:round/>
+                <a:headEnd/>
+                <a:tailEnd/>
+              </a:ln>
+              <a:effectLst/>
+              <a:extLst>
+                <a:ext uri="{909E8E84-426E-40DD-AFC4-6F175D3DCCD1}">
+                  <a14:hiddenFill xmlns:a14="http://schemas.microsoft.com/office/drawing/2010/main">
+                    <a:noFill/>
+                  </a14:hiddenFill>
+                </a:ext>
+                <a:ext uri="{AF507438-7753-43E0-B8FC-AC1667EBCBE1}">
+                  <a14:hiddenEffects xmlns:a14="http://schemas.microsoft.com/office/drawing/2010/main">
+                    <a:effectLst>
+                      <a:outerShdw dist="35921" dir="2700000" algn="ctr" rotWithShape="0">
+                        <a:schemeClr val="bg2"/>
+                      </a:outerShdw>
+                    </a:effectLst>
+                  </a14:hiddenEffects>
+                </a:ext>
+              </a:extLst>
+            </p:spPr>
+            <p:txBody>
+              <a:bodyPr wrap="none" anchor="ctr">
+                <a:spAutoFit/>
+              </a:bodyPr>
+              <a:lstStyle/>
+              <a:p>
+                <a:endParaRPr lang="en-US"/>
+              </a:p>
+            </p:txBody>
+          </p:sp>
+          <p:sp>
+            <p:nvSpPr>
+              <p:cNvPr id="25" name="Line 22"/>
+              <p:cNvSpPr>
+                <a:spLocks noChangeShapeType="1"/>
+              </p:cNvSpPr>
+              <p:nvPr/>
+            </p:nvSpPr>
+            <p:spPr bwMode="auto">
+              <a:xfrm flipH="1">
+                <a:off x="1806" y="1315"/>
+                <a:ext cx="85" cy="170"/>
+              </a:xfrm>
+              <a:prstGeom prst="line">
+                <a:avLst/>
+              </a:prstGeom>
+              <a:noFill/>
+              <a:ln w="28575">
+                <a:solidFill>
+                  <a:schemeClr val="tx1"/>
+                </a:solidFill>
+                <a:round/>
+                <a:headEnd/>
+                <a:tailEnd/>
+              </a:ln>
+              <a:effectLst/>
+              <a:extLst>
+                <a:ext uri="{909E8E84-426E-40DD-AFC4-6F175D3DCCD1}">
+                  <a14:hiddenFill xmlns:a14="http://schemas.microsoft.com/office/drawing/2010/main">
+                    <a:noFill/>
+                  </a14:hiddenFill>
+                </a:ext>
+                <a:ext uri="{AF507438-7753-43E0-B8FC-AC1667EBCBE1}">
+                  <a14:hiddenEffects xmlns:a14="http://schemas.microsoft.com/office/drawing/2010/main">
+                    <a:effectLst>
+                      <a:outerShdw dist="35921" dir="2700000" algn="ctr" rotWithShape="0">
+                        <a:schemeClr val="bg2"/>
+                      </a:outerShdw>
+                    </a:effectLst>
+                  </a14:hiddenEffects>
+                </a:ext>
+              </a:extLst>
+            </p:spPr>
+            <p:txBody>
+              <a:bodyPr anchor="ctr">
+                <a:spAutoFit/>
+              </a:bodyPr>
+              <a:lstStyle/>
+              <a:p>
+                <a:endParaRPr lang="en-US"/>
+              </a:p>
+            </p:txBody>
+          </p:sp>
+          <p:sp>
+            <p:nvSpPr>
+              <p:cNvPr id="26" name="Oval 23"/>
+              <p:cNvSpPr>
+                <a:spLocks noChangeArrowheads="1"/>
+              </p:cNvSpPr>
+              <p:nvPr/>
+            </p:nvSpPr>
+            <p:spPr bwMode="auto">
+              <a:xfrm>
+                <a:off x="1164" y="890"/>
+                <a:ext cx="513" cy="765"/>
+              </a:xfrm>
+              <a:prstGeom prst="ellipse">
+                <a:avLst/>
+              </a:prstGeom>
+              <a:noFill/>
+              <a:ln w="9525">
+                <a:solidFill>
+                  <a:schemeClr val="tx1"/>
+                </a:solidFill>
+                <a:prstDash val="lgDashDot"/>
+                <a:round/>
+                <a:headEnd/>
+                <a:tailEnd/>
+              </a:ln>
+              <a:effectLst/>
+              <a:extLst>
+                <a:ext uri="{909E8E84-426E-40DD-AFC4-6F175D3DCCD1}">
+                  <a14:hiddenFill xmlns:a14="http://schemas.microsoft.com/office/drawing/2010/main">
+                    <a:solidFill>
+                      <a:schemeClr val="accent1"/>
+                    </a:solidFill>
+                  </a14:hiddenFill>
+                </a:ext>
+                <a:ext uri="{AF507438-7753-43E0-B8FC-AC1667EBCBE1}">
+                  <a14:hiddenEffects xmlns:a14="http://schemas.microsoft.com/office/drawing/2010/main">
+                    <a:effectLst>
+                      <a:outerShdw dist="35921" dir="2700000" algn="ctr" rotWithShape="0">
+                        <a:schemeClr val="bg2"/>
+                      </a:outerShdw>
+                    </a:effectLst>
+                  </a14:hiddenEffects>
+                </a:ext>
+              </a:extLst>
+            </p:spPr>
+            <p:txBody>
+              <a:bodyPr wrap="none" anchor="ctr">
+                <a:spAutoFit/>
+              </a:bodyPr>
+              <a:lstStyle>
+                <a:lvl1pPr>
+                  <a:defRPr>
+                    <a:solidFill>
+                      <a:schemeClr val="tx1"/>
+                    </a:solidFill>
+                    <a:latin typeface="Tahoma" panose="020B0604030504040204" pitchFamily="34" charset="0"/>
+                  </a:defRPr>
+                </a:lvl1pPr>
+                <a:lvl2pPr marL="742950" indent="-285750">
+                  <a:defRPr>
+                    <a:solidFill>
+                      <a:schemeClr val="tx1"/>
+                    </a:solidFill>
+                    <a:latin typeface="Tahoma" panose="020B0604030504040204" pitchFamily="34" charset="0"/>
+                  </a:defRPr>
+                </a:lvl2pPr>
+                <a:lvl3pPr marL="1143000" indent="-228600">
+                  <a:defRPr>
+                    <a:solidFill>
+                      <a:schemeClr val="tx1"/>
+                    </a:solidFill>
+                    <a:latin typeface="Tahoma" panose="020B0604030504040204" pitchFamily="34" charset="0"/>
+                  </a:defRPr>
+                </a:lvl3pPr>
+                <a:lvl4pPr marL="1600200" indent="-228600">
+                  <a:defRPr>
+                    <a:solidFill>
+                      <a:schemeClr val="tx1"/>
+                    </a:solidFill>
+                    <a:latin typeface="Tahoma" panose="020B0604030504040204" pitchFamily="34" charset="0"/>
+                  </a:defRPr>
+                </a:lvl4pPr>
+                <a:lvl5pPr marL="2057400" indent="-228600">
+                  <a:defRPr>
+                    <a:solidFill>
+                      <a:schemeClr val="tx1"/>
+                    </a:solidFill>
+                    <a:latin typeface="Tahoma" panose="020B0604030504040204" pitchFamily="34" charset="0"/>
+                  </a:defRPr>
+                </a:lvl5pPr>
+                <a:lvl6pPr marL="2514600" indent="-228600" eaLnBrk="0" fontAlgn="base" hangingPunct="0">
+                  <a:spcBef>
+                    <a:spcPct val="0"/>
+                  </a:spcBef>
+                  <a:spcAft>
+                    <a:spcPct val="0"/>
+                  </a:spcAft>
+                  <a:defRPr>
+                    <a:solidFill>
+                      <a:schemeClr val="tx1"/>
+                    </a:solidFill>
+                    <a:latin typeface="Tahoma" panose="020B0604030504040204" pitchFamily="34" charset="0"/>
+                  </a:defRPr>
+                </a:lvl6pPr>
+                <a:lvl7pPr marL="2971800" indent="-228600" eaLnBrk="0" fontAlgn="base" hangingPunct="0">
+                  <a:spcBef>
+                    <a:spcPct val="0"/>
+                  </a:spcBef>
+                  <a:spcAft>
+                    <a:spcPct val="0"/>
+                  </a:spcAft>
+                  <a:defRPr>
+                    <a:solidFill>
+                      <a:schemeClr val="tx1"/>
+                    </a:solidFill>
+                    <a:latin typeface="Tahoma" panose="020B0604030504040204" pitchFamily="34" charset="0"/>
+                  </a:defRPr>
+                </a:lvl7pPr>
+                <a:lvl8pPr marL="3429000" indent="-228600" eaLnBrk="0" fontAlgn="base" hangingPunct="0">
+                  <a:spcBef>
+                    <a:spcPct val="0"/>
+                  </a:spcBef>
+                  <a:spcAft>
+                    <a:spcPct val="0"/>
+                  </a:spcAft>
+                  <a:defRPr>
+                    <a:solidFill>
+                      <a:schemeClr val="tx1"/>
+                    </a:solidFill>
+                    <a:latin typeface="Tahoma" panose="020B0604030504040204" pitchFamily="34" charset="0"/>
+                  </a:defRPr>
+                </a:lvl8pPr>
+                <a:lvl9pPr marL="3886200" indent="-228600" eaLnBrk="0" fontAlgn="base" hangingPunct="0">
+                  <a:spcBef>
+                    <a:spcPct val="0"/>
+                  </a:spcBef>
+                  <a:spcAft>
+                    <a:spcPct val="0"/>
+                  </a:spcAft>
+                  <a:defRPr>
+                    <a:solidFill>
+                      <a:schemeClr val="tx1"/>
+                    </a:solidFill>
+                    <a:latin typeface="Tahoma" panose="020B0604030504040204" pitchFamily="34" charset="0"/>
+                  </a:defRPr>
+                </a:lvl9pPr>
+              </a:lstStyle>
+              <a:p>
+                <a:endParaRPr lang="en-US"/>
+              </a:p>
+            </p:txBody>
+          </p:sp>
+          <p:sp>
+            <p:nvSpPr>
+              <p:cNvPr id="27" name="Oval 24"/>
+              <p:cNvSpPr>
+                <a:spLocks noChangeArrowheads="1"/>
+              </p:cNvSpPr>
+              <p:nvPr/>
+            </p:nvSpPr>
+            <p:spPr bwMode="auto">
+              <a:xfrm>
+                <a:off x="1677" y="1230"/>
+                <a:ext cx="514" cy="638"/>
+              </a:xfrm>
+              <a:prstGeom prst="ellipse">
+                <a:avLst/>
+              </a:prstGeom>
+              <a:noFill/>
+              <a:ln w="9525">
+                <a:solidFill>
+                  <a:schemeClr val="tx1"/>
+                </a:solidFill>
+                <a:prstDash val="lgDashDot"/>
+                <a:round/>
+                <a:headEnd/>
+                <a:tailEnd/>
+              </a:ln>
+              <a:effectLst/>
+              <a:extLst>
+                <a:ext uri="{909E8E84-426E-40DD-AFC4-6F175D3DCCD1}">
+                  <a14:hiddenFill xmlns:a14="http://schemas.microsoft.com/office/drawing/2010/main">
+                    <a:solidFill>
+                      <a:schemeClr val="accent1"/>
+                    </a:solidFill>
+                  </a14:hiddenFill>
+                </a:ext>
+                <a:ext uri="{AF507438-7753-43E0-B8FC-AC1667EBCBE1}">
+                  <a14:hiddenEffects xmlns:a14="http://schemas.microsoft.com/office/drawing/2010/main">
+                    <a:effectLst>
+                      <a:outerShdw dist="35921" dir="2700000" algn="ctr" rotWithShape="0">
+                        <a:schemeClr val="bg2"/>
+                      </a:outerShdw>
+                    </a:effectLst>
+                  </a14:hiddenEffects>
+                </a:ext>
+              </a:extLst>
+            </p:spPr>
+            <p:txBody>
+              <a:bodyPr anchor="ctr">
+                <a:spAutoFit/>
+              </a:bodyPr>
+              <a:lstStyle>
+                <a:lvl1pPr>
+                  <a:defRPr>
+                    <a:solidFill>
+                      <a:schemeClr val="tx1"/>
+                    </a:solidFill>
+                    <a:latin typeface="Tahoma" panose="020B0604030504040204" pitchFamily="34" charset="0"/>
+                  </a:defRPr>
+                </a:lvl1pPr>
+                <a:lvl2pPr marL="742950" indent="-285750">
+                  <a:defRPr>
+                    <a:solidFill>
+                      <a:schemeClr val="tx1"/>
+                    </a:solidFill>
+                    <a:latin typeface="Tahoma" panose="020B0604030504040204" pitchFamily="34" charset="0"/>
+                  </a:defRPr>
+                </a:lvl2pPr>
+                <a:lvl3pPr marL="1143000" indent="-228600">
+                  <a:defRPr>
+                    <a:solidFill>
+                      <a:schemeClr val="tx1"/>
+                    </a:solidFill>
+                    <a:latin typeface="Tahoma" panose="020B0604030504040204" pitchFamily="34" charset="0"/>
+                  </a:defRPr>
+                </a:lvl3pPr>
+                <a:lvl4pPr marL="1600200" indent="-228600">
+                  <a:defRPr>
+                    <a:solidFill>
+                      <a:schemeClr val="tx1"/>
+                    </a:solidFill>
+                    <a:latin typeface="Tahoma" panose="020B0604030504040204" pitchFamily="34" charset="0"/>
+                  </a:defRPr>
+                </a:lvl4pPr>
+                <a:lvl5pPr marL="2057400" indent="-228600">
+                  <a:defRPr>
+                    <a:solidFill>
+                      <a:schemeClr val="tx1"/>
+                    </a:solidFill>
+                    <a:latin typeface="Tahoma" panose="020B0604030504040204" pitchFamily="34" charset="0"/>
+                  </a:defRPr>
+                </a:lvl5pPr>
+                <a:lvl6pPr marL="2514600" indent="-228600" eaLnBrk="0" fontAlgn="base" hangingPunct="0">
+                  <a:spcBef>
+                    <a:spcPct val="0"/>
+                  </a:spcBef>
+                  <a:spcAft>
+                    <a:spcPct val="0"/>
+                  </a:spcAft>
+                  <a:defRPr>
+                    <a:solidFill>
+                      <a:schemeClr val="tx1"/>
+                    </a:solidFill>
+                    <a:latin typeface="Tahoma" panose="020B0604030504040204" pitchFamily="34" charset="0"/>
+                  </a:defRPr>
+                </a:lvl6pPr>
+                <a:lvl7pPr marL="2971800" indent="-228600" eaLnBrk="0" fontAlgn="base" hangingPunct="0">
+                  <a:spcBef>
+                    <a:spcPct val="0"/>
+                  </a:spcBef>
+                  <a:spcAft>
+                    <a:spcPct val="0"/>
+                  </a:spcAft>
+                  <a:defRPr>
+                    <a:solidFill>
+                      <a:schemeClr val="tx1"/>
+                    </a:solidFill>
+                    <a:latin typeface="Tahoma" panose="020B0604030504040204" pitchFamily="34" charset="0"/>
+                  </a:defRPr>
+                </a:lvl7pPr>
+                <a:lvl8pPr marL="3429000" indent="-228600" eaLnBrk="0" fontAlgn="base" hangingPunct="0">
+                  <a:spcBef>
+                    <a:spcPct val="0"/>
+                  </a:spcBef>
+                  <a:spcAft>
+                    <a:spcPct val="0"/>
+                  </a:spcAft>
+                  <a:defRPr>
+                    <a:solidFill>
+                      <a:schemeClr val="tx1"/>
+                    </a:solidFill>
+                    <a:latin typeface="Tahoma" panose="020B0604030504040204" pitchFamily="34" charset="0"/>
+                  </a:defRPr>
+                </a:lvl8pPr>
+                <a:lvl9pPr marL="3886200" indent="-228600" eaLnBrk="0" fontAlgn="base" hangingPunct="0">
+                  <a:spcBef>
+                    <a:spcPct val="0"/>
+                  </a:spcBef>
+                  <a:spcAft>
+                    <a:spcPct val="0"/>
+                  </a:spcAft>
+                  <a:defRPr>
+                    <a:solidFill>
+                      <a:schemeClr val="tx1"/>
+                    </a:solidFill>
+                    <a:latin typeface="Tahoma" panose="020B0604030504040204" pitchFamily="34" charset="0"/>
+                  </a:defRPr>
+                </a:lvl9pPr>
+              </a:lstStyle>
+              <a:p>
+                <a:endParaRPr lang="en-US"/>
+              </a:p>
+            </p:txBody>
+          </p:sp>
+        </p:grpSp>
+        <p:graphicFrame>
+          <p:nvGraphicFramePr>
+            <p:cNvPr id="18" name="Object 25"/>
+            <p:cNvGraphicFramePr>
+              <a:graphicFrameLocks noChangeAspect="1"/>
+            </p:cNvGraphicFramePr>
+            <p:nvPr>
+              <p:extLst>
+                <p:ext uri="{D42A27DB-BD31-4B8C-83A1-F6EECF244321}">
+                  <p14:modId xmlns:p14="http://schemas.microsoft.com/office/powerpoint/2010/main" val="2530008318"/>
+                </p:ext>
+              </p:extLst>
+            </p:nvPr>
+          </p:nvGraphicFramePr>
+          <p:xfrm>
+            <a:off x="969" y="2208"/>
+            <a:ext cx="1426" cy="421"/>
+          </p:xfrm>
+          <a:graphic>
+            <a:graphicData uri="http://schemas.openxmlformats.org/presentationml/2006/ole">
+              <mc:AlternateContent xmlns:mc="http://schemas.openxmlformats.org/markup-compatibility/2006">
+                <mc:Choice xmlns:v="urn:schemas-microsoft-com:vml" Requires="v">
+                  <p:oleObj spid="_x0000_s1027" name="Document" r:id="rId5" imgW="2327195" imgH="699428" progId="Word.Document.8">
+                    <p:embed/>
+                  </p:oleObj>
+                </mc:Choice>
+                <mc:Fallback>
+                  <p:oleObj name="Document" r:id="rId5" imgW="2327195" imgH="699428" progId="Word.Document.8">
+                    <p:embed/>
+                    <p:pic>
+                      <p:nvPicPr>
+                        <p:cNvPr id="0" name=""/>
+                        <p:cNvPicPr>
+                          <a:picLocks noChangeAspect="1" noChangeArrowheads="1"/>
+                        </p:cNvPicPr>
+                        <p:nvPr/>
+                      </p:nvPicPr>
+                      <p:blipFill>
+                        <a:blip r:embed="rId6"/>
+                        <a:srcRect/>
+                        <a:stretch>
+                          <a:fillRect/>
+                        </a:stretch>
+                      </p:blipFill>
+                      <p:spPr bwMode="auto">
+                        <a:xfrm>
+                          <a:off x="969" y="2208"/>
+                          <a:ext cx="1426" cy="421"/>
+                        </a:xfrm>
+                        <a:prstGeom prst="rect">
+                          <a:avLst/>
+                        </a:prstGeom>
+                        <a:noFill/>
+                        <a:ln>
+                          <a:noFill/>
+                        </a:ln>
+                        <a:effectLst/>
+                        <a:extLst>
+                          <a:ext uri="{909E8E84-426E-40DD-AFC4-6F175D3DCCD1}">
+                            <a14:hiddenFill xmlns:a14="http://schemas.microsoft.com/office/drawing/2010/main">
+                              <a:solidFill>
+                                <a:schemeClr val="accent1"/>
+                              </a:solidFill>
+                            </a14:hiddenFill>
+                          </a:ext>
+                          <a:ext uri="{91240B29-F687-4F45-9708-019B960494DF}">
+                            <a14:hiddenLine xmlns:a14="http://schemas.microsoft.com/office/drawing/2010/main" w="9525">
+                              <a:solidFill>
+                                <a:schemeClr val="tx1"/>
+                              </a:solidFill>
+                              <a:miter lim="800000"/>
+                              <a:headEnd/>
+                              <a:tailEnd/>
+                            </a14:hiddenLine>
+                          </a:ext>
+                          <a:ext uri="{AF507438-7753-43E0-B8FC-AC1667EBCBE1}">
+                            <a14:hiddenEffects xmlns:a14="http://schemas.microsoft.com/office/drawing/2010/main">
+                              <a:effectLst>
+                                <a:outerShdw dist="35921" dir="2700000" algn="ctr" rotWithShape="0">
+                                  <a:schemeClr val="bg2"/>
+                                </a:outerShdw>
+                              </a:effectLst>
+                            </a14:hiddenEffects>
+                          </a:ext>
+                        </a:extLst>
+                      </p:spPr>
+                    </p:pic>
+                  </p:oleObj>
+                </mc:Fallback>
+              </mc:AlternateContent>
+            </a:graphicData>
+          </a:graphic>
+        </p:graphicFrame>
+      </p:grpSp>
+      <p:grpSp>
+        <p:nvGrpSpPr>
+          <p:cNvPr id="28" name="Group 26"/>
+          <p:cNvGrpSpPr>
+            <a:grpSpLocks/>
+          </p:cNvGrpSpPr>
+          <p:nvPr/>
+        </p:nvGrpSpPr>
+        <p:grpSpPr bwMode="auto">
+          <a:xfrm>
+            <a:off x="6563678" y="758826"/>
+            <a:ext cx="2590800" cy="2655887"/>
+            <a:chOff x="816" y="2496"/>
+            <a:chExt cx="1632" cy="1673"/>
+          </a:xfrm>
+        </p:grpSpPr>
+        <p:grpSp>
+          <p:nvGrpSpPr>
+            <p:cNvPr id="29" name="Group 27"/>
+            <p:cNvGrpSpPr>
+              <a:grpSpLocks/>
+            </p:cNvGrpSpPr>
+            <p:nvPr/>
+          </p:nvGrpSpPr>
+          <p:grpSpPr bwMode="auto">
+            <a:xfrm>
+              <a:off x="864" y="2496"/>
+              <a:ext cx="1584" cy="1488"/>
+              <a:chOff x="864" y="2496"/>
+              <a:chExt cx="1584" cy="1488"/>
+            </a:xfrm>
+          </p:grpSpPr>
+          <p:graphicFrame>
+            <p:nvGraphicFramePr>
+              <p:cNvPr id="31" name="Object 28"/>
+              <p:cNvGraphicFramePr>
+                <a:graphicFrameLocks noChangeAspect="1"/>
+              </p:cNvGraphicFramePr>
+              <p:nvPr/>
+            </p:nvGraphicFramePr>
+            <p:xfrm>
+              <a:off x="864" y="2496"/>
+              <a:ext cx="1584" cy="1488"/>
+            </p:xfrm>
+            <a:graphic>
+              <a:graphicData uri="http://schemas.openxmlformats.org/presentationml/2006/ole">
+                <mc:AlternateContent xmlns:mc="http://schemas.openxmlformats.org/markup-compatibility/2006">
+                  <mc:Choice xmlns:v="urn:schemas-microsoft-com:vml" Requires="v">
+                    <p:oleObj spid="_x0000_s1028" name="Worksheet" r:id="rId7" imgW="2200656" imgH="2076907" progId="Excel.Sheet.8">
+                      <p:embed/>
+                    </p:oleObj>
+                  </mc:Choice>
+                  <mc:Fallback>
+                    <p:oleObj name="Worksheet" r:id="rId7" imgW="2200656" imgH="2076907" progId="Excel.Sheet.8">
+                      <p:embed/>
+                      <p:pic>
+                        <p:nvPicPr>
+                          <p:cNvPr id="0" name=""/>
+                          <p:cNvPicPr>
+                            <a:picLocks noChangeAspect="1" noChangeArrowheads="1"/>
+                          </p:cNvPicPr>
+                          <p:nvPr/>
+                        </p:nvPicPr>
+                        <p:blipFill>
+                          <a:blip r:embed="rId8">
+                            <a:extLst>
+                              <a:ext uri="{28A0092B-C50C-407E-A947-70E740481C1C}">
+                                <a14:useLocalDpi xmlns:a14="http://schemas.microsoft.com/office/drawing/2010/main" val="0"/>
+                              </a:ext>
+                            </a:extLst>
+                          </a:blip>
+                          <a:srcRect/>
+                          <a:stretch>
+                            <a:fillRect/>
+                          </a:stretch>
+                        </p:blipFill>
+                        <p:spPr bwMode="auto">
+                          <a:xfrm>
+                            <a:off x="864" y="2496"/>
+                            <a:ext cx="1584" cy="1488"/>
+                          </a:xfrm>
+                          <a:prstGeom prst="rect">
+                            <a:avLst/>
+                          </a:prstGeom>
+                          <a:noFill/>
+                          <a:ln>
+                            <a:noFill/>
+                          </a:ln>
+                          <a:effectLst/>
+                          <a:extLst>
+                            <a:ext uri="{909E8E84-426E-40DD-AFC4-6F175D3DCCD1}">
+                              <a14:hiddenFill xmlns:a14="http://schemas.microsoft.com/office/drawing/2010/main">
+                                <a:solidFill>
+                                  <a:schemeClr val="accent1"/>
+                                </a:solidFill>
+                              </a14:hiddenFill>
+                            </a:ext>
+                            <a:ext uri="{91240B29-F687-4F45-9708-019B960494DF}">
+                              <a14:hiddenLine xmlns:a14="http://schemas.microsoft.com/office/drawing/2010/main" w="9525">
+                                <a:solidFill>
+                                  <a:schemeClr val="tx1"/>
+                                </a:solidFill>
+                                <a:miter lim="800000"/>
+                                <a:headEnd/>
+                                <a:tailEnd/>
+                              </a14:hiddenLine>
+                            </a:ext>
+                            <a:ext uri="{AF507438-7753-43E0-B8FC-AC1667EBCBE1}">
+                              <a14:hiddenEffects xmlns:a14="http://schemas.microsoft.com/office/drawing/2010/main">
+                                <a:effectLst>
+                                  <a:outerShdw dist="35921" dir="2700000" algn="ctr" rotWithShape="0">
+                                    <a:schemeClr val="bg2"/>
+                                  </a:outerShdw>
+                                </a:effectLst>
+                              </a14:hiddenEffects>
+                            </a:ext>
+                          </a:extLst>
+                        </p:spPr>
+                      </p:pic>
+                    </p:oleObj>
+                  </mc:Fallback>
+                </mc:AlternateContent>
+              </a:graphicData>
+            </a:graphic>
+          </p:graphicFrame>
+          <p:sp>
+            <p:nvSpPr>
+              <p:cNvPr id="32" name="Text Box 29"/>
+              <p:cNvSpPr txBox="1">
+                <a:spLocks noChangeArrowheads="1"/>
+              </p:cNvSpPr>
+              <p:nvPr/>
+            </p:nvSpPr>
+            <p:spPr bwMode="auto">
+              <a:xfrm>
+                <a:off x="1249" y="2751"/>
+                <a:ext cx="172" cy="231"/>
+              </a:xfrm>
+              <a:prstGeom prst="rect">
+                <a:avLst/>
+              </a:prstGeom>
+              <a:noFill/>
+              <a:ln>
+                <a:noFill/>
+              </a:ln>
+              <a:effectLst/>
+              <a:extLst>
+                <a:ext uri="{909E8E84-426E-40DD-AFC4-6F175D3DCCD1}">
+                  <a14:hiddenFill xmlns:a14="http://schemas.microsoft.com/office/drawing/2010/main">
+                    <a:solidFill>
+                      <a:schemeClr val="accent1"/>
+                    </a:solidFill>
+                  </a14:hiddenFill>
+                </a:ext>
+                <a:ext uri="{91240B29-F687-4F45-9708-019B960494DF}">
+                  <a14:hiddenLine xmlns:a14="http://schemas.microsoft.com/office/drawing/2010/main" w="9525">
+                    <a:solidFill>
+                      <a:schemeClr val="tx1"/>
+                    </a:solidFill>
+                    <a:miter lim="800000"/>
+                    <a:headEnd/>
+                    <a:tailEnd/>
+                  </a14:hiddenLine>
+                </a:ext>
+                <a:ext uri="{AF507438-7753-43E0-B8FC-AC1667EBCBE1}">
+                  <a14:hiddenEffects xmlns:a14="http://schemas.microsoft.com/office/drawing/2010/main">
+                    <a:effectLst>
+                      <a:outerShdw dist="35921" dir="2700000" algn="ctr" rotWithShape="0">
+                        <a:schemeClr val="bg2"/>
+                      </a:outerShdw>
+                    </a:effectLst>
+                  </a14:hiddenEffects>
+                </a:ext>
+              </a:extLst>
+            </p:spPr>
+            <p:txBody>
+              <a:bodyPr>
+                <a:spAutoFit/>
+              </a:bodyPr>
+              <a:lstStyle>
+                <a:lvl1pPr>
+                  <a:defRPr>
+                    <a:solidFill>
+                      <a:schemeClr val="tx1"/>
+                    </a:solidFill>
+                    <a:latin typeface="Tahoma" panose="020B0604030504040204" pitchFamily="34" charset="0"/>
+                  </a:defRPr>
+                </a:lvl1pPr>
+                <a:lvl2pPr marL="742950" indent="-285750">
+                  <a:defRPr>
+                    <a:solidFill>
+                      <a:schemeClr val="tx1"/>
+                    </a:solidFill>
+                    <a:latin typeface="Tahoma" panose="020B0604030504040204" pitchFamily="34" charset="0"/>
+                  </a:defRPr>
+                </a:lvl2pPr>
+                <a:lvl3pPr marL="1143000" indent="-228600">
+                  <a:defRPr>
+                    <a:solidFill>
+                      <a:schemeClr val="tx1"/>
+                    </a:solidFill>
+                    <a:latin typeface="Tahoma" panose="020B0604030504040204" pitchFamily="34" charset="0"/>
+                  </a:defRPr>
+                </a:lvl3pPr>
+                <a:lvl4pPr marL="1600200" indent="-228600">
+                  <a:defRPr>
+                    <a:solidFill>
+                      <a:schemeClr val="tx1"/>
+                    </a:solidFill>
+                    <a:latin typeface="Tahoma" panose="020B0604030504040204" pitchFamily="34" charset="0"/>
+                  </a:defRPr>
+                </a:lvl4pPr>
+                <a:lvl5pPr marL="2057400" indent="-228600">
+                  <a:defRPr>
+                    <a:solidFill>
+                      <a:schemeClr val="tx1"/>
+                    </a:solidFill>
+                    <a:latin typeface="Tahoma" panose="020B0604030504040204" pitchFamily="34" charset="0"/>
+                  </a:defRPr>
+                </a:lvl5pPr>
+                <a:lvl6pPr marL="2514600" indent="-228600" eaLnBrk="0" fontAlgn="base" hangingPunct="0">
+                  <a:spcBef>
+                    <a:spcPct val="0"/>
+                  </a:spcBef>
+                  <a:spcAft>
+                    <a:spcPct val="0"/>
+                  </a:spcAft>
+                  <a:defRPr>
+                    <a:solidFill>
+                      <a:schemeClr val="tx1"/>
+                    </a:solidFill>
+                    <a:latin typeface="Tahoma" panose="020B0604030504040204" pitchFamily="34" charset="0"/>
+                  </a:defRPr>
+                </a:lvl6pPr>
+                <a:lvl7pPr marL="2971800" indent="-228600" eaLnBrk="0" fontAlgn="base" hangingPunct="0">
+                  <a:spcBef>
+                    <a:spcPct val="0"/>
+                  </a:spcBef>
+                  <a:spcAft>
+                    <a:spcPct val="0"/>
+                  </a:spcAft>
+                  <a:defRPr>
+                    <a:solidFill>
+                      <a:schemeClr val="tx1"/>
+                    </a:solidFill>
+                    <a:latin typeface="Tahoma" panose="020B0604030504040204" pitchFamily="34" charset="0"/>
+                  </a:defRPr>
+                </a:lvl7pPr>
+                <a:lvl8pPr marL="3429000" indent="-228600" eaLnBrk="0" fontAlgn="base" hangingPunct="0">
+                  <a:spcBef>
+                    <a:spcPct val="0"/>
+                  </a:spcBef>
+                  <a:spcAft>
+                    <a:spcPct val="0"/>
+                  </a:spcAft>
+                  <a:defRPr>
+                    <a:solidFill>
+                      <a:schemeClr val="tx1"/>
+                    </a:solidFill>
+                    <a:latin typeface="Tahoma" panose="020B0604030504040204" pitchFamily="34" charset="0"/>
+                  </a:defRPr>
+                </a:lvl8pPr>
+                <a:lvl9pPr marL="3886200" indent="-228600" eaLnBrk="0" fontAlgn="base" hangingPunct="0">
+                  <a:spcBef>
+                    <a:spcPct val="0"/>
+                  </a:spcBef>
+                  <a:spcAft>
+                    <a:spcPct val="0"/>
+                  </a:spcAft>
+                  <a:defRPr>
+                    <a:solidFill>
+                      <a:schemeClr val="tx1"/>
+                    </a:solidFill>
+                    <a:latin typeface="Tahoma" panose="020B0604030504040204" pitchFamily="34" charset="0"/>
+                  </a:defRPr>
+                </a:lvl9pPr>
+              </a:lstStyle>
+              <a:p>
+                <a:pPr>
+                  <a:spcBef>
+                    <a:spcPct val="50000"/>
+                  </a:spcBef>
+                </a:pPr>
+                <a:r>
+                  <a:rPr lang="en-US" b="1" i="1">
+                    <a:latin typeface="Times New Roman" panose="02020603050405020304" pitchFamily="18" charset="0"/>
+                  </a:rPr>
+                  <a:t>h</a:t>
+                </a:r>
+                <a:endParaRPr lang="en-US">
+                  <a:latin typeface="Times New Roman" panose="02020603050405020304" pitchFamily="18" charset="0"/>
+                </a:endParaRPr>
+              </a:p>
+            </p:txBody>
+          </p:sp>
+          <p:sp>
+            <p:nvSpPr>
+              <p:cNvPr id="33" name="Text Box 30"/>
+              <p:cNvSpPr txBox="1">
+                <a:spLocks noChangeArrowheads="1"/>
+              </p:cNvSpPr>
+              <p:nvPr/>
+            </p:nvSpPr>
+            <p:spPr bwMode="auto">
+              <a:xfrm>
+                <a:off x="1548" y="3142"/>
+                <a:ext cx="172" cy="231"/>
+              </a:xfrm>
+              <a:prstGeom prst="rect">
+                <a:avLst/>
+              </a:prstGeom>
+              <a:noFill/>
+              <a:ln>
+                <a:noFill/>
+              </a:ln>
+              <a:effectLst/>
+              <a:extLst>
+                <a:ext uri="{909E8E84-426E-40DD-AFC4-6F175D3DCCD1}">
+                  <a14:hiddenFill xmlns:a14="http://schemas.microsoft.com/office/drawing/2010/main">
+                    <a:solidFill>
+                      <a:schemeClr val="accent1"/>
+                    </a:solidFill>
+                  </a14:hiddenFill>
+                </a:ext>
+                <a:ext uri="{91240B29-F687-4F45-9708-019B960494DF}">
+                  <a14:hiddenLine xmlns:a14="http://schemas.microsoft.com/office/drawing/2010/main" w="9525">
+                    <a:solidFill>
+                      <a:schemeClr val="tx1"/>
+                    </a:solidFill>
+                    <a:miter lim="800000"/>
+                    <a:headEnd/>
+                    <a:tailEnd/>
+                  </a14:hiddenLine>
+                </a:ext>
+                <a:ext uri="{AF507438-7753-43E0-B8FC-AC1667EBCBE1}">
+                  <a14:hiddenEffects xmlns:a14="http://schemas.microsoft.com/office/drawing/2010/main">
+                    <a:effectLst>
+                      <a:outerShdw dist="35921" dir="2700000" algn="ctr" rotWithShape="0">
+                        <a:schemeClr val="bg2"/>
+                      </a:outerShdw>
+                    </a:effectLst>
+                  </a14:hiddenEffects>
+                </a:ext>
+              </a:extLst>
+            </p:spPr>
+            <p:txBody>
+              <a:bodyPr>
+                <a:spAutoFit/>
+              </a:bodyPr>
+              <a:lstStyle>
+                <a:lvl1pPr>
+                  <a:defRPr>
+                    <a:solidFill>
+                      <a:schemeClr val="tx1"/>
+                    </a:solidFill>
+                    <a:latin typeface="Tahoma" panose="020B0604030504040204" pitchFamily="34" charset="0"/>
+                  </a:defRPr>
+                </a:lvl1pPr>
+                <a:lvl2pPr marL="742950" indent="-285750">
+                  <a:defRPr>
+                    <a:solidFill>
+                      <a:schemeClr val="tx1"/>
+                    </a:solidFill>
+                    <a:latin typeface="Tahoma" panose="020B0604030504040204" pitchFamily="34" charset="0"/>
+                  </a:defRPr>
+                </a:lvl2pPr>
+                <a:lvl3pPr marL="1143000" indent="-228600">
+                  <a:defRPr>
+                    <a:solidFill>
+                      <a:schemeClr val="tx1"/>
+                    </a:solidFill>
+                    <a:latin typeface="Tahoma" panose="020B0604030504040204" pitchFamily="34" charset="0"/>
+                  </a:defRPr>
+                </a:lvl3pPr>
+                <a:lvl4pPr marL="1600200" indent="-228600">
+                  <a:defRPr>
+                    <a:solidFill>
+                      <a:schemeClr val="tx1"/>
+                    </a:solidFill>
+                    <a:latin typeface="Tahoma" panose="020B0604030504040204" pitchFamily="34" charset="0"/>
+                  </a:defRPr>
+                </a:lvl4pPr>
+                <a:lvl5pPr marL="2057400" indent="-228600">
+                  <a:defRPr>
+                    <a:solidFill>
+                      <a:schemeClr val="tx1"/>
+                    </a:solidFill>
+                    <a:latin typeface="Tahoma" panose="020B0604030504040204" pitchFamily="34" charset="0"/>
+                  </a:defRPr>
+                </a:lvl5pPr>
+                <a:lvl6pPr marL="2514600" indent="-228600" eaLnBrk="0" fontAlgn="base" hangingPunct="0">
+                  <a:spcBef>
+                    <a:spcPct val="0"/>
+                  </a:spcBef>
+                  <a:spcAft>
+                    <a:spcPct val="0"/>
+                  </a:spcAft>
+                  <a:defRPr>
+                    <a:solidFill>
+                      <a:schemeClr val="tx1"/>
+                    </a:solidFill>
+                    <a:latin typeface="Tahoma" panose="020B0604030504040204" pitchFamily="34" charset="0"/>
+                  </a:defRPr>
+                </a:lvl6pPr>
+                <a:lvl7pPr marL="2971800" indent="-228600" eaLnBrk="0" fontAlgn="base" hangingPunct="0">
+                  <a:spcBef>
+                    <a:spcPct val="0"/>
+                  </a:spcBef>
+                  <a:spcAft>
+                    <a:spcPct val="0"/>
+                  </a:spcAft>
+                  <a:defRPr>
+                    <a:solidFill>
+                      <a:schemeClr val="tx1"/>
+                    </a:solidFill>
+                    <a:latin typeface="Tahoma" panose="020B0604030504040204" pitchFamily="34" charset="0"/>
+                  </a:defRPr>
+                </a:lvl7pPr>
+                <a:lvl8pPr marL="3429000" indent="-228600" eaLnBrk="0" fontAlgn="base" hangingPunct="0">
+                  <a:spcBef>
+                    <a:spcPct val="0"/>
+                  </a:spcBef>
+                  <a:spcAft>
+                    <a:spcPct val="0"/>
+                  </a:spcAft>
+                  <a:defRPr>
+                    <a:solidFill>
+                      <a:schemeClr val="tx1"/>
+                    </a:solidFill>
+                    <a:latin typeface="Tahoma" panose="020B0604030504040204" pitchFamily="34" charset="0"/>
+                  </a:defRPr>
+                </a:lvl8pPr>
+                <a:lvl9pPr marL="3886200" indent="-228600" eaLnBrk="0" fontAlgn="base" hangingPunct="0">
+                  <a:spcBef>
+                    <a:spcPct val="0"/>
+                  </a:spcBef>
+                  <a:spcAft>
+                    <a:spcPct val="0"/>
+                  </a:spcAft>
+                  <a:defRPr>
+                    <a:solidFill>
+                      <a:schemeClr val="tx1"/>
+                    </a:solidFill>
+                    <a:latin typeface="Tahoma" panose="020B0604030504040204" pitchFamily="34" charset="0"/>
+                  </a:defRPr>
+                </a:lvl9pPr>
+              </a:lstStyle>
+              <a:p>
+                <a:pPr>
+                  <a:spcBef>
+                    <a:spcPct val="50000"/>
+                  </a:spcBef>
+                </a:pPr>
+                <a:r>
+                  <a:rPr lang="en-US" b="1" i="1">
+                    <a:latin typeface="Times New Roman" panose="02020603050405020304" pitchFamily="18" charset="0"/>
+                  </a:rPr>
+                  <a:t>i</a:t>
+                </a:r>
+                <a:endParaRPr lang="en-US">
+                  <a:latin typeface="Times New Roman" panose="02020603050405020304" pitchFamily="18" charset="0"/>
+                </a:endParaRPr>
+              </a:p>
+            </p:txBody>
+          </p:sp>
+          <p:sp>
+            <p:nvSpPr>
+              <p:cNvPr id="34" name="Text Box 31"/>
+              <p:cNvSpPr txBox="1">
+                <a:spLocks noChangeArrowheads="1"/>
+              </p:cNvSpPr>
+              <p:nvPr/>
+            </p:nvSpPr>
+            <p:spPr bwMode="auto">
+              <a:xfrm>
+                <a:off x="1764" y="3219"/>
+                <a:ext cx="170" cy="231"/>
+              </a:xfrm>
+              <a:prstGeom prst="rect">
+                <a:avLst/>
+              </a:prstGeom>
+              <a:noFill/>
+              <a:ln>
+                <a:noFill/>
+              </a:ln>
+              <a:effectLst/>
+              <a:extLst>
+                <a:ext uri="{909E8E84-426E-40DD-AFC4-6F175D3DCCD1}">
+                  <a14:hiddenFill xmlns:a14="http://schemas.microsoft.com/office/drawing/2010/main">
+                    <a:solidFill>
+                      <a:schemeClr val="accent1"/>
+                    </a:solidFill>
+                  </a14:hiddenFill>
+                </a:ext>
+                <a:ext uri="{91240B29-F687-4F45-9708-019B960494DF}">
+                  <a14:hiddenLine xmlns:a14="http://schemas.microsoft.com/office/drawing/2010/main" w="9525">
+                    <a:solidFill>
+                      <a:schemeClr val="tx1"/>
+                    </a:solidFill>
+                    <a:miter lim="800000"/>
+                    <a:headEnd/>
+                    <a:tailEnd/>
+                  </a14:hiddenLine>
+                </a:ext>
+                <a:ext uri="{AF507438-7753-43E0-B8FC-AC1667EBCBE1}">
+                  <a14:hiddenEffects xmlns:a14="http://schemas.microsoft.com/office/drawing/2010/main">
+                    <a:effectLst>
+                      <a:outerShdw dist="35921" dir="2700000" algn="ctr" rotWithShape="0">
+                        <a:schemeClr val="bg2"/>
+                      </a:outerShdw>
+                    </a:effectLst>
+                  </a14:hiddenEffects>
+                </a:ext>
+              </a:extLst>
+            </p:spPr>
+            <p:txBody>
+              <a:bodyPr>
+                <a:spAutoFit/>
+              </a:bodyPr>
+              <a:lstStyle>
+                <a:lvl1pPr>
+                  <a:defRPr>
+                    <a:solidFill>
+                      <a:schemeClr val="tx1"/>
+                    </a:solidFill>
+                    <a:latin typeface="Tahoma" panose="020B0604030504040204" pitchFamily="34" charset="0"/>
+                  </a:defRPr>
+                </a:lvl1pPr>
+                <a:lvl2pPr marL="742950" indent="-285750">
+                  <a:defRPr>
+                    <a:solidFill>
+                      <a:schemeClr val="tx1"/>
+                    </a:solidFill>
+                    <a:latin typeface="Tahoma" panose="020B0604030504040204" pitchFamily="34" charset="0"/>
+                  </a:defRPr>
+                </a:lvl2pPr>
+                <a:lvl3pPr marL="1143000" indent="-228600">
+                  <a:defRPr>
+                    <a:solidFill>
+                      <a:schemeClr val="tx1"/>
+                    </a:solidFill>
+                    <a:latin typeface="Tahoma" panose="020B0604030504040204" pitchFamily="34" charset="0"/>
+                  </a:defRPr>
+                </a:lvl3pPr>
+                <a:lvl4pPr marL="1600200" indent="-228600">
+                  <a:defRPr>
+                    <a:solidFill>
+                      <a:schemeClr val="tx1"/>
+                    </a:solidFill>
+                    <a:latin typeface="Tahoma" panose="020B0604030504040204" pitchFamily="34" charset="0"/>
+                  </a:defRPr>
+                </a:lvl4pPr>
+                <a:lvl5pPr marL="2057400" indent="-228600">
+                  <a:defRPr>
+                    <a:solidFill>
+                      <a:schemeClr val="tx1"/>
+                    </a:solidFill>
+                    <a:latin typeface="Tahoma" panose="020B0604030504040204" pitchFamily="34" charset="0"/>
+                  </a:defRPr>
+                </a:lvl5pPr>
+                <a:lvl6pPr marL="2514600" indent="-228600" eaLnBrk="0" fontAlgn="base" hangingPunct="0">
+                  <a:spcBef>
+                    <a:spcPct val="0"/>
+                  </a:spcBef>
+                  <a:spcAft>
+                    <a:spcPct val="0"/>
+                  </a:spcAft>
+                  <a:defRPr>
+                    <a:solidFill>
+                      <a:schemeClr val="tx1"/>
+                    </a:solidFill>
+                    <a:latin typeface="Tahoma" panose="020B0604030504040204" pitchFamily="34" charset="0"/>
+                  </a:defRPr>
+                </a:lvl6pPr>
+                <a:lvl7pPr marL="2971800" indent="-228600" eaLnBrk="0" fontAlgn="base" hangingPunct="0">
+                  <a:spcBef>
+                    <a:spcPct val="0"/>
+                  </a:spcBef>
+                  <a:spcAft>
+                    <a:spcPct val="0"/>
+                  </a:spcAft>
+                  <a:defRPr>
+                    <a:solidFill>
+                      <a:schemeClr val="tx1"/>
+                    </a:solidFill>
+                    <a:latin typeface="Tahoma" panose="020B0604030504040204" pitchFamily="34" charset="0"/>
+                  </a:defRPr>
+                </a:lvl7pPr>
+                <a:lvl8pPr marL="3429000" indent="-228600" eaLnBrk="0" fontAlgn="base" hangingPunct="0">
+                  <a:spcBef>
+                    <a:spcPct val="0"/>
+                  </a:spcBef>
+                  <a:spcAft>
+                    <a:spcPct val="0"/>
+                  </a:spcAft>
+                  <a:defRPr>
+                    <a:solidFill>
+                      <a:schemeClr val="tx1"/>
+                    </a:solidFill>
+                    <a:latin typeface="Tahoma" panose="020B0604030504040204" pitchFamily="34" charset="0"/>
+                  </a:defRPr>
+                </a:lvl8pPr>
+                <a:lvl9pPr marL="3886200" indent="-228600" eaLnBrk="0" fontAlgn="base" hangingPunct="0">
+                  <a:spcBef>
+                    <a:spcPct val="0"/>
+                  </a:spcBef>
+                  <a:spcAft>
+                    <a:spcPct val="0"/>
+                  </a:spcAft>
+                  <a:defRPr>
+                    <a:solidFill>
+                      <a:schemeClr val="tx1"/>
+                    </a:solidFill>
+                    <a:latin typeface="Tahoma" panose="020B0604030504040204" pitchFamily="34" charset="0"/>
+                  </a:defRPr>
+                </a:lvl9pPr>
+              </a:lstStyle>
+              <a:p>
+                <a:pPr>
+                  <a:spcBef>
+                    <a:spcPct val="50000"/>
+                  </a:spcBef>
+                </a:pPr>
+                <a:r>
+                  <a:rPr lang="en-US" b="1" i="1">
+                    <a:latin typeface="Times New Roman" panose="02020603050405020304" pitchFamily="18" charset="0"/>
+                  </a:rPr>
+                  <a:t>t</a:t>
+                </a:r>
+                <a:endParaRPr lang="en-US">
+                  <a:latin typeface="Times New Roman" panose="02020603050405020304" pitchFamily="18" charset="0"/>
+                </a:endParaRPr>
+              </a:p>
+            </p:txBody>
+          </p:sp>
+          <p:sp>
+            <p:nvSpPr>
+              <p:cNvPr id="35" name="Text Box 32"/>
+              <p:cNvSpPr txBox="1">
+                <a:spLocks noChangeArrowheads="1"/>
+              </p:cNvSpPr>
+              <p:nvPr/>
+            </p:nvSpPr>
+            <p:spPr bwMode="auto">
+              <a:xfrm>
+                <a:off x="1677" y="2879"/>
+                <a:ext cx="172" cy="231"/>
+              </a:xfrm>
+              <a:prstGeom prst="rect">
+                <a:avLst/>
+              </a:prstGeom>
+              <a:noFill/>
+              <a:ln>
+                <a:noFill/>
+              </a:ln>
+              <a:effectLst/>
+              <a:extLst>
+                <a:ext uri="{909E8E84-426E-40DD-AFC4-6F175D3DCCD1}">
+                  <a14:hiddenFill xmlns:a14="http://schemas.microsoft.com/office/drawing/2010/main">
+                    <a:solidFill>
+                      <a:schemeClr val="accent1"/>
+                    </a:solidFill>
+                  </a14:hiddenFill>
+                </a:ext>
+                <a:ext uri="{91240B29-F687-4F45-9708-019B960494DF}">
+                  <a14:hiddenLine xmlns:a14="http://schemas.microsoft.com/office/drawing/2010/main" w="9525">
+                    <a:solidFill>
+                      <a:schemeClr val="tx1"/>
+                    </a:solidFill>
+                    <a:miter lim="800000"/>
+                    <a:headEnd/>
+                    <a:tailEnd/>
+                  </a14:hiddenLine>
+                </a:ext>
+                <a:ext uri="{AF507438-7753-43E0-B8FC-AC1667EBCBE1}">
+                  <a14:hiddenEffects xmlns:a14="http://schemas.microsoft.com/office/drawing/2010/main">
+                    <a:effectLst>
+                      <a:outerShdw dist="35921" dir="2700000" algn="ctr" rotWithShape="0">
+                        <a:schemeClr val="bg2"/>
+                      </a:outerShdw>
+                    </a:effectLst>
+                  </a14:hiddenEffects>
+                </a:ext>
+              </a:extLst>
+            </p:spPr>
+            <p:txBody>
+              <a:bodyPr>
+                <a:spAutoFit/>
+              </a:bodyPr>
+              <a:lstStyle>
+                <a:lvl1pPr>
+                  <a:defRPr>
+                    <a:solidFill>
+                      <a:schemeClr val="tx1"/>
+                    </a:solidFill>
+                    <a:latin typeface="Tahoma" panose="020B0604030504040204" pitchFamily="34" charset="0"/>
+                  </a:defRPr>
+                </a:lvl1pPr>
+                <a:lvl2pPr marL="742950" indent="-285750">
+                  <a:defRPr>
+                    <a:solidFill>
+                      <a:schemeClr val="tx1"/>
+                    </a:solidFill>
+                    <a:latin typeface="Tahoma" panose="020B0604030504040204" pitchFamily="34" charset="0"/>
+                  </a:defRPr>
+                </a:lvl2pPr>
+                <a:lvl3pPr marL="1143000" indent="-228600">
+                  <a:defRPr>
+                    <a:solidFill>
+                      <a:schemeClr val="tx1"/>
+                    </a:solidFill>
+                    <a:latin typeface="Tahoma" panose="020B0604030504040204" pitchFamily="34" charset="0"/>
+                  </a:defRPr>
+                </a:lvl3pPr>
+                <a:lvl4pPr marL="1600200" indent="-228600">
+                  <a:defRPr>
+                    <a:solidFill>
+                      <a:schemeClr val="tx1"/>
+                    </a:solidFill>
+                    <a:latin typeface="Tahoma" panose="020B0604030504040204" pitchFamily="34" charset="0"/>
+                  </a:defRPr>
+                </a:lvl4pPr>
+                <a:lvl5pPr marL="2057400" indent="-228600">
+                  <a:defRPr>
+                    <a:solidFill>
+                      <a:schemeClr val="tx1"/>
+                    </a:solidFill>
+                    <a:latin typeface="Tahoma" panose="020B0604030504040204" pitchFamily="34" charset="0"/>
+                  </a:defRPr>
+                </a:lvl5pPr>
+                <a:lvl6pPr marL="2514600" indent="-228600" eaLnBrk="0" fontAlgn="base" hangingPunct="0">
+                  <a:spcBef>
+                    <a:spcPct val="0"/>
+                  </a:spcBef>
+                  <a:spcAft>
+                    <a:spcPct val="0"/>
+                  </a:spcAft>
+                  <a:defRPr>
+                    <a:solidFill>
+                      <a:schemeClr val="tx1"/>
+                    </a:solidFill>
+                    <a:latin typeface="Tahoma" panose="020B0604030504040204" pitchFamily="34" charset="0"/>
+                  </a:defRPr>
+                </a:lvl6pPr>
+                <a:lvl7pPr marL="2971800" indent="-228600" eaLnBrk="0" fontAlgn="base" hangingPunct="0">
+                  <a:spcBef>
+                    <a:spcPct val="0"/>
+                  </a:spcBef>
+                  <a:spcAft>
+                    <a:spcPct val="0"/>
+                  </a:spcAft>
+                  <a:defRPr>
+                    <a:solidFill>
+                      <a:schemeClr val="tx1"/>
+                    </a:solidFill>
+                    <a:latin typeface="Tahoma" panose="020B0604030504040204" pitchFamily="34" charset="0"/>
+                  </a:defRPr>
+                </a:lvl7pPr>
+                <a:lvl8pPr marL="3429000" indent="-228600" eaLnBrk="0" fontAlgn="base" hangingPunct="0">
+                  <a:spcBef>
+                    <a:spcPct val="0"/>
+                  </a:spcBef>
+                  <a:spcAft>
+                    <a:spcPct val="0"/>
+                  </a:spcAft>
+                  <a:defRPr>
+                    <a:solidFill>
+                      <a:schemeClr val="tx1"/>
+                    </a:solidFill>
+                    <a:latin typeface="Tahoma" panose="020B0604030504040204" pitchFamily="34" charset="0"/>
+                  </a:defRPr>
+                </a:lvl8pPr>
+                <a:lvl9pPr marL="3886200" indent="-228600" eaLnBrk="0" fontAlgn="base" hangingPunct="0">
+                  <a:spcBef>
+                    <a:spcPct val="0"/>
+                  </a:spcBef>
+                  <a:spcAft>
+                    <a:spcPct val="0"/>
+                  </a:spcAft>
+                  <a:defRPr>
+                    <a:solidFill>
+                      <a:schemeClr val="tx1"/>
+                    </a:solidFill>
+                    <a:latin typeface="Tahoma" panose="020B0604030504040204" pitchFamily="34" charset="0"/>
+                  </a:defRPr>
+                </a:lvl9pPr>
+              </a:lstStyle>
+              <a:p>
+                <a:pPr algn="just">
+                  <a:spcBef>
+                    <a:spcPct val="50000"/>
+                  </a:spcBef>
+                </a:pPr>
+                <a:r>
+                  <a:rPr lang="en-US" b="1" i="1">
+                    <a:latin typeface="Times New Roman" panose="02020603050405020304" pitchFamily="18" charset="0"/>
+                  </a:rPr>
+                  <a:t>j</a:t>
+                </a:r>
+                <a:endParaRPr lang="en-US">
+                  <a:latin typeface="Times New Roman" panose="02020603050405020304" pitchFamily="18" charset="0"/>
+                </a:endParaRPr>
+              </a:p>
+            </p:txBody>
+          </p:sp>
+          <p:sp>
+            <p:nvSpPr>
+              <p:cNvPr id="36" name="Line 33"/>
+              <p:cNvSpPr>
+                <a:spLocks noChangeShapeType="1"/>
+              </p:cNvSpPr>
+              <p:nvPr/>
+            </p:nvSpPr>
+            <p:spPr bwMode="auto">
+              <a:xfrm>
+                <a:off x="1463" y="2879"/>
+                <a:ext cx="172" cy="212"/>
+              </a:xfrm>
+              <a:prstGeom prst="line">
+                <a:avLst/>
+              </a:prstGeom>
+              <a:noFill/>
+              <a:ln w="19050">
+                <a:solidFill>
+                  <a:schemeClr val="tx1"/>
+                </a:solidFill>
+                <a:round/>
+                <a:headEnd/>
+                <a:tailEnd/>
+              </a:ln>
+              <a:effectLst/>
+              <a:extLst>
+                <a:ext uri="{909E8E84-426E-40DD-AFC4-6F175D3DCCD1}">
+                  <a14:hiddenFill xmlns:a14="http://schemas.microsoft.com/office/drawing/2010/main">
+                    <a:noFill/>
+                  </a14:hiddenFill>
+                </a:ext>
+                <a:ext uri="{AF507438-7753-43E0-B8FC-AC1667EBCBE1}">
+                  <a14:hiddenEffects xmlns:a14="http://schemas.microsoft.com/office/drawing/2010/main">
+                    <a:effectLst>
+                      <a:outerShdw dist="35921" dir="2700000" algn="ctr" rotWithShape="0">
+                        <a:schemeClr val="bg2"/>
+                      </a:outerShdw>
+                    </a:effectLst>
+                  </a14:hiddenEffects>
+                </a:ext>
+              </a:extLst>
+            </p:spPr>
+            <p:txBody>
+              <a:bodyPr wrap="none" anchor="ctr">
+                <a:spAutoFit/>
+              </a:bodyPr>
+              <a:lstStyle/>
+              <a:p>
+                <a:endParaRPr lang="en-US"/>
+              </a:p>
+            </p:txBody>
+          </p:sp>
+          <p:sp>
+            <p:nvSpPr>
+              <p:cNvPr id="37" name="Line 34"/>
+              <p:cNvSpPr>
+                <a:spLocks noChangeShapeType="1"/>
+              </p:cNvSpPr>
+              <p:nvPr/>
+            </p:nvSpPr>
+            <p:spPr bwMode="auto">
+              <a:xfrm flipH="1">
+                <a:off x="1592" y="3134"/>
+                <a:ext cx="85" cy="85"/>
+              </a:xfrm>
+              <a:prstGeom prst="line">
+                <a:avLst/>
+              </a:prstGeom>
+              <a:noFill/>
+              <a:ln w="19050">
+                <a:solidFill>
+                  <a:schemeClr val="tx1"/>
+                </a:solidFill>
+                <a:round/>
+                <a:headEnd/>
+                <a:tailEnd/>
+              </a:ln>
+              <a:effectLst/>
+              <a:extLst>
+                <a:ext uri="{909E8E84-426E-40DD-AFC4-6F175D3DCCD1}">
+                  <a14:hiddenFill xmlns:a14="http://schemas.microsoft.com/office/drawing/2010/main">
+                    <a:noFill/>
+                  </a14:hiddenFill>
+                </a:ext>
+                <a:ext uri="{AF507438-7753-43E0-B8FC-AC1667EBCBE1}">
+                  <a14:hiddenEffects xmlns:a14="http://schemas.microsoft.com/office/drawing/2010/main">
+                    <a:effectLst>
+                      <a:outerShdw dist="35921" dir="2700000" algn="ctr" rotWithShape="0">
+                        <a:schemeClr val="bg2"/>
+                      </a:outerShdw>
+                    </a:effectLst>
+                  </a14:hiddenEffects>
+                </a:ext>
+              </a:extLst>
+            </p:spPr>
+            <p:txBody>
+              <a:bodyPr anchor="ctr">
+                <a:spAutoFit/>
+              </a:bodyPr>
+              <a:lstStyle/>
+              <a:p>
+                <a:endParaRPr lang="en-US"/>
+              </a:p>
+            </p:txBody>
+          </p:sp>
+          <p:sp>
+            <p:nvSpPr>
+              <p:cNvPr id="38" name="Oval 35"/>
+              <p:cNvSpPr>
+                <a:spLocks noChangeArrowheads="1"/>
+              </p:cNvSpPr>
+              <p:nvPr/>
+            </p:nvSpPr>
+            <p:spPr bwMode="auto">
+              <a:xfrm>
+                <a:off x="1206" y="2709"/>
+                <a:ext cx="600" cy="722"/>
+              </a:xfrm>
+              <a:prstGeom prst="ellipse">
+                <a:avLst/>
+              </a:prstGeom>
+              <a:noFill/>
+              <a:ln w="9525">
+                <a:solidFill>
+                  <a:schemeClr val="tx1"/>
+                </a:solidFill>
+                <a:prstDash val="lgDashDot"/>
+                <a:round/>
+                <a:headEnd/>
+                <a:tailEnd/>
+              </a:ln>
+              <a:effectLst/>
+              <a:extLst>
+                <a:ext uri="{909E8E84-426E-40DD-AFC4-6F175D3DCCD1}">
+                  <a14:hiddenFill xmlns:a14="http://schemas.microsoft.com/office/drawing/2010/main">
+                    <a:solidFill>
+                      <a:schemeClr val="accent1"/>
+                    </a:solidFill>
+                  </a14:hiddenFill>
+                </a:ext>
+                <a:ext uri="{AF507438-7753-43E0-B8FC-AC1667EBCBE1}">
+                  <a14:hiddenEffects xmlns:a14="http://schemas.microsoft.com/office/drawing/2010/main">
+                    <a:effectLst>
+                      <a:outerShdw dist="35921" dir="2700000" algn="ctr" rotWithShape="0">
+                        <a:schemeClr val="bg2"/>
+                      </a:outerShdw>
+                    </a:effectLst>
+                  </a14:hiddenEffects>
+                </a:ext>
+              </a:extLst>
+            </p:spPr>
+            <p:txBody>
+              <a:bodyPr anchor="ctr">
+                <a:spAutoFit/>
+              </a:bodyPr>
+              <a:lstStyle>
+                <a:lvl1pPr>
+                  <a:defRPr>
+                    <a:solidFill>
+                      <a:schemeClr val="tx1"/>
+                    </a:solidFill>
+                    <a:latin typeface="Tahoma" panose="020B0604030504040204" pitchFamily="34" charset="0"/>
+                  </a:defRPr>
+                </a:lvl1pPr>
+                <a:lvl2pPr marL="742950" indent="-285750">
+                  <a:defRPr>
+                    <a:solidFill>
+                      <a:schemeClr val="tx1"/>
+                    </a:solidFill>
+                    <a:latin typeface="Tahoma" panose="020B0604030504040204" pitchFamily="34" charset="0"/>
+                  </a:defRPr>
+                </a:lvl2pPr>
+                <a:lvl3pPr marL="1143000" indent="-228600">
+                  <a:defRPr>
+                    <a:solidFill>
+                      <a:schemeClr val="tx1"/>
+                    </a:solidFill>
+                    <a:latin typeface="Tahoma" panose="020B0604030504040204" pitchFamily="34" charset="0"/>
+                  </a:defRPr>
+                </a:lvl3pPr>
+                <a:lvl4pPr marL="1600200" indent="-228600">
+                  <a:defRPr>
+                    <a:solidFill>
+                      <a:schemeClr val="tx1"/>
+                    </a:solidFill>
+                    <a:latin typeface="Tahoma" panose="020B0604030504040204" pitchFamily="34" charset="0"/>
+                  </a:defRPr>
+                </a:lvl4pPr>
+                <a:lvl5pPr marL="2057400" indent="-228600">
+                  <a:defRPr>
+                    <a:solidFill>
+                      <a:schemeClr val="tx1"/>
+                    </a:solidFill>
+                    <a:latin typeface="Tahoma" panose="020B0604030504040204" pitchFamily="34" charset="0"/>
+                  </a:defRPr>
+                </a:lvl5pPr>
+                <a:lvl6pPr marL="2514600" indent="-228600" eaLnBrk="0" fontAlgn="base" hangingPunct="0">
+                  <a:spcBef>
+                    <a:spcPct val="0"/>
+                  </a:spcBef>
+                  <a:spcAft>
+                    <a:spcPct val="0"/>
+                  </a:spcAft>
+                  <a:defRPr>
+                    <a:solidFill>
+                      <a:schemeClr val="tx1"/>
+                    </a:solidFill>
+                    <a:latin typeface="Tahoma" panose="020B0604030504040204" pitchFamily="34" charset="0"/>
+                  </a:defRPr>
+                </a:lvl6pPr>
+                <a:lvl7pPr marL="2971800" indent="-228600" eaLnBrk="0" fontAlgn="base" hangingPunct="0">
+                  <a:spcBef>
+                    <a:spcPct val="0"/>
+                  </a:spcBef>
+                  <a:spcAft>
+                    <a:spcPct val="0"/>
+                  </a:spcAft>
+                  <a:defRPr>
+                    <a:solidFill>
+                      <a:schemeClr val="tx1"/>
+                    </a:solidFill>
+                    <a:latin typeface="Tahoma" panose="020B0604030504040204" pitchFamily="34" charset="0"/>
+                  </a:defRPr>
+                </a:lvl7pPr>
+                <a:lvl8pPr marL="3429000" indent="-228600" eaLnBrk="0" fontAlgn="base" hangingPunct="0">
+                  <a:spcBef>
+                    <a:spcPct val="0"/>
+                  </a:spcBef>
+                  <a:spcAft>
+                    <a:spcPct val="0"/>
+                  </a:spcAft>
+                  <a:defRPr>
+                    <a:solidFill>
+                      <a:schemeClr val="tx1"/>
+                    </a:solidFill>
+                    <a:latin typeface="Tahoma" panose="020B0604030504040204" pitchFamily="34" charset="0"/>
+                  </a:defRPr>
+                </a:lvl8pPr>
+                <a:lvl9pPr marL="3886200" indent="-228600" eaLnBrk="0" fontAlgn="base" hangingPunct="0">
+                  <a:spcBef>
+                    <a:spcPct val="0"/>
+                  </a:spcBef>
+                  <a:spcAft>
+                    <a:spcPct val="0"/>
+                  </a:spcAft>
+                  <a:defRPr>
+                    <a:solidFill>
+                      <a:schemeClr val="tx1"/>
+                    </a:solidFill>
+                    <a:latin typeface="Tahoma" panose="020B0604030504040204" pitchFamily="34" charset="0"/>
+                  </a:defRPr>
+                </a:lvl9pPr>
+              </a:lstStyle>
+              <a:p>
+                <a:endParaRPr lang="en-US"/>
+              </a:p>
+            </p:txBody>
+          </p:sp>
+          <p:sp>
+            <p:nvSpPr>
+              <p:cNvPr id="39" name="Oval 36"/>
+              <p:cNvSpPr>
+                <a:spLocks noChangeArrowheads="1"/>
+              </p:cNvSpPr>
+              <p:nvPr/>
+            </p:nvSpPr>
+            <p:spPr bwMode="auto">
+              <a:xfrm>
+                <a:off x="1763" y="3091"/>
+                <a:ext cx="428" cy="553"/>
+              </a:xfrm>
+              <a:prstGeom prst="ellipse">
+                <a:avLst/>
+              </a:prstGeom>
+              <a:noFill/>
+              <a:ln w="9525">
+                <a:solidFill>
+                  <a:schemeClr val="tx1"/>
+                </a:solidFill>
+                <a:prstDash val="lgDashDot"/>
+                <a:round/>
+                <a:headEnd/>
+                <a:tailEnd/>
+              </a:ln>
+              <a:effectLst/>
+              <a:extLst>
+                <a:ext uri="{909E8E84-426E-40DD-AFC4-6F175D3DCCD1}">
+                  <a14:hiddenFill xmlns:a14="http://schemas.microsoft.com/office/drawing/2010/main">
+                    <a:solidFill>
+                      <a:schemeClr val="accent1"/>
+                    </a:solidFill>
+                  </a14:hiddenFill>
+                </a:ext>
+                <a:ext uri="{AF507438-7753-43E0-B8FC-AC1667EBCBE1}">
+                  <a14:hiddenEffects xmlns:a14="http://schemas.microsoft.com/office/drawing/2010/main">
+                    <a:effectLst>
+                      <a:outerShdw dist="35921" dir="2700000" algn="ctr" rotWithShape="0">
+                        <a:schemeClr val="bg2"/>
+                      </a:outerShdw>
+                    </a:effectLst>
+                  </a14:hiddenEffects>
+                </a:ext>
+              </a:extLst>
+            </p:spPr>
+            <p:txBody>
+              <a:bodyPr anchor="ctr">
+                <a:spAutoFit/>
+              </a:bodyPr>
+              <a:lstStyle>
+                <a:lvl1pPr>
+                  <a:defRPr>
+                    <a:solidFill>
+                      <a:schemeClr val="tx1"/>
+                    </a:solidFill>
+                    <a:latin typeface="Tahoma" panose="020B0604030504040204" pitchFamily="34" charset="0"/>
+                  </a:defRPr>
+                </a:lvl1pPr>
+                <a:lvl2pPr marL="742950" indent="-285750">
+                  <a:defRPr>
+                    <a:solidFill>
+                      <a:schemeClr val="tx1"/>
+                    </a:solidFill>
+                    <a:latin typeface="Tahoma" panose="020B0604030504040204" pitchFamily="34" charset="0"/>
+                  </a:defRPr>
+                </a:lvl2pPr>
+                <a:lvl3pPr marL="1143000" indent="-228600">
+                  <a:defRPr>
+                    <a:solidFill>
+                      <a:schemeClr val="tx1"/>
+                    </a:solidFill>
+                    <a:latin typeface="Tahoma" panose="020B0604030504040204" pitchFamily="34" charset="0"/>
+                  </a:defRPr>
+                </a:lvl3pPr>
+                <a:lvl4pPr marL="1600200" indent="-228600">
+                  <a:defRPr>
+                    <a:solidFill>
+                      <a:schemeClr val="tx1"/>
+                    </a:solidFill>
+                    <a:latin typeface="Tahoma" panose="020B0604030504040204" pitchFamily="34" charset="0"/>
+                  </a:defRPr>
+                </a:lvl4pPr>
+                <a:lvl5pPr marL="2057400" indent="-228600">
+                  <a:defRPr>
+                    <a:solidFill>
+                      <a:schemeClr val="tx1"/>
+                    </a:solidFill>
+                    <a:latin typeface="Tahoma" panose="020B0604030504040204" pitchFamily="34" charset="0"/>
+                  </a:defRPr>
+                </a:lvl5pPr>
+                <a:lvl6pPr marL="2514600" indent="-228600" eaLnBrk="0" fontAlgn="base" hangingPunct="0">
+                  <a:spcBef>
+                    <a:spcPct val="0"/>
+                  </a:spcBef>
+                  <a:spcAft>
+                    <a:spcPct val="0"/>
+                  </a:spcAft>
+                  <a:defRPr>
+                    <a:solidFill>
+                      <a:schemeClr val="tx1"/>
+                    </a:solidFill>
+                    <a:latin typeface="Tahoma" panose="020B0604030504040204" pitchFamily="34" charset="0"/>
+                  </a:defRPr>
+                </a:lvl6pPr>
+                <a:lvl7pPr marL="2971800" indent="-228600" eaLnBrk="0" fontAlgn="base" hangingPunct="0">
+                  <a:spcBef>
+                    <a:spcPct val="0"/>
+                  </a:spcBef>
+                  <a:spcAft>
+                    <a:spcPct val="0"/>
+                  </a:spcAft>
+                  <a:defRPr>
+                    <a:solidFill>
+                      <a:schemeClr val="tx1"/>
+                    </a:solidFill>
+                    <a:latin typeface="Tahoma" panose="020B0604030504040204" pitchFamily="34" charset="0"/>
+                  </a:defRPr>
+                </a:lvl7pPr>
+                <a:lvl8pPr marL="3429000" indent="-228600" eaLnBrk="0" fontAlgn="base" hangingPunct="0">
+                  <a:spcBef>
+                    <a:spcPct val="0"/>
+                  </a:spcBef>
+                  <a:spcAft>
+                    <a:spcPct val="0"/>
+                  </a:spcAft>
+                  <a:defRPr>
+                    <a:solidFill>
+                      <a:schemeClr val="tx1"/>
+                    </a:solidFill>
+                    <a:latin typeface="Tahoma" panose="020B0604030504040204" pitchFamily="34" charset="0"/>
+                  </a:defRPr>
+                </a:lvl8pPr>
+                <a:lvl9pPr marL="3886200" indent="-228600" eaLnBrk="0" fontAlgn="base" hangingPunct="0">
+                  <a:spcBef>
+                    <a:spcPct val="0"/>
+                  </a:spcBef>
+                  <a:spcAft>
+                    <a:spcPct val="0"/>
+                  </a:spcAft>
+                  <a:defRPr>
+                    <a:solidFill>
+                      <a:schemeClr val="tx1"/>
+                    </a:solidFill>
+                    <a:latin typeface="Tahoma" panose="020B0604030504040204" pitchFamily="34" charset="0"/>
+                  </a:defRPr>
+                </a:lvl9pPr>
+              </a:lstStyle>
+              <a:p>
+                <a:endParaRPr lang="en-US"/>
+              </a:p>
+            </p:txBody>
+          </p:sp>
+        </p:grpSp>
+        <p:graphicFrame>
+          <p:nvGraphicFramePr>
+            <p:cNvPr id="30" name="Object 37"/>
+            <p:cNvGraphicFramePr>
+              <a:graphicFrameLocks noChangeAspect="1"/>
+            </p:cNvGraphicFramePr>
+            <p:nvPr/>
+          </p:nvGraphicFramePr>
+          <p:xfrm>
+            <a:off x="816" y="3940"/>
+            <a:ext cx="1417" cy="229"/>
+          </p:xfrm>
+          <a:graphic>
+            <a:graphicData uri="http://schemas.openxmlformats.org/presentationml/2006/ole">
+              <mc:AlternateContent xmlns:mc="http://schemas.openxmlformats.org/markup-compatibility/2006">
+                <mc:Choice xmlns:v="urn:schemas-microsoft-com:vml" Requires="v">
+                  <p:oleObj spid="_x0000_s1029" name="Document" r:id="rId10" imgW="2341077" imgH="382108" progId="Word.Document.8">
+                    <p:embed/>
+                  </p:oleObj>
+                </mc:Choice>
+                <mc:Fallback>
+                  <p:oleObj name="Document" r:id="rId10" imgW="2341077" imgH="382108" progId="Word.Document.8">
+                    <p:embed/>
+                    <p:pic>
+                      <p:nvPicPr>
+                        <p:cNvPr id="0" name=""/>
+                        <p:cNvPicPr>
+                          <a:picLocks noChangeAspect="1" noChangeArrowheads="1"/>
+                        </p:cNvPicPr>
+                        <p:nvPr/>
+                      </p:nvPicPr>
+                      <p:blipFill>
+                        <a:blip r:embed="rId11">
+                          <a:extLst>
+                            <a:ext uri="{28A0092B-C50C-407E-A947-70E740481C1C}">
+                              <a14:useLocalDpi xmlns:a14="http://schemas.microsoft.com/office/drawing/2010/main" val="0"/>
+                            </a:ext>
+                          </a:extLst>
+                        </a:blip>
+                        <a:srcRect/>
+                        <a:stretch>
+                          <a:fillRect/>
+                        </a:stretch>
+                      </p:blipFill>
+                      <p:spPr bwMode="auto">
+                        <a:xfrm>
+                          <a:off x="816" y="3940"/>
+                          <a:ext cx="1417" cy="229"/>
+                        </a:xfrm>
+                        <a:prstGeom prst="rect">
+                          <a:avLst/>
+                        </a:prstGeom>
+                        <a:noFill/>
+                        <a:ln>
+                          <a:noFill/>
+                        </a:ln>
+                        <a:effectLst/>
+                        <a:extLst>
+                          <a:ext uri="{909E8E84-426E-40DD-AFC4-6F175D3DCCD1}">
+                            <a14:hiddenFill xmlns:a14="http://schemas.microsoft.com/office/drawing/2010/main">
+                              <a:solidFill>
+                                <a:schemeClr val="accent1"/>
+                              </a:solidFill>
+                            </a14:hiddenFill>
+                          </a:ext>
+                          <a:ext uri="{91240B29-F687-4F45-9708-019B960494DF}">
+                            <a14:hiddenLine xmlns:a14="http://schemas.microsoft.com/office/drawing/2010/main" w="9525">
+                              <a:solidFill>
+                                <a:schemeClr val="tx1"/>
+                              </a:solidFill>
+                              <a:miter lim="800000"/>
+                              <a:headEnd/>
+                              <a:tailEnd/>
+                            </a14:hiddenLine>
+                          </a:ext>
+                          <a:ext uri="{AF507438-7753-43E0-B8FC-AC1667EBCBE1}">
+                            <a14:hiddenEffects xmlns:a14="http://schemas.microsoft.com/office/drawing/2010/main">
+                              <a:effectLst>
+                                <a:outerShdw dist="35921" dir="2700000" algn="ctr" rotWithShape="0">
+                                  <a:schemeClr val="bg2"/>
+                                </a:outerShdw>
+                              </a:effectLst>
+                            </a14:hiddenEffects>
+                          </a:ext>
+                        </a:extLst>
+                      </p:spPr>
+                    </p:pic>
+                  </p:oleObj>
+                </mc:Fallback>
+              </mc:AlternateContent>
+            </a:graphicData>
+          </a:graphic>
+        </p:graphicFrame>
+      </p:grpSp>
+      <p:grpSp>
+        <p:nvGrpSpPr>
+          <p:cNvPr id="40" name="Group 3"/>
+          <p:cNvGrpSpPr>
+            <a:grpSpLocks/>
+          </p:cNvGrpSpPr>
+          <p:nvPr/>
+        </p:nvGrpSpPr>
+        <p:grpSpPr bwMode="auto">
+          <a:xfrm>
+            <a:off x="1328738" y="3967163"/>
+            <a:ext cx="2667000" cy="2647950"/>
+            <a:chOff x="3168" y="720"/>
+            <a:chExt cx="1680" cy="1668"/>
+          </a:xfrm>
+        </p:grpSpPr>
+        <p:grpSp>
+          <p:nvGrpSpPr>
+            <p:cNvPr id="41" name="Group 4"/>
+            <p:cNvGrpSpPr>
+              <a:grpSpLocks/>
+            </p:cNvGrpSpPr>
+            <p:nvPr/>
+          </p:nvGrpSpPr>
+          <p:grpSpPr bwMode="auto">
+            <a:xfrm>
+              <a:off x="3168" y="720"/>
+              <a:ext cx="1680" cy="1488"/>
+              <a:chOff x="3168" y="720"/>
+              <a:chExt cx="1680" cy="1488"/>
+            </a:xfrm>
+          </p:grpSpPr>
+          <p:graphicFrame>
+            <p:nvGraphicFramePr>
+              <p:cNvPr id="43" name="Object 5"/>
+              <p:cNvGraphicFramePr>
+                <a:graphicFrameLocks noChangeAspect="1"/>
+              </p:cNvGraphicFramePr>
+              <p:nvPr/>
+            </p:nvGraphicFramePr>
+            <p:xfrm>
+              <a:off x="3168" y="720"/>
+              <a:ext cx="1680" cy="1488"/>
+            </p:xfrm>
+            <a:graphic>
+              <a:graphicData uri="http://schemas.openxmlformats.org/presentationml/2006/ole">
+                <mc:AlternateContent xmlns:mc="http://schemas.openxmlformats.org/markup-compatibility/2006">
+                  <mc:Choice xmlns:v="urn:schemas-microsoft-com:vml" Requires="v">
+                    <p:oleObj spid="_x0000_s1030" name="Worksheet" r:id="rId12" imgW="2200656" imgH="2076907" progId="Excel.Sheet.8">
+                      <p:embed/>
+                    </p:oleObj>
+                  </mc:Choice>
+                  <mc:Fallback>
+                    <p:oleObj name="Worksheet" r:id="rId12" imgW="2200656" imgH="2076907" progId="Excel.Sheet.8">
+                      <p:embed/>
+                      <p:pic>
+                        <p:nvPicPr>
+                          <p:cNvPr id="0" name=""/>
+                          <p:cNvPicPr>
+                            <a:picLocks noChangeAspect="1" noChangeArrowheads="1"/>
+                          </p:cNvPicPr>
+                          <p:nvPr/>
+                        </p:nvPicPr>
+                        <p:blipFill>
+                          <a:blip r:embed="rId13">
+                            <a:extLst>
+                              <a:ext uri="{28A0092B-C50C-407E-A947-70E740481C1C}">
+                                <a14:useLocalDpi xmlns:a14="http://schemas.microsoft.com/office/drawing/2010/main" val="0"/>
+                              </a:ext>
+                            </a:extLst>
+                          </a:blip>
+                          <a:srcRect/>
+                          <a:stretch>
+                            <a:fillRect/>
+                          </a:stretch>
+                        </p:blipFill>
+                        <p:spPr bwMode="auto">
+                          <a:xfrm>
+                            <a:off x="3168" y="720"/>
+                            <a:ext cx="1680" cy="1488"/>
+                          </a:xfrm>
+                          <a:prstGeom prst="rect">
+                            <a:avLst/>
+                          </a:prstGeom>
+                          <a:noFill/>
+                          <a:ln>
+                            <a:noFill/>
+                          </a:ln>
+                          <a:effectLst/>
+                          <a:extLst>
+                            <a:ext uri="{909E8E84-426E-40DD-AFC4-6F175D3DCCD1}">
+                              <a14:hiddenFill xmlns:a14="http://schemas.microsoft.com/office/drawing/2010/main">
+                                <a:solidFill>
+                                  <a:schemeClr val="accent1"/>
+                                </a:solidFill>
+                              </a14:hiddenFill>
+                            </a:ext>
+                            <a:ext uri="{91240B29-F687-4F45-9708-019B960494DF}">
+                              <a14:hiddenLine xmlns:a14="http://schemas.microsoft.com/office/drawing/2010/main" w="9525">
+                                <a:solidFill>
+                                  <a:schemeClr val="tx1"/>
+                                </a:solidFill>
+                                <a:miter lim="800000"/>
+                                <a:headEnd/>
+                                <a:tailEnd/>
+                              </a14:hiddenLine>
+                            </a:ext>
+                            <a:ext uri="{AF507438-7753-43E0-B8FC-AC1667EBCBE1}">
+                              <a14:hiddenEffects xmlns:a14="http://schemas.microsoft.com/office/drawing/2010/main">
+                                <a:effectLst>
+                                  <a:outerShdw dist="35921" dir="2700000" algn="ctr" rotWithShape="0">
+                                    <a:schemeClr val="bg2"/>
+                                  </a:outerShdw>
+                                </a:effectLst>
+                              </a14:hiddenEffects>
+                            </a:ext>
+                          </a:extLst>
+                        </p:spPr>
+                      </p:pic>
+                    </p:oleObj>
+                  </mc:Fallback>
+                </mc:AlternateContent>
+              </a:graphicData>
+            </a:graphic>
+          </p:graphicFrame>
+          <p:sp>
+            <p:nvSpPr>
+              <p:cNvPr id="44" name="Text Box 6"/>
+              <p:cNvSpPr txBox="1">
+                <a:spLocks noChangeArrowheads="1"/>
+              </p:cNvSpPr>
+              <p:nvPr/>
+            </p:nvSpPr>
+            <p:spPr bwMode="auto">
+              <a:xfrm>
+                <a:off x="3928" y="884"/>
+                <a:ext cx="233" cy="231"/>
+              </a:xfrm>
+              <a:prstGeom prst="rect">
+                <a:avLst/>
+              </a:prstGeom>
+              <a:noFill/>
+              <a:ln>
+                <a:noFill/>
+              </a:ln>
+              <a:effectLst/>
+              <a:extLst>
+                <a:ext uri="{909E8E84-426E-40DD-AFC4-6F175D3DCCD1}">
+                  <a14:hiddenFill xmlns:a14="http://schemas.microsoft.com/office/drawing/2010/main">
+                    <a:solidFill>
+                      <a:schemeClr val="accent1"/>
+                    </a:solidFill>
+                  </a14:hiddenFill>
+                </a:ext>
+                <a:ext uri="{91240B29-F687-4F45-9708-019B960494DF}">
+                  <a14:hiddenLine xmlns:a14="http://schemas.microsoft.com/office/drawing/2010/main" w="9525">
+                    <a:solidFill>
+                      <a:schemeClr val="tx1"/>
+                    </a:solidFill>
+                    <a:miter lim="800000"/>
+                    <a:headEnd/>
+                    <a:tailEnd/>
+                  </a14:hiddenLine>
+                </a:ext>
+                <a:ext uri="{AF507438-7753-43E0-B8FC-AC1667EBCBE1}">
+                  <a14:hiddenEffects xmlns:a14="http://schemas.microsoft.com/office/drawing/2010/main">
+                    <a:effectLst>
+                      <a:outerShdw dist="35921" dir="2700000" algn="ctr" rotWithShape="0">
+                        <a:schemeClr val="bg2"/>
+                      </a:outerShdw>
+                    </a:effectLst>
+                  </a14:hiddenEffects>
+                </a:ext>
+              </a:extLst>
+            </p:spPr>
+            <p:txBody>
+              <a:bodyPr>
+                <a:spAutoFit/>
+              </a:bodyPr>
+              <a:lstStyle>
+                <a:lvl1pPr>
+                  <a:defRPr>
+                    <a:solidFill>
+                      <a:schemeClr val="tx1"/>
+                    </a:solidFill>
+                    <a:latin typeface="Tahoma" panose="020B0604030504040204" pitchFamily="34" charset="0"/>
+                  </a:defRPr>
+                </a:lvl1pPr>
+                <a:lvl2pPr marL="742950" indent="-285750">
+                  <a:defRPr>
+                    <a:solidFill>
+                      <a:schemeClr val="tx1"/>
+                    </a:solidFill>
+                    <a:latin typeface="Tahoma" panose="020B0604030504040204" pitchFamily="34" charset="0"/>
+                  </a:defRPr>
+                </a:lvl2pPr>
+                <a:lvl3pPr marL="1143000" indent="-228600">
+                  <a:defRPr>
+                    <a:solidFill>
+                      <a:schemeClr val="tx1"/>
+                    </a:solidFill>
+                    <a:latin typeface="Tahoma" panose="020B0604030504040204" pitchFamily="34" charset="0"/>
+                  </a:defRPr>
+                </a:lvl3pPr>
+                <a:lvl4pPr marL="1600200" indent="-228600">
+                  <a:defRPr>
+                    <a:solidFill>
+                      <a:schemeClr val="tx1"/>
+                    </a:solidFill>
+                    <a:latin typeface="Tahoma" panose="020B0604030504040204" pitchFamily="34" charset="0"/>
+                  </a:defRPr>
+                </a:lvl4pPr>
+                <a:lvl5pPr marL="2057400" indent="-228600">
+                  <a:defRPr>
+                    <a:solidFill>
+                      <a:schemeClr val="tx1"/>
+                    </a:solidFill>
+                    <a:latin typeface="Tahoma" panose="020B0604030504040204" pitchFamily="34" charset="0"/>
+                  </a:defRPr>
+                </a:lvl5pPr>
+                <a:lvl6pPr marL="2514600" indent="-228600" eaLnBrk="0" fontAlgn="base" hangingPunct="0">
+                  <a:spcBef>
+                    <a:spcPct val="0"/>
+                  </a:spcBef>
+                  <a:spcAft>
+                    <a:spcPct val="0"/>
+                  </a:spcAft>
+                  <a:defRPr>
+                    <a:solidFill>
+                      <a:schemeClr val="tx1"/>
+                    </a:solidFill>
+                    <a:latin typeface="Tahoma" panose="020B0604030504040204" pitchFamily="34" charset="0"/>
+                  </a:defRPr>
+                </a:lvl6pPr>
+                <a:lvl7pPr marL="2971800" indent="-228600" eaLnBrk="0" fontAlgn="base" hangingPunct="0">
+                  <a:spcBef>
+                    <a:spcPct val="0"/>
+                  </a:spcBef>
+                  <a:spcAft>
+                    <a:spcPct val="0"/>
+                  </a:spcAft>
+                  <a:defRPr>
+                    <a:solidFill>
+                      <a:schemeClr val="tx1"/>
+                    </a:solidFill>
+                    <a:latin typeface="Tahoma" panose="020B0604030504040204" pitchFamily="34" charset="0"/>
+                  </a:defRPr>
+                </a:lvl7pPr>
+                <a:lvl8pPr marL="3429000" indent="-228600" eaLnBrk="0" fontAlgn="base" hangingPunct="0">
+                  <a:spcBef>
+                    <a:spcPct val="0"/>
+                  </a:spcBef>
+                  <a:spcAft>
+                    <a:spcPct val="0"/>
+                  </a:spcAft>
+                  <a:defRPr>
+                    <a:solidFill>
+                      <a:schemeClr val="tx1"/>
+                    </a:solidFill>
+                    <a:latin typeface="Tahoma" panose="020B0604030504040204" pitchFamily="34" charset="0"/>
+                  </a:defRPr>
+                </a:lvl8pPr>
+                <a:lvl9pPr marL="3886200" indent="-228600" eaLnBrk="0" fontAlgn="base" hangingPunct="0">
+                  <a:spcBef>
+                    <a:spcPct val="0"/>
+                  </a:spcBef>
+                  <a:spcAft>
+                    <a:spcPct val="0"/>
+                  </a:spcAft>
+                  <a:defRPr>
+                    <a:solidFill>
+                      <a:schemeClr val="tx1"/>
+                    </a:solidFill>
+                    <a:latin typeface="Tahoma" panose="020B0604030504040204" pitchFamily="34" charset="0"/>
+                  </a:defRPr>
+                </a:lvl9pPr>
+              </a:lstStyle>
+              <a:p>
+                <a:pPr algn="just">
+                  <a:spcBef>
+                    <a:spcPct val="50000"/>
+                  </a:spcBef>
+                </a:pPr>
+                <a:r>
+                  <a:rPr lang="en-US" b="1" i="1">
+                    <a:latin typeface="Times New Roman" panose="02020603050405020304" pitchFamily="18" charset="0"/>
+                  </a:rPr>
+                  <a:t>j</a:t>
+                </a:r>
+                <a:endParaRPr lang="en-US">
+                  <a:latin typeface="Times New Roman" panose="02020603050405020304" pitchFamily="18" charset="0"/>
+                </a:endParaRPr>
+              </a:p>
+            </p:txBody>
+          </p:sp>
+          <p:sp>
+            <p:nvSpPr>
+              <p:cNvPr id="45" name="Text Box 7"/>
+              <p:cNvSpPr txBox="1">
+                <a:spLocks noChangeArrowheads="1"/>
+              </p:cNvSpPr>
+              <p:nvPr/>
+            </p:nvSpPr>
+            <p:spPr bwMode="auto">
+              <a:xfrm>
+                <a:off x="3576" y="956"/>
+                <a:ext cx="232" cy="288"/>
+              </a:xfrm>
+              <a:prstGeom prst="rect">
+                <a:avLst/>
+              </a:prstGeom>
+              <a:noFill/>
+              <a:ln>
+                <a:noFill/>
+              </a:ln>
+              <a:effectLst/>
+              <a:extLst>
+                <a:ext uri="{909E8E84-426E-40DD-AFC4-6F175D3DCCD1}">
+                  <a14:hiddenFill xmlns:a14="http://schemas.microsoft.com/office/drawing/2010/main">
+                    <a:solidFill>
+                      <a:schemeClr val="accent1"/>
+                    </a:solidFill>
+                  </a14:hiddenFill>
+                </a:ext>
+                <a:ext uri="{91240B29-F687-4F45-9708-019B960494DF}">
+                  <a14:hiddenLine xmlns:a14="http://schemas.microsoft.com/office/drawing/2010/main" w="9525">
+                    <a:solidFill>
+                      <a:schemeClr val="tx1"/>
+                    </a:solidFill>
+                    <a:miter lim="800000"/>
+                    <a:headEnd/>
+                    <a:tailEnd/>
+                  </a14:hiddenLine>
+                </a:ext>
+                <a:ext uri="{AF507438-7753-43E0-B8FC-AC1667EBCBE1}">
+                  <a14:hiddenEffects xmlns:a14="http://schemas.microsoft.com/office/drawing/2010/main">
+                    <a:effectLst>
+                      <a:outerShdw dist="35921" dir="2700000" algn="ctr" rotWithShape="0">
+                        <a:schemeClr val="bg2"/>
+                      </a:outerShdw>
+                    </a:effectLst>
+                  </a14:hiddenEffects>
+                </a:ext>
+              </a:extLst>
+            </p:spPr>
+            <p:txBody>
+              <a:bodyPr>
+                <a:spAutoFit/>
+              </a:bodyPr>
+              <a:lstStyle>
+                <a:lvl1pPr>
+                  <a:defRPr>
+                    <a:solidFill>
+                      <a:schemeClr val="tx1"/>
+                    </a:solidFill>
+                    <a:latin typeface="Tahoma" panose="020B0604030504040204" pitchFamily="34" charset="0"/>
+                  </a:defRPr>
+                </a:lvl1pPr>
+                <a:lvl2pPr marL="742950" indent="-285750">
+                  <a:defRPr>
+                    <a:solidFill>
+                      <a:schemeClr val="tx1"/>
+                    </a:solidFill>
+                    <a:latin typeface="Tahoma" panose="020B0604030504040204" pitchFamily="34" charset="0"/>
+                  </a:defRPr>
+                </a:lvl2pPr>
+                <a:lvl3pPr marL="1143000" indent="-228600">
+                  <a:defRPr>
+                    <a:solidFill>
+                      <a:schemeClr val="tx1"/>
+                    </a:solidFill>
+                    <a:latin typeface="Tahoma" panose="020B0604030504040204" pitchFamily="34" charset="0"/>
+                  </a:defRPr>
+                </a:lvl3pPr>
+                <a:lvl4pPr marL="1600200" indent="-228600">
+                  <a:defRPr>
+                    <a:solidFill>
+                      <a:schemeClr val="tx1"/>
+                    </a:solidFill>
+                    <a:latin typeface="Tahoma" panose="020B0604030504040204" pitchFamily="34" charset="0"/>
+                  </a:defRPr>
+                </a:lvl4pPr>
+                <a:lvl5pPr marL="2057400" indent="-228600">
+                  <a:defRPr>
+                    <a:solidFill>
+                      <a:schemeClr val="tx1"/>
+                    </a:solidFill>
+                    <a:latin typeface="Tahoma" panose="020B0604030504040204" pitchFamily="34" charset="0"/>
+                  </a:defRPr>
+                </a:lvl5pPr>
+                <a:lvl6pPr marL="2514600" indent="-228600" eaLnBrk="0" fontAlgn="base" hangingPunct="0">
+                  <a:spcBef>
+                    <a:spcPct val="0"/>
+                  </a:spcBef>
+                  <a:spcAft>
+                    <a:spcPct val="0"/>
+                  </a:spcAft>
+                  <a:defRPr>
+                    <a:solidFill>
+                      <a:schemeClr val="tx1"/>
+                    </a:solidFill>
+                    <a:latin typeface="Tahoma" panose="020B0604030504040204" pitchFamily="34" charset="0"/>
+                  </a:defRPr>
+                </a:lvl6pPr>
+                <a:lvl7pPr marL="2971800" indent="-228600" eaLnBrk="0" fontAlgn="base" hangingPunct="0">
+                  <a:spcBef>
+                    <a:spcPct val="0"/>
+                  </a:spcBef>
+                  <a:spcAft>
+                    <a:spcPct val="0"/>
+                  </a:spcAft>
+                  <a:defRPr>
+                    <a:solidFill>
+                      <a:schemeClr val="tx1"/>
+                    </a:solidFill>
+                    <a:latin typeface="Tahoma" panose="020B0604030504040204" pitchFamily="34" charset="0"/>
+                  </a:defRPr>
+                </a:lvl7pPr>
+                <a:lvl8pPr marL="3429000" indent="-228600" eaLnBrk="0" fontAlgn="base" hangingPunct="0">
+                  <a:spcBef>
+                    <a:spcPct val="0"/>
+                  </a:spcBef>
+                  <a:spcAft>
+                    <a:spcPct val="0"/>
+                  </a:spcAft>
+                  <a:defRPr>
+                    <a:solidFill>
+                      <a:schemeClr val="tx1"/>
+                    </a:solidFill>
+                    <a:latin typeface="Tahoma" panose="020B0604030504040204" pitchFamily="34" charset="0"/>
+                  </a:defRPr>
+                </a:lvl8pPr>
+                <a:lvl9pPr marL="3886200" indent="-228600" eaLnBrk="0" fontAlgn="base" hangingPunct="0">
+                  <a:spcBef>
+                    <a:spcPct val="0"/>
+                  </a:spcBef>
+                  <a:spcAft>
+                    <a:spcPct val="0"/>
+                  </a:spcAft>
+                  <a:defRPr>
+                    <a:solidFill>
+                      <a:schemeClr val="tx1"/>
+                    </a:solidFill>
+                    <a:latin typeface="Tahoma" panose="020B0604030504040204" pitchFamily="34" charset="0"/>
+                  </a:defRPr>
+                </a:lvl9pPr>
+              </a:lstStyle>
+              <a:p>
+                <a:pPr>
+                  <a:spcBef>
+                    <a:spcPct val="50000"/>
+                  </a:spcBef>
+                </a:pPr>
+                <a:endParaRPr lang="en-US">
+                  <a:latin typeface="Times New Roman" panose="02020603050405020304" pitchFamily="18" charset="0"/>
+                </a:endParaRPr>
+              </a:p>
+            </p:txBody>
+          </p:sp>
+          <p:sp>
+            <p:nvSpPr>
+              <p:cNvPr id="46" name="Text Box 8"/>
+              <p:cNvSpPr txBox="1">
+                <a:spLocks noChangeArrowheads="1"/>
+              </p:cNvSpPr>
+              <p:nvPr/>
+            </p:nvSpPr>
+            <p:spPr bwMode="auto">
+              <a:xfrm>
+                <a:off x="4157" y="1542"/>
+                <a:ext cx="290" cy="231"/>
+              </a:xfrm>
+              <a:prstGeom prst="rect">
+                <a:avLst/>
+              </a:prstGeom>
+              <a:noFill/>
+              <a:ln>
+                <a:noFill/>
+              </a:ln>
+              <a:effectLst/>
+              <a:extLst>
+                <a:ext uri="{909E8E84-426E-40DD-AFC4-6F175D3DCCD1}">
+                  <a14:hiddenFill xmlns:a14="http://schemas.microsoft.com/office/drawing/2010/main">
+                    <a:solidFill>
+                      <a:schemeClr val="accent1"/>
+                    </a:solidFill>
+                  </a14:hiddenFill>
+                </a:ext>
+                <a:ext uri="{91240B29-F687-4F45-9708-019B960494DF}">
+                  <a14:hiddenLine xmlns:a14="http://schemas.microsoft.com/office/drawing/2010/main" w="9525">
+                    <a:solidFill>
+                      <a:schemeClr val="tx1"/>
+                    </a:solidFill>
+                    <a:miter lim="800000"/>
+                    <a:headEnd/>
+                    <a:tailEnd/>
+                  </a14:hiddenLine>
+                </a:ext>
+                <a:ext uri="{AF507438-7753-43E0-B8FC-AC1667EBCBE1}">
+                  <a14:hiddenEffects xmlns:a14="http://schemas.microsoft.com/office/drawing/2010/main">
+                    <a:effectLst>
+                      <a:outerShdw dist="35921" dir="2700000" algn="ctr" rotWithShape="0">
+                        <a:schemeClr val="bg2"/>
+                      </a:outerShdw>
+                    </a:effectLst>
+                  </a14:hiddenEffects>
+                </a:ext>
+              </a:extLst>
+            </p:spPr>
+            <p:txBody>
+              <a:bodyPr>
+                <a:spAutoFit/>
+              </a:bodyPr>
+              <a:lstStyle>
+                <a:lvl1pPr>
+                  <a:defRPr>
+                    <a:solidFill>
+                      <a:schemeClr val="tx1"/>
+                    </a:solidFill>
+                    <a:latin typeface="Tahoma" panose="020B0604030504040204" pitchFamily="34" charset="0"/>
+                  </a:defRPr>
+                </a:lvl1pPr>
+                <a:lvl2pPr marL="742950" indent="-285750">
+                  <a:defRPr>
+                    <a:solidFill>
+                      <a:schemeClr val="tx1"/>
+                    </a:solidFill>
+                    <a:latin typeface="Tahoma" panose="020B0604030504040204" pitchFamily="34" charset="0"/>
+                  </a:defRPr>
+                </a:lvl2pPr>
+                <a:lvl3pPr marL="1143000" indent="-228600">
+                  <a:defRPr>
+                    <a:solidFill>
+                      <a:schemeClr val="tx1"/>
+                    </a:solidFill>
+                    <a:latin typeface="Tahoma" panose="020B0604030504040204" pitchFamily="34" charset="0"/>
+                  </a:defRPr>
+                </a:lvl3pPr>
+                <a:lvl4pPr marL="1600200" indent="-228600">
+                  <a:defRPr>
+                    <a:solidFill>
+                      <a:schemeClr val="tx1"/>
+                    </a:solidFill>
+                    <a:latin typeface="Tahoma" panose="020B0604030504040204" pitchFamily="34" charset="0"/>
+                  </a:defRPr>
+                </a:lvl4pPr>
+                <a:lvl5pPr marL="2057400" indent="-228600">
+                  <a:defRPr>
+                    <a:solidFill>
+                      <a:schemeClr val="tx1"/>
+                    </a:solidFill>
+                    <a:latin typeface="Tahoma" panose="020B0604030504040204" pitchFamily="34" charset="0"/>
+                  </a:defRPr>
+                </a:lvl5pPr>
+                <a:lvl6pPr marL="2514600" indent="-228600" eaLnBrk="0" fontAlgn="base" hangingPunct="0">
+                  <a:spcBef>
+                    <a:spcPct val="0"/>
+                  </a:spcBef>
+                  <a:spcAft>
+                    <a:spcPct val="0"/>
+                  </a:spcAft>
+                  <a:defRPr>
+                    <a:solidFill>
+                      <a:schemeClr val="tx1"/>
+                    </a:solidFill>
+                    <a:latin typeface="Tahoma" panose="020B0604030504040204" pitchFamily="34" charset="0"/>
+                  </a:defRPr>
+                </a:lvl6pPr>
+                <a:lvl7pPr marL="2971800" indent="-228600" eaLnBrk="0" fontAlgn="base" hangingPunct="0">
+                  <a:spcBef>
+                    <a:spcPct val="0"/>
+                  </a:spcBef>
+                  <a:spcAft>
+                    <a:spcPct val="0"/>
+                  </a:spcAft>
+                  <a:defRPr>
+                    <a:solidFill>
+                      <a:schemeClr val="tx1"/>
+                    </a:solidFill>
+                    <a:latin typeface="Tahoma" panose="020B0604030504040204" pitchFamily="34" charset="0"/>
+                  </a:defRPr>
+                </a:lvl7pPr>
+                <a:lvl8pPr marL="3429000" indent="-228600" eaLnBrk="0" fontAlgn="base" hangingPunct="0">
+                  <a:spcBef>
+                    <a:spcPct val="0"/>
+                  </a:spcBef>
+                  <a:spcAft>
+                    <a:spcPct val="0"/>
+                  </a:spcAft>
+                  <a:defRPr>
+                    <a:solidFill>
+                      <a:schemeClr val="tx1"/>
+                    </a:solidFill>
+                    <a:latin typeface="Tahoma" panose="020B0604030504040204" pitchFamily="34" charset="0"/>
+                  </a:defRPr>
+                </a:lvl8pPr>
+                <a:lvl9pPr marL="3886200" indent="-228600" eaLnBrk="0" fontAlgn="base" hangingPunct="0">
+                  <a:spcBef>
+                    <a:spcPct val="0"/>
+                  </a:spcBef>
+                  <a:spcAft>
+                    <a:spcPct val="0"/>
+                  </a:spcAft>
+                  <a:defRPr>
+                    <a:solidFill>
+                      <a:schemeClr val="tx1"/>
+                    </a:solidFill>
+                    <a:latin typeface="Tahoma" panose="020B0604030504040204" pitchFamily="34" charset="0"/>
+                  </a:defRPr>
+                </a:lvl9pPr>
+              </a:lstStyle>
+              <a:p>
+                <a:pPr>
+                  <a:spcBef>
+                    <a:spcPct val="50000"/>
+                  </a:spcBef>
+                </a:pPr>
+                <a:r>
+                  <a:rPr lang="en-US" b="1" i="1">
+                    <a:latin typeface="Times New Roman" panose="02020603050405020304" pitchFamily="18" charset="0"/>
+                  </a:rPr>
+                  <a:t>i</a:t>
+                </a:r>
+                <a:endParaRPr lang="en-US">
+                  <a:latin typeface="Times New Roman" panose="02020603050405020304" pitchFamily="18" charset="0"/>
+                </a:endParaRPr>
+              </a:p>
+            </p:txBody>
+          </p:sp>
+          <p:sp>
+            <p:nvSpPr>
+              <p:cNvPr id="47" name="Text Box 9"/>
+              <p:cNvSpPr txBox="1">
+                <a:spLocks noChangeArrowheads="1"/>
+              </p:cNvSpPr>
+              <p:nvPr/>
+            </p:nvSpPr>
+            <p:spPr bwMode="auto">
+              <a:xfrm>
+                <a:off x="4136" y="1432"/>
+                <a:ext cx="232" cy="231"/>
+              </a:xfrm>
+              <a:prstGeom prst="rect">
+                <a:avLst/>
+              </a:prstGeom>
+              <a:noFill/>
+              <a:ln>
+                <a:noFill/>
+              </a:ln>
+              <a:effectLst/>
+              <a:extLst>
+                <a:ext uri="{909E8E84-426E-40DD-AFC4-6F175D3DCCD1}">
+                  <a14:hiddenFill xmlns:a14="http://schemas.microsoft.com/office/drawing/2010/main">
+                    <a:solidFill>
+                      <a:schemeClr val="accent1"/>
+                    </a:solidFill>
+                  </a14:hiddenFill>
+                </a:ext>
+                <a:ext uri="{91240B29-F687-4F45-9708-019B960494DF}">
+                  <a14:hiddenLine xmlns:a14="http://schemas.microsoft.com/office/drawing/2010/main" w="9525">
+                    <a:solidFill>
+                      <a:schemeClr val="tx1"/>
+                    </a:solidFill>
+                    <a:miter lim="800000"/>
+                    <a:headEnd/>
+                    <a:tailEnd/>
+                  </a14:hiddenLine>
+                </a:ext>
+                <a:ext uri="{AF507438-7753-43E0-B8FC-AC1667EBCBE1}">
+                  <a14:hiddenEffects xmlns:a14="http://schemas.microsoft.com/office/drawing/2010/main">
+                    <a:effectLst>
+                      <a:outerShdw dist="35921" dir="2700000" algn="ctr" rotWithShape="0">
+                        <a:schemeClr val="bg2"/>
+                      </a:outerShdw>
+                    </a:effectLst>
+                  </a14:hiddenEffects>
+                </a:ext>
+              </a:extLst>
+            </p:spPr>
+            <p:txBody>
+              <a:bodyPr>
+                <a:spAutoFit/>
+              </a:bodyPr>
+              <a:lstStyle>
+                <a:lvl1pPr>
+                  <a:defRPr>
+                    <a:solidFill>
+                      <a:schemeClr val="tx1"/>
+                    </a:solidFill>
+                    <a:latin typeface="Tahoma" panose="020B0604030504040204" pitchFamily="34" charset="0"/>
+                  </a:defRPr>
+                </a:lvl1pPr>
+                <a:lvl2pPr marL="742950" indent="-285750">
+                  <a:defRPr>
+                    <a:solidFill>
+                      <a:schemeClr val="tx1"/>
+                    </a:solidFill>
+                    <a:latin typeface="Tahoma" panose="020B0604030504040204" pitchFamily="34" charset="0"/>
+                  </a:defRPr>
+                </a:lvl2pPr>
+                <a:lvl3pPr marL="1143000" indent="-228600">
+                  <a:defRPr>
+                    <a:solidFill>
+                      <a:schemeClr val="tx1"/>
+                    </a:solidFill>
+                    <a:latin typeface="Tahoma" panose="020B0604030504040204" pitchFamily="34" charset="0"/>
+                  </a:defRPr>
+                </a:lvl3pPr>
+                <a:lvl4pPr marL="1600200" indent="-228600">
+                  <a:defRPr>
+                    <a:solidFill>
+                      <a:schemeClr val="tx1"/>
+                    </a:solidFill>
+                    <a:latin typeface="Tahoma" panose="020B0604030504040204" pitchFamily="34" charset="0"/>
+                  </a:defRPr>
+                </a:lvl4pPr>
+                <a:lvl5pPr marL="2057400" indent="-228600">
+                  <a:defRPr>
+                    <a:solidFill>
+                      <a:schemeClr val="tx1"/>
+                    </a:solidFill>
+                    <a:latin typeface="Tahoma" panose="020B0604030504040204" pitchFamily="34" charset="0"/>
+                  </a:defRPr>
+                </a:lvl5pPr>
+                <a:lvl6pPr marL="2514600" indent="-228600" eaLnBrk="0" fontAlgn="base" hangingPunct="0">
+                  <a:spcBef>
+                    <a:spcPct val="0"/>
+                  </a:spcBef>
+                  <a:spcAft>
+                    <a:spcPct val="0"/>
+                  </a:spcAft>
+                  <a:defRPr>
+                    <a:solidFill>
+                      <a:schemeClr val="tx1"/>
+                    </a:solidFill>
+                    <a:latin typeface="Tahoma" panose="020B0604030504040204" pitchFamily="34" charset="0"/>
+                  </a:defRPr>
+                </a:lvl6pPr>
+                <a:lvl7pPr marL="2971800" indent="-228600" eaLnBrk="0" fontAlgn="base" hangingPunct="0">
+                  <a:spcBef>
+                    <a:spcPct val="0"/>
+                  </a:spcBef>
+                  <a:spcAft>
+                    <a:spcPct val="0"/>
+                  </a:spcAft>
+                  <a:defRPr>
+                    <a:solidFill>
+                      <a:schemeClr val="tx1"/>
+                    </a:solidFill>
+                    <a:latin typeface="Tahoma" panose="020B0604030504040204" pitchFamily="34" charset="0"/>
+                  </a:defRPr>
+                </a:lvl7pPr>
+                <a:lvl8pPr marL="3429000" indent="-228600" eaLnBrk="0" fontAlgn="base" hangingPunct="0">
+                  <a:spcBef>
+                    <a:spcPct val="0"/>
+                  </a:spcBef>
+                  <a:spcAft>
+                    <a:spcPct val="0"/>
+                  </a:spcAft>
+                  <a:defRPr>
+                    <a:solidFill>
+                      <a:schemeClr val="tx1"/>
+                    </a:solidFill>
+                    <a:latin typeface="Tahoma" panose="020B0604030504040204" pitchFamily="34" charset="0"/>
+                  </a:defRPr>
+                </a:lvl8pPr>
+                <a:lvl9pPr marL="3886200" indent="-228600" eaLnBrk="0" fontAlgn="base" hangingPunct="0">
+                  <a:spcBef>
+                    <a:spcPct val="0"/>
+                  </a:spcBef>
+                  <a:spcAft>
+                    <a:spcPct val="0"/>
+                  </a:spcAft>
+                  <a:defRPr>
+                    <a:solidFill>
+                      <a:schemeClr val="tx1"/>
+                    </a:solidFill>
+                    <a:latin typeface="Tahoma" panose="020B0604030504040204" pitchFamily="34" charset="0"/>
+                  </a:defRPr>
+                </a:lvl9pPr>
+              </a:lstStyle>
+              <a:p>
+                <a:pPr>
+                  <a:spcBef>
+                    <a:spcPct val="50000"/>
+                  </a:spcBef>
+                </a:pPr>
+                <a:r>
+                  <a:rPr lang="en-US" b="1" i="1">
+                    <a:latin typeface="Times New Roman" panose="02020603050405020304" pitchFamily="18" charset="0"/>
+                  </a:rPr>
+                  <a:t>h</a:t>
+                </a:r>
+                <a:endParaRPr lang="en-US">
+                  <a:latin typeface="Times New Roman" panose="02020603050405020304" pitchFamily="18" charset="0"/>
+                </a:endParaRPr>
+              </a:p>
+            </p:txBody>
+          </p:sp>
+          <p:sp>
+            <p:nvSpPr>
+              <p:cNvPr id="48" name="Text Box 10"/>
+              <p:cNvSpPr txBox="1">
+                <a:spLocks noChangeArrowheads="1"/>
+              </p:cNvSpPr>
+              <p:nvPr/>
+            </p:nvSpPr>
+            <p:spPr bwMode="auto">
+              <a:xfrm>
+                <a:off x="3607" y="956"/>
+                <a:ext cx="160" cy="231"/>
+              </a:xfrm>
+              <a:prstGeom prst="rect">
+                <a:avLst/>
+              </a:prstGeom>
+              <a:noFill/>
+              <a:ln>
+                <a:noFill/>
+              </a:ln>
+              <a:effectLst/>
+              <a:extLst>
+                <a:ext uri="{909E8E84-426E-40DD-AFC4-6F175D3DCCD1}">
+                  <a14:hiddenFill xmlns:a14="http://schemas.microsoft.com/office/drawing/2010/main">
+                    <a:solidFill>
+                      <a:schemeClr val="accent1"/>
+                    </a:solidFill>
+                  </a14:hiddenFill>
+                </a:ext>
+                <a:ext uri="{91240B29-F687-4F45-9708-019B960494DF}">
+                  <a14:hiddenLine xmlns:a14="http://schemas.microsoft.com/office/drawing/2010/main" w="9525">
+                    <a:solidFill>
+                      <a:schemeClr val="tx1"/>
+                    </a:solidFill>
+                    <a:miter lim="800000"/>
+                    <a:headEnd/>
+                    <a:tailEnd/>
+                  </a14:hiddenLine>
+                </a:ext>
+                <a:ext uri="{AF507438-7753-43E0-B8FC-AC1667EBCBE1}">
+                  <a14:hiddenEffects xmlns:a14="http://schemas.microsoft.com/office/drawing/2010/main">
+                    <a:effectLst>
+                      <a:outerShdw dist="35921" dir="2700000" algn="ctr" rotWithShape="0">
+                        <a:schemeClr val="bg2"/>
+                      </a:outerShdw>
+                    </a:effectLst>
+                  </a14:hiddenEffects>
+                </a:ext>
+              </a:extLst>
+            </p:spPr>
+            <p:txBody>
+              <a:bodyPr>
+                <a:spAutoFit/>
+              </a:bodyPr>
+              <a:lstStyle>
+                <a:lvl1pPr>
+                  <a:defRPr>
+                    <a:solidFill>
+                      <a:schemeClr val="tx1"/>
+                    </a:solidFill>
+                    <a:latin typeface="Tahoma" panose="020B0604030504040204" pitchFamily="34" charset="0"/>
+                  </a:defRPr>
+                </a:lvl1pPr>
+                <a:lvl2pPr marL="742950" indent="-285750">
+                  <a:defRPr>
+                    <a:solidFill>
+                      <a:schemeClr val="tx1"/>
+                    </a:solidFill>
+                    <a:latin typeface="Tahoma" panose="020B0604030504040204" pitchFamily="34" charset="0"/>
+                  </a:defRPr>
+                </a:lvl2pPr>
+                <a:lvl3pPr marL="1143000" indent="-228600">
+                  <a:defRPr>
+                    <a:solidFill>
+                      <a:schemeClr val="tx1"/>
+                    </a:solidFill>
+                    <a:latin typeface="Tahoma" panose="020B0604030504040204" pitchFamily="34" charset="0"/>
+                  </a:defRPr>
+                </a:lvl3pPr>
+                <a:lvl4pPr marL="1600200" indent="-228600">
+                  <a:defRPr>
+                    <a:solidFill>
+                      <a:schemeClr val="tx1"/>
+                    </a:solidFill>
+                    <a:latin typeface="Tahoma" panose="020B0604030504040204" pitchFamily="34" charset="0"/>
+                  </a:defRPr>
+                </a:lvl4pPr>
+                <a:lvl5pPr marL="2057400" indent="-228600">
+                  <a:defRPr>
+                    <a:solidFill>
+                      <a:schemeClr val="tx1"/>
+                    </a:solidFill>
+                    <a:latin typeface="Tahoma" panose="020B0604030504040204" pitchFamily="34" charset="0"/>
+                  </a:defRPr>
+                </a:lvl5pPr>
+                <a:lvl6pPr marL="2514600" indent="-228600" eaLnBrk="0" fontAlgn="base" hangingPunct="0">
+                  <a:spcBef>
+                    <a:spcPct val="0"/>
+                  </a:spcBef>
+                  <a:spcAft>
+                    <a:spcPct val="0"/>
+                  </a:spcAft>
+                  <a:defRPr>
+                    <a:solidFill>
+                      <a:schemeClr val="tx1"/>
+                    </a:solidFill>
+                    <a:latin typeface="Tahoma" panose="020B0604030504040204" pitchFamily="34" charset="0"/>
+                  </a:defRPr>
+                </a:lvl6pPr>
+                <a:lvl7pPr marL="2971800" indent="-228600" eaLnBrk="0" fontAlgn="base" hangingPunct="0">
+                  <a:spcBef>
+                    <a:spcPct val="0"/>
+                  </a:spcBef>
+                  <a:spcAft>
+                    <a:spcPct val="0"/>
+                  </a:spcAft>
+                  <a:defRPr>
+                    <a:solidFill>
+                      <a:schemeClr val="tx1"/>
+                    </a:solidFill>
+                    <a:latin typeface="Tahoma" panose="020B0604030504040204" pitchFamily="34" charset="0"/>
+                  </a:defRPr>
+                </a:lvl7pPr>
+                <a:lvl8pPr marL="3429000" indent="-228600" eaLnBrk="0" fontAlgn="base" hangingPunct="0">
+                  <a:spcBef>
+                    <a:spcPct val="0"/>
+                  </a:spcBef>
+                  <a:spcAft>
+                    <a:spcPct val="0"/>
+                  </a:spcAft>
+                  <a:defRPr>
+                    <a:solidFill>
+                      <a:schemeClr val="tx1"/>
+                    </a:solidFill>
+                    <a:latin typeface="Tahoma" panose="020B0604030504040204" pitchFamily="34" charset="0"/>
+                  </a:defRPr>
+                </a:lvl8pPr>
+                <a:lvl9pPr marL="3886200" indent="-228600" eaLnBrk="0" fontAlgn="base" hangingPunct="0">
+                  <a:spcBef>
+                    <a:spcPct val="0"/>
+                  </a:spcBef>
+                  <a:spcAft>
+                    <a:spcPct val="0"/>
+                  </a:spcAft>
+                  <a:defRPr>
+                    <a:solidFill>
+                      <a:schemeClr val="tx1"/>
+                    </a:solidFill>
+                    <a:latin typeface="Tahoma" panose="020B0604030504040204" pitchFamily="34" charset="0"/>
+                  </a:defRPr>
+                </a:lvl9pPr>
+              </a:lstStyle>
+              <a:p>
+                <a:pPr>
+                  <a:spcBef>
+                    <a:spcPct val="50000"/>
+                  </a:spcBef>
+                </a:pPr>
+                <a:r>
+                  <a:rPr lang="en-US" b="1" i="1">
+                    <a:latin typeface="Times New Roman" panose="02020603050405020304" pitchFamily="18" charset="0"/>
+                  </a:rPr>
+                  <a:t>t</a:t>
+                </a:r>
+                <a:endParaRPr lang="en-US">
+                  <a:latin typeface="Times New Roman" panose="02020603050405020304" pitchFamily="18" charset="0"/>
+                </a:endParaRPr>
+              </a:p>
+            </p:txBody>
+          </p:sp>
+          <p:sp>
+            <p:nvSpPr>
+              <p:cNvPr id="49" name="Oval 11"/>
+              <p:cNvSpPr>
+                <a:spLocks noChangeArrowheads="1"/>
+              </p:cNvSpPr>
+              <p:nvPr/>
+            </p:nvSpPr>
+            <p:spPr bwMode="auto">
+              <a:xfrm>
+                <a:off x="3528" y="837"/>
+                <a:ext cx="520" cy="784"/>
+              </a:xfrm>
+              <a:prstGeom prst="ellipse">
+                <a:avLst/>
+              </a:prstGeom>
+              <a:noFill/>
+              <a:ln w="9525">
+                <a:solidFill>
+                  <a:schemeClr val="tx1"/>
+                </a:solidFill>
+                <a:prstDash val="dashDot"/>
+                <a:round/>
+                <a:headEnd/>
+                <a:tailEnd/>
+              </a:ln>
+              <a:effectLst/>
+              <a:extLst>
+                <a:ext uri="{909E8E84-426E-40DD-AFC4-6F175D3DCCD1}">
+                  <a14:hiddenFill xmlns:a14="http://schemas.microsoft.com/office/drawing/2010/main">
+                    <a:solidFill>
+                      <a:schemeClr val="accent1"/>
+                    </a:solidFill>
+                  </a14:hiddenFill>
+                </a:ext>
+                <a:ext uri="{AF507438-7753-43E0-B8FC-AC1667EBCBE1}">
+                  <a14:hiddenEffects xmlns:a14="http://schemas.microsoft.com/office/drawing/2010/main">
+                    <a:effectLst>
+                      <a:outerShdw dist="35921" dir="2700000" algn="ctr" rotWithShape="0">
+                        <a:schemeClr val="bg2"/>
+                      </a:outerShdw>
+                    </a:effectLst>
+                  </a14:hiddenEffects>
+                </a:ext>
+              </a:extLst>
+            </p:spPr>
+            <p:txBody>
+              <a:bodyPr wrap="none" anchor="ctr">
+                <a:spAutoFit/>
+              </a:bodyPr>
+              <a:lstStyle>
+                <a:lvl1pPr>
+                  <a:defRPr>
+                    <a:solidFill>
+                      <a:schemeClr val="tx1"/>
+                    </a:solidFill>
+                    <a:latin typeface="Tahoma" panose="020B0604030504040204" pitchFamily="34" charset="0"/>
+                  </a:defRPr>
+                </a:lvl1pPr>
+                <a:lvl2pPr marL="742950" indent="-285750">
+                  <a:defRPr>
+                    <a:solidFill>
+                      <a:schemeClr val="tx1"/>
+                    </a:solidFill>
+                    <a:latin typeface="Tahoma" panose="020B0604030504040204" pitchFamily="34" charset="0"/>
+                  </a:defRPr>
+                </a:lvl2pPr>
+                <a:lvl3pPr marL="1143000" indent="-228600">
+                  <a:defRPr>
+                    <a:solidFill>
+                      <a:schemeClr val="tx1"/>
+                    </a:solidFill>
+                    <a:latin typeface="Tahoma" panose="020B0604030504040204" pitchFamily="34" charset="0"/>
+                  </a:defRPr>
+                </a:lvl3pPr>
+                <a:lvl4pPr marL="1600200" indent="-228600">
+                  <a:defRPr>
+                    <a:solidFill>
+                      <a:schemeClr val="tx1"/>
+                    </a:solidFill>
+                    <a:latin typeface="Tahoma" panose="020B0604030504040204" pitchFamily="34" charset="0"/>
+                  </a:defRPr>
+                </a:lvl4pPr>
+                <a:lvl5pPr marL="2057400" indent="-228600">
+                  <a:defRPr>
+                    <a:solidFill>
+                      <a:schemeClr val="tx1"/>
+                    </a:solidFill>
+                    <a:latin typeface="Tahoma" panose="020B0604030504040204" pitchFamily="34" charset="0"/>
+                  </a:defRPr>
+                </a:lvl5pPr>
+                <a:lvl6pPr marL="2514600" indent="-228600" eaLnBrk="0" fontAlgn="base" hangingPunct="0">
+                  <a:spcBef>
+                    <a:spcPct val="0"/>
+                  </a:spcBef>
+                  <a:spcAft>
+                    <a:spcPct val="0"/>
+                  </a:spcAft>
+                  <a:defRPr>
+                    <a:solidFill>
+                      <a:schemeClr val="tx1"/>
+                    </a:solidFill>
+                    <a:latin typeface="Tahoma" panose="020B0604030504040204" pitchFamily="34" charset="0"/>
+                  </a:defRPr>
+                </a:lvl6pPr>
+                <a:lvl7pPr marL="2971800" indent="-228600" eaLnBrk="0" fontAlgn="base" hangingPunct="0">
+                  <a:spcBef>
+                    <a:spcPct val="0"/>
+                  </a:spcBef>
+                  <a:spcAft>
+                    <a:spcPct val="0"/>
+                  </a:spcAft>
+                  <a:defRPr>
+                    <a:solidFill>
+                      <a:schemeClr val="tx1"/>
+                    </a:solidFill>
+                    <a:latin typeface="Tahoma" panose="020B0604030504040204" pitchFamily="34" charset="0"/>
+                  </a:defRPr>
+                </a:lvl7pPr>
+                <a:lvl8pPr marL="3429000" indent="-228600" eaLnBrk="0" fontAlgn="base" hangingPunct="0">
+                  <a:spcBef>
+                    <a:spcPct val="0"/>
+                  </a:spcBef>
+                  <a:spcAft>
+                    <a:spcPct val="0"/>
+                  </a:spcAft>
+                  <a:defRPr>
+                    <a:solidFill>
+                      <a:schemeClr val="tx1"/>
+                    </a:solidFill>
+                    <a:latin typeface="Tahoma" panose="020B0604030504040204" pitchFamily="34" charset="0"/>
+                  </a:defRPr>
+                </a:lvl8pPr>
+                <a:lvl9pPr marL="3886200" indent="-228600" eaLnBrk="0" fontAlgn="base" hangingPunct="0">
+                  <a:spcBef>
+                    <a:spcPct val="0"/>
+                  </a:spcBef>
+                  <a:spcAft>
+                    <a:spcPct val="0"/>
+                  </a:spcAft>
+                  <a:defRPr>
+                    <a:solidFill>
+                      <a:schemeClr val="tx1"/>
+                    </a:solidFill>
+                    <a:latin typeface="Tahoma" panose="020B0604030504040204" pitchFamily="34" charset="0"/>
+                  </a:defRPr>
+                </a:lvl9pPr>
+              </a:lstStyle>
+              <a:p>
+                <a:endParaRPr lang="en-US"/>
+              </a:p>
+            </p:txBody>
+          </p:sp>
+          <p:sp>
+            <p:nvSpPr>
+              <p:cNvPr id="50" name="Oval 12"/>
+              <p:cNvSpPr>
+                <a:spLocks noChangeArrowheads="1"/>
+              </p:cNvSpPr>
+              <p:nvPr/>
+            </p:nvSpPr>
+            <p:spPr bwMode="auto">
+              <a:xfrm>
+                <a:off x="4088" y="1268"/>
+                <a:ext cx="520" cy="548"/>
+              </a:xfrm>
+              <a:prstGeom prst="ellipse">
+                <a:avLst/>
+              </a:prstGeom>
+              <a:noFill/>
+              <a:ln w="9525">
+                <a:solidFill>
+                  <a:schemeClr val="tx1"/>
+                </a:solidFill>
+                <a:prstDash val="dashDot"/>
+                <a:round/>
+                <a:headEnd/>
+                <a:tailEnd/>
+              </a:ln>
+              <a:effectLst/>
+              <a:extLst>
+                <a:ext uri="{909E8E84-426E-40DD-AFC4-6F175D3DCCD1}">
+                  <a14:hiddenFill xmlns:a14="http://schemas.microsoft.com/office/drawing/2010/main">
+                    <a:solidFill>
+                      <a:schemeClr val="accent1"/>
+                    </a:solidFill>
+                  </a14:hiddenFill>
+                </a:ext>
+                <a:ext uri="{AF507438-7753-43E0-B8FC-AC1667EBCBE1}">
+                  <a14:hiddenEffects xmlns:a14="http://schemas.microsoft.com/office/drawing/2010/main">
+                    <a:effectLst>
+                      <a:outerShdw dist="35921" dir="2700000" algn="ctr" rotWithShape="0">
+                        <a:schemeClr val="bg2"/>
+                      </a:outerShdw>
+                    </a:effectLst>
+                  </a14:hiddenEffects>
+                </a:ext>
+              </a:extLst>
+            </p:spPr>
+            <p:txBody>
+              <a:bodyPr anchor="ctr">
+                <a:spAutoFit/>
+              </a:bodyPr>
+              <a:lstStyle>
+                <a:lvl1pPr>
+                  <a:defRPr>
+                    <a:solidFill>
+                      <a:schemeClr val="tx1"/>
+                    </a:solidFill>
+                    <a:latin typeface="Tahoma" panose="020B0604030504040204" pitchFamily="34" charset="0"/>
+                  </a:defRPr>
+                </a:lvl1pPr>
+                <a:lvl2pPr marL="742950" indent="-285750">
+                  <a:defRPr>
+                    <a:solidFill>
+                      <a:schemeClr val="tx1"/>
+                    </a:solidFill>
+                    <a:latin typeface="Tahoma" panose="020B0604030504040204" pitchFamily="34" charset="0"/>
+                  </a:defRPr>
+                </a:lvl2pPr>
+                <a:lvl3pPr marL="1143000" indent="-228600">
+                  <a:defRPr>
+                    <a:solidFill>
+                      <a:schemeClr val="tx1"/>
+                    </a:solidFill>
+                    <a:latin typeface="Tahoma" panose="020B0604030504040204" pitchFamily="34" charset="0"/>
+                  </a:defRPr>
+                </a:lvl3pPr>
+                <a:lvl4pPr marL="1600200" indent="-228600">
+                  <a:defRPr>
+                    <a:solidFill>
+                      <a:schemeClr val="tx1"/>
+                    </a:solidFill>
+                    <a:latin typeface="Tahoma" panose="020B0604030504040204" pitchFamily="34" charset="0"/>
+                  </a:defRPr>
+                </a:lvl4pPr>
+                <a:lvl5pPr marL="2057400" indent="-228600">
+                  <a:defRPr>
+                    <a:solidFill>
+                      <a:schemeClr val="tx1"/>
+                    </a:solidFill>
+                    <a:latin typeface="Tahoma" panose="020B0604030504040204" pitchFamily="34" charset="0"/>
+                  </a:defRPr>
+                </a:lvl5pPr>
+                <a:lvl6pPr marL="2514600" indent="-228600" eaLnBrk="0" fontAlgn="base" hangingPunct="0">
+                  <a:spcBef>
+                    <a:spcPct val="0"/>
+                  </a:spcBef>
+                  <a:spcAft>
+                    <a:spcPct val="0"/>
+                  </a:spcAft>
+                  <a:defRPr>
+                    <a:solidFill>
+                      <a:schemeClr val="tx1"/>
+                    </a:solidFill>
+                    <a:latin typeface="Tahoma" panose="020B0604030504040204" pitchFamily="34" charset="0"/>
+                  </a:defRPr>
+                </a:lvl6pPr>
+                <a:lvl7pPr marL="2971800" indent="-228600" eaLnBrk="0" fontAlgn="base" hangingPunct="0">
+                  <a:spcBef>
+                    <a:spcPct val="0"/>
+                  </a:spcBef>
+                  <a:spcAft>
+                    <a:spcPct val="0"/>
+                  </a:spcAft>
+                  <a:defRPr>
+                    <a:solidFill>
+                      <a:schemeClr val="tx1"/>
+                    </a:solidFill>
+                    <a:latin typeface="Tahoma" panose="020B0604030504040204" pitchFamily="34" charset="0"/>
+                  </a:defRPr>
+                </a:lvl7pPr>
+                <a:lvl8pPr marL="3429000" indent="-228600" eaLnBrk="0" fontAlgn="base" hangingPunct="0">
+                  <a:spcBef>
+                    <a:spcPct val="0"/>
+                  </a:spcBef>
+                  <a:spcAft>
+                    <a:spcPct val="0"/>
+                  </a:spcAft>
+                  <a:defRPr>
+                    <a:solidFill>
+                      <a:schemeClr val="tx1"/>
+                    </a:solidFill>
+                    <a:latin typeface="Tahoma" panose="020B0604030504040204" pitchFamily="34" charset="0"/>
+                  </a:defRPr>
+                </a:lvl8pPr>
+                <a:lvl9pPr marL="3886200" indent="-228600" eaLnBrk="0" fontAlgn="base" hangingPunct="0">
+                  <a:spcBef>
+                    <a:spcPct val="0"/>
+                  </a:spcBef>
+                  <a:spcAft>
+                    <a:spcPct val="0"/>
+                  </a:spcAft>
+                  <a:defRPr>
+                    <a:solidFill>
+                      <a:schemeClr val="tx1"/>
+                    </a:solidFill>
+                    <a:latin typeface="Tahoma" panose="020B0604030504040204" pitchFamily="34" charset="0"/>
+                  </a:defRPr>
+                </a:lvl9pPr>
+              </a:lstStyle>
+              <a:p>
+                <a:endParaRPr lang="en-US"/>
+              </a:p>
+            </p:txBody>
+          </p:sp>
+        </p:grpSp>
+        <p:graphicFrame>
+          <p:nvGraphicFramePr>
+            <p:cNvPr id="42" name="Object 13"/>
+            <p:cNvGraphicFramePr>
+              <a:graphicFrameLocks noChangeAspect="1"/>
+            </p:cNvGraphicFramePr>
+            <p:nvPr/>
+          </p:nvGraphicFramePr>
+          <p:xfrm>
+            <a:off x="3216" y="2160"/>
+            <a:ext cx="696" cy="228"/>
+          </p:xfrm>
+          <a:graphic>
+            <a:graphicData uri="http://schemas.openxmlformats.org/presentationml/2006/ole">
+              <mc:AlternateContent xmlns:mc="http://schemas.openxmlformats.org/markup-compatibility/2006">
+                <mc:Choice xmlns:v="urn:schemas-microsoft-com:vml" Requires="v">
+                  <p:oleObj spid="_x0000_s1031" name="Document" r:id="rId14" imgW="1143000" imgH="387096" progId="Word.Document.8">
+                    <p:embed/>
+                  </p:oleObj>
+                </mc:Choice>
+                <mc:Fallback>
+                  <p:oleObj name="Document" r:id="rId14" imgW="1143000" imgH="387096" progId="Word.Document.8">
+                    <p:embed/>
+                    <p:pic>
+                      <p:nvPicPr>
+                        <p:cNvPr id="0" name=""/>
+                        <p:cNvPicPr>
+                          <a:picLocks noChangeAspect="1" noChangeArrowheads="1"/>
+                        </p:cNvPicPr>
+                        <p:nvPr/>
+                      </p:nvPicPr>
+                      <p:blipFill>
+                        <a:blip r:embed="rId15">
+                          <a:extLst>
+                            <a:ext uri="{28A0092B-C50C-407E-A947-70E740481C1C}">
+                              <a14:useLocalDpi xmlns:a14="http://schemas.microsoft.com/office/drawing/2010/main" val="0"/>
+                            </a:ext>
+                          </a:extLst>
+                        </a:blip>
+                        <a:srcRect/>
+                        <a:stretch>
+                          <a:fillRect/>
+                        </a:stretch>
+                      </p:blipFill>
+                      <p:spPr bwMode="auto">
+                        <a:xfrm>
+                          <a:off x="3216" y="2160"/>
+                          <a:ext cx="696" cy="228"/>
+                        </a:xfrm>
+                        <a:prstGeom prst="rect">
+                          <a:avLst/>
+                        </a:prstGeom>
+                        <a:noFill/>
+                        <a:ln>
+                          <a:noFill/>
+                        </a:ln>
+                        <a:effectLst/>
+                        <a:extLst>
+                          <a:ext uri="{909E8E84-426E-40DD-AFC4-6F175D3DCCD1}">
+                            <a14:hiddenFill xmlns:a14="http://schemas.microsoft.com/office/drawing/2010/main">
+                              <a:solidFill>
+                                <a:schemeClr val="accent1"/>
+                              </a:solidFill>
+                            </a14:hiddenFill>
+                          </a:ext>
+                          <a:ext uri="{91240B29-F687-4F45-9708-019B960494DF}">
+                            <a14:hiddenLine xmlns:a14="http://schemas.microsoft.com/office/drawing/2010/main" w="9525">
+                              <a:solidFill>
+                                <a:schemeClr val="tx1"/>
+                              </a:solidFill>
+                              <a:miter lim="800000"/>
+                              <a:headEnd/>
+                              <a:tailEnd/>
+                            </a14:hiddenLine>
+                          </a:ext>
+                          <a:ext uri="{AF507438-7753-43E0-B8FC-AC1667EBCBE1}">
+                            <a14:hiddenEffects xmlns:a14="http://schemas.microsoft.com/office/drawing/2010/main">
+                              <a:effectLst>
+                                <a:outerShdw dist="35921" dir="2700000" algn="ctr" rotWithShape="0">
+                                  <a:schemeClr val="bg2"/>
+                                </a:outerShdw>
+                              </a:effectLst>
+                            </a14:hiddenEffects>
+                          </a:ext>
+                        </a:extLst>
+                      </p:spPr>
+                    </p:pic>
+                  </p:oleObj>
+                </mc:Fallback>
+              </mc:AlternateContent>
+            </a:graphicData>
+          </a:graphic>
+        </p:graphicFrame>
+      </p:grpSp>
+      <p:grpSp>
+        <p:nvGrpSpPr>
+          <p:cNvPr id="51" name="Group 38"/>
+          <p:cNvGrpSpPr>
+            <a:grpSpLocks/>
+          </p:cNvGrpSpPr>
+          <p:nvPr/>
+        </p:nvGrpSpPr>
+        <p:grpSpPr bwMode="auto">
+          <a:xfrm>
+            <a:off x="6376483" y="3933825"/>
+            <a:ext cx="3048000" cy="2693988"/>
+            <a:chOff x="3119" y="2496"/>
+            <a:chExt cx="1777" cy="1697"/>
+          </a:xfrm>
+        </p:grpSpPr>
+        <p:grpSp>
+          <p:nvGrpSpPr>
+            <p:cNvPr id="52" name="Group 39"/>
+            <p:cNvGrpSpPr>
+              <a:grpSpLocks/>
+            </p:cNvGrpSpPr>
+            <p:nvPr/>
+          </p:nvGrpSpPr>
+          <p:grpSpPr bwMode="auto">
+            <a:xfrm>
+              <a:off x="3168" y="2496"/>
+              <a:ext cx="1728" cy="1488"/>
+              <a:chOff x="3168" y="2496"/>
+              <a:chExt cx="1728" cy="1488"/>
+            </a:xfrm>
+          </p:grpSpPr>
+          <p:graphicFrame>
+            <p:nvGraphicFramePr>
+              <p:cNvPr id="54" name="Object 40"/>
+              <p:cNvGraphicFramePr>
+                <a:graphicFrameLocks noChangeAspect="1"/>
+              </p:cNvGraphicFramePr>
+              <p:nvPr/>
+            </p:nvGraphicFramePr>
+            <p:xfrm>
+              <a:off x="3168" y="2496"/>
+              <a:ext cx="1728" cy="1488"/>
+            </p:xfrm>
+            <a:graphic>
+              <a:graphicData uri="http://schemas.openxmlformats.org/presentationml/2006/ole">
+                <mc:AlternateContent xmlns:mc="http://schemas.openxmlformats.org/markup-compatibility/2006">
+                  <mc:Choice xmlns:v="urn:schemas-microsoft-com:vml" Requires="v">
+                    <p:oleObj spid="_x0000_s1032" name="Worksheet" r:id="rId16" imgW="2200656" imgH="2076907" progId="Excel.Sheet.8">
+                      <p:embed/>
+                    </p:oleObj>
+                  </mc:Choice>
+                  <mc:Fallback>
+                    <p:oleObj name="Worksheet" r:id="rId16" imgW="2200656" imgH="2076907" progId="Excel.Sheet.8">
+                      <p:embed/>
+                      <p:pic>
+                        <p:nvPicPr>
+                          <p:cNvPr id="0" name=""/>
+                          <p:cNvPicPr>
+                            <a:picLocks noChangeAspect="1" noChangeArrowheads="1"/>
+                          </p:cNvPicPr>
+                          <p:nvPr/>
+                        </p:nvPicPr>
+                        <p:blipFill>
+                          <a:blip r:embed="rId17">
+                            <a:extLst>
+                              <a:ext uri="{28A0092B-C50C-407E-A947-70E740481C1C}">
+                                <a14:useLocalDpi xmlns:a14="http://schemas.microsoft.com/office/drawing/2010/main" val="0"/>
+                              </a:ext>
+                            </a:extLst>
+                          </a:blip>
+                          <a:srcRect/>
+                          <a:stretch>
+                            <a:fillRect/>
+                          </a:stretch>
+                        </p:blipFill>
+                        <p:spPr bwMode="auto">
+                          <a:xfrm>
+                            <a:off x="3168" y="2496"/>
+                            <a:ext cx="1728" cy="1488"/>
+                          </a:xfrm>
+                          <a:prstGeom prst="rect">
+                            <a:avLst/>
+                          </a:prstGeom>
+                          <a:noFill/>
+                          <a:ln>
+                            <a:noFill/>
+                          </a:ln>
+                          <a:effectLst/>
+                          <a:extLst>
+                            <a:ext uri="{909E8E84-426E-40DD-AFC4-6F175D3DCCD1}">
+                              <a14:hiddenFill xmlns:a14="http://schemas.microsoft.com/office/drawing/2010/main">
+                                <a:solidFill>
+                                  <a:schemeClr val="accent1"/>
+                                </a:solidFill>
+                              </a14:hiddenFill>
+                            </a:ext>
+                            <a:ext uri="{91240B29-F687-4F45-9708-019B960494DF}">
+                              <a14:hiddenLine xmlns:a14="http://schemas.microsoft.com/office/drawing/2010/main" w="9525">
+                                <a:solidFill>
+                                  <a:schemeClr val="tx1"/>
+                                </a:solidFill>
+                                <a:miter lim="800000"/>
+                                <a:headEnd/>
+                                <a:tailEnd/>
+                              </a14:hiddenLine>
+                            </a:ext>
+                            <a:ext uri="{AF507438-7753-43E0-B8FC-AC1667EBCBE1}">
+                              <a14:hiddenEffects xmlns:a14="http://schemas.microsoft.com/office/drawing/2010/main">
+                                <a:effectLst>
+                                  <a:outerShdw dist="35921" dir="2700000" algn="ctr" rotWithShape="0">
+                                    <a:schemeClr val="bg2"/>
+                                  </a:outerShdw>
+                                </a:effectLst>
+                              </a14:hiddenEffects>
+                            </a:ext>
+                          </a:extLst>
+                        </p:spPr>
+                      </p:pic>
+                    </p:oleObj>
+                  </mc:Fallback>
+                </mc:AlternateContent>
+              </a:graphicData>
+            </a:graphic>
+          </p:graphicFrame>
+          <p:sp>
+            <p:nvSpPr>
+              <p:cNvPr id="55" name="Text Box 41"/>
+              <p:cNvSpPr txBox="1">
+                <a:spLocks noChangeArrowheads="1"/>
+              </p:cNvSpPr>
+              <p:nvPr/>
+            </p:nvSpPr>
+            <p:spPr bwMode="auto">
+              <a:xfrm>
+                <a:off x="4178" y="3433"/>
+                <a:ext cx="156" cy="231"/>
+              </a:xfrm>
+              <a:prstGeom prst="rect">
+                <a:avLst/>
+              </a:prstGeom>
+              <a:noFill/>
+              <a:ln>
+                <a:noFill/>
+              </a:ln>
+              <a:effectLst/>
+              <a:extLst>
+                <a:ext uri="{909E8E84-426E-40DD-AFC4-6F175D3DCCD1}">
+                  <a14:hiddenFill xmlns:a14="http://schemas.microsoft.com/office/drawing/2010/main">
+                    <a:solidFill>
+                      <a:schemeClr val="accent1"/>
+                    </a:solidFill>
+                  </a14:hiddenFill>
+                </a:ext>
+                <a:ext uri="{91240B29-F687-4F45-9708-019B960494DF}">
+                  <a14:hiddenLine xmlns:a14="http://schemas.microsoft.com/office/drawing/2010/main" w="9525">
+                    <a:solidFill>
+                      <a:schemeClr val="tx1"/>
+                    </a:solidFill>
+                    <a:miter lim="800000"/>
+                    <a:headEnd/>
+                    <a:tailEnd/>
+                  </a14:hiddenLine>
+                </a:ext>
+                <a:ext uri="{AF507438-7753-43E0-B8FC-AC1667EBCBE1}">
+                  <a14:hiddenEffects xmlns:a14="http://schemas.microsoft.com/office/drawing/2010/main">
+                    <a:effectLst>
+                      <a:outerShdw dist="35921" dir="2700000" algn="ctr" rotWithShape="0">
+                        <a:schemeClr val="bg2"/>
+                      </a:outerShdw>
+                    </a:effectLst>
+                  </a14:hiddenEffects>
+                </a:ext>
+              </a:extLst>
+            </p:spPr>
+            <p:txBody>
+              <a:bodyPr>
+                <a:spAutoFit/>
+              </a:bodyPr>
+              <a:lstStyle>
+                <a:lvl1pPr>
+                  <a:defRPr>
+                    <a:solidFill>
+                      <a:schemeClr val="tx1"/>
+                    </a:solidFill>
+                    <a:latin typeface="Tahoma" panose="020B0604030504040204" pitchFamily="34" charset="0"/>
+                  </a:defRPr>
+                </a:lvl1pPr>
+                <a:lvl2pPr marL="742950" indent="-285750">
+                  <a:defRPr>
+                    <a:solidFill>
+                      <a:schemeClr val="tx1"/>
+                    </a:solidFill>
+                    <a:latin typeface="Tahoma" panose="020B0604030504040204" pitchFamily="34" charset="0"/>
+                  </a:defRPr>
+                </a:lvl2pPr>
+                <a:lvl3pPr marL="1143000" indent="-228600">
+                  <a:defRPr>
+                    <a:solidFill>
+                      <a:schemeClr val="tx1"/>
+                    </a:solidFill>
+                    <a:latin typeface="Tahoma" panose="020B0604030504040204" pitchFamily="34" charset="0"/>
+                  </a:defRPr>
+                </a:lvl3pPr>
+                <a:lvl4pPr marL="1600200" indent="-228600">
+                  <a:defRPr>
+                    <a:solidFill>
+                      <a:schemeClr val="tx1"/>
+                    </a:solidFill>
+                    <a:latin typeface="Tahoma" panose="020B0604030504040204" pitchFamily="34" charset="0"/>
+                  </a:defRPr>
+                </a:lvl4pPr>
+                <a:lvl5pPr marL="2057400" indent="-228600">
+                  <a:defRPr>
+                    <a:solidFill>
+                      <a:schemeClr val="tx1"/>
+                    </a:solidFill>
+                    <a:latin typeface="Tahoma" panose="020B0604030504040204" pitchFamily="34" charset="0"/>
+                  </a:defRPr>
+                </a:lvl5pPr>
+                <a:lvl6pPr marL="2514600" indent="-228600" eaLnBrk="0" fontAlgn="base" hangingPunct="0">
+                  <a:spcBef>
+                    <a:spcPct val="0"/>
+                  </a:spcBef>
+                  <a:spcAft>
+                    <a:spcPct val="0"/>
+                  </a:spcAft>
+                  <a:defRPr>
+                    <a:solidFill>
+                      <a:schemeClr val="tx1"/>
+                    </a:solidFill>
+                    <a:latin typeface="Tahoma" panose="020B0604030504040204" pitchFamily="34" charset="0"/>
+                  </a:defRPr>
+                </a:lvl6pPr>
+                <a:lvl7pPr marL="2971800" indent="-228600" eaLnBrk="0" fontAlgn="base" hangingPunct="0">
+                  <a:spcBef>
+                    <a:spcPct val="0"/>
+                  </a:spcBef>
+                  <a:spcAft>
+                    <a:spcPct val="0"/>
+                  </a:spcAft>
+                  <a:defRPr>
+                    <a:solidFill>
+                      <a:schemeClr val="tx1"/>
+                    </a:solidFill>
+                    <a:latin typeface="Tahoma" panose="020B0604030504040204" pitchFamily="34" charset="0"/>
+                  </a:defRPr>
+                </a:lvl7pPr>
+                <a:lvl8pPr marL="3429000" indent="-228600" eaLnBrk="0" fontAlgn="base" hangingPunct="0">
+                  <a:spcBef>
+                    <a:spcPct val="0"/>
+                  </a:spcBef>
+                  <a:spcAft>
+                    <a:spcPct val="0"/>
+                  </a:spcAft>
+                  <a:defRPr>
+                    <a:solidFill>
+                      <a:schemeClr val="tx1"/>
+                    </a:solidFill>
+                    <a:latin typeface="Tahoma" panose="020B0604030504040204" pitchFamily="34" charset="0"/>
+                  </a:defRPr>
+                </a:lvl8pPr>
+                <a:lvl9pPr marL="3886200" indent="-228600" eaLnBrk="0" fontAlgn="base" hangingPunct="0">
+                  <a:spcBef>
+                    <a:spcPct val="0"/>
+                  </a:spcBef>
+                  <a:spcAft>
+                    <a:spcPct val="0"/>
+                  </a:spcAft>
+                  <a:defRPr>
+                    <a:solidFill>
+                      <a:schemeClr val="tx1"/>
+                    </a:solidFill>
+                    <a:latin typeface="Tahoma" panose="020B0604030504040204" pitchFamily="34" charset="0"/>
+                  </a:defRPr>
+                </a:lvl9pPr>
+              </a:lstStyle>
+              <a:p>
+                <a:pPr>
+                  <a:spcBef>
+                    <a:spcPct val="50000"/>
+                  </a:spcBef>
+                </a:pPr>
+                <a:r>
+                  <a:rPr lang="en-US" b="1" i="1">
+                    <a:latin typeface="Times New Roman" panose="02020603050405020304" pitchFamily="18" charset="0"/>
+                  </a:rPr>
+                  <a:t>t</a:t>
+                </a:r>
+                <a:endParaRPr lang="en-US">
+                  <a:latin typeface="Times New Roman" panose="02020603050405020304" pitchFamily="18" charset="0"/>
+                </a:endParaRPr>
+              </a:p>
+            </p:txBody>
+          </p:sp>
+          <p:sp>
+            <p:nvSpPr>
+              <p:cNvPr id="56" name="Text Box 42"/>
+              <p:cNvSpPr txBox="1">
+                <a:spLocks noChangeArrowheads="1"/>
+              </p:cNvSpPr>
+              <p:nvPr/>
+            </p:nvSpPr>
+            <p:spPr bwMode="auto">
+              <a:xfrm>
+                <a:off x="3773" y="3066"/>
+                <a:ext cx="156" cy="231"/>
+              </a:xfrm>
+              <a:prstGeom prst="rect">
+                <a:avLst/>
+              </a:prstGeom>
+              <a:noFill/>
+              <a:ln>
+                <a:noFill/>
+              </a:ln>
+              <a:effectLst/>
+              <a:extLst>
+                <a:ext uri="{909E8E84-426E-40DD-AFC4-6F175D3DCCD1}">
+                  <a14:hiddenFill xmlns:a14="http://schemas.microsoft.com/office/drawing/2010/main">
+                    <a:solidFill>
+                      <a:schemeClr val="accent1"/>
+                    </a:solidFill>
+                  </a14:hiddenFill>
+                </a:ext>
+                <a:ext uri="{91240B29-F687-4F45-9708-019B960494DF}">
+                  <a14:hiddenLine xmlns:a14="http://schemas.microsoft.com/office/drawing/2010/main" w="9525">
+                    <a:solidFill>
+                      <a:schemeClr val="tx1"/>
+                    </a:solidFill>
+                    <a:miter lim="800000"/>
+                    <a:headEnd/>
+                    <a:tailEnd/>
+                  </a14:hiddenLine>
+                </a:ext>
+                <a:ext uri="{AF507438-7753-43E0-B8FC-AC1667EBCBE1}">
+                  <a14:hiddenEffects xmlns:a14="http://schemas.microsoft.com/office/drawing/2010/main">
+                    <a:effectLst>
+                      <a:outerShdw dist="35921" dir="2700000" algn="ctr" rotWithShape="0">
+                        <a:schemeClr val="bg2"/>
+                      </a:outerShdw>
+                    </a:effectLst>
+                  </a14:hiddenEffects>
+                </a:ext>
+              </a:extLst>
+            </p:spPr>
+            <p:txBody>
+              <a:bodyPr>
+                <a:spAutoFit/>
+              </a:bodyPr>
+              <a:lstStyle>
+                <a:lvl1pPr>
+                  <a:defRPr>
+                    <a:solidFill>
+                      <a:schemeClr val="tx1"/>
+                    </a:solidFill>
+                    <a:latin typeface="Tahoma" panose="020B0604030504040204" pitchFamily="34" charset="0"/>
+                  </a:defRPr>
+                </a:lvl1pPr>
+                <a:lvl2pPr marL="742950" indent="-285750">
+                  <a:defRPr>
+                    <a:solidFill>
+                      <a:schemeClr val="tx1"/>
+                    </a:solidFill>
+                    <a:latin typeface="Tahoma" panose="020B0604030504040204" pitchFamily="34" charset="0"/>
+                  </a:defRPr>
+                </a:lvl2pPr>
+                <a:lvl3pPr marL="1143000" indent="-228600">
+                  <a:defRPr>
+                    <a:solidFill>
+                      <a:schemeClr val="tx1"/>
+                    </a:solidFill>
+                    <a:latin typeface="Tahoma" panose="020B0604030504040204" pitchFamily="34" charset="0"/>
+                  </a:defRPr>
+                </a:lvl3pPr>
+                <a:lvl4pPr marL="1600200" indent="-228600">
+                  <a:defRPr>
+                    <a:solidFill>
+                      <a:schemeClr val="tx1"/>
+                    </a:solidFill>
+                    <a:latin typeface="Tahoma" panose="020B0604030504040204" pitchFamily="34" charset="0"/>
+                  </a:defRPr>
+                </a:lvl4pPr>
+                <a:lvl5pPr marL="2057400" indent="-228600">
+                  <a:defRPr>
+                    <a:solidFill>
+                      <a:schemeClr val="tx1"/>
+                    </a:solidFill>
+                    <a:latin typeface="Tahoma" panose="020B0604030504040204" pitchFamily="34" charset="0"/>
+                  </a:defRPr>
+                </a:lvl5pPr>
+                <a:lvl6pPr marL="2514600" indent="-228600" eaLnBrk="0" fontAlgn="base" hangingPunct="0">
+                  <a:spcBef>
+                    <a:spcPct val="0"/>
+                  </a:spcBef>
+                  <a:spcAft>
+                    <a:spcPct val="0"/>
+                  </a:spcAft>
+                  <a:defRPr>
+                    <a:solidFill>
+                      <a:schemeClr val="tx1"/>
+                    </a:solidFill>
+                    <a:latin typeface="Tahoma" panose="020B0604030504040204" pitchFamily="34" charset="0"/>
+                  </a:defRPr>
+                </a:lvl6pPr>
+                <a:lvl7pPr marL="2971800" indent="-228600" eaLnBrk="0" fontAlgn="base" hangingPunct="0">
+                  <a:spcBef>
+                    <a:spcPct val="0"/>
+                  </a:spcBef>
+                  <a:spcAft>
+                    <a:spcPct val="0"/>
+                  </a:spcAft>
+                  <a:defRPr>
+                    <a:solidFill>
+                      <a:schemeClr val="tx1"/>
+                    </a:solidFill>
+                    <a:latin typeface="Tahoma" panose="020B0604030504040204" pitchFamily="34" charset="0"/>
+                  </a:defRPr>
+                </a:lvl7pPr>
+                <a:lvl8pPr marL="3429000" indent="-228600" eaLnBrk="0" fontAlgn="base" hangingPunct="0">
+                  <a:spcBef>
+                    <a:spcPct val="0"/>
+                  </a:spcBef>
+                  <a:spcAft>
+                    <a:spcPct val="0"/>
+                  </a:spcAft>
+                  <a:defRPr>
+                    <a:solidFill>
+                      <a:schemeClr val="tx1"/>
+                    </a:solidFill>
+                    <a:latin typeface="Tahoma" panose="020B0604030504040204" pitchFamily="34" charset="0"/>
+                  </a:defRPr>
+                </a:lvl8pPr>
+                <a:lvl9pPr marL="3886200" indent="-228600" eaLnBrk="0" fontAlgn="base" hangingPunct="0">
+                  <a:spcBef>
+                    <a:spcPct val="0"/>
+                  </a:spcBef>
+                  <a:spcAft>
+                    <a:spcPct val="0"/>
+                  </a:spcAft>
+                  <a:defRPr>
+                    <a:solidFill>
+                      <a:schemeClr val="tx1"/>
+                    </a:solidFill>
+                    <a:latin typeface="Tahoma" panose="020B0604030504040204" pitchFamily="34" charset="0"/>
+                  </a:defRPr>
+                </a:lvl9pPr>
+              </a:lstStyle>
+              <a:p>
+                <a:pPr>
+                  <a:spcBef>
+                    <a:spcPct val="50000"/>
+                  </a:spcBef>
+                </a:pPr>
+                <a:r>
+                  <a:rPr lang="en-US" b="1" i="1">
+                    <a:latin typeface="Times New Roman" panose="02020603050405020304" pitchFamily="18" charset="0"/>
+                  </a:rPr>
+                  <a:t>i</a:t>
+                </a:r>
+                <a:endParaRPr lang="en-US">
+                  <a:latin typeface="Times New Roman" panose="02020603050405020304" pitchFamily="18" charset="0"/>
+                </a:endParaRPr>
+              </a:p>
+            </p:txBody>
+          </p:sp>
+          <p:sp>
+            <p:nvSpPr>
+              <p:cNvPr id="57" name="Text Box 43"/>
+              <p:cNvSpPr txBox="1">
+                <a:spLocks noChangeArrowheads="1"/>
+              </p:cNvSpPr>
+              <p:nvPr/>
+            </p:nvSpPr>
+            <p:spPr bwMode="auto">
+              <a:xfrm>
+                <a:off x="4150" y="3212"/>
+                <a:ext cx="157" cy="231"/>
+              </a:xfrm>
+              <a:prstGeom prst="rect">
+                <a:avLst/>
+              </a:prstGeom>
+              <a:noFill/>
+              <a:ln>
+                <a:noFill/>
+              </a:ln>
+              <a:effectLst/>
+              <a:extLst>
+                <a:ext uri="{909E8E84-426E-40DD-AFC4-6F175D3DCCD1}">
+                  <a14:hiddenFill xmlns:a14="http://schemas.microsoft.com/office/drawing/2010/main">
+                    <a:solidFill>
+                      <a:schemeClr val="accent1"/>
+                    </a:solidFill>
+                  </a14:hiddenFill>
+                </a:ext>
+                <a:ext uri="{91240B29-F687-4F45-9708-019B960494DF}">
+                  <a14:hiddenLine xmlns:a14="http://schemas.microsoft.com/office/drawing/2010/main" w="9525">
+                    <a:solidFill>
+                      <a:schemeClr val="tx1"/>
+                    </a:solidFill>
+                    <a:miter lim="800000"/>
+                    <a:headEnd/>
+                    <a:tailEnd/>
+                  </a14:hiddenLine>
+                </a:ext>
+                <a:ext uri="{AF507438-7753-43E0-B8FC-AC1667EBCBE1}">
+                  <a14:hiddenEffects xmlns:a14="http://schemas.microsoft.com/office/drawing/2010/main">
+                    <a:effectLst>
+                      <a:outerShdw dist="35921" dir="2700000" algn="ctr" rotWithShape="0">
+                        <a:schemeClr val="bg2"/>
+                      </a:outerShdw>
+                    </a:effectLst>
+                  </a14:hiddenEffects>
+                </a:ext>
+              </a:extLst>
+            </p:spPr>
+            <p:txBody>
+              <a:bodyPr>
+                <a:spAutoFit/>
+              </a:bodyPr>
+              <a:lstStyle>
+                <a:lvl1pPr>
+                  <a:defRPr>
+                    <a:solidFill>
+                      <a:schemeClr val="tx1"/>
+                    </a:solidFill>
+                    <a:latin typeface="Tahoma" panose="020B0604030504040204" pitchFamily="34" charset="0"/>
+                  </a:defRPr>
+                </a:lvl1pPr>
+                <a:lvl2pPr marL="742950" indent="-285750">
+                  <a:defRPr>
+                    <a:solidFill>
+                      <a:schemeClr val="tx1"/>
+                    </a:solidFill>
+                    <a:latin typeface="Tahoma" panose="020B0604030504040204" pitchFamily="34" charset="0"/>
+                  </a:defRPr>
+                </a:lvl2pPr>
+                <a:lvl3pPr marL="1143000" indent="-228600">
+                  <a:defRPr>
+                    <a:solidFill>
+                      <a:schemeClr val="tx1"/>
+                    </a:solidFill>
+                    <a:latin typeface="Tahoma" panose="020B0604030504040204" pitchFamily="34" charset="0"/>
+                  </a:defRPr>
+                </a:lvl3pPr>
+                <a:lvl4pPr marL="1600200" indent="-228600">
+                  <a:defRPr>
+                    <a:solidFill>
+                      <a:schemeClr val="tx1"/>
+                    </a:solidFill>
+                    <a:latin typeface="Tahoma" panose="020B0604030504040204" pitchFamily="34" charset="0"/>
+                  </a:defRPr>
+                </a:lvl4pPr>
+                <a:lvl5pPr marL="2057400" indent="-228600">
+                  <a:defRPr>
+                    <a:solidFill>
+                      <a:schemeClr val="tx1"/>
+                    </a:solidFill>
+                    <a:latin typeface="Tahoma" panose="020B0604030504040204" pitchFamily="34" charset="0"/>
+                  </a:defRPr>
+                </a:lvl5pPr>
+                <a:lvl6pPr marL="2514600" indent="-228600" eaLnBrk="0" fontAlgn="base" hangingPunct="0">
+                  <a:spcBef>
+                    <a:spcPct val="0"/>
+                  </a:spcBef>
+                  <a:spcAft>
+                    <a:spcPct val="0"/>
+                  </a:spcAft>
+                  <a:defRPr>
+                    <a:solidFill>
+                      <a:schemeClr val="tx1"/>
+                    </a:solidFill>
+                    <a:latin typeface="Tahoma" panose="020B0604030504040204" pitchFamily="34" charset="0"/>
+                  </a:defRPr>
+                </a:lvl6pPr>
+                <a:lvl7pPr marL="2971800" indent="-228600" eaLnBrk="0" fontAlgn="base" hangingPunct="0">
+                  <a:spcBef>
+                    <a:spcPct val="0"/>
+                  </a:spcBef>
+                  <a:spcAft>
+                    <a:spcPct val="0"/>
+                  </a:spcAft>
+                  <a:defRPr>
+                    <a:solidFill>
+                      <a:schemeClr val="tx1"/>
+                    </a:solidFill>
+                    <a:latin typeface="Tahoma" panose="020B0604030504040204" pitchFamily="34" charset="0"/>
+                  </a:defRPr>
+                </a:lvl7pPr>
+                <a:lvl8pPr marL="3429000" indent="-228600" eaLnBrk="0" fontAlgn="base" hangingPunct="0">
+                  <a:spcBef>
+                    <a:spcPct val="0"/>
+                  </a:spcBef>
+                  <a:spcAft>
+                    <a:spcPct val="0"/>
+                  </a:spcAft>
+                  <a:defRPr>
+                    <a:solidFill>
+                      <a:schemeClr val="tx1"/>
+                    </a:solidFill>
+                    <a:latin typeface="Tahoma" panose="020B0604030504040204" pitchFamily="34" charset="0"/>
+                  </a:defRPr>
+                </a:lvl8pPr>
+                <a:lvl9pPr marL="3886200" indent="-228600" eaLnBrk="0" fontAlgn="base" hangingPunct="0">
+                  <a:spcBef>
+                    <a:spcPct val="0"/>
+                  </a:spcBef>
+                  <a:spcAft>
+                    <a:spcPct val="0"/>
+                  </a:spcAft>
+                  <a:defRPr>
+                    <a:solidFill>
+                      <a:schemeClr val="tx1"/>
+                    </a:solidFill>
+                    <a:latin typeface="Tahoma" panose="020B0604030504040204" pitchFamily="34" charset="0"/>
+                  </a:defRPr>
+                </a:lvl9pPr>
+              </a:lstStyle>
+              <a:p>
+                <a:pPr>
+                  <a:spcBef>
+                    <a:spcPct val="50000"/>
+                  </a:spcBef>
+                </a:pPr>
+                <a:r>
+                  <a:rPr lang="en-US" b="1" i="1">
+                    <a:latin typeface="Times New Roman" panose="02020603050405020304" pitchFamily="18" charset="0"/>
+                  </a:rPr>
+                  <a:t>h</a:t>
+                </a:r>
+                <a:endParaRPr lang="en-US">
+                  <a:latin typeface="Times New Roman" panose="02020603050405020304" pitchFamily="18" charset="0"/>
+                </a:endParaRPr>
+              </a:p>
+            </p:txBody>
+          </p:sp>
+          <p:sp>
+            <p:nvSpPr>
+              <p:cNvPr id="58" name="Text Box 44"/>
+              <p:cNvSpPr txBox="1">
+                <a:spLocks noChangeArrowheads="1"/>
+              </p:cNvSpPr>
+              <p:nvPr/>
+            </p:nvSpPr>
+            <p:spPr bwMode="auto">
+              <a:xfrm>
+                <a:off x="4504" y="3212"/>
+                <a:ext cx="156" cy="231"/>
+              </a:xfrm>
+              <a:prstGeom prst="rect">
+                <a:avLst/>
+              </a:prstGeom>
+              <a:noFill/>
+              <a:ln>
+                <a:noFill/>
+              </a:ln>
+              <a:effectLst/>
+              <a:extLst>
+                <a:ext uri="{909E8E84-426E-40DD-AFC4-6F175D3DCCD1}">
+                  <a14:hiddenFill xmlns:a14="http://schemas.microsoft.com/office/drawing/2010/main">
+                    <a:solidFill>
+                      <a:schemeClr val="accent1"/>
+                    </a:solidFill>
+                  </a14:hiddenFill>
+                </a:ext>
+                <a:ext uri="{91240B29-F687-4F45-9708-019B960494DF}">
+                  <a14:hiddenLine xmlns:a14="http://schemas.microsoft.com/office/drawing/2010/main" w="9525">
+                    <a:solidFill>
+                      <a:schemeClr val="tx1"/>
+                    </a:solidFill>
+                    <a:miter lim="800000"/>
+                    <a:headEnd/>
+                    <a:tailEnd/>
+                  </a14:hiddenLine>
+                </a:ext>
+                <a:ext uri="{AF507438-7753-43E0-B8FC-AC1667EBCBE1}">
+                  <a14:hiddenEffects xmlns:a14="http://schemas.microsoft.com/office/drawing/2010/main">
+                    <a:effectLst>
+                      <a:outerShdw dist="35921" dir="2700000" algn="ctr" rotWithShape="0">
+                        <a:schemeClr val="bg2"/>
+                      </a:outerShdw>
+                    </a:effectLst>
+                  </a14:hiddenEffects>
+                </a:ext>
+              </a:extLst>
+            </p:spPr>
+            <p:txBody>
+              <a:bodyPr>
+                <a:spAutoFit/>
+              </a:bodyPr>
+              <a:lstStyle>
+                <a:lvl1pPr>
+                  <a:defRPr>
+                    <a:solidFill>
+                      <a:schemeClr val="tx1"/>
+                    </a:solidFill>
+                    <a:latin typeface="Tahoma" panose="020B0604030504040204" pitchFamily="34" charset="0"/>
+                  </a:defRPr>
+                </a:lvl1pPr>
+                <a:lvl2pPr marL="742950" indent="-285750">
+                  <a:defRPr>
+                    <a:solidFill>
+                      <a:schemeClr val="tx1"/>
+                    </a:solidFill>
+                    <a:latin typeface="Tahoma" panose="020B0604030504040204" pitchFamily="34" charset="0"/>
+                  </a:defRPr>
+                </a:lvl2pPr>
+                <a:lvl3pPr marL="1143000" indent="-228600">
+                  <a:defRPr>
+                    <a:solidFill>
+                      <a:schemeClr val="tx1"/>
+                    </a:solidFill>
+                    <a:latin typeface="Tahoma" panose="020B0604030504040204" pitchFamily="34" charset="0"/>
+                  </a:defRPr>
+                </a:lvl3pPr>
+                <a:lvl4pPr marL="1600200" indent="-228600">
+                  <a:defRPr>
+                    <a:solidFill>
+                      <a:schemeClr val="tx1"/>
+                    </a:solidFill>
+                    <a:latin typeface="Tahoma" panose="020B0604030504040204" pitchFamily="34" charset="0"/>
+                  </a:defRPr>
+                </a:lvl4pPr>
+                <a:lvl5pPr marL="2057400" indent="-228600">
+                  <a:defRPr>
+                    <a:solidFill>
+                      <a:schemeClr val="tx1"/>
+                    </a:solidFill>
+                    <a:latin typeface="Tahoma" panose="020B0604030504040204" pitchFamily="34" charset="0"/>
+                  </a:defRPr>
+                </a:lvl5pPr>
+                <a:lvl6pPr marL="2514600" indent="-228600" eaLnBrk="0" fontAlgn="base" hangingPunct="0">
+                  <a:spcBef>
+                    <a:spcPct val="0"/>
+                  </a:spcBef>
+                  <a:spcAft>
+                    <a:spcPct val="0"/>
+                  </a:spcAft>
+                  <a:defRPr>
+                    <a:solidFill>
+                      <a:schemeClr val="tx1"/>
+                    </a:solidFill>
+                    <a:latin typeface="Tahoma" panose="020B0604030504040204" pitchFamily="34" charset="0"/>
+                  </a:defRPr>
+                </a:lvl6pPr>
+                <a:lvl7pPr marL="2971800" indent="-228600" eaLnBrk="0" fontAlgn="base" hangingPunct="0">
+                  <a:spcBef>
+                    <a:spcPct val="0"/>
+                  </a:spcBef>
+                  <a:spcAft>
+                    <a:spcPct val="0"/>
+                  </a:spcAft>
+                  <a:defRPr>
+                    <a:solidFill>
+                      <a:schemeClr val="tx1"/>
+                    </a:solidFill>
+                    <a:latin typeface="Tahoma" panose="020B0604030504040204" pitchFamily="34" charset="0"/>
+                  </a:defRPr>
+                </a:lvl7pPr>
+                <a:lvl8pPr marL="3429000" indent="-228600" eaLnBrk="0" fontAlgn="base" hangingPunct="0">
+                  <a:spcBef>
+                    <a:spcPct val="0"/>
+                  </a:spcBef>
+                  <a:spcAft>
+                    <a:spcPct val="0"/>
+                  </a:spcAft>
+                  <a:defRPr>
+                    <a:solidFill>
+                      <a:schemeClr val="tx1"/>
+                    </a:solidFill>
+                    <a:latin typeface="Tahoma" panose="020B0604030504040204" pitchFamily="34" charset="0"/>
+                  </a:defRPr>
+                </a:lvl8pPr>
+                <a:lvl9pPr marL="3886200" indent="-228600" eaLnBrk="0" fontAlgn="base" hangingPunct="0">
+                  <a:spcBef>
+                    <a:spcPct val="0"/>
+                  </a:spcBef>
+                  <a:spcAft>
+                    <a:spcPct val="0"/>
+                  </a:spcAft>
+                  <a:defRPr>
+                    <a:solidFill>
+                      <a:schemeClr val="tx1"/>
+                    </a:solidFill>
+                    <a:latin typeface="Tahoma" panose="020B0604030504040204" pitchFamily="34" charset="0"/>
+                  </a:defRPr>
+                </a:lvl9pPr>
+              </a:lstStyle>
+              <a:p>
+                <a:pPr algn="just">
+                  <a:spcBef>
+                    <a:spcPct val="50000"/>
+                  </a:spcBef>
+                </a:pPr>
+                <a:r>
+                  <a:rPr lang="en-US" b="1" i="1">
+                    <a:latin typeface="Times New Roman" panose="02020603050405020304" pitchFamily="18" charset="0"/>
+                  </a:rPr>
+                  <a:t>j</a:t>
+                </a:r>
+                <a:endParaRPr lang="en-US">
+                  <a:latin typeface="Times New Roman" panose="02020603050405020304" pitchFamily="18" charset="0"/>
+                </a:endParaRPr>
+              </a:p>
+            </p:txBody>
+          </p:sp>
+          <p:sp>
+            <p:nvSpPr>
+              <p:cNvPr id="59" name="Line 45"/>
+              <p:cNvSpPr>
+                <a:spLocks noChangeShapeType="1"/>
+              </p:cNvSpPr>
+              <p:nvPr/>
+            </p:nvSpPr>
+            <p:spPr bwMode="auto">
+              <a:xfrm>
+                <a:off x="4378" y="3311"/>
+                <a:ext cx="43" cy="0"/>
+              </a:xfrm>
+              <a:prstGeom prst="line">
+                <a:avLst/>
+              </a:prstGeom>
+              <a:noFill/>
+              <a:ln w="28575">
+                <a:solidFill>
+                  <a:schemeClr val="tx1"/>
+                </a:solidFill>
+                <a:round/>
+                <a:headEnd/>
+                <a:tailEnd/>
+              </a:ln>
+              <a:effectLst/>
+              <a:extLst>
+                <a:ext uri="{909E8E84-426E-40DD-AFC4-6F175D3DCCD1}">
+                  <a14:hiddenFill xmlns:a14="http://schemas.microsoft.com/office/drawing/2010/main">
+                    <a:noFill/>
+                  </a14:hiddenFill>
+                </a:ext>
+                <a:ext uri="{AF507438-7753-43E0-B8FC-AC1667EBCBE1}">
+                  <a14:hiddenEffects xmlns:a14="http://schemas.microsoft.com/office/drawing/2010/main">
+                    <a:effectLst>
+                      <a:outerShdw dist="35921" dir="2700000" algn="ctr" rotWithShape="0">
+                        <a:schemeClr val="bg2"/>
+                      </a:outerShdw>
+                    </a:effectLst>
+                  </a14:hiddenEffects>
+                </a:ext>
+              </a:extLst>
+            </p:spPr>
+            <p:txBody>
+              <a:bodyPr wrap="none" anchor="ctr">
+                <a:spAutoFit/>
+              </a:bodyPr>
+              <a:lstStyle/>
+              <a:p>
+                <a:endParaRPr lang="en-US"/>
+              </a:p>
+            </p:txBody>
+          </p:sp>
+          <p:sp>
+            <p:nvSpPr>
+              <p:cNvPr id="60" name="Line 46"/>
+              <p:cNvSpPr>
+                <a:spLocks noChangeShapeType="1"/>
+              </p:cNvSpPr>
+              <p:nvPr/>
+            </p:nvSpPr>
+            <p:spPr bwMode="auto">
+              <a:xfrm>
+                <a:off x="3946" y="3189"/>
+                <a:ext cx="518" cy="81"/>
+              </a:xfrm>
+              <a:prstGeom prst="line">
+                <a:avLst/>
+              </a:prstGeom>
+              <a:noFill/>
+              <a:ln w="19050">
+                <a:solidFill>
+                  <a:schemeClr val="tx1"/>
+                </a:solidFill>
+                <a:round/>
+                <a:headEnd/>
+                <a:tailEnd/>
+              </a:ln>
+              <a:effectLst/>
+              <a:extLst>
+                <a:ext uri="{909E8E84-426E-40DD-AFC4-6F175D3DCCD1}">
+                  <a14:hiddenFill xmlns:a14="http://schemas.microsoft.com/office/drawing/2010/main">
+                    <a:noFill/>
+                  </a14:hiddenFill>
+                </a:ext>
+                <a:ext uri="{AF507438-7753-43E0-B8FC-AC1667EBCBE1}">
+                  <a14:hiddenEffects xmlns:a14="http://schemas.microsoft.com/office/drawing/2010/main">
+                    <a:effectLst>
+                      <a:outerShdw dist="35921" dir="2700000" algn="ctr" rotWithShape="0">
+                        <a:schemeClr val="bg2"/>
+                      </a:outerShdw>
+                    </a:effectLst>
+                  </a14:hiddenEffects>
+                </a:ext>
+              </a:extLst>
+            </p:spPr>
+            <p:txBody>
+              <a:bodyPr anchor="ctr">
+                <a:spAutoFit/>
+              </a:bodyPr>
+              <a:lstStyle/>
+              <a:p>
+                <a:endParaRPr lang="en-US"/>
+              </a:p>
+            </p:txBody>
+          </p:sp>
+          <p:sp>
+            <p:nvSpPr>
+              <p:cNvPr id="61" name="Oval 47"/>
+              <p:cNvSpPr>
+                <a:spLocks noChangeArrowheads="1"/>
+              </p:cNvSpPr>
+              <p:nvPr/>
+            </p:nvSpPr>
+            <p:spPr bwMode="auto">
+              <a:xfrm>
+                <a:off x="3470" y="2659"/>
+                <a:ext cx="648" cy="856"/>
+              </a:xfrm>
+              <a:prstGeom prst="ellipse">
+                <a:avLst/>
+              </a:prstGeom>
+              <a:noFill/>
+              <a:ln w="9525">
+                <a:solidFill>
+                  <a:schemeClr val="tx1"/>
+                </a:solidFill>
+                <a:prstDash val="lgDashDot"/>
+                <a:round/>
+                <a:headEnd/>
+                <a:tailEnd/>
+              </a:ln>
+              <a:effectLst/>
+              <a:extLst>
+                <a:ext uri="{909E8E84-426E-40DD-AFC4-6F175D3DCCD1}">
+                  <a14:hiddenFill xmlns:a14="http://schemas.microsoft.com/office/drawing/2010/main">
+                    <a:solidFill>
+                      <a:schemeClr val="accent1"/>
+                    </a:solidFill>
+                  </a14:hiddenFill>
+                </a:ext>
+                <a:ext uri="{AF507438-7753-43E0-B8FC-AC1667EBCBE1}">
+                  <a14:hiddenEffects xmlns:a14="http://schemas.microsoft.com/office/drawing/2010/main">
+                    <a:effectLst>
+                      <a:outerShdw dist="35921" dir="2700000" algn="ctr" rotWithShape="0">
+                        <a:schemeClr val="bg2"/>
+                      </a:outerShdw>
+                    </a:effectLst>
+                  </a14:hiddenEffects>
+                </a:ext>
+              </a:extLst>
+            </p:spPr>
+            <p:txBody>
+              <a:bodyPr wrap="none" anchor="ctr">
+                <a:spAutoFit/>
+              </a:bodyPr>
+              <a:lstStyle>
+                <a:lvl1pPr>
+                  <a:defRPr>
+                    <a:solidFill>
+                      <a:schemeClr val="tx1"/>
+                    </a:solidFill>
+                    <a:latin typeface="Tahoma" panose="020B0604030504040204" pitchFamily="34" charset="0"/>
+                  </a:defRPr>
+                </a:lvl1pPr>
+                <a:lvl2pPr marL="742950" indent="-285750">
+                  <a:defRPr>
+                    <a:solidFill>
+                      <a:schemeClr val="tx1"/>
+                    </a:solidFill>
+                    <a:latin typeface="Tahoma" panose="020B0604030504040204" pitchFamily="34" charset="0"/>
+                  </a:defRPr>
+                </a:lvl2pPr>
+                <a:lvl3pPr marL="1143000" indent="-228600">
+                  <a:defRPr>
+                    <a:solidFill>
+                      <a:schemeClr val="tx1"/>
+                    </a:solidFill>
+                    <a:latin typeface="Tahoma" panose="020B0604030504040204" pitchFamily="34" charset="0"/>
+                  </a:defRPr>
+                </a:lvl3pPr>
+                <a:lvl4pPr marL="1600200" indent="-228600">
+                  <a:defRPr>
+                    <a:solidFill>
+                      <a:schemeClr val="tx1"/>
+                    </a:solidFill>
+                    <a:latin typeface="Tahoma" panose="020B0604030504040204" pitchFamily="34" charset="0"/>
+                  </a:defRPr>
+                </a:lvl4pPr>
+                <a:lvl5pPr marL="2057400" indent="-228600">
+                  <a:defRPr>
+                    <a:solidFill>
+                      <a:schemeClr val="tx1"/>
+                    </a:solidFill>
+                    <a:latin typeface="Tahoma" panose="020B0604030504040204" pitchFamily="34" charset="0"/>
+                  </a:defRPr>
+                </a:lvl5pPr>
+                <a:lvl6pPr marL="2514600" indent="-228600" eaLnBrk="0" fontAlgn="base" hangingPunct="0">
+                  <a:spcBef>
+                    <a:spcPct val="0"/>
+                  </a:spcBef>
+                  <a:spcAft>
+                    <a:spcPct val="0"/>
+                  </a:spcAft>
+                  <a:defRPr>
+                    <a:solidFill>
+                      <a:schemeClr val="tx1"/>
+                    </a:solidFill>
+                    <a:latin typeface="Tahoma" panose="020B0604030504040204" pitchFamily="34" charset="0"/>
+                  </a:defRPr>
+                </a:lvl6pPr>
+                <a:lvl7pPr marL="2971800" indent="-228600" eaLnBrk="0" fontAlgn="base" hangingPunct="0">
+                  <a:spcBef>
+                    <a:spcPct val="0"/>
+                  </a:spcBef>
+                  <a:spcAft>
+                    <a:spcPct val="0"/>
+                  </a:spcAft>
+                  <a:defRPr>
+                    <a:solidFill>
+                      <a:schemeClr val="tx1"/>
+                    </a:solidFill>
+                    <a:latin typeface="Tahoma" panose="020B0604030504040204" pitchFamily="34" charset="0"/>
+                  </a:defRPr>
+                </a:lvl7pPr>
+                <a:lvl8pPr marL="3429000" indent="-228600" eaLnBrk="0" fontAlgn="base" hangingPunct="0">
+                  <a:spcBef>
+                    <a:spcPct val="0"/>
+                  </a:spcBef>
+                  <a:spcAft>
+                    <a:spcPct val="0"/>
+                  </a:spcAft>
+                  <a:defRPr>
+                    <a:solidFill>
+                      <a:schemeClr val="tx1"/>
+                    </a:solidFill>
+                    <a:latin typeface="Tahoma" panose="020B0604030504040204" pitchFamily="34" charset="0"/>
+                  </a:defRPr>
+                </a:lvl8pPr>
+                <a:lvl9pPr marL="3886200" indent="-228600" eaLnBrk="0" fontAlgn="base" hangingPunct="0">
+                  <a:spcBef>
+                    <a:spcPct val="0"/>
+                  </a:spcBef>
+                  <a:spcAft>
+                    <a:spcPct val="0"/>
+                  </a:spcAft>
+                  <a:defRPr>
+                    <a:solidFill>
+                      <a:schemeClr val="tx1"/>
+                    </a:solidFill>
+                    <a:latin typeface="Tahoma" panose="020B0604030504040204" pitchFamily="34" charset="0"/>
+                  </a:defRPr>
+                </a:lvl9pPr>
+              </a:lstStyle>
+              <a:p>
+                <a:endParaRPr lang="en-US"/>
+              </a:p>
+            </p:txBody>
+          </p:sp>
+          <p:sp>
+            <p:nvSpPr>
+              <p:cNvPr id="62" name="Oval 48"/>
+              <p:cNvSpPr>
+                <a:spLocks noChangeArrowheads="1"/>
+              </p:cNvSpPr>
+              <p:nvPr/>
+            </p:nvSpPr>
+            <p:spPr bwMode="auto">
+              <a:xfrm>
+                <a:off x="4118" y="3066"/>
+                <a:ext cx="562" cy="571"/>
+              </a:xfrm>
+              <a:prstGeom prst="ellipse">
+                <a:avLst/>
+              </a:prstGeom>
+              <a:noFill/>
+              <a:ln w="9525">
+                <a:solidFill>
+                  <a:schemeClr val="tx1"/>
+                </a:solidFill>
+                <a:prstDash val="lgDashDot"/>
+                <a:round/>
+                <a:headEnd/>
+                <a:tailEnd/>
+              </a:ln>
+              <a:effectLst/>
+              <a:extLst>
+                <a:ext uri="{909E8E84-426E-40DD-AFC4-6F175D3DCCD1}">
+                  <a14:hiddenFill xmlns:a14="http://schemas.microsoft.com/office/drawing/2010/main">
+                    <a:solidFill>
+                      <a:schemeClr val="accent1"/>
+                    </a:solidFill>
+                  </a14:hiddenFill>
+                </a:ext>
+                <a:ext uri="{AF507438-7753-43E0-B8FC-AC1667EBCBE1}">
+                  <a14:hiddenEffects xmlns:a14="http://schemas.microsoft.com/office/drawing/2010/main">
+                    <a:effectLst>
+                      <a:outerShdw dist="35921" dir="2700000" algn="ctr" rotWithShape="0">
+                        <a:schemeClr val="bg2"/>
+                      </a:outerShdw>
+                    </a:effectLst>
+                  </a14:hiddenEffects>
+                </a:ext>
+              </a:extLst>
+            </p:spPr>
+            <p:txBody>
+              <a:bodyPr anchor="ctr">
+                <a:spAutoFit/>
+              </a:bodyPr>
+              <a:lstStyle>
+                <a:lvl1pPr>
+                  <a:defRPr>
+                    <a:solidFill>
+                      <a:schemeClr val="tx1"/>
+                    </a:solidFill>
+                    <a:latin typeface="Tahoma" panose="020B0604030504040204" pitchFamily="34" charset="0"/>
+                  </a:defRPr>
+                </a:lvl1pPr>
+                <a:lvl2pPr marL="742950" indent="-285750">
+                  <a:defRPr>
+                    <a:solidFill>
+                      <a:schemeClr val="tx1"/>
+                    </a:solidFill>
+                    <a:latin typeface="Tahoma" panose="020B0604030504040204" pitchFamily="34" charset="0"/>
+                  </a:defRPr>
+                </a:lvl2pPr>
+                <a:lvl3pPr marL="1143000" indent="-228600">
+                  <a:defRPr>
+                    <a:solidFill>
+                      <a:schemeClr val="tx1"/>
+                    </a:solidFill>
+                    <a:latin typeface="Tahoma" panose="020B0604030504040204" pitchFamily="34" charset="0"/>
+                  </a:defRPr>
+                </a:lvl3pPr>
+                <a:lvl4pPr marL="1600200" indent="-228600">
+                  <a:defRPr>
+                    <a:solidFill>
+                      <a:schemeClr val="tx1"/>
+                    </a:solidFill>
+                    <a:latin typeface="Tahoma" panose="020B0604030504040204" pitchFamily="34" charset="0"/>
+                  </a:defRPr>
+                </a:lvl4pPr>
+                <a:lvl5pPr marL="2057400" indent="-228600">
+                  <a:defRPr>
+                    <a:solidFill>
+                      <a:schemeClr val="tx1"/>
+                    </a:solidFill>
+                    <a:latin typeface="Tahoma" panose="020B0604030504040204" pitchFamily="34" charset="0"/>
+                  </a:defRPr>
+                </a:lvl5pPr>
+                <a:lvl6pPr marL="2514600" indent="-228600" eaLnBrk="0" fontAlgn="base" hangingPunct="0">
+                  <a:spcBef>
+                    <a:spcPct val="0"/>
+                  </a:spcBef>
+                  <a:spcAft>
+                    <a:spcPct val="0"/>
+                  </a:spcAft>
+                  <a:defRPr>
+                    <a:solidFill>
+                      <a:schemeClr val="tx1"/>
+                    </a:solidFill>
+                    <a:latin typeface="Tahoma" panose="020B0604030504040204" pitchFamily="34" charset="0"/>
+                  </a:defRPr>
+                </a:lvl6pPr>
+                <a:lvl7pPr marL="2971800" indent="-228600" eaLnBrk="0" fontAlgn="base" hangingPunct="0">
+                  <a:spcBef>
+                    <a:spcPct val="0"/>
+                  </a:spcBef>
+                  <a:spcAft>
+                    <a:spcPct val="0"/>
+                  </a:spcAft>
+                  <a:defRPr>
+                    <a:solidFill>
+                      <a:schemeClr val="tx1"/>
+                    </a:solidFill>
+                    <a:latin typeface="Tahoma" panose="020B0604030504040204" pitchFamily="34" charset="0"/>
+                  </a:defRPr>
+                </a:lvl7pPr>
+                <a:lvl8pPr marL="3429000" indent="-228600" eaLnBrk="0" fontAlgn="base" hangingPunct="0">
+                  <a:spcBef>
+                    <a:spcPct val="0"/>
+                  </a:spcBef>
+                  <a:spcAft>
+                    <a:spcPct val="0"/>
+                  </a:spcAft>
+                  <a:defRPr>
+                    <a:solidFill>
+                      <a:schemeClr val="tx1"/>
+                    </a:solidFill>
+                    <a:latin typeface="Tahoma" panose="020B0604030504040204" pitchFamily="34" charset="0"/>
+                  </a:defRPr>
+                </a:lvl8pPr>
+                <a:lvl9pPr marL="3886200" indent="-228600" eaLnBrk="0" fontAlgn="base" hangingPunct="0">
+                  <a:spcBef>
+                    <a:spcPct val="0"/>
+                  </a:spcBef>
+                  <a:spcAft>
+                    <a:spcPct val="0"/>
+                  </a:spcAft>
+                  <a:defRPr>
+                    <a:solidFill>
+                      <a:schemeClr val="tx1"/>
+                    </a:solidFill>
+                    <a:latin typeface="Tahoma" panose="020B0604030504040204" pitchFamily="34" charset="0"/>
+                  </a:defRPr>
+                </a:lvl9pPr>
+              </a:lstStyle>
+              <a:p>
+                <a:endParaRPr lang="en-US"/>
+              </a:p>
+            </p:txBody>
+          </p:sp>
+        </p:grpSp>
+        <p:graphicFrame>
+          <p:nvGraphicFramePr>
+            <p:cNvPr id="53" name="Object 49"/>
+            <p:cNvGraphicFramePr>
+              <a:graphicFrameLocks noChangeAspect="1"/>
+            </p:cNvGraphicFramePr>
+            <p:nvPr>
+              <p:extLst>
+                <p:ext uri="{D42A27DB-BD31-4B8C-83A1-F6EECF244321}">
+                  <p14:modId xmlns:p14="http://schemas.microsoft.com/office/powerpoint/2010/main" val="2089709873"/>
+                </p:ext>
+              </p:extLst>
+            </p:nvPr>
+          </p:nvGraphicFramePr>
+          <p:xfrm>
+            <a:off x="3119" y="3933"/>
+            <a:ext cx="1666" cy="260"/>
+          </p:xfrm>
+          <a:graphic>
+            <a:graphicData uri="http://schemas.openxmlformats.org/presentationml/2006/ole">
+              <mc:AlternateContent xmlns:mc="http://schemas.openxmlformats.org/markup-compatibility/2006">
+                <mc:Choice xmlns:v="urn:schemas-microsoft-com:vml" Requires="v">
+                  <p:oleObj spid="_x0000_s1033" name="Document" r:id="rId19" imgW="2694072" imgH="419641" progId="Word.Document.8">
+                    <p:embed/>
+                  </p:oleObj>
+                </mc:Choice>
+                <mc:Fallback>
+                  <p:oleObj name="Document" r:id="rId19" imgW="2694072" imgH="419641" progId="Word.Document.8">
+                    <p:embed/>
+                    <p:pic>
+                      <p:nvPicPr>
+                        <p:cNvPr id="0" name=""/>
+                        <p:cNvPicPr>
+                          <a:picLocks noChangeAspect="1" noChangeArrowheads="1"/>
+                        </p:cNvPicPr>
+                        <p:nvPr/>
+                      </p:nvPicPr>
+                      <p:blipFill>
+                        <a:blip r:embed="rId20"/>
+                        <a:srcRect/>
+                        <a:stretch>
+                          <a:fillRect/>
+                        </a:stretch>
+                      </p:blipFill>
+                      <p:spPr bwMode="auto">
+                        <a:xfrm>
+                          <a:off x="3119" y="3933"/>
+                          <a:ext cx="1666" cy="260"/>
+                        </a:xfrm>
+                        <a:prstGeom prst="rect">
+                          <a:avLst/>
+                        </a:prstGeom>
+                        <a:noFill/>
+                        <a:ln>
+                          <a:noFill/>
+                        </a:ln>
+                        <a:effectLst/>
+                        <a:extLst>
+                          <a:ext uri="{909E8E84-426E-40DD-AFC4-6F175D3DCCD1}">
+                            <a14:hiddenFill xmlns:a14="http://schemas.microsoft.com/office/drawing/2010/main">
+                              <a:solidFill>
+                                <a:schemeClr val="accent1"/>
+                              </a:solidFill>
+                            </a14:hiddenFill>
+                          </a:ext>
+                          <a:ext uri="{91240B29-F687-4F45-9708-019B960494DF}">
+                            <a14:hiddenLine xmlns:a14="http://schemas.microsoft.com/office/drawing/2010/main" w="9525">
+                              <a:solidFill>
+                                <a:schemeClr val="tx1"/>
+                              </a:solidFill>
+                              <a:miter lim="800000"/>
+                              <a:headEnd/>
+                              <a:tailEnd/>
+                            </a14:hiddenLine>
+                          </a:ext>
+                          <a:ext uri="{AF507438-7753-43E0-B8FC-AC1667EBCBE1}">
+                            <a14:hiddenEffects xmlns:a14="http://schemas.microsoft.com/office/drawing/2010/main">
+                              <a:effectLst>
+                                <a:outerShdw dist="35921" dir="2700000" algn="ctr" rotWithShape="0">
+                                  <a:schemeClr val="bg2"/>
+                                </a:outerShdw>
+                              </a:effectLst>
+                            </a14:hiddenEffects>
+                          </a:ext>
+                        </a:extLst>
+                      </p:spPr>
+                    </p:pic>
+                  </p:oleObj>
+                </mc:Fallback>
+              </mc:AlternateContent>
+            </a:graphicData>
+          </a:graphic>
+        </p:graphicFrame>
+      </p:grpSp>
+    </p:spTree>
+    <p:extLst>
+      <p:ext uri="{BB962C8B-B14F-4D97-AF65-F5344CB8AC3E}">
+        <p14:creationId xmlns:p14="http://schemas.microsoft.com/office/powerpoint/2010/main" val="3543615126"/>
+      </p:ext>
+    </p:extLst>
+  </p:cSld>
+  <p:clrMapOvr>
+    <a:masterClrMapping/>
+  </p:clrMapOvr>
+  <p:timing>
+    <p:tnLst>
+      <p:par>
+        <p:cTn id="1" dur="indefinite" restart="never" nodeType="tmRoot">
+          <p:childTnLst>
+            <p:seq concurrent="1" nextAc="seek">
+              <p:cTn id="2" dur="indefinite" nodeType="mainSeq">
+                <p:childTnLst>
+                  <p:par>
+                    <p:cTn id="3" fill="hold">
+                      <p:stCondLst>
+                        <p:cond delay="indefinite"/>
+                      </p:stCondLst>
+                      <p:childTnLst>
+                        <p:par>
+                          <p:cTn id="4" fill="hold">
+                            <p:stCondLst>
+                              <p:cond delay="0"/>
+                            </p:stCondLst>
+                            <p:childTnLst>
+                              <p:par>
+                                <p:cTn id="5" presetID="22" presetClass="entr" presetSubtype="8" fill="hold" nodeType="clickEffect">
+                                  <p:stCondLst>
+                                    <p:cond delay="0"/>
+                                  </p:stCondLst>
+                                  <p:childTnLst>
+                                    <p:set>
+                                      <p:cBhvr>
+                                        <p:cTn id="6" dur="1" fill="hold">
+                                          <p:stCondLst>
+                                            <p:cond delay="0"/>
+                                          </p:stCondLst>
+                                        </p:cTn>
+                                        <p:tgtEl>
+                                          <p:spTgt spid="16"/>
+                                        </p:tgtEl>
+                                        <p:attrNameLst>
+                                          <p:attrName>style.visibility</p:attrName>
+                                        </p:attrNameLst>
+                                      </p:cBhvr>
+                                      <p:to>
+                                        <p:strVal val="visible"/>
+                                      </p:to>
+                                    </p:set>
+                                    <p:animEffect transition="in" filter="wipe(left)">
+                                      <p:cBhvr>
+                                        <p:cTn id="7" dur="500"/>
+                                        <p:tgtEl>
+                                          <p:spTgt spid="16"/>
+                                        </p:tgtEl>
+                                      </p:cBhvr>
+                                    </p:animEffect>
+                                  </p:childTnLst>
+                                </p:cTn>
+                              </p:par>
+                            </p:childTnLst>
+                          </p:cTn>
+                        </p:par>
+                      </p:childTnLst>
+                    </p:cTn>
+                  </p:par>
+                  <p:par>
+                    <p:cTn id="8" fill="hold">
+                      <p:stCondLst>
+                        <p:cond delay="indefinite"/>
+                      </p:stCondLst>
+                      <p:childTnLst>
+                        <p:par>
+                          <p:cTn id="9" fill="hold">
+                            <p:stCondLst>
+                              <p:cond delay="0"/>
+                            </p:stCondLst>
+                            <p:childTnLst>
+                              <p:par>
+                                <p:cTn id="10" presetID="22" presetClass="entr" presetSubtype="8" fill="hold" nodeType="clickEffect">
+                                  <p:stCondLst>
+                                    <p:cond delay="0"/>
+                                  </p:stCondLst>
+                                  <p:childTnLst>
+                                    <p:set>
+                                      <p:cBhvr>
+                                        <p:cTn id="11" dur="1" fill="hold">
+                                          <p:stCondLst>
+                                            <p:cond delay="0"/>
+                                          </p:stCondLst>
+                                        </p:cTn>
+                                        <p:tgtEl>
+                                          <p:spTgt spid="28"/>
+                                        </p:tgtEl>
+                                        <p:attrNameLst>
+                                          <p:attrName>style.visibility</p:attrName>
+                                        </p:attrNameLst>
+                                      </p:cBhvr>
+                                      <p:to>
+                                        <p:strVal val="visible"/>
+                                      </p:to>
+                                    </p:set>
+                                    <p:animEffect transition="in" filter="wipe(left)">
+                                      <p:cBhvr>
+                                        <p:cTn id="12" dur="500"/>
+                                        <p:tgtEl>
+                                          <p:spTgt spid="28"/>
+                                        </p:tgtEl>
+                                      </p:cBhvr>
+                                    </p:animEffect>
+                                  </p:childTnLst>
+                                </p:cTn>
+                              </p:par>
+                            </p:childTnLst>
+                          </p:cTn>
+                        </p:par>
+                      </p:childTnLst>
+                    </p:cTn>
+                  </p:par>
+                  <p:par>
+                    <p:cTn id="13" fill="hold">
+                      <p:stCondLst>
+                        <p:cond delay="indefinite"/>
+                      </p:stCondLst>
+                      <p:childTnLst>
+                        <p:par>
+                          <p:cTn id="14" fill="hold">
+                            <p:stCondLst>
+                              <p:cond delay="0"/>
+                            </p:stCondLst>
+                            <p:childTnLst>
+                              <p:par>
+                                <p:cTn id="15" presetID="1" presetClass="entr" presetSubtype="0" fill="hold" nodeType="clickEffect">
+                                  <p:stCondLst>
+                                    <p:cond delay="0"/>
+                                  </p:stCondLst>
+                                  <p:childTnLst>
+                                    <p:set>
+                                      <p:cBhvr>
+                                        <p:cTn id="16" dur="1" fill="hold">
+                                          <p:stCondLst>
+                                            <p:cond delay="0"/>
+                                          </p:stCondLst>
+                                        </p:cTn>
+                                        <p:tgtEl>
+                                          <p:spTgt spid="40"/>
+                                        </p:tgtEl>
+                                        <p:attrNameLst>
+                                          <p:attrName>style.visibility</p:attrName>
+                                        </p:attrNameLst>
+                                      </p:cBhvr>
+                                      <p:to>
+                                        <p:strVal val="visible"/>
+                                      </p:to>
+                                    </p:set>
+                                  </p:childTnLst>
+                                </p:cTn>
+                              </p:par>
+                            </p:childTnLst>
+                          </p:cTn>
+                        </p:par>
+                      </p:childTnLst>
+                    </p:cTn>
+                  </p:par>
+                  <p:par>
+                    <p:cTn id="17" fill="hold">
+                      <p:stCondLst>
+                        <p:cond delay="indefinite"/>
+                      </p:stCondLst>
+                      <p:childTnLst>
+                        <p:par>
+                          <p:cTn id="18" fill="hold">
+                            <p:stCondLst>
+                              <p:cond delay="0"/>
+                            </p:stCondLst>
+                            <p:childTnLst>
+                              <p:par>
+                                <p:cTn id="19" presetID="22" presetClass="entr" presetSubtype="8" fill="hold" nodeType="clickEffect">
+                                  <p:stCondLst>
+                                    <p:cond delay="0"/>
+                                  </p:stCondLst>
+                                  <p:childTnLst>
+                                    <p:set>
+                                      <p:cBhvr>
+                                        <p:cTn id="20" dur="1" fill="hold">
+                                          <p:stCondLst>
+                                            <p:cond delay="0"/>
+                                          </p:stCondLst>
+                                        </p:cTn>
+                                        <p:tgtEl>
+                                          <p:spTgt spid="51"/>
+                                        </p:tgtEl>
+                                        <p:attrNameLst>
+                                          <p:attrName>style.visibility</p:attrName>
+                                        </p:attrNameLst>
+                                      </p:cBhvr>
+                                      <p:to>
+                                        <p:strVal val="visible"/>
+                                      </p:to>
+                                    </p:set>
+                                    <p:animEffect transition="in" filter="wipe(left)">
+                                      <p:cBhvr>
+                                        <p:cTn id="21" dur="500"/>
+                                        <p:tgtEl>
+                                          <p:spTgt spid="51"/>
+                                        </p:tgtEl>
+                                      </p:cBhvr>
+                                    </p:animEffect>
+                                  </p:childTnLst>
+                                </p:cTn>
+                              </p:par>
+                            </p:childTnLst>
+                          </p:cTn>
+                        </p:par>
+                      </p:childTnLst>
+                    </p:cTn>
+                  </p:par>
+                </p:childTnLst>
+              </p:cTn>
+              <p:prevCondLst>
+                <p:cond evt="onPrev" delay="0">
+                  <p:tgtEl>
+                    <p:sldTgt/>
+                  </p:tgtEl>
+                </p:cond>
+              </p:prevCondLst>
+              <p:nextCondLst>
+                <p:cond evt="onNext" delay="0">
+                  <p:tgtEl>
+                    <p:sldTgt/>
+                  </p:tgtEl>
+                </p:cond>
+              </p:nextCondLst>
+            </p:seq>
+          </p:childTnLst>
+        </p:cTn>
+      </p:par>
+    </p:tnLst>
+  </p:timing>
+</p:sld>
+</file>
+
+<file path=ppt/slides/slide7.xml><?xml version="1.0" encoding="utf-8"?>
 <p:sld xmlns:a="http://schemas.openxmlformats.org/drawingml/2006/main" xmlns:r="http://schemas.openxmlformats.org/officeDocument/2006/relationships" xmlns:p="http://schemas.openxmlformats.org/presentationml/2006/main">
   <p:cSld>
     <p:spTree>
@@ -14125,7 +20252,7 @@
 </p:sld>
 </file>
 
-<file path=ppt/slides/slide6.xml><?xml version="1.0" encoding="utf-8"?>
+<file path=ppt/slides/slide8.xml><?xml version="1.0" encoding="utf-8"?>
 <p:sld xmlns:a="http://schemas.openxmlformats.org/drawingml/2006/main" xmlns:r="http://schemas.openxmlformats.org/officeDocument/2006/relationships" xmlns:p="http://schemas.openxmlformats.org/presentationml/2006/main">
   <p:cSld>
     <p:spTree>
@@ -14201,7 +20328,7 @@
 </p:sld>
 </file>
 
-<file path=ppt/slides/slide7.xml><?xml version="1.0" encoding="utf-8"?>
+<file path=ppt/slides/slide9.xml><?xml version="1.0" encoding="utf-8"?>
 <p:sld xmlns:a="http://schemas.openxmlformats.org/drawingml/2006/main" xmlns:r="http://schemas.openxmlformats.org/officeDocument/2006/relationships" xmlns:p="http://schemas.openxmlformats.org/presentationml/2006/main">
   <p:cSld>
     <p:spTree>
@@ -14264,215 +20391,6 @@
     <p:extLst>
       <p:ext uri="{BB962C8B-B14F-4D97-AF65-F5344CB8AC3E}">
         <p14:creationId xmlns:p14="http://schemas.microsoft.com/office/powerpoint/2010/main" val="3023477373"/>
-      </p:ext>
-    </p:extLst>
-  </p:cSld>
-  <p:clrMapOvr>
-    <a:masterClrMapping/>
-  </p:clrMapOvr>
-</p:sld>
-</file>
-
-<file path=ppt/slides/slide8.xml><?xml version="1.0" encoding="utf-8"?>
-<p:sld xmlns:a="http://schemas.openxmlformats.org/drawingml/2006/main" xmlns:r="http://schemas.openxmlformats.org/officeDocument/2006/relationships" xmlns:p="http://schemas.openxmlformats.org/presentationml/2006/main">
-  <p:cSld>
-    <p:spTree>
-      <p:nvGrpSpPr>
-        <p:cNvPr id="1" name=""/>
-        <p:cNvGrpSpPr/>
-        <p:nvPr/>
-      </p:nvGrpSpPr>
-      <p:grpSpPr>
-        <a:xfrm>
-          <a:off x="0" y="0"/>
-          <a:ext cx="0" cy="0"/>
-          <a:chOff x="0" y="0"/>
-          <a:chExt cx="0" cy="0"/>
-        </a:xfrm>
-      </p:grpSpPr>
-      <p:sp>
-        <p:nvSpPr>
-          <p:cNvPr id="2" name="Title 1"/>
-          <p:cNvSpPr>
-            <a:spLocks noGrp="1"/>
-          </p:cNvSpPr>
-          <p:nvPr>
-            <p:ph type="title"/>
-          </p:nvPr>
-        </p:nvSpPr>
-        <p:spPr/>
-        <p:txBody>
-          <a:bodyPr/>
-          <a:lstStyle/>
-          <a:p>
-            <a:r>
-              <a:rPr lang="en-US" dirty="0" smtClean="0"/>
-              <a:t>Visual Stuff</a:t>
-            </a:r>
-            <a:endParaRPr lang="en-US" dirty="0"/>
-          </a:p>
-        </p:txBody>
-      </p:sp>
-      <p:sp>
-        <p:nvSpPr>
-          <p:cNvPr id="3" name="Content Placeholder 2"/>
-          <p:cNvSpPr>
-            <a:spLocks noGrp="1"/>
-          </p:cNvSpPr>
-          <p:nvPr>
-            <p:ph idx="1"/>
-          </p:nvPr>
-        </p:nvSpPr>
-        <p:spPr/>
-        <p:txBody>
-          <a:bodyPr/>
-          <a:lstStyle/>
-          <a:p>
-            <a:endParaRPr lang="en-US"/>
-          </a:p>
-        </p:txBody>
-      </p:sp>
-    </p:spTree>
-    <p:extLst>
-      <p:ext uri="{BB962C8B-B14F-4D97-AF65-F5344CB8AC3E}">
-        <p14:creationId xmlns:p14="http://schemas.microsoft.com/office/powerpoint/2010/main" val="69646937"/>
-      </p:ext>
-    </p:extLst>
-  </p:cSld>
-  <p:clrMapOvr>
-    <a:masterClrMapping/>
-  </p:clrMapOvr>
-</p:sld>
-</file>
-
-<file path=ppt/slides/slide9.xml><?xml version="1.0" encoding="utf-8"?>
-<p:sld xmlns:a="http://schemas.openxmlformats.org/drawingml/2006/main" xmlns:r="http://schemas.openxmlformats.org/officeDocument/2006/relationships" xmlns:p="http://schemas.openxmlformats.org/presentationml/2006/main">
-  <p:cSld>
-    <p:spTree>
-      <p:nvGrpSpPr>
-        <p:cNvPr id="1" name=""/>
-        <p:cNvGrpSpPr/>
-        <p:nvPr/>
-      </p:nvGrpSpPr>
-      <p:grpSpPr>
-        <a:xfrm>
-          <a:off x="0" y="0"/>
-          <a:ext cx="0" cy="0"/>
-          <a:chOff x="0" y="0"/>
-          <a:chExt cx="0" cy="0"/>
-        </a:xfrm>
-      </p:grpSpPr>
-      <p:sp>
-        <p:nvSpPr>
-          <p:cNvPr id="2" name="Title 1"/>
-          <p:cNvSpPr>
-            <a:spLocks noGrp="1"/>
-          </p:cNvSpPr>
-          <p:nvPr>
-            <p:ph type="title"/>
-          </p:nvPr>
-        </p:nvSpPr>
-        <p:spPr/>
-        <p:txBody>
-          <a:bodyPr/>
-          <a:lstStyle/>
-          <a:p>
-            <a:r>
-              <a:rPr lang="en-US" dirty="0" smtClean="0"/>
-              <a:t>Complexity Analysis</a:t>
-            </a:r>
-            <a:endParaRPr lang="en-US" dirty="0"/>
-          </a:p>
-        </p:txBody>
-      </p:sp>
-      <p:sp>
-        <p:nvSpPr>
-          <p:cNvPr id="4" name="Text Placeholder 3"/>
-          <p:cNvSpPr>
-            <a:spLocks noGrp="1"/>
-          </p:cNvSpPr>
-          <p:nvPr>
-            <p:ph type="body" idx="1"/>
-          </p:nvPr>
-        </p:nvSpPr>
-        <p:spPr/>
-        <p:txBody>
-          <a:bodyPr/>
-          <a:lstStyle/>
-          <a:p>
-            <a:r>
-              <a:rPr lang="en-US" dirty="0" smtClean="0"/>
-              <a:t>DBSCAN</a:t>
-            </a:r>
-            <a:endParaRPr lang="en-US" dirty="0"/>
-          </a:p>
-        </p:txBody>
-      </p:sp>
-      <p:sp>
-        <p:nvSpPr>
-          <p:cNvPr id="5" name="Content Placeholder 4"/>
-          <p:cNvSpPr>
-            <a:spLocks noGrp="1"/>
-          </p:cNvSpPr>
-          <p:nvPr>
-            <p:ph sz="half" idx="2"/>
-          </p:nvPr>
-        </p:nvSpPr>
-        <p:spPr/>
-        <p:txBody>
-          <a:bodyPr/>
-          <a:lstStyle/>
-          <a:p>
-            <a:endParaRPr lang="en-US" dirty="0"/>
-          </a:p>
-        </p:txBody>
-      </p:sp>
-      <p:sp>
-        <p:nvSpPr>
-          <p:cNvPr id="6" name="Text Placeholder 5"/>
-          <p:cNvSpPr>
-            <a:spLocks noGrp="1"/>
-          </p:cNvSpPr>
-          <p:nvPr>
-            <p:ph type="body" sz="quarter" idx="3"/>
-          </p:nvPr>
-        </p:nvSpPr>
-        <p:spPr/>
-        <p:txBody>
-          <a:bodyPr/>
-          <a:lstStyle/>
-          <a:p>
-            <a:r>
-              <a:rPr lang="en-US" dirty="0" smtClean="0"/>
-              <a:t>OPTICS</a:t>
-            </a:r>
-            <a:endParaRPr lang="en-US" dirty="0"/>
-          </a:p>
-        </p:txBody>
-      </p:sp>
-      <p:sp>
-        <p:nvSpPr>
-          <p:cNvPr id="7" name="Content Placeholder 6"/>
-          <p:cNvSpPr>
-            <a:spLocks noGrp="1"/>
-          </p:cNvSpPr>
-          <p:nvPr>
-            <p:ph sz="quarter" idx="4"/>
-          </p:nvPr>
-        </p:nvSpPr>
-        <p:spPr/>
-        <p:txBody>
-          <a:bodyPr/>
-          <a:lstStyle/>
-          <a:p>
-            <a:endParaRPr lang="en-US"/>
-          </a:p>
-        </p:txBody>
-      </p:sp>
-    </p:spTree>
-    <p:extLst>
-      <p:ext uri="{BB962C8B-B14F-4D97-AF65-F5344CB8AC3E}">
-        <p14:creationId xmlns:p14="http://schemas.microsoft.com/office/powerpoint/2010/main" val="1979480688"/>
       </p:ext>
     </p:extLst>
   </p:cSld>
@@ -14740,7 +20658,7 @@
   <a:extraClrSchemeLst/>
   <a:extLst>
     <a:ext uri="{05A4C25C-085E-4340-85A3-A5531E510DB2}">
-      <thm15:themeFamily xmlns:thm15="http://schemas.microsoft.com/office/thememl/2012/main" name="Ion Boardroom" id="{FC33163D-4339-46B1-8EED-24C834239D99}" vid="{B8502691-933B-45FE-8764-BA278511EF27}"/>
+      <thm15:themeFamily xmlns:thm15="http://schemas.microsoft.com/office/thememl/2012/main" xmlns="" name="Ion Boardroom" id="{FC33163D-4339-46B1-8EED-24C834239D99}" vid="{B8502691-933B-45FE-8764-BA278511EF27}"/>
     </a:ext>
   </a:extLst>
 </a:theme>

--- a/FinalPresentation.pptx
+++ b/FinalPresentation.pptx
@@ -11,16 +11,17 @@
     <p:sldId id="257" r:id="rId5"/>
     <p:sldId id="270" r:id="rId6"/>
     <p:sldId id="271" r:id="rId7"/>
-    <p:sldId id="258" r:id="rId8"/>
-    <p:sldId id="259" r:id="rId9"/>
-    <p:sldId id="262" r:id="rId10"/>
-    <p:sldId id="266" r:id="rId11"/>
-    <p:sldId id="263" r:id="rId12"/>
-    <p:sldId id="264" r:id="rId13"/>
-    <p:sldId id="265" r:id="rId14"/>
-    <p:sldId id="267" r:id="rId15"/>
-    <p:sldId id="268" r:id="rId16"/>
-    <p:sldId id="269" r:id="rId17"/>
+    <p:sldId id="272" r:id="rId8"/>
+    <p:sldId id="258" r:id="rId9"/>
+    <p:sldId id="259" r:id="rId10"/>
+    <p:sldId id="262" r:id="rId11"/>
+    <p:sldId id="266" r:id="rId12"/>
+    <p:sldId id="263" r:id="rId13"/>
+    <p:sldId id="264" r:id="rId14"/>
+    <p:sldId id="265" r:id="rId15"/>
+    <p:sldId id="267" r:id="rId16"/>
+    <p:sldId id="268" r:id="rId17"/>
+    <p:sldId id="269" r:id="rId18"/>
   </p:sldIdLst>
   <p:sldSz cx="12192000" cy="6858000"/>
   <p:notesSz cx="6858000" cy="9144000"/>
@@ -119,6 +120,22 @@
       </a:defRPr>
     </a:lvl9pPr>
   </p:defaultTextStyle>
+  <p:extLst>
+    <p:ext uri="{EFAFB233-063F-42B5-8137-9DF3F51BA10A}">
+      <p15:sldGuideLst xmlns:p15="http://schemas.microsoft.com/office/powerpoint/2012/main">
+        <p15:guide id="1" orient="horz" pos="2160">
+          <p15:clr>
+            <a:srgbClr val="A4A3A4"/>
+          </p15:clr>
+        </p15:guide>
+        <p15:guide id="2" pos="3840">
+          <p15:clr>
+            <a:srgbClr val="A4A3A4"/>
+          </p15:clr>
+        </p15:guide>
+      </p15:sldGuideLst>
+    </p:ext>
+  </p:extLst>
 </p:presentation>
 </file>
 
@@ -13376,7 +13393,7 @@
           <a:p>
             <a:r>
               <a:rPr lang="en-US" dirty="0" smtClean="0"/>
-              <a:t>Visual Stuff</a:t>
+              <a:t>Algorithm</a:t>
             </a:r>
             <a:endParaRPr lang="en-US" dirty="0"/>
           </a:p>
@@ -13404,7 +13421,7 @@
     </p:spTree>
     <p:extLst>
       <p:ext uri="{BB962C8B-B14F-4D97-AF65-F5344CB8AC3E}">
-        <p14:creationId xmlns:p14="http://schemas.microsoft.com/office/powerpoint/2010/main" val="69646937"/>
+        <p14:creationId xmlns:p14="http://schemas.microsoft.com/office/powerpoint/2010/main" val="3023477373"/>
       </p:ext>
     </p:extLst>
   </p:cSld>
@@ -13448,7 +13465,7 @@
           <a:p>
             <a:r>
               <a:rPr lang="en-US" dirty="0" smtClean="0"/>
-              <a:t>Complexity Analysis</a:t>
+              <a:t>Visual Stuff</a:t>
             </a:r>
             <a:endParaRPr lang="en-US" dirty="0"/>
           </a:p>
@@ -13456,12 +13473,12 @@
       </p:sp>
       <p:sp>
         <p:nvSpPr>
-          <p:cNvPr id="4" name="Text Placeholder 3"/>
+          <p:cNvPr id="3" name="Content Placeholder 2"/>
           <p:cNvSpPr>
             <a:spLocks noGrp="1"/>
           </p:cNvSpPr>
           <p:nvPr>
-            <p:ph type="body" idx="1"/>
+            <p:ph idx="1"/>
           </p:nvPr>
         </p:nvSpPr>
         <p:spPr/>
@@ -13469,71 +13486,6 @@
           <a:bodyPr/>
           <a:lstStyle/>
           <a:p>
-            <a:r>
-              <a:rPr lang="en-US" dirty="0" smtClean="0"/>
-              <a:t>DBSCAN</a:t>
-            </a:r>
-            <a:endParaRPr lang="en-US" dirty="0"/>
-          </a:p>
-        </p:txBody>
-      </p:sp>
-      <p:sp>
-        <p:nvSpPr>
-          <p:cNvPr id="5" name="Content Placeholder 4"/>
-          <p:cNvSpPr>
-            <a:spLocks noGrp="1"/>
-          </p:cNvSpPr>
-          <p:nvPr>
-            <p:ph sz="half" idx="2"/>
-          </p:nvPr>
-        </p:nvSpPr>
-        <p:spPr/>
-        <p:txBody>
-          <a:bodyPr/>
-          <a:lstStyle/>
-          <a:p>
-            <a:endParaRPr lang="en-US" dirty="0"/>
-          </a:p>
-        </p:txBody>
-      </p:sp>
-      <p:sp>
-        <p:nvSpPr>
-          <p:cNvPr id="6" name="Text Placeholder 5"/>
-          <p:cNvSpPr>
-            <a:spLocks noGrp="1"/>
-          </p:cNvSpPr>
-          <p:nvPr>
-            <p:ph type="body" sz="quarter" idx="3"/>
-          </p:nvPr>
-        </p:nvSpPr>
-        <p:spPr/>
-        <p:txBody>
-          <a:bodyPr/>
-          <a:lstStyle/>
-          <a:p>
-            <a:r>
-              <a:rPr lang="en-US" dirty="0" smtClean="0"/>
-              <a:t>OPTICS</a:t>
-            </a:r>
-            <a:endParaRPr lang="en-US" dirty="0"/>
-          </a:p>
-        </p:txBody>
-      </p:sp>
-      <p:sp>
-        <p:nvSpPr>
-          <p:cNvPr id="7" name="Content Placeholder 6"/>
-          <p:cNvSpPr>
-            <a:spLocks noGrp="1"/>
-          </p:cNvSpPr>
-          <p:nvPr>
-            <p:ph sz="quarter" idx="4"/>
-          </p:nvPr>
-        </p:nvSpPr>
-        <p:spPr/>
-        <p:txBody>
-          <a:bodyPr/>
-          <a:lstStyle/>
-          <a:p>
             <a:endParaRPr lang="en-US"/>
           </a:p>
         </p:txBody>
@@ -13541,7 +13493,7 @@
     </p:spTree>
     <p:extLst>
       <p:ext uri="{BB962C8B-B14F-4D97-AF65-F5344CB8AC3E}">
-        <p14:creationId xmlns:p14="http://schemas.microsoft.com/office/powerpoint/2010/main" val="1979480688"/>
+        <p14:creationId xmlns:p14="http://schemas.microsoft.com/office/powerpoint/2010/main" val="69646937"/>
       </p:ext>
     </p:extLst>
   </p:cSld>
@@ -13585,7 +13537,7 @@
           <a:p>
             <a:r>
               <a:rPr lang="en-US" dirty="0" smtClean="0"/>
-              <a:t>Entropy by Cluster</a:t>
+              <a:t>Complexity Analysis</a:t>
             </a:r>
             <a:endParaRPr lang="en-US" dirty="0"/>
           </a:p>
@@ -13593,12 +13545,12 @@
       </p:sp>
       <p:sp>
         <p:nvSpPr>
-          <p:cNvPr id="3" name="Content Placeholder 2"/>
+          <p:cNvPr id="4" name="Text Placeholder 3"/>
           <p:cNvSpPr>
             <a:spLocks noGrp="1"/>
           </p:cNvSpPr>
           <p:nvPr>
-            <p:ph idx="1"/>
+            <p:ph type="body" idx="1"/>
           </p:nvPr>
         </p:nvSpPr>
         <p:spPr/>
@@ -13606,6 +13558,71 @@
           <a:bodyPr/>
           <a:lstStyle/>
           <a:p>
+            <a:r>
+              <a:rPr lang="en-US" dirty="0" smtClean="0"/>
+              <a:t>DBSCAN</a:t>
+            </a:r>
+            <a:endParaRPr lang="en-US" dirty="0"/>
+          </a:p>
+        </p:txBody>
+      </p:sp>
+      <p:sp>
+        <p:nvSpPr>
+          <p:cNvPr id="5" name="Content Placeholder 4"/>
+          <p:cNvSpPr>
+            <a:spLocks noGrp="1"/>
+          </p:cNvSpPr>
+          <p:nvPr>
+            <p:ph sz="half" idx="2"/>
+          </p:nvPr>
+        </p:nvSpPr>
+        <p:spPr/>
+        <p:txBody>
+          <a:bodyPr/>
+          <a:lstStyle/>
+          <a:p>
+            <a:endParaRPr lang="en-US" dirty="0"/>
+          </a:p>
+        </p:txBody>
+      </p:sp>
+      <p:sp>
+        <p:nvSpPr>
+          <p:cNvPr id="6" name="Text Placeholder 5"/>
+          <p:cNvSpPr>
+            <a:spLocks noGrp="1"/>
+          </p:cNvSpPr>
+          <p:nvPr>
+            <p:ph type="body" sz="quarter" idx="3"/>
+          </p:nvPr>
+        </p:nvSpPr>
+        <p:spPr/>
+        <p:txBody>
+          <a:bodyPr/>
+          <a:lstStyle/>
+          <a:p>
+            <a:r>
+              <a:rPr lang="en-US" dirty="0" smtClean="0"/>
+              <a:t>OPTICS</a:t>
+            </a:r>
+            <a:endParaRPr lang="en-US" dirty="0"/>
+          </a:p>
+        </p:txBody>
+      </p:sp>
+      <p:sp>
+        <p:nvSpPr>
+          <p:cNvPr id="7" name="Content Placeholder 6"/>
+          <p:cNvSpPr>
+            <a:spLocks noGrp="1"/>
+          </p:cNvSpPr>
+          <p:nvPr>
+            <p:ph sz="quarter" idx="4"/>
+          </p:nvPr>
+        </p:nvSpPr>
+        <p:spPr/>
+        <p:txBody>
+          <a:bodyPr/>
+          <a:lstStyle/>
+          <a:p>
             <a:endParaRPr lang="en-US"/>
           </a:p>
         </p:txBody>
@@ -13613,7 +13630,7 @@
     </p:spTree>
     <p:extLst>
       <p:ext uri="{BB962C8B-B14F-4D97-AF65-F5344CB8AC3E}">
-        <p14:creationId xmlns:p14="http://schemas.microsoft.com/office/powerpoint/2010/main" val="1974077312"/>
+        <p14:creationId xmlns:p14="http://schemas.microsoft.com/office/powerpoint/2010/main" val="1979480688"/>
       </p:ext>
     </p:extLst>
   </p:cSld>
@@ -13657,7 +13674,7 @@
           <a:p>
             <a:r>
               <a:rPr lang="en-US" dirty="0" smtClean="0"/>
-              <a:t>Prediction Assessment </a:t>
+              <a:t>Entropy by Cluster</a:t>
             </a:r>
             <a:endParaRPr lang="en-US" dirty="0"/>
           </a:p>
@@ -13685,7 +13702,7 @@
     </p:spTree>
     <p:extLst>
       <p:ext uri="{BB962C8B-B14F-4D97-AF65-F5344CB8AC3E}">
-        <p14:creationId xmlns:p14="http://schemas.microsoft.com/office/powerpoint/2010/main" val="3062305719"/>
+        <p14:creationId xmlns:p14="http://schemas.microsoft.com/office/powerpoint/2010/main" val="1974077312"/>
       </p:ext>
     </p:extLst>
   </p:cSld>
@@ -13729,6 +13746,78 @@
           <a:p>
             <a:r>
               <a:rPr lang="en-US" dirty="0" smtClean="0"/>
+              <a:t>Prediction Assessment </a:t>
+            </a:r>
+            <a:endParaRPr lang="en-US" dirty="0"/>
+          </a:p>
+        </p:txBody>
+      </p:sp>
+      <p:sp>
+        <p:nvSpPr>
+          <p:cNvPr id="3" name="Content Placeholder 2"/>
+          <p:cNvSpPr>
+            <a:spLocks noGrp="1"/>
+          </p:cNvSpPr>
+          <p:nvPr>
+            <p:ph idx="1"/>
+          </p:nvPr>
+        </p:nvSpPr>
+        <p:spPr/>
+        <p:txBody>
+          <a:bodyPr/>
+          <a:lstStyle/>
+          <a:p>
+            <a:endParaRPr lang="en-US"/>
+          </a:p>
+        </p:txBody>
+      </p:sp>
+    </p:spTree>
+    <p:extLst>
+      <p:ext uri="{BB962C8B-B14F-4D97-AF65-F5344CB8AC3E}">
+        <p14:creationId xmlns:p14="http://schemas.microsoft.com/office/powerpoint/2010/main" val="3062305719"/>
+      </p:ext>
+    </p:extLst>
+  </p:cSld>
+  <p:clrMapOvr>
+    <a:masterClrMapping/>
+  </p:clrMapOvr>
+</p:sld>
+</file>
+
+<file path=ppt/slides/slide15.xml><?xml version="1.0" encoding="utf-8"?>
+<p:sld xmlns:a="http://schemas.openxmlformats.org/drawingml/2006/main" xmlns:r="http://schemas.openxmlformats.org/officeDocument/2006/relationships" xmlns:p="http://schemas.openxmlformats.org/presentationml/2006/main">
+  <p:cSld>
+    <p:spTree>
+      <p:nvGrpSpPr>
+        <p:cNvPr id="1" name=""/>
+        <p:cNvGrpSpPr/>
+        <p:nvPr/>
+      </p:nvGrpSpPr>
+      <p:grpSpPr>
+        <a:xfrm>
+          <a:off x="0" y="0"/>
+          <a:ext cx="0" cy="0"/>
+          <a:chOff x="0" y="0"/>
+          <a:chExt cx="0" cy="0"/>
+        </a:xfrm>
+      </p:grpSpPr>
+      <p:sp>
+        <p:nvSpPr>
+          <p:cNvPr id="2" name="Title 1"/>
+          <p:cNvSpPr>
+            <a:spLocks noGrp="1"/>
+          </p:cNvSpPr>
+          <p:nvPr>
+            <p:ph type="title"/>
+          </p:nvPr>
+        </p:nvSpPr>
+        <p:spPr/>
+        <p:txBody>
+          <a:bodyPr/>
+          <a:lstStyle/>
+          <a:p>
+            <a:r>
+              <a:rPr lang="en-US" dirty="0" smtClean="0"/>
               <a:t>Final Analysis</a:t>
             </a:r>
             <a:endParaRPr lang="en-US" dirty="0"/>
@@ -13767,7 +13856,7 @@
 </p:sld>
 </file>
 
-<file path=ppt/slides/slide15.xml><?xml version="1.0" encoding="utf-8"?>
+<file path=ppt/slides/slide16.xml><?xml version="1.0" encoding="utf-8"?>
 <p:sld xmlns:a="http://schemas.openxmlformats.org/drawingml/2006/main" xmlns:r="http://schemas.openxmlformats.org/officeDocument/2006/relationships" xmlns:p="http://schemas.openxmlformats.org/presentationml/2006/main">
   <p:cSld>
     <p:spTree>
@@ -13956,7 +14045,7 @@
 </p:sld>
 </file>
 
-<file path=ppt/slides/slide16.xml><?xml version="1.0" encoding="utf-8"?>
+<file path=ppt/slides/slide17.xml><?xml version="1.0" encoding="utf-8"?>
 <p:sld xmlns:a="http://schemas.openxmlformats.org/drawingml/2006/main" xmlns:r="http://schemas.openxmlformats.org/officeDocument/2006/relationships" xmlns:p="http://schemas.openxmlformats.org/presentationml/2006/main">
   <p:cSld>
     <p:spTree>
@@ -14155,7 +14244,7 @@
           <a:bodyPr/>
           <a:lstStyle/>
           <a:p>
-            <a:endParaRPr lang="en-US"/>
+            <a:endParaRPr lang="en-US" dirty="0" smtClean="0"/>
           </a:p>
         </p:txBody>
       </p:sp>
@@ -14206,15 +14295,7 @@
           <a:p>
             <a:r>
               <a:rPr lang="en-US" dirty="0" smtClean="0"/>
-              <a:t>Partition </a:t>
-            </a:r>
-            <a:r>
-              <a:rPr lang="en-US" dirty="0" smtClean="0"/>
-              <a:t>Around </a:t>
-            </a:r>
-            <a:r>
-              <a:rPr lang="en-US" dirty="0" smtClean="0"/>
-              <a:t> </a:t>
+              <a:t>Partition Around  </a:t>
             </a:r>
             <a:r>
               <a:rPr lang="en-US" dirty="0" err="1" smtClean="0"/>
@@ -14577,9 +14658,6 @@
               </a:rPr>
               <a:t>repeat steps 2-3 until there is no change</a:t>
             </a:r>
-            <a:endParaRPr lang="en-US" altLang="ko-KR" sz="2400" dirty="0">
-              <a:ea typeface="굴림" pitchFamily="34" charset="-127"/>
-            </a:endParaRPr>
           </a:p>
         </p:txBody>
       </p:sp>
@@ -14613,9 +14691,123 @@
           <a:chExt cx="0" cy="0"/>
         </a:xfrm>
       </p:grpSpPr>
+      <p:sp>
+        <p:nvSpPr>
+          <p:cNvPr id="9" name="Title 8"/>
+          <p:cNvSpPr>
+            <a:spLocks noGrp="1"/>
+          </p:cNvSpPr>
+          <p:nvPr>
+            <p:ph type="title"/>
+          </p:nvPr>
+        </p:nvSpPr>
+        <p:spPr/>
+        <p:txBody>
+          <a:bodyPr/>
+          <a:lstStyle/>
+          <a:p>
+            <a:r>
+              <a:rPr lang="en-US" dirty="0" smtClean="0"/>
+              <a:t>Calculating Total Cost</a:t>
+            </a:r>
+            <a:endParaRPr lang="en-US" dirty="0"/>
+          </a:p>
+        </p:txBody>
+      </p:sp>
+      <p:sp>
+        <p:nvSpPr>
+          <p:cNvPr id="10" name="Content Placeholder 9"/>
+          <p:cNvSpPr>
+            <a:spLocks noGrp="1"/>
+          </p:cNvSpPr>
+          <p:nvPr>
+            <p:ph idx="1"/>
+          </p:nvPr>
+        </p:nvSpPr>
+        <p:spPr/>
+        <p:txBody>
+          <a:bodyPr/>
+          <a:lstStyle/>
+          <a:p>
+            <a:r>
+              <a:rPr lang="en-US" sz="2400" dirty="0" err="1" smtClean="0"/>
+              <a:t>C</a:t>
+            </a:r>
+            <a:r>
+              <a:rPr lang="en-US" sz="2400" baseline="-25000" dirty="0" err="1" smtClean="0"/>
+              <a:t>jih</a:t>
+            </a:r>
+            <a:r>
+              <a:rPr lang="en-US" sz="2400" dirty="0" smtClean="0"/>
+              <a:t> = d(j, j2) – d(j, </a:t>
+            </a:r>
+            <a:r>
+              <a:rPr lang="en-US" sz="2400" dirty="0" err="1" smtClean="0"/>
+              <a:t>i</a:t>
+            </a:r>
+            <a:r>
+              <a:rPr lang="en-US" sz="2400" dirty="0" smtClean="0"/>
+              <a:t>)</a:t>
+            </a:r>
+          </a:p>
+          <a:p>
+            <a:r>
+              <a:rPr lang="en-US" sz="2400" dirty="0" err="1" smtClean="0"/>
+              <a:t>C</a:t>
+            </a:r>
+            <a:r>
+              <a:rPr lang="en-US" sz="2400" baseline="-25000" dirty="0" err="1" smtClean="0"/>
+              <a:t>jih</a:t>
+            </a:r>
+            <a:r>
+              <a:rPr lang="en-US" sz="2400" dirty="0" smtClean="0"/>
+              <a:t> = d(j, h) = d (j, </a:t>
+            </a:r>
+            <a:r>
+              <a:rPr lang="en-US" sz="2400" dirty="0" err="1" smtClean="0"/>
+              <a:t>i</a:t>
+            </a:r>
+            <a:r>
+              <a:rPr lang="en-US" sz="2400" dirty="0" smtClean="0"/>
+              <a:t>)</a:t>
+            </a:r>
+          </a:p>
+          <a:p>
+            <a:r>
+              <a:rPr lang="en-US" sz="2400" dirty="0" err="1" smtClean="0"/>
+              <a:t>C</a:t>
+            </a:r>
+            <a:r>
+              <a:rPr lang="en-US" sz="2400" baseline="-25000" dirty="0" err="1" smtClean="0"/>
+              <a:t>jih</a:t>
+            </a:r>
+            <a:r>
+              <a:rPr lang="en-US" sz="2400" dirty="0" smtClean="0"/>
+              <a:t> = 0</a:t>
+            </a:r>
+          </a:p>
+          <a:p>
+            <a:r>
+              <a:rPr lang="en-US" sz="2400" dirty="0" err="1" smtClean="0"/>
+              <a:t>C</a:t>
+            </a:r>
+            <a:r>
+              <a:rPr lang="en-US" sz="2400" baseline="-25000" dirty="0" err="1" smtClean="0"/>
+              <a:t>jih</a:t>
+            </a:r>
+            <a:r>
+              <a:rPr lang="en-US" sz="2400" dirty="0" smtClean="0"/>
+              <a:t> = d(j, h) = d(j, j2)</a:t>
+            </a:r>
+          </a:p>
+          <a:p>
+            <a:endParaRPr lang="en-US" dirty="0"/>
+          </a:p>
+        </p:txBody>
+      </p:sp>
       <p:grpSp>
         <p:nvGrpSpPr>
-          <p:cNvPr id="16" name="Group 14"/>
+          <p:cNvPr id="63" name="Group 3"/>
           <p:cNvGrpSpPr>
             <a:grpSpLocks/>
           </p:cNvGrpSpPr>
@@ -14623,15 +14815,15 @@
         </p:nvGrpSpPr>
         <p:grpSpPr bwMode="auto">
           <a:xfrm>
-            <a:off x="1404938" y="805656"/>
-            <a:ext cx="2514600" cy="3051177"/>
-            <a:chOff x="861" y="707"/>
-            <a:chExt cx="1584" cy="1922"/>
+            <a:off x="7249367" y="2603500"/>
+            <a:ext cx="2667000" cy="2647950"/>
+            <a:chOff x="3168" y="720"/>
+            <a:chExt cx="1680" cy="1668"/>
           </a:xfrm>
         </p:grpSpPr>
         <p:grpSp>
           <p:nvGrpSpPr>
-            <p:cNvPr id="17" name="Group 15"/>
+            <p:cNvPr id="64" name="Group 4"/>
             <p:cNvGrpSpPr>
               <a:grpSpLocks/>
             </p:cNvGrpSpPr>
@@ -14639,35 +14831,29 @@
           </p:nvGrpSpPr>
           <p:grpSpPr bwMode="auto">
             <a:xfrm>
-              <a:off x="861" y="707"/>
-              <a:ext cx="1584" cy="1488"/>
-              <a:chOff x="861" y="707"/>
-              <a:chExt cx="1584" cy="1488"/>
+              <a:off x="3168" y="720"/>
+              <a:ext cx="1680" cy="1488"/>
+              <a:chOff x="3168" y="720"/>
+              <a:chExt cx="1680" cy="1488"/>
             </a:xfrm>
           </p:grpSpPr>
           <p:graphicFrame>
             <p:nvGraphicFramePr>
-              <p:cNvPr id="19" name="Object 16"/>
+              <p:cNvPr id="66" name="Object 5"/>
               <p:cNvGraphicFramePr>
                 <a:graphicFrameLocks noChangeAspect="1"/>
               </p:cNvGraphicFramePr>
-              <p:nvPr>
-                <p:extLst>
-                  <p:ext uri="{D42A27DB-BD31-4B8C-83A1-F6EECF244321}">
-                    <p14:modId xmlns:p14="http://schemas.microsoft.com/office/powerpoint/2010/main" val="1245152645"/>
-                  </p:ext>
-                </p:extLst>
-              </p:nvPr>
+              <p:nvPr/>
             </p:nvGraphicFramePr>
             <p:xfrm>
-              <a:off x="861" y="707"/>
-              <a:ext cx="1584" cy="1488"/>
+              <a:off x="3168" y="720"/>
+              <a:ext cx="1680" cy="1488"/>
             </p:xfrm>
             <a:graphic>
               <a:graphicData uri="http://schemas.openxmlformats.org/presentationml/2006/ole">
                 <mc:AlternateContent xmlns:mc="http://schemas.openxmlformats.org/markup-compatibility/2006">
                   <mc:Choice xmlns:v="urn:schemas-microsoft-com:vml" Requires="v">
-                    <p:oleObj spid="_x0000_s1026" name="Worksheet" r:id="rId3" imgW="2200656" imgH="2076907" progId="Excel.Sheet.8">
+                    <p:oleObj spid="_x0000_s1046" name="Worksheet" r:id="rId3" imgW="2200656" imgH="2076907" progId="Excel.Sheet.8">
                       <p:embed/>
                     </p:oleObj>
                   </mc:Choice>
@@ -14684,2630 +14870,6 @@
                         </p:nvPicPr>
                         <p:blipFill>
                           <a:blip r:embed="rId4">
-                            <a:extLst>
-                              <a:ext uri="{28A0092B-C50C-407E-A947-70E740481C1C}">
-                                <a14:useLocalDpi xmlns:a14="http://schemas.microsoft.com/office/drawing/2010/main" val="0"/>
-                              </a:ext>
-                            </a:extLst>
-                          </a:blip>
-                          <a:srcRect/>
-                          <a:stretch>
-                            <a:fillRect/>
-                          </a:stretch>
-                        </p:blipFill>
-                        <p:spPr bwMode="auto">
-                          <a:xfrm>
-                            <a:off x="861" y="707"/>
-                            <a:ext cx="1584" cy="1488"/>
-                          </a:xfrm>
-                          <a:prstGeom prst="rect">
-                            <a:avLst/>
-                          </a:prstGeom>
-                          <a:noFill/>
-                          <a:ln>
-                            <a:noFill/>
-                          </a:ln>
-                          <a:effectLst/>
-                          <a:extLst>
-                            <a:ext uri="{909E8E84-426E-40DD-AFC4-6F175D3DCCD1}">
-                              <a14:hiddenFill xmlns:a14="http://schemas.microsoft.com/office/drawing/2010/main">
-                                <a:solidFill>
-                                  <a:schemeClr val="accent1"/>
-                                </a:solidFill>
-                              </a14:hiddenFill>
-                            </a:ext>
-                            <a:ext uri="{91240B29-F687-4F45-9708-019B960494DF}">
-                              <a14:hiddenLine xmlns:a14="http://schemas.microsoft.com/office/drawing/2010/main" w="9525">
-                                <a:solidFill>
-                                  <a:schemeClr val="tx1"/>
-                                </a:solidFill>
-                                <a:miter lim="800000"/>
-                                <a:headEnd/>
-                                <a:tailEnd/>
-                              </a14:hiddenLine>
-                            </a:ext>
-                            <a:ext uri="{AF507438-7753-43E0-B8FC-AC1667EBCBE1}">
-                              <a14:hiddenEffects xmlns:a14="http://schemas.microsoft.com/office/drawing/2010/main">
-                                <a:effectLst>
-                                  <a:outerShdw dist="35921" dir="2700000" algn="ctr" rotWithShape="0">
-                                    <a:schemeClr val="bg2"/>
-                                  </a:outerShdw>
-                                </a:effectLst>
-                              </a14:hiddenEffects>
-                            </a:ext>
-                          </a:extLst>
-                        </p:spPr>
-                      </p:pic>
-                    </p:oleObj>
-                  </mc:Fallback>
-                </mc:AlternateContent>
-              </a:graphicData>
-            </a:graphic>
-          </p:graphicFrame>
-          <p:sp>
-            <p:nvSpPr>
-              <p:cNvPr id="20" name="Text Box 17"/>
-              <p:cNvSpPr txBox="1">
-                <a:spLocks noChangeArrowheads="1"/>
-              </p:cNvSpPr>
-              <p:nvPr/>
-            </p:nvSpPr>
-            <p:spPr bwMode="auto">
-              <a:xfrm>
-                <a:off x="1257" y="990"/>
-                <a:ext cx="225" cy="231"/>
-              </a:xfrm>
-              <a:prstGeom prst="rect">
-                <a:avLst/>
-              </a:prstGeom>
-              <a:noFill/>
-              <a:ln>
-                <a:noFill/>
-              </a:ln>
-              <a:effectLst/>
-              <a:extLst>
-                <a:ext uri="{909E8E84-426E-40DD-AFC4-6F175D3DCCD1}">
-                  <a14:hiddenFill xmlns:a14="http://schemas.microsoft.com/office/drawing/2010/main">
-                    <a:solidFill>
-                      <a:schemeClr val="accent1"/>
-                    </a:solidFill>
-                  </a14:hiddenFill>
-                </a:ext>
-                <a:ext uri="{91240B29-F687-4F45-9708-019B960494DF}">
-                  <a14:hiddenLine xmlns:a14="http://schemas.microsoft.com/office/drawing/2010/main" w="9525">
-                    <a:solidFill>
-                      <a:schemeClr val="tx1"/>
-                    </a:solidFill>
-                    <a:miter lim="800000"/>
-                    <a:headEnd/>
-                    <a:tailEnd/>
-                  </a14:hiddenLine>
-                </a:ext>
-                <a:ext uri="{AF507438-7753-43E0-B8FC-AC1667EBCBE1}">
-                  <a14:hiddenEffects xmlns:a14="http://schemas.microsoft.com/office/drawing/2010/main">
-                    <a:effectLst>
-                      <a:outerShdw dist="35921" dir="2700000" algn="ctr" rotWithShape="0">
-                        <a:schemeClr val="bg2"/>
-                      </a:outerShdw>
-                    </a:effectLst>
-                  </a14:hiddenEffects>
-                </a:ext>
-              </a:extLst>
-            </p:spPr>
-            <p:txBody>
-              <a:bodyPr>
-                <a:spAutoFit/>
-              </a:bodyPr>
-              <a:lstStyle>
-                <a:lvl1pPr>
-                  <a:defRPr>
-                    <a:solidFill>
-                      <a:schemeClr val="tx1"/>
-                    </a:solidFill>
-                    <a:latin typeface="Tahoma" panose="020B0604030504040204" pitchFamily="34" charset="0"/>
-                  </a:defRPr>
-                </a:lvl1pPr>
-                <a:lvl2pPr marL="742950" indent="-285750">
-                  <a:defRPr>
-                    <a:solidFill>
-                      <a:schemeClr val="tx1"/>
-                    </a:solidFill>
-                    <a:latin typeface="Tahoma" panose="020B0604030504040204" pitchFamily="34" charset="0"/>
-                  </a:defRPr>
-                </a:lvl2pPr>
-                <a:lvl3pPr marL="1143000" indent="-228600">
-                  <a:defRPr>
-                    <a:solidFill>
-                      <a:schemeClr val="tx1"/>
-                    </a:solidFill>
-                    <a:latin typeface="Tahoma" panose="020B0604030504040204" pitchFamily="34" charset="0"/>
-                  </a:defRPr>
-                </a:lvl3pPr>
-                <a:lvl4pPr marL="1600200" indent="-228600">
-                  <a:defRPr>
-                    <a:solidFill>
-                      <a:schemeClr val="tx1"/>
-                    </a:solidFill>
-                    <a:latin typeface="Tahoma" panose="020B0604030504040204" pitchFamily="34" charset="0"/>
-                  </a:defRPr>
-                </a:lvl4pPr>
-                <a:lvl5pPr marL="2057400" indent="-228600">
-                  <a:defRPr>
-                    <a:solidFill>
-                      <a:schemeClr val="tx1"/>
-                    </a:solidFill>
-                    <a:latin typeface="Tahoma" panose="020B0604030504040204" pitchFamily="34" charset="0"/>
-                  </a:defRPr>
-                </a:lvl5pPr>
-                <a:lvl6pPr marL="2514600" indent="-228600" eaLnBrk="0" fontAlgn="base" hangingPunct="0">
-                  <a:spcBef>
-                    <a:spcPct val="0"/>
-                  </a:spcBef>
-                  <a:spcAft>
-                    <a:spcPct val="0"/>
-                  </a:spcAft>
-                  <a:defRPr>
-                    <a:solidFill>
-                      <a:schemeClr val="tx1"/>
-                    </a:solidFill>
-                    <a:latin typeface="Tahoma" panose="020B0604030504040204" pitchFamily="34" charset="0"/>
-                  </a:defRPr>
-                </a:lvl6pPr>
-                <a:lvl7pPr marL="2971800" indent="-228600" eaLnBrk="0" fontAlgn="base" hangingPunct="0">
-                  <a:spcBef>
-                    <a:spcPct val="0"/>
-                  </a:spcBef>
-                  <a:spcAft>
-                    <a:spcPct val="0"/>
-                  </a:spcAft>
-                  <a:defRPr>
-                    <a:solidFill>
-                      <a:schemeClr val="tx1"/>
-                    </a:solidFill>
-                    <a:latin typeface="Tahoma" panose="020B0604030504040204" pitchFamily="34" charset="0"/>
-                  </a:defRPr>
-                </a:lvl7pPr>
-                <a:lvl8pPr marL="3429000" indent="-228600" eaLnBrk="0" fontAlgn="base" hangingPunct="0">
-                  <a:spcBef>
-                    <a:spcPct val="0"/>
-                  </a:spcBef>
-                  <a:spcAft>
-                    <a:spcPct val="0"/>
-                  </a:spcAft>
-                  <a:defRPr>
-                    <a:solidFill>
-                      <a:schemeClr val="tx1"/>
-                    </a:solidFill>
-                    <a:latin typeface="Tahoma" panose="020B0604030504040204" pitchFamily="34" charset="0"/>
-                  </a:defRPr>
-                </a:lvl8pPr>
-                <a:lvl9pPr marL="3886200" indent="-228600" eaLnBrk="0" fontAlgn="base" hangingPunct="0">
-                  <a:spcBef>
-                    <a:spcPct val="0"/>
-                  </a:spcBef>
-                  <a:spcAft>
-                    <a:spcPct val="0"/>
-                  </a:spcAft>
-                  <a:defRPr>
-                    <a:solidFill>
-                      <a:schemeClr val="tx1"/>
-                    </a:solidFill>
-                    <a:latin typeface="Tahoma" panose="020B0604030504040204" pitchFamily="34" charset="0"/>
-                  </a:defRPr>
-                </a:lvl9pPr>
-              </a:lstStyle>
-              <a:p>
-                <a:pPr>
-                  <a:spcBef>
-                    <a:spcPct val="50000"/>
-                  </a:spcBef>
-                </a:pPr>
-                <a:r>
-                  <a:rPr lang="en-US" b="1" i="1">
-                    <a:latin typeface="Times New Roman" panose="02020603050405020304" pitchFamily="18" charset="0"/>
-                  </a:rPr>
-                  <a:t>t</a:t>
-                </a:r>
-                <a:endParaRPr lang="en-US">
-                  <a:latin typeface="Times New Roman" panose="02020603050405020304" pitchFamily="18" charset="0"/>
-                </a:endParaRPr>
-              </a:p>
-            </p:txBody>
-          </p:sp>
-          <p:sp>
-            <p:nvSpPr>
-              <p:cNvPr id="21" name="Text Box 18"/>
-              <p:cNvSpPr txBox="1">
-                <a:spLocks noChangeArrowheads="1"/>
-              </p:cNvSpPr>
-              <p:nvPr/>
-            </p:nvSpPr>
-            <p:spPr bwMode="auto">
-              <a:xfrm>
-                <a:off x="1653" y="1451"/>
-                <a:ext cx="281" cy="231"/>
-              </a:xfrm>
-              <a:prstGeom prst="rect">
-                <a:avLst/>
-              </a:prstGeom>
-              <a:noFill/>
-              <a:ln>
-                <a:noFill/>
-              </a:ln>
-              <a:effectLst/>
-              <a:extLst>
-                <a:ext uri="{909E8E84-426E-40DD-AFC4-6F175D3DCCD1}">
-                  <a14:hiddenFill xmlns:a14="http://schemas.microsoft.com/office/drawing/2010/main">
-                    <a:solidFill>
-                      <a:schemeClr val="accent1"/>
-                    </a:solidFill>
-                  </a14:hiddenFill>
-                </a:ext>
-                <a:ext uri="{91240B29-F687-4F45-9708-019B960494DF}">
-                  <a14:hiddenLine xmlns:a14="http://schemas.microsoft.com/office/drawing/2010/main" w="9525">
-                    <a:solidFill>
-                      <a:schemeClr val="tx1"/>
-                    </a:solidFill>
-                    <a:miter lim="800000"/>
-                    <a:headEnd/>
-                    <a:tailEnd/>
-                  </a14:hiddenLine>
-                </a:ext>
-                <a:ext uri="{AF507438-7753-43E0-B8FC-AC1667EBCBE1}">
-                  <a14:hiddenEffects xmlns:a14="http://schemas.microsoft.com/office/drawing/2010/main">
-                    <a:effectLst>
-                      <a:outerShdw dist="35921" dir="2700000" algn="ctr" rotWithShape="0">
-                        <a:schemeClr val="bg2"/>
-                      </a:outerShdw>
-                    </a:effectLst>
-                  </a14:hiddenEffects>
-                </a:ext>
-              </a:extLst>
-            </p:spPr>
-            <p:txBody>
-              <a:bodyPr>
-                <a:spAutoFit/>
-              </a:bodyPr>
-              <a:lstStyle>
-                <a:lvl1pPr>
-                  <a:defRPr>
-                    <a:solidFill>
-                      <a:schemeClr val="tx1"/>
-                    </a:solidFill>
-                    <a:latin typeface="Tahoma" panose="020B0604030504040204" pitchFamily="34" charset="0"/>
-                  </a:defRPr>
-                </a:lvl1pPr>
-                <a:lvl2pPr marL="742950" indent="-285750">
-                  <a:defRPr>
-                    <a:solidFill>
-                      <a:schemeClr val="tx1"/>
-                    </a:solidFill>
-                    <a:latin typeface="Tahoma" panose="020B0604030504040204" pitchFamily="34" charset="0"/>
-                  </a:defRPr>
-                </a:lvl2pPr>
-                <a:lvl3pPr marL="1143000" indent="-228600">
-                  <a:defRPr>
-                    <a:solidFill>
-                      <a:schemeClr val="tx1"/>
-                    </a:solidFill>
-                    <a:latin typeface="Tahoma" panose="020B0604030504040204" pitchFamily="34" charset="0"/>
-                  </a:defRPr>
-                </a:lvl3pPr>
-                <a:lvl4pPr marL="1600200" indent="-228600">
-                  <a:defRPr>
-                    <a:solidFill>
-                      <a:schemeClr val="tx1"/>
-                    </a:solidFill>
-                    <a:latin typeface="Tahoma" panose="020B0604030504040204" pitchFamily="34" charset="0"/>
-                  </a:defRPr>
-                </a:lvl4pPr>
-                <a:lvl5pPr marL="2057400" indent="-228600">
-                  <a:defRPr>
-                    <a:solidFill>
-                      <a:schemeClr val="tx1"/>
-                    </a:solidFill>
-                    <a:latin typeface="Tahoma" panose="020B0604030504040204" pitchFamily="34" charset="0"/>
-                  </a:defRPr>
-                </a:lvl5pPr>
-                <a:lvl6pPr marL="2514600" indent="-228600" eaLnBrk="0" fontAlgn="base" hangingPunct="0">
-                  <a:spcBef>
-                    <a:spcPct val="0"/>
-                  </a:spcBef>
-                  <a:spcAft>
-                    <a:spcPct val="0"/>
-                  </a:spcAft>
-                  <a:defRPr>
-                    <a:solidFill>
-                      <a:schemeClr val="tx1"/>
-                    </a:solidFill>
-                    <a:latin typeface="Tahoma" panose="020B0604030504040204" pitchFamily="34" charset="0"/>
-                  </a:defRPr>
-                </a:lvl6pPr>
-                <a:lvl7pPr marL="2971800" indent="-228600" eaLnBrk="0" fontAlgn="base" hangingPunct="0">
-                  <a:spcBef>
-                    <a:spcPct val="0"/>
-                  </a:spcBef>
-                  <a:spcAft>
-                    <a:spcPct val="0"/>
-                  </a:spcAft>
-                  <a:defRPr>
-                    <a:solidFill>
-                      <a:schemeClr val="tx1"/>
-                    </a:solidFill>
-                    <a:latin typeface="Tahoma" panose="020B0604030504040204" pitchFamily="34" charset="0"/>
-                  </a:defRPr>
-                </a:lvl7pPr>
-                <a:lvl8pPr marL="3429000" indent="-228600" eaLnBrk="0" fontAlgn="base" hangingPunct="0">
-                  <a:spcBef>
-                    <a:spcPct val="0"/>
-                  </a:spcBef>
-                  <a:spcAft>
-                    <a:spcPct val="0"/>
-                  </a:spcAft>
-                  <a:defRPr>
-                    <a:solidFill>
-                      <a:schemeClr val="tx1"/>
-                    </a:solidFill>
-                    <a:latin typeface="Tahoma" panose="020B0604030504040204" pitchFamily="34" charset="0"/>
-                  </a:defRPr>
-                </a:lvl8pPr>
-                <a:lvl9pPr marL="3886200" indent="-228600" eaLnBrk="0" fontAlgn="base" hangingPunct="0">
-                  <a:spcBef>
-                    <a:spcPct val="0"/>
-                  </a:spcBef>
-                  <a:spcAft>
-                    <a:spcPct val="0"/>
-                  </a:spcAft>
-                  <a:defRPr>
-                    <a:solidFill>
-                      <a:schemeClr val="tx1"/>
-                    </a:solidFill>
-                    <a:latin typeface="Tahoma" panose="020B0604030504040204" pitchFamily="34" charset="0"/>
-                  </a:defRPr>
-                </a:lvl9pPr>
-              </a:lstStyle>
-              <a:p>
-                <a:pPr>
-                  <a:spcBef>
-                    <a:spcPct val="50000"/>
-                  </a:spcBef>
-                </a:pPr>
-                <a:r>
-                  <a:rPr lang="en-US" b="1" i="1">
-                    <a:latin typeface="Times New Roman" panose="02020603050405020304" pitchFamily="18" charset="0"/>
-                  </a:rPr>
-                  <a:t>i</a:t>
-                </a:r>
-                <a:endParaRPr lang="en-US">
-                  <a:latin typeface="Times New Roman" panose="02020603050405020304" pitchFamily="18" charset="0"/>
-                </a:endParaRPr>
-              </a:p>
-            </p:txBody>
-          </p:sp>
-          <p:sp>
-            <p:nvSpPr>
-              <p:cNvPr id="22" name="Text Box 19"/>
-              <p:cNvSpPr txBox="1">
-                <a:spLocks noChangeArrowheads="1"/>
-              </p:cNvSpPr>
-              <p:nvPr/>
-            </p:nvSpPr>
-            <p:spPr bwMode="auto">
-              <a:xfrm>
-                <a:off x="1946" y="1451"/>
-                <a:ext cx="225" cy="231"/>
-              </a:xfrm>
-              <a:prstGeom prst="rect">
-                <a:avLst/>
-              </a:prstGeom>
-              <a:noFill/>
-              <a:ln>
-                <a:noFill/>
-              </a:ln>
-              <a:effectLst/>
-              <a:extLst>
-                <a:ext uri="{909E8E84-426E-40DD-AFC4-6F175D3DCCD1}">
-                  <a14:hiddenFill xmlns:a14="http://schemas.microsoft.com/office/drawing/2010/main">
-                    <a:solidFill>
-                      <a:schemeClr val="accent1"/>
-                    </a:solidFill>
-                  </a14:hiddenFill>
-                </a:ext>
-                <a:ext uri="{91240B29-F687-4F45-9708-019B960494DF}">
-                  <a14:hiddenLine xmlns:a14="http://schemas.microsoft.com/office/drawing/2010/main" w="9525">
-                    <a:solidFill>
-                      <a:schemeClr val="tx1"/>
-                    </a:solidFill>
-                    <a:miter lim="800000"/>
-                    <a:headEnd/>
-                    <a:tailEnd/>
-                  </a14:hiddenLine>
-                </a:ext>
-                <a:ext uri="{AF507438-7753-43E0-B8FC-AC1667EBCBE1}">
-                  <a14:hiddenEffects xmlns:a14="http://schemas.microsoft.com/office/drawing/2010/main">
-                    <a:effectLst>
-                      <a:outerShdw dist="35921" dir="2700000" algn="ctr" rotWithShape="0">
-                        <a:schemeClr val="bg2"/>
-                      </a:outerShdw>
-                    </a:effectLst>
-                  </a14:hiddenEffects>
-                </a:ext>
-              </a:extLst>
-            </p:spPr>
-            <p:txBody>
-              <a:bodyPr>
-                <a:spAutoFit/>
-              </a:bodyPr>
-              <a:lstStyle>
-                <a:lvl1pPr>
-                  <a:defRPr>
-                    <a:solidFill>
-                      <a:schemeClr val="tx1"/>
-                    </a:solidFill>
-                    <a:latin typeface="Tahoma" panose="020B0604030504040204" pitchFamily="34" charset="0"/>
-                  </a:defRPr>
-                </a:lvl1pPr>
-                <a:lvl2pPr marL="742950" indent="-285750">
-                  <a:defRPr>
-                    <a:solidFill>
-                      <a:schemeClr val="tx1"/>
-                    </a:solidFill>
-                    <a:latin typeface="Tahoma" panose="020B0604030504040204" pitchFamily="34" charset="0"/>
-                  </a:defRPr>
-                </a:lvl2pPr>
-                <a:lvl3pPr marL="1143000" indent="-228600">
-                  <a:defRPr>
-                    <a:solidFill>
-                      <a:schemeClr val="tx1"/>
-                    </a:solidFill>
-                    <a:latin typeface="Tahoma" panose="020B0604030504040204" pitchFamily="34" charset="0"/>
-                  </a:defRPr>
-                </a:lvl3pPr>
-                <a:lvl4pPr marL="1600200" indent="-228600">
-                  <a:defRPr>
-                    <a:solidFill>
-                      <a:schemeClr val="tx1"/>
-                    </a:solidFill>
-                    <a:latin typeface="Tahoma" panose="020B0604030504040204" pitchFamily="34" charset="0"/>
-                  </a:defRPr>
-                </a:lvl4pPr>
-                <a:lvl5pPr marL="2057400" indent="-228600">
-                  <a:defRPr>
-                    <a:solidFill>
-                      <a:schemeClr val="tx1"/>
-                    </a:solidFill>
-                    <a:latin typeface="Tahoma" panose="020B0604030504040204" pitchFamily="34" charset="0"/>
-                  </a:defRPr>
-                </a:lvl5pPr>
-                <a:lvl6pPr marL="2514600" indent="-228600" eaLnBrk="0" fontAlgn="base" hangingPunct="0">
-                  <a:spcBef>
-                    <a:spcPct val="0"/>
-                  </a:spcBef>
-                  <a:spcAft>
-                    <a:spcPct val="0"/>
-                  </a:spcAft>
-                  <a:defRPr>
-                    <a:solidFill>
-                      <a:schemeClr val="tx1"/>
-                    </a:solidFill>
-                    <a:latin typeface="Tahoma" panose="020B0604030504040204" pitchFamily="34" charset="0"/>
-                  </a:defRPr>
-                </a:lvl6pPr>
-                <a:lvl7pPr marL="2971800" indent="-228600" eaLnBrk="0" fontAlgn="base" hangingPunct="0">
-                  <a:spcBef>
-                    <a:spcPct val="0"/>
-                  </a:spcBef>
-                  <a:spcAft>
-                    <a:spcPct val="0"/>
-                  </a:spcAft>
-                  <a:defRPr>
-                    <a:solidFill>
-                      <a:schemeClr val="tx1"/>
-                    </a:solidFill>
-                    <a:latin typeface="Tahoma" panose="020B0604030504040204" pitchFamily="34" charset="0"/>
-                  </a:defRPr>
-                </a:lvl7pPr>
-                <a:lvl8pPr marL="3429000" indent="-228600" eaLnBrk="0" fontAlgn="base" hangingPunct="0">
-                  <a:spcBef>
-                    <a:spcPct val="0"/>
-                  </a:spcBef>
-                  <a:spcAft>
-                    <a:spcPct val="0"/>
-                  </a:spcAft>
-                  <a:defRPr>
-                    <a:solidFill>
-                      <a:schemeClr val="tx1"/>
-                    </a:solidFill>
-                    <a:latin typeface="Tahoma" panose="020B0604030504040204" pitchFamily="34" charset="0"/>
-                  </a:defRPr>
-                </a:lvl8pPr>
-                <a:lvl9pPr marL="3886200" indent="-228600" eaLnBrk="0" fontAlgn="base" hangingPunct="0">
-                  <a:spcBef>
-                    <a:spcPct val="0"/>
-                  </a:spcBef>
-                  <a:spcAft>
-                    <a:spcPct val="0"/>
-                  </a:spcAft>
-                  <a:defRPr>
-                    <a:solidFill>
-                      <a:schemeClr val="tx1"/>
-                    </a:solidFill>
-                    <a:latin typeface="Tahoma" panose="020B0604030504040204" pitchFamily="34" charset="0"/>
-                  </a:defRPr>
-                </a:lvl9pPr>
-              </a:lstStyle>
-              <a:p>
-                <a:pPr>
-                  <a:spcBef>
-                    <a:spcPct val="50000"/>
-                  </a:spcBef>
-                </a:pPr>
-                <a:r>
-                  <a:rPr lang="en-US" b="1" i="1">
-                    <a:latin typeface="Times New Roman" panose="02020603050405020304" pitchFamily="18" charset="0"/>
-                  </a:rPr>
-                  <a:t>h</a:t>
-                </a:r>
-                <a:endParaRPr lang="en-US">
-                  <a:latin typeface="Times New Roman" panose="02020603050405020304" pitchFamily="18" charset="0"/>
-                </a:endParaRPr>
-              </a:p>
-            </p:txBody>
-          </p:sp>
-          <p:sp>
-            <p:nvSpPr>
-              <p:cNvPr id="23" name="Text Box 20"/>
-              <p:cNvSpPr txBox="1">
-                <a:spLocks noChangeArrowheads="1"/>
-              </p:cNvSpPr>
-              <p:nvPr/>
-            </p:nvSpPr>
-            <p:spPr bwMode="auto">
-              <a:xfrm>
-                <a:off x="1946" y="1220"/>
-                <a:ext cx="225" cy="231"/>
-              </a:xfrm>
-              <a:prstGeom prst="rect">
-                <a:avLst/>
-              </a:prstGeom>
-              <a:noFill/>
-              <a:ln>
-                <a:noFill/>
-              </a:ln>
-              <a:effectLst/>
-              <a:extLst>
-                <a:ext uri="{909E8E84-426E-40DD-AFC4-6F175D3DCCD1}">
-                  <a14:hiddenFill xmlns:a14="http://schemas.microsoft.com/office/drawing/2010/main">
-                    <a:solidFill>
-                      <a:schemeClr val="accent1"/>
-                    </a:solidFill>
-                  </a14:hiddenFill>
-                </a:ext>
-                <a:ext uri="{91240B29-F687-4F45-9708-019B960494DF}">
-                  <a14:hiddenLine xmlns:a14="http://schemas.microsoft.com/office/drawing/2010/main" w="9525">
-                    <a:solidFill>
-                      <a:schemeClr val="tx1"/>
-                    </a:solidFill>
-                    <a:miter lim="800000"/>
-                    <a:headEnd/>
-                    <a:tailEnd/>
-                  </a14:hiddenLine>
-                </a:ext>
-                <a:ext uri="{AF507438-7753-43E0-B8FC-AC1667EBCBE1}">
-                  <a14:hiddenEffects xmlns:a14="http://schemas.microsoft.com/office/drawing/2010/main">
-                    <a:effectLst>
-                      <a:outerShdw dist="35921" dir="2700000" algn="ctr" rotWithShape="0">
-                        <a:schemeClr val="bg2"/>
-                      </a:outerShdw>
-                    </a:effectLst>
-                  </a14:hiddenEffects>
-                </a:ext>
-              </a:extLst>
-            </p:spPr>
-            <p:txBody>
-              <a:bodyPr>
-                <a:spAutoFit/>
-              </a:bodyPr>
-              <a:lstStyle>
-                <a:lvl1pPr>
-                  <a:defRPr>
-                    <a:solidFill>
-                      <a:schemeClr val="tx1"/>
-                    </a:solidFill>
-                    <a:latin typeface="Tahoma" panose="020B0604030504040204" pitchFamily="34" charset="0"/>
-                  </a:defRPr>
-                </a:lvl1pPr>
-                <a:lvl2pPr marL="742950" indent="-285750">
-                  <a:defRPr>
-                    <a:solidFill>
-                      <a:schemeClr val="tx1"/>
-                    </a:solidFill>
-                    <a:latin typeface="Tahoma" panose="020B0604030504040204" pitchFamily="34" charset="0"/>
-                  </a:defRPr>
-                </a:lvl2pPr>
-                <a:lvl3pPr marL="1143000" indent="-228600">
-                  <a:defRPr>
-                    <a:solidFill>
-                      <a:schemeClr val="tx1"/>
-                    </a:solidFill>
-                    <a:latin typeface="Tahoma" panose="020B0604030504040204" pitchFamily="34" charset="0"/>
-                  </a:defRPr>
-                </a:lvl3pPr>
-                <a:lvl4pPr marL="1600200" indent="-228600">
-                  <a:defRPr>
-                    <a:solidFill>
-                      <a:schemeClr val="tx1"/>
-                    </a:solidFill>
-                    <a:latin typeface="Tahoma" panose="020B0604030504040204" pitchFamily="34" charset="0"/>
-                  </a:defRPr>
-                </a:lvl4pPr>
-                <a:lvl5pPr marL="2057400" indent="-228600">
-                  <a:defRPr>
-                    <a:solidFill>
-                      <a:schemeClr val="tx1"/>
-                    </a:solidFill>
-                    <a:latin typeface="Tahoma" panose="020B0604030504040204" pitchFamily="34" charset="0"/>
-                  </a:defRPr>
-                </a:lvl5pPr>
-                <a:lvl6pPr marL="2514600" indent="-228600" eaLnBrk="0" fontAlgn="base" hangingPunct="0">
-                  <a:spcBef>
-                    <a:spcPct val="0"/>
-                  </a:spcBef>
-                  <a:spcAft>
-                    <a:spcPct val="0"/>
-                  </a:spcAft>
-                  <a:defRPr>
-                    <a:solidFill>
-                      <a:schemeClr val="tx1"/>
-                    </a:solidFill>
-                    <a:latin typeface="Tahoma" panose="020B0604030504040204" pitchFamily="34" charset="0"/>
-                  </a:defRPr>
-                </a:lvl6pPr>
-                <a:lvl7pPr marL="2971800" indent="-228600" eaLnBrk="0" fontAlgn="base" hangingPunct="0">
-                  <a:spcBef>
-                    <a:spcPct val="0"/>
-                  </a:spcBef>
-                  <a:spcAft>
-                    <a:spcPct val="0"/>
-                  </a:spcAft>
-                  <a:defRPr>
-                    <a:solidFill>
-                      <a:schemeClr val="tx1"/>
-                    </a:solidFill>
-                    <a:latin typeface="Tahoma" panose="020B0604030504040204" pitchFamily="34" charset="0"/>
-                  </a:defRPr>
-                </a:lvl7pPr>
-                <a:lvl8pPr marL="3429000" indent="-228600" eaLnBrk="0" fontAlgn="base" hangingPunct="0">
-                  <a:spcBef>
-                    <a:spcPct val="0"/>
-                  </a:spcBef>
-                  <a:spcAft>
-                    <a:spcPct val="0"/>
-                  </a:spcAft>
-                  <a:defRPr>
-                    <a:solidFill>
-                      <a:schemeClr val="tx1"/>
-                    </a:solidFill>
-                    <a:latin typeface="Tahoma" panose="020B0604030504040204" pitchFamily="34" charset="0"/>
-                  </a:defRPr>
-                </a:lvl8pPr>
-                <a:lvl9pPr marL="3886200" indent="-228600" eaLnBrk="0" fontAlgn="base" hangingPunct="0">
-                  <a:spcBef>
-                    <a:spcPct val="0"/>
-                  </a:spcBef>
-                  <a:spcAft>
-                    <a:spcPct val="0"/>
-                  </a:spcAft>
-                  <a:defRPr>
-                    <a:solidFill>
-                      <a:schemeClr val="tx1"/>
-                    </a:solidFill>
-                    <a:latin typeface="Tahoma" panose="020B0604030504040204" pitchFamily="34" charset="0"/>
-                  </a:defRPr>
-                </a:lvl9pPr>
-              </a:lstStyle>
-              <a:p>
-                <a:pPr algn="just">
-                  <a:spcBef>
-                    <a:spcPct val="50000"/>
-                  </a:spcBef>
-                </a:pPr>
-                <a:r>
-                  <a:rPr lang="en-US" b="1" i="1">
-                    <a:latin typeface="Times New Roman" panose="02020603050405020304" pitchFamily="18" charset="0"/>
-                  </a:rPr>
-                  <a:t>j</a:t>
-                </a:r>
-                <a:endParaRPr lang="en-US">
-                  <a:latin typeface="Times New Roman" panose="02020603050405020304" pitchFamily="18" charset="0"/>
-                </a:endParaRPr>
-              </a:p>
-            </p:txBody>
-          </p:sp>
-          <p:sp>
-            <p:nvSpPr>
-              <p:cNvPr id="24" name="Line 21"/>
-              <p:cNvSpPr>
-                <a:spLocks noChangeShapeType="1"/>
-              </p:cNvSpPr>
-              <p:nvPr/>
-            </p:nvSpPr>
-            <p:spPr bwMode="auto">
-              <a:xfrm>
-                <a:off x="1934" y="1358"/>
-                <a:ext cx="0" cy="127"/>
-              </a:xfrm>
-              <a:prstGeom prst="line">
-                <a:avLst/>
-              </a:prstGeom>
-              <a:noFill/>
-              <a:ln w="9525">
-                <a:solidFill>
-                  <a:schemeClr val="tx1"/>
-                </a:solidFill>
-                <a:round/>
-                <a:headEnd/>
-                <a:tailEnd/>
-              </a:ln>
-              <a:effectLst/>
-              <a:extLst>
-                <a:ext uri="{909E8E84-426E-40DD-AFC4-6F175D3DCCD1}">
-                  <a14:hiddenFill xmlns:a14="http://schemas.microsoft.com/office/drawing/2010/main">
-                    <a:noFill/>
-                  </a14:hiddenFill>
-                </a:ext>
-                <a:ext uri="{AF507438-7753-43E0-B8FC-AC1667EBCBE1}">
-                  <a14:hiddenEffects xmlns:a14="http://schemas.microsoft.com/office/drawing/2010/main">
-                    <a:effectLst>
-                      <a:outerShdw dist="35921" dir="2700000" algn="ctr" rotWithShape="0">
-                        <a:schemeClr val="bg2"/>
-                      </a:outerShdw>
-                    </a:effectLst>
-                  </a14:hiddenEffects>
-                </a:ext>
-              </a:extLst>
-            </p:spPr>
-            <p:txBody>
-              <a:bodyPr wrap="none" anchor="ctr">
-                <a:spAutoFit/>
-              </a:bodyPr>
-              <a:lstStyle/>
-              <a:p>
-                <a:endParaRPr lang="en-US"/>
-              </a:p>
-            </p:txBody>
-          </p:sp>
-          <p:sp>
-            <p:nvSpPr>
-              <p:cNvPr id="25" name="Line 22"/>
-              <p:cNvSpPr>
-                <a:spLocks noChangeShapeType="1"/>
-              </p:cNvSpPr>
-              <p:nvPr/>
-            </p:nvSpPr>
-            <p:spPr bwMode="auto">
-              <a:xfrm flipH="1">
-                <a:off x="1806" y="1315"/>
-                <a:ext cx="85" cy="170"/>
-              </a:xfrm>
-              <a:prstGeom prst="line">
-                <a:avLst/>
-              </a:prstGeom>
-              <a:noFill/>
-              <a:ln w="28575">
-                <a:solidFill>
-                  <a:schemeClr val="tx1"/>
-                </a:solidFill>
-                <a:round/>
-                <a:headEnd/>
-                <a:tailEnd/>
-              </a:ln>
-              <a:effectLst/>
-              <a:extLst>
-                <a:ext uri="{909E8E84-426E-40DD-AFC4-6F175D3DCCD1}">
-                  <a14:hiddenFill xmlns:a14="http://schemas.microsoft.com/office/drawing/2010/main">
-                    <a:noFill/>
-                  </a14:hiddenFill>
-                </a:ext>
-                <a:ext uri="{AF507438-7753-43E0-B8FC-AC1667EBCBE1}">
-                  <a14:hiddenEffects xmlns:a14="http://schemas.microsoft.com/office/drawing/2010/main">
-                    <a:effectLst>
-                      <a:outerShdw dist="35921" dir="2700000" algn="ctr" rotWithShape="0">
-                        <a:schemeClr val="bg2"/>
-                      </a:outerShdw>
-                    </a:effectLst>
-                  </a14:hiddenEffects>
-                </a:ext>
-              </a:extLst>
-            </p:spPr>
-            <p:txBody>
-              <a:bodyPr anchor="ctr">
-                <a:spAutoFit/>
-              </a:bodyPr>
-              <a:lstStyle/>
-              <a:p>
-                <a:endParaRPr lang="en-US"/>
-              </a:p>
-            </p:txBody>
-          </p:sp>
-          <p:sp>
-            <p:nvSpPr>
-              <p:cNvPr id="26" name="Oval 23"/>
-              <p:cNvSpPr>
-                <a:spLocks noChangeArrowheads="1"/>
-              </p:cNvSpPr>
-              <p:nvPr/>
-            </p:nvSpPr>
-            <p:spPr bwMode="auto">
-              <a:xfrm>
-                <a:off x="1164" y="890"/>
-                <a:ext cx="513" cy="765"/>
-              </a:xfrm>
-              <a:prstGeom prst="ellipse">
-                <a:avLst/>
-              </a:prstGeom>
-              <a:noFill/>
-              <a:ln w="9525">
-                <a:solidFill>
-                  <a:schemeClr val="tx1"/>
-                </a:solidFill>
-                <a:prstDash val="lgDashDot"/>
-                <a:round/>
-                <a:headEnd/>
-                <a:tailEnd/>
-              </a:ln>
-              <a:effectLst/>
-              <a:extLst>
-                <a:ext uri="{909E8E84-426E-40DD-AFC4-6F175D3DCCD1}">
-                  <a14:hiddenFill xmlns:a14="http://schemas.microsoft.com/office/drawing/2010/main">
-                    <a:solidFill>
-                      <a:schemeClr val="accent1"/>
-                    </a:solidFill>
-                  </a14:hiddenFill>
-                </a:ext>
-                <a:ext uri="{AF507438-7753-43E0-B8FC-AC1667EBCBE1}">
-                  <a14:hiddenEffects xmlns:a14="http://schemas.microsoft.com/office/drawing/2010/main">
-                    <a:effectLst>
-                      <a:outerShdw dist="35921" dir="2700000" algn="ctr" rotWithShape="0">
-                        <a:schemeClr val="bg2"/>
-                      </a:outerShdw>
-                    </a:effectLst>
-                  </a14:hiddenEffects>
-                </a:ext>
-              </a:extLst>
-            </p:spPr>
-            <p:txBody>
-              <a:bodyPr wrap="none" anchor="ctr">
-                <a:spAutoFit/>
-              </a:bodyPr>
-              <a:lstStyle>
-                <a:lvl1pPr>
-                  <a:defRPr>
-                    <a:solidFill>
-                      <a:schemeClr val="tx1"/>
-                    </a:solidFill>
-                    <a:latin typeface="Tahoma" panose="020B0604030504040204" pitchFamily="34" charset="0"/>
-                  </a:defRPr>
-                </a:lvl1pPr>
-                <a:lvl2pPr marL="742950" indent="-285750">
-                  <a:defRPr>
-                    <a:solidFill>
-                      <a:schemeClr val="tx1"/>
-                    </a:solidFill>
-                    <a:latin typeface="Tahoma" panose="020B0604030504040204" pitchFamily="34" charset="0"/>
-                  </a:defRPr>
-                </a:lvl2pPr>
-                <a:lvl3pPr marL="1143000" indent="-228600">
-                  <a:defRPr>
-                    <a:solidFill>
-                      <a:schemeClr val="tx1"/>
-                    </a:solidFill>
-                    <a:latin typeface="Tahoma" panose="020B0604030504040204" pitchFamily="34" charset="0"/>
-                  </a:defRPr>
-                </a:lvl3pPr>
-                <a:lvl4pPr marL="1600200" indent="-228600">
-                  <a:defRPr>
-                    <a:solidFill>
-                      <a:schemeClr val="tx1"/>
-                    </a:solidFill>
-                    <a:latin typeface="Tahoma" panose="020B0604030504040204" pitchFamily="34" charset="0"/>
-                  </a:defRPr>
-                </a:lvl4pPr>
-                <a:lvl5pPr marL="2057400" indent="-228600">
-                  <a:defRPr>
-                    <a:solidFill>
-                      <a:schemeClr val="tx1"/>
-                    </a:solidFill>
-                    <a:latin typeface="Tahoma" panose="020B0604030504040204" pitchFamily="34" charset="0"/>
-                  </a:defRPr>
-                </a:lvl5pPr>
-                <a:lvl6pPr marL="2514600" indent="-228600" eaLnBrk="0" fontAlgn="base" hangingPunct="0">
-                  <a:spcBef>
-                    <a:spcPct val="0"/>
-                  </a:spcBef>
-                  <a:spcAft>
-                    <a:spcPct val="0"/>
-                  </a:spcAft>
-                  <a:defRPr>
-                    <a:solidFill>
-                      <a:schemeClr val="tx1"/>
-                    </a:solidFill>
-                    <a:latin typeface="Tahoma" panose="020B0604030504040204" pitchFamily="34" charset="0"/>
-                  </a:defRPr>
-                </a:lvl6pPr>
-                <a:lvl7pPr marL="2971800" indent="-228600" eaLnBrk="0" fontAlgn="base" hangingPunct="0">
-                  <a:spcBef>
-                    <a:spcPct val="0"/>
-                  </a:spcBef>
-                  <a:spcAft>
-                    <a:spcPct val="0"/>
-                  </a:spcAft>
-                  <a:defRPr>
-                    <a:solidFill>
-                      <a:schemeClr val="tx1"/>
-                    </a:solidFill>
-                    <a:latin typeface="Tahoma" panose="020B0604030504040204" pitchFamily="34" charset="0"/>
-                  </a:defRPr>
-                </a:lvl7pPr>
-                <a:lvl8pPr marL="3429000" indent="-228600" eaLnBrk="0" fontAlgn="base" hangingPunct="0">
-                  <a:spcBef>
-                    <a:spcPct val="0"/>
-                  </a:spcBef>
-                  <a:spcAft>
-                    <a:spcPct val="0"/>
-                  </a:spcAft>
-                  <a:defRPr>
-                    <a:solidFill>
-                      <a:schemeClr val="tx1"/>
-                    </a:solidFill>
-                    <a:latin typeface="Tahoma" panose="020B0604030504040204" pitchFamily="34" charset="0"/>
-                  </a:defRPr>
-                </a:lvl8pPr>
-                <a:lvl9pPr marL="3886200" indent="-228600" eaLnBrk="0" fontAlgn="base" hangingPunct="0">
-                  <a:spcBef>
-                    <a:spcPct val="0"/>
-                  </a:spcBef>
-                  <a:spcAft>
-                    <a:spcPct val="0"/>
-                  </a:spcAft>
-                  <a:defRPr>
-                    <a:solidFill>
-                      <a:schemeClr val="tx1"/>
-                    </a:solidFill>
-                    <a:latin typeface="Tahoma" panose="020B0604030504040204" pitchFamily="34" charset="0"/>
-                  </a:defRPr>
-                </a:lvl9pPr>
-              </a:lstStyle>
-              <a:p>
-                <a:endParaRPr lang="en-US"/>
-              </a:p>
-            </p:txBody>
-          </p:sp>
-          <p:sp>
-            <p:nvSpPr>
-              <p:cNvPr id="27" name="Oval 24"/>
-              <p:cNvSpPr>
-                <a:spLocks noChangeArrowheads="1"/>
-              </p:cNvSpPr>
-              <p:nvPr/>
-            </p:nvSpPr>
-            <p:spPr bwMode="auto">
-              <a:xfrm>
-                <a:off x="1677" y="1230"/>
-                <a:ext cx="514" cy="638"/>
-              </a:xfrm>
-              <a:prstGeom prst="ellipse">
-                <a:avLst/>
-              </a:prstGeom>
-              <a:noFill/>
-              <a:ln w="9525">
-                <a:solidFill>
-                  <a:schemeClr val="tx1"/>
-                </a:solidFill>
-                <a:prstDash val="lgDashDot"/>
-                <a:round/>
-                <a:headEnd/>
-                <a:tailEnd/>
-              </a:ln>
-              <a:effectLst/>
-              <a:extLst>
-                <a:ext uri="{909E8E84-426E-40DD-AFC4-6F175D3DCCD1}">
-                  <a14:hiddenFill xmlns:a14="http://schemas.microsoft.com/office/drawing/2010/main">
-                    <a:solidFill>
-                      <a:schemeClr val="accent1"/>
-                    </a:solidFill>
-                  </a14:hiddenFill>
-                </a:ext>
-                <a:ext uri="{AF507438-7753-43E0-B8FC-AC1667EBCBE1}">
-                  <a14:hiddenEffects xmlns:a14="http://schemas.microsoft.com/office/drawing/2010/main">
-                    <a:effectLst>
-                      <a:outerShdw dist="35921" dir="2700000" algn="ctr" rotWithShape="0">
-                        <a:schemeClr val="bg2"/>
-                      </a:outerShdw>
-                    </a:effectLst>
-                  </a14:hiddenEffects>
-                </a:ext>
-              </a:extLst>
-            </p:spPr>
-            <p:txBody>
-              <a:bodyPr anchor="ctr">
-                <a:spAutoFit/>
-              </a:bodyPr>
-              <a:lstStyle>
-                <a:lvl1pPr>
-                  <a:defRPr>
-                    <a:solidFill>
-                      <a:schemeClr val="tx1"/>
-                    </a:solidFill>
-                    <a:latin typeface="Tahoma" panose="020B0604030504040204" pitchFamily="34" charset="0"/>
-                  </a:defRPr>
-                </a:lvl1pPr>
-                <a:lvl2pPr marL="742950" indent="-285750">
-                  <a:defRPr>
-                    <a:solidFill>
-                      <a:schemeClr val="tx1"/>
-                    </a:solidFill>
-                    <a:latin typeface="Tahoma" panose="020B0604030504040204" pitchFamily="34" charset="0"/>
-                  </a:defRPr>
-                </a:lvl2pPr>
-                <a:lvl3pPr marL="1143000" indent="-228600">
-                  <a:defRPr>
-                    <a:solidFill>
-                      <a:schemeClr val="tx1"/>
-                    </a:solidFill>
-                    <a:latin typeface="Tahoma" panose="020B0604030504040204" pitchFamily="34" charset="0"/>
-                  </a:defRPr>
-                </a:lvl3pPr>
-                <a:lvl4pPr marL="1600200" indent="-228600">
-                  <a:defRPr>
-                    <a:solidFill>
-                      <a:schemeClr val="tx1"/>
-                    </a:solidFill>
-                    <a:latin typeface="Tahoma" panose="020B0604030504040204" pitchFamily="34" charset="0"/>
-                  </a:defRPr>
-                </a:lvl4pPr>
-                <a:lvl5pPr marL="2057400" indent="-228600">
-                  <a:defRPr>
-                    <a:solidFill>
-                      <a:schemeClr val="tx1"/>
-                    </a:solidFill>
-                    <a:latin typeface="Tahoma" panose="020B0604030504040204" pitchFamily="34" charset="0"/>
-                  </a:defRPr>
-                </a:lvl5pPr>
-                <a:lvl6pPr marL="2514600" indent="-228600" eaLnBrk="0" fontAlgn="base" hangingPunct="0">
-                  <a:spcBef>
-                    <a:spcPct val="0"/>
-                  </a:spcBef>
-                  <a:spcAft>
-                    <a:spcPct val="0"/>
-                  </a:spcAft>
-                  <a:defRPr>
-                    <a:solidFill>
-                      <a:schemeClr val="tx1"/>
-                    </a:solidFill>
-                    <a:latin typeface="Tahoma" panose="020B0604030504040204" pitchFamily="34" charset="0"/>
-                  </a:defRPr>
-                </a:lvl6pPr>
-                <a:lvl7pPr marL="2971800" indent="-228600" eaLnBrk="0" fontAlgn="base" hangingPunct="0">
-                  <a:spcBef>
-                    <a:spcPct val="0"/>
-                  </a:spcBef>
-                  <a:spcAft>
-                    <a:spcPct val="0"/>
-                  </a:spcAft>
-                  <a:defRPr>
-                    <a:solidFill>
-                      <a:schemeClr val="tx1"/>
-                    </a:solidFill>
-                    <a:latin typeface="Tahoma" panose="020B0604030504040204" pitchFamily="34" charset="0"/>
-                  </a:defRPr>
-                </a:lvl7pPr>
-                <a:lvl8pPr marL="3429000" indent="-228600" eaLnBrk="0" fontAlgn="base" hangingPunct="0">
-                  <a:spcBef>
-                    <a:spcPct val="0"/>
-                  </a:spcBef>
-                  <a:spcAft>
-                    <a:spcPct val="0"/>
-                  </a:spcAft>
-                  <a:defRPr>
-                    <a:solidFill>
-                      <a:schemeClr val="tx1"/>
-                    </a:solidFill>
-                    <a:latin typeface="Tahoma" panose="020B0604030504040204" pitchFamily="34" charset="0"/>
-                  </a:defRPr>
-                </a:lvl8pPr>
-                <a:lvl9pPr marL="3886200" indent="-228600" eaLnBrk="0" fontAlgn="base" hangingPunct="0">
-                  <a:spcBef>
-                    <a:spcPct val="0"/>
-                  </a:spcBef>
-                  <a:spcAft>
-                    <a:spcPct val="0"/>
-                  </a:spcAft>
-                  <a:defRPr>
-                    <a:solidFill>
-                      <a:schemeClr val="tx1"/>
-                    </a:solidFill>
-                    <a:latin typeface="Tahoma" panose="020B0604030504040204" pitchFamily="34" charset="0"/>
-                  </a:defRPr>
-                </a:lvl9pPr>
-              </a:lstStyle>
-              <a:p>
-                <a:endParaRPr lang="en-US"/>
-              </a:p>
-            </p:txBody>
-          </p:sp>
-        </p:grpSp>
-        <p:graphicFrame>
-          <p:nvGraphicFramePr>
-            <p:cNvPr id="18" name="Object 25"/>
-            <p:cNvGraphicFramePr>
-              <a:graphicFrameLocks noChangeAspect="1"/>
-            </p:cNvGraphicFramePr>
-            <p:nvPr>
-              <p:extLst>
-                <p:ext uri="{D42A27DB-BD31-4B8C-83A1-F6EECF244321}">
-                  <p14:modId xmlns:p14="http://schemas.microsoft.com/office/powerpoint/2010/main" val="2530008318"/>
-                </p:ext>
-              </p:extLst>
-            </p:nvPr>
-          </p:nvGraphicFramePr>
-          <p:xfrm>
-            <a:off x="969" y="2208"/>
-            <a:ext cx="1426" cy="421"/>
-          </p:xfrm>
-          <a:graphic>
-            <a:graphicData uri="http://schemas.openxmlformats.org/presentationml/2006/ole">
-              <mc:AlternateContent xmlns:mc="http://schemas.openxmlformats.org/markup-compatibility/2006">
-                <mc:Choice xmlns:v="urn:schemas-microsoft-com:vml" Requires="v">
-                  <p:oleObj spid="_x0000_s1027" name="Document" r:id="rId5" imgW="2327195" imgH="699428" progId="Word.Document.8">
-                    <p:embed/>
-                  </p:oleObj>
-                </mc:Choice>
-                <mc:Fallback>
-                  <p:oleObj name="Document" r:id="rId5" imgW="2327195" imgH="699428" progId="Word.Document.8">
-                    <p:embed/>
-                    <p:pic>
-                      <p:nvPicPr>
-                        <p:cNvPr id="0" name=""/>
-                        <p:cNvPicPr>
-                          <a:picLocks noChangeAspect="1" noChangeArrowheads="1"/>
-                        </p:cNvPicPr>
-                        <p:nvPr/>
-                      </p:nvPicPr>
-                      <p:blipFill>
-                        <a:blip r:embed="rId6"/>
-                        <a:srcRect/>
-                        <a:stretch>
-                          <a:fillRect/>
-                        </a:stretch>
-                      </p:blipFill>
-                      <p:spPr bwMode="auto">
-                        <a:xfrm>
-                          <a:off x="969" y="2208"/>
-                          <a:ext cx="1426" cy="421"/>
-                        </a:xfrm>
-                        <a:prstGeom prst="rect">
-                          <a:avLst/>
-                        </a:prstGeom>
-                        <a:noFill/>
-                        <a:ln>
-                          <a:noFill/>
-                        </a:ln>
-                        <a:effectLst/>
-                        <a:extLst>
-                          <a:ext uri="{909E8E84-426E-40DD-AFC4-6F175D3DCCD1}">
-                            <a14:hiddenFill xmlns:a14="http://schemas.microsoft.com/office/drawing/2010/main">
-                              <a:solidFill>
-                                <a:schemeClr val="accent1"/>
-                              </a:solidFill>
-                            </a14:hiddenFill>
-                          </a:ext>
-                          <a:ext uri="{91240B29-F687-4F45-9708-019B960494DF}">
-                            <a14:hiddenLine xmlns:a14="http://schemas.microsoft.com/office/drawing/2010/main" w="9525">
-                              <a:solidFill>
-                                <a:schemeClr val="tx1"/>
-                              </a:solidFill>
-                              <a:miter lim="800000"/>
-                              <a:headEnd/>
-                              <a:tailEnd/>
-                            </a14:hiddenLine>
-                          </a:ext>
-                          <a:ext uri="{AF507438-7753-43E0-B8FC-AC1667EBCBE1}">
-                            <a14:hiddenEffects xmlns:a14="http://schemas.microsoft.com/office/drawing/2010/main">
-                              <a:effectLst>
-                                <a:outerShdw dist="35921" dir="2700000" algn="ctr" rotWithShape="0">
-                                  <a:schemeClr val="bg2"/>
-                                </a:outerShdw>
-                              </a:effectLst>
-                            </a14:hiddenEffects>
-                          </a:ext>
-                        </a:extLst>
-                      </p:spPr>
-                    </p:pic>
-                  </p:oleObj>
-                </mc:Fallback>
-              </mc:AlternateContent>
-            </a:graphicData>
-          </a:graphic>
-        </p:graphicFrame>
-      </p:grpSp>
-      <p:grpSp>
-        <p:nvGrpSpPr>
-          <p:cNvPr id="28" name="Group 26"/>
-          <p:cNvGrpSpPr>
-            <a:grpSpLocks/>
-          </p:cNvGrpSpPr>
-          <p:nvPr/>
-        </p:nvGrpSpPr>
-        <p:grpSpPr bwMode="auto">
-          <a:xfrm>
-            <a:off x="6563678" y="758826"/>
-            <a:ext cx="2590800" cy="2655887"/>
-            <a:chOff x="816" y="2496"/>
-            <a:chExt cx="1632" cy="1673"/>
-          </a:xfrm>
-        </p:grpSpPr>
-        <p:grpSp>
-          <p:nvGrpSpPr>
-            <p:cNvPr id="29" name="Group 27"/>
-            <p:cNvGrpSpPr>
-              <a:grpSpLocks/>
-            </p:cNvGrpSpPr>
-            <p:nvPr/>
-          </p:nvGrpSpPr>
-          <p:grpSpPr bwMode="auto">
-            <a:xfrm>
-              <a:off x="864" y="2496"/>
-              <a:ext cx="1584" cy="1488"/>
-              <a:chOff x="864" y="2496"/>
-              <a:chExt cx="1584" cy="1488"/>
-            </a:xfrm>
-          </p:grpSpPr>
-          <p:graphicFrame>
-            <p:nvGraphicFramePr>
-              <p:cNvPr id="31" name="Object 28"/>
-              <p:cNvGraphicFramePr>
-                <a:graphicFrameLocks noChangeAspect="1"/>
-              </p:cNvGraphicFramePr>
-              <p:nvPr/>
-            </p:nvGraphicFramePr>
-            <p:xfrm>
-              <a:off x="864" y="2496"/>
-              <a:ext cx="1584" cy="1488"/>
-            </p:xfrm>
-            <a:graphic>
-              <a:graphicData uri="http://schemas.openxmlformats.org/presentationml/2006/ole">
-                <mc:AlternateContent xmlns:mc="http://schemas.openxmlformats.org/markup-compatibility/2006">
-                  <mc:Choice xmlns:v="urn:schemas-microsoft-com:vml" Requires="v">
-                    <p:oleObj spid="_x0000_s1028" name="Worksheet" r:id="rId7" imgW="2200656" imgH="2076907" progId="Excel.Sheet.8">
-                      <p:embed/>
-                    </p:oleObj>
-                  </mc:Choice>
-                  <mc:Fallback>
-                    <p:oleObj name="Worksheet" r:id="rId7" imgW="2200656" imgH="2076907" progId="Excel.Sheet.8">
-                      <p:embed/>
-                      <p:pic>
-                        <p:nvPicPr>
-                          <p:cNvPr id="0" name=""/>
-                          <p:cNvPicPr>
-                            <a:picLocks noChangeAspect="1" noChangeArrowheads="1"/>
-                          </p:cNvPicPr>
-                          <p:nvPr/>
-                        </p:nvPicPr>
-                        <p:blipFill>
-                          <a:blip r:embed="rId8">
-                            <a:extLst>
-                              <a:ext uri="{28A0092B-C50C-407E-A947-70E740481C1C}">
-                                <a14:useLocalDpi xmlns:a14="http://schemas.microsoft.com/office/drawing/2010/main" val="0"/>
-                              </a:ext>
-                            </a:extLst>
-                          </a:blip>
-                          <a:srcRect/>
-                          <a:stretch>
-                            <a:fillRect/>
-                          </a:stretch>
-                        </p:blipFill>
-                        <p:spPr bwMode="auto">
-                          <a:xfrm>
-                            <a:off x="864" y="2496"/>
-                            <a:ext cx="1584" cy="1488"/>
-                          </a:xfrm>
-                          <a:prstGeom prst="rect">
-                            <a:avLst/>
-                          </a:prstGeom>
-                          <a:noFill/>
-                          <a:ln>
-                            <a:noFill/>
-                          </a:ln>
-                          <a:effectLst/>
-                          <a:extLst>
-                            <a:ext uri="{909E8E84-426E-40DD-AFC4-6F175D3DCCD1}">
-                              <a14:hiddenFill xmlns:a14="http://schemas.microsoft.com/office/drawing/2010/main">
-                                <a:solidFill>
-                                  <a:schemeClr val="accent1"/>
-                                </a:solidFill>
-                              </a14:hiddenFill>
-                            </a:ext>
-                            <a:ext uri="{91240B29-F687-4F45-9708-019B960494DF}">
-                              <a14:hiddenLine xmlns:a14="http://schemas.microsoft.com/office/drawing/2010/main" w="9525">
-                                <a:solidFill>
-                                  <a:schemeClr val="tx1"/>
-                                </a:solidFill>
-                                <a:miter lim="800000"/>
-                                <a:headEnd/>
-                                <a:tailEnd/>
-                              </a14:hiddenLine>
-                            </a:ext>
-                            <a:ext uri="{AF507438-7753-43E0-B8FC-AC1667EBCBE1}">
-                              <a14:hiddenEffects xmlns:a14="http://schemas.microsoft.com/office/drawing/2010/main">
-                                <a:effectLst>
-                                  <a:outerShdw dist="35921" dir="2700000" algn="ctr" rotWithShape="0">
-                                    <a:schemeClr val="bg2"/>
-                                  </a:outerShdw>
-                                </a:effectLst>
-                              </a14:hiddenEffects>
-                            </a:ext>
-                          </a:extLst>
-                        </p:spPr>
-                      </p:pic>
-                    </p:oleObj>
-                  </mc:Fallback>
-                </mc:AlternateContent>
-              </a:graphicData>
-            </a:graphic>
-          </p:graphicFrame>
-          <p:sp>
-            <p:nvSpPr>
-              <p:cNvPr id="32" name="Text Box 29"/>
-              <p:cNvSpPr txBox="1">
-                <a:spLocks noChangeArrowheads="1"/>
-              </p:cNvSpPr>
-              <p:nvPr/>
-            </p:nvSpPr>
-            <p:spPr bwMode="auto">
-              <a:xfrm>
-                <a:off x="1249" y="2751"/>
-                <a:ext cx="172" cy="231"/>
-              </a:xfrm>
-              <a:prstGeom prst="rect">
-                <a:avLst/>
-              </a:prstGeom>
-              <a:noFill/>
-              <a:ln>
-                <a:noFill/>
-              </a:ln>
-              <a:effectLst/>
-              <a:extLst>
-                <a:ext uri="{909E8E84-426E-40DD-AFC4-6F175D3DCCD1}">
-                  <a14:hiddenFill xmlns:a14="http://schemas.microsoft.com/office/drawing/2010/main">
-                    <a:solidFill>
-                      <a:schemeClr val="accent1"/>
-                    </a:solidFill>
-                  </a14:hiddenFill>
-                </a:ext>
-                <a:ext uri="{91240B29-F687-4F45-9708-019B960494DF}">
-                  <a14:hiddenLine xmlns:a14="http://schemas.microsoft.com/office/drawing/2010/main" w="9525">
-                    <a:solidFill>
-                      <a:schemeClr val="tx1"/>
-                    </a:solidFill>
-                    <a:miter lim="800000"/>
-                    <a:headEnd/>
-                    <a:tailEnd/>
-                  </a14:hiddenLine>
-                </a:ext>
-                <a:ext uri="{AF507438-7753-43E0-B8FC-AC1667EBCBE1}">
-                  <a14:hiddenEffects xmlns:a14="http://schemas.microsoft.com/office/drawing/2010/main">
-                    <a:effectLst>
-                      <a:outerShdw dist="35921" dir="2700000" algn="ctr" rotWithShape="0">
-                        <a:schemeClr val="bg2"/>
-                      </a:outerShdw>
-                    </a:effectLst>
-                  </a14:hiddenEffects>
-                </a:ext>
-              </a:extLst>
-            </p:spPr>
-            <p:txBody>
-              <a:bodyPr>
-                <a:spAutoFit/>
-              </a:bodyPr>
-              <a:lstStyle>
-                <a:lvl1pPr>
-                  <a:defRPr>
-                    <a:solidFill>
-                      <a:schemeClr val="tx1"/>
-                    </a:solidFill>
-                    <a:latin typeface="Tahoma" panose="020B0604030504040204" pitchFamily="34" charset="0"/>
-                  </a:defRPr>
-                </a:lvl1pPr>
-                <a:lvl2pPr marL="742950" indent="-285750">
-                  <a:defRPr>
-                    <a:solidFill>
-                      <a:schemeClr val="tx1"/>
-                    </a:solidFill>
-                    <a:latin typeface="Tahoma" panose="020B0604030504040204" pitchFamily="34" charset="0"/>
-                  </a:defRPr>
-                </a:lvl2pPr>
-                <a:lvl3pPr marL="1143000" indent="-228600">
-                  <a:defRPr>
-                    <a:solidFill>
-                      <a:schemeClr val="tx1"/>
-                    </a:solidFill>
-                    <a:latin typeface="Tahoma" panose="020B0604030504040204" pitchFamily="34" charset="0"/>
-                  </a:defRPr>
-                </a:lvl3pPr>
-                <a:lvl4pPr marL="1600200" indent="-228600">
-                  <a:defRPr>
-                    <a:solidFill>
-                      <a:schemeClr val="tx1"/>
-                    </a:solidFill>
-                    <a:latin typeface="Tahoma" panose="020B0604030504040204" pitchFamily="34" charset="0"/>
-                  </a:defRPr>
-                </a:lvl4pPr>
-                <a:lvl5pPr marL="2057400" indent="-228600">
-                  <a:defRPr>
-                    <a:solidFill>
-                      <a:schemeClr val="tx1"/>
-                    </a:solidFill>
-                    <a:latin typeface="Tahoma" panose="020B0604030504040204" pitchFamily="34" charset="0"/>
-                  </a:defRPr>
-                </a:lvl5pPr>
-                <a:lvl6pPr marL="2514600" indent="-228600" eaLnBrk="0" fontAlgn="base" hangingPunct="0">
-                  <a:spcBef>
-                    <a:spcPct val="0"/>
-                  </a:spcBef>
-                  <a:spcAft>
-                    <a:spcPct val="0"/>
-                  </a:spcAft>
-                  <a:defRPr>
-                    <a:solidFill>
-                      <a:schemeClr val="tx1"/>
-                    </a:solidFill>
-                    <a:latin typeface="Tahoma" panose="020B0604030504040204" pitchFamily="34" charset="0"/>
-                  </a:defRPr>
-                </a:lvl6pPr>
-                <a:lvl7pPr marL="2971800" indent="-228600" eaLnBrk="0" fontAlgn="base" hangingPunct="0">
-                  <a:spcBef>
-                    <a:spcPct val="0"/>
-                  </a:spcBef>
-                  <a:spcAft>
-                    <a:spcPct val="0"/>
-                  </a:spcAft>
-                  <a:defRPr>
-                    <a:solidFill>
-                      <a:schemeClr val="tx1"/>
-                    </a:solidFill>
-                    <a:latin typeface="Tahoma" panose="020B0604030504040204" pitchFamily="34" charset="0"/>
-                  </a:defRPr>
-                </a:lvl7pPr>
-                <a:lvl8pPr marL="3429000" indent="-228600" eaLnBrk="0" fontAlgn="base" hangingPunct="0">
-                  <a:spcBef>
-                    <a:spcPct val="0"/>
-                  </a:spcBef>
-                  <a:spcAft>
-                    <a:spcPct val="0"/>
-                  </a:spcAft>
-                  <a:defRPr>
-                    <a:solidFill>
-                      <a:schemeClr val="tx1"/>
-                    </a:solidFill>
-                    <a:latin typeface="Tahoma" panose="020B0604030504040204" pitchFamily="34" charset="0"/>
-                  </a:defRPr>
-                </a:lvl8pPr>
-                <a:lvl9pPr marL="3886200" indent="-228600" eaLnBrk="0" fontAlgn="base" hangingPunct="0">
-                  <a:spcBef>
-                    <a:spcPct val="0"/>
-                  </a:spcBef>
-                  <a:spcAft>
-                    <a:spcPct val="0"/>
-                  </a:spcAft>
-                  <a:defRPr>
-                    <a:solidFill>
-                      <a:schemeClr val="tx1"/>
-                    </a:solidFill>
-                    <a:latin typeface="Tahoma" panose="020B0604030504040204" pitchFamily="34" charset="0"/>
-                  </a:defRPr>
-                </a:lvl9pPr>
-              </a:lstStyle>
-              <a:p>
-                <a:pPr>
-                  <a:spcBef>
-                    <a:spcPct val="50000"/>
-                  </a:spcBef>
-                </a:pPr>
-                <a:r>
-                  <a:rPr lang="en-US" b="1" i="1">
-                    <a:latin typeface="Times New Roman" panose="02020603050405020304" pitchFamily="18" charset="0"/>
-                  </a:rPr>
-                  <a:t>h</a:t>
-                </a:r>
-                <a:endParaRPr lang="en-US">
-                  <a:latin typeface="Times New Roman" panose="02020603050405020304" pitchFamily="18" charset="0"/>
-                </a:endParaRPr>
-              </a:p>
-            </p:txBody>
-          </p:sp>
-          <p:sp>
-            <p:nvSpPr>
-              <p:cNvPr id="33" name="Text Box 30"/>
-              <p:cNvSpPr txBox="1">
-                <a:spLocks noChangeArrowheads="1"/>
-              </p:cNvSpPr>
-              <p:nvPr/>
-            </p:nvSpPr>
-            <p:spPr bwMode="auto">
-              <a:xfrm>
-                <a:off x="1548" y="3142"/>
-                <a:ext cx="172" cy="231"/>
-              </a:xfrm>
-              <a:prstGeom prst="rect">
-                <a:avLst/>
-              </a:prstGeom>
-              <a:noFill/>
-              <a:ln>
-                <a:noFill/>
-              </a:ln>
-              <a:effectLst/>
-              <a:extLst>
-                <a:ext uri="{909E8E84-426E-40DD-AFC4-6F175D3DCCD1}">
-                  <a14:hiddenFill xmlns:a14="http://schemas.microsoft.com/office/drawing/2010/main">
-                    <a:solidFill>
-                      <a:schemeClr val="accent1"/>
-                    </a:solidFill>
-                  </a14:hiddenFill>
-                </a:ext>
-                <a:ext uri="{91240B29-F687-4F45-9708-019B960494DF}">
-                  <a14:hiddenLine xmlns:a14="http://schemas.microsoft.com/office/drawing/2010/main" w="9525">
-                    <a:solidFill>
-                      <a:schemeClr val="tx1"/>
-                    </a:solidFill>
-                    <a:miter lim="800000"/>
-                    <a:headEnd/>
-                    <a:tailEnd/>
-                  </a14:hiddenLine>
-                </a:ext>
-                <a:ext uri="{AF507438-7753-43E0-B8FC-AC1667EBCBE1}">
-                  <a14:hiddenEffects xmlns:a14="http://schemas.microsoft.com/office/drawing/2010/main">
-                    <a:effectLst>
-                      <a:outerShdw dist="35921" dir="2700000" algn="ctr" rotWithShape="0">
-                        <a:schemeClr val="bg2"/>
-                      </a:outerShdw>
-                    </a:effectLst>
-                  </a14:hiddenEffects>
-                </a:ext>
-              </a:extLst>
-            </p:spPr>
-            <p:txBody>
-              <a:bodyPr>
-                <a:spAutoFit/>
-              </a:bodyPr>
-              <a:lstStyle>
-                <a:lvl1pPr>
-                  <a:defRPr>
-                    <a:solidFill>
-                      <a:schemeClr val="tx1"/>
-                    </a:solidFill>
-                    <a:latin typeface="Tahoma" panose="020B0604030504040204" pitchFamily="34" charset="0"/>
-                  </a:defRPr>
-                </a:lvl1pPr>
-                <a:lvl2pPr marL="742950" indent="-285750">
-                  <a:defRPr>
-                    <a:solidFill>
-                      <a:schemeClr val="tx1"/>
-                    </a:solidFill>
-                    <a:latin typeface="Tahoma" panose="020B0604030504040204" pitchFamily="34" charset="0"/>
-                  </a:defRPr>
-                </a:lvl2pPr>
-                <a:lvl3pPr marL="1143000" indent="-228600">
-                  <a:defRPr>
-                    <a:solidFill>
-                      <a:schemeClr val="tx1"/>
-                    </a:solidFill>
-                    <a:latin typeface="Tahoma" panose="020B0604030504040204" pitchFamily="34" charset="0"/>
-                  </a:defRPr>
-                </a:lvl3pPr>
-                <a:lvl4pPr marL="1600200" indent="-228600">
-                  <a:defRPr>
-                    <a:solidFill>
-                      <a:schemeClr val="tx1"/>
-                    </a:solidFill>
-                    <a:latin typeface="Tahoma" panose="020B0604030504040204" pitchFamily="34" charset="0"/>
-                  </a:defRPr>
-                </a:lvl4pPr>
-                <a:lvl5pPr marL="2057400" indent="-228600">
-                  <a:defRPr>
-                    <a:solidFill>
-                      <a:schemeClr val="tx1"/>
-                    </a:solidFill>
-                    <a:latin typeface="Tahoma" panose="020B0604030504040204" pitchFamily="34" charset="0"/>
-                  </a:defRPr>
-                </a:lvl5pPr>
-                <a:lvl6pPr marL="2514600" indent="-228600" eaLnBrk="0" fontAlgn="base" hangingPunct="0">
-                  <a:spcBef>
-                    <a:spcPct val="0"/>
-                  </a:spcBef>
-                  <a:spcAft>
-                    <a:spcPct val="0"/>
-                  </a:spcAft>
-                  <a:defRPr>
-                    <a:solidFill>
-                      <a:schemeClr val="tx1"/>
-                    </a:solidFill>
-                    <a:latin typeface="Tahoma" panose="020B0604030504040204" pitchFamily="34" charset="0"/>
-                  </a:defRPr>
-                </a:lvl6pPr>
-                <a:lvl7pPr marL="2971800" indent="-228600" eaLnBrk="0" fontAlgn="base" hangingPunct="0">
-                  <a:spcBef>
-                    <a:spcPct val="0"/>
-                  </a:spcBef>
-                  <a:spcAft>
-                    <a:spcPct val="0"/>
-                  </a:spcAft>
-                  <a:defRPr>
-                    <a:solidFill>
-                      <a:schemeClr val="tx1"/>
-                    </a:solidFill>
-                    <a:latin typeface="Tahoma" panose="020B0604030504040204" pitchFamily="34" charset="0"/>
-                  </a:defRPr>
-                </a:lvl7pPr>
-                <a:lvl8pPr marL="3429000" indent="-228600" eaLnBrk="0" fontAlgn="base" hangingPunct="0">
-                  <a:spcBef>
-                    <a:spcPct val="0"/>
-                  </a:spcBef>
-                  <a:spcAft>
-                    <a:spcPct val="0"/>
-                  </a:spcAft>
-                  <a:defRPr>
-                    <a:solidFill>
-                      <a:schemeClr val="tx1"/>
-                    </a:solidFill>
-                    <a:latin typeface="Tahoma" panose="020B0604030504040204" pitchFamily="34" charset="0"/>
-                  </a:defRPr>
-                </a:lvl8pPr>
-                <a:lvl9pPr marL="3886200" indent="-228600" eaLnBrk="0" fontAlgn="base" hangingPunct="0">
-                  <a:spcBef>
-                    <a:spcPct val="0"/>
-                  </a:spcBef>
-                  <a:spcAft>
-                    <a:spcPct val="0"/>
-                  </a:spcAft>
-                  <a:defRPr>
-                    <a:solidFill>
-                      <a:schemeClr val="tx1"/>
-                    </a:solidFill>
-                    <a:latin typeface="Tahoma" panose="020B0604030504040204" pitchFamily="34" charset="0"/>
-                  </a:defRPr>
-                </a:lvl9pPr>
-              </a:lstStyle>
-              <a:p>
-                <a:pPr>
-                  <a:spcBef>
-                    <a:spcPct val="50000"/>
-                  </a:spcBef>
-                </a:pPr>
-                <a:r>
-                  <a:rPr lang="en-US" b="1" i="1">
-                    <a:latin typeface="Times New Roman" panose="02020603050405020304" pitchFamily="18" charset="0"/>
-                  </a:rPr>
-                  <a:t>i</a:t>
-                </a:r>
-                <a:endParaRPr lang="en-US">
-                  <a:latin typeface="Times New Roman" panose="02020603050405020304" pitchFamily="18" charset="0"/>
-                </a:endParaRPr>
-              </a:p>
-            </p:txBody>
-          </p:sp>
-          <p:sp>
-            <p:nvSpPr>
-              <p:cNvPr id="34" name="Text Box 31"/>
-              <p:cNvSpPr txBox="1">
-                <a:spLocks noChangeArrowheads="1"/>
-              </p:cNvSpPr>
-              <p:nvPr/>
-            </p:nvSpPr>
-            <p:spPr bwMode="auto">
-              <a:xfrm>
-                <a:off x="1764" y="3219"/>
-                <a:ext cx="170" cy="231"/>
-              </a:xfrm>
-              <a:prstGeom prst="rect">
-                <a:avLst/>
-              </a:prstGeom>
-              <a:noFill/>
-              <a:ln>
-                <a:noFill/>
-              </a:ln>
-              <a:effectLst/>
-              <a:extLst>
-                <a:ext uri="{909E8E84-426E-40DD-AFC4-6F175D3DCCD1}">
-                  <a14:hiddenFill xmlns:a14="http://schemas.microsoft.com/office/drawing/2010/main">
-                    <a:solidFill>
-                      <a:schemeClr val="accent1"/>
-                    </a:solidFill>
-                  </a14:hiddenFill>
-                </a:ext>
-                <a:ext uri="{91240B29-F687-4F45-9708-019B960494DF}">
-                  <a14:hiddenLine xmlns:a14="http://schemas.microsoft.com/office/drawing/2010/main" w="9525">
-                    <a:solidFill>
-                      <a:schemeClr val="tx1"/>
-                    </a:solidFill>
-                    <a:miter lim="800000"/>
-                    <a:headEnd/>
-                    <a:tailEnd/>
-                  </a14:hiddenLine>
-                </a:ext>
-                <a:ext uri="{AF507438-7753-43E0-B8FC-AC1667EBCBE1}">
-                  <a14:hiddenEffects xmlns:a14="http://schemas.microsoft.com/office/drawing/2010/main">
-                    <a:effectLst>
-                      <a:outerShdw dist="35921" dir="2700000" algn="ctr" rotWithShape="0">
-                        <a:schemeClr val="bg2"/>
-                      </a:outerShdw>
-                    </a:effectLst>
-                  </a14:hiddenEffects>
-                </a:ext>
-              </a:extLst>
-            </p:spPr>
-            <p:txBody>
-              <a:bodyPr>
-                <a:spAutoFit/>
-              </a:bodyPr>
-              <a:lstStyle>
-                <a:lvl1pPr>
-                  <a:defRPr>
-                    <a:solidFill>
-                      <a:schemeClr val="tx1"/>
-                    </a:solidFill>
-                    <a:latin typeface="Tahoma" panose="020B0604030504040204" pitchFamily="34" charset="0"/>
-                  </a:defRPr>
-                </a:lvl1pPr>
-                <a:lvl2pPr marL="742950" indent="-285750">
-                  <a:defRPr>
-                    <a:solidFill>
-                      <a:schemeClr val="tx1"/>
-                    </a:solidFill>
-                    <a:latin typeface="Tahoma" panose="020B0604030504040204" pitchFamily="34" charset="0"/>
-                  </a:defRPr>
-                </a:lvl2pPr>
-                <a:lvl3pPr marL="1143000" indent="-228600">
-                  <a:defRPr>
-                    <a:solidFill>
-                      <a:schemeClr val="tx1"/>
-                    </a:solidFill>
-                    <a:latin typeface="Tahoma" panose="020B0604030504040204" pitchFamily="34" charset="0"/>
-                  </a:defRPr>
-                </a:lvl3pPr>
-                <a:lvl4pPr marL="1600200" indent="-228600">
-                  <a:defRPr>
-                    <a:solidFill>
-                      <a:schemeClr val="tx1"/>
-                    </a:solidFill>
-                    <a:latin typeface="Tahoma" panose="020B0604030504040204" pitchFamily="34" charset="0"/>
-                  </a:defRPr>
-                </a:lvl4pPr>
-                <a:lvl5pPr marL="2057400" indent="-228600">
-                  <a:defRPr>
-                    <a:solidFill>
-                      <a:schemeClr val="tx1"/>
-                    </a:solidFill>
-                    <a:latin typeface="Tahoma" panose="020B0604030504040204" pitchFamily="34" charset="0"/>
-                  </a:defRPr>
-                </a:lvl5pPr>
-                <a:lvl6pPr marL="2514600" indent="-228600" eaLnBrk="0" fontAlgn="base" hangingPunct="0">
-                  <a:spcBef>
-                    <a:spcPct val="0"/>
-                  </a:spcBef>
-                  <a:spcAft>
-                    <a:spcPct val="0"/>
-                  </a:spcAft>
-                  <a:defRPr>
-                    <a:solidFill>
-                      <a:schemeClr val="tx1"/>
-                    </a:solidFill>
-                    <a:latin typeface="Tahoma" panose="020B0604030504040204" pitchFamily="34" charset="0"/>
-                  </a:defRPr>
-                </a:lvl6pPr>
-                <a:lvl7pPr marL="2971800" indent="-228600" eaLnBrk="0" fontAlgn="base" hangingPunct="0">
-                  <a:spcBef>
-                    <a:spcPct val="0"/>
-                  </a:spcBef>
-                  <a:spcAft>
-                    <a:spcPct val="0"/>
-                  </a:spcAft>
-                  <a:defRPr>
-                    <a:solidFill>
-                      <a:schemeClr val="tx1"/>
-                    </a:solidFill>
-                    <a:latin typeface="Tahoma" panose="020B0604030504040204" pitchFamily="34" charset="0"/>
-                  </a:defRPr>
-                </a:lvl7pPr>
-                <a:lvl8pPr marL="3429000" indent="-228600" eaLnBrk="0" fontAlgn="base" hangingPunct="0">
-                  <a:spcBef>
-                    <a:spcPct val="0"/>
-                  </a:spcBef>
-                  <a:spcAft>
-                    <a:spcPct val="0"/>
-                  </a:spcAft>
-                  <a:defRPr>
-                    <a:solidFill>
-                      <a:schemeClr val="tx1"/>
-                    </a:solidFill>
-                    <a:latin typeface="Tahoma" panose="020B0604030504040204" pitchFamily="34" charset="0"/>
-                  </a:defRPr>
-                </a:lvl8pPr>
-                <a:lvl9pPr marL="3886200" indent="-228600" eaLnBrk="0" fontAlgn="base" hangingPunct="0">
-                  <a:spcBef>
-                    <a:spcPct val="0"/>
-                  </a:spcBef>
-                  <a:spcAft>
-                    <a:spcPct val="0"/>
-                  </a:spcAft>
-                  <a:defRPr>
-                    <a:solidFill>
-                      <a:schemeClr val="tx1"/>
-                    </a:solidFill>
-                    <a:latin typeface="Tahoma" panose="020B0604030504040204" pitchFamily="34" charset="0"/>
-                  </a:defRPr>
-                </a:lvl9pPr>
-              </a:lstStyle>
-              <a:p>
-                <a:pPr>
-                  <a:spcBef>
-                    <a:spcPct val="50000"/>
-                  </a:spcBef>
-                </a:pPr>
-                <a:r>
-                  <a:rPr lang="en-US" b="1" i="1">
-                    <a:latin typeface="Times New Roman" panose="02020603050405020304" pitchFamily="18" charset="0"/>
-                  </a:rPr>
-                  <a:t>t</a:t>
-                </a:r>
-                <a:endParaRPr lang="en-US">
-                  <a:latin typeface="Times New Roman" panose="02020603050405020304" pitchFamily="18" charset="0"/>
-                </a:endParaRPr>
-              </a:p>
-            </p:txBody>
-          </p:sp>
-          <p:sp>
-            <p:nvSpPr>
-              <p:cNvPr id="35" name="Text Box 32"/>
-              <p:cNvSpPr txBox="1">
-                <a:spLocks noChangeArrowheads="1"/>
-              </p:cNvSpPr>
-              <p:nvPr/>
-            </p:nvSpPr>
-            <p:spPr bwMode="auto">
-              <a:xfrm>
-                <a:off x="1677" y="2879"/>
-                <a:ext cx="172" cy="231"/>
-              </a:xfrm>
-              <a:prstGeom prst="rect">
-                <a:avLst/>
-              </a:prstGeom>
-              <a:noFill/>
-              <a:ln>
-                <a:noFill/>
-              </a:ln>
-              <a:effectLst/>
-              <a:extLst>
-                <a:ext uri="{909E8E84-426E-40DD-AFC4-6F175D3DCCD1}">
-                  <a14:hiddenFill xmlns:a14="http://schemas.microsoft.com/office/drawing/2010/main">
-                    <a:solidFill>
-                      <a:schemeClr val="accent1"/>
-                    </a:solidFill>
-                  </a14:hiddenFill>
-                </a:ext>
-                <a:ext uri="{91240B29-F687-4F45-9708-019B960494DF}">
-                  <a14:hiddenLine xmlns:a14="http://schemas.microsoft.com/office/drawing/2010/main" w="9525">
-                    <a:solidFill>
-                      <a:schemeClr val="tx1"/>
-                    </a:solidFill>
-                    <a:miter lim="800000"/>
-                    <a:headEnd/>
-                    <a:tailEnd/>
-                  </a14:hiddenLine>
-                </a:ext>
-                <a:ext uri="{AF507438-7753-43E0-B8FC-AC1667EBCBE1}">
-                  <a14:hiddenEffects xmlns:a14="http://schemas.microsoft.com/office/drawing/2010/main">
-                    <a:effectLst>
-                      <a:outerShdw dist="35921" dir="2700000" algn="ctr" rotWithShape="0">
-                        <a:schemeClr val="bg2"/>
-                      </a:outerShdw>
-                    </a:effectLst>
-                  </a14:hiddenEffects>
-                </a:ext>
-              </a:extLst>
-            </p:spPr>
-            <p:txBody>
-              <a:bodyPr>
-                <a:spAutoFit/>
-              </a:bodyPr>
-              <a:lstStyle>
-                <a:lvl1pPr>
-                  <a:defRPr>
-                    <a:solidFill>
-                      <a:schemeClr val="tx1"/>
-                    </a:solidFill>
-                    <a:latin typeface="Tahoma" panose="020B0604030504040204" pitchFamily="34" charset="0"/>
-                  </a:defRPr>
-                </a:lvl1pPr>
-                <a:lvl2pPr marL="742950" indent="-285750">
-                  <a:defRPr>
-                    <a:solidFill>
-                      <a:schemeClr val="tx1"/>
-                    </a:solidFill>
-                    <a:latin typeface="Tahoma" panose="020B0604030504040204" pitchFamily="34" charset="0"/>
-                  </a:defRPr>
-                </a:lvl2pPr>
-                <a:lvl3pPr marL="1143000" indent="-228600">
-                  <a:defRPr>
-                    <a:solidFill>
-                      <a:schemeClr val="tx1"/>
-                    </a:solidFill>
-                    <a:latin typeface="Tahoma" panose="020B0604030504040204" pitchFamily="34" charset="0"/>
-                  </a:defRPr>
-                </a:lvl3pPr>
-                <a:lvl4pPr marL="1600200" indent="-228600">
-                  <a:defRPr>
-                    <a:solidFill>
-                      <a:schemeClr val="tx1"/>
-                    </a:solidFill>
-                    <a:latin typeface="Tahoma" panose="020B0604030504040204" pitchFamily="34" charset="0"/>
-                  </a:defRPr>
-                </a:lvl4pPr>
-                <a:lvl5pPr marL="2057400" indent="-228600">
-                  <a:defRPr>
-                    <a:solidFill>
-                      <a:schemeClr val="tx1"/>
-                    </a:solidFill>
-                    <a:latin typeface="Tahoma" panose="020B0604030504040204" pitchFamily="34" charset="0"/>
-                  </a:defRPr>
-                </a:lvl5pPr>
-                <a:lvl6pPr marL="2514600" indent="-228600" eaLnBrk="0" fontAlgn="base" hangingPunct="0">
-                  <a:spcBef>
-                    <a:spcPct val="0"/>
-                  </a:spcBef>
-                  <a:spcAft>
-                    <a:spcPct val="0"/>
-                  </a:spcAft>
-                  <a:defRPr>
-                    <a:solidFill>
-                      <a:schemeClr val="tx1"/>
-                    </a:solidFill>
-                    <a:latin typeface="Tahoma" panose="020B0604030504040204" pitchFamily="34" charset="0"/>
-                  </a:defRPr>
-                </a:lvl6pPr>
-                <a:lvl7pPr marL="2971800" indent="-228600" eaLnBrk="0" fontAlgn="base" hangingPunct="0">
-                  <a:spcBef>
-                    <a:spcPct val="0"/>
-                  </a:spcBef>
-                  <a:spcAft>
-                    <a:spcPct val="0"/>
-                  </a:spcAft>
-                  <a:defRPr>
-                    <a:solidFill>
-                      <a:schemeClr val="tx1"/>
-                    </a:solidFill>
-                    <a:latin typeface="Tahoma" panose="020B0604030504040204" pitchFamily="34" charset="0"/>
-                  </a:defRPr>
-                </a:lvl7pPr>
-                <a:lvl8pPr marL="3429000" indent="-228600" eaLnBrk="0" fontAlgn="base" hangingPunct="0">
-                  <a:spcBef>
-                    <a:spcPct val="0"/>
-                  </a:spcBef>
-                  <a:spcAft>
-                    <a:spcPct val="0"/>
-                  </a:spcAft>
-                  <a:defRPr>
-                    <a:solidFill>
-                      <a:schemeClr val="tx1"/>
-                    </a:solidFill>
-                    <a:latin typeface="Tahoma" panose="020B0604030504040204" pitchFamily="34" charset="0"/>
-                  </a:defRPr>
-                </a:lvl8pPr>
-                <a:lvl9pPr marL="3886200" indent="-228600" eaLnBrk="0" fontAlgn="base" hangingPunct="0">
-                  <a:spcBef>
-                    <a:spcPct val="0"/>
-                  </a:spcBef>
-                  <a:spcAft>
-                    <a:spcPct val="0"/>
-                  </a:spcAft>
-                  <a:defRPr>
-                    <a:solidFill>
-                      <a:schemeClr val="tx1"/>
-                    </a:solidFill>
-                    <a:latin typeface="Tahoma" panose="020B0604030504040204" pitchFamily="34" charset="0"/>
-                  </a:defRPr>
-                </a:lvl9pPr>
-              </a:lstStyle>
-              <a:p>
-                <a:pPr algn="just">
-                  <a:spcBef>
-                    <a:spcPct val="50000"/>
-                  </a:spcBef>
-                </a:pPr>
-                <a:r>
-                  <a:rPr lang="en-US" b="1" i="1">
-                    <a:latin typeface="Times New Roman" panose="02020603050405020304" pitchFamily="18" charset="0"/>
-                  </a:rPr>
-                  <a:t>j</a:t>
-                </a:r>
-                <a:endParaRPr lang="en-US">
-                  <a:latin typeface="Times New Roman" panose="02020603050405020304" pitchFamily="18" charset="0"/>
-                </a:endParaRPr>
-              </a:p>
-            </p:txBody>
-          </p:sp>
-          <p:sp>
-            <p:nvSpPr>
-              <p:cNvPr id="36" name="Line 33"/>
-              <p:cNvSpPr>
-                <a:spLocks noChangeShapeType="1"/>
-              </p:cNvSpPr>
-              <p:nvPr/>
-            </p:nvSpPr>
-            <p:spPr bwMode="auto">
-              <a:xfrm>
-                <a:off x="1463" y="2879"/>
-                <a:ext cx="172" cy="212"/>
-              </a:xfrm>
-              <a:prstGeom prst="line">
-                <a:avLst/>
-              </a:prstGeom>
-              <a:noFill/>
-              <a:ln w="19050">
-                <a:solidFill>
-                  <a:schemeClr val="tx1"/>
-                </a:solidFill>
-                <a:round/>
-                <a:headEnd/>
-                <a:tailEnd/>
-              </a:ln>
-              <a:effectLst/>
-              <a:extLst>
-                <a:ext uri="{909E8E84-426E-40DD-AFC4-6F175D3DCCD1}">
-                  <a14:hiddenFill xmlns:a14="http://schemas.microsoft.com/office/drawing/2010/main">
-                    <a:noFill/>
-                  </a14:hiddenFill>
-                </a:ext>
-                <a:ext uri="{AF507438-7753-43E0-B8FC-AC1667EBCBE1}">
-                  <a14:hiddenEffects xmlns:a14="http://schemas.microsoft.com/office/drawing/2010/main">
-                    <a:effectLst>
-                      <a:outerShdw dist="35921" dir="2700000" algn="ctr" rotWithShape="0">
-                        <a:schemeClr val="bg2"/>
-                      </a:outerShdw>
-                    </a:effectLst>
-                  </a14:hiddenEffects>
-                </a:ext>
-              </a:extLst>
-            </p:spPr>
-            <p:txBody>
-              <a:bodyPr wrap="none" anchor="ctr">
-                <a:spAutoFit/>
-              </a:bodyPr>
-              <a:lstStyle/>
-              <a:p>
-                <a:endParaRPr lang="en-US"/>
-              </a:p>
-            </p:txBody>
-          </p:sp>
-          <p:sp>
-            <p:nvSpPr>
-              <p:cNvPr id="37" name="Line 34"/>
-              <p:cNvSpPr>
-                <a:spLocks noChangeShapeType="1"/>
-              </p:cNvSpPr>
-              <p:nvPr/>
-            </p:nvSpPr>
-            <p:spPr bwMode="auto">
-              <a:xfrm flipH="1">
-                <a:off x="1592" y="3134"/>
-                <a:ext cx="85" cy="85"/>
-              </a:xfrm>
-              <a:prstGeom prst="line">
-                <a:avLst/>
-              </a:prstGeom>
-              <a:noFill/>
-              <a:ln w="19050">
-                <a:solidFill>
-                  <a:schemeClr val="tx1"/>
-                </a:solidFill>
-                <a:round/>
-                <a:headEnd/>
-                <a:tailEnd/>
-              </a:ln>
-              <a:effectLst/>
-              <a:extLst>
-                <a:ext uri="{909E8E84-426E-40DD-AFC4-6F175D3DCCD1}">
-                  <a14:hiddenFill xmlns:a14="http://schemas.microsoft.com/office/drawing/2010/main">
-                    <a:noFill/>
-                  </a14:hiddenFill>
-                </a:ext>
-                <a:ext uri="{AF507438-7753-43E0-B8FC-AC1667EBCBE1}">
-                  <a14:hiddenEffects xmlns:a14="http://schemas.microsoft.com/office/drawing/2010/main">
-                    <a:effectLst>
-                      <a:outerShdw dist="35921" dir="2700000" algn="ctr" rotWithShape="0">
-                        <a:schemeClr val="bg2"/>
-                      </a:outerShdw>
-                    </a:effectLst>
-                  </a14:hiddenEffects>
-                </a:ext>
-              </a:extLst>
-            </p:spPr>
-            <p:txBody>
-              <a:bodyPr anchor="ctr">
-                <a:spAutoFit/>
-              </a:bodyPr>
-              <a:lstStyle/>
-              <a:p>
-                <a:endParaRPr lang="en-US"/>
-              </a:p>
-            </p:txBody>
-          </p:sp>
-          <p:sp>
-            <p:nvSpPr>
-              <p:cNvPr id="38" name="Oval 35"/>
-              <p:cNvSpPr>
-                <a:spLocks noChangeArrowheads="1"/>
-              </p:cNvSpPr>
-              <p:nvPr/>
-            </p:nvSpPr>
-            <p:spPr bwMode="auto">
-              <a:xfrm>
-                <a:off x="1206" y="2709"/>
-                <a:ext cx="600" cy="722"/>
-              </a:xfrm>
-              <a:prstGeom prst="ellipse">
-                <a:avLst/>
-              </a:prstGeom>
-              <a:noFill/>
-              <a:ln w="9525">
-                <a:solidFill>
-                  <a:schemeClr val="tx1"/>
-                </a:solidFill>
-                <a:prstDash val="lgDashDot"/>
-                <a:round/>
-                <a:headEnd/>
-                <a:tailEnd/>
-              </a:ln>
-              <a:effectLst/>
-              <a:extLst>
-                <a:ext uri="{909E8E84-426E-40DD-AFC4-6F175D3DCCD1}">
-                  <a14:hiddenFill xmlns:a14="http://schemas.microsoft.com/office/drawing/2010/main">
-                    <a:solidFill>
-                      <a:schemeClr val="accent1"/>
-                    </a:solidFill>
-                  </a14:hiddenFill>
-                </a:ext>
-                <a:ext uri="{AF507438-7753-43E0-B8FC-AC1667EBCBE1}">
-                  <a14:hiddenEffects xmlns:a14="http://schemas.microsoft.com/office/drawing/2010/main">
-                    <a:effectLst>
-                      <a:outerShdw dist="35921" dir="2700000" algn="ctr" rotWithShape="0">
-                        <a:schemeClr val="bg2"/>
-                      </a:outerShdw>
-                    </a:effectLst>
-                  </a14:hiddenEffects>
-                </a:ext>
-              </a:extLst>
-            </p:spPr>
-            <p:txBody>
-              <a:bodyPr anchor="ctr">
-                <a:spAutoFit/>
-              </a:bodyPr>
-              <a:lstStyle>
-                <a:lvl1pPr>
-                  <a:defRPr>
-                    <a:solidFill>
-                      <a:schemeClr val="tx1"/>
-                    </a:solidFill>
-                    <a:latin typeface="Tahoma" panose="020B0604030504040204" pitchFamily="34" charset="0"/>
-                  </a:defRPr>
-                </a:lvl1pPr>
-                <a:lvl2pPr marL="742950" indent="-285750">
-                  <a:defRPr>
-                    <a:solidFill>
-                      <a:schemeClr val="tx1"/>
-                    </a:solidFill>
-                    <a:latin typeface="Tahoma" panose="020B0604030504040204" pitchFamily="34" charset="0"/>
-                  </a:defRPr>
-                </a:lvl2pPr>
-                <a:lvl3pPr marL="1143000" indent="-228600">
-                  <a:defRPr>
-                    <a:solidFill>
-                      <a:schemeClr val="tx1"/>
-                    </a:solidFill>
-                    <a:latin typeface="Tahoma" panose="020B0604030504040204" pitchFamily="34" charset="0"/>
-                  </a:defRPr>
-                </a:lvl3pPr>
-                <a:lvl4pPr marL="1600200" indent="-228600">
-                  <a:defRPr>
-                    <a:solidFill>
-                      <a:schemeClr val="tx1"/>
-                    </a:solidFill>
-                    <a:latin typeface="Tahoma" panose="020B0604030504040204" pitchFamily="34" charset="0"/>
-                  </a:defRPr>
-                </a:lvl4pPr>
-                <a:lvl5pPr marL="2057400" indent="-228600">
-                  <a:defRPr>
-                    <a:solidFill>
-                      <a:schemeClr val="tx1"/>
-                    </a:solidFill>
-                    <a:latin typeface="Tahoma" panose="020B0604030504040204" pitchFamily="34" charset="0"/>
-                  </a:defRPr>
-                </a:lvl5pPr>
-                <a:lvl6pPr marL="2514600" indent="-228600" eaLnBrk="0" fontAlgn="base" hangingPunct="0">
-                  <a:spcBef>
-                    <a:spcPct val="0"/>
-                  </a:spcBef>
-                  <a:spcAft>
-                    <a:spcPct val="0"/>
-                  </a:spcAft>
-                  <a:defRPr>
-                    <a:solidFill>
-                      <a:schemeClr val="tx1"/>
-                    </a:solidFill>
-                    <a:latin typeface="Tahoma" panose="020B0604030504040204" pitchFamily="34" charset="0"/>
-                  </a:defRPr>
-                </a:lvl6pPr>
-                <a:lvl7pPr marL="2971800" indent="-228600" eaLnBrk="0" fontAlgn="base" hangingPunct="0">
-                  <a:spcBef>
-                    <a:spcPct val="0"/>
-                  </a:spcBef>
-                  <a:spcAft>
-                    <a:spcPct val="0"/>
-                  </a:spcAft>
-                  <a:defRPr>
-                    <a:solidFill>
-                      <a:schemeClr val="tx1"/>
-                    </a:solidFill>
-                    <a:latin typeface="Tahoma" panose="020B0604030504040204" pitchFamily="34" charset="0"/>
-                  </a:defRPr>
-                </a:lvl7pPr>
-                <a:lvl8pPr marL="3429000" indent="-228600" eaLnBrk="0" fontAlgn="base" hangingPunct="0">
-                  <a:spcBef>
-                    <a:spcPct val="0"/>
-                  </a:spcBef>
-                  <a:spcAft>
-                    <a:spcPct val="0"/>
-                  </a:spcAft>
-                  <a:defRPr>
-                    <a:solidFill>
-                      <a:schemeClr val="tx1"/>
-                    </a:solidFill>
-                    <a:latin typeface="Tahoma" panose="020B0604030504040204" pitchFamily="34" charset="0"/>
-                  </a:defRPr>
-                </a:lvl8pPr>
-                <a:lvl9pPr marL="3886200" indent="-228600" eaLnBrk="0" fontAlgn="base" hangingPunct="0">
-                  <a:spcBef>
-                    <a:spcPct val="0"/>
-                  </a:spcBef>
-                  <a:spcAft>
-                    <a:spcPct val="0"/>
-                  </a:spcAft>
-                  <a:defRPr>
-                    <a:solidFill>
-                      <a:schemeClr val="tx1"/>
-                    </a:solidFill>
-                    <a:latin typeface="Tahoma" panose="020B0604030504040204" pitchFamily="34" charset="0"/>
-                  </a:defRPr>
-                </a:lvl9pPr>
-              </a:lstStyle>
-              <a:p>
-                <a:endParaRPr lang="en-US"/>
-              </a:p>
-            </p:txBody>
-          </p:sp>
-          <p:sp>
-            <p:nvSpPr>
-              <p:cNvPr id="39" name="Oval 36"/>
-              <p:cNvSpPr>
-                <a:spLocks noChangeArrowheads="1"/>
-              </p:cNvSpPr>
-              <p:nvPr/>
-            </p:nvSpPr>
-            <p:spPr bwMode="auto">
-              <a:xfrm>
-                <a:off x="1763" y="3091"/>
-                <a:ext cx="428" cy="553"/>
-              </a:xfrm>
-              <a:prstGeom prst="ellipse">
-                <a:avLst/>
-              </a:prstGeom>
-              <a:noFill/>
-              <a:ln w="9525">
-                <a:solidFill>
-                  <a:schemeClr val="tx1"/>
-                </a:solidFill>
-                <a:prstDash val="lgDashDot"/>
-                <a:round/>
-                <a:headEnd/>
-                <a:tailEnd/>
-              </a:ln>
-              <a:effectLst/>
-              <a:extLst>
-                <a:ext uri="{909E8E84-426E-40DD-AFC4-6F175D3DCCD1}">
-                  <a14:hiddenFill xmlns:a14="http://schemas.microsoft.com/office/drawing/2010/main">
-                    <a:solidFill>
-                      <a:schemeClr val="accent1"/>
-                    </a:solidFill>
-                  </a14:hiddenFill>
-                </a:ext>
-                <a:ext uri="{AF507438-7753-43E0-B8FC-AC1667EBCBE1}">
-                  <a14:hiddenEffects xmlns:a14="http://schemas.microsoft.com/office/drawing/2010/main">
-                    <a:effectLst>
-                      <a:outerShdw dist="35921" dir="2700000" algn="ctr" rotWithShape="0">
-                        <a:schemeClr val="bg2"/>
-                      </a:outerShdw>
-                    </a:effectLst>
-                  </a14:hiddenEffects>
-                </a:ext>
-              </a:extLst>
-            </p:spPr>
-            <p:txBody>
-              <a:bodyPr anchor="ctr">
-                <a:spAutoFit/>
-              </a:bodyPr>
-              <a:lstStyle>
-                <a:lvl1pPr>
-                  <a:defRPr>
-                    <a:solidFill>
-                      <a:schemeClr val="tx1"/>
-                    </a:solidFill>
-                    <a:latin typeface="Tahoma" panose="020B0604030504040204" pitchFamily="34" charset="0"/>
-                  </a:defRPr>
-                </a:lvl1pPr>
-                <a:lvl2pPr marL="742950" indent="-285750">
-                  <a:defRPr>
-                    <a:solidFill>
-                      <a:schemeClr val="tx1"/>
-                    </a:solidFill>
-                    <a:latin typeface="Tahoma" panose="020B0604030504040204" pitchFamily="34" charset="0"/>
-                  </a:defRPr>
-                </a:lvl2pPr>
-                <a:lvl3pPr marL="1143000" indent="-228600">
-                  <a:defRPr>
-                    <a:solidFill>
-                      <a:schemeClr val="tx1"/>
-                    </a:solidFill>
-                    <a:latin typeface="Tahoma" panose="020B0604030504040204" pitchFamily="34" charset="0"/>
-                  </a:defRPr>
-                </a:lvl3pPr>
-                <a:lvl4pPr marL="1600200" indent="-228600">
-                  <a:defRPr>
-                    <a:solidFill>
-                      <a:schemeClr val="tx1"/>
-                    </a:solidFill>
-                    <a:latin typeface="Tahoma" panose="020B0604030504040204" pitchFamily="34" charset="0"/>
-                  </a:defRPr>
-                </a:lvl4pPr>
-                <a:lvl5pPr marL="2057400" indent="-228600">
-                  <a:defRPr>
-                    <a:solidFill>
-                      <a:schemeClr val="tx1"/>
-                    </a:solidFill>
-                    <a:latin typeface="Tahoma" panose="020B0604030504040204" pitchFamily="34" charset="0"/>
-                  </a:defRPr>
-                </a:lvl5pPr>
-                <a:lvl6pPr marL="2514600" indent="-228600" eaLnBrk="0" fontAlgn="base" hangingPunct="0">
-                  <a:spcBef>
-                    <a:spcPct val="0"/>
-                  </a:spcBef>
-                  <a:spcAft>
-                    <a:spcPct val="0"/>
-                  </a:spcAft>
-                  <a:defRPr>
-                    <a:solidFill>
-                      <a:schemeClr val="tx1"/>
-                    </a:solidFill>
-                    <a:latin typeface="Tahoma" panose="020B0604030504040204" pitchFamily="34" charset="0"/>
-                  </a:defRPr>
-                </a:lvl6pPr>
-                <a:lvl7pPr marL="2971800" indent="-228600" eaLnBrk="0" fontAlgn="base" hangingPunct="0">
-                  <a:spcBef>
-                    <a:spcPct val="0"/>
-                  </a:spcBef>
-                  <a:spcAft>
-                    <a:spcPct val="0"/>
-                  </a:spcAft>
-                  <a:defRPr>
-                    <a:solidFill>
-                      <a:schemeClr val="tx1"/>
-                    </a:solidFill>
-                    <a:latin typeface="Tahoma" panose="020B0604030504040204" pitchFamily="34" charset="0"/>
-                  </a:defRPr>
-                </a:lvl7pPr>
-                <a:lvl8pPr marL="3429000" indent="-228600" eaLnBrk="0" fontAlgn="base" hangingPunct="0">
-                  <a:spcBef>
-                    <a:spcPct val="0"/>
-                  </a:spcBef>
-                  <a:spcAft>
-                    <a:spcPct val="0"/>
-                  </a:spcAft>
-                  <a:defRPr>
-                    <a:solidFill>
-                      <a:schemeClr val="tx1"/>
-                    </a:solidFill>
-                    <a:latin typeface="Tahoma" panose="020B0604030504040204" pitchFamily="34" charset="0"/>
-                  </a:defRPr>
-                </a:lvl8pPr>
-                <a:lvl9pPr marL="3886200" indent="-228600" eaLnBrk="0" fontAlgn="base" hangingPunct="0">
-                  <a:spcBef>
-                    <a:spcPct val="0"/>
-                  </a:spcBef>
-                  <a:spcAft>
-                    <a:spcPct val="0"/>
-                  </a:spcAft>
-                  <a:defRPr>
-                    <a:solidFill>
-                      <a:schemeClr val="tx1"/>
-                    </a:solidFill>
-                    <a:latin typeface="Tahoma" panose="020B0604030504040204" pitchFamily="34" charset="0"/>
-                  </a:defRPr>
-                </a:lvl9pPr>
-              </a:lstStyle>
-              <a:p>
-                <a:endParaRPr lang="en-US"/>
-              </a:p>
-            </p:txBody>
-          </p:sp>
-        </p:grpSp>
-        <p:graphicFrame>
-          <p:nvGraphicFramePr>
-            <p:cNvPr id="30" name="Object 37"/>
-            <p:cNvGraphicFramePr>
-              <a:graphicFrameLocks noChangeAspect="1"/>
-            </p:cNvGraphicFramePr>
-            <p:nvPr/>
-          </p:nvGraphicFramePr>
-          <p:xfrm>
-            <a:off x="816" y="3940"/>
-            <a:ext cx="1417" cy="229"/>
-          </p:xfrm>
-          <a:graphic>
-            <a:graphicData uri="http://schemas.openxmlformats.org/presentationml/2006/ole">
-              <mc:AlternateContent xmlns:mc="http://schemas.openxmlformats.org/markup-compatibility/2006">
-                <mc:Choice xmlns:v="urn:schemas-microsoft-com:vml" Requires="v">
-                  <p:oleObj spid="_x0000_s1029" name="Document" r:id="rId10" imgW="2341077" imgH="382108" progId="Word.Document.8">
-                    <p:embed/>
-                  </p:oleObj>
-                </mc:Choice>
-                <mc:Fallback>
-                  <p:oleObj name="Document" r:id="rId10" imgW="2341077" imgH="382108" progId="Word.Document.8">
-                    <p:embed/>
-                    <p:pic>
-                      <p:nvPicPr>
-                        <p:cNvPr id="0" name=""/>
-                        <p:cNvPicPr>
-                          <a:picLocks noChangeAspect="1" noChangeArrowheads="1"/>
-                        </p:cNvPicPr>
-                        <p:nvPr/>
-                      </p:nvPicPr>
-                      <p:blipFill>
-                        <a:blip r:embed="rId11">
-                          <a:extLst>
-                            <a:ext uri="{28A0092B-C50C-407E-A947-70E740481C1C}">
-                              <a14:useLocalDpi xmlns:a14="http://schemas.microsoft.com/office/drawing/2010/main" val="0"/>
-                            </a:ext>
-                          </a:extLst>
-                        </a:blip>
-                        <a:srcRect/>
-                        <a:stretch>
-                          <a:fillRect/>
-                        </a:stretch>
-                      </p:blipFill>
-                      <p:spPr bwMode="auto">
-                        <a:xfrm>
-                          <a:off x="816" y="3940"/>
-                          <a:ext cx="1417" cy="229"/>
-                        </a:xfrm>
-                        <a:prstGeom prst="rect">
-                          <a:avLst/>
-                        </a:prstGeom>
-                        <a:noFill/>
-                        <a:ln>
-                          <a:noFill/>
-                        </a:ln>
-                        <a:effectLst/>
-                        <a:extLst>
-                          <a:ext uri="{909E8E84-426E-40DD-AFC4-6F175D3DCCD1}">
-                            <a14:hiddenFill xmlns:a14="http://schemas.microsoft.com/office/drawing/2010/main">
-                              <a:solidFill>
-                                <a:schemeClr val="accent1"/>
-                              </a:solidFill>
-                            </a14:hiddenFill>
-                          </a:ext>
-                          <a:ext uri="{91240B29-F687-4F45-9708-019B960494DF}">
-                            <a14:hiddenLine xmlns:a14="http://schemas.microsoft.com/office/drawing/2010/main" w="9525">
-                              <a:solidFill>
-                                <a:schemeClr val="tx1"/>
-                              </a:solidFill>
-                              <a:miter lim="800000"/>
-                              <a:headEnd/>
-                              <a:tailEnd/>
-                            </a14:hiddenLine>
-                          </a:ext>
-                          <a:ext uri="{AF507438-7753-43E0-B8FC-AC1667EBCBE1}">
-                            <a14:hiddenEffects xmlns:a14="http://schemas.microsoft.com/office/drawing/2010/main">
-                              <a:effectLst>
-                                <a:outerShdw dist="35921" dir="2700000" algn="ctr" rotWithShape="0">
-                                  <a:schemeClr val="bg2"/>
-                                </a:outerShdw>
-                              </a:effectLst>
-                            </a14:hiddenEffects>
-                          </a:ext>
-                        </a:extLst>
-                      </p:spPr>
-                    </p:pic>
-                  </p:oleObj>
-                </mc:Fallback>
-              </mc:AlternateContent>
-            </a:graphicData>
-          </a:graphic>
-        </p:graphicFrame>
-      </p:grpSp>
-      <p:grpSp>
-        <p:nvGrpSpPr>
-          <p:cNvPr id="40" name="Group 3"/>
-          <p:cNvGrpSpPr>
-            <a:grpSpLocks/>
-          </p:cNvGrpSpPr>
-          <p:nvPr/>
-        </p:nvGrpSpPr>
-        <p:grpSpPr bwMode="auto">
-          <a:xfrm>
-            <a:off x="1328738" y="3967163"/>
-            <a:ext cx="2667000" cy="2647950"/>
-            <a:chOff x="3168" y="720"/>
-            <a:chExt cx="1680" cy="1668"/>
-          </a:xfrm>
-        </p:grpSpPr>
-        <p:grpSp>
-          <p:nvGrpSpPr>
-            <p:cNvPr id="41" name="Group 4"/>
-            <p:cNvGrpSpPr>
-              <a:grpSpLocks/>
-            </p:cNvGrpSpPr>
-            <p:nvPr/>
-          </p:nvGrpSpPr>
-          <p:grpSpPr bwMode="auto">
-            <a:xfrm>
-              <a:off x="3168" y="720"/>
-              <a:ext cx="1680" cy="1488"/>
-              <a:chOff x="3168" y="720"/>
-              <a:chExt cx="1680" cy="1488"/>
-            </a:xfrm>
-          </p:grpSpPr>
-          <p:graphicFrame>
-            <p:nvGraphicFramePr>
-              <p:cNvPr id="43" name="Object 5"/>
-              <p:cNvGraphicFramePr>
-                <a:graphicFrameLocks noChangeAspect="1"/>
-              </p:cNvGraphicFramePr>
-              <p:nvPr/>
-            </p:nvGraphicFramePr>
-            <p:xfrm>
-              <a:off x="3168" y="720"/>
-              <a:ext cx="1680" cy="1488"/>
-            </p:xfrm>
-            <a:graphic>
-              <a:graphicData uri="http://schemas.openxmlformats.org/presentationml/2006/ole">
-                <mc:AlternateContent xmlns:mc="http://schemas.openxmlformats.org/markup-compatibility/2006">
-                  <mc:Choice xmlns:v="urn:schemas-microsoft-com:vml" Requires="v">
-                    <p:oleObj spid="_x0000_s1030" name="Worksheet" r:id="rId12" imgW="2200656" imgH="2076907" progId="Excel.Sheet.8">
-                      <p:embed/>
-                    </p:oleObj>
-                  </mc:Choice>
-                  <mc:Fallback>
-                    <p:oleObj name="Worksheet" r:id="rId12" imgW="2200656" imgH="2076907" progId="Excel.Sheet.8">
-                      <p:embed/>
-                      <p:pic>
-                        <p:nvPicPr>
-                          <p:cNvPr id="0" name=""/>
-                          <p:cNvPicPr>
-                            <a:picLocks noChangeAspect="1" noChangeArrowheads="1"/>
-                          </p:cNvPicPr>
-                          <p:nvPr/>
-                        </p:nvPicPr>
-                        <p:blipFill>
-                          <a:blip r:embed="rId13">
                             <a:extLst>
                               <a:ext uri="{28A0092B-C50C-407E-A947-70E740481C1C}">
                                 <a14:useLocalDpi xmlns:a14="http://schemas.microsoft.com/office/drawing/2010/main" val="0"/>
@@ -17370,7 +14932,7 @@
           </p:graphicFrame>
           <p:sp>
             <p:nvSpPr>
-              <p:cNvPr id="44" name="Text Box 6"/>
+              <p:cNvPr id="67" name="Text Box 6"/>
               <p:cNvSpPr txBox="1">
                 <a:spLocks noChangeArrowheads="1"/>
               </p:cNvSpPr>
@@ -17540,7 +15102,7 @@
           </p:sp>
           <p:sp>
             <p:nvSpPr>
-              <p:cNvPr id="45" name="Text Box 7"/>
+              <p:cNvPr id="68" name="Text Box 7"/>
               <p:cNvSpPr txBox="1">
                 <a:spLocks noChangeArrowheads="1"/>
               </p:cNvSpPr>
@@ -17704,7 +15266,7 @@
           </p:sp>
           <p:sp>
             <p:nvSpPr>
-              <p:cNvPr id="46" name="Text Box 8"/>
+              <p:cNvPr id="69" name="Text Box 8"/>
               <p:cNvSpPr txBox="1">
                 <a:spLocks noChangeArrowheads="1"/>
               </p:cNvSpPr>
@@ -17874,7 +15436,7 @@
           </p:sp>
           <p:sp>
             <p:nvSpPr>
-              <p:cNvPr id="47" name="Text Box 9"/>
+              <p:cNvPr id="70" name="Text Box 9"/>
               <p:cNvSpPr txBox="1">
                 <a:spLocks noChangeArrowheads="1"/>
               </p:cNvSpPr>
@@ -18044,7 +15606,7 @@
           </p:sp>
           <p:sp>
             <p:nvSpPr>
-              <p:cNvPr id="48" name="Text Box 10"/>
+              <p:cNvPr id="71" name="Text Box 10"/>
               <p:cNvSpPr txBox="1">
                 <a:spLocks noChangeArrowheads="1"/>
               </p:cNvSpPr>
@@ -18214,7 +15776,7 @@
           </p:sp>
           <p:sp>
             <p:nvSpPr>
-              <p:cNvPr id="49" name="Oval 11"/>
+              <p:cNvPr id="72" name="Oval 11"/>
               <p:cNvSpPr>
                 <a:spLocks noChangeArrowheads="1"/>
               </p:cNvSpPr>
@@ -18367,7 +15929,7 @@
           </p:sp>
           <p:sp>
             <p:nvSpPr>
-              <p:cNvPr id="50" name="Oval 12"/>
+              <p:cNvPr id="73" name="Oval 12"/>
               <p:cNvSpPr>
                 <a:spLocks noChangeArrowheads="1"/>
               </p:cNvSpPr>
@@ -18521,7 +16083,7 @@
         </p:grpSp>
         <p:graphicFrame>
           <p:nvGraphicFramePr>
-            <p:cNvPr id="42" name="Object 13"/>
+            <p:cNvPr id="65" name="Object 13"/>
             <p:cNvGraphicFramePr>
               <a:graphicFrameLocks noChangeAspect="1"/>
             </p:cNvGraphicFramePr>
@@ -18535,12 +16097,12 @@
             <a:graphicData uri="http://schemas.openxmlformats.org/presentationml/2006/ole">
               <mc:AlternateContent xmlns:mc="http://schemas.openxmlformats.org/markup-compatibility/2006">
                 <mc:Choice xmlns:v="urn:schemas-microsoft-com:vml" Requires="v">
-                  <p:oleObj spid="_x0000_s1031" name="Document" r:id="rId14" imgW="1143000" imgH="387096" progId="Word.Document.8">
+                  <p:oleObj spid="_x0000_s1047" name="Document" r:id="rId5" imgW="1143000" imgH="387096" progId="Word.Document.8">
                     <p:embed/>
                   </p:oleObj>
                 </mc:Choice>
                 <mc:Fallback>
-                  <p:oleObj name="Document" r:id="rId14" imgW="1143000" imgH="387096" progId="Word.Document.8">
+                  <p:oleObj name="Document" r:id="rId5" imgW="1143000" imgH="387096" progId="Word.Document.8">
                     <p:embed/>
                     <p:pic>
                       <p:nvPicPr>
@@ -18551,7 +16113,7 @@
                         <p:nvPr/>
                       </p:nvPicPr>
                       <p:blipFill>
-                        <a:blip r:embed="rId15">
+                        <a:blip r:embed="rId6">
                           <a:extLst>
                             <a:ext uri="{28A0092B-C50C-407E-A947-70E740481C1C}">
                               <a14:useLocalDpi xmlns:a14="http://schemas.microsoft.com/office/drawing/2010/main" val="0"/>
@@ -18567,1318 +16129,6 @@
                         <a:xfrm>
                           <a:off x="3216" y="2160"/>
                           <a:ext cx="696" cy="228"/>
-                        </a:xfrm>
-                        <a:prstGeom prst="rect">
-                          <a:avLst/>
-                        </a:prstGeom>
-                        <a:noFill/>
-                        <a:ln>
-                          <a:noFill/>
-                        </a:ln>
-                        <a:effectLst/>
-                        <a:extLst>
-                          <a:ext uri="{909E8E84-426E-40DD-AFC4-6F175D3DCCD1}">
-                            <a14:hiddenFill xmlns:a14="http://schemas.microsoft.com/office/drawing/2010/main">
-                              <a:solidFill>
-                                <a:schemeClr val="accent1"/>
-                              </a:solidFill>
-                            </a14:hiddenFill>
-                          </a:ext>
-                          <a:ext uri="{91240B29-F687-4F45-9708-019B960494DF}">
-                            <a14:hiddenLine xmlns:a14="http://schemas.microsoft.com/office/drawing/2010/main" w="9525">
-                              <a:solidFill>
-                                <a:schemeClr val="tx1"/>
-                              </a:solidFill>
-                              <a:miter lim="800000"/>
-                              <a:headEnd/>
-                              <a:tailEnd/>
-                            </a14:hiddenLine>
-                          </a:ext>
-                          <a:ext uri="{AF507438-7753-43E0-B8FC-AC1667EBCBE1}">
-                            <a14:hiddenEffects xmlns:a14="http://schemas.microsoft.com/office/drawing/2010/main">
-                              <a:effectLst>
-                                <a:outerShdw dist="35921" dir="2700000" algn="ctr" rotWithShape="0">
-                                  <a:schemeClr val="bg2"/>
-                                </a:outerShdw>
-                              </a:effectLst>
-                            </a14:hiddenEffects>
-                          </a:ext>
-                        </a:extLst>
-                      </p:spPr>
-                    </p:pic>
-                  </p:oleObj>
-                </mc:Fallback>
-              </mc:AlternateContent>
-            </a:graphicData>
-          </a:graphic>
-        </p:graphicFrame>
-      </p:grpSp>
-      <p:grpSp>
-        <p:nvGrpSpPr>
-          <p:cNvPr id="51" name="Group 38"/>
-          <p:cNvGrpSpPr>
-            <a:grpSpLocks/>
-          </p:cNvGrpSpPr>
-          <p:nvPr/>
-        </p:nvGrpSpPr>
-        <p:grpSpPr bwMode="auto">
-          <a:xfrm>
-            <a:off x="6376483" y="3933825"/>
-            <a:ext cx="3048000" cy="2693988"/>
-            <a:chOff x="3119" y="2496"/>
-            <a:chExt cx="1777" cy="1697"/>
-          </a:xfrm>
-        </p:grpSpPr>
-        <p:grpSp>
-          <p:nvGrpSpPr>
-            <p:cNvPr id="52" name="Group 39"/>
-            <p:cNvGrpSpPr>
-              <a:grpSpLocks/>
-            </p:cNvGrpSpPr>
-            <p:nvPr/>
-          </p:nvGrpSpPr>
-          <p:grpSpPr bwMode="auto">
-            <a:xfrm>
-              <a:off x="3168" y="2496"/>
-              <a:ext cx="1728" cy="1488"/>
-              <a:chOff x="3168" y="2496"/>
-              <a:chExt cx="1728" cy="1488"/>
-            </a:xfrm>
-          </p:grpSpPr>
-          <p:graphicFrame>
-            <p:nvGraphicFramePr>
-              <p:cNvPr id="54" name="Object 40"/>
-              <p:cNvGraphicFramePr>
-                <a:graphicFrameLocks noChangeAspect="1"/>
-              </p:cNvGraphicFramePr>
-              <p:nvPr/>
-            </p:nvGraphicFramePr>
-            <p:xfrm>
-              <a:off x="3168" y="2496"/>
-              <a:ext cx="1728" cy="1488"/>
-            </p:xfrm>
-            <a:graphic>
-              <a:graphicData uri="http://schemas.openxmlformats.org/presentationml/2006/ole">
-                <mc:AlternateContent xmlns:mc="http://schemas.openxmlformats.org/markup-compatibility/2006">
-                  <mc:Choice xmlns:v="urn:schemas-microsoft-com:vml" Requires="v">
-                    <p:oleObj spid="_x0000_s1032" name="Worksheet" r:id="rId16" imgW="2200656" imgH="2076907" progId="Excel.Sheet.8">
-                      <p:embed/>
-                    </p:oleObj>
-                  </mc:Choice>
-                  <mc:Fallback>
-                    <p:oleObj name="Worksheet" r:id="rId16" imgW="2200656" imgH="2076907" progId="Excel.Sheet.8">
-                      <p:embed/>
-                      <p:pic>
-                        <p:nvPicPr>
-                          <p:cNvPr id="0" name=""/>
-                          <p:cNvPicPr>
-                            <a:picLocks noChangeAspect="1" noChangeArrowheads="1"/>
-                          </p:cNvPicPr>
-                          <p:nvPr/>
-                        </p:nvPicPr>
-                        <p:blipFill>
-                          <a:blip r:embed="rId17">
-                            <a:extLst>
-                              <a:ext uri="{28A0092B-C50C-407E-A947-70E740481C1C}">
-                                <a14:useLocalDpi xmlns:a14="http://schemas.microsoft.com/office/drawing/2010/main" val="0"/>
-                              </a:ext>
-                            </a:extLst>
-                          </a:blip>
-                          <a:srcRect/>
-                          <a:stretch>
-                            <a:fillRect/>
-                          </a:stretch>
-                        </p:blipFill>
-                        <p:spPr bwMode="auto">
-                          <a:xfrm>
-                            <a:off x="3168" y="2496"/>
-                            <a:ext cx="1728" cy="1488"/>
-                          </a:xfrm>
-                          <a:prstGeom prst="rect">
-                            <a:avLst/>
-                          </a:prstGeom>
-                          <a:noFill/>
-                          <a:ln>
-                            <a:noFill/>
-                          </a:ln>
-                          <a:effectLst/>
-                          <a:extLst>
-                            <a:ext uri="{909E8E84-426E-40DD-AFC4-6F175D3DCCD1}">
-                              <a14:hiddenFill xmlns:a14="http://schemas.microsoft.com/office/drawing/2010/main">
-                                <a:solidFill>
-                                  <a:schemeClr val="accent1"/>
-                                </a:solidFill>
-                              </a14:hiddenFill>
-                            </a:ext>
-                            <a:ext uri="{91240B29-F687-4F45-9708-019B960494DF}">
-                              <a14:hiddenLine xmlns:a14="http://schemas.microsoft.com/office/drawing/2010/main" w="9525">
-                                <a:solidFill>
-                                  <a:schemeClr val="tx1"/>
-                                </a:solidFill>
-                                <a:miter lim="800000"/>
-                                <a:headEnd/>
-                                <a:tailEnd/>
-                              </a14:hiddenLine>
-                            </a:ext>
-                            <a:ext uri="{AF507438-7753-43E0-B8FC-AC1667EBCBE1}">
-                              <a14:hiddenEffects xmlns:a14="http://schemas.microsoft.com/office/drawing/2010/main">
-                                <a:effectLst>
-                                  <a:outerShdw dist="35921" dir="2700000" algn="ctr" rotWithShape="0">
-                                    <a:schemeClr val="bg2"/>
-                                  </a:outerShdw>
-                                </a:effectLst>
-                              </a14:hiddenEffects>
-                            </a:ext>
-                          </a:extLst>
-                        </p:spPr>
-                      </p:pic>
-                    </p:oleObj>
-                  </mc:Fallback>
-                </mc:AlternateContent>
-              </a:graphicData>
-            </a:graphic>
-          </p:graphicFrame>
-          <p:sp>
-            <p:nvSpPr>
-              <p:cNvPr id="55" name="Text Box 41"/>
-              <p:cNvSpPr txBox="1">
-                <a:spLocks noChangeArrowheads="1"/>
-              </p:cNvSpPr>
-              <p:nvPr/>
-            </p:nvSpPr>
-            <p:spPr bwMode="auto">
-              <a:xfrm>
-                <a:off x="4178" y="3433"/>
-                <a:ext cx="156" cy="231"/>
-              </a:xfrm>
-              <a:prstGeom prst="rect">
-                <a:avLst/>
-              </a:prstGeom>
-              <a:noFill/>
-              <a:ln>
-                <a:noFill/>
-              </a:ln>
-              <a:effectLst/>
-              <a:extLst>
-                <a:ext uri="{909E8E84-426E-40DD-AFC4-6F175D3DCCD1}">
-                  <a14:hiddenFill xmlns:a14="http://schemas.microsoft.com/office/drawing/2010/main">
-                    <a:solidFill>
-                      <a:schemeClr val="accent1"/>
-                    </a:solidFill>
-                  </a14:hiddenFill>
-                </a:ext>
-                <a:ext uri="{91240B29-F687-4F45-9708-019B960494DF}">
-                  <a14:hiddenLine xmlns:a14="http://schemas.microsoft.com/office/drawing/2010/main" w="9525">
-                    <a:solidFill>
-                      <a:schemeClr val="tx1"/>
-                    </a:solidFill>
-                    <a:miter lim="800000"/>
-                    <a:headEnd/>
-                    <a:tailEnd/>
-                  </a14:hiddenLine>
-                </a:ext>
-                <a:ext uri="{AF507438-7753-43E0-B8FC-AC1667EBCBE1}">
-                  <a14:hiddenEffects xmlns:a14="http://schemas.microsoft.com/office/drawing/2010/main">
-                    <a:effectLst>
-                      <a:outerShdw dist="35921" dir="2700000" algn="ctr" rotWithShape="0">
-                        <a:schemeClr val="bg2"/>
-                      </a:outerShdw>
-                    </a:effectLst>
-                  </a14:hiddenEffects>
-                </a:ext>
-              </a:extLst>
-            </p:spPr>
-            <p:txBody>
-              <a:bodyPr>
-                <a:spAutoFit/>
-              </a:bodyPr>
-              <a:lstStyle>
-                <a:lvl1pPr>
-                  <a:defRPr>
-                    <a:solidFill>
-                      <a:schemeClr val="tx1"/>
-                    </a:solidFill>
-                    <a:latin typeface="Tahoma" panose="020B0604030504040204" pitchFamily="34" charset="0"/>
-                  </a:defRPr>
-                </a:lvl1pPr>
-                <a:lvl2pPr marL="742950" indent="-285750">
-                  <a:defRPr>
-                    <a:solidFill>
-                      <a:schemeClr val="tx1"/>
-                    </a:solidFill>
-                    <a:latin typeface="Tahoma" panose="020B0604030504040204" pitchFamily="34" charset="0"/>
-                  </a:defRPr>
-                </a:lvl2pPr>
-                <a:lvl3pPr marL="1143000" indent="-228600">
-                  <a:defRPr>
-                    <a:solidFill>
-                      <a:schemeClr val="tx1"/>
-                    </a:solidFill>
-                    <a:latin typeface="Tahoma" panose="020B0604030504040204" pitchFamily="34" charset="0"/>
-                  </a:defRPr>
-                </a:lvl3pPr>
-                <a:lvl4pPr marL="1600200" indent="-228600">
-                  <a:defRPr>
-                    <a:solidFill>
-                      <a:schemeClr val="tx1"/>
-                    </a:solidFill>
-                    <a:latin typeface="Tahoma" panose="020B0604030504040204" pitchFamily="34" charset="0"/>
-                  </a:defRPr>
-                </a:lvl4pPr>
-                <a:lvl5pPr marL="2057400" indent="-228600">
-                  <a:defRPr>
-                    <a:solidFill>
-                      <a:schemeClr val="tx1"/>
-                    </a:solidFill>
-                    <a:latin typeface="Tahoma" panose="020B0604030504040204" pitchFamily="34" charset="0"/>
-                  </a:defRPr>
-                </a:lvl5pPr>
-                <a:lvl6pPr marL="2514600" indent="-228600" eaLnBrk="0" fontAlgn="base" hangingPunct="0">
-                  <a:spcBef>
-                    <a:spcPct val="0"/>
-                  </a:spcBef>
-                  <a:spcAft>
-                    <a:spcPct val="0"/>
-                  </a:spcAft>
-                  <a:defRPr>
-                    <a:solidFill>
-                      <a:schemeClr val="tx1"/>
-                    </a:solidFill>
-                    <a:latin typeface="Tahoma" panose="020B0604030504040204" pitchFamily="34" charset="0"/>
-                  </a:defRPr>
-                </a:lvl6pPr>
-                <a:lvl7pPr marL="2971800" indent="-228600" eaLnBrk="0" fontAlgn="base" hangingPunct="0">
-                  <a:spcBef>
-                    <a:spcPct val="0"/>
-                  </a:spcBef>
-                  <a:spcAft>
-                    <a:spcPct val="0"/>
-                  </a:spcAft>
-                  <a:defRPr>
-                    <a:solidFill>
-                      <a:schemeClr val="tx1"/>
-                    </a:solidFill>
-                    <a:latin typeface="Tahoma" panose="020B0604030504040204" pitchFamily="34" charset="0"/>
-                  </a:defRPr>
-                </a:lvl7pPr>
-                <a:lvl8pPr marL="3429000" indent="-228600" eaLnBrk="0" fontAlgn="base" hangingPunct="0">
-                  <a:spcBef>
-                    <a:spcPct val="0"/>
-                  </a:spcBef>
-                  <a:spcAft>
-                    <a:spcPct val="0"/>
-                  </a:spcAft>
-                  <a:defRPr>
-                    <a:solidFill>
-                      <a:schemeClr val="tx1"/>
-                    </a:solidFill>
-                    <a:latin typeface="Tahoma" panose="020B0604030504040204" pitchFamily="34" charset="0"/>
-                  </a:defRPr>
-                </a:lvl8pPr>
-                <a:lvl9pPr marL="3886200" indent="-228600" eaLnBrk="0" fontAlgn="base" hangingPunct="0">
-                  <a:spcBef>
-                    <a:spcPct val="0"/>
-                  </a:spcBef>
-                  <a:spcAft>
-                    <a:spcPct val="0"/>
-                  </a:spcAft>
-                  <a:defRPr>
-                    <a:solidFill>
-                      <a:schemeClr val="tx1"/>
-                    </a:solidFill>
-                    <a:latin typeface="Tahoma" panose="020B0604030504040204" pitchFamily="34" charset="0"/>
-                  </a:defRPr>
-                </a:lvl9pPr>
-              </a:lstStyle>
-              <a:p>
-                <a:pPr>
-                  <a:spcBef>
-                    <a:spcPct val="50000"/>
-                  </a:spcBef>
-                </a:pPr>
-                <a:r>
-                  <a:rPr lang="en-US" b="1" i="1">
-                    <a:latin typeface="Times New Roman" panose="02020603050405020304" pitchFamily="18" charset="0"/>
-                  </a:rPr>
-                  <a:t>t</a:t>
-                </a:r>
-                <a:endParaRPr lang="en-US">
-                  <a:latin typeface="Times New Roman" panose="02020603050405020304" pitchFamily="18" charset="0"/>
-                </a:endParaRPr>
-              </a:p>
-            </p:txBody>
-          </p:sp>
-          <p:sp>
-            <p:nvSpPr>
-              <p:cNvPr id="56" name="Text Box 42"/>
-              <p:cNvSpPr txBox="1">
-                <a:spLocks noChangeArrowheads="1"/>
-              </p:cNvSpPr>
-              <p:nvPr/>
-            </p:nvSpPr>
-            <p:spPr bwMode="auto">
-              <a:xfrm>
-                <a:off x="3773" y="3066"/>
-                <a:ext cx="156" cy="231"/>
-              </a:xfrm>
-              <a:prstGeom prst="rect">
-                <a:avLst/>
-              </a:prstGeom>
-              <a:noFill/>
-              <a:ln>
-                <a:noFill/>
-              </a:ln>
-              <a:effectLst/>
-              <a:extLst>
-                <a:ext uri="{909E8E84-426E-40DD-AFC4-6F175D3DCCD1}">
-                  <a14:hiddenFill xmlns:a14="http://schemas.microsoft.com/office/drawing/2010/main">
-                    <a:solidFill>
-                      <a:schemeClr val="accent1"/>
-                    </a:solidFill>
-                  </a14:hiddenFill>
-                </a:ext>
-                <a:ext uri="{91240B29-F687-4F45-9708-019B960494DF}">
-                  <a14:hiddenLine xmlns:a14="http://schemas.microsoft.com/office/drawing/2010/main" w="9525">
-                    <a:solidFill>
-                      <a:schemeClr val="tx1"/>
-                    </a:solidFill>
-                    <a:miter lim="800000"/>
-                    <a:headEnd/>
-                    <a:tailEnd/>
-                  </a14:hiddenLine>
-                </a:ext>
-                <a:ext uri="{AF507438-7753-43E0-B8FC-AC1667EBCBE1}">
-                  <a14:hiddenEffects xmlns:a14="http://schemas.microsoft.com/office/drawing/2010/main">
-                    <a:effectLst>
-                      <a:outerShdw dist="35921" dir="2700000" algn="ctr" rotWithShape="0">
-                        <a:schemeClr val="bg2"/>
-                      </a:outerShdw>
-                    </a:effectLst>
-                  </a14:hiddenEffects>
-                </a:ext>
-              </a:extLst>
-            </p:spPr>
-            <p:txBody>
-              <a:bodyPr>
-                <a:spAutoFit/>
-              </a:bodyPr>
-              <a:lstStyle>
-                <a:lvl1pPr>
-                  <a:defRPr>
-                    <a:solidFill>
-                      <a:schemeClr val="tx1"/>
-                    </a:solidFill>
-                    <a:latin typeface="Tahoma" panose="020B0604030504040204" pitchFamily="34" charset="0"/>
-                  </a:defRPr>
-                </a:lvl1pPr>
-                <a:lvl2pPr marL="742950" indent="-285750">
-                  <a:defRPr>
-                    <a:solidFill>
-                      <a:schemeClr val="tx1"/>
-                    </a:solidFill>
-                    <a:latin typeface="Tahoma" panose="020B0604030504040204" pitchFamily="34" charset="0"/>
-                  </a:defRPr>
-                </a:lvl2pPr>
-                <a:lvl3pPr marL="1143000" indent="-228600">
-                  <a:defRPr>
-                    <a:solidFill>
-                      <a:schemeClr val="tx1"/>
-                    </a:solidFill>
-                    <a:latin typeface="Tahoma" panose="020B0604030504040204" pitchFamily="34" charset="0"/>
-                  </a:defRPr>
-                </a:lvl3pPr>
-                <a:lvl4pPr marL="1600200" indent="-228600">
-                  <a:defRPr>
-                    <a:solidFill>
-                      <a:schemeClr val="tx1"/>
-                    </a:solidFill>
-                    <a:latin typeface="Tahoma" panose="020B0604030504040204" pitchFamily="34" charset="0"/>
-                  </a:defRPr>
-                </a:lvl4pPr>
-                <a:lvl5pPr marL="2057400" indent="-228600">
-                  <a:defRPr>
-                    <a:solidFill>
-                      <a:schemeClr val="tx1"/>
-                    </a:solidFill>
-                    <a:latin typeface="Tahoma" panose="020B0604030504040204" pitchFamily="34" charset="0"/>
-                  </a:defRPr>
-                </a:lvl5pPr>
-                <a:lvl6pPr marL="2514600" indent="-228600" eaLnBrk="0" fontAlgn="base" hangingPunct="0">
-                  <a:spcBef>
-                    <a:spcPct val="0"/>
-                  </a:spcBef>
-                  <a:spcAft>
-                    <a:spcPct val="0"/>
-                  </a:spcAft>
-                  <a:defRPr>
-                    <a:solidFill>
-                      <a:schemeClr val="tx1"/>
-                    </a:solidFill>
-                    <a:latin typeface="Tahoma" panose="020B0604030504040204" pitchFamily="34" charset="0"/>
-                  </a:defRPr>
-                </a:lvl6pPr>
-                <a:lvl7pPr marL="2971800" indent="-228600" eaLnBrk="0" fontAlgn="base" hangingPunct="0">
-                  <a:spcBef>
-                    <a:spcPct val="0"/>
-                  </a:spcBef>
-                  <a:spcAft>
-                    <a:spcPct val="0"/>
-                  </a:spcAft>
-                  <a:defRPr>
-                    <a:solidFill>
-                      <a:schemeClr val="tx1"/>
-                    </a:solidFill>
-                    <a:latin typeface="Tahoma" panose="020B0604030504040204" pitchFamily="34" charset="0"/>
-                  </a:defRPr>
-                </a:lvl7pPr>
-                <a:lvl8pPr marL="3429000" indent="-228600" eaLnBrk="0" fontAlgn="base" hangingPunct="0">
-                  <a:spcBef>
-                    <a:spcPct val="0"/>
-                  </a:spcBef>
-                  <a:spcAft>
-                    <a:spcPct val="0"/>
-                  </a:spcAft>
-                  <a:defRPr>
-                    <a:solidFill>
-                      <a:schemeClr val="tx1"/>
-                    </a:solidFill>
-                    <a:latin typeface="Tahoma" panose="020B0604030504040204" pitchFamily="34" charset="0"/>
-                  </a:defRPr>
-                </a:lvl8pPr>
-                <a:lvl9pPr marL="3886200" indent="-228600" eaLnBrk="0" fontAlgn="base" hangingPunct="0">
-                  <a:spcBef>
-                    <a:spcPct val="0"/>
-                  </a:spcBef>
-                  <a:spcAft>
-                    <a:spcPct val="0"/>
-                  </a:spcAft>
-                  <a:defRPr>
-                    <a:solidFill>
-                      <a:schemeClr val="tx1"/>
-                    </a:solidFill>
-                    <a:latin typeface="Tahoma" panose="020B0604030504040204" pitchFamily="34" charset="0"/>
-                  </a:defRPr>
-                </a:lvl9pPr>
-              </a:lstStyle>
-              <a:p>
-                <a:pPr>
-                  <a:spcBef>
-                    <a:spcPct val="50000"/>
-                  </a:spcBef>
-                </a:pPr>
-                <a:r>
-                  <a:rPr lang="en-US" b="1" i="1">
-                    <a:latin typeface="Times New Roman" panose="02020603050405020304" pitchFamily="18" charset="0"/>
-                  </a:rPr>
-                  <a:t>i</a:t>
-                </a:r>
-                <a:endParaRPr lang="en-US">
-                  <a:latin typeface="Times New Roman" panose="02020603050405020304" pitchFamily="18" charset="0"/>
-                </a:endParaRPr>
-              </a:p>
-            </p:txBody>
-          </p:sp>
-          <p:sp>
-            <p:nvSpPr>
-              <p:cNvPr id="57" name="Text Box 43"/>
-              <p:cNvSpPr txBox="1">
-                <a:spLocks noChangeArrowheads="1"/>
-              </p:cNvSpPr>
-              <p:nvPr/>
-            </p:nvSpPr>
-            <p:spPr bwMode="auto">
-              <a:xfrm>
-                <a:off x="4150" y="3212"/>
-                <a:ext cx="157" cy="231"/>
-              </a:xfrm>
-              <a:prstGeom prst="rect">
-                <a:avLst/>
-              </a:prstGeom>
-              <a:noFill/>
-              <a:ln>
-                <a:noFill/>
-              </a:ln>
-              <a:effectLst/>
-              <a:extLst>
-                <a:ext uri="{909E8E84-426E-40DD-AFC4-6F175D3DCCD1}">
-                  <a14:hiddenFill xmlns:a14="http://schemas.microsoft.com/office/drawing/2010/main">
-                    <a:solidFill>
-                      <a:schemeClr val="accent1"/>
-                    </a:solidFill>
-                  </a14:hiddenFill>
-                </a:ext>
-                <a:ext uri="{91240B29-F687-4F45-9708-019B960494DF}">
-                  <a14:hiddenLine xmlns:a14="http://schemas.microsoft.com/office/drawing/2010/main" w="9525">
-                    <a:solidFill>
-                      <a:schemeClr val="tx1"/>
-                    </a:solidFill>
-                    <a:miter lim="800000"/>
-                    <a:headEnd/>
-                    <a:tailEnd/>
-                  </a14:hiddenLine>
-                </a:ext>
-                <a:ext uri="{AF507438-7753-43E0-B8FC-AC1667EBCBE1}">
-                  <a14:hiddenEffects xmlns:a14="http://schemas.microsoft.com/office/drawing/2010/main">
-                    <a:effectLst>
-                      <a:outerShdw dist="35921" dir="2700000" algn="ctr" rotWithShape="0">
-                        <a:schemeClr val="bg2"/>
-                      </a:outerShdw>
-                    </a:effectLst>
-                  </a14:hiddenEffects>
-                </a:ext>
-              </a:extLst>
-            </p:spPr>
-            <p:txBody>
-              <a:bodyPr>
-                <a:spAutoFit/>
-              </a:bodyPr>
-              <a:lstStyle>
-                <a:lvl1pPr>
-                  <a:defRPr>
-                    <a:solidFill>
-                      <a:schemeClr val="tx1"/>
-                    </a:solidFill>
-                    <a:latin typeface="Tahoma" panose="020B0604030504040204" pitchFamily="34" charset="0"/>
-                  </a:defRPr>
-                </a:lvl1pPr>
-                <a:lvl2pPr marL="742950" indent="-285750">
-                  <a:defRPr>
-                    <a:solidFill>
-                      <a:schemeClr val="tx1"/>
-                    </a:solidFill>
-                    <a:latin typeface="Tahoma" panose="020B0604030504040204" pitchFamily="34" charset="0"/>
-                  </a:defRPr>
-                </a:lvl2pPr>
-                <a:lvl3pPr marL="1143000" indent="-228600">
-                  <a:defRPr>
-                    <a:solidFill>
-                      <a:schemeClr val="tx1"/>
-                    </a:solidFill>
-                    <a:latin typeface="Tahoma" panose="020B0604030504040204" pitchFamily="34" charset="0"/>
-                  </a:defRPr>
-                </a:lvl3pPr>
-                <a:lvl4pPr marL="1600200" indent="-228600">
-                  <a:defRPr>
-                    <a:solidFill>
-                      <a:schemeClr val="tx1"/>
-                    </a:solidFill>
-                    <a:latin typeface="Tahoma" panose="020B0604030504040204" pitchFamily="34" charset="0"/>
-                  </a:defRPr>
-                </a:lvl4pPr>
-                <a:lvl5pPr marL="2057400" indent="-228600">
-                  <a:defRPr>
-                    <a:solidFill>
-                      <a:schemeClr val="tx1"/>
-                    </a:solidFill>
-                    <a:latin typeface="Tahoma" panose="020B0604030504040204" pitchFamily="34" charset="0"/>
-                  </a:defRPr>
-                </a:lvl5pPr>
-                <a:lvl6pPr marL="2514600" indent="-228600" eaLnBrk="0" fontAlgn="base" hangingPunct="0">
-                  <a:spcBef>
-                    <a:spcPct val="0"/>
-                  </a:spcBef>
-                  <a:spcAft>
-                    <a:spcPct val="0"/>
-                  </a:spcAft>
-                  <a:defRPr>
-                    <a:solidFill>
-                      <a:schemeClr val="tx1"/>
-                    </a:solidFill>
-                    <a:latin typeface="Tahoma" panose="020B0604030504040204" pitchFamily="34" charset="0"/>
-                  </a:defRPr>
-                </a:lvl6pPr>
-                <a:lvl7pPr marL="2971800" indent="-228600" eaLnBrk="0" fontAlgn="base" hangingPunct="0">
-                  <a:spcBef>
-                    <a:spcPct val="0"/>
-                  </a:spcBef>
-                  <a:spcAft>
-                    <a:spcPct val="0"/>
-                  </a:spcAft>
-                  <a:defRPr>
-                    <a:solidFill>
-                      <a:schemeClr val="tx1"/>
-                    </a:solidFill>
-                    <a:latin typeface="Tahoma" panose="020B0604030504040204" pitchFamily="34" charset="0"/>
-                  </a:defRPr>
-                </a:lvl7pPr>
-                <a:lvl8pPr marL="3429000" indent="-228600" eaLnBrk="0" fontAlgn="base" hangingPunct="0">
-                  <a:spcBef>
-                    <a:spcPct val="0"/>
-                  </a:spcBef>
-                  <a:spcAft>
-                    <a:spcPct val="0"/>
-                  </a:spcAft>
-                  <a:defRPr>
-                    <a:solidFill>
-                      <a:schemeClr val="tx1"/>
-                    </a:solidFill>
-                    <a:latin typeface="Tahoma" panose="020B0604030504040204" pitchFamily="34" charset="0"/>
-                  </a:defRPr>
-                </a:lvl8pPr>
-                <a:lvl9pPr marL="3886200" indent="-228600" eaLnBrk="0" fontAlgn="base" hangingPunct="0">
-                  <a:spcBef>
-                    <a:spcPct val="0"/>
-                  </a:spcBef>
-                  <a:spcAft>
-                    <a:spcPct val="0"/>
-                  </a:spcAft>
-                  <a:defRPr>
-                    <a:solidFill>
-                      <a:schemeClr val="tx1"/>
-                    </a:solidFill>
-                    <a:latin typeface="Tahoma" panose="020B0604030504040204" pitchFamily="34" charset="0"/>
-                  </a:defRPr>
-                </a:lvl9pPr>
-              </a:lstStyle>
-              <a:p>
-                <a:pPr>
-                  <a:spcBef>
-                    <a:spcPct val="50000"/>
-                  </a:spcBef>
-                </a:pPr>
-                <a:r>
-                  <a:rPr lang="en-US" b="1" i="1">
-                    <a:latin typeface="Times New Roman" panose="02020603050405020304" pitchFamily="18" charset="0"/>
-                  </a:rPr>
-                  <a:t>h</a:t>
-                </a:r>
-                <a:endParaRPr lang="en-US">
-                  <a:latin typeface="Times New Roman" panose="02020603050405020304" pitchFamily="18" charset="0"/>
-                </a:endParaRPr>
-              </a:p>
-            </p:txBody>
-          </p:sp>
-          <p:sp>
-            <p:nvSpPr>
-              <p:cNvPr id="58" name="Text Box 44"/>
-              <p:cNvSpPr txBox="1">
-                <a:spLocks noChangeArrowheads="1"/>
-              </p:cNvSpPr>
-              <p:nvPr/>
-            </p:nvSpPr>
-            <p:spPr bwMode="auto">
-              <a:xfrm>
-                <a:off x="4504" y="3212"/>
-                <a:ext cx="156" cy="231"/>
-              </a:xfrm>
-              <a:prstGeom prst="rect">
-                <a:avLst/>
-              </a:prstGeom>
-              <a:noFill/>
-              <a:ln>
-                <a:noFill/>
-              </a:ln>
-              <a:effectLst/>
-              <a:extLst>
-                <a:ext uri="{909E8E84-426E-40DD-AFC4-6F175D3DCCD1}">
-                  <a14:hiddenFill xmlns:a14="http://schemas.microsoft.com/office/drawing/2010/main">
-                    <a:solidFill>
-                      <a:schemeClr val="accent1"/>
-                    </a:solidFill>
-                  </a14:hiddenFill>
-                </a:ext>
-                <a:ext uri="{91240B29-F687-4F45-9708-019B960494DF}">
-                  <a14:hiddenLine xmlns:a14="http://schemas.microsoft.com/office/drawing/2010/main" w="9525">
-                    <a:solidFill>
-                      <a:schemeClr val="tx1"/>
-                    </a:solidFill>
-                    <a:miter lim="800000"/>
-                    <a:headEnd/>
-                    <a:tailEnd/>
-                  </a14:hiddenLine>
-                </a:ext>
-                <a:ext uri="{AF507438-7753-43E0-B8FC-AC1667EBCBE1}">
-                  <a14:hiddenEffects xmlns:a14="http://schemas.microsoft.com/office/drawing/2010/main">
-                    <a:effectLst>
-                      <a:outerShdw dist="35921" dir="2700000" algn="ctr" rotWithShape="0">
-                        <a:schemeClr val="bg2"/>
-                      </a:outerShdw>
-                    </a:effectLst>
-                  </a14:hiddenEffects>
-                </a:ext>
-              </a:extLst>
-            </p:spPr>
-            <p:txBody>
-              <a:bodyPr>
-                <a:spAutoFit/>
-              </a:bodyPr>
-              <a:lstStyle>
-                <a:lvl1pPr>
-                  <a:defRPr>
-                    <a:solidFill>
-                      <a:schemeClr val="tx1"/>
-                    </a:solidFill>
-                    <a:latin typeface="Tahoma" panose="020B0604030504040204" pitchFamily="34" charset="0"/>
-                  </a:defRPr>
-                </a:lvl1pPr>
-                <a:lvl2pPr marL="742950" indent="-285750">
-                  <a:defRPr>
-                    <a:solidFill>
-                      <a:schemeClr val="tx1"/>
-                    </a:solidFill>
-                    <a:latin typeface="Tahoma" panose="020B0604030504040204" pitchFamily="34" charset="0"/>
-                  </a:defRPr>
-                </a:lvl2pPr>
-                <a:lvl3pPr marL="1143000" indent="-228600">
-                  <a:defRPr>
-                    <a:solidFill>
-                      <a:schemeClr val="tx1"/>
-                    </a:solidFill>
-                    <a:latin typeface="Tahoma" panose="020B0604030504040204" pitchFamily="34" charset="0"/>
-                  </a:defRPr>
-                </a:lvl3pPr>
-                <a:lvl4pPr marL="1600200" indent="-228600">
-                  <a:defRPr>
-                    <a:solidFill>
-                      <a:schemeClr val="tx1"/>
-                    </a:solidFill>
-                    <a:latin typeface="Tahoma" panose="020B0604030504040204" pitchFamily="34" charset="0"/>
-                  </a:defRPr>
-                </a:lvl4pPr>
-                <a:lvl5pPr marL="2057400" indent="-228600">
-                  <a:defRPr>
-                    <a:solidFill>
-                      <a:schemeClr val="tx1"/>
-                    </a:solidFill>
-                    <a:latin typeface="Tahoma" panose="020B0604030504040204" pitchFamily="34" charset="0"/>
-                  </a:defRPr>
-                </a:lvl5pPr>
-                <a:lvl6pPr marL="2514600" indent="-228600" eaLnBrk="0" fontAlgn="base" hangingPunct="0">
-                  <a:spcBef>
-                    <a:spcPct val="0"/>
-                  </a:spcBef>
-                  <a:spcAft>
-                    <a:spcPct val="0"/>
-                  </a:spcAft>
-                  <a:defRPr>
-                    <a:solidFill>
-                      <a:schemeClr val="tx1"/>
-                    </a:solidFill>
-                    <a:latin typeface="Tahoma" panose="020B0604030504040204" pitchFamily="34" charset="0"/>
-                  </a:defRPr>
-                </a:lvl6pPr>
-                <a:lvl7pPr marL="2971800" indent="-228600" eaLnBrk="0" fontAlgn="base" hangingPunct="0">
-                  <a:spcBef>
-                    <a:spcPct val="0"/>
-                  </a:spcBef>
-                  <a:spcAft>
-                    <a:spcPct val="0"/>
-                  </a:spcAft>
-                  <a:defRPr>
-                    <a:solidFill>
-                      <a:schemeClr val="tx1"/>
-                    </a:solidFill>
-                    <a:latin typeface="Tahoma" panose="020B0604030504040204" pitchFamily="34" charset="0"/>
-                  </a:defRPr>
-                </a:lvl7pPr>
-                <a:lvl8pPr marL="3429000" indent="-228600" eaLnBrk="0" fontAlgn="base" hangingPunct="0">
-                  <a:spcBef>
-                    <a:spcPct val="0"/>
-                  </a:spcBef>
-                  <a:spcAft>
-                    <a:spcPct val="0"/>
-                  </a:spcAft>
-                  <a:defRPr>
-                    <a:solidFill>
-                      <a:schemeClr val="tx1"/>
-                    </a:solidFill>
-                    <a:latin typeface="Tahoma" panose="020B0604030504040204" pitchFamily="34" charset="0"/>
-                  </a:defRPr>
-                </a:lvl8pPr>
-                <a:lvl9pPr marL="3886200" indent="-228600" eaLnBrk="0" fontAlgn="base" hangingPunct="0">
-                  <a:spcBef>
-                    <a:spcPct val="0"/>
-                  </a:spcBef>
-                  <a:spcAft>
-                    <a:spcPct val="0"/>
-                  </a:spcAft>
-                  <a:defRPr>
-                    <a:solidFill>
-                      <a:schemeClr val="tx1"/>
-                    </a:solidFill>
-                    <a:latin typeface="Tahoma" panose="020B0604030504040204" pitchFamily="34" charset="0"/>
-                  </a:defRPr>
-                </a:lvl9pPr>
-              </a:lstStyle>
-              <a:p>
-                <a:pPr algn="just">
-                  <a:spcBef>
-                    <a:spcPct val="50000"/>
-                  </a:spcBef>
-                </a:pPr>
-                <a:r>
-                  <a:rPr lang="en-US" b="1" i="1">
-                    <a:latin typeface="Times New Roman" panose="02020603050405020304" pitchFamily="18" charset="0"/>
-                  </a:rPr>
-                  <a:t>j</a:t>
-                </a:r>
-                <a:endParaRPr lang="en-US">
-                  <a:latin typeface="Times New Roman" panose="02020603050405020304" pitchFamily="18" charset="0"/>
-                </a:endParaRPr>
-              </a:p>
-            </p:txBody>
-          </p:sp>
-          <p:sp>
-            <p:nvSpPr>
-              <p:cNvPr id="59" name="Line 45"/>
-              <p:cNvSpPr>
-                <a:spLocks noChangeShapeType="1"/>
-              </p:cNvSpPr>
-              <p:nvPr/>
-            </p:nvSpPr>
-            <p:spPr bwMode="auto">
-              <a:xfrm>
-                <a:off x="4378" y="3311"/>
-                <a:ext cx="43" cy="0"/>
-              </a:xfrm>
-              <a:prstGeom prst="line">
-                <a:avLst/>
-              </a:prstGeom>
-              <a:noFill/>
-              <a:ln w="28575">
-                <a:solidFill>
-                  <a:schemeClr val="tx1"/>
-                </a:solidFill>
-                <a:round/>
-                <a:headEnd/>
-                <a:tailEnd/>
-              </a:ln>
-              <a:effectLst/>
-              <a:extLst>
-                <a:ext uri="{909E8E84-426E-40DD-AFC4-6F175D3DCCD1}">
-                  <a14:hiddenFill xmlns:a14="http://schemas.microsoft.com/office/drawing/2010/main">
-                    <a:noFill/>
-                  </a14:hiddenFill>
-                </a:ext>
-                <a:ext uri="{AF507438-7753-43E0-B8FC-AC1667EBCBE1}">
-                  <a14:hiddenEffects xmlns:a14="http://schemas.microsoft.com/office/drawing/2010/main">
-                    <a:effectLst>
-                      <a:outerShdw dist="35921" dir="2700000" algn="ctr" rotWithShape="0">
-                        <a:schemeClr val="bg2"/>
-                      </a:outerShdw>
-                    </a:effectLst>
-                  </a14:hiddenEffects>
-                </a:ext>
-              </a:extLst>
-            </p:spPr>
-            <p:txBody>
-              <a:bodyPr wrap="none" anchor="ctr">
-                <a:spAutoFit/>
-              </a:bodyPr>
-              <a:lstStyle/>
-              <a:p>
-                <a:endParaRPr lang="en-US"/>
-              </a:p>
-            </p:txBody>
-          </p:sp>
-          <p:sp>
-            <p:nvSpPr>
-              <p:cNvPr id="60" name="Line 46"/>
-              <p:cNvSpPr>
-                <a:spLocks noChangeShapeType="1"/>
-              </p:cNvSpPr>
-              <p:nvPr/>
-            </p:nvSpPr>
-            <p:spPr bwMode="auto">
-              <a:xfrm>
-                <a:off x="3946" y="3189"/>
-                <a:ext cx="518" cy="81"/>
-              </a:xfrm>
-              <a:prstGeom prst="line">
-                <a:avLst/>
-              </a:prstGeom>
-              <a:noFill/>
-              <a:ln w="19050">
-                <a:solidFill>
-                  <a:schemeClr val="tx1"/>
-                </a:solidFill>
-                <a:round/>
-                <a:headEnd/>
-                <a:tailEnd/>
-              </a:ln>
-              <a:effectLst/>
-              <a:extLst>
-                <a:ext uri="{909E8E84-426E-40DD-AFC4-6F175D3DCCD1}">
-                  <a14:hiddenFill xmlns:a14="http://schemas.microsoft.com/office/drawing/2010/main">
-                    <a:noFill/>
-                  </a14:hiddenFill>
-                </a:ext>
-                <a:ext uri="{AF507438-7753-43E0-B8FC-AC1667EBCBE1}">
-                  <a14:hiddenEffects xmlns:a14="http://schemas.microsoft.com/office/drawing/2010/main">
-                    <a:effectLst>
-                      <a:outerShdw dist="35921" dir="2700000" algn="ctr" rotWithShape="0">
-                        <a:schemeClr val="bg2"/>
-                      </a:outerShdw>
-                    </a:effectLst>
-                  </a14:hiddenEffects>
-                </a:ext>
-              </a:extLst>
-            </p:spPr>
-            <p:txBody>
-              <a:bodyPr anchor="ctr">
-                <a:spAutoFit/>
-              </a:bodyPr>
-              <a:lstStyle/>
-              <a:p>
-                <a:endParaRPr lang="en-US"/>
-              </a:p>
-            </p:txBody>
-          </p:sp>
-          <p:sp>
-            <p:nvSpPr>
-              <p:cNvPr id="61" name="Oval 47"/>
-              <p:cNvSpPr>
-                <a:spLocks noChangeArrowheads="1"/>
-              </p:cNvSpPr>
-              <p:nvPr/>
-            </p:nvSpPr>
-            <p:spPr bwMode="auto">
-              <a:xfrm>
-                <a:off x="3470" y="2659"/>
-                <a:ext cx="648" cy="856"/>
-              </a:xfrm>
-              <a:prstGeom prst="ellipse">
-                <a:avLst/>
-              </a:prstGeom>
-              <a:noFill/>
-              <a:ln w="9525">
-                <a:solidFill>
-                  <a:schemeClr val="tx1"/>
-                </a:solidFill>
-                <a:prstDash val="lgDashDot"/>
-                <a:round/>
-                <a:headEnd/>
-                <a:tailEnd/>
-              </a:ln>
-              <a:effectLst/>
-              <a:extLst>
-                <a:ext uri="{909E8E84-426E-40DD-AFC4-6F175D3DCCD1}">
-                  <a14:hiddenFill xmlns:a14="http://schemas.microsoft.com/office/drawing/2010/main">
-                    <a:solidFill>
-                      <a:schemeClr val="accent1"/>
-                    </a:solidFill>
-                  </a14:hiddenFill>
-                </a:ext>
-                <a:ext uri="{AF507438-7753-43E0-B8FC-AC1667EBCBE1}">
-                  <a14:hiddenEffects xmlns:a14="http://schemas.microsoft.com/office/drawing/2010/main">
-                    <a:effectLst>
-                      <a:outerShdw dist="35921" dir="2700000" algn="ctr" rotWithShape="0">
-                        <a:schemeClr val="bg2"/>
-                      </a:outerShdw>
-                    </a:effectLst>
-                  </a14:hiddenEffects>
-                </a:ext>
-              </a:extLst>
-            </p:spPr>
-            <p:txBody>
-              <a:bodyPr wrap="none" anchor="ctr">
-                <a:spAutoFit/>
-              </a:bodyPr>
-              <a:lstStyle>
-                <a:lvl1pPr>
-                  <a:defRPr>
-                    <a:solidFill>
-                      <a:schemeClr val="tx1"/>
-                    </a:solidFill>
-                    <a:latin typeface="Tahoma" panose="020B0604030504040204" pitchFamily="34" charset="0"/>
-                  </a:defRPr>
-                </a:lvl1pPr>
-                <a:lvl2pPr marL="742950" indent="-285750">
-                  <a:defRPr>
-                    <a:solidFill>
-                      <a:schemeClr val="tx1"/>
-                    </a:solidFill>
-                    <a:latin typeface="Tahoma" panose="020B0604030504040204" pitchFamily="34" charset="0"/>
-                  </a:defRPr>
-                </a:lvl2pPr>
-                <a:lvl3pPr marL="1143000" indent="-228600">
-                  <a:defRPr>
-                    <a:solidFill>
-                      <a:schemeClr val="tx1"/>
-                    </a:solidFill>
-                    <a:latin typeface="Tahoma" panose="020B0604030504040204" pitchFamily="34" charset="0"/>
-                  </a:defRPr>
-                </a:lvl3pPr>
-                <a:lvl4pPr marL="1600200" indent="-228600">
-                  <a:defRPr>
-                    <a:solidFill>
-                      <a:schemeClr val="tx1"/>
-                    </a:solidFill>
-                    <a:latin typeface="Tahoma" panose="020B0604030504040204" pitchFamily="34" charset="0"/>
-                  </a:defRPr>
-                </a:lvl4pPr>
-                <a:lvl5pPr marL="2057400" indent="-228600">
-                  <a:defRPr>
-                    <a:solidFill>
-                      <a:schemeClr val="tx1"/>
-                    </a:solidFill>
-                    <a:latin typeface="Tahoma" panose="020B0604030504040204" pitchFamily="34" charset="0"/>
-                  </a:defRPr>
-                </a:lvl5pPr>
-                <a:lvl6pPr marL="2514600" indent="-228600" eaLnBrk="0" fontAlgn="base" hangingPunct="0">
-                  <a:spcBef>
-                    <a:spcPct val="0"/>
-                  </a:spcBef>
-                  <a:spcAft>
-                    <a:spcPct val="0"/>
-                  </a:spcAft>
-                  <a:defRPr>
-                    <a:solidFill>
-                      <a:schemeClr val="tx1"/>
-                    </a:solidFill>
-                    <a:latin typeface="Tahoma" panose="020B0604030504040204" pitchFamily="34" charset="0"/>
-                  </a:defRPr>
-                </a:lvl6pPr>
-                <a:lvl7pPr marL="2971800" indent="-228600" eaLnBrk="0" fontAlgn="base" hangingPunct="0">
-                  <a:spcBef>
-                    <a:spcPct val="0"/>
-                  </a:spcBef>
-                  <a:spcAft>
-                    <a:spcPct val="0"/>
-                  </a:spcAft>
-                  <a:defRPr>
-                    <a:solidFill>
-                      <a:schemeClr val="tx1"/>
-                    </a:solidFill>
-                    <a:latin typeface="Tahoma" panose="020B0604030504040204" pitchFamily="34" charset="0"/>
-                  </a:defRPr>
-                </a:lvl7pPr>
-                <a:lvl8pPr marL="3429000" indent="-228600" eaLnBrk="0" fontAlgn="base" hangingPunct="0">
-                  <a:spcBef>
-                    <a:spcPct val="0"/>
-                  </a:spcBef>
-                  <a:spcAft>
-                    <a:spcPct val="0"/>
-                  </a:spcAft>
-                  <a:defRPr>
-                    <a:solidFill>
-                      <a:schemeClr val="tx1"/>
-                    </a:solidFill>
-                    <a:latin typeface="Tahoma" panose="020B0604030504040204" pitchFamily="34" charset="0"/>
-                  </a:defRPr>
-                </a:lvl8pPr>
-                <a:lvl9pPr marL="3886200" indent="-228600" eaLnBrk="0" fontAlgn="base" hangingPunct="0">
-                  <a:spcBef>
-                    <a:spcPct val="0"/>
-                  </a:spcBef>
-                  <a:spcAft>
-                    <a:spcPct val="0"/>
-                  </a:spcAft>
-                  <a:defRPr>
-                    <a:solidFill>
-                      <a:schemeClr val="tx1"/>
-                    </a:solidFill>
-                    <a:latin typeface="Tahoma" panose="020B0604030504040204" pitchFamily="34" charset="0"/>
-                  </a:defRPr>
-                </a:lvl9pPr>
-              </a:lstStyle>
-              <a:p>
-                <a:endParaRPr lang="en-US"/>
-              </a:p>
-            </p:txBody>
-          </p:sp>
-          <p:sp>
-            <p:nvSpPr>
-              <p:cNvPr id="62" name="Oval 48"/>
-              <p:cNvSpPr>
-                <a:spLocks noChangeArrowheads="1"/>
-              </p:cNvSpPr>
-              <p:nvPr/>
-            </p:nvSpPr>
-            <p:spPr bwMode="auto">
-              <a:xfrm>
-                <a:off x="4118" y="3066"/>
-                <a:ext cx="562" cy="571"/>
-              </a:xfrm>
-              <a:prstGeom prst="ellipse">
-                <a:avLst/>
-              </a:prstGeom>
-              <a:noFill/>
-              <a:ln w="9525">
-                <a:solidFill>
-                  <a:schemeClr val="tx1"/>
-                </a:solidFill>
-                <a:prstDash val="lgDashDot"/>
-                <a:round/>
-                <a:headEnd/>
-                <a:tailEnd/>
-              </a:ln>
-              <a:effectLst/>
-              <a:extLst>
-                <a:ext uri="{909E8E84-426E-40DD-AFC4-6F175D3DCCD1}">
-                  <a14:hiddenFill xmlns:a14="http://schemas.microsoft.com/office/drawing/2010/main">
-                    <a:solidFill>
-                      <a:schemeClr val="accent1"/>
-                    </a:solidFill>
-                  </a14:hiddenFill>
-                </a:ext>
-                <a:ext uri="{AF507438-7753-43E0-B8FC-AC1667EBCBE1}">
-                  <a14:hiddenEffects xmlns:a14="http://schemas.microsoft.com/office/drawing/2010/main">
-                    <a:effectLst>
-                      <a:outerShdw dist="35921" dir="2700000" algn="ctr" rotWithShape="0">
-                        <a:schemeClr val="bg2"/>
-                      </a:outerShdw>
-                    </a:effectLst>
-                  </a14:hiddenEffects>
-                </a:ext>
-              </a:extLst>
-            </p:spPr>
-            <p:txBody>
-              <a:bodyPr anchor="ctr">
-                <a:spAutoFit/>
-              </a:bodyPr>
-              <a:lstStyle>
-                <a:lvl1pPr>
-                  <a:defRPr>
-                    <a:solidFill>
-                      <a:schemeClr val="tx1"/>
-                    </a:solidFill>
-                    <a:latin typeface="Tahoma" panose="020B0604030504040204" pitchFamily="34" charset="0"/>
-                  </a:defRPr>
-                </a:lvl1pPr>
-                <a:lvl2pPr marL="742950" indent="-285750">
-                  <a:defRPr>
-                    <a:solidFill>
-                      <a:schemeClr val="tx1"/>
-                    </a:solidFill>
-                    <a:latin typeface="Tahoma" panose="020B0604030504040204" pitchFamily="34" charset="0"/>
-                  </a:defRPr>
-                </a:lvl2pPr>
-                <a:lvl3pPr marL="1143000" indent="-228600">
-                  <a:defRPr>
-                    <a:solidFill>
-                      <a:schemeClr val="tx1"/>
-                    </a:solidFill>
-                    <a:latin typeface="Tahoma" panose="020B0604030504040204" pitchFamily="34" charset="0"/>
-                  </a:defRPr>
-                </a:lvl3pPr>
-                <a:lvl4pPr marL="1600200" indent="-228600">
-                  <a:defRPr>
-                    <a:solidFill>
-                      <a:schemeClr val="tx1"/>
-                    </a:solidFill>
-                    <a:latin typeface="Tahoma" panose="020B0604030504040204" pitchFamily="34" charset="0"/>
-                  </a:defRPr>
-                </a:lvl4pPr>
-                <a:lvl5pPr marL="2057400" indent="-228600">
-                  <a:defRPr>
-                    <a:solidFill>
-                      <a:schemeClr val="tx1"/>
-                    </a:solidFill>
-                    <a:latin typeface="Tahoma" panose="020B0604030504040204" pitchFamily="34" charset="0"/>
-                  </a:defRPr>
-                </a:lvl5pPr>
-                <a:lvl6pPr marL="2514600" indent="-228600" eaLnBrk="0" fontAlgn="base" hangingPunct="0">
-                  <a:spcBef>
-                    <a:spcPct val="0"/>
-                  </a:spcBef>
-                  <a:spcAft>
-                    <a:spcPct val="0"/>
-                  </a:spcAft>
-                  <a:defRPr>
-                    <a:solidFill>
-                      <a:schemeClr val="tx1"/>
-                    </a:solidFill>
-                    <a:latin typeface="Tahoma" panose="020B0604030504040204" pitchFamily="34" charset="0"/>
-                  </a:defRPr>
-                </a:lvl6pPr>
-                <a:lvl7pPr marL="2971800" indent="-228600" eaLnBrk="0" fontAlgn="base" hangingPunct="0">
-                  <a:spcBef>
-                    <a:spcPct val="0"/>
-                  </a:spcBef>
-                  <a:spcAft>
-                    <a:spcPct val="0"/>
-                  </a:spcAft>
-                  <a:defRPr>
-                    <a:solidFill>
-                      <a:schemeClr val="tx1"/>
-                    </a:solidFill>
-                    <a:latin typeface="Tahoma" panose="020B0604030504040204" pitchFamily="34" charset="0"/>
-                  </a:defRPr>
-                </a:lvl7pPr>
-                <a:lvl8pPr marL="3429000" indent="-228600" eaLnBrk="0" fontAlgn="base" hangingPunct="0">
-                  <a:spcBef>
-                    <a:spcPct val="0"/>
-                  </a:spcBef>
-                  <a:spcAft>
-                    <a:spcPct val="0"/>
-                  </a:spcAft>
-                  <a:defRPr>
-                    <a:solidFill>
-                      <a:schemeClr val="tx1"/>
-                    </a:solidFill>
-                    <a:latin typeface="Tahoma" panose="020B0604030504040204" pitchFamily="34" charset="0"/>
-                  </a:defRPr>
-                </a:lvl8pPr>
-                <a:lvl9pPr marL="3886200" indent="-228600" eaLnBrk="0" fontAlgn="base" hangingPunct="0">
-                  <a:spcBef>
-                    <a:spcPct val="0"/>
-                  </a:spcBef>
-                  <a:spcAft>
-                    <a:spcPct val="0"/>
-                  </a:spcAft>
-                  <a:defRPr>
-                    <a:solidFill>
-                      <a:schemeClr val="tx1"/>
-                    </a:solidFill>
-                    <a:latin typeface="Tahoma" panose="020B0604030504040204" pitchFamily="34" charset="0"/>
-                  </a:defRPr>
-                </a:lvl9pPr>
-              </a:lstStyle>
-              <a:p>
-                <a:endParaRPr lang="en-US"/>
-              </a:p>
-            </p:txBody>
-          </p:sp>
-        </p:grpSp>
-        <p:graphicFrame>
-          <p:nvGraphicFramePr>
-            <p:cNvPr id="53" name="Object 49"/>
-            <p:cNvGraphicFramePr>
-              <a:graphicFrameLocks noChangeAspect="1"/>
-            </p:cNvGraphicFramePr>
-            <p:nvPr>
-              <p:extLst>
-                <p:ext uri="{D42A27DB-BD31-4B8C-83A1-F6EECF244321}">
-                  <p14:modId xmlns:p14="http://schemas.microsoft.com/office/powerpoint/2010/main" val="2089709873"/>
-                </p:ext>
-              </p:extLst>
-            </p:nvPr>
-          </p:nvGraphicFramePr>
-          <p:xfrm>
-            <a:off x="3119" y="3933"/>
-            <a:ext cx="1666" cy="260"/>
-          </p:xfrm>
-          <a:graphic>
-            <a:graphicData uri="http://schemas.openxmlformats.org/presentationml/2006/ole">
-              <mc:AlternateContent xmlns:mc="http://schemas.openxmlformats.org/markup-compatibility/2006">
-                <mc:Choice xmlns:v="urn:schemas-microsoft-com:vml" Requires="v">
-                  <p:oleObj spid="_x0000_s1033" name="Document" r:id="rId19" imgW="2694072" imgH="419641" progId="Word.Document.8">
-                    <p:embed/>
-                  </p:oleObj>
-                </mc:Choice>
-                <mc:Fallback>
-                  <p:oleObj name="Document" r:id="rId19" imgW="2694072" imgH="419641" progId="Word.Document.8">
-                    <p:embed/>
-                    <p:pic>
-                      <p:nvPicPr>
-                        <p:cNvPr id="0" name=""/>
-                        <p:cNvPicPr>
-                          <a:picLocks noChangeAspect="1" noChangeArrowheads="1"/>
-                        </p:cNvPicPr>
-                        <p:nvPr/>
-                      </p:nvPicPr>
-                      <p:blipFill>
-                        <a:blip r:embed="rId20"/>
-                        <a:srcRect/>
-                        <a:stretch>
-                          <a:fillRect/>
-                        </a:stretch>
-                      </p:blipFill>
-                      <p:spPr bwMode="auto">
-                        <a:xfrm>
-                          <a:off x="3119" y="3933"/>
-                          <a:ext cx="1666" cy="260"/>
                         </a:xfrm>
                         <a:prstGeom prst="rect">
                           <a:avLst/>
@@ -19956,7 +16206,7 @@
                             </p:stCondLst>
                             <p:childTnLst>
                               <p:par>
-                                <p:cTn id="5" presetID="22" presetClass="entr" presetSubtype="8" fill="hold" nodeType="clickEffect">
+                                <p:cTn id="5" presetID="1" presetClass="entr" presetSubtype="0" fill="hold" nodeType="clickEffect">
                                   <p:stCondLst>
                                     <p:cond delay="0"/>
                                   </p:stCondLst>
@@ -19969,7 +16219,7 @@
                                           </p:stCondLst>
                                         </p:cTn>
                                         <p:tgtEl>
-                                          <p:spTgt spid="16"/>
+                                          <p:spTgt spid="63"/>
                                         </p:tgtEl>
                                         <p:attrNameLst>
                                           <p:attrName>style.visibility</p:attrName>
@@ -19979,165 +16229,6 @@
                                         <p:strVal val="visible"/>
                                       </p:to>
                                     </p:set>
-                                    <p:animEffect transition="in" filter="wipe(left)">
-                                      <p:cBhvr>
-                                        <p:cTn id="7" dur="500"/>
-                                        <p:tgtEl>
-                                          <p:spTgt spid="16"/>
-                                        </p:tgtEl>
-                                      </p:cBhvr>
-                                    </p:animEffect>
-                                  </p:childTnLst>
-                                </p:cTn>
-                              </p:par>
-                            </p:childTnLst>
-                          </p:cTn>
-                        </p:par>
-                      </p:childTnLst>
-                    </p:cTn>
-                  </p:par>
-                  <p:par>
-                    <p:cTn id="8" fill="hold">
-                      <p:stCondLst>
-                        <p:cond delay="indefinite"/>
-                      </p:stCondLst>
-                      <p:childTnLst>
-                        <p:par>
-                          <p:cTn id="9" fill="hold">
-                            <p:stCondLst>
-                              <p:cond delay="0"/>
-                            </p:stCondLst>
-                            <p:childTnLst>
-                              <p:par>
-                                <p:cTn id="10" presetID="22" presetClass="entr" presetSubtype="8" fill="hold" nodeType="clickEffect">
-                                  <p:stCondLst>
-                                    <p:cond delay="0"/>
-                                  </p:stCondLst>
-                                  <p:childTnLst>
-                                    <p:set>
-                                      <p:cBhvr>
-                                        <p:cTn id="11" dur="1" fill="hold">
-                                          <p:stCondLst>
-                                            <p:cond delay="0"/>
-                                          </p:stCondLst>
-                                        </p:cTn>
-                                        <p:tgtEl>
-                                          <p:spTgt spid="28"/>
-                                        </p:tgtEl>
-                                        <p:attrNameLst>
-                                          <p:attrName>style.visibility</p:attrName>
-                                        </p:attrNameLst>
-                                      </p:cBhvr>
-                                      <p:to>
-                                        <p:strVal val="visible"/>
-                                      </p:to>
-                                    </p:set>
-                                    <p:animEffect transition="in" filter="wipe(left)">
-                                      <p:cBhvr>
-                                        <p:cTn id="12" dur="500"/>
-                                        <p:tgtEl>
-                                          <p:spTgt spid="28"/>
-                                        </p:tgtEl>
-                                      </p:cBhvr>
-                                    </p:animEffect>
-                                  </p:childTnLst>
-                                </p:cTn>
-                              </p:par>
-                            </p:childTnLst>
-                          </p:cTn>
-                        </p:par>
-                      </p:childTnLst>
-                    </p:cTn>
-                  </p:par>
-                  <p:par>
-                    <p:cTn id="13" fill="hold">
-                      <p:stCondLst>
-                        <p:cond delay="indefinite"/>
-                      </p:stCondLst>
-                      <p:childTnLst>
-                        <p:par>
-                          <p:cTn id="14" fill="hold">
-                            <p:stCondLst>
-                              <p:cond delay="0"/>
-                            </p:stCondLst>
-                            <p:childTnLst>
-                              <p:par>
-                                <p:cTn id="15" presetID="1" presetClass="entr" presetSubtype="0" fill="hold" nodeType="clickEffect">
-                                  <p:stCondLst>
-                                    <p:cond delay="0"/>
-                                  </p:stCondLst>
-                                  <p:childTnLst>
-                                    <p:set>
-                                      <p:cBhvr>
-                                        <p:cTn id="16" dur="1" fill="hold">
-                                          <p:stCondLst>
-                                            <p:cond delay="0"/>
-                                          </p:stCondLst>
-                                        </p:cTn>
-                                        <p:tgtEl>
-                                          <p:spTgt spid="40"/>
-                                        </p:tgtEl>
-                                        <p:attrNameLst>
-                                          <p:attrName>style.visibility</p:attrName>
-                                        </p:attrNameLst>
-                                      </p:cBhvr>
-                                      <p:to>
-                                        <p:strVal val="visible"/>
-                                      </p:to>
-                                    </p:set>
-                                  </p:childTnLst>
-                                </p:cTn>
-                              </p:par>
-                            </p:childTnLst>
-                          </p:cTn>
-                        </p:par>
-                      </p:childTnLst>
-                    </p:cTn>
-                  </p:par>
-                  <p:par>
-                    <p:cTn id="17" fill="hold">
-                      <p:stCondLst>
-                        <p:cond delay="indefinite"/>
-                      </p:stCondLst>
-                      <p:childTnLst>
-                        <p:par>
-                          <p:cTn id="18" fill="hold">
-                            <p:stCondLst>
-                              <p:cond delay="0"/>
-                            </p:stCondLst>
-                            <p:childTnLst>
-                              <p:par>
-                                <p:cTn id="19" presetID="22" presetClass="entr" presetSubtype="8" fill="hold" nodeType="clickEffect">
-                                  <p:stCondLst>
-                                    <p:cond delay="0"/>
-                                  </p:stCondLst>
-                                  <p:childTnLst>
-                                    <p:set>
-                                      <p:cBhvr>
-                                        <p:cTn id="20" dur="1" fill="hold">
-                                          <p:stCondLst>
-                                            <p:cond delay="0"/>
-                                          </p:stCondLst>
-                                        </p:cTn>
-                                        <p:tgtEl>
-                                          <p:spTgt spid="51"/>
-                                        </p:tgtEl>
-                                        <p:attrNameLst>
-                                          <p:attrName>style.visibility</p:attrName>
-                                        </p:attrNameLst>
-                                      </p:cBhvr>
-                                      <p:to>
-                                        <p:strVal val="visible"/>
-                                      </p:to>
-                                    </p:set>
-                                    <p:animEffect transition="in" filter="wipe(left)">
-                                      <p:cBhvr>
-                                        <p:cTn id="21" dur="500"/>
-                                        <p:tgtEl>
-                                          <p:spTgt spid="51"/>
-                                        </p:tgtEl>
-                                      </p:cBhvr>
-                                    </p:animEffect>
                                   </p:childTnLst>
                                 </p:cTn>
                               </p:par>
@@ -20206,7 +16297,7 @@
           <a:p>
             <a:r>
               <a:rPr lang="en-US" dirty="0" smtClean="0"/>
-              <a:t>Group Average</a:t>
+              <a:t>Time Complexity</a:t>
             </a:r>
             <a:endParaRPr lang="en-US" dirty="0"/>
           </a:p>
@@ -20214,12 +16305,12 @@
       </p:sp>
       <p:sp>
         <p:nvSpPr>
-          <p:cNvPr id="3" name="Text Placeholder 2"/>
+          <p:cNvPr id="3" name="Content Placeholder 2"/>
           <p:cNvSpPr>
             <a:spLocks noGrp="1"/>
           </p:cNvSpPr>
           <p:nvPr>
-            <p:ph type="body" idx="1"/>
+            <p:ph idx="1"/>
           </p:nvPr>
         </p:nvSpPr>
         <p:spPr/>
@@ -20229,20 +16320,60 @@
           <a:p>
             <a:r>
               <a:rPr lang="en-US" dirty="0" smtClean="0"/>
-              <a:t>Zach </a:t>
-            </a:r>
-            <a:r>
-              <a:rPr lang="en-US" dirty="0" err="1" smtClean="0"/>
-              <a:t>Brueske</a:t>
+              <a:t>PAM does not do large data sets well</a:t>
+            </a:r>
+          </a:p>
+          <a:p>
+            <a:r>
+              <a:rPr lang="en-US" dirty="0" smtClean="0"/>
+              <a:t>O(k(n – k)</a:t>
+            </a:r>
+            <a:r>
+              <a:rPr lang="en-US" baseline="30000" dirty="0" smtClean="0"/>
+              <a:t>2</a:t>
+            </a:r>
+            <a:r>
+              <a:rPr lang="en-US" dirty="0" smtClean="0"/>
+              <a:t>)</a:t>
             </a:r>
             <a:endParaRPr lang="en-US" dirty="0"/>
           </a:p>
         </p:txBody>
       </p:sp>
+      <p:pic>
+        <p:nvPicPr>
+          <p:cNvPr id="5" name="Picture 4"/>
+          <p:cNvPicPr>
+            <a:picLocks noChangeAspect="1"/>
+          </p:cNvPicPr>
+          <p:nvPr/>
+        </p:nvPicPr>
+        <p:blipFill>
+          <a:blip r:embed="rId2">
+            <a:extLst>
+              <a:ext uri="{28A0092B-C50C-407E-A947-70E740481C1C}">
+                <a14:useLocalDpi xmlns:a14="http://schemas.microsoft.com/office/drawing/2010/main" val="0"/>
+              </a:ext>
+            </a:extLst>
+          </a:blip>
+          <a:stretch>
+            <a:fillRect/>
+          </a:stretch>
+        </p:blipFill>
+        <p:spPr>
+          <a:xfrm>
+            <a:off x="5853049" y="2603500"/>
+            <a:ext cx="6228435" cy="3219784"/>
+          </a:xfrm>
+          <a:prstGeom prst="rect">
+            <a:avLst/>
+          </a:prstGeom>
+        </p:spPr>
+      </p:pic>
     </p:spTree>
     <p:extLst>
       <p:ext uri="{BB962C8B-B14F-4D97-AF65-F5344CB8AC3E}">
-        <p14:creationId xmlns:p14="http://schemas.microsoft.com/office/powerpoint/2010/main" val="1216694978"/>
+        <p14:creationId xmlns:p14="http://schemas.microsoft.com/office/powerpoint/2010/main" val="806575683"/>
       </p:ext>
     </p:extLst>
   </p:cSld>
@@ -20286,7 +16417,7 @@
           <a:p>
             <a:r>
               <a:rPr lang="en-US" dirty="0" smtClean="0"/>
-              <a:t>OPTICS</a:t>
+              <a:t>Group Average</a:t>
             </a:r>
             <a:endParaRPr lang="en-US" dirty="0"/>
           </a:p>
@@ -20309,7 +16440,11 @@
           <a:p>
             <a:r>
               <a:rPr lang="en-US" dirty="0" smtClean="0"/>
-              <a:t>Auston Schendzielos</a:t>
+              <a:t>Zach </a:t>
+            </a:r>
+            <a:r>
+              <a:rPr lang="en-US" dirty="0" err="1" smtClean="0"/>
+              <a:t>Brueske</a:t>
             </a:r>
             <a:endParaRPr lang="en-US" dirty="0"/>
           </a:p>
@@ -20318,7 +16453,7 @@
     </p:spTree>
     <p:extLst>
       <p:ext uri="{BB962C8B-B14F-4D97-AF65-F5344CB8AC3E}">
-        <p14:creationId xmlns:p14="http://schemas.microsoft.com/office/powerpoint/2010/main" val="182264284"/>
+        <p14:creationId xmlns:p14="http://schemas.microsoft.com/office/powerpoint/2010/main" val="1216694978"/>
       </p:ext>
     </p:extLst>
   </p:cSld>
@@ -20362,7 +16497,7 @@
           <a:p>
             <a:r>
               <a:rPr lang="en-US" dirty="0" smtClean="0"/>
-              <a:t>Algorithm</a:t>
+              <a:t>OPTICS</a:t>
             </a:r>
             <a:endParaRPr lang="en-US" dirty="0"/>
           </a:p>
@@ -20370,12 +16505,12 @@
       </p:sp>
       <p:sp>
         <p:nvSpPr>
-          <p:cNvPr id="3" name="Content Placeholder 2"/>
+          <p:cNvPr id="3" name="Text Placeholder 2"/>
           <p:cNvSpPr>
             <a:spLocks noGrp="1"/>
           </p:cNvSpPr>
           <p:nvPr>
-            <p:ph idx="1"/>
+            <p:ph type="body" idx="1"/>
           </p:nvPr>
         </p:nvSpPr>
         <p:spPr/>
@@ -20383,14 +16518,18 @@
           <a:bodyPr/>
           <a:lstStyle/>
           <a:p>
-            <a:endParaRPr lang="en-US"/>
+            <a:r>
+              <a:rPr lang="en-US" dirty="0" smtClean="0"/>
+              <a:t>Auston Schendzielos</a:t>
+            </a:r>
+            <a:endParaRPr lang="en-US" dirty="0"/>
           </a:p>
         </p:txBody>
       </p:sp>
     </p:spTree>
     <p:extLst>
       <p:ext uri="{BB962C8B-B14F-4D97-AF65-F5344CB8AC3E}">
-        <p14:creationId xmlns:p14="http://schemas.microsoft.com/office/powerpoint/2010/main" val="3023477373"/>
+        <p14:creationId xmlns:p14="http://schemas.microsoft.com/office/powerpoint/2010/main" val="182264284"/>
       </p:ext>
     </p:extLst>
   </p:cSld>
@@ -20658,7 +16797,7 @@
   <a:extraClrSchemeLst/>
   <a:extLst>
     <a:ext uri="{05A4C25C-085E-4340-85A3-A5531E510DB2}">
-      <thm15:themeFamily xmlns:thm15="http://schemas.microsoft.com/office/thememl/2012/main" xmlns="" name="Ion Boardroom" id="{FC33163D-4339-46B1-8EED-24C834239D99}" vid="{B8502691-933B-45FE-8764-BA278511EF27}"/>
+      <thm15:themeFamily xmlns:thm15="http://schemas.microsoft.com/office/thememl/2012/main" name="Ion Boardroom" id="{FC33163D-4339-46B1-8EED-24C834239D99}" vid="{B8502691-933B-45FE-8764-BA278511EF27}"/>
     </a:ext>
   </a:extLst>
 </a:theme>

--- a/FinalPresentation.pptx
+++ b/FinalPresentation.pptx
@@ -7,21 +7,23 @@
   <p:sldIdLst>
     <p:sldId id="256" r:id="rId2"/>
     <p:sldId id="260" r:id="rId3"/>
-    <p:sldId id="261" r:id="rId4"/>
-    <p:sldId id="257" r:id="rId5"/>
-    <p:sldId id="270" r:id="rId6"/>
-    <p:sldId id="271" r:id="rId7"/>
-    <p:sldId id="272" r:id="rId8"/>
-    <p:sldId id="258" r:id="rId9"/>
-    <p:sldId id="259" r:id="rId10"/>
-    <p:sldId id="262" r:id="rId11"/>
-    <p:sldId id="266" r:id="rId12"/>
-    <p:sldId id="263" r:id="rId13"/>
-    <p:sldId id="264" r:id="rId14"/>
-    <p:sldId id="265" r:id="rId15"/>
-    <p:sldId id="267" r:id="rId16"/>
-    <p:sldId id="268" r:id="rId17"/>
-    <p:sldId id="269" r:id="rId18"/>
+    <p:sldId id="273" r:id="rId4"/>
+    <p:sldId id="274" r:id="rId5"/>
+    <p:sldId id="261" r:id="rId6"/>
+    <p:sldId id="257" r:id="rId7"/>
+    <p:sldId id="270" r:id="rId8"/>
+    <p:sldId id="271" r:id="rId9"/>
+    <p:sldId id="272" r:id="rId10"/>
+    <p:sldId id="258" r:id="rId11"/>
+    <p:sldId id="259" r:id="rId12"/>
+    <p:sldId id="262" r:id="rId13"/>
+    <p:sldId id="266" r:id="rId14"/>
+    <p:sldId id="263" r:id="rId15"/>
+    <p:sldId id="264" r:id="rId16"/>
+    <p:sldId id="265" r:id="rId17"/>
+    <p:sldId id="267" r:id="rId18"/>
+    <p:sldId id="268" r:id="rId19"/>
+    <p:sldId id="269" r:id="rId20"/>
   </p:sldIdLst>
   <p:sldSz cx="12192000" cy="6858000"/>
   <p:notesSz cx="6858000" cy="9144000"/>
@@ -475,7 +477,7 @@
             <a:fld id="{5923F103-BC34-4FE4-A40E-EDDEECFDA5D0}" type="datetimeFigureOut">
               <a:rPr lang="en-US" dirty="0"/>
               <a:pPr/>
-              <a:t>5/4/2014</a:t>
+              <a:t>5/6/2014</a:t>
             </a:fld>
             <a:endParaRPr lang="en-US" dirty="0"/>
           </a:p>
@@ -1563,7 +1565,7 @@
           <a:p>
             <a:fld id="{923A1CC3-2375-41D4-9E03-427CAF2A4C1A}" type="datetimeFigureOut">
               <a:rPr lang="en-US" dirty="0"/>
-              <a:t>5/4/2014</a:t>
+              <a:t>5/6/2014</a:t>
             </a:fld>
             <a:endParaRPr lang="en-US" dirty="0"/>
           </a:p>
@@ -2543,7 +2545,7 @@
           <a:p>
             <a:fld id="{AFF16868-8199-4C2C-A5B1-63AEE139F88E}" type="datetimeFigureOut">
               <a:rPr lang="en-US" dirty="0"/>
-              <a:t>5/4/2014</a:t>
+              <a:t>5/6/2014</a:t>
             </a:fld>
             <a:endParaRPr lang="en-US" dirty="0"/>
           </a:p>
@@ -3677,7 +3679,7 @@
           <a:p>
             <a:fld id="{AAD9FF7F-6988-44CC-821B-644E70CD2F73}" type="datetimeFigureOut">
               <a:rPr lang="en-US" dirty="0"/>
-              <a:t>5/4/2014</a:t>
+              <a:t>5/6/2014</a:t>
             </a:fld>
             <a:endParaRPr lang="en-US" dirty="0"/>
           </a:p>
@@ -4710,7 +4712,7 @@
           <a:p>
             <a:fld id="{5C12C299-16B2-4475-990D-751901EACC14}" type="datetimeFigureOut">
               <a:rPr lang="en-US" dirty="0"/>
-              <a:t>5/4/2014</a:t>
+              <a:t>5/6/2014</a:t>
             </a:fld>
             <a:endParaRPr lang="en-US" dirty="0"/>
           </a:p>
@@ -5370,7 +5372,7 @@
           <a:p>
             <a:fld id="{9FE86839-B9D8-4651-8783-F325ECE74E65}" type="datetimeFigureOut">
               <a:rPr lang="en-US" dirty="0"/>
-              <a:t>5/4/2014</a:t>
+              <a:t>5/6/2014</a:t>
             </a:fld>
             <a:endParaRPr lang="en-US" dirty="0"/>
           </a:p>
@@ -6231,7 +6233,7 @@
           <a:p>
             <a:fld id="{FD484F64-32F6-45C5-931F-ADC1662401D0}" type="datetimeFigureOut">
               <a:rPr lang="en-US" dirty="0"/>
-              <a:t>5/4/2014</a:t>
+              <a:t>5/6/2014</a:t>
             </a:fld>
             <a:endParaRPr lang="en-US" dirty="0"/>
           </a:p>
@@ -6421,7 +6423,7 @@
           <a:p>
             <a:fld id="{53086D93-FCAC-47E0-A2EE-787E62CA814C}" type="datetimeFigureOut">
               <a:rPr lang="en-US" dirty="0"/>
-              <a:t>5/4/2014</a:t>
+              <a:t>5/6/2014</a:t>
             </a:fld>
             <a:endParaRPr lang="en-US" dirty="0"/>
           </a:p>
@@ -7393,7 +7395,7 @@
           <a:p>
             <a:fld id="{CDA879A6-0FD0-4734-A311-86BFCA472E6E}" type="datetimeFigureOut">
               <a:rPr lang="en-US" dirty="0"/>
-              <a:t>5/4/2014</a:t>
+              <a:t>5/6/2014</a:t>
             </a:fld>
             <a:endParaRPr lang="en-US" dirty="0"/>
           </a:p>
@@ -7604,7 +7606,7 @@
           <a:p>
             <a:fld id="{19C9CA7B-DFD4-44B5-8C60-D14B8CD1FB59}" type="datetimeFigureOut">
               <a:rPr lang="en-US" dirty="0"/>
-              <a:t>5/4/2014</a:t>
+              <a:t>5/6/2014</a:t>
             </a:fld>
             <a:endParaRPr lang="en-US" dirty="0"/>
           </a:p>
@@ -8638,7 +8640,7 @@
           <a:p>
             <a:fld id="{F34E6425-0181-43F2-84FC-787E803FD2F8}" type="datetimeFigureOut">
               <a:rPr lang="en-US" dirty="0"/>
-              <a:t>5/4/2014</a:t>
+              <a:t>5/6/2014</a:t>
             </a:fld>
             <a:endParaRPr lang="en-US" dirty="0"/>
           </a:p>
@@ -8910,7 +8912,7 @@
           <a:p>
             <a:fld id="{3BDB8791-F1B0-41E7-B7FD-A781E65C4266}" type="datetimeFigureOut">
               <a:rPr lang="en-US" dirty="0"/>
-              <a:t>5/4/2014</a:t>
+              <a:t>5/6/2014</a:t>
             </a:fld>
             <a:endParaRPr lang="en-US" dirty="0"/>
           </a:p>
@@ -9320,7 +9322,7 @@
           <a:p>
             <a:fld id="{5FDD63B2-E120-4ED8-B27B-C685F510A5FE}" type="datetimeFigureOut">
               <a:rPr lang="en-US" dirty="0"/>
-              <a:t>5/4/2014</a:t>
+              <a:t>5/6/2014</a:t>
             </a:fld>
             <a:endParaRPr lang="en-US" dirty="0"/>
           </a:p>
@@ -9447,7 +9449,7 @@
           <a:p>
             <a:fld id="{7AA18ACC-A947-437B-A130-35BD54FDF1E9}" type="datetimeFigureOut">
               <a:rPr lang="en-US" dirty="0"/>
-              <a:t>5/4/2014</a:t>
+              <a:t>5/6/2014</a:t>
             </a:fld>
             <a:endParaRPr lang="en-US" dirty="0"/>
           </a:p>
@@ -9542,7 +9544,7 @@
           <a:p>
             <a:fld id="{7C8D7E02-BCB8-4D50-A234-369438C08659}" type="datetimeFigureOut">
               <a:rPr lang="en-US" dirty="0"/>
-              <a:t>5/4/2014</a:t>
+              <a:t>5/6/2014</a:t>
             </a:fld>
             <a:endParaRPr lang="en-US" dirty="0"/>
           </a:p>
@@ -10623,7 +10625,7 @@
           <a:p>
             <a:fld id="{76E86A4C-8E40-4F87-A4F0-01A0687C5742}" type="datetimeFigureOut">
               <a:rPr lang="en-US" dirty="0"/>
-              <a:t>5/4/2014</a:t>
+              <a:t>5/6/2014</a:t>
             </a:fld>
             <a:endParaRPr lang="en-US" dirty="0"/>
           </a:p>
@@ -11731,7 +11733,7 @@
           <a:p>
             <a:fld id="{35E72C73-2D91-4E12-BA25-F0AA0C03599B}" type="datetimeFigureOut">
               <a:rPr lang="en-US" dirty="0"/>
-              <a:t>5/4/2014</a:t>
+              <a:t>5/6/2014</a:t>
             </a:fld>
             <a:endParaRPr lang="en-US" dirty="0"/>
           </a:p>
@@ -12728,7 +12730,7 @@
           <a:p>
             <a:fld id="{2BE451C3-0FF4-47C4-B829-773ADF60F88C}" type="datetimeFigureOut">
               <a:rPr lang="en-US" dirty="0"/>
-              <a:t>5/4/2014</a:t>
+              <a:t>5/6/2014</a:t>
             </a:fld>
             <a:endParaRPr lang="en-US" dirty="0"/>
           </a:p>
@@ -13393,7 +13395,7 @@
           <a:p>
             <a:r>
               <a:rPr lang="en-US" dirty="0" smtClean="0"/>
-              <a:t>Algorithm</a:t>
+              <a:t>Group Average</a:t>
             </a:r>
             <a:endParaRPr lang="en-US" dirty="0"/>
           </a:p>
@@ -13401,12 +13403,12 @@
       </p:sp>
       <p:sp>
         <p:nvSpPr>
-          <p:cNvPr id="3" name="Content Placeholder 2"/>
+          <p:cNvPr id="3" name="Text Placeholder 2"/>
           <p:cNvSpPr>
             <a:spLocks noGrp="1"/>
           </p:cNvSpPr>
           <p:nvPr>
-            <p:ph idx="1"/>
+            <p:ph type="body" idx="1"/>
           </p:nvPr>
         </p:nvSpPr>
         <p:spPr/>
@@ -13414,14 +13416,22 @@
           <a:bodyPr/>
           <a:lstStyle/>
           <a:p>
-            <a:endParaRPr lang="en-US"/>
+            <a:r>
+              <a:rPr lang="en-US" dirty="0" smtClean="0"/>
+              <a:t>Zach </a:t>
+            </a:r>
+            <a:r>
+              <a:rPr lang="en-US" dirty="0" err="1" smtClean="0"/>
+              <a:t>Brueske</a:t>
+            </a:r>
+            <a:endParaRPr lang="en-US" dirty="0"/>
           </a:p>
         </p:txBody>
       </p:sp>
     </p:spTree>
     <p:extLst>
       <p:ext uri="{BB962C8B-B14F-4D97-AF65-F5344CB8AC3E}">
-        <p14:creationId xmlns:p14="http://schemas.microsoft.com/office/powerpoint/2010/main" val="3023477373"/>
+        <p14:creationId xmlns:p14="http://schemas.microsoft.com/office/powerpoint/2010/main" val="1216694978"/>
       </p:ext>
     </p:extLst>
   </p:cSld>
@@ -13465,7 +13475,7 @@
           <a:p>
             <a:r>
               <a:rPr lang="en-US" dirty="0" smtClean="0"/>
-              <a:t>Visual Stuff</a:t>
+              <a:t>OPTICS</a:t>
             </a:r>
             <a:endParaRPr lang="en-US" dirty="0"/>
           </a:p>
@@ -13473,12 +13483,12 @@
       </p:sp>
       <p:sp>
         <p:nvSpPr>
-          <p:cNvPr id="3" name="Content Placeholder 2"/>
+          <p:cNvPr id="3" name="Text Placeholder 2"/>
           <p:cNvSpPr>
             <a:spLocks noGrp="1"/>
           </p:cNvSpPr>
           <p:nvPr>
-            <p:ph idx="1"/>
+            <p:ph type="body" idx="1"/>
           </p:nvPr>
         </p:nvSpPr>
         <p:spPr/>
@@ -13486,14 +13496,18 @@
           <a:bodyPr/>
           <a:lstStyle/>
           <a:p>
-            <a:endParaRPr lang="en-US"/>
+            <a:r>
+              <a:rPr lang="en-US" dirty="0" smtClean="0"/>
+              <a:t>Auston Schendzielos</a:t>
+            </a:r>
+            <a:endParaRPr lang="en-US" dirty="0"/>
           </a:p>
         </p:txBody>
       </p:sp>
     </p:spTree>
     <p:extLst>
       <p:ext uri="{BB962C8B-B14F-4D97-AF65-F5344CB8AC3E}">
-        <p14:creationId xmlns:p14="http://schemas.microsoft.com/office/powerpoint/2010/main" val="69646937"/>
+        <p14:creationId xmlns:p14="http://schemas.microsoft.com/office/powerpoint/2010/main" val="182264284"/>
       </p:ext>
     </p:extLst>
   </p:cSld>
@@ -13537,7 +13551,7 @@
           <a:p>
             <a:r>
               <a:rPr lang="en-US" dirty="0" smtClean="0"/>
-              <a:t>Complexity Analysis</a:t>
+              <a:t>Algorithm</a:t>
             </a:r>
             <a:endParaRPr lang="en-US" dirty="0"/>
           </a:p>
@@ -13545,12 +13559,12 @@
       </p:sp>
       <p:sp>
         <p:nvSpPr>
-          <p:cNvPr id="4" name="Text Placeholder 3"/>
+          <p:cNvPr id="3" name="Content Placeholder 2"/>
           <p:cNvSpPr>
             <a:spLocks noGrp="1"/>
           </p:cNvSpPr>
           <p:nvPr>
-            <p:ph type="body" idx="1"/>
+            <p:ph idx="1"/>
           </p:nvPr>
         </p:nvSpPr>
         <p:spPr/>
@@ -13558,71 +13572,6 @@
           <a:bodyPr/>
           <a:lstStyle/>
           <a:p>
-            <a:r>
-              <a:rPr lang="en-US" dirty="0" smtClean="0"/>
-              <a:t>DBSCAN</a:t>
-            </a:r>
-            <a:endParaRPr lang="en-US" dirty="0"/>
-          </a:p>
-        </p:txBody>
-      </p:sp>
-      <p:sp>
-        <p:nvSpPr>
-          <p:cNvPr id="5" name="Content Placeholder 4"/>
-          <p:cNvSpPr>
-            <a:spLocks noGrp="1"/>
-          </p:cNvSpPr>
-          <p:nvPr>
-            <p:ph sz="half" idx="2"/>
-          </p:nvPr>
-        </p:nvSpPr>
-        <p:spPr/>
-        <p:txBody>
-          <a:bodyPr/>
-          <a:lstStyle/>
-          <a:p>
-            <a:endParaRPr lang="en-US" dirty="0"/>
-          </a:p>
-        </p:txBody>
-      </p:sp>
-      <p:sp>
-        <p:nvSpPr>
-          <p:cNvPr id="6" name="Text Placeholder 5"/>
-          <p:cNvSpPr>
-            <a:spLocks noGrp="1"/>
-          </p:cNvSpPr>
-          <p:nvPr>
-            <p:ph type="body" sz="quarter" idx="3"/>
-          </p:nvPr>
-        </p:nvSpPr>
-        <p:spPr/>
-        <p:txBody>
-          <a:bodyPr/>
-          <a:lstStyle/>
-          <a:p>
-            <a:r>
-              <a:rPr lang="en-US" dirty="0" smtClean="0"/>
-              <a:t>OPTICS</a:t>
-            </a:r>
-            <a:endParaRPr lang="en-US" dirty="0"/>
-          </a:p>
-        </p:txBody>
-      </p:sp>
-      <p:sp>
-        <p:nvSpPr>
-          <p:cNvPr id="7" name="Content Placeholder 6"/>
-          <p:cNvSpPr>
-            <a:spLocks noGrp="1"/>
-          </p:cNvSpPr>
-          <p:nvPr>
-            <p:ph sz="quarter" idx="4"/>
-          </p:nvPr>
-        </p:nvSpPr>
-        <p:spPr/>
-        <p:txBody>
-          <a:bodyPr/>
-          <a:lstStyle/>
-          <a:p>
             <a:endParaRPr lang="en-US"/>
           </a:p>
         </p:txBody>
@@ -13630,7 +13579,7 @@
     </p:spTree>
     <p:extLst>
       <p:ext uri="{BB962C8B-B14F-4D97-AF65-F5344CB8AC3E}">
-        <p14:creationId xmlns:p14="http://schemas.microsoft.com/office/powerpoint/2010/main" val="1979480688"/>
+        <p14:creationId xmlns:p14="http://schemas.microsoft.com/office/powerpoint/2010/main" val="3023477373"/>
       </p:ext>
     </p:extLst>
   </p:cSld>
@@ -13674,7 +13623,7 @@
           <a:p>
             <a:r>
               <a:rPr lang="en-US" dirty="0" smtClean="0"/>
-              <a:t>Entropy by Cluster</a:t>
+              <a:t>Visual Stuff</a:t>
             </a:r>
             <a:endParaRPr lang="en-US" dirty="0"/>
           </a:p>
@@ -13702,7 +13651,7 @@
     </p:spTree>
     <p:extLst>
       <p:ext uri="{BB962C8B-B14F-4D97-AF65-F5344CB8AC3E}">
-        <p14:creationId xmlns:p14="http://schemas.microsoft.com/office/powerpoint/2010/main" val="1974077312"/>
+        <p14:creationId xmlns:p14="http://schemas.microsoft.com/office/powerpoint/2010/main" val="69646937"/>
       </p:ext>
     </p:extLst>
   </p:cSld>
@@ -13746,7 +13695,7 @@
           <a:p>
             <a:r>
               <a:rPr lang="en-US" dirty="0" smtClean="0"/>
-              <a:t>Prediction Assessment </a:t>
+              <a:t>Complexity Analysis</a:t>
             </a:r>
             <a:endParaRPr lang="en-US" dirty="0"/>
           </a:p>
@@ -13754,12 +13703,12 @@
       </p:sp>
       <p:sp>
         <p:nvSpPr>
-          <p:cNvPr id="3" name="Content Placeholder 2"/>
+          <p:cNvPr id="4" name="Text Placeholder 3"/>
           <p:cNvSpPr>
             <a:spLocks noGrp="1"/>
           </p:cNvSpPr>
           <p:nvPr>
-            <p:ph idx="1"/>
+            <p:ph type="body" idx="1"/>
           </p:nvPr>
         </p:nvSpPr>
         <p:spPr/>
@@ -13767,6 +13716,71 @@
           <a:bodyPr/>
           <a:lstStyle/>
           <a:p>
+            <a:r>
+              <a:rPr lang="en-US" dirty="0" smtClean="0"/>
+              <a:t>DBSCAN</a:t>
+            </a:r>
+            <a:endParaRPr lang="en-US" dirty="0"/>
+          </a:p>
+        </p:txBody>
+      </p:sp>
+      <p:sp>
+        <p:nvSpPr>
+          <p:cNvPr id="5" name="Content Placeholder 4"/>
+          <p:cNvSpPr>
+            <a:spLocks noGrp="1"/>
+          </p:cNvSpPr>
+          <p:nvPr>
+            <p:ph sz="half" idx="2"/>
+          </p:nvPr>
+        </p:nvSpPr>
+        <p:spPr/>
+        <p:txBody>
+          <a:bodyPr/>
+          <a:lstStyle/>
+          <a:p>
+            <a:endParaRPr lang="en-US" dirty="0"/>
+          </a:p>
+        </p:txBody>
+      </p:sp>
+      <p:sp>
+        <p:nvSpPr>
+          <p:cNvPr id="6" name="Text Placeholder 5"/>
+          <p:cNvSpPr>
+            <a:spLocks noGrp="1"/>
+          </p:cNvSpPr>
+          <p:nvPr>
+            <p:ph type="body" sz="quarter" idx="3"/>
+          </p:nvPr>
+        </p:nvSpPr>
+        <p:spPr/>
+        <p:txBody>
+          <a:bodyPr/>
+          <a:lstStyle/>
+          <a:p>
+            <a:r>
+              <a:rPr lang="en-US" dirty="0" smtClean="0"/>
+              <a:t>OPTICS</a:t>
+            </a:r>
+            <a:endParaRPr lang="en-US" dirty="0"/>
+          </a:p>
+        </p:txBody>
+      </p:sp>
+      <p:sp>
+        <p:nvSpPr>
+          <p:cNvPr id="7" name="Content Placeholder 6"/>
+          <p:cNvSpPr>
+            <a:spLocks noGrp="1"/>
+          </p:cNvSpPr>
+          <p:nvPr>
+            <p:ph sz="quarter" idx="4"/>
+          </p:nvPr>
+        </p:nvSpPr>
+        <p:spPr/>
+        <p:txBody>
+          <a:bodyPr/>
+          <a:lstStyle/>
+          <a:p>
             <a:endParaRPr lang="en-US"/>
           </a:p>
         </p:txBody>
@@ -13774,7 +13788,7 @@
     </p:spTree>
     <p:extLst>
       <p:ext uri="{BB962C8B-B14F-4D97-AF65-F5344CB8AC3E}">
-        <p14:creationId xmlns:p14="http://schemas.microsoft.com/office/powerpoint/2010/main" val="3062305719"/>
+        <p14:creationId xmlns:p14="http://schemas.microsoft.com/office/powerpoint/2010/main" val="1979480688"/>
       </p:ext>
     </p:extLst>
   </p:cSld>
@@ -13818,7 +13832,7 @@
           <a:p>
             <a:r>
               <a:rPr lang="en-US" dirty="0" smtClean="0"/>
-              <a:t>Final Analysis</a:t>
+              <a:t>Entropy by Cluster</a:t>
             </a:r>
             <a:endParaRPr lang="en-US" dirty="0"/>
           </a:p>
@@ -13826,12 +13840,12 @@
       </p:sp>
       <p:sp>
         <p:nvSpPr>
-          <p:cNvPr id="3" name="Text Placeholder 2"/>
+          <p:cNvPr id="3" name="Content Placeholder 2"/>
           <p:cNvSpPr>
             <a:spLocks noGrp="1"/>
           </p:cNvSpPr>
           <p:nvPr>
-            <p:ph type="body" idx="1"/>
+            <p:ph idx="1"/>
           </p:nvPr>
         </p:nvSpPr>
         <p:spPr/>
@@ -13839,14 +13853,14 @@
           <a:bodyPr/>
           <a:lstStyle/>
           <a:p>
-            <a:endParaRPr lang="en-US" dirty="0"/>
+            <a:endParaRPr lang="en-US"/>
           </a:p>
         </p:txBody>
       </p:sp>
     </p:spTree>
     <p:extLst>
       <p:ext uri="{BB962C8B-B14F-4D97-AF65-F5344CB8AC3E}">
-        <p14:creationId xmlns:p14="http://schemas.microsoft.com/office/powerpoint/2010/main" val="1509802558"/>
+        <p14:creationId xmlns:p14="http://schemas.microsoft.com/office/powerpoint/2010/main" val="1974077312"/>
       </p:ext>
     </p:extLst>
   </p:cSld>
@@ -13875,7 +13889,7 @@
       </p:grpSpPr>
       <p:sp>
         <p:nvSpPr>
-          <p:cNvPr id="4" name="Title 3"/>
+          <p:cNvPr id="2" name="Title 1"/>
           <p:cNvSpPr>
             <a:spLocks noGrp="1"/>
           </p:cNvSpPr>
@@ -13888,18 +13902,22 @@
           <a:bodyPr/>
           <a:lstStyle/>
           <a:p>
-            <a:endParaRPr lang="en-US"/>
+            <a:r>
+              <a:rPr lang="en-US" dirty="0" smtClean="0"/>
+              <a:t>Prediction Assessment </a:t>
+            </a:r>
+            <a:endParaRPr lang="en-US" dirty="0"/>
           </a:p>
         </p:txBody>
       </p:sp>
       <p:sp>
         <p:nvSpPr>
-          <p:cNvPr id="5" name="Text Placeholder 4"/>
+          <p:cNvPr id="3" name="Content Placeholder 2"/>
           <p:cNvSpPr>
             <a:spLocks noGrp="1"/>
           </p:cNvSpPr>
           <p:nvPr>
-            <p:ph type="body" idx="1"/>
+            <p:ph idx="1"/>
           </p:nvPr>
         </p:nvSpPr>
         <p:spPr/>
@@ -13907,127 +13925,6 @@
           <a:bodyPr/>
           <a:lstStyle/>
           <a:p>
-            <a:r>
-              <a:rPr lang="en-US" dirty="0" smtClean="0"/>
-              <a:t>PAM</a:t>
-            </a:r>
-            <a:endParaRPr lang="en-US" dirty="0"/>
-          </a:p>
-        </p:txBody>
-      </p:sp>
-      <p:sp>
-        <p:nvSpPr>
-          <p:cNvPr id="8" name="Text Placeholder 7"/>
-          <p:cNvSpPr>
-            <a:spLocks noGrp="1"/>
-          </p:cNvSpPr>
-          <p:nvPr>
-            <p:ph type="body" sz="half" idx="15"/>
-          </p:nvPr>
-        </p:nvSpPr>
-        <p:spPr/>
-        <p:txBody>
-          <a:bodyPr/>
-          <a:lstStyle/>
-          <a:p>
-            <a:pPr marL="285750" indent="-285750">
-              <a:buFont typeface="Arial" panose="020B0604020202020204" pitchFamily="34" charset="0"/>
-              <a:buChar char="•"/>
-            </a:pPr>
-            <a:r>
-              <a:rPr lang="en-US" dirty="0" smtClean="0"/>
-              <a:t>Entropy</a:t>
-            </a:r>
-          </a:p>
-          <a:p>
-            <a:pPr marL="285750" indent="-285750">
-              <a:buFont typeface="Arial" panose="020B0604020202020204" pitchFamily="34" charset="0"/>
-              <a:buChar char="•"/>
-            </a:pPr>
-            <a:endParaRPr lang="en-US" dirty="0"/>
-          </a:p>
-        </p:txBody>
-      </p:sp>
-      <p:sp>
-        <p:nvSpPr>
-          <p:cNvPr id="6" name="Text Placeholder 5"/>
-          <p:cNvSpPr>
-            <a:spLocks noGrp="1"/>
-          </p:cNvSpPr>
-          <p:nvPr>
-            <p:ph type="body" sz="quarter" idx="3"/>
-          </p:nvPr>
-        </p:nvSpPr>
-        <p:spPr/>
-        <p:txBody>
-          <a:bodyPr/>
-          <a:lstStyle/>
-          <a:p>
-            <a:r>
-              <a:rPr lang="en-US" dirty="0" smtClean="0"/>
-              <a:t>Group Average	</a:t>
-            </a:r>
-            <a:endParaRPr lang="en-US" dirty="0"/>
-          </a:p>
-        </p:txBody>
-      </p:sp>
-      <p:sp>
-        <p:nvSpPr>
-          <p:cNvPr id="9" name="Text Placeholder 8"/>
-          <p:cNvSpPr>
-            <a:spLocks noGrp="1"/>
-          </p:cNvSpPr>
-          <p:nvPr>
-            <p:ph type="body" sz="half" idx="16"/>
-          </p:nvPr>
-        </p:nvSpPr>
-        <p:spPr/>
-        <p:txBody>
-          <a:bodyPr/>
-          <a:lstStyle/>
-          <a:p>
-            <a:endParaRPr lang="en-US" dirty="0"/>
-          </a:p>
-        </p:txBody>
-      </p:sp>
-      <p:sp>
-        <p:nvSpPr>
-          <p:cNvPr id="7" name="Text Placeholder 6"/>
-          <p:cNvSpPr>
-            <a:spLocks noGrp="1"/>
-          </p:cNvSpPr>
-          <p:nvPr>
-            <p:ph type="body" sz="quarter" idx="13"/>
-          </p:nvPr>
-        </p:nvSpPr>
-        <p:spPr/>
-        <p:txBody>
-          <a:bodyPr/>
-          <a:lstStyle/>
-          <a:p>
-            <a:r>
-              <a:rPr lang="en-US" dirty="0" smtClean="0"/>
-              <a:t>OPTICS</a:t>
-            </a:r>
-            <a:endParaRPr lang="en-US" dirty="0"/>
-          </a:p>
-        </p:txBody>
-      </p:sp>
-      <p:sp>
-        <p:nvSpPr>
-          <p:cNvPr id="10" name="Text Placeholder 9"/>
-          <p:cNvSpPr>
-            <a:spLocks noGrp="1"/>
-          </p:cNvSpPr>
-          <p:nvPr>
-            <p:ph type="body" sz="half" idx="17"/>
-          </p:nvPr>
-        </p:nvSpPr>
-        <p:spPr/>
-        <p:txBody>
-          <a:bodyPr/>
-          <a:lstStyle/>
-          <a:p>
             <a:endParaRPr lang="en-US"/>
           </a:p>
         </p:txBody>
@@ -14035,7 +13932,7 @@
     </p:spTree>
     <p:extLst>
       <p:ext uri="{BB962C8B-B14F-4D97-AF65-F5344CB8AC3E}">
-        <p14:creationId xmlns:p14="http://schemas.microsoft.com/office/powerpoint/2010/main" val="3890624472"/>
+        <p14:creationId xmlns:p14="http://schemas.microsoft.com/office/powerpoint/2010/main" val="3062305719"/>
       </p:ext>
     </p:extLst>
   </p:cSld>
@@ -14079,6 +13976,267 @@
           <a:p>
             <a:r>
               <a:rPr lang="en-US" dirty="0" smtClean="0"/>
+              <a:t>Final Analysis</a:t>
+            </a:r>
+            <a:endParaRPr lang="en-US" dirty="0"/>
+          </a:p>
+        </p:txBody>
+      </p:sp>
+      <p:sp>
+        <p:nvSpPr>
+          <p:cNvPr id="3" name="Text Placeholder 2"/>
+          <p:cNvSpPr>
+            <a:spLocks noGrp="1"/>
+          </p:cNvSpPr>
+          <p:nvPr>
+            <p:ph type="body" idx="1"/>
+          </p:nvPr>
+        </p:nvSpPr>
+        <p:spPr/>
+        <p:txBody>
+          <a:bodyPr/>
+          <a:lstStyle/>
+          <a:p>
+            <a:endParaRPr lang="en-US" dirty="0"/>
+          </a:p>
+        </p:txBody>
+      </p:sp>
+    </p:spTree>
+    <p:extLst>
+      <p:ext uri="{BB962C8B-B14F-4D97-AF65-F5344CB8AC3E}">
+        <p14:creationId xmlns:p14="http://schemas.microsoft.com/office/powerpoint/2010/main" val="1509802558"/>
+      </p:ext>
+    </p:extLst>
+  </p:cSld>
+  <p:clrMapOvr>
+    <a:masterClrMapping/>
+  </p:clrMapOvr>
+</p:sld>
+</file>
+
+<file path=ppt/slides/slide18.xml><?xml version="1.0" encoding="utf-8"?>
+<p:sld xmlns:a="http://schemas.openxmlformats.org/drawingml/2006/main" xmlns:r="http://schemas.openxmlformats.org/officeDocument/2006/relationships" xmlns:p="http://schemas.openxmlformats.org/presentationml/2006/main">
+  <p:cSld>
+    <p:spTree>
+      <p:nvGrpSpPr>
+        <p:cNvPr id="1" name=""/>
+        <p:cNvGrpSpPr/>
+        <p:nvPr/>
+      </p:nvGrpSpPr>
+      <p:grpSpPr>
+        <a:xfrm>
+          <a:off x="0" y="0"/>
+          <a:ext cx="0" cy="0"/>
+          <a:chOff x="0" y="0"/>
+          <a:chExt cx="0" cy="0"/>
+        </a:xfrm>
+      </p:grpSpPr>
+      <p:sp>
+        <p:nvSpPr>
+          <p:cNvPr id="4" name="Title 3"/>
+          <p:cNvSpPr>
+            <a:spLocks noGrp="1"/>
+          </p:cNvSpPr>
+          <p:nvPr>
+            <p:ph type="title"/>
+          </p:nvPr>
+        </p:nvSpPr>
+        <p:spPr/>
+        <p:txBody>
+          <a:bodyPr/>
+          <a:lstStyle/>
+          <a:p>
+            <a:endParaRPr lang="en-US"/>
+          </a:p>
+        </p:txBody>
+      </p:sp>
+      <p:sp>
+        <p:nvSpPr>
+          <p:cNvPr id="5" name="Text Placeholder 4"/>
+          <p:cNvSpPr>
+            <a:spLocks noGrp="1"/>
+          </p:cNvSpPr>
+          <p:nvPr>
+            <p:ph type="body" idx="1"/>
+          </p:nvPr>
+        </p:nvSpPr>
+        <p:spPr/>
+        <p:txBody>
+          <a:bodyPr/>
+          <a:lstStyle/>
+          <a:p>
+            <a:r>
+              <a:rPr lang="en-US" dirty="0" smtClean="0"/>
+              <a:t>PAM</a:t>
+            </a:r>
+            <a:endParaRPr lang="en-US" dirty="0"/>
+          </a:p>
+        </p:txBody>
+      </p:sp>
+      <p:sp>
+        <p:nvSpPr>
+          <p:cNvPr id="8" name="Text Placeholder 7"/>
+          <p:cNvSpPr>
+            <a:spLocks noGrp="1"/>
+          </p:cNvSpPr>
+          <p:nvPr>
+            <p:ph type="body" sz="half" idx="15"/>
+          </p:nvPr>
+        </p:nvSpPr>
+        <p:spPr/>
+        <p:txBody>
+          <a:bodyPr/>
+          <a:lstStyle/>
+          <a:p>
+            <a:pPr marL="285750" indent="-285750">
+              <a:buFont typeface="Arial" panose="020B0604020202020204" pitchFamily="34" charset="0"/>
+              <a:buChar char="•"/>
+            </a:pPr>
+            <a:r>
+              <a:rPr lang="en-US" dirty="0" smtClean="0"/>
+              <a:t>Entropy</a:t>
+            </a:r>
+          </a:p>
+          <a:p>
+            <a:pPr marL="285750" indent="-285750">
+              <a:buFont typeface="Arial" panose="020B0604020202020204" pitchFamily="34" charset="0"/>
+              <a:buChar char="•"/>
+            </a:pPr>
+            <a:endParaRPr lang="en-US" dirty="0"/>
+          </a:p>
+        </p:txBody>
+      </p:sp>
+      <p:sp>
+        <p:nvSpPr>
+          <p:cNvPr id="6" name="Text Placeholder 5"/>
+          <p:cNvSpPr>
+            <a:spLocks noGrp="1"/>
+          </p:cNvSpPr>
+          <p:nvPr>
+            <p:ph type="body" sz="quarter" idx="3"/>
+          </p:nvPr>
+        </p:nvSpPr>
+        <p:spPr/>
+        <p:txBody>
+          <a:bodyPr/>
+          <a:lstStyle/>
+          <a:p>
+            <a:r>
+              <a:rPr lang="en-US" dirty="0" smtClean="0"/>
+              <a:t>Group Average	</a:t>
+            </a:r>
+            <a:endParaRPr lang="en-US" dirty="0"/>
+          </a:p>
+        </p:txBody>
+      </p:sp>
+      <p:sp>
+        <p:nvSpPr>
+          <p:cNvPr id="9" name="Text Placeholder 8"/>
+          <p:cNvSpPr>
+            <a:spLocks noGrp="1"/>
+          </p:cNvSpPr>
+          <p:nvPr>
+            <p:ph type="body" sz="half" idx="16"/>
+          </p:nvPr>
+        </p:nvSpPr>
+        <p:spPr/>
+        <p:txBody>
+          <a:bodyPr/>
+          <a:lstStyle/>
+          <a:p>
+            <a:endParaRPr lang="en-US" dirty="0"/>
+          </a:p>
+        </p:txBody>
+      </p:sp>
+      <p:sp>
+        <p:nvSpPr>
+          <p:cNvPr id="7" name="Text Placeholder 6"/>
+          <p:cNvSpPr>
+            <a:spLocks noGrp="1"/>
+          </p:cNvSpPr>
+          <p:nvPr>
+            <p:ph type="body" sz="quarter" idx="13"/>
+          </p:nvPr>
+        </p:nvSpPr>
+        <p:spPr/>
+        <p:txBody>
+          <a:bodyPr/>
+          <a:lstStyle/>
+          <a:p>
+            <a:r>
+              <a:rPr lang="en-US" dirty="0" smtClean="0"/>
+              <a:t>OPTICS</a:t>
+            </a:r>
+            <a:endParaRPr lang="en-US" dirty="0"/>
+          </a:p>
+        </p:txBody>
+      </p:sp>
+      <p:sp>
+        <p:nvSpPr>
+          <p:cNvPr id="10" name="Text Placeholder 9"/>
+          <p:cNvSpPr>
+            <a:spLocks noGrp="1"/>
+          </p:cNvSpPr>
+          <p:nvPr>
+            <p:ph type="body" sz="half" idx="17"/>
+          </p:nvPr>
+        </p:nvSpPr>
+        <p:spPr/>
+        <p:txBody>
+          <a:bodyPr/>
+          <a:lstStyle/>
+          <a:p>
+            <a:endParaRPr lang="en-US"/>
+          </a:p>
+        </p:txBody>
+      </p:sp>
+    </p:spTree>
+    <p:extLst>
+      <p:ext uri="{BB962C8B-B14F-4D97-AF65-F5344CB8AC3E}">
+        <p14:creationId xmlns:p14="http://schemas.microsoft.com/office/powerpoint/2010/main" val="3890624472"/>
+      </p:ext>
+    </p:extLst>
+  </p:cSld>
+  <p:clrMapOvr>
+    <a:masterClrMapping/>
+  </p:clrMapOvr>
+</p:sld>
+</file>
+
+<file path=ppt/slides/slide19.xml><?xml version="1.0" encoding="utf-8"?>
+<p:sld xmlns:a="http://schemas.openxmlformats.org/drawingml/2006/main" xmlns:r="http://schemas.openxmlformats.org/officeDocument/2006/relationships" xmlns:p="http://schemas.openxmlformats.org/presentationml/2006/main">
+  <p:cSld>
+    <p:spTree>
+      <p:nvGrpSpPr>
+        <p:cNvPr id="1" name=""/>
+        <p:cNvGrpSpPr/>
+        <p:nvPr/>
+      </p:nvGrpSpPr>
+      <p:grpSpPr>
+        <a:xfrm>
+          <a:off x="0" y="0"/>
+          <a:ext cx="0" cy="0"/>
+          <a:chOff x="0" y="0"/>
+          <a:chExt cx="0" cy="0"/>
+        </a:xfrm>
+      </p:grpSpPr>
+      <p:sp>
+        <p:nvSpPr>
+          <p:cNvPr id="2" name="Title 1"/>
+          <p:cNvSpPr>
+            <a:spLocks noGrp="1"/>
+          </p:cNvSpPr>
+          <p:nvPr>
+            <p:ph type="title"/>
+          </p:nvPr>
+        </p:nvSpPr>
+        <p:spPr/>
+        <p:txBody>
+          <a:bodyPr/>
+          <a:lstStyle/>
+          <a:p>
+            <a:r>
+              <a:rPr lang="en-US" dirty="0" smtClean="0"/>
               <a:t>Future Work</a:t>
             </a:r>
             <a:endParaRPr lang="en-US" dirty="0"/>
@@ -14100,7 +14258,23 @@
           <a:bodyPr/>
           <a:lstStyle/>
           <a:p>
-            <a:endParaRPr lang="en-US"/>
+            <a:r>
+              <a:rPr lang="en-US" dirty="0" smtClean="0"/>
+              <a:t>CLARA</a:t>
+            </a:r>
+          </a:p>
+          <a:p>
+            <a:r>
+              <a:rPr lang="en-US" dirty="0" smtClean="0"/>
+              <a:t>More suitable data set</a:t>
+            </a:r>
+          </a:p>
+          <a:p>
+            <a:r>
+              <a:rPr lang="en-US" dirty="0" smtClean="0"/>
+              <a:t>Different sigma values</a:t>
+            </a:r>
+            <a:endParaRPr lang="en-US" dirty="0"/>
           </a:p>
         </p:txBody>
       </p:sp>
@@ -14172,7 +14346,22 @@
           <a:bodyPr/>
           <a:lstStyle/>
           <a:p>
-            <a:endParaRPr lang="en-US"/>
+            <a:r>
+              <a:rPr lang="en-US" dirty="0" smtClean="0"/>
+              <a:t>Run three clustering algorithms on the data set</a:t>
+            </a:r>
+          </a:p>
+          <a:p>
+            <a:r>
+              <a:rPr lang="en-US" dirty="0" smtClean="0"/>
+              <a:t>Observe and compare difference in output</a:t>
+            </a:r>
+          </a:p>
+          <a:p>
+            <a:endParaRPr lang="en-US" dirty="0"/>
+          </a:p>
+          <a:p>
+            <a:endParaRPr lang="en-US" dirty="0"/>
           </a:p>
         </p:txBody>
       </p:sp>
@@ -14223,7 +14412,7 @@
           <a:p>
             <a:r>
               <a:rPr lang="en-US" dirty="0" smtClean="0"/>
-              <a:t>Preprocessing</a:t>
+              <a:t>Summary of Data</a:t>
             </a:r>
             <a:endParaRPr lang="en-US" dirty="0"/>
           </a:p>
@@ -14244,14 +14433,42 @@
           <a:bodyPr/>
           <a:lstStyle/>
           <a:p>
-            <a:endParaRPr lang="en-US" dirty="0" smtClean="0"/>
+            <a:r>
+              <a:rPr lang="en-US" dirty="0" smtClean="0"/>
+              <a:t>140,707 instances of words that are followed during an observation time of 7 days</a:t>
+            </a:r>
+          </a:p>
+          <a:p>
+            <a:r>
+              <a:rPr lang="en-US" dirty="0" smtClean="0"/>
+              <a:t>77 total attributes</a:t>
+            </a:r>
+          </a:p>
+          <a:p>
+            <a:r>
+              <a:rPr lang="en-US" dirty="0" smtClean="0"/>
+              <a:t>Buzz</a:t>
+            </a:r>
+          </a:p>
+          <a:p>
+            <a:r>
+              <a:rPr lang="en-US" dirty="0" smtClean="0"/>
+              <a:t>No missing values</a:t>
+            </a:r>
+          </a:p>
+          <a:p>
+            <a:r>
+              <a:rPr lang="en-US" dirty="0" smtClean="0"/>
+              <a:t>19% instances created buzz, 81% did not create buzz</a:t>
+            </a:r>
+            <a:endParaRPr lang="en-US" dirty="0"/>
           </a:p>
         </p:txBody>
       </p:sp>
     </p:spTree>
     <p:extLst>
       <p:ext uri="{BB962C8B-B14F-4D97-AF65-F5344CB8AC3E}">
-        <p14:creationId xmlns:p14="http://schemas.microsoft.com/office/powerpoint/2010/main" val="3100694946"/>
+        <p14:creationId xmlns:p14="http://schemas.microsoft.com/office/powerpoint/2010/main" val="594242483"/>
       </p:ext>
     </p:extLst>
   </p:cSld>
@@ -14262,6 +14479,219 @@
 </file>
 
 <file path=ppt/slides/slide4.xml><?xml version="1.0" encoding="utf-8"?>
+<p:sld xmlns:a="http://schemas.openxmlformats.org/drawingml/2006/main" xmlns:r="http://schemas.openxmlformats.org/officeDocument/2006/relationships" xmlns:p="http://schemas.openxmlformats.org/presentationml/2006/main">
+  <p:cSld>
+    <p:spTree>
+      <p:nvGrpSpPr>
+        <p:cNvPr id="1" name=""/>
+        <p:cNvGrpSpPr/>
+        <p:nvPr/>
+      </p:nvGrpSpPr>
+      <p:grpSpPr>
+        <a:xfrm>
+          <a:off x="0" y="0"/>
+          <a:ext cx="0" cy="0"/>
+          <a:chOff x="0" y="0"/>
+          <a:chExt cx="0" cy="0"/>
+        </a:xfrm>
+      </p:grpSpPr>
+      <p:sp>
+        <p:nvSpPr>
+          <p:cNvPr id="6" name="Title 5"/>
+          <p:cNvSpPr>
+            <a:spLocks noGrp="1"/>
+          </p:cNvSpPr>
+          <p:nvPr>
+            <p:ph type="title"/>
+          </p:nvPr>
+        </p:nvSpPr>
+        <p:spPr>
+          <a:xfrm>
+            <a:off x="1154954" y="782053"/>
+            <a:ext cx="2793158" cy="485274"/>
+          </a:xfrm>
+        </p:spPr>
+        <p:txBody>
+          <a:bodyPr/>
+          <a:lstStyle/>
+          <a:p>
+            <a:r>
+              <a:rPr lang="en-US" dirty="0" smtClean="0"/>
+              <a:t>Attributes</a:t>
+            </a:r>
+            <a:endParaRPr lang="en-US" dirty="0"/>
+          </a:p>
+        </p:txBody>
+      </p:sp>
+      <p:sp>
+        <p:nvSpPr>
+          <p:cNvPr id="8" name="Text Placeholder 7"/>
+          <p:cNvSpPr>
+            <a:spLocks noGrp="1"/>
+          </p:cNvSpPr>
+          <p:nvPr>
+            <p:ph type="body" sz="half" idx="2"/>
+          </p:nvPr>
+        </p:nvSpPr>
+        <p:spPr>
+          <a:xfrm>
+            <a:off x="1154954" y="1267328"/>
+            <a:ext cx="2793158" cy="4757552"/>
+          </a:xfrm>
+        </p:spPr>
+        <p:txBody>
+          <a:bodyPr/>
+          <a:lstStyle/>
+          <a:p>
+            <a:pPr marL="285750" indent="-285750">
+              <a:buFont typeface="Arial" panose="020B0604020202020204" pitchFamily="34" charset="0"/>
+              <a:buChar char="•"/>
+            </a:pPr>
+            <a:r>
+              <a:rPr lang="en-US" dirty="0" smtClean="0"/>
+              <a:t>Number of Created Discussions</a:t>
+            </a:r>
+          </a:p>
+          <a:p>
+            <a:pPr marL="285750" indent="-285750">
+              <a:buFont typeface="Arial" panose="020B0604020202020204" pitchFamily="34" charset="0"/>
+              <a:buChar char="•"/>
+            </a:pPr>
+            <a:r>
+              <a:rPr lang="en-US" dirty="0" smtClean="0"/>
+              <a:t>Author Increase</a:t>
+            </a:r>
+          </a:p>
+          <a:p>
+            <a:pPr marL="285750" indent="-285750">
+              <a:buFont typeface="Arial" panose="020B0604020202020204" pitchFamily="34" charset="0"/>
+              <a:buChar char="•"/>
+            </a:pPr>
+            <a:r>
+              <a:rPr lang="en-US" dirty="0" smtClean="0"/>
+              <a:t>Attention Level</a:t>
+            </a:r>
+          </a:p>
+          <a:p>
+            <a:pPr marL="285750" indent="-285750">
+              <a:buFont typeface="Arial" panose="020B0604020202020204" pitchFamily="34" charset="0"/>
+              <a:buChar char="•"/>
+            </a:pPr>
+            <a:r>
+              <a:rPr lang="en-US" dirty="0" err="1" smtClean="0"/>
+              <a:t>Burstiness</a:t>
+            </a:r>
+            <a:r>
+              <a:rPr lang="en-US" dirty="0" smtClean="0"/>
+              <a:t> Level</a:t>
+            </a:r>
+          </a:p>
+          <a:p>
+            <a:pPr marL="285750" indent="-285750">
+              <a:buFont typeface="Arial" panose="020B0604020202020204" pitchFamily="34" charset="0"/>
+              <a:buChar char="•"/>
+            </a:pPr>
+            <a:r>
+              <a:rPr lang="en-US" dirty="0" smtClean="0"/>
+              <a:t>Number of Atomic Containers</a:t>
+            </a:r>
+          </a:p>
+          <a:p>
+            <a:pPr marL="285750" indent="-285750">
+              <a:buFont typeface="Arial" panose="020B0604020202020204" pitchFamily="34" charset="0"/>
+              <a:buChar char="•"/>
+            </a:pPr>
+            <a:r>
+              <a:rPr lang="en-US" dirty="0" smtClean="0"/>
+              <a:t>Attention Level</a:t>
+            </a:r>
+          </a:p>
+          <a:p>
+            <a:pPr marL="285750" indent="-285750">
+              <a:buFont typeface="Arial" panose="020B0604020202020204" pitchFamily="34" charset="0"/>
+              <a:buChar char="•"/>
+            </a:pPr>
+            <a:r>
+              <a:rPr lang="en-US" dirty="0" smtClean="0"/>
+              <a:t>Contribution Sparseness</a:t>
+            </a:r>
+          </a:p>
+          <a:p>
+            <a:pPr marL="285750" indent="-285750">
+              <a:buFont typeface="Arial" panose="020B0604020202020204" pitchFamily="34" charset="0"/>
+              <a:buChar char="•"/>
+            </a:pPr>
+            <a:r>
+              <a:rPr lang="en-US" dirty="0" smtClean="0"/>
+              <a:t>Author Interaction</a:t>
+            </a:r>
+          </a:p>
+          <a:p>
+            <a:pPr marL="285750" indent="-285750">
+              <a:buFont typeface="Arial" panose="020B0604020202020204" pitchFamily="34" charset="0"/>
+              <a:buChar char="•"/>
+            </a:pPr>
+            <a:r>
+              <a:rPr lang="en-US" dirty="0" smtClean="0"/>
+              <a:t>Number of Authors</a:t>
+            </a:r>
+          </a:p>
+          <a:p>
+            <a:pPr marL="285750" indent="-285750">
+              <a:buFont typeface="Arial" panose="020B0604020202020204" pitchFamily="34" charset="0"/>
+              <a:buChar char="•"/>
+            </a:pPr>
+            <a:r>
+              <a:rPr lang="en-US" dirty="0" smtClean="0"/>
+              <a:t>Average Discussion Length</a:t>
+            </a:r>
+          </a:p>
+          <a:p>
+            <a:pPr marL="285750" indent="-285750">
+              <a:buFont typeface="Arial" panose="020B0604020202020204" pitchFamily="34" charset="0"/>
+              <a:buChar char="•"/>
+            </a:pPr>
+            <a:r>
+              <a:rPr lang="en-US" dirty="0" smtClean="0"/>
+              <a:t>Average Discussion Length</a:t>
+            </a:r>
+            <a:endParaRPr lang="en-US" dirty="0"/>
+          </a:p>
+        </p:txBody>
+      </p:sp>
+      <p:sp>
+        <p:nvSpPr>
+          <p:cNvPr id="9" name="Content Placeholder 8"/>
+          <p:cNvSpPr>
+            <a:spLocks noGrp="1"/>
+          </p:cNvSpPr>
+          <p:nvPr>
+            <p:ph idx="1"/>
+          </p:nvPr>
+        </p:nvSpPr>
+        <p:spPr/>
+        <p:txBody>
+          <a:bodyPr/>
+          <a:lstStyle/>
+          <a:p>
+            <a:endParaRPr lang="en-US"/>
+          </a:p>
+        </p:txBody>
+      </p:sp>
+    </p:spTree>
+    <p:extLst>
+      <p:ext uri="{BB962C8B-B14F-4D97-AF65-F5344CB8AC3E}">
+        <p14:creationId xmlns:p14="http://schemas.microsoft.com/office/powerpoint/2010/main" val="3439608799"/>
+      </p:ext>
+    </p:extLst>
+  </p:cSld>
+  <p:clrMapOvr>
+    <a:masterClrMapping/>
+  </p:clrMapOvr>
+</p:sld>
+</file>
+
+<file path=ppt/slides/slide5.xml><?xml version="1.0" encoding="utf-8"?>
 <p:sld xmlns:a="http://schemas.openxmlformats.org/drawingml/2006/main" xmlns:r="http://schemas.openxmlformats.org/officeDocument/2006/relationships" xmlns:p="http://schemas.openxmlformats.org/presentationml/2006/main">
   <p:cSld>
     <p:spTree>
@@ -14295,6 +14725,89 @@
           <a:p>
             <a:r>
               <a:rPr lang="en-US" dirty="0" smtClean="0"/>
+              <a:t>Preprocessing</a:t>
+            </a:r>
+            <a:endParaRPr lang="en-US" dirty="0"/>
+          </a:p>
+        </p:txBody>
+      </p:sp>
+      <p:sp>
+        <p:nvSpPr>
+          <p:cNvPr id="3" name="Content Placeholder 2"/>
+          <p:cNvSpPr>
+            <a:spLocks noGrp="1"/>
+          </p:cNvSpPr>
+          <p:nvPr>
+            <p:ph idx="1"/>
+          </p:nvPr>
+        </p:nvSpPr>
+        <p:spPr/>
+        <p:txBody>
+          <a:bodyPr/>
+          <a:lstStyle/>
+          <a:p>
+            <a:r>
+              <a:rPr lang="en-US" dirty="0" smtClean="0"/>
+              <a:t>Averaged out the 77</a:t>
+            </a:r>
+          </a:p>
+          <a:p>
+            <a:pPr lvl="1"/>
+            <a:r>
+              <a:rPr lang="en-US" dirty="0" smtClean="0"/>
+              <a:t>Left with 11 attributes per entry</a:t>
+            </a:r>
+            <a:endParaRPr lang="en-US" dirty="0" smtClean="0"/>
+          </a:p>
+        </p:txBody>
+      </p:sp>
+    </p:spTree>
+    <p:extLst>
+      <p:ext uri="{BB962C8B-B14F-4D97-AF65-F5344CB8AC3E}">
+        <p14:creationId xmlns:p14="http://schemas.microsoft.com/office/powerpoint/2010/main" val="3100694946"/>
+      </p:ext>
+    </p:extLst>
+  </p:cSld>
+  <p:clrMapOvr>
+    <a:masterClrMapping/>
+  </p:clrMapOvr>
+</p:sld>
+</file>
+
+<file path=ppt/slides/slide6.xml><?xml version="1.0" encoding="utf-8"?>
+<p:sld xmlns:a="http://schemas.openxmlformats.org/drawingml/2006/main" xmlns:r="http://schemas.openxmlformats.org/officeDocument/2006/relationships" xmlns:p="http://schemas.openxmlformats.org/presentationml/2006/main">
+  <p:cSld>
+    <p:spTree>
+      <p:nvGrpSpPr>
+        <p:cNvPr id="1" name=""/>
+        <p:cNvGrpSpPr/>
+        <p:nvPr/>
+      </p:nvGrpSpPr>
+      <p:grpSpPr>
+        <a:xfrm>
+          <a:off x="0" y="0"/>
+          <a:ext cx="0" cy="0"/>
+          <a:chOff x="0" y="0"/>
+          <a:chExt cx="0" cy="0"/>
+        </a:xfrm>
+      </p:grpSpPr>
+      <p:sp>
+        <p:nvSpPr>
+          <p:cNvPr id="2" name="Title 1"/>
+          <p:cNvSpPr>
+            <a:spLocks noGrp="1"/>
+          </p:cNvSpPr>
+          <p:nvPr>
+            <p:ph type="title"/>
+          </p:nvPr>
+        </p:nvSpPr>
+        <p:spPr/>
+        <p:txBody>
+          <a:bodyPr/>
+          <a:lstStyle/>
+          <a:p>
+            <a:r>
+              <a:rPr lang="en-US" dirty="0" smtClean="0"/>
               <a:t>Partition Around  </a:t>
             </a:r>
             <a:r>
@@ -14410,7 +14923,7 @@
 </p:sld>
 </file>
 
-<file path=ppt/slides/slide5.xml><?xml version="1.0" encoding="utf-8"?>
+<file path=ppt/slides/slide7.xml><?xml version="1.0" encoding="utf-8"?>
 <p:sld xmlns:a="http://schemas.openxmlformats.org/drawingml/2006/main" xmlns:r="http://schemas.openxmlformats.org/officeDocument/2006/relationships" xmlns:p="http://schemas.openxmlformats.org/presentationml/2006/main">
   <p:cSld>
     <p:spTree>
@@ -14674,7 +15187,7 @@
 </p:sld>
 </file>
 
-<file path=ppt/slides/slide6.xml><?xml version="1.0" encoding="utf-8"?>
+<file path=ppt/slides/slide8.xml><?xml version="1.0" encoding="utf-8"?>
 <p:sld xmlns:a="http://schemas.openxmlformats.org/drawingml/2006/main" xmlns:r="http://schemas.openxmlformats.org/officeDocument/2006/relationships" xmlns:p="http://schemas.openxmlformats.org/presentationml/2006/main">
   <p:cSld>
     <p:spTree>
@@ -14853,7 +15366,7 @@
               <a:graphicData uri="http://schemas.openxmlformats.org/presentationml/2006/ole">
                 <mc:AlternateContent xmlns:mc="http://schemas.openxmlformats.org/markup-compatibility/2006">
                   <mc:Choice xmlns:v="urn:schemas-microsoft-com:vml" Requires="v">
-                    <p:oleObj spid="_x0000_s1046" name="Worksheet" r:id="rId3" imgW="2200656" imgH="2076907" progId="Excel.Sheet.8">
+                    <p:oleObj spid="_x0000_s1052" name="Worksheet" r:id="rId3" imgW="2200656" imgH="2076907" progId="Excel.Sheet.8">
                       <p:embed/>
                     </p:oleObj>
                   </mc:Choice>
@@ -16097,7 +16610,7 @@
             <a:graphicData uri="http://schemas.openxmlformats.org/presentationml/2006/ole">
               <mc:AlternateContent xmlns:mc="http://schemas.openxmlformats.org/markup-compatibility/2006">
                 <mc:Choice xmlns:v="urn:schemas-microsoft-com:vml" Requires="v">
-                  <p:oleObj spid="_x0000_s1047" name="Document" r:id="rId5" imgW="1143000" imgH="387096" progId="Word.Document.8">
+                  <p:oleObj spid="_x0000_s1053" name="Document" r:id="rId5" imgW="1143000" imgH="387096" progId="Word.Document.8">
                     <p:embed/>
                   </p:oleObj>
                 </mc:Choice>
@@ -16263,7 +16776,7 @@
 </p:sld>
 </file>
 
-<file path=ppt/slides/slide7.xml><?xml version="1.0" encoding="utf-8"?>
+<file path=ppt/slides/slide9.xml><?xml version="1.0" encoding="utf-8"?>
 <p:sld xmlns:a="http://schemas.openxmlformats.org/drawingml/2006/main" xmlns:r="http://schemas.openxmlformats.org/officeDocument/2006/relationships" xmlns:p="http://schemas.openxmlformats.org/presentationml/2006/main">
   <p:cSld>
     <p:spTree>
@@ -16374,162 +16887,6 @@
     <p:extLst>
       <p:ext uri="{BB962C8B-B14F-4D97-AF65-F5344CB8AC3E}">
         <p14:creationId xmlns:p14="http://schemas.microsoft.com/office/powerpoint/2010/main" val="806575683"/>
-      </p:ext>
-    </p:extLst>
-  </p:cSld>
-  <p:clrMapOvr>
-    <a:masterClrMapping/>
-  </p:clrMapOvr>
-</p:sld>
-</file>
-
-<file path=ppt/slides/slide8.xml><?xml version="1.0" encoding="utf-8"?>
-<p:sld xmlns:a="http://schemas.openxmlformats.org/drawingml/2006/main" xmlns:r="http://schemas.openxmlformats.org/officeDocument/2006/relationships" xmlns:p="http://schemas.openxmlformats.org/presentationml/2006/main">
-  <p:cSld>
-    <p:spTree>
-      <p:nvGrpSpPr>
-        <p:cNvPr id="1" name=""/>
-        <p:cNvGrpSpPr/>
-        <p:nvPr/>
-      </p:nvGrpSpPr>
-      <p:grpSpPr>
-        <a:xfrm>
-          <a:off x="0" y="0"/>
-          <a:ext cx="0" cy="0"/>
-          <a:chOff x="0" y="0"/>
-          <a:chExt cx="0" cy="0"/>
-        </a:xfrm>
-      </p:grpSpPr>
-      <p:sp>
-        <p:nvSpPr>
-          <p:cNvPr id="2" name="Title 1"/>
-          <p:cNvSpPr>
-            <a:spLocks noGrp="1"/>
-          </p:cNvSpPr>
-          <p:nvPr>
-            <p:ph type="title"/>
-          </p:nvPr>
-        </p:nvSpPr>
-        <p:spPr/>
-        <p:txBody>
-          <a:bodyPr/>
-          <a:lstStyle/>
-          <a:p>
-            <a:r>
-              <a:rPr lang="en-US" dirty="0" smtClean="0"/>
-              <a:t>Group Average</a:t>
-            </a:r>
-            <a:endParaRPr lang="en-US" dirty="0"/>
-          </a:p>
-        </p:txBody>
-      </p:sp>
-      <p:sp>
-        <p:nvSpPr>
-          <p:cNvPr id="3" name="Text Placeholder 2"/>
-          <p:cNvSpPr>
-            <a:spLocks noGrp="1"/>
-          </p:cNvSpPr>
-          <p:nvPr>
-            <p:ph type="body" idx="1"/>
-          </p:nvPr>
-        </p:nvSpPr>
-        <p:spPr/>
-        <p:txBody>
-          <a:bodyPr/>
-          <a:lstStyle/>
-          <a:p>
-            <a:r>
-              <a:rPr lang="en-US" dirty="0" smtClean="0"/>
-              <a:t>Zach </a:t>
-            </a:r>
-            <a:r>
-              <a:rPr lang="en-US" dirty="0" err="1" smtClean="0"/>
-              <a:t>Brueske</a:t>
-            </a:r>
-            <a:endParaRPr lang="en-US" dirty="0"/>
-          </a:p>
-        </p:txBody>
-      </p:sp>
-    </p:spTree>
-    <p:extLst>
-      <p:ext uri="{BB962C8B-B14F-4D97-AF65-F5344CB8AC3E}">
-        <p14:creationId xmlns:p14="http://schemas.microsoft.com/office/powerpoint/2010/main" val="1216694978"/>
-      </p:ext>
-    </p:extLst>
-  </p:cSld>
-  <p:clrMapOvr>
-    <a:masterClrMapping/>
-  </p:clrMapOvr>
-</p:sld>
-</file>
-
-<file path=ppt/slides/slide9.xml><?xml version="1.0" encoding="utf-8"?>
-<p:sld xmlns:a="http://schemas.openxmlformats.org/drawingml/2006/main" xmlns:r="http://schemas.openxmlformats.org/officeDocument/2006/relationships" xmlns:p="http://schemas.openxmlformats.org/presentationml/2006/main">
-  <p:cSld>
-    <p:spTree>
-      <p:nvGrpSpPr>
-        <p:cNvPr id="1" name=""/>
-        <p:cNvGrpSpPr/>
-        <p:nvPr/>
-      </p:nvGrpSpPr>
-      <p:grpSpPr>
-        <a:xfrm>
-          <a:off x="0" y="0"/>
-          <a:ext cx="0" cy="0"/>
-          <a:chOff x="0" y="0"/>
-          <a:chExt cx="0" cy="0"/>
-        </a:xfrm>
-      </p:grpSpPr>
-      <p:sp>
-        <p:nvSpPr>
-          <p:cNvPr id="2" name="Title 1"/>
-          <p:cNvSpPr>
-            <a:spLocks noGrp="1"/>
-          </p:cNvSpPr>
-          <p:nvPr>
-            <p:ph type="title"/>
-          </p:nvPr>
-        </p:nvSpPr>
-        <p:spPr/>
-        <p:txBody>
-          <a:bodyPr/>
-          <a:lstStyle/>
-          <a:p>
-            <a:r>
-              <a:rPr lang="en-US" dirty="0" smtClean="0"/>
-              <a:t>OPTICS</a:t>
-            </a:r>
-            <a:endParaRPr lang="en-US" dirty="0"/>
-          </a:p>
-        </p:txBody>
-      </p:sp>
-      <p:sp>
-        <p:nvSpPr>
-          <p:cNvPr id="3" name="Text Placeholder 2"/>
-          <p:cNvSpPr>
-            <a:spLocks noGrp="1"/>
-          </p:cNvSpPr>
-          <p:nvPr>
-            <p:ph type="body" idx="1"/>
-          </p:nvPr>
-        </p:nvSpPr>
-        <p:spPr/>
-        <p:txBody>
-          <a:bodyPr/>
-          <a:lstStyle/>
-          <a:p>
-            <a:r>
-              <a:rPr lang="en-US" dirty="0" smtClean="0"/>
-              <a:t>Auston Schendzielos</a:t>
-            </a:r>
-            <a:endParaRPr lang="en-US" dirty="0"/>
-          </a:p>
-        </p:txBody>
-      </p:sp>
-    </p:spTree>
-    <p:extLst>
-      <p:ext uri="{BB962C8B-B14F-4D97-AF65-F5344CB8AC3E}">
-        <p14:creationId xmlns:p14="http://schemas.microsoft.com/office/powerpoint/2010/main" val="182264284"/>
       </p:ext>
     </p:extLst>
   </p:cSld>

--- a/FinalPresentation.pptx
+++ b/FinalPresentation.pptx
@@ -16,14 +16,18 @@
     <p:sldId id="272" r:id="rId10"/>
     <p:sldId id="258" r:id="rId11"/>
     <p:sldId id="259" r:id="rId12"/>
-    <p:sldId id="262" r:id="rId13"/>
-    <p:sldId id="266" r:id="rId14"/>
-    <p:sldId id="263" r:id="rId15"/>
-    <p:sldId id="264" r:id="rId16"/>
-    <p:sldId id="265" r:id="rId17"/>
-    <p:sldId id="267" r:id="rId18"/>
-    <p:sldId id="268" r:id="rId19"/>
-    <p:sldId id="269" r:id="rId20"/>
+    <p:sldId id="275" r:id="rId13"/>
+    <p:sldId id="276" r:id="rId14"/>
+    <p:sldId id="277" r:id="rId15"/>
+    <p:sldId id="278" r:id="rId16"/>
+    <p:sldId id="262" r:id="rId17"/>
+    <p:sldId id="266" r:id="rId18"/>
+    <p:sldId id="263" r:id="rId19"/>
+    <p:sldId id="264" r:id="rId20"/>
+    <p:sldId id="265" r:id="rId21"/>
+    <p:sldId id="267" r:id="rId22"/>
+    <p:sldId id="268" r:id="rId23"/>
+    <p:sldId id="269" r:id="rId24"/>
   </p:sldIdLst>
   <p:sldSz cx="12192000" cy="6858000"/>
   <p:notesSz cx="6858000" cy="9144000"/>
@@ -124,7 +128,7 @@
   </p:defaultTextStyle>
   <p:extLst>
     <p:ext uri="{EFAFB233-063F-42B5-8137-9DF3F51BA10A}">
-      <p15:sldGuideLst xmlns:p15="http://schemas.microsoft.com/office/powerpoint/2012/main">
+      <p15:sldGuideLst xmlns:p15="http://schemas.microsoft.com/office/powerpoint/2012/main" xmlns="">
         <p15:guide id="1" orient="horz" pos="2160">
           <p15:clr>
             <a:srgbClr val="A4A3A4"/>
@@ -139,6 +143,2822 @@
     </p:ext>
   </p:extLst>
 </p:presentation>
+</file>
+
+<file path=ppt/charts/chart1.xml><?xml version="1.0" encoding="utf-8"?>
+<c:chartSpace xmlns:c="http://schemas.openxmlformats.org/drawingml/2006/chart" xmlns:a="http://schemas.openxmlformats.org/drawingml/2006/main" xmlns:r="http://schemas.openxmlformats.org/officeDocument/2006/relationships">
+  <c:date1904 val="0"/>
+  <c:lang val="en-US"/>
+  <c:roundedCorners val="0"/>
+  <mc:AlternateContent xmlns:mc="http://schemas.openxmlformats.org/markup-compatibility/2006">
+    <mc:Choice xmlns:c14="http://schemas.microsoft.com/office/drawing/2007/8/2/chart" Requires="c14">
+      <c14:style val="102"/>
+    </mc:Choice>
+    <mc:Fallback>
+      <c:style val="2"/>
+    </mc:Fallback>
+  </mc:AlternateContent>
+  <c:chart>
+    <c:title>
+      <c:tx>
+        <c:rich>
+          <a:bodyPr rot="0" spcFirstLastPara="1" vertOverflow="ellipsis" vert="horz" wrap="square" anchor="ctr" anchorCtr="1"/>
+          <a:lstStyle/>
+          <a:p>
+            <a:pPr>
+              <a:defRPr sz="1400" b="0" i="0" u="none" strike="noStrike" kern="1200" spc="0" baseline="0">
+                <a:solidFill>
+                  <a:schemeClr val="tx1">
+                    <a:lumMod val="65000"/>
+                    <a:lumOff val="35000"/>
+                  </a:schemeClr>
+                </a:solidFill>
+                <a:latin typeface="+mn-lt"/>
+                <a:ea typeface="+mn-ea"/>
+                <a:cs typeface="+mn-cs"/>
+              </a:defRPr>
+            </a:pPr>
+            <a:r>
+              <a:rPr lang="en-US"/>
+              <a:t>Info Gain For 20,000</a:t>
+            </a:r>
+            <a:r>
+              <a:rPr lang="en-US" baseline="0"/>
+              <a:t> Entry Data Set</a:t>
+            </a:r>
+            <a:endParaRPr lang="en-US"/>
+          </a:p>
+        </c:rich>
+      </c:tx>
+      <c:layout/>
+      <c:overlay val="0"/>
+      <c:spPr>
+        <a:noFill/>
+        <a:ln>
+          <a:noFill/>
+        </a:ln>
+        <a:effectLst/>
+      </c:spPr>
+    </c:title>
+    <c:autoTitleDeleted val="0"/>
+    <c:plotArea>
+      <c:layout/>
+      <c:lineChart>
+        <c:grouping val="standard"/>
+        <c:varyColors val="0"/>
+        <c:ser>
+          <c:idx val="0"/>
+          <c:order val="0"/>
+          <c:tx>
+            <c:strRef>
+              <c:f>'50IterationsFinal'!$E$1</c:f>
+              <c:strCache>
+                <c:ptCount val="1"/>
+                <c:pt idx="0">
+                  <c:v>InformationGain (50 iterations)</c:v>
+                </c:pt>
+              </c:strCache>
+            </c:strRef>
+          </c:tx>
+          <c:spPr>
+            <a:ln w="28575" cap="rnd">
+              <a:solidFill>
+                <a:schemeClr val="accent1"/>
+              </a:solidFill>
+              <a:round/>
+            </a:ln>
+            <a:effectLst/>
+          </c:spPr>
+          <c:marker>
+            <c:symbol val="none"/>
+          </c:marker>
+          <c:cat>
+            <c:strRef>
+              <c:f>'50IterationsFinal'!$A$2:$A$5</c:f>
+              <c:strCache>
+                <c:ptCount val="4"/>
+                <c:pt idx="0">
+                  <c:v>k = 2</c:v>
+                </c:pt>
+                <c:pt idx="1">
+                  <c:v>k = 4</c:v>
+                </c:pt>
+                <c:pt idx="2">
+                  <c:v>k = 8</c:v>
+                </c:pt>
+                <c:pt idx="3">
+                  <c:v>k = 16</c:v>
+                </c:pt>
+              </c:strCache>
+            </c:strRef>
+          </c:cat>
+          <c:val>
+            <c:numRef>
+              <c:f>'50IterationsFinal'!$E$2:$E$5</c:f>
+              <c:numCache>
+                <c:formatCode>General</c:formatCode>
+                <c:ptCount val="4"/>
+                <c:pt idx="0">
+                  <c:v>0.87307018000000003</c:v>
+                </c:pt>
+                <c:pt idx="1">
+                  <c:v>0.88433367299999999</c:v>
+                </c:pt>
+                <c:pt idx="2">
+                  <c:v>0.89409005699999999</c:v>
+                </c:pt>
+                <c:pt idx="3">
+                  <c:v>0.89572910100000003</c:v>
+                </c:pt>
+              </c:numCache>
+            </c:numRef>
+          </c:val>
+          <c:smooth val="0"/>
+        </c:ser>
+        <c:ser>
+          <c:idx val="1"/>
+          <c:order val="1"/>
+          <c:tx>
+            <c:strRef>
+              <c:f>'50IterationsFinal'!$F$1</c:f>
+              <c:strCache>
+                <c:ptCount val="1"/>
+                <c:pt idx="0">
+                  <c:v>InformationGain (100 iterations)</c:v>
+                </c:pt>
+              </c:strCache>
+            </c:strRef>
+          </c:tx>
+          <c:spPr>
+            <a:ln w="28575" cap="rnd">
+              <a:solidFill>
+                <a:schemeClr val="accent2"/>
+              </a:solidFill>
+              <a:round/>
+            </a:ln>
+            <a:effectLst/>
+          </c:spPr>
+          <c:marker>
+            <c:symbol val="none"/>
+          </c:marker>
+          <c:cat>
+            <c:strRef>
+              <c:f>'50IterationsFinal'!$A$2:$A$5</c:f>
+              <c:strCache>
+                <c:ptCount val="4"/>
+                <c:pt idx="0">
+                  <c:v>k = 2</c:v>
+                </c:pt>
+                <c:pt idx="1">
+                  <c:v>k = 4</c:v>
+                </c:pt>
+                <c:pt idx="2">
+                  <c:v>k = 8</c:v>
+                </c:pt>
+                <c:pt idx="3">
+                  <c:v>k = 16</c:v>
+                </c:pt>
+              </c:strCache>
+            </c:strRef>
+          </c:cat>
+          <c:val>
+            <c:numRef>
+              <c:f>'50IterationsFinal'!$F$2:$F$5</c:f>
+              <c:numCache>
+                <c:formatCode>General</c:formatCode>
+                <c:ptCount val="4"/>
+                <c:pt idx="0">
+                  <c:v>0.87537364243718396</c:v>
+                </c:pt>
+                <c:pt idx="1">
+                  <c:v>0.89075752042463097</c:v>
+                </c:pt>
+                <c:pt idx="2">
+                  <c:v>0.894101903796645</c:v>
+                </c:pt>
+                <c:pt idx="3">
+                  <c:v>0.896460210267774</c:v>
+                </c:pt>
+              </c:numCache>
+            </c:numRef>
+          </c:val>
+          <c:smooth val="0"/>
+        </c:ser>
+        <c:dLbls>
+          <c:showLegendKey val="0"/>
+          <c:showVal val="0"/>
+          <c:showCatName val="0"/>
+          <c:showSerName val="0"/>
+          <c:showPercent val="0"/>
+          <c:showBubbleSize val="0"/>
+        </c:dLbls>
+        <c:marker val="1"/>
+        <c:smooth val="0"/>
+        <c:axId val="89972096"/>
+        <c:axId val="91043712"/>
+      </c:lineChart>
+      <c:catAx>
+        <c:axId val="89972096"/>
+        <c:scaling>
+          <c:orientation val="minMax"/>
+        </c:scaling>
+        <c:delete val="0"/>
+        <c:axPos val="b"/>
+        <c:title>
+          <c:tx>
+            <c:rich>
+              <a:bodyPr rot="0" spcFirstLastPara="1" vertOverflow="ellipsis" vert="horz" wrap="square" anchor="ctr" anchorCtr="1"/>
+              <a:lstStyle/>
+              <a:p>
+                <a:pPr>
+                  <a:defRPr sz="1000" b="0" i="0" u="none" strike="noStrike" kern="1200" baseline="0">
+                    <a:solidFill>
+                      <a:schemeClr val="tx1">
+                        <a:lumMod val="65000"/>
+                        <a:lumOff val="35000"/>
+                      </a:schemeClr>
+                    </a:solidFill>
+                    <a:latin typeface="+mn-lt"/>
+                    <a:ea typeface="+mn-ea"/>
+                    <a:cs typeface="+mn-cs"/>
+                  </a:defRPr>
+                </a:pPr>
+                <a:r>
+                  <a:rPr lang="en-US"/>
+                  <a:t>Number of Medoids</a:t>
+                </a:r>
+              </a:p>
+            </c:rich>
+          </c:tx>
+          <c:layout/>
+          <c:overlay val="0"/>
+          <c:spPr>
+            <a:noFill/>
+            <a:ln>
+              <a:noFill/>
+            </a:ln>
+            <a:effectLst/>
+          </c:spPr>
+        </c:title>
+        <c:numFmt formatCode="General" sourceLinked="1"/>
+        <c:majorTickMark val="none"/>
+        <c:minorTickMark val="none"/>
+        <c:tickLblPos val="nextTo"/>
+        <c:spPr>
+          <a:noFill/>
+          <a:ln w="9525" cap="flat" cmpd="sng" algn="ctr">
+            <a:solidFill>
+              <a:schemeClr val="tx1">
+                <a:lumMod val="15000"/>
+                <a:lumOff val="85000"/>
+              </a:schemeClr>
+            </a:solidFill>
+            <a:round/>
+          </a:ln>
+          <a:effectLst/>
+        </c:spPr>
+        <c:txPr>
+          <a:bodyPr rot="-60000000" spcFirstLastPara="1" vertOverflow="ellipsis" vert="horz" wrap="square" anchor="ctr" anchorCtr="1"/>
+          <a:lstStyle/>
+          <a:p>
+            <a:pPr>
+              <a:defRPr sz="900" b="0" i="0" u="none" strike="noStrike" kern="1200" baseline="0">
+                <a:solidFill>
+                  <a:schemeClr val="tx1">
+                    <a:lumMod val="65000"/>
+                    <a:lumOff val="35000"/>
+                  </a:schemeClr>
+                </a:solidFill>
+                <a:latin typeface="+mn-lt"/>
+                <a:ea typeface="+mn-ea"/>
+                <a:cs typeface="+mn-cs"/>
+              </a:defRPr>
+            </a:pPr>
+            <a:endParaRPr lang="en-US"/>
+          </a:p>
+        </c:txPr>
+        <c:crossAx val="91043712"/>
+        <c:crosses val="autoZero"/>
+        <c:auto val="1"/>
+        <c:lblAlgn val="ctr"/>
+        <c:lblOffset val="100"/>
+        <c:noMultiLvlLbl val="0"/>
+      </c:catAx>
+      <c:valAx>
+        <c:axId val="91043712"/>
+        <c:scaling>
+          <c:orientation val="minMax"/>
+        </c:scaling>
+        <c:delete val="0"/>
+        <c:axPos val="l"/>
+        <c:majorGridlines>
+          <c:spPr>
+            <a:ln w="9525" cap="flat" cmpd="sng" algn="ctr">
+              <a:solidFill>
+                <a:schemeClr val="tx1">
+                  <a:lumMod val="15000"/>
+                  <a:lumOff val="85000"/>
+                </a:schemeClr>
+              </a:solidFill>
+              <a:round/>
+            </a:ln>
+            <a:effectLst/>
+          </c:spPr>
+        </c:majorGridlines>
+        <c:title>
+          <c:tx>
+            <c:rich>
+              <a:bodyPr rot="-5400000" spcFirstLastPara="1" vertOverflow="ellipsis" vert="horz" wrap="square" anchor="ctr" anchorCtr="1"/>
+              <a:lstStyle/>
+              <a:p>
+                <a:pPr>
+                  <a:defRPr sz="1000" b="0" i="0" u="none" strike="noStrike" kern="1200" baseline="0">
+                    <a:solidFill>
+                      <a:schemeClr val="tx1">
+                        <a:lumMod val="65000"/>
+                        <a:lumOff val="35000"/>
+                      </a:schemeClr>
+                    </a:solidFill>
+                    <a:latin typeface="+mn-lt"/>
+                    <a:ea typeface="+mn-ea"/>
+                    <a:cs typeface="+mn-cs"/>
+                  </a:defRPr>
+                </a:pPr>
+                <a:r>
+                  <a:rPr lang="en-US"/>
+                  <a:t>Information</a:t>
+                </a:r>
+                <a:r>
+                  <a:rPr lang="en-US" baseline="0"/>
+                  <a:t> Gain</a:t>
+                </a:r>
+                <a:endParaRPr lang="en-US"/>
+              </a:p>
+            </c:rich>
+          </c:tx>
+          <c:layout/>
+          <c:overlay val="0"/>
+          <c:spPr>
+            <a:noFill/>
+            <a:ln>
+              <a:noFill/>
+            </a:ln>
+            <a:effectLst/>
+          </c:spPr>
+        </c:title>
+        <c:numFmt formatCode="General" sourceLinked="1"/>
+        <c:majorTickMark val="none"/>
+        <c:minorTickMark val="none"/>
+        <c:tickLblPos val="nextTo"/>
+        <c:spPr>
+          <a:noFill/>
+          <a:ln>
+            <a:noFill/>
+          </a:ln>
+          <a:effectLst/>
+        </c:spPr>
+        <c:txPr>
+          <a:bodyPr rot="-60000000" spcFirstLastPara="1" vertOverflow="ellipsis" vert="horz" wrap="square" anchor="ctr" anchorCtr="1"/>
+          <a:lstStyle/>
+          <a:p>
+            <a:pPr>
+              <a:defRPr sz="900" b="0" i="0" u="none" strike="noStrike" kern="1200" baseline="0">
+                <a:solidFill>
+                  <a:schemeClr val="tx1">
+                    <a:lumMod val="65000"/>
+                    <a:lumOff val="35000"/>
+                  </a:schemeClr>
+                </a:solidFill>
+                <a:latin typeface="+mn-lt"/>
+                <a:ea typeface="+mn-ea"/>
+                <a:cs typeface="+mn-cs"/>
+              </a:defRPr>
+            </a:pPr>
+            <a:endParaRPr lang="en-US"/>
+          </a:p>
+        </c:txPr>
+        <c:crossAx val="89972096"/>
+        <c:crosses val="autoZero"/>
+        <c:crossBetween val="between"/>
+      </c:valAx>
+      <c:spPr>
+        <a:noFill/>
+        <a:ln>
+          <a:noFill/>
+        </a:ln>
+        <a:effectLst/>
+      </c:spPr>
+    </c:plotArea>
+    <c:legend>
+      <c:legendPos val="r"/>
+      <c:layout/>
+      <c:overlay val="0"/>
+      <c:spPr>
+        <a:noFill/>
+        <a:ln>
+          <a:noFill/>
+        </a:ln>
+        <a:effectLst/>
+      </c:spPr>
+      <c:txPr>
+        <a:bodyPr rot="0" spcFirstLastPara="1" vertOverflow="ellipsis" vert="horz" wrap="square" anchor="ctr" anchorCtr="1"/>
+        <a:lstStyle/>
+        <a:p>
+          <a:pPr>
+            <a:defRPr sz="900" b="0" i="0" u="none" strike="noStrike" kern="1200" baseline="0">
+              <a:solidFill>
+                <a:schemeClr val="tx1">
+                  <a:lumMod val="65000"/>
+                  <a:lumOff val="35000"/>
+                </a:schemeClr>
+              </a:solidFill>
+              <a:latin typeface="+mn-lt"/>
+              <a:ea typeface="+mn-ea"/>
+              <a:cs typeface="+mn-cs"/>
+            </a:defRPr>
+          </a:pPr>
+          <a:endParaRPr lang="en-US"/>
+        </a:p>
+      </c:txPr>
+    </c:legend>
+    <c:plotVisOnly val="1"/>
+    <c:dispBlanksAs val="gap"/>
+    <c:showDLblsOverMax val="0"/>
+  </c:chart>
+  <c:spPr>
+    <a:solidFill>
+      <a:schemeClr val="bg1"/>
+    </a:solidFill>
+    <a:ln w="9525" cap="flat" cmpd="sng" algn="ctr">
+      <a:solidFill>
+        <a:schemeClr val="tx1">
+          <a:lumMod val="15000"/>
+          <a:lumOff val="85000"/>
+        </a:schemeClr>
+      </a:solidFill>
+      <a:round/>
+    </a:ln>
+    <a:effectLst/>
+  </c:spPr>
+  <c:txPr>
+    <a:bodyPr/>
+    <a:lstStyle/>
+    <a:p>
+      <a:pPr>
+        <a:defRPr/>
+      </a:pPr>
+      <a:endParaRPr lang="en-US"/>
+    </a:p>
+  </c:txPr>
+  <c:externalData r:id="rId1">
+    <c:autoUpdate val="0"/>
+  </c:externalData>
+</c:chartSpace>
+</file>
+
+<file path=ppt/charts/chart2.xml><?xml version="1.0" encoding="utf-8"?>
+<c:chartSpace xmlns:c="http://schemas.openxmlformats.org/drawingml/2006/chart" xmlns:a="http://schemas.openxmlformats.org/drawingml/2006/main" xmlns:r="http://schemas.openxmlformats.org/officeDocument/2006/relationships">
+  <c:date1904 val="0"/>
+  <c:lang val="en-US"/>
+  <c:roundedCorners val="0"/>
+  <mc:AlternateContent xmlns:mc="http://schemas.openxmlformats.org/markup-compatibility/2006">
+    <mc:Choice xmlns:c14="http://schemas.microsoft.com/office/drawing/2007/8/2/chart" Requires="c14">
+      <c14:style val="102"/>
+    </mc:Choice>
+    <mc:Fallback>
+      <c:style val="2"/>
+    </mc:Fallback>
+  </mc:AlternateContent>
+  <c:chart>
+    <c:title>
+      <c:tx>
+        <c:rich>
+          <a:bodyPr rot="0" spcFirstLastPara="1" vertOverflow="ellipsis" vert="horz" wrap="square" anchor="ctr" anchorCtr="1"/>
+          <a:lstStyle/>
+          <a:p>
+            <a:pPr>
+              <a:defRPr sz="1400" b="0" i="0" u="none" strike="noStrike" kern="1200" spc="0" baseline="0">
+                <a:solidFill>
+                  <a:schemeClr val="tx1">
+                    <a:lumMod val="65000"/>
+                    <a:lumOff val="35000"/>
+                  </a:schemeClr>
+                </a:solidFill>
+                <a:latin typeface="+mn-lt"/>
+                <a:ea typeface="+mn-ea"/>
+                <a:cs typeface="+mn-cs"/>
+              </a:defRPr>
+            </a:pPr>
+            <a:r>
+              <a:rPr lang="en-US"/>
+              <a:t>Info Gain</a:t>
+            </a:r>
+            <a:r>
+              <a:rPr lang="en-US" baseline="0"/>
+              <a:t> For 50,000 Entry Data Set</a:t>
+            </a:r>
+            <a:endParaRPr lang="en-US"/>
+          </a:p>
+        </c:rich>
+      </c:tx>
+      <c:layout/>
+      <c:overlay val="0"/>
+      <c:spPr>
+        <a:noFill/>
+        <a:ln>
+          <a:noFill/>
+        </a:ln>
+        <a:effectLst/>
+      </c:spPr>
+    </c:title>
+    <c:autoTitleDeleted val="0"/>
+    <c:plotArea>
+      <c:layout/>
+      <c:lineChart>
+        <c:grouping val="standard"/>
+        <c:varyColors val="0"/>
+        <c:ser>
+          <c:idx val="0"/>
+          <c:order val="0"/>
+          <c:tx>
+            <c:strRef>
+              <c:f>'50000samples.data_results2and4'!$E$1</c:f>
+              <c:strCache>
+                <c:ptCount val="1"/>
+                <c:pt idx="0">
+                  <c:v>InformationGain (50 iterations)</c:v>
+                </c:pt>
+              </c:strCache>
+            </c:strRef>
+          </c:tx>
+          <c:spPr>
+            <a:ln w="28575" cap="rnd">
+              <a:solidFill>
+                <a:schemeClr val="accent1"/>
+              </a:solidFill>
+              <a:round/>
+            </a:ln>
+            <a:effectLst/>
+          </c:spPr>
+          <c:marker>
+            <c:symbol val="none"/>
+          </c:marker>
+          <c:cat>
+            <c:strRef>
+              <c:f>'50000samples.data_results2and4'!$A$2:$A$5</c:f>
+              <c:strCache>
+                <c:ptCount val="4"/>
+                <c:pt idx="0">
+                  <c:v>k = 2</c:v>
+                </c:pt>
+                <c:pt idx="1">
+                  <c:v>k = 4</c:v>
+                </c:pt>
+                <c:pt idx="2">
+                  <c:v>k = 8</c:v>
+                </c:pt>
+                <c:pt idx="3">
+                  <c:v>k = 16</c:v>
+                </c:pt>
+              </c:strCache>
+            </c:strRef>
+          </c:cat>
+          <c:val>
+            <c:numRef>
+              <c:f>'50000samples.data_results2and4'!$E$2:$E$5</c:f>
+              <c:numCache>
+                <c:formatCode>General</c:formatCode>
+                <c:ptCount val="4"/>
+                <c:pt idx="0">
+                  <c:v>0.87815228789697897</c:v>
+                </c:pt>
+                <c:pt idx="1">
+                  <c:v>0.89203999818281599</c:v>
+                </c:pt>
+                <c:pt idx="2">
+                  <c:v>0.89593829948388404</c:v>
+                </c:pt>
+                <c:pt idx="3">
+                  <c:v>0.89654486448273396</c:v>
+                </c:pt>
+              </c:numCache>
+            </c:numRef>
+          </c:val>
+          <c:smooth val="0"/>
+        </c:ser>
+        <c:ser>
+          <c:idx val="1"/>
+          <c:order val="1"/>
+          <c:tx>
+            <c:strRef>
+              <c:f>'50000samples.data_results2and4'!$F$7</c:f>
+              <c:strCache>
+                <c:ptCount val="1"/>
+                <c:pt idx="0">
+                  <c:v>InformationGain (100 iterations)</c:v>
+                </c:pt>
+              </c:strCache>
+            </c:strRef>
+          </c:tx>
+          <c:spPr>
+            <a:ln w="28575" cap="rnd">
+              <a:solidFill>
+                <a:schemeClr val="accent2"/>
+              </a:solidFill>
+              <a:round/>
+            </a:ln>
+            <a:effectLst/>
+          </c:spPr>
+          <c:marker>
+            <c:symbol val="none"/>
+          </c:marker>
+          <c:cat>
+            <c:strRef>
+              <c:f>'50000samples.data_results2and4'!$A$2:$A$5</c:f>
+              <c:strCache>
+                <c:ptCount val="4"/>
+                <c:pt idx="0">
+                  <c:v>k = 2</c:v>
+                </c:pt>
+                <c:pt idx="1">
+                  <c:v>k = 4</c:v>
+                </c:pt>
+                <c:pt idx="2">
+                  <c:v>k = 8</c:v>
+                </c:pt>
+                <c:pt idx="3">
+                  <c:v>k = 16</c:v>
+                </c:pt>
+              </c:strCache>
+            </c:strRef>
+          </c:cat>
+          <c:val>
+            <c:numRef>
+              <c:f>'50000samples.data_results2and4'!$F$8:$F$11</c:f>
+              <c:numCache>
+                <c:formatCode>General</c:formatCode>
+                <c:ptCount val="4"/>
+                <c:pt idx="0">
+                  <c:v>0.87817362172731495</c:v>
+                </c:pt>
+                <c:pt idx="1">
+                  <c:v>0.89012000924453805</c:v>
+                </c:pt>
+                <c:pt idx="2">
+                  <c:v>0.89038921586809205</c:v>
+                </c:pt>
+                <c:pt idx="3">
+                  <c:v>0.89227248840352602</c:v>
+                </c:pt>
+              </c:numCache>
+            </c:numRef>
+          </c:val>
+          <c:smooth val="0"/>
+        </c:ser>
+        <c:dLbls>
+          <c:showLegendKey val="0"/>
+          <c:showVal val="0"/>
+          <c:showCatName val="0"/>
+          <c:showSerName val="0"/>
+          <c:showPercent val="0"/>
+          <c:showBubbleSize val="0"/>
+        </c:dLbls>
+        <c:marker val="1"/>
+        <c:smooth val="0"/>
+        <c:axId val="87458560"/>
+        <c:axId val="87461248"/>
+      </c:lineChart>
+      <c:catAx>
+        <c:axId val="87458560"/>
+        <c:scaling>
+          <c:orientation val="minMax"/>
+        </c:scaling>
+        <c:delete val="0"/>
+        <c:axPos val="b"/>
+        <c:title>
+          <c:tx>
+            <c:rich>
+              <a:bodyPr rot="0" spcFirstLastPara="1" vertOverflow="ellipsis" vert="horz" wrap="square" anchor="ctr" anchorCtr="1"/>
+              <a:lstStyle/>
+              <a:p>
+                <a:pPr>
+                  <a:defRPr sz="1000" b="0" i="0" u="none" strike="noStrike" kern="1200" baseline="0">
+                    <a:solidFill>
+                      <a:schemeClr val="tx1">
+                        <a:lumMod val="65000"/>
+                        <a:lumOff val="35000"/>
+                      </a:schemeClr>
+                    </a:solidFill>
+                    <a:latin typeface="+mn-lt"/>
+                    <a:ea typeface="+mn-ea"/>
+                    <a:cs typeface="+mn-cs"/>
+                  </a:defRPr>
+                </a:pPr>
+                <a:r>
+                  <a:rPr lang="en-US"/>
+                  <a:t>Number of Medoids</a:t>
+                </a:r>
+              </a:p>
+            </c:rich>
+          </c:tx>
+          <c:layout/>
+          <c:overlay val="0"/>
+          <c:spPr>
+            <a:noFill/>
+            <a:ln>
+              <a:noFill/>
+            </a:ln>
+            <a:effectLst/>
+          </c:spPr>
+        </c:title>
+        <c:numFmt formatCode="General" sourceLinked="1"/>
+        <c:majorTickMark val="none"/>
+        <c:minorTickMark val="none"/>
+        <c:tickLblPos val="nextTo"/>
+        <c:spPr>
+          <a:noFill/>
+          <a:ln w="9525" cap="flat" cmpd="sng" algn="ctr">
+            <a:solidFill>
+              <a:schemeClr val="tx1">
+                <a:lumMod val="15000"/>
+                <a:lumOff val="85000"/>
+              </a:schemeClr>
+            </a:solidFill>
+            <a:round/>
+          </a:ln>
+          <a:effectLst/>
+        </c:spPr>
+        <c:txPr>
+          <a:bodyPr rot="-60000000" spcFirstLastPara="1" vertOverflow="ellipsis" vert="horz" wrap="square" anchor="ctr" anchorCtr="1"/>
+          <a:lstStyle/>
+          <a:p>
+            <a:pPr>
+              <a:defRPr sz="900" b="0" i="0" u="none" strike="noStrike" kern="1200" baseline="0">
+                <a:solidFill>
+                  <a:schemeClr val="tx1">
+                    <a:lumMod val="65000"/>
+                    <a:lumOff val="35000"/>
+                  </a:schemeClr>
+                </a:solidFill>
+                <a:latin typeface="+mn-lt"/>
+                <a:ea typeface="+mn-ea"/>
+                <a:cs typeface="+mn-cs"/>
+              </a:defRPr>
+            </a:pPr>
+            <a:endParaRPr lang="en-US"/>
+          </a:p>
+        </c:txPr>
+        <c:crossAx val="87461248"/>
+        <c:crosses val="autoZero"/>
+        <c:auto val="1"/>
+        <c:lblAlgn val="ctr"/>
+        <c:lblOffset val="100"/>
+        <c:noMultiLvlLbl val="0"/>
+      </c:catAx>
+      <c:valAx>
+        <c:axId val="87461248"/>
+        <c:scaling>
+          <c:orientation val="minMax"/>
+        </c:scaling>
+        <c:delete val="0"/>
+        <c:axPos val="l"/>
+        <c:majorGridlines>
+          <c:spPr>
+            <a:ln w="9525" cap="flat" cmpd="sng" algn="ctr">
+              <a:solidFill>
+                <a:schemeClr val="tx1">
+                  <a:lumMod val="15000"/>
+                  <a:lumOff val="85000"/>
+                </a:schemeClr>
+              </a:solidFill>
+              <a:round/>
+            </a:ln>
+            <a:effectLst/>
+          </c:spPr>
+        </c:majorGridlines>
+        <c:title>
+          <c:tx>
+            <c:rich>
+              <a:bodyPr rot="-5400000" spcFirstLastPara="1" vertOverflow="ellipsis" vert="horz" wrap="square" anchor="ctr" anchorCtr="1"/>
+              <a:lstStyle/>
+              <a:p>
+                <a:pPr>
+                  <a:defRPr sz="1000" b="0" i="0" u="none" strike="noStrike" kern="1200" baseline="0">
+                    <a:solidFill>
+                      <a:schemeClr val="tx1">
+                        <a:lumMod val="65000"/>
+                        <a:lumOff val="35000"/>
+                      </a:schemeClr>
+                    </a:solidFill>
+                    <a:latin typeface="+mn-lt"/>
+                    <a:ea typeface="+mn-ea"/>
+                    <a:cs typeface="+mn-cs"/>
+                  </a:defRPr>
+                </a:pPr>
+                <a:r>
+                  <a:rPr lang="en-US"/>
+                  <a:t>Information</a:t>
+                </a:r>
+                <a:r>
+                  <a:rPr lang="en-US" baseline="0"/>
+                  <a:t> Gain</a:t>
+                </a:r>
+                <a:endParaRPr lang="en-US"/>
+              </a:p>
+            </c:rich>
+          </c:tx>
+          <c:layout/>
+          <c:overlay val="0"/>
+          <c:spPr>
+            <a:noFill/>
+            <a:ln>
+              <a:noFill/>
+            </a:ln>
+            <a:effectLst/>
+          </c:spPr>
+        </c:title>
+        <c:numFmt formatCode="General" sourceLinked="1"/>
+        <c:majorTickMark val="none"/>
+        <c:minorTickMark val="none"/>
+        <c:tickLblPos val="nextTo"/>
+        <c:spPr>
+          <a:noFill/>
+          <a:ln>
+            <a:noFill/>
+          </a:ln>
+          <a:effectLst/>
+        </c:spPr>
+        <c:txPr>
+          <a:bodyPr rot="-60000000" spcFirstLastPara="1" vertOverflow="ellipsis" vert="horz" wrap="square" anchor="ctr" anchorCtr="1"/>
+          <a:lstStyle/>
+          <a:p>
+            <a:pPr>
+              <a:defRPr sz="900" b="0" i="0" u="none" strike="noStrike" kern="1200" baseline="0">
+                <a:solidFill>
+                  <a:schemeClr val="tx1">
+                    <a:lumMod val="65000"/>
+                    <a:lumOff val="35000"/>
+                  </a:schemeClr>
+                </a:solidFill>
+                <a:latin typeface="+mn-lt"/>
+                <a:ea typeface="+mn-ea"/>
+                <a:cs typeface="+mn-cs"/>
+              </a:defRPr>
+            </a:pPr>
+            <a:endParaRPr lang="en-US"/>
+          </a:p>
+        </c:txPr>
+        <c:crossAx val="87458560"/>
+        <c:crosses val="autoZero"/>
+        <c:crossBetween val="between"/>
+      </c:valAx>
+      <c:spPr>
+        <a:noFill/>
+        <a:ln>
+          <a:noFill/>
+        </a:ln>
+        <a:effectLst/>
+      </c:spPr>
+    </c:plotArea>
+    <c:legend>
+      <c:legendPos val="r"/>
+      <c:layout/>
+      <c:overlay val="0"/>
+      <c:spPr>
+        <a:noFill/>
+        <a:ln>
+          <a:noFill/>
+        </a:ln>
+        <a:effectLst/>
+      </c:spPr>
+      <c:txPr>
+        <a:bodyPr rot="0" spcFirstLastPara="1" vertOverflow="ellipsis" vert="horz" wrap="square" anchor="ctr" anchorCtr="1"/>
+        <a:lstStyle/>
+        <a:p>
+          <a:pPr>
+            <a:defRPr sz="900" b="0" i="0" u="none" strike="noStrike" kern="1200" baseline="0">
+              <a:solidFill>
+                <a:schemeClr val="tx1">
+                  <a:lumMod val="65000"/>
+                  <a:lumOff val="35000"/>
+                </a:schemeClr>
+              </a:solidFill>
+              <a:latin typeface="+mn-lt"/>
+              <a:ea typeface="+mn-ea"/>
+              <a:cs typeface="+mn-cs"/>
+            </a:defRPr>
+          </a:pPr>
+          <a:endParaRPr lang="en-US"/>
+        </a:p>
+      </c:txPr>
+    </c:legend>
+    <c:plotVisOnly val="1"/>
+    <c:dispBlanksAs val="gap"/>
+    <c:showDLblsOverMax val="0"/>
+  </c:chart>
+  <c:spPr>
+    <a:solidFill>
+      <a:schemeClr val="bg1"/>
+    </a:solidFill>
+    <a:ln w="9525" cap="flat" cmpd="sng" algn="ctr">
+      <a:solidFill>
+        <a:schemeClr val="tx1">
+          <a:lumMod val="15000"/>
+          <a:lumOff val="85000"/>
+        </a:schemeClr>
+      </a:solidFill>
+      <a:round/>
+    </a:ln>
+    <a:effectLst/>
+  </c:spPr>
+  <c:txPr>
+    <a:bodyPr/>
+    <a:lstStyle/>
+    <a:p>
+      <a:pPr>
+        <a:defRPr/>
+      </a:pPr>
+      <a:endParaRPr lang="en-US"/>
+    </a:p>
+  </c:txPr>
+  <c:externalData r:id="rId1">
+    <c:autoUpdate val="0"/>
+  </c:externalData>
+</c:chartSpace>
+</file>
+
+<file path=ppt/charts/chart3.xml><?xml version="1.0" encoding="utf-8"?>
+<c:chartSpace xmlns:c="http://schemas.openxmlformats.org/drawingml/2006/chart" xmlns:a="http://schemas.openxmlformats.org/drawingml/2006/main" xmlns:r="http://schemas.openxmlformats.org/officeDocument/2006/relationships">
+  <c:date1904 val="0"/>
+  <c:lang val="en-US"/>
+  <c:roundedCorners val="0"/>
+  <mc:AlternateContent xmlns:mc="http://schemas.openxmlformats.org/markup-compatibility/2006">
+    <mc:Choice xmlns:c14="http://schemas.microsoft.com/office/drawing/2007/8/2/chart" Requires="c14">
+      <c14:style val="102"/>
+    </mc:Choice>
+    <mc:Fallback>
+      <c:style val="2"/>
+    </mc:Fallback>
+  </mc:AlternateContent>
+  <c:chart>
+    <c:title>
+      <c:tx>
+        <c:rich>
+          <a:bodyPr rot="0" spcFirstLastPara="1" vertOverflow="ellipsis" vert="horz" wrap="square" anchor="ctr" anchorCtr="1"/>
+          <a:lstStyle/>
+          <a:p>
+            <a:pPr>
+              <a:defRPr sz="1400" b="0" i="0" u="none" strike="noStrike" kern="1200" spc="0" baseline="0">
+                <a:solidFill>
+                  <a:schemeClr val="tx1">
+                    <a:lumMod val="65000"/>
+                    <a:lumOff val="35000"/>
+                  </a:schemeClr>
+                </a:solidFill>
+                <a:latin typeface="+mn-lt"/>
+                <a:ea typeface="+mn-ea"/>
+                <a:cs typeface="+mn-cs"/>
+              </a:defRPr>
+            </a:pPr>
+            <a:r>
+              <a:rPr lang="en-US"/>
+              <a:t>WSS Measure for 20,000 Entry Data Set</a:t>
+            </a:r>
+          </a:p>
+        </c:rich>
+      </c:tx>
+      <c:layout/>
+      <c:overlay val="0"/>
+      <c:spPr>
+        <a:noFill/>
+        <a:ln>
+          <a:noFill/>
+        </a:ln>
+        <a:effectLst/>
+      </c:spPr>
+    </c:title>
+    <c:autoTitleDeleted val="0"/>
+    <c:plotArea>
+      <c:layout/>
+      <c:lineChart>
+        <c:grouping val="standard"/>
+        <c:varyColors val="0"/>
+        <c:ser>
+          <c:idx val="0"/>
+          <c:order val="0"/>
+          <c:tx>
+            <c:strRef>
+              <c:f>'50IterationsFinal'!$B$1</c:f>
+              <c:strCache>
+                <c:ptCount val="1"/>
+                <c:pt idx="0">
+                  <c:v>WSS (50 iterations)</c:v>
+                </c:pt>
+              </c:strCache>
+            </c:strRef>
+          </c:tx>
+          <c:spPr>
+            <a:ln w="28575" cap="rnd">
+              <a:solidFill>
+                <a:schemeClr val="accent1"/>
+              </a:solidFill>
+              <a:round/>
+            </a:ln>
+            <a:effectLst/>
+          </c:spPr>
+          <c:marker>
+            <c:symbol val="none"/>
+          </c:marker>
+          <c:cat>
+            <c:strRef>
+              <c:f>'50IterationsFinal'!$A$2:$A$5</c:f>
+              <c:strCache>
+                <c:ptCount val="4"/>
+                <c:pt idx="0">
+                  <c:v>k = 2</c:v>
+                </c:pt>
+                <c:pt idx="1">
+                  <c:v>k = 4</c:v>
+                </c:pt>
+                <c:pt idx="2">
+                  <c:v>k = 8</c:v>
+                </c:pt>
+                <c:pt idx="3">
+                  <c:v>k = 16</c:v>
+                </c:pt>
+              </c:strCache>
+            </c:strRef>
+          </c:cat>
+          <c:val>
+            <c:numRef>
+              <c:f>'50IterationsFinal'!$B$2:$B$5</c:f>
+              <c:numCache>
+                <c:formatCode>0.00E+00</c:formatCode>
+                <c:ptCount val="4"/>
+                <c:pt idx="0">
+                  <c:v>15200000000</c:v>
+                </c:pt>
+                <c:pt idx="1">
+                  <c:v>14600000000</c:v>
+                </c:pt>
+                <c:pt idx="2">
+                  <c:v>10500000000</c:v>
+                </c:pt>
+                <c:pt idx="3">
+                  <c:v>5410000000</c:v>
+                </c:pt>
+              </c:numCache>
+            </c:numRef>
+          </c:val>
+          <c:smooth val="0"/>
+        </c:ser>
+        <c:ser>
+          <c:idx val="1"/>
+          <c:order val="1"/>
+          <c:tx>
+            <c:strRef>
+              <c:f>'50IterationsFinal'!$E$22</c:f>
+              <c:strCache>
+                <c:ptCount val="1"/>
+                <c:pt idx="0">
+                  <c:v>WSS (100 iterations)</c:v>
+                </c:pt>
+              </c:strCache>
+            </c:strRef>
+          </c:tx>
+          <c:spPr>
+            <a:ln w="28575" cap="rnd">
+              <a:solidFill>
+                <a:schemeClr val="accent2"/>
+              </a:solidFill>
+              <a:round/>
+            </a:ln>
+            <a:effectLst/>
+          </c:spPr>
+          <c:marker>
+            <c:symbol val="none"/>
+          </c:marker>
+          <c:cat>
+            <c:strRef>
+              <c:f>'50IterationsFinal'!$A$2:$A$5</c:f>
+              <c:strCache>
+                <c:ptCount val="4"/>
+                <c:pt idx="0">
+                  <c:v>k = 2</c:v>
+                </c:pt>
+                <c:pt idx="1">
+                  <c:v>k = 4</c:v>
+                </c:pt>
+                <c:pt idx="2">
+                  <c:v>k = 8</c:v>
+                </c:pt>
+                <c:pt idx="3">
+                  <c:v>k = 16</c:v>
+                </c:pt>
+              </c:strCache>
+            </c:strRef>
+          </c:cat>
+          <c:val>
+            <c:numRef>
+              <c:f>'50IterationsFinal'!$E$23:$E$26</c:f>
+              <c:numCache>
+                <c:formatCode>0.00E+00</c:formatCode>
+                <c:ptCount val="4"/>
+                <c:pt idx="0">
+                  <c:v>35600025532.740402</c:v>
+                </c:pt>
+                <c:pt idx="1">
+                  <c:v>31103685516.738899</c:v>
+                </c:pt>
+                <c:pt idx="2">
+                  <c:v>24766701482.908901</c:v>
+                </c:pt>
+                <c:pt idx="3">
+                  <c:v>20786832223.3367</c:v>
+                </c:pt>
+              </c:numCache>
+            </c:numRef>
+          </c:val>
+          <c:smooth val="0"/>
+        </c:ser>
+        <c:dLbls>
+          <c:showLegendKey val="0"/>
+          <c:showVal val="0"/>
+          <c:showCatName val="0"/>
+          <c:showSerName val="0"/>
+          <c:showPercent val="0"/>
+          <c:showBubbleSize val="0"/>
+        </c:dLbls>
+        <c:marker val="1"/>
+        <c:smooth val="0"/>
+        <c:axId val="87471616"/>
+        <c:axId val="87485440"/>
+      </c:lineChart>
+      <c:catAx>
+        <c:axId val="87471616"/>
+        <c:scaling>
+          <c:orientation val="minMax"/>
+        </c:scaling>
+        <c:delete val="0"/>
+        <c:axPos val="b"/>
+        <c:title>
+          <c:tx>
+            <c:rich>
+              <a:bodyPr rot="0" spcFirstLastPara="1" vertOverflow="ellipsis" vert="horz" wrap="square" anchor="ctr" anchorCtr="1"/>
+              <a:lstStyle/>
+              <a:p>
+                <a:pPr>
+                  <a:defRPr sz="1000" b="0" i="0" u="none" strike="noStrike" kern="1200" baseline="0">
+                    <a:solidFill>
+                      <a:schemeClr val="tx1">
+                        <a:lumMod val="65000"/>
+                        <a:lumOff val="35000"/>
+                      </a:schemeClr>
+                    </a:solidFill>
+                    <a:latin typeface="+mn-lt"/>
+                    <a:ea typeface="+mn-ea"/>
+                    <a:cs typeface="+mn-cs"/>
+                  </a:defRPr>
+                </a:pPr>
+                <a:r>
+                  <a:rPr lang="en-US"/>
+                  <a:t>Number of Medoids</a:t>
+                </a:r>
+              </a:p>
+            </c:rich>
+          </c:tx>
+          <c:layout/>
+          <c:overlay val="0"/>
+          <c:spPr>
+            <a:noFill/>
+            <a:ln>
+              <a:noFill/>
+            </a:ln>
+            <a:effectLst/>
+          </c:spPr>
+        </c:title>
+        <c:numFmt formatCode="General" sourceLinked="1"/>
+        <c:majorTickMark val="none"/>
+        <c:minorTickMark val="none"/>
+        <c:tickLblPos val="nextTo"/>
+        <c:spPr>
+          <a:noFill/>
+          <a:ln w="9525" cap="flat" cmpd="sng" algn="ctr">
+            <a:solidFill>
+              <a:schemeClr val="tx1">
+                <a:lumMod val="15000"/>
+                <a:lumOff val="85000"/>
+              </a:schemeClr>
+            </a:solidFill>
+            <a:round/>
+          </a:ln>
+          <a:effectLst/>
+        </c:spPr>
+        <c:txPr>
+          <a:bodyPr rot="-60000000" spcFirstLastPara="1" vertOverflow="ellipsis" vert="horz" wrap="square" anchor="ctr" anchorCtr="1"/>
+          <a:lstStyle/>
+          <a:p>
+            <a:pPr>
+              <a:defRPr sz="900" b="0" i="0" u="none" strike="noStrike" kern="1200" baseline="0">
+                <a:solidFill>
+                  <a:schemeClr val="tx1">
+                    <a:lumMod val="65000"/>
+                    <a:lumOff val="35000"/>
+                  </a:schemeClr>
+                </a:solidFill>
+                <a:latin typeface="+mn-lt"/>
+                <a:ea typeface="+mn-ea"/>
+                <a:cs typeface="+mn-cs"/>
+              </a:defRPr>
+            </a:pPr>
+            <a:endParaRPr lang="en-US"/>
+          </a:p>
+        </c:txPr>
+        <c:crossAx val="87485440"/>
+        <c:crosses val="autoZero"/>
+        <c:auto val="1"/>
+        <c:lblAlgn val="ctr"/>
+        <c:lblOffset val="100"/>
+        <c:noMultiLvlLbl val="0"/>
+      </c:catAx>
+      <c:valAx>
+        <c:axId val="87485440"/>
+        <c:scaling>
+          <c:orientation val="minMax"/>
+        </c:scaling>
+        <c:delete val="0"/>
+        <c:axPos val="l"/>
+        <c:majorGridlines>
+          <c:spPr>
+            <a:ln w="9525" cap="flat" cmpd="sng" algn="ctr">
+              <a:solidFill>
+                <a:schemeClr val="tx1">
+                  <a:lumMod val="15000"/>
+                  <a:lumOff val="85000"/>
+                </a:schemeClr>
+              </a:solidFill>
+              <a:round/>
+            </a:ln>
+            <a:effectLst/>
+          </c:spPr>
+        </c:majorGridlines>
+        <c:title>
+          <c:tx>
+            <c:rich>
+              <a:bodyPr rot="-5400000" spcFirstLastPara="1" vertOverflow="ellipsis" vert="horz" wrap="square" anchor="ctr" anchorCtr="1"/>
+              <a:lstStyle/>
+              <a:p>
+                <a:pPr>
+                  <a:defRPr sz="1000" b="0" i="0" u="none" strike="noStrike" kern="1200" baseline="0">
+                    <a:solidFill>
+                      <a:schemeClr val="tx1">
+                        <a:lumMod val="65000"/>
+                        <a:lumOff val="35000"/>
+                      </a:schemeClr>
+                    </a:solidFill>
+                    <a:latin typeface="+mn-lt"/>
+                    <a:ea typeface="+mn-ea"/>
+                    <a:cs typeface="+mn-cs"/>
+                  </a:defRPr>
+                </a:pPr>
+                <a:r>
+                  <a:rPr lang="en-US"/>
+                  <a:t>WSS</a:t>
+                </a:r>
+              </a:p>
+            </c:rich>
+          </c:tx>
+          <c:layout/>
+          <c:overlay val="0"/>
+          <c:spPr>
+            <a:noFill/>
+            <a:ln>
+              <a:noFill/>
+            </a:ln>
+            <a:effectLst/>
+          </c:spPr>
+        </c:title>
+        <c:numFmt formatCode="0.00E+00" sourceLinked="1"/>
+        <c:majorTickMark val="none"/>
+        <c:minorTickMark val="none"/>
+        <c:tickLblPos val="nextTo"/>
+        <c:spPr>
+          <a:noFill/>
+          <a:ln>
+            <a:noFill/>
+          </a:ln>
+          <a:effectLst/>
+        </c:spPr>
+        <c:txPr>
+          <a:bodyPr rot="-60000000" spcFirstLastPara="1" vertOverflow="ellipsis" vert="horz" wrap="square" anchor="ctr" anchorCtr="1"/>
+          <a:lstStyle/>
+          <a:p>
+            <a:pPr>
+              <a:defRPr sz="900" b="0" i="0" u="none" strike="noStrike" kern="1200" baseline="0">
+                <a:solidFill>
+                  <a:schemeClr val="tx1">
+                    <a:lumMod val="65000"/>
+                    <a:lumOff val="35000"/>
+                  </a:schemeClr>
+                </a:solidFill>
+                <a:latin typeface="+mn-lt"/>
+                <a:ea typeface="+mn-ea"/>
+                <a:cs typeface="+mn-cs"/>
+              </a:defRPr>
+            </a:pPr>
+            <a:endParaRPr lang="en-US"/>
+          </a:p>
+        </c:txPr>
+        <c:crossAx val="87471616"/>
+        <c:crosses val="autoZero"/>
+        <c:crossBetween val="between"/>
+      </c:valAx>
+      <c:spPr>
+        <a:noFill/>
+        <a:ln>
+          <a:noFill/>
+        </a:ln>
+        <a:effectLst/>
+      </c:spPr>
+    </c:plotArea>
+    <c:legend>
+      <c:legendPos val="r"/>
+      <c:layout/>
+      <c:overlay val="0"/>
+      <c:spPr>
+        <a:noFill/>
+        <a:ln>
+          <a:noFill/>
+        </a:ln>
+        <a:effectLst/>
+      </c:spPr>
+      <c:txPr>
+        <a:bodyPr rot="0" spcFirstLastPara="1" vertOverflow="ellipsis" vert="horz" wrap="square" anchor="ctr" anchorCtr="1"/>
+        <a:lstStyle/>
+        <a:p>
+          <a:pPr>
+            <a:defRPr sz="900" b="0" i="0" u="none" strike="noStrike" kern="1200" baseline="0">
+              <a:solidFill>
+                <a:schemeClr val="tx1">
+                  <a:lumMod val="65000"/>
+                  <a:lumOff val="35000"/>
+                </a:schemeClr>
+              </a:solidFill>
+              <a:latin typeface="+mn-lt"/>
+              <a:ea typeface="+mn-ea"/>
+              <a:cs typeface="+mn-cs"/>
+            </a:defRPr>
+          </a:pPr>
+          <a:endParaRPr lang="en-US"/>
+        </a:p>
+      </c:txPr>
+    </c:legend>
+    <c:plotVisOnly val="1"/>
+    <c:dispBlanksAs val="gap"/>
+    <c:showDLblsOverMax val="0"/>
+  </c:chart>
+  <c:spPr>
+    <a:solidFill>
+      <a:schemeClr val="bg1"/>
+    </a:solidFill>
+    <a:ln w="9525" cap="flat" cmpd="sng" algn="ctr">
+      <a:solidFill>
+        <a:schemeClr val="tx1">
+          <a:lumMod val="15000"/>
+          <a:lumOff val="85000"/>
+        </a:schemeClr>
+      </a:solidFill>
+      <a:round/>
+    </a:ln>
+    <a:effectLst/>
+  </c:spPr>
+  <c:txPr>
+    <a:bodyPr/>
+    <a:lstStyle/>
+    <a:p>
+      <a:pPr>
+        <a:defRPr/>
+      </a:pPr>
+      <a:endParaRPr lang="en-US"/>
+    </a:p>
+  </c:txPr>
+  <c:externalData r:id="rId1">
+    <c:autoUpdate val="0"/>
+  </c:externalData>
+</c:chartSpace>
+</file>
+
+<file path=ppt/charts/chart4.xml><?xml version="1.0" encoding="utf-8"?>
+<c:chartSpace xmlns:c="http://schemas.openxmlformats.org/drawingml/2006/chart" xmlns:a="http://schemas.openxmlformats.org/drawingml/2006/main" xmlns:r="http://schemas.openxmlformats.org/officeDocument/2006/relationships">
+  <c:date1904 val="0"/>
+  <c:lang val="en-US"/>
+  <c:roundedCorners val="0"/>
+  <mc:AlternateContent xmlns:mc="http://schemas.openxmlformats.org/markup-compatibility/2006">
+    <mc:Choice xmlns:c14="http://schemas.microsoft.com/office/drawing/2007/8/2/chart" Requires="c14">
+      <c14:style val="102"/>
+    </mc:Choice>
+    <mc:Fallback>
+      <c:style val="2"/>
+    </mc:Fallback>
+  </mc:AlternateContent>
+  <c:chart>
+    <c:title>
+      <c:tx>
+        <c:rich>
+          <a:bodyPr rot="0" spcFirstLastPara="1" vertOverflow="ellipsis" vert="horz" wrap="square" anchor="ctr" anchorCtr="1"/>
+          <a:lstStyle/>
+          <a:p>
+            <a:pPr>
+              <a:defRPr sz="1400" b="0" i="0" u="none" strike="noStrike" kern="1200" spc="0" baseline="0">
+                <a:solidFill>
+                  <a:schemeClr val="tx1">
+                    <a:lumMod val="65000"/>
+                    <a:lumOff val="35000"/>
+                  </a:schemeClr>
+                </a:solidFill>
+                <a:latin typeface="+mn-lt"/>
+                <a:ea typeface="+mn-ea"/>
+                <a:cs typeface="+mn-cs"/>
+              </a:defRPr>
+            </a:pPr>
+            <a:r>
+              <a:rPr lang="en-US"/>
+              <a:t>WSS</a:t>
+            </a:r>
+            <a:r>
+              <a:rPr lang="en-US" baseline="0"/>
+              <a:t> Measure For 50,000 Entry Data Set</a:t>
+            </a:r>
+            <a:endParaRPr lang="en-US"/>
+          </a:p>
+        </c:rich>
+      </c:tx>
+      <c:layout/>
+      <c:overlay val="0"/>
+      <c:spPr>
+        <a:noFill/>
+        <a:ln>
+          <a:noFill/>
+        </a:ln>
+        <a:effectLst/>
+      </c:spPr>
+    </c:title>
+    <c:autoTitleDeleted val="0"/>
+    <c:plotArea>
+      <c:layout/>
+      <c:lineChart>
+        <c:grouping val="standard"/>
+        <c:varyColors val="0"/>
+        <c:ser>
+          <c:idx val="0"/>
+          <c:order val="0"/>
+          <c:tx>
+            <c:strRef>
+              <c:f>'50000samples.data_results2and4'!$E$7</c:f>
+              <c:strCache>
+                <c:ptCount val="1"/>
+                <c:pt idx="0">
+                  <c:v>WSS (100 iterations)</c:v>
+                </c:pt>
+              </c:strCache>
+            </c:strRef>
+          </c:tx>
+          <c:spPr>
+            <a:ln w="28575" cap="rnd">
+              <a:solidFill>
+                <a:schemeClr val="accent1"/>
+              </a:solidFill>
+              <a:round/>
+            </a:ln>
+            <a:effectLst/>
+          </c:spPr>
+          <c:marker>
+            <c:symbol val="none"/>
+          </c:marker>
+          <c:cat>
+            <c:strRef>
+              <c:f>'50000samples.data_results2and4'!$A$2:$A$5</c:f>
+              <c:strCache>
+                <c:ptCount val="4"/>
+                <c:pt idx="0">
+                  <c:v>k = 2</c:v>
+                </c:pt>
+                <c:pt idx="1">
+                  <c:v>k = 4</c:v>
+                </c:pt>
+                <c:pt idx="2">
+                  <c:v>k = 8</c:v>
+                </c:pt>
+                <c:pt idx="3">
+                  <c:v>k = 16</c:v>
+                </c:pt>
+              </c:strCache>
+            </c:strRef>
+          </c:cat>
+          <c:val>
+            <c:numRef>
+              <c:f>'50000samples.data_results2and4'!$E$8:$E$11</c:f>
+              <c:numCache>
+                <c:formatCode>0.00E+00</c:formatCode>
+                <c:ptCount val="4"/>
+                <c:pt idx="0">
+                  <c:v>42037749960.222298</c:v>
+                </c:pt>
+                <c:pt idx="1">
+                  <c:v>33329461188.334499</c:v>
+                </c:pt>
+                <c:pt idx="2">
+                  <c:v>26350664890.6008</c:v>
+                </c:pt>
+                <c:pt idx="3">
+                  <c:v>32115554941.7038</c:v>
+                </c:pt>
+              </c:numCache>
+            </c:numRef>
+          </c:val>
+          <c:smooth val="0"/>
+        </c:ser>
+        <c:ser>
+          <c:idx val="1"/>
+          <c:order val="1"/>
+          <c:tx>
+            <c:strRef>
+              <c:f>'50000samples.data_results2and4'!$B$1</c:f>
+              <c:strCache>
+                <c:ptCount val="1"/>
+                <c:pt idx="0">
+                  <c:v>WSS (100 iterations)</c:v>
+                </c:pt>
+              </c:strCache>
+            </c:strRef>
+          </c:tx>
+          <c:spPr>
+            <a:ln w="28575" cap="rnd">
+              <a:solidFill>
+                <a:schemeClr val="accent2"/>
+              </a:solidFill>
+              <a:round/>
+            </a:ln>
+            <a:effectLst/>
+          </c:spPr>
+          <c:marker>
+            <c:symbol val="none"/>
+          </c:marker>
+          <c:cat>
+            <c:strRef>
+              <c:f>'50000samples.data_results2and4'!$A$2:$A$5</c:f>
+              <c:strCache>
+                <c:ptCount val="4"/>
+                <c:pt idx="0">
+                  <c:v>k = 2</c:v>
+                </c:pt>
+                <c:pt idx="1">
+                  <c:v>k = 4</c:v>
+                </c:pt>
+                <c:pt idx="2">
+                  <c:v>k = 8</c:v>
+                </c:pt>
+                <c:pt idx="3">
+                  <c:v>k = 16</c:v>
+                </c:pt>
+              </c:strCache>
+            </c:strRef>
+          </c:cat>
+          <c:val>
+            <c:numRef>
+              <c:f>'50000samples.data_results2and4'!$B$2:$B$5</c:f>
+              <c:numCache>
+                <c:formatCode>0.00E+00</c:formatCode>
+                <c:ptCount val="4"/>
+                <c:pt idx="0">
+                  <c:v>46415688876.040298</c:v>
+                </c:pt>
+                <c:pt idx="1">
+                  <c:v>27167085636.0639</c:v>
+                </c:pt>
+                <c:pt idx="2">
+                  <c:v>24985737686.7967</c:v>
+                </c:pt>
+                <c:pt idx="3">
+                  <c:v>24152677281.533199</c:v>
+                </c:pt>
+              </c:numCache>
+            </c:numRef>
+          </c:val>
+          <c:smooth val="0"/>
+        </c:ser>
+        <c:dLbls>
+          <c:showLegendKey val="0"/>
+          <c:showVal val="0"/>
+          <c:showCatName val="0"/>
+          <c:showSerName val="0"/>
+          <c:showPercent val="0"/>
+          <c:showBubbleSize val="0"/>
+        </c:dLbls>
+        <c:marker val="1"/>
+        <c:smooth val="0"/>
+        <c:axId val="100078336"/>
+        <c:axId val="112741760"/>
+      </c:lineChart>
+      <c:catAx>
+        <c:axId val="100078336"/>
+        <c:scaling>
+          <c:orientation val="minMax"/>
+        </c:scaling>
+        <c:delete val="0"/>
+        <c:axPos val="b"/>
+        <c:title>
+          <c:tx>
+            <c:rich>
+              <a:bodyPr rot="0" spcFirstLastPara="1" vertOverflow="ellipsis" vert="horz" wrap="square" anchor="ctr" anchorCtr="1"/>
+              <a:lstStyle/>
+              <a:p>
+                <a:pPr>
+                  <a:defRPr sz="1000" b="0" i="0" u="none" strike="noStrike" kern="1200" baseline="0">
+                    <a:solidFill>
+                      <a:schemeClr val="tx1">
+                        <a:lumMod val="65000"/>
+                        <a:lumOff val="35000"/>
+                      </a:schemeClr>
+                    </a:solidFill>
+                    <a:latin typeface="+mn-lt"/>
+                    <a:ea typeface="+mn-ea"/>
+                    <a:cs typeface="+mn-cs"/>
+                  </a:defRPr>
+                </a:pPr>
+                <a:r>
+                  <a:rPr lang="en-US"/>
+                  <a:t>Number</a:t>
+                </a:r>
+                <a:r>
+                  <a:rPr lang="en-US" baseline="0"/>
+                  <a:t> of Medoids</a:t>
+                </a:r>
+                <a:endParaRPr lang="en-US"/>
+              </a:p>
+            </c:rich>
+          </c:tx>
+          <c:layout/>
+          <c:overlay val="0"/>
+          <c:spPr>
+            <a:noFill/>
+            <a:ln>
+              <a:noFill/>
+            </a:ln>
+            <a:effectLst/>
+          </c:spPr>
+        </c:title>
+        <c:numFmt formatCode="General" sourceLinked="1"/>
+        <c:majorTickMark val="none"/>
+        <c:minorTickMark val="none"/>
+        <c:tickLblPos val="nextTo"/>
+        <c:spPr>
+          <a:noFill/>
+          <a:ln w="9525" cap="flat" cmpd="sng" algn="ctr">
+            <a:solidFill>
+              <a:schemeClr val="tx1">
+                <a:lumMod val="15000"/>
+                <a:lumOff val="85000"/>
+              </a:schemeClr>
+            </a:solidFill>
+            <a:round/>
+          </a:ln>
+          <a:effectLst/>
+        </c:spPr>
+        <c:txPr>
+          <a:bodyPr rot="-60000000" spcFirstLastPara="1" vertOverflow="ellipsis" vert="horz" wrap="square" anchor="ctr" anchorCtr="1"/>
+          <a:lstStyle/>
+          <a:p>
+            <a:pPr>
+              <a:defRPr sz="900" b="0" i="0" u="none" strike="noStrike" kern="1200" baseline="0">
+                <a:solidFill>
+                  <a:schemeClr val="tx1">
+                    <a:lumMod val="65000"/>
+                    <a:lumOff val="35000"/>
+                  </a:schemeClr>
+                </a:solidFill>
+                <a:latin typeface="+mn-lt"/>
+                <a:ea typeface="+mn-ea"/>
+                <a:cs typeface="+mn-cs"/>
+              </a:defRPr>
+            </a:pPr>
+            <a:endParaRPr lang="en-US"/>
+          </a:p>
+        </c:txPr>
+        <c:crossAx val="112741760"/>
+        <c:crosses val="autoZero"/>
+        <c:auto val="1"/>
+        <c:lblAlgn val="ctr"/>
+        <c:lblOffset val="100"/>
+        <c:noMultiLvlLbl val="0"/>
+      </c:catAx>
+      <c:valAx>
+        <c:axId val="112741760"/>
+        <c:scaling>
+          <c:orientation val="minMax"/>
+        </c:scaling>
+        <c:delete val="0"/>
+        <c:axPos val="l"/>
+        <c:majorGridlines>
+          <c:spPr>
+            <a:ln w="9525" cap="flat" cmpd="sng" algn="ctr">
+              <a:solidFill>
+                <a:schemeClr val="tx1">
+                  <a:lumMod val="15000"/>
+                  <a:lumOff val="85000"/>
+                </a:schemeClr>
+              </a:solidFill>
+              <a:round/>
+            </a:ln>
+            <a:effectLst/>
+          </c:spPr>
+        </c:majorGridlines>
+        <c:title>
+          <c:tx>
+            <c:rich>
+              <a:bodyPr rot="-5400000" spcFirstLastPara="1" vertOverflow="ellipsis" vert="horz" wrap="square" anchor="ctr" anchorCtr="1"/>
+              <a:lstStyle/>
+              <a:p>
+                <a:pPr>
+                  <a:defRPr sz="1000" b="0" i="0" u="none" strike="noStrike" kern="1200" baseline="0">
+                    <a:solidFill>
+                      <a:schemeClr val="tx1">
+                        <a:lumMod val="65000"/>
+                        <a:lumOff val="35000"/>
+                      </a:schemeClr>
+                    </a:solidFill>
+                    <a:latin typeface="+mn-lt"/>
+                    <a:ea typeface="+mn-ea"/>
+                    <a:cs typeface="+mn-cs"/>
+                  </a:defRPr>
+                </a:pPr>
+                <a:r>
+                  <a:rPr lang="en-US"/>
+                  <a:t>WSS</a:t>
+                </a:r>
+              </a:p>
+            </c:rich>
+          </c:tx>
+          <c:layout/>
+          <c:overlay val="0"/>
+          <c:spPr>
+            <a:noFill/>
+            <a:ln>
+              <a:noFill/>
+            </a:ln>
+            <a:effectLst/>
+          </c:spPr>
+        </c:title>
+        <c:numFmt formatCode="0.00E+00" sourceLinked="1"/>
+        <c:majorTickMark val="none"/>
+        <c:minorTickMark val="none"/>
+        <c:tickLblPos val="nextTo"/>
+        <c:spPr>
+          <a:noFill/>
+          <a:ln>
+            <a:noFill/>
+          </a:ln>
+          <a:effectLst/>
+        </c:spPr>
+        <c:txPr>
+          <a:bodyPr rot="-60000000" spcFirstLastPara="1" vertOverflow="ellipsis" vert="horz" wrap="square" anchor="ctr" anchorCtr="1"/>
+          <a:lstStyle/>
+          <a:p>
+            <a:pPr>
+              <a:defRPr sz="900" b="0" i="0" u="none" strike="noStrike" kern="1200" baseline="0">
+                <a:solidFill>
+                  <a:schemeClr val="tx1">
+                    <a:lumMod val="65000"/>
+                    <a:lumOff val="35000"/>
+                  </a:schemeClr>
+                </a:solidFill>
+                <a:latin typeface="+mn-lt"/>
+                <a:ea typeface="+mn-ea"/>
+                <a:cs typeface="+mn-cs"/>
+              </a:defRPr>
+            </a:pPr>
+            <a:endParaRPr lang="en-US"/>
+          </a:p>
+        </c:txPr>
+        <c:crossAx val="100078336"/>
+        <c:crosses val="autoZero"/>
+        <c:crossBetween val="between"/>
+      </c:valAx>
+      <c:spPr>
+        <a:noFill/>
+        <a:ln>
+          <a:noFill/>
+        </a:ln>
+        <a:effectLst/>
+      </c:spPr>
+    </c:plotArea>
+    <c:legend>
+      <c:legendPos val="r"/>
+      <c:layout/>
+      <c:overlay val="0"/>
+      <c:spPr>
+        <a:noFill/>
+        <a:ln>
+          <a:noFill/>
+        </a:ln>
+        <a:effectLst/>
+      </c:spPr>
+      <c:txPr>
+        <a:bodyPr rot="0" spcFirstLastPara="1" vertOverflow="ellipsis" vert="horz" wrap="square" anchor="ctr" anchorCtr="1"/>
+        <a:lstStyle/>
+        <a:p>
+          <a:pPr>
+            <a:defRPr sz="900" b="0" i="0" u="none" strike="noStrike" kern="1200" baseline="0">
+              <a:solidFill>
+                <a:schemeClr val="tx1">
+                  <a:lumMod val="65000"/>
+                  <a:lumOff val="35000"/>
+                </a:schemeClr>
+              </a:solidFill>
+              <a:latin typeface="+mn-lt"/>
+              <a:ea typeface="+mn-ea"/>
+              <a:cs typeface="+mn-cs"/>
+            </a:defRPr>
+          </a:pPr>
+          <a:endParaRPr lang="en-US"/>
+        </a:p>
+      </c:txPr>
+    </c:legend>
+    <c:plotVisOnly val="1"/>
+    <c:dispBlanksAs val="gap"/>
+    <c:showDLblsOverMax val="0"/>
+  </c:chart>
+  <c:spPr>
+    <a:solidFill>
+      <a:schemeClr val="bg1"/>
+    </a:solidFill>
+    <a:ln w="9525" cap="flat" cmpd="sng" algn="ctr">
+      <a:solidFill>
+        <a:schemeClr val="tx1">
+          <a:lumMod val="15000"/>
+          <a:lumOff val="85000"/>
+        </a:schemeClr>
+      </a:solidFill>
+      <a:round/>
+    </a:ln>
+    <a:effectLst/>
+  </c:spPr>
+  <c:txPr>
+    <a:bodyPr/>
+    <a:lstStyle/>
+    <a:p>
+      <a:pPr>
+        <a:defRPr/>
+      </a:pPr>
+      <a:endParaRPr lang="en-US"/>
+    </a:p>
+  </c:txPr>
+  <c:externalData r:id="rId1">
+    <c:autoUpdate val="0"/>
+  </c:externalData>
+</c:chartSpace>
+</file>
+
+<file path=ppt/charts/chart5.xml><?xml version="1.0" encoding="utf-8"?>
+<c:chartSpace xmlns:c="http://schemas.openxmlformats.org/drawingml/2006/chart" xmlns:a="http://schemas.openxmlformats.org/drawingml/2006/main" xmlns:r="http://schemas.openxmlformats.org/officeDocument/2006/relationships">
+  <c:date1904 val="0"/>
+  <c:lang val="en-US"/>
+  <c:roundedCorners val="0"/>
+  <mc:AlternateContent xmlns:mc="http://schemas.openxmlformats.org/markup-compatibility/2006">
+    <mc:Choice xmlns:c14="http://schemas.microsoft.com/office/drawing/2007/8/2/chart" Requires="c14">
+      <c14:style val="102"/>
+    </mc:Choice>
+    <mc:Fallback>
+      <c:style val="2"/>
+    </mc:Fallback>
+  </mc:AlternateContent>
+  <c:chart>
+    <c:title>
+      <c:tx>
+        <c:rich>
+          <a:bodyPr rot="0" spcFirstLastPara="1" vertOverflow="ellipsis" vert="horz" wrap="square" anchor="ctr" anchorCtr="1"/>
+          <a:lstStyle/>
+          <a:p>
+            <a:pPr>
+              <a:defRPr sz="1400" b="0" i="0" u="none" strike="noStrike" kern="1200" spc="0" baseline="0">
+                <a:solidFill>
+                  <a:schemeClr val="tx1">
+                    <a:lumMod val="65000"/>
+                    <a:lumOff val="35000"/>
+                  </a:schemeClr>
+                </a:solidFill>
+                <a:latin typeface="+mn-lt"/>
+                <a:ea typeface="+mn-ea"/>
+                <a:cs typeface="+mn-cs"/>
+              </a:defRPr>
+            </a:pPr>
+            <a:r>
+              <a:rPr lang="en-US"/>
+              <a:t>BSS Measure</a:t>
+            </a:r>
+            <a:r>
+              <a:rPr lang="en-US" baseline="0"/>
+              <a:t> for 20,000 Entry Data Set</a:t>
+            </a:r>
+            <a:endParaRPr lang="en-US"/>
+          </a:p>
+        </c:rich>
+      </c:tx>
+      <c:layout/>
+      <c:overlay val="0"/>
+      <c:spPr>
+        <a:noFill/>
+        <a:ln>
+          <a:noFill/>
+        </a:ln>
+        <a:effectLst/>
+      </c:spPr>
+    </c:title>
+    <c:autoTitleDeleted val="0"/>
+    <c:plotArea>
+      <c:layout/>
+      <c:lineChart>
+        <c:grouping val="standard"/>
+        <c:varyColors val="0"/>
+        <c:ser>
+          <c:idx val="0"/>
+          <c:order val="0"/>
+          <c:tx>
+            <c:strRef>
+              <c:f>'50IterationsFinal'!$F$22</c:f>
+              <c:strCache>
+                <c:ptCount val="1"/>
+                <c:pt idx="0">
+                  <c:v>BSS (100 iterations)</c:v>
+                </c:pt>
+              </c:strCache>
+            </c:strRef>
+          </c:tx>
+          <c:spPr>
+            <a:ln w="28575" cap="rnd">
+              <a:solidFill>
+                <a:schemeClr val="accent1"/>
+              </a:solidFill>
+              <a:round/>
+            </a:ln>
+            <a:effectLst/>
+          </c:spPr>
+          <c:marker>
+            <c:symbol val="none"/>
+          </c:marker>
+          <c:cat>
+            <c:strRef>
+              <c:f>'50IterationsFinal'!$A$2:$A$5</c:f>
+              <c:strCache>
+                <c:ptCount val="4"/>
+                <c:pt idx="0">
+                  <c:v>k = 2</c:v>
+                </c:pt>
+                <c:pt idx="1">
+                  <c:v>k = 4</c:v>
+                </c:pt>
+                <c:pt idx="2">
+                  <c:v>k = 8</c:v>
+                </c:pt>
+                <c:pt idx="3">
+                  <c:v>k = 16</c:v>
+                </c:pt>
+              </c:strCache>
+            </c:strRef>
+          </c:cat>
+          <c:val>
+            <c:numRef>
+              <c:f>'50IterationsFinal'!$F$23:$F$26</c:f>
+              <c:numCache>
+                <c:formatCode>0.00E+00</c:formatCode>
+                <c:ptCount val="4"/>
+                <c:pt idx="0">
+                  <c:v>4.8064195770481302E+22</c:v>
+                </c:pt>
+                <c:pt idx="1">
+                  <c:v>9.5677092308601694E+21</c:v>
+                </c:pt>
+                <c:pt idx="2">
+                  <c:v>2.2442445418398299E+21</c:v>
+                </c:pt>
+                <c:pt idx="3">
+                  <c:v>4.8238262709198101E+20</c:v>
+                </c:pt>
+              </c:numCache>
+            </c:numRef>
+          </c:val>
+          <c:smooth val="0"/>
+        </c:ser>
+        <c:ser>
+          <c:idx val="1"/>
+          <c:order val="1"/>
+          <c:tx>
+            <c:strRef>
+              <c:f>'50IterationsFinal'!$C$1</c:f>
+              <c:strCache>
+                <c:ptCount val="1"/>
+                <c:pt idx="0">
+                  <c:v>BSS (50 iterations)</c:v>
+                </c:pt>
+              </c:strCache>
+            </c:strRef>
+          </c:tx>
+          <c:spPr>
+            <a:ln w="28575" cap="rnd">
+              <a:solidFill>
+                <a:schemeClr val="accent2"/>
+              </a:solidFill>
+              <a:round/>
+            </a:ln>
+            <a:effectLst/>
+          </c:spPr>
+          <c:marker>
+            <c:symbol val="none"/>
+          </c:marker>
+          <c:cat>
+            <c:strRef>
+              <c:f>'50IterationsFinal'!$A$2:$A$5</c:f>
+              <c:strCache>
+                <c:ptCount val="4"/>
+                <c:pt idx="0">
+                  <c:v>k = 2</c:v>
+                </c:pt>
+                <c:pt idx="1">
+                  <c:v>k = 4</c:v>
+                </c:pt>
+                <c:pt idx="2">
+                  <c:v>k = 8</c:v>
+                </c:pt>
+                <c:pt idx="3">
+                  <c:v>k = 16</c:v>
+                </c:pt>
+              </c:strCache>
+            </c:strRef>
+          </c:cat>
+          <c:val>
+            <c:numRef>
+              <c:f>'50IterationsFinal'!$C$2:$C$5</c:f>
+              <c:numCache>
+                <c:formatCode>0.00E+00</c:formatCode>
+                <c:ptCount val="4"/>
+                <c:pt idx="0">
+                  <c:v>1.09E+21</c:v>
+                </c:pt>
+                <c:pt idx="1">
+                  <c:v>2.24E+20</c:v>
+                </c:pt>
+                <c:pt idx="2">
+                  <c:v>7.67E+19</c:v>
+                </c:pt>
+                <c:pt idx="3">
+                  <c:v>7.17E+18</c:v>
+                </c:pt>
+              </c:numCache>
+            </c:numRef>
+          </c:val>
+          <c:smooth val="0"/>
+        </c:ser>
+        <c:dLbls>
+          <c:showLegendKey val="0"/>
+          <c:showVal val="0"/>
+          <c:showCatName val="0"/>
+          <c:showSerName val="0"/>
+          <c:showPercent val="0"/>
+          <c:showBubbleSize val="0"/>
+        </c:dLbls>
+        <c:marker val="1"/>
+        <c:smooth val="0"/>
+        <c:axId val="68609920"/>
+        <c:axId val="69973888"/>
+      </c:lineChart>
+      <c:catAx>
+        <c:axId val="68609920"/>
+        <c:scaling>
+          <c:orientation val="minMax"/>
+        </c:scaling>
+        <c:delete val="0"/>
+        <c:axPos val="b"/>
+        <c:title>
+          <c:tx>
+            <c:rich>
+              <a:bodyPr rot="0" spcFirstLastPara="1" vertOverflow="ellipsis" vert="horz" wrap="square" anchor="ctr" anchorCtr="1"/>
+              <a:lstStyle/>
+              <a:p>
+                <a:pPr>
+                  <a:defRPr sz="1000" b="0" i="0" u="none" strike="noStrike" kern="1200" baseline="0">
+                    <a:solidFill>
+                      <a:schemeClr val="tx1">
+                        <a:lumMod val="65000"/>
+                        <a:lumOff val="35000"/>
+                      </a:schemeClr>
+                    </a:solidFill>
+                    <a:latin typeface="+mn-lt"/>
+                    <a:ea typeface="+mn-ea"/>
+                    <a:cs typeface="+mn-cs"/>
+                  </a:defRPr>
+                </a:pPr>
+                <a:r>
+                  <a:rPr lang="en-US"/>
+                  <a:t>Number</a:t>
+                </a:r>
+                <a:r>
+                  <a:rPr lang="en-US" baseline="0"/>
+                  <a:t> of Medoids</a:t>
+                </a:r>
+                <a:endParaRPr lang="en-US"/>
+              </a:p>
+            </c:rich>
+          </c:tx>
+          <c:layout/>
+          <c:overlay val="0"/>
+          <c:spPr>
+            <a:noFill/>
+            <a:ln>
+              <a:noFill/>
+            </a:ln>
+            <a:effectLst/>
+          </c:spPr>
+        </c:title>
+        <c:numFmt formatCode="General" sourceLinked="1"/>
+        <c:majorTickMark val="none"/>
+        <c:minorTickMark val="none"/>
+        <c:tickLblPos val="nextTo"/>
+        <c:spPr>
+          <a:noFill/>
+          <a:ln w="9525" cap="flat" cmpd="sng" algn="ctr">
+            <a:solidFill>
+              <a:schemeClr val="tx1">
+                <a:lumMod val="15000"/>
+                <a:lumOff val="85000"/>
+              </a:schemeClr>
+            </a:solidFill>
+            <a:round/>
+          </a:ln>
+          <a:effectLst/>
+        </c:spPr>
+        <c:txPr>
+          <a:bodyPr rot="-60000000" spcFirstLastPara="1" vertOverflow="ellipsis" vert="horz" wrap="square" anchor="ctr" anchorCtr="1"/>
+          <a:lstStyle/>
+          <a:p>
+            <a:pPr>
+              <a:defRPr sz="900" b="0" i="0" u="none" strike="noStrike" kern="1200" baseline="0">
+                <a:solidFill>
+                  <a:schemeClr val="tx1">
+                    <a:lumMod val="65000"/>
+                    <a:lumOff val="35000"/>
+                  </a:schemeClr>
+                </a:solidFill>
+                <a:latin typeface="+mn-lt"/>
+                <a:ea typeface="+mn-ea"/>
+                <a:cs typeface="+mn-cs"/>
+              </a:defRPr>
+            </a:pPr>
+            <a:endParaRPr lang="en-US"/>
+          </a:p>
+        </c:txPr>
+        <c:crossAx val="69973888"/>
+        <c:crosses val="autoZero"/>
+        <c:auto val="1"/>
+        <c:lblAlgn val="ctr"/>
+        <c:lblOffset val="100"/>
+        <c:noMultiLvlLbl val="0"/>
+      </c:catAx>
+      <c:valAx>
+        <c:axId val="69973888"/>
+        <c:scaling>
+          <c:orientation val="minMax"/>
+        </c:scaling>
+        <c:delete val="0"/>
+        <c:axPos val="l"/>
+        <c:majorGridlines>
+          <c:spPr>
+            <a:ln w="9525" cap="flat" cmpd="sng" algn="ctr">
+              <a:solidFill>
+                <a:schemeClr val="tx1">
+                  <a:lumMod val="15000"/>
+                  <a:lumOff val="85000"/>
+                </a:schemeClr>
+              </a:solidFill>
+              <a:round/>
+            </a:ln>
+            <a:effectLst/>
+          </c:spPr>
+        </c:majorGridlines>
+        <c:title>
+          <c:tx>
+            <c:rich>
+              <a:bodyPr rot="-5400000" spcFirstLastPara="1" vertOverflow="ellipsis" vert="horz" wrap="square" anchor="ctr" anchorCtr="1"/>
+              <a:lstStyle/>
+              <a:p>
+                <a:pPr>
+                  <a:defRPr sz="1000" b="0" i="0" u="none" strike="noStrike" kern="1200" baseline="0">
+                    <a:solidFill>
+                      <a:schemeClr val="tx1">
+                        <a:lumMod val="65000"/>
+                        <a:lumOff val="35000"/>
+                      </a:schemeClr>
+                    </a:solidFill>
+                    <a:latin typeface="+mn-lt"/>
+                    <a:ea typeface="+mn-ea"/>
+                    <a:cs typeface="+mn-cs"/>
+                  </a:defRPr>
+                </a:pPr>
+                <a:r>
+                  <a:rPr lang="en-US"/>
+                  <a:t>BSS</a:t>
+                </a:r>
+              </a:p>
+            </c:rich>
+          </c:tx>
+          <c:layout/>
+          <c:overlay val="0"/>
+          <c:spPr>
+            <a:noFill/>
+            <a:ln>
+              <a:noFill/>
+            </a:ln>
+            <a:effectLst/>
+          </c:spPr>
+        </c:title>
+        <c:numFmt formatCode="0.00E+00" sourceLinked="1"/>
+        <c:majorTickMark val="none"/>
+        <c:minorTickMark val="none"/>
+        <c:tickLblPos val="nextTo"/>
+        <c:spPr>
+          <a:noFill/>
+          <a:ln>
+            <a:noFill/>
+          </a:ln>
+          <a:effectLst/>
+        </c:spPr>
+        <c:txPr>
+          <a:bodyPr rot="-60000000" spcFirstLastPara="1" vertOverflow="ellipsis" vert="horz" wrap="square" anchor="ctr" anchorCtr="1"/>
+          <a:lstStyle/>
+          <a:p>
+            <a:pPr>
+              <a:defRPr sz="900" b="0" i="0" u="none" strike="noStrike" kern="1200" baseline="0">
+                <a:solidFill>
+                  <a:schemeClr val="tx1">
+                    <a:lumMod val="65000"/>
+                    <a:lumOff val="35000"/>
+                  </a:schemeClr>
+                </a:solidFill>
+                <a:latin typeface="+mn-lt"/>
+                <a:ea typeface="+mn-ea"/>
+                <a:cs typeface="+mn-cs"/>
+              </a:defRPr>
+            </a:pPr>
+            <a:endParaRPr lang="en-US"/>
+          </a:p>
+        </c:txPr>
+        <c:crossAx val="68609920"/>
+        <c:crosses val="autoZero"/>
+        <c:crossBetween val="between"/>
+      </c:valAx>
+      <c:spPr>
+        <a:noFill/>
+        <a:ln>
+          <a:noFill/>
+        </a:ln>
+        <a:effectLst/>
+      </c:spPr>
+    </c:plotArea>
+    <c:legend>
+      <c:legendPos val="r"/>
+      <c:layout/>
+      <c:overlay val="0"/>
+      <c:spPr>
+        <a:noFill/>
+        <a:ln>
+          <a:noFill/>
+        </a:ln>
+        <a:effectLst/>
+      </c:spPr>
+      <c:txPr>
+        <a:bodyPr rot="0" spcFirstLastPara="1" vertOverflow="ellipsis" vert="horz" wrap="square" anchor="ctr" anchorCtr="1"/>
+        <a:lstStyle/>
+        <a:p>
+          <a:pPr>
+            <a:defRPr sz="900" b="0" i="0" u="none" strike="noStrike" kern="1200" baseline="0">
+              <a:solidFill>
+                <a:schemeClr val="tx1">
+                  <a:lumMod val="65000"/>
+                  <a:lumOff val="35000"/>
+                </a:schemeClr>
+              </a:solidFill>
+              <a:latin typeface="+mn-lt"/>
+              <a:ea typeface="+mn-ea"/>
+              <a:cs typeface="+mn-cs"/>
+            </a:defRPr>
+          </a:pPr>
+          <a:endParaRPr lang="en-US"/>
+        </a:p>
+      </c:txPr>
+    </c:legend>
+    <c:plotVisOnly val="1"/>
+    <c:dispBlanksAs val="gap"/>
+    <c:showDLblsOverMax val="0"/>
+  </c:chart>
+  <c:spPr>
+    <a:solidFill>
+      <a:schemeClr val="bg1"/>
+    </a:solidFill>
+    <a:ln w="9525" cap="flat" cmpd="sng" algn="ctr">
+      <a:solidFill>
+        <a:schemeClr val="tx1">
+          <a:lumMod val="15000"/>
+          <a:lumOff val="85000"/>
+        </a:schemeClr>
+      </a:solidFill>
+      <a:round/>
+    </a:ln>
+    <a:effectLst/>
+  </c:spPr>
+  <c:txPr>
+    <a:bodyPr/>
+    <a:lstStyle/>
+    <a:p>
+      <a:pPr>
+        <a:defRPr/>
+      </a:pPr>
+      <a:endParaRPr lang="en-US"/>
+    </a:p>
+  </c:txPr>
+  <c:externalData r:id="rId1">
+    <c:autoUpdate val="0"/>
+  </c:externalData>
+</c:chartSpace>
+</file>
+
+<file path=ppt/charts/chart6.xml><?xml version="1.0" encoding="utf-8"?>
+<c:chartSpace xmlns:c="http://schemas.openxmlformats.org/drawingml/2006/chart" xmlns:a="http://schemas.openxmlformats.org/drawingml/2006/main" xmlns:r="http://schemas.openxmlformats.org/officeDocument/2006/relationships">
+  <c:date1904 val="0"/>
+  <c:lang val="en-US"/>
+  <c:roundedCorners val="0"/>
+  <mc:AlternateContent xmlns:mc="http://schemas.openxmlformats.org/markup-compatibility/2006">
+    <mc:Choice xmlns:c14="http://schemas.microsoft.com/office/drawing/2007/8/2/chart" Requires="c14">
+      <c14:style val="102"/>
+    </mc:Choice>
+    <mc:Fallback>
+      <c:style val="2"/>
+    </mc:Fallback>
+  </mc:AlternateContent>
+  <c:chart>
+    <c:title>
+      <c:tx>
+        <c:rich>
+          <a:bodyPr rot="0" spcFirstLastPara="1" vertOverflow="ellipsis" vert="horz" wrap="square" anchor="ctr" anchorCtr="1"/>
+          <a:lstStyle/>
+          <a:p>
+            <a:pPr>
+              <a:defRPr sz="1400" b="0" i="0" u="none" strike="noStrike" kern="1200" spc="0" baseline="0">
+                <a:solidFill>
+                  <a:schemeClr val="tx1">
+                    <a:lumMod val="65000"/>
+                    <a:lumOff val="35000"/>
+                  </a:schemeClr>
+                </a:solidFill>
+                <a:latin typeface="+mn-lt"/>
+                <a:ea typeface="+mn-ea"/>
+                <a:cs typeface="+mn-cs"/>
+              </a:defRPr>
+            </a:pPr>
+            <a:r>
+              <a:rPr lang="en-US"/>
+              <a:t>BSS</a:t>
+            </a:r>
+            <a:r>
+              <a:rPr lang="en-US" baseline="0"/>
+              <a:t> Measure For 50,000 Entry Data Set</a:t>
+            </a:r>
+            <a:endParaRPr lang="en-US"/>
+          </a:p>
+        </c:rich>
+      </c:tx>
+      <c:layout/>
+      <c:overlay val="0"/>
+      <c:spPr>
+        <a:noFill/>
+        <a:ln>
+          <a:noFill/>
+        </a:ln>
+        <a:effectLst/>
+      </c:spPr>
+    </c:title>
+    <c:autoTitleDeleted val="0"/>
+    <c:plotArea>
+      <c:layout/>
+      <c:lineChart>
+        <c:grouping val="standard"/>
+        <c:varyColors val="0"/>
+        <c:ser>
+          <c:idx val="0"/>
+          <c:order val="0"/>
+          <c:tx>
+            <c:strRef>
+              <c:f>'50000samples.data_results2and4'!$G$7</c:f>
+              <c:strCache>
+                <c:ptCount val="1"/>
+                <c:pt idx="0">
+                  <c:v>BSS (100 iterations)</c:v>
+                </c:pt>
+              </c:strCache>
+            </c:strRef>
+          </c:tx>
+          <c:spPr>
+            <a:ln w="28575" cap="rnd">
+              <a:solidFill>
+                <a:schemeClr val="accent1"/>
+              </a:solidFill>
+              <a:round/>
+            </a:ln>
+            <a:effectLst/>
+          </c:spPr>
+          <c:marker>
+            <c:symbol val="none"/>
+          </c:marker>
+          <c:cat>
+            <c:strRef>
+              <c:f>'50000samples.data_results2and4'!$A$2:$A$5</c:f>
+              <c:strCache>
+                <c:ptCount val="4"/>
+                <c:pt idx="0">
+                  <c:v>k = 2</c:v>
+                </c:pt>
+                <c:pt idx="1">
+                  <c:v>k = 4</c:v>
+                </c:pt>
+                <c:pt idx="2">
+                  <c:v>k = 8</c:v>
+                </c:pt>
+                <c:pt idx="3">
+                  <c:v>k = 16</c:v>
+                </c:pt>
+              </c:strCache>
+            </c:strRef>
+          </c:cat>
+          <c:val>
+            <c:numRef>
+              <c:f>'50000samples.data_results2and4'!$G$8:$G$11</c:f>
+              <c:numCache>
+                <c:formatCode>0.00E+00</c:formatCode>
+                <c:ptCount val="4"/>
+                <c:pt idx="0">
+                  <c:v>1.04143096046339E+21</c:v>
+                </c:pt>
+                <c:pt idx="1">
+                  <c:v>8.1312967835777101E+21</c:v>
+                </c:pt>
+                <c:pt idx="2">
+                  <c:v>2.20522778164853E+21</c:v>
+                </c:pt>
+                <c:pt idx="3">
+                  <c:v>2.5874497336144799E+20</c:v>
+                </c:pt>
+              </c:numCache>
+            </c:numRef>
+          </c:val>
+          <c:smooth val="0"/>
+        </c:ser>
+        <c:ser>
+          <c:idx val="1"/>
+          <c:order val="1"/>
+          <c:tx>
+            <c:strRef>
+              <c:f>'50000samples.data_results2and4'!$C$1</c:f>
+              <c:strCache>
+                <c:ptCount val="1"/>
+                <c:pt idx="0">
+                  <c:v>BSS (50 iterations)</c:v>
+                </c:pt>
+              </c:strCache>
+            </c:strRef>
+          </c:tx>
+          <c:spPr>
+            <a:ln w="28575" cap="rnd">
+              <a:solidFill>
+                <a:schemeClr val="accent2"/>
+              </a:solidFill>
+              <a:round/>
+            </a:ln>
+            <a:effectLst/>
+          </c:spPr>
+          <c:marker>
+            <c:symbol val="none"/>
+          </c:marker>
+          <c:cat>
+            <c:strRef>
+              <c:f>'50000samples.data_results2and4'!$A$2:$A$5</c:f>
+              <c:strCache>
+                <c:ptCount val="4"/>
+                <c:pt idx="0">
+                  <c:v>k = 2</c:v>
+                </c:pt>
+                <c:pt idx="1">
+                  <c:v>k = 4</c:v>
+                </c:pt>
+                <c:pt idx="2">
+                  <c:v>k = 8</c:v>
+                </c:pt>
+                <c:pt idx="3">
+                  <c:v>k = 16</c:v>
+                </c:pt>
+              </c:strCache>
+            </c:strRef>
+          </c:cat>
+          <c:val>
+            <c:numRef>
+              <c:f>'50000samples.data_results2and4'!$C$2:$C$5</c:f>
+              <c:numCache>
+                <c:formatCode>0.00E+00</c:formatCode>
+                <c:ptCount val="4"/>
+                <c:pt idx="0">
+                  <c:v>3.4323741148330898E+22</c:v>
+                </c:pt>
+                <c:pt idx="1">
+                  <c:v>6.4932146539926997E+21</c:v>
+                </c:pt>
+                <c:pt idx="2">
+                  <c:v>2.79464081579284E+21</c:v>
+                </c:pt>
+                <c:pt idx="3">
+                  <c:v>2.5793503370406701E+20</c:v>
+                </c:pt>
+              </c:numCache>
+            </c:numRef>
+          </c:val>
+          <c:smooth val="0"/>
+        </c:ser>
+        <c:dLbls>
+          <c:showLegendKey val="0"/>
+          <c:showVal val="0"/>
+          <c:showCatName val="0"/>
+          <c:showSerName val="0"/>
+          <c:showPercent val="0"/>
+          <c:showBubbleSize val="0"/>
+        </c:dLbls>
+        <c:marker val="1"/>
+        <c:smooth val="0"/>
+        <c:axId val="89056000"/>
+        <c:axId val="89057920"/>
+      </c:lineChart>
+      <c:catAx>
+        <c:axId val="89056000"/>
+        <c:scaling>
+          <c:orientation val="minMax"/>
+        </c:scaling>
+        <c:delete val="0"/>
+        <c:axPos val="b"/>
+        <c:title>
+          <c:tx>
+            <c:rich>
+              <a:bodyPr rot="0" spcFirstLastPara="1" vertOverflow="ellipsis" vert="horz" wrap="square" anchor="ctr" anchorCtr="1"/>
+              <a:lstStyle/>
+              <a:p>
+                <a:pPr>
+                  <a:defRPr sz="1000" b="0" i="0" u="none" strike="noStrike" kern="1200" baseline="0">
+                    <a:solidFill>
+                      <a:schemeClr val="tx1">
+                        <a:lumMod val="65000"/>
+                        <a:lumOff val="35000"/>
+                      </a:schemeClr>
+                    </a:solidFill>
+                    <a:latin typeface="+mn-lt"/>
+                    <a:ea typeface="+mn-ea"/>
+                    <a:cs typeface="+mn-cs"/>
+                  </a:defRPr>
+                </a:pPr>
+                <a:r>
+                  <a:rPr lang="en-US"/>
+                  <a:t>Number</a:t>
+                </a:r>
+                <a:r>
+                  <a:rPr lang="en-US" baseline="0"/>
+                  <a:t> of Medoids</a:t>
+                </a:r>
+                <a:endParaRPr lang="en-US"/>
+              </a:p>
+            </c:rich>
+          </c:tx>
+          <c:layout/>
+          <c:overlay val="0"/>
+          <c:spPr>
+            <a:noFill/>
+            <a:ln>
+              <a:noFill/>
+            </a:ln>
+            <a:effectLst/>
+          </c:spPr>
+        </c:title>
+        <c:numFmt formatCode="General" sourceLinked="1"/>
+        <c:majorTickMark val="none"/>
+        <c:minorTickMark val="none"/>
+        <c:tickLblPos val="nextTo"/>
+        <c:spPr>
+          <a:noFill/>
+          <a:ln w="9525" cap="flat" cmpd="sng" algn="ctr">
+            <a:solidFill>
+              <a:schemeClr val="tx1">
+                <a:lumMod val="15000"/>
+                <a:lumOff val="85000"/>
+              </a:schemeClr>
+            </a:solidFill>
+            <a:round/>
+          </a:ln>
+          <a:effectLst/>
+        </c:spPr>
+        <c:txPr>
+          <a:bodyPr rot="-60000000" spcFirstLastPara="1" vertOverflow="ellipsis" vert="horz" wrap="square" anchor="ctr" anchorCtr="1"/>
+          <a:lstStyle/>
+          <a:p>
+            <a:pPr>
+              <a:defRPr sz="900" b="0" i="0" u="none" strike="noStrike" kern="1200" baseline="0">
+                <a:solidFill>
+                  <a:schemeClr val="tx1">
+                    <a:lumMod val="65000"/>
+                    <a:lumOff val="35000"/>
+                  </a:schemeClr>
+                </a:solidFill>
+                <a:latin typeface="+mn-lt"/>
+                <a:ea typeface="+mn-ea"/>
+                <a:cs typeface="+mn-cs"/>
+              </a:defRPr>
+            </a:pPr>
+            <a:endParaRPr lang="en-US"/>
+          </a:p>
+        </c:txPr>
+        <c:crossAx val="89057920"/>
+        <c:crosses val="autoZero"/>
+        <c:auto val="1"/>
+        <c:lblAlgn val="ctr"/>
+        <c:lblOffset val="100"/>
+        <c:noMultiLvlLbl val="0"/>
+      </c:catAx>
+      <c:valAx>
+        <c:axId val="89057920"/>
+        <c:scaling>
+          <c:orientation val="minMax"/>
+        </c:scaling>
+        <c:delete val="0"/>
+        <c:axPos val="l"/>
+        <c:majorGridlines>
+          <c:spPr>
+            <a:ln w="9525" cap="flat" cmpd="sng" algn="ctr">
+              <a:solidFill>
+                <a:schemeClr val="tx1">
+                  <a:lumMod val="15000"/>
+                  <a:lumOff val="85000"/>
+                </a:schemeClr>
+              </a:solidFill>
+              <a:round/>
+            </a:ln>
+            <a:effectLst/>
+          </c:spPr>
+        </c:majorGridlines>
+        <c:title>
+          <c:tx>
+            <c:rich>
+              <a:bodyPr rot="-5400000" spcFirstLastPara="1" vertOverflow="ellipsis" vert="horz" wrap="square" anchor="ctr" anchorCtr="1"/>
+              <a:lstStyle/>
+              <a:p>
+                <a:pPr>
+                  <a:defRPr sz="1000" b="0" i="0" u="none" strike="noStrike" kern="1200" baseline="0">
+                    <a:solidFill>
+                      <a:schemeClr val="tx1">
+                        <a:lumMod val="65000"/>
+                        <a:lumOff val="35000"/>
+                      </a:schemeClr>
+                    </a:solidFill>
+                    <a:latin typeface="+mn-lt"/>
+                    <a:ea typeface="+mn-ea"/>
+                    <a:cs typeface="+mn-cs"/>
+                  </a:defRPr>
+                </a:pPr>
+                <a:r>
+                  <a:rPr lang="en-US"/>
+                  <a:t>BSS</a:t>
+                </a:r>
+              </a:p>
+            </c:rich>
+          </c:tx>
+          <c:layout/>
+          <c:overlay val="0"/>
+          <c:spPr>
+            <a:noFill/>
+            <a:ln>
+              <a:noFill/>
+            </a:ln>
+            <a:effectLst/>
+          </c:spPr>
+        </c:title>
+        <c:numFmt formatCode="0.00E+00" sourceLinked="1"/>
+        <c:majorTickMark val="none"/>
+        <c:minorTickMark val="none"/>
+        <c:tickLblPos val="nextTo"/>
+        <c:spPr>
+          <a:noFill/>
+          <a:ln>
+            <a:noFill/>
+          </a:ln>
+          <a:effectLst/>
+        </c:spPr>
+        <c:txPr>
+          <a:bodyPr rot="-60000000" spcFirstLastPara="1" vertOverflow="ellipsis" vert="horz" wrap="square" anchor="ctr" anchorCtr="1"/>
+          <a:lstStyle/>
+          <a:p>
+            <a:pPr>
+              <a:defRPr sz="900" b="0" i="0" u="none" strike="noStrike" kern="1200" baseline="0">
+                <a:solidFill>
+                  <a:schemeClr val="tx1">
+                    <a:lumMod val="65000"/>
+                    <a:lumOff val="35000"/>
+                  </a:schemeClr>
+                </a:solidFill>
+                <a:latin typeface="+mn-lt"/>
+                <a:ea typeface="+mn-ea"/>
+                <a:cs typeface="+mn-cs"/>
+              </a:defRPr>
+            </a:pPr>
+            <a:endParaRPr lang="en-US"/>
+          </a:p>
+        </c:txPr>
+        <c:crossAx val="89056000"/>
+        <c:crosses val="autoZero"/>
+        <c:crossBetween val="between"/>
+      </c:valAx>
+      <c:spPr>
+        <a:noFill/>
+        <a:ln>
+          <a:noFill/>
+        </a:ln>
+        <a:effectLst/>
+      </c:spPr>
+    </c:plotArea>
+    <c:legend>
+      <c:legendPos val="r"/>
+      <c:layout/>
+      <c:overlay val="0"/>
+      <c:spPr>
+        <a:noFill/>
+        <a:ln>
+          <a:noFill/>
+        </a:ln>
+        <a:effectLst/>
+      </c:spPr>
+      <c:txPr>
+        <a:bodyPr rot="0" spcFirstLastPara="1" vertOverflow="ellipsis" vert="horz" wrap="square" anchor="ctr" anchorCtr="1"/>
+        <a:lstStyle/>
+        <a:p>
+          <a:pPr>
+            <a:defRPr sz="900" b="0" i="0" u="none" strike="noStrike" kern="1200" baseline="0">
+              <a:solidFill>
+                <a:schemeClr val="tx1">
+                  <a:lumMod val="65000"/>
+                  <a:lumOff val="35000"/>
+                </a:schemeClr>
+              </a:solidFill>
+              <a:latin typeface="+mn-lt"/>
+              <a:ea typeface="+mn-ea"/>
+              <a:cs typeface="+mn-cs"/>
+            </a:defRPr>
+          </a:pPr>
+          <a:endParaRPr lang="en-US"/>
+        </a:p>
+      </c:txPr>
+    </c:legend>
+    <c:plotVisOnly val="1"/>
+    <c:dispBlanksAs val="gap"/>
+    <c:showDLblsOverMax val="0"/>
+  </c:chart>
+  <c:spPr>
+    <a:solidFill>
+      <a:schemeClr val="bg1"/>
+    </a:solidFill>
+    <a:ln w="9525" cap="flat" cmpd="sng" algn="ctr">
+      <a:solidFill>
+        <a:schemeClr val="tx1">
+          <a:lumMod val="15000"/>
+          <a:lumOff val="85000"/>
+        </a:schemeClr>
+      </a:solidFill>
+      <a:round/>
+    </a:ln>
+    <a:effectLst/>
+  </c:spPr>
+  <c:txPr>
+    <a:bodyPr/>
+    <a:lstStyle/>
+    <a:p>
+      <a:pPr>
+        <a:defRPr/>
+      </a:pPr>
+      <a:endParaRPr lang="en-US"/>
+    </a:p>
+  </c:txPr>
+  <c:externalData r:id="rId1">
+    <c:autoUpdate val="0"/>
+  </c:externalData>
+</c:chartSpace>
 </file>
 
 <file path=ppt/slideLayouts/slideLayout1.xml><?xml version="1.0" encoding="utf-8"?>
@@ -13358,6 +16178,13 @@
   <p:clrMapOvr>
     <a:masterClrMapping/>
   </p:clrMapOvr>
+  <p:timing>
+    <p:tnLst>
+      <p:par>
+        <p:cTn id="1" dur="indefinite" restart="never" nodeType="tmRoot"/>
+      </p:par>
+    </p:tnLst>
+  </p:timing>
 </p:sld>
 </file>
 
@@ -13438,6 +16265,13 @@
   <p:clrMapOvr>
     <a:masterClrMapping/>
   </p:clrMapOvr>
+  <p:timing>
+    <p:tnLst>
+      <p:par>
+        <p:cTn id="1" dur="indefinite" restart="never" nodeType="tmRoot"/>
+      </p:par>
+    </p:tnLst>
+  </p:timing>
 </p:sld>
 </file>
 
@@ -13514,6 +16348,13 @@
   <p:clrMapOvr>
     <a:masterClrMapping/>
   </p:clrMapOvr>
+  <p:timing>
+    <p:tnLst>
+      <p:par>
+        <p:cTn id="1" dur="indefinite" restart="never" nodeType="tmRoot"/>
+      </p:par>
+    </p:tnLst>
+  </p:timing>
 </p:sld>
 </file>
 
@@ -13536,7 +16377,7 @@
       </p:grpSpPr>
       <p:sp>
         <p:nvSpPr>
-          <p:cNvPr id="2" name="Title 1"/>
+          <p:cNvPr id="4" name="Title 3"/>
           <p:cNvSpPr>
             <a:spLocks noGrp="1"/>
           </p:cNvSpPr>
@@ -13551,7 +16392,1070 @@
           <a:p>
             <a:r>
               <a:rPr lang="en-US" dirty="0" smtClean="0"/>
-              <a:t>Algorithm</a:t>
+              <a:t>Results (PAM)</a:t>
+            </a:r>
+            <a:endParaRPr lang="en-US" dirty="0"/>
+          </a:p>
+        </p:txBody>
+      </p:sp>
+      <p:graphicFrame>
+        <p:nvGraphicFramePr>
+          <p:cNvPr id="10" name="Content Placeholder 9"/>
+          <p:cNvGraphicFramePr>
+            <a:graphicFrameLocks noGrp="1"/>
+          </p:cNvGraphicFramePr>
+          <p:nvPr>
+            <p:ph idx="1"/>
+            <p:extLst>
+              <p:ext uri="{D42A27DB-BD31-4B8C-83A1-F6EECF244321}">
+                <p14:modId xmlns:p14="http://schemas.microsoft.com/office/powerpoint/2010/main" val="3601876238"/>
+              </p:ext>
+            </p:extLst>
+          </p:nvPr>
+        </p:nvGraphicFramePr>
+        <p:xfrm>
+          <a:off x="529904" y="3217997"/>
+          <a:ext cx="5248326" cy="1344274"/>
+        </p:xfrm>
+        <a:graphic>
+          <a:graphicData uri="http://schemas.openxmlformats.org/drawingml/2006/table">
+            <a:tbl>
+              <a:tblPr>
+                <a:tableStyleId>{5C22544A-7EE6-4342-B048-85BDC9FD1C3A}</a:tableStyleId>
+              </a:tblPr>
+              <a:tblGrid>
+                <a:gridCol w="1648318"/>
+                <a:gridCol w="1806745"/>
+                <a:gridCol w="889890"/>
+                <a:gridCol w="903373"/>
+              </a:tblGrid>
+              <a:tr h="287127">
+                <a:tc>
+                  <a:txBody>
+                    <a:bodyPr/>
+                    <a:lstStyle/>
+                    <a:p>
+                      <a:pPr algn="ctr" fontAlgn="b"/>
+                      <a:r>
+                        <a:rPr lang="en-US" sz="1100" u="none" strike="noStrike" dirty="0" err="1">
+                          <a:effectLst/>
+                        </a:rPr>
+                        <a:t>Num</a:t>
+                      </a:r>
+                      <a:r>
+                        <a:rPr lang="en-US" sz="1100" u="none" strike="noStrike" dirty="0">
+                          <a:effectLst/>
+                        </a:rPr>
+                        <a:t> </a:t>
+                      </a:r>
+                      <a:r>
+                        <a:rPr lang="en-US" sz="1100" u="none" strike="noStrike" dirty="0" err="1">
+                          <a:effectLst/>
+                        </a:rPr>
+                        <a:t>Medoids</a:t>
+                      </a:r>
+                      <a:endParaRPr lang="en-US" sz="1100" b="0" i="0" u="none" strike="noStrike" dirty="0">
+                        <a:solidFill>
+                          <a:srgbClr val="000000"/>
+                        </a:solidFill>
+                        <a:effectLst/>
+                        <a:latin typeface="Calibri"/>
+                      </a:endParaRPr>
+                    </a:p>
+                  </a:txBody>
+                  <a:tcPr marL="9525" marR="9525" marT="9525" marB="0" anchor="b"/>
+                </a:tc>
+                <a:tc>
+                  <a:txBody>
+                    <a:bodyPr/>
+                    <a:lstStyle/>
+                    <a:p>
+                      <a:pPr algn="ctr" fontAlgn="b"/>
+                      <a:r>
+                        <a:rPr lang="en-US" sz="1100" u="none" strike="noStrike" dirty="0" err="1">
+                          <a:effectLst/>
+                        </a:rPr>
+                        <a:t>InformationGain</a:t>
+                      </a:r>
+                      <a:endParaRPr lang="en-US" sz="1100" b="0" i="0" u="none" strike="noStrike" dirty="0">
+                        <a:solidFill>
+                          <a:srgbClr val="000000"/>
+                        </a:solidFill>
+                        <a:effectLst/>
+                        <a:latin typeface="Calibri"/>
+                      </a:endParaRPr>
+                    </a:p>
+                  </a:txBody>
+                  <a:tcPr marL="9525" marR="9525" marT="9525" marB="0" anchor="b"/>
+                </a:tc>
+                <a:tc>
+                  <a:txBody>
+                    <a:bodyPr/>
+                    <a:lstStyle/>
+                    <a:p>
+                      <a:pPr algn="ctr" fontAlgn="b"/>
+                      <a:r>
+                        <a:rPr lang="en-US" sz="1100" u="none" strike="noStrike">
+                          <a:effectLst/>
+                        </a:rPr>
+                        <a:t>WSS</a:t>
+                      </a:r>
+                      <a:endParaRPr lang="en-US" sz="1100" b="0" i="0" u="none" strike="noStrike">
+                        <a:solidFill>
+                          <a:srgbClr val="000000"/>
+                        </a:solidFill>
+                        <a:effectLst/>
+                        <a:latin typeface="Calibri"/>
+                      </a:endParaRPr>
+                    </a:p>
+                  </a:txBody>
+                  <a:tcPr marL="9525" marR="9525" marT="9525" marB="0" anchor="b"/>
+                </a:tc>
+                <a:tc>
+                  <a:txBody>
+                    <a:bodyPr/>
+                    <a:lstStyle/>
+                    <a:p>
+                      <a:pPr algn="ctr" fontAlgn="b"/>
+                      <a:r>
+                        <a:rPr lang="en-US" sz="1100" u="none" strike="noStrike">
+                          <a:effectLst/>
+                        </a:rPr>
+                        <a:t>BSS</a:t>
+                      </a:r>
+                      <a:endParaRPr lang="en-US" sz="1100" b="0" i="0" u="none" strike="noStrike">
+                        <a:solidFill>
+                          <a:srgbClr val="000000"/>
+                        </a:solidFill>
+                        <a:effectLst/>
+                        <a:latin typeface="Calibri"/>
+                      </a:endParaRPr>
+                    </a:p>
+                  </a:txBody>
+                  <a:tcPr marL="9525" marR="9525" marT="9525" marB="0" anchor="b"/>
+                </a:tc>
+              </a:tr>
+              <a:tr h="274075">
+                <a:tc>
+                  <a:txBody>
+                    <a:bodyPr/>
+                    <a:lstStyle/>
+                    <a:p>
+                      <a:pPr algn="ctr" fontAlgn="b"/>
+                      <a:r>
+                        <a:rPr lang="en-US" sz="1100" u="none" strike="noStrike">
+                          <a:effectLst/>
+                        </a:rPr>
+                        <a:t>k = 2</a:t>
+                      </a:r>
+                      <a:endParaRPr lang="en-US" sz="1100" b="0" i="0" u="none" strike="noStrike">
+                        <a:solidFill>
+                          <a:srgbClr val="000000"/>
+                        </a:solidFill>
+                        <a:effectLst/>
+                        <a:latin typeface="Calibri"/>
+                      </a:endParaRPr>
+                    </a:p>
+                  </a:txBody>
+                  <a:tcPr marL="9525" marR="9525" marT="9525" marB="0" anchor="b"/>
+                </a:tc>
+                <a:tc>
+                  <a:txBody>
+                    <a:bodyPr/>
+                    <a:lstStyle/>
+                    <a:p>
+                      <a:pPr algn="ctr" fontAlgn="b"/>
+                      <a:r>
+                        <a:rPr lang="en-US" sz="1100" u="none" strike="noStrike">
+                          <a:effectLst/>
+                        </a:rPr>
+                        <a:t>0.87307018</a:t>
+                      </a:r>
+                      <a:endParaRPr lang="en-US" sz="1100" b="0" i="0" u="none" strike="noStrike">
+                        <a:solidFill>
+                          <a:srgbClr val="000000"/>
+                        </a:solidFill>
+                        <a:effectLst/>
+                        <a:latin typeface="Calibri"/>
+                      </a:endParaRPr>
+                    </a:p>
+                  </a:txBody>
+                  <a:tcPr marL="9525" marR="9525" marT="9525" marB="0" anchor="b"/>
+                </a:tc>
+                <a:tc>
+                  <a:txBody>
+                    <a:bodyPr/>
+                    <a:lstStyle/>
+                    <a:p>
+                      <a:pPr algn="ctr" fontAlgn="b"/>
+                      <a:r>
+                        <a:rPr lang="en-US" sz="1100" u="none" strike="noStrike">
+                          <a:effectLst/>
+                        </a:rPr>
+                        <a:t>1.52E+10</a:t>
+                      </a:r>
+                      <a:endParaRPr lang="en-US" sz="1100" b="0" i="0" u="none" strike="noStrike">
+                        <a:solidFill>
+                          <a:srgbClr val="000000"/>
+                        </a:solidFill>
+                        <a:effectLst/>
+                        <a:latin typeface="Calibri"/>
+                      </a:endParaRPr>
+                    </a:p>
+                  </a:txBody>
+                  <a:tcPr marL="9525" marR="9525" marT="9525" marB="0" anchor="b"/>
+                </a:tc>
+                <a:tc>
+                  <a:txBody>
+                    <a:bodyPr/>
+                    <a:lstStyle/>
+                    <a:p>
+                      <a:pPr algn="ctr" fontAlgn="b"/>
+                      <a:r>
+                        <a:rPr lang="en-US" sz="1100" u="none" strike="noStrike">
+                          <a:effectLst/>
+                        </a:rPr>
+                        <a:t>1.09E+21</a:t>
+                      </a:r>
+                      <a:endParaRPr lang="en-US" sz="1100" b="0" i="0" u="none" strike="noStrike">
+                        <a:solidFill>
+                          <a:srgbClr val="000000"/>
+                        </a:solidFill>
+                        <a:effectLst/>
+                        <a:latin typeface="Calibri"/>
+                      </a:endParaRPr>
+                    </a:p>
+                  </a:txBody>
+                  <a:tcPr marL="9525" marR="9525" marT="9525" marB="0" anchor="b"/>
+                </a:tc>
+              </a:tr>
+              <a:tr h="261024">
+                <a:tc>
+                  <a:txBody>
+                    <a:bodyPr/>
+                    <a:lstStyle/>
+                    <a:p>
+                      <a:pPr algn="ctr" fontAlgn="b"/>
+                      <a:r>
+                        <a:rPr lang="en-US" sz="1100" u="none" strike="noStrike">
+                          <a:effectLst/>
+                        </a:rPr>
+                        <a:t>k = 4</a:t>
+                      </a:r>
+                      <a:endParaRPr lang="en-US" sz="1100" b="0" i="0" u="none" strike="noStrike">
+                        <a:solidFill>
+                          <a:srgbClr val="000000"/>
+                        </a:solidFill>
+                        <a:effectLst/>
+                        <a:latin typeface="Calibri"/>
+                      </a:endParaRPr>
+                    </a:p>
+                  </a:txBody>
+                  <a:tcPr marL="9525" marR="9525" marT="9525" marB="0" anchor="b"/>
+                </a:tc>
+                <a:tc>
+                  <a:txBody>
+                    <a:bodyPr/>
+                    <a:lstStyle/>
+                    <a:p>
+                      <a:pPr algn="ctr" fontAlgn="b"/>
+                      <a:r>
+                        <a:rPr lang="en-US" sz="1100" u="none" strike="noStrike">
+                          <a:effectLst/>
+                        </a:rPr>
+                        <a:t>0.884333673</a:t>
+                      </a:r>
+                      <a:endParaRPr lang="en-US" sz="1100" b="0" i="0" u="none" strike="noStrike">
+                        <a:solidFill>
+                          <a:srgbClr val="000000"/>
+                        </a:solidFill>
+                        <a:effectLst/>
+                        <a:latin typeface="Calibri"/>
+                      </a:endParaRPr>
+                    </a:p>
+                  </a:txBody>
+                  <a:tcPr marL="9525" marR="9525" marT="9525" marB="0" anchor="b"/>
+                </a:tc>
+                <a:tc>
+                  <a:txBody>
+                    <a:bodyPr/>
+                    <a:lstStyle/>
+                    <a:p>
+                      <a:pPr algn="ctr" fontAlgn="b"/>
+                      <a:r>
+                        <a:rPr lang="en-US" sz="1100" u="none" strike="noStrike">
+                          <a:effectLst/>
+                        </a:rPr>
+                        <a:t>1.46E+10</a:t>
+                      </a:r>
+                      <a:endParaRPr lang="en-US" sz="1100" b="0" i="0" u="none" strike="noStrike">
+                        <a:solidFill>
+                          <a:srgbClr val="000000"/>
+                        </a:solidFill>
+                        <a:effectLst/>
+                        <a:latin typeface="Calibri"/>
+                      </a:endParaRPr>
+                    </a:p>
+                  </a:txBody>
+                  <a:tcPr marL="9525" marR="9525" marT="9525" marB="0" anchor="b"/>
+                </a:tc>
+                <a:tc>
+                  <a:txBody>
+                    <a:bodyPr/>
+                    <a:lstStyle/>
+                    <a:p>
+                      <a:pPr algn="ctr" fontAlgn="b"/>
+                      <a:r>
+                        <a:rPr lang="en-US" sz="1100" u="none" strike="noStrike">
+                          <a:effectLst/>
+                        </a:rPr>
+                        <a:t>2.24E+20</a:t>
+                      </a:r>
+                      <a:endParaRPr lang="en-US" sz="1100" b="0" i="0" u="none" strike="noStrike">
+                        <a:solidFill>
+                          <a:srgbClr val="000000"/>
+                        </a:solidFill>
+                        <a:effectLst/>
+                        <a:latin typeface="Calibri"/>
+                      </a:endParaRPr>
+                    </a:p>
+                  </a:txBody>
+                  <a:tcPr marL="9525" marR="9525" marT="9525" marB="0" anchor="b"/>
+                </a:tc>
+              </a:tr>
+              <a:tr h="261024">
+                <a:tc>
+                  <a:txBody>
+                    <a:bodyPr/>
+                    <a:lstStyle/>
+                    <a:p>
+                      <a:pPr algn="ctr" fontAlgn="b"/>
+                      <a:r>
+                        <a:rPr lang="en-US" sz="1100" u="none" strike="noStrike">
+                          <a:effectLst/>
+                        </a:rPr>
+                        <a:t>k = 8</a:t>
+                      </a:r>
+                      <a:endParaRPr lang="en-US" sz="1100" b="0" i="0" u="none" strike="noStrike">
+                        <a:solidFill>
+                          <a:srgbClr val="000000"/>
+                        </a:solidFill>
+                        <a:effectLst/>
+                        <a:latin typeface="Calibri"/>
+                      </a:endParaRPr>
+                    </a:p>
+                  </a:txBody>
+                  <a:tcPr marL="9525" marR="9525" marT="9525" marB="0" anchor="b"/>
+                </a:tc>
+                <a:tc>
+                  <a:txBody>
+                    <a:bodyPr/>
+                    <a:lstStyle/>
+                    <a:p>
+                      <a:pPr algn="ctr" fontAlgn="b"/>
+                      <a:r>
+                        <a:rPr lang="en-US" sz="1100" u="none" strike="noStrike" dirty="0">
+                          <a:effectLst/>
+                        </a:rPr>
+                        <a:t>0.894090057</a:t>
+                      </a:r>
+                      <a:endParaRPr lang="en-US" sz="1100" b="0" i="0" u="none" strike="noStrike" dirty="0">
+                        <a:solidFill>
+                          <a:srgbClr val="000000"/>
+                        </a:solidFill>
+                        <a:effectLst/>
+                        <a:latin typeface="Calibri"/>
+                      </a:endParaRPr>
+                    </a:p>
+                  </a:txBody>
+                  <a:tcPr marL="9525" marR="9525" marT="9525" marB="0" anchor="b"/>
+                </a:tc>
+                <a:tc>
+                  <a:txBody>
+                    <a:bodyPr/>
+                    <a:lstStyle/>
+                    <a:p>
+                      <a:pPr algn="ctr" fontAlgn="b"/>
+                      <a:r>
+                        <a:rPr lang="en-US" sz="1100" u="none" strike="noStrike">
+                          <a:effectLst/>
+                        </a:rPr>
+                        <a:t>1.05E+10</a:t>
+                      </a:r>
+                      <a:endParaRPr lang="en-US" sz="1100" b="0" i="0" u="none" strike="noStrike">
+                        <a:solidFill>
+                          <a:srgbClr val="000000"/>
+                        </a:solidFill>
+                        <a:effectLst/>
+                        <a:latin typeface="Calibri"/>
+                      </a:endParaRPr>
+                    </a:p>
+                  </a:txBody>
+                  <a:tcPr marL="9525" marR="9525" marT="9525" marB="0" anchor="b"/>
+                </a:tc>
+                <a:tc>
+                  <a:txBody>
+                    <a:bodyPr/>
+                    <a:lstStyle/>
+                    <a:p>
+                      <a:pPr algn="ctr" fontAlgn="b"/>
+                      <a:r>
+                        <a:rPr lang="en-US" sz="1100" u="none" strike="noStrike">
+                          <a:effectLst/>
+                        </a:rPr>
+                        <a:t>7.67E+19</a:t>
+                      </a:r>
+                      <a:endParaRPr lang="en-US" sz="1100" b="0" i="0" u="none" strike="noStrike">
+                        <a:solidFill>
+                          <a:srgbClr val="000000"/>
+                        </a:solidFill>
+                        <a:effectLst/>
+                        <a:latin typeface="Calibri"/>
+                      </a:endParaRPr>
+                    </a:p>
+                  </a:txBody>
+                  <a:tcPr marL="9525" marR="9525" marT="9525" marB="0" anchor="b"/>
+                </a:tc>
+              </a:tr>
+              <a:tr h="261024">
+                <a:tc>
+                  <a:txBody>
+                    <a:bodyPr/>
+                    <a:lstStyle/>
+                    <a:p>
+                      <a:pPr algn="ctr" fontAlgn="b"/>
+                      <a:r>
+                        <a:rPr lang="en-US" sz="1100" u="none" strike="noStrike">
+                          <a:effectLst/>
+                        </a:rPr>
+                        <a:t>k = 16</a:t>
+                      </a:r>
+                      <a:endParaRPr lang="en-US" sz="1100" b="0" i="0" u="none" strike="noStrike">
+                        <a:solidFill>
+                          <a:srgbClr val="000000"/>
+                        </a:solidFill>
+                        <a:effectLst/>
+                        <a:latin typeface="Calibri"/>
+                      </a:endParaRPr>
+                    </a:p>
+                  </a:txBody>
+                  <a:tcPr marL="9525" marR="9525" marT="9525" marB="0" anchor="b"/>
+                </a:tc>
+                <a:tc>
+                  <a:txBody>
+                    <a:bodyPr/>
+                    <a:lstStyle/>
+                    <a:p>
+                      <a:pPr algn="ctr" fontAlgn="b"/>
+                      <a:r>
+                        <a:rPr lang="en-US" sz="1100" u="none" strike="noStrike">
+                          <a:effectLst/>
+                        </a:rPr>
+                        <a:t>0.895729101</a:t>
+                      </a:r>
+                      <a:endParaRPr lang="en-US" sz="1100" b="0" i="0" u="none" strike="noStrike">
+                        <a:solidFill>
+                          <a:srgbClr val="000000"/>
+                        </a:solidFill>
+                        <a:effectLst/>
+                        <a:latin typeface="Calibri"/>
+                      </a:endParaRPr>
+                    </a:p>
+                  </a:txBody>
+                  <a:tcPr marL="9525" marR="9525" marT="9525" marB="0" anchor="b"/>
+                </a:tc>
+                <a:tc>
+                  <a:txBody>
+                    <a:bodyPr/>
+                    <a:lstStyle/>
+                    <a:p>
+                      <a:pPr algn="ctr" fontAlgn="b"/>
+                      <a:r>
+                        <a:rPr lang="en-US" sz="1100" u="none" strike="noStrike">
+                          <a:effectLst/>
+                        </a:rPr>
+                        <a:t>5.41E+09</a:t>
+                      </a:r>
+                      <a:endParaRPr lang="en-US" sz="1100" b="0" i="0" u="none" strike="noStrike">
+                        <a:solidFill>
+                          <a:srgbClr val="000000"/>
+                        </a:solidFill>
+                        <a:effectLst/>
+                        <a:latin typeface="Calibri"/>
+                      </a:endParaRPr>
+                    </a:p>
+                  </a:txBody>
+                  <a:tcPr marL="9525" marR="9525" marT="9525" marB="0" anchor="b"/>
+                </a:tc>
+                <a:tc>
+                  <a:txBody>
+                    <a:bodyPr/>
+                    <a:lstStyle/>
+                    <a:p>
+                      <a:pPr algn="ctr" fontAlgn="b"/>
+                      <a:r>
+                        <a:rPr lang="en-US" sz="1100" u="none" strike="noStrike" dirty="0">
+                          <a:effectLst/>
+                        </a:rPr>
+                        <a:t>7.17E+18</a:t>
+                      </a:r>
+                      <a:endParaRPr lang="en-US" sz="1100" b="0" i="0" u="none" strike="noStrike" dirty="0">
+                        <a:solidFill>
+                          <a:srgbClr val="000000"/>
+                        </a:solidFill>
+                        <a:effectLst/>
+                        <a:latin typeface="Calibri"/>
+                      </a:endParaRPr>
+                    </a:p>
+                  </a:txBody>
+                  <a:tcPr marL="9525" marR="9525" marT="9525" marB="0" anchor="b"/>
+                </a:tc>
+              </a:tr>
+            </a:tbl>
+          </a:graphicData>
+        </a:graphic>
+      </p:graphicFrame>
+      <p:graphicFrame>
+        <p:nvGraphicFramePr>
+          <p:cNvPr id="11" name="Table 10"/>
+          <p:cNvGraphicFramePr>
+            <a:graphicFrameLocks noGrp="1"/>
+          </p:cNvGraphicFramePr>
+          <p:nvPr>
+            <p:extLst>
+              <p:ext uri="{D42A27DB-BD31-4B8C-83A1-F6EECF244321}">
+                <p14:modId xmlns:p14="http://schemas.microsoft.com/office/powerpoint/2010/main" val="1302982275"/>
+              </p:ext>
+            </p:extLst>
+          </p:nvPr>
+        </p:nvGraphicFramePr>
+        <p:xfrm>
+          <a:off x="6184225" y="3234853"/>
+          <a:ext cx="5284686" cy="1298235"/>
+        </p:xfrm>
+        <a:graphic>
+          <a:graphicData uri="http://schemas.openxmlformats.org/drawingml/2006/table">
+            <a:tbl>
+              <a:tblPr>
+                <a:tableStyleId>{5C22544A-7EE6-4342-B048-85BDC9FD1C3A}</a:tableStyleId>
+              </a:tblPr>
+              <a:tblGrid>
+                <a:gridCol w="1659737"/>
+                <a:gridCol w="1819262"/>
+                <a:gridCol w="896055"/>
+                <a:gridCol w="909632"/>
+              </a:tblGrid>
+              <a:tr h="259647">
+                <a:tc>
+                  <a:txBody>
+                    <a:bodyPr/>
+                    <a:lstStyle/>
+                    <a:p>
+                      <a:pPr algn="ctr" fontAlgn="b"/>
+                      <a:r>
+                        <a:rPr lang="en-US" sz="1100" u="none" strike="noStrike" dirty="0" err="1">
+                          <a:effectLst/>
+                        </a:rPr>
+                        <a:t>Num</a:t>
+                      </a:r>
+                      <a:r>
+                        <a:rPr lang="en-US" sz="1100" u="none" strike="noStrike" dirty="0">
+                          <a:effectLst/>
+                        </a:rPr>
+                        <a:t> </a:t>
+                      </a:r>
+                      <a:r>
+                        <a:rPr lang="en-US" sz="1100" u="none" strike="noStrike" dirty="0" err="1">
+                          <a:effectLst/>
+                        </a:rPr>
+                        <a:t>Medoids</a:t>
+                      </a:r>
+                      <a:endParaRPr lang="en-US" sz="1100" b="0" i="0" u="none" strike="noStrike" dirty="0">
+                        <a:solidFill>
+                          <a:srgbClr val="000000"/>
+                        </a:solidFill>
+                        <a:effectLst/>
+                        <a:latin typeface="Calibri"/>
+                      </a:endParaRPr>
+                    </a:p>
+                  </a:txBody>
+                  <a:tcPr marL="9525" marR="9525" marT="9525" marB="0" anchor="b"/>
+                </a:tc>
+                <a:tc>
+                  <a:txBody>
+                    <a:bodyPr/>
+                    <a:lstStyle/>
+                    <a:p>
+                      <a:pPr algn="ctr" fontAlgn="b"/>
+                      <a:r>
+                        <a:rPr lang="en-US" sz="1100" u="none" strike="noStrike">
+                          <a:effectLst/>
+                        </a:rPr>
+                        <a:t>InformationGain</a:t>
+                      </a:r>
+                      <a:endParaRPr lang="en-US" sz="1100" b="0" i="0" u="none" strike="noStrike">
+                        <a:solidFill>
+                          <a:srgbClr val="000000"/>
+                        </a:solidFill>
+                        <a:effectLst/>
+                        <a:latin typeface="Calibri"/>
+                      </a:endParaRPr>
+                    </a:p>
+                  </a:txBody>
+                  <a:tcPr marL="9525" marR="9525" marT="9525" marB="0" anchor="b"/>
+                </a:tc>
+                <a:tc>
+                  <a:txBody>
+                    <a:bodyPr/>
+                    <a:lstStyle/>
+                    <a:p>
+                      <a:pPr algn="ctr" fontAlgn="b"/>
+                      <a:r>
+                        <a:rPr lang="en-US" sz="1100" u="none" strike="noStrike">
+                          <a:effectLst/>
+                        </a:rPr>
+                        <a:t>WSS</a:t>
+                      </a:r>
+                      <a:endParaRPr lang="en-US" sz="1100" b="0" i="0" u="none" strike="noStrike">
+                        <a:solidFill>
+                          <a:srgbClr val="000000"/>
+                        </a:solidFill>
+                        <a:effectLst/>
+                        <a:latin typeface="Calibri"/>
+                      </a:endParaRPr>
+                    </a:p>
+                  </a:txBody>
+                  <a:tcPr marL="9525" marR="9525" marT="9525" marB="0" anchor="b"/>
+                </a:tc>
+                <a:tc>
+                  <a:txBody>
+                    <a:bodyPr/>
+                    <a:lstStyle/>
+                    <a:p>
+                      <a:pPr algn="ctr" fontAlgn="b"/>
+                      <a:r>
+                        <a:rPr lang="en-US" sz="1100" u="none" strike="noStrike">
+                          <a:effectLst/>
+                        </a:rPr>
+                        <a:t>BSS</a:t>
+                      </a:r>
+                      <a:endParaRPr lang="en-US" sz="1100" b="0" i="0" u="none" strike="noStrike">
+                        <a:solidFill>
+                          <a:srgbClr val="000000"/>
+                        </a:solidFill>
+                        <a:effectLst/>
+                        <a:latin typeface="Calibri"/>
+                      </a:endParaRPr>
+                    </a:p>
+                  </a:txBody>
+                  <a:tcPr marL="9525" marR="9525" marT="9525" marB="0" anchor="b"/>
+                </a:tc>
+              </a:tr>
+              <a:tr h="259647">
+                <a:tc>
+                  <a:txBody>
+                    <a:bodyPr/>
+                    <a:lstStyle/>
+                    <a:p>
+                      <a:pPr algn="ctr" fontAlgn="b"/>
+                      <a:r>
+                        <a:rPr lang="en-US" sz="1100" u="none" strike="noStrike" dirty="0">
+                          <a:effectLst/>
+                        </a:rPr>
+                        <a:t>k = 2</a:t>
+                      </a:r>
+                      <a:endParaRPr lang="en-US" sz="1100" b="0" i="0" u="none" strike="noStrike" dirty="0">
+                        <a:solidFill>
+                          <a:srgbClr val="000000"/>
+                        </a:solidFill>
+                        <a:effectLst/>
+                        <a:latin typeface="Calibri"/>
+                      </a:endParaRPr>
+                    </a:p>
+                  </a:txBody>
+                  <a:tcPr marL="9525" marR="9525" marT="9525" marB="0" anchor="b"/>
+                </a:tc>
+                <a:tc>
+                  <a:txBody>
+                    <a:bodyPr/>
+                    <a:lstStyle/>
+                    <a:p>
+                      <a:pPr algn="ctr" fontAlgn="b"/>
+                      <a:r>
+                        <a:rPr lang="en-US" sz="1100" u="none" strike="noStrike">
+                          <a:effectLst/>
+                        </a:rPr>
+                        <a:t>0.875373642</a:t>
+                      </a:r>
+                      <a:endParaRPr lang="en-US" sz="1100" b="0" i="0" u="none" strike="noStrike">
+                        <a:solidFill>
+                          <a:srgbClr val="000000"/>
+                        </a:solidFill>
+                        <a:effectLst/>
+                        <a:latin typeface="Calibri"/>
+                      </a:endParaRPr>
+                    </a:p>
+                  </a:txBody>
+                  <a:tcPr marL="9525" marR="9525" marT="9525" marB="0" anchor="b"/>
+                </a:tc>
+                <a:tc>
+                  <a:txBody>
+                    <a:bodyPr/>
+                    <a:lstStyle/>
+                    <a:p>
+                      <a:pPr algn="ctr" fontAlgn="b"/>
+                      <a:r>
+                        <a:rPr lang="en-US" sz="1100" u="none" strike="noStrike">
+                          <a:effectLst/>
+                        </a:rPr>
+                        <a:t>3.56E+10</a:t>
+                      </a:r>
+                      <a:endParaRPr lang="en-US" sz="1100" b="0" i="0" u="none" strike="noStrike">
+                        <a:solidFill>
+                          <a:srgbClr val="000000"/>
+                        </a:solidFill>
+                        <a:effectLst/>
+                        <a:latin typeface="Calibri"/>
+                      </a:endParaRPr>
+                    </a:p>
+                  </a:txBody>
+                  <a:tcPr marL="9525" marR="9525" marT="9525" marB="0" anchor="b"/>
+                </a:tc>
+                <a:tc>
+                  <a:txBody>
+                    <a:bodyPr/>
+                    <a:lstStyle/>
+                    <a:p>
+                      <a:pPr algn="ctr" fontAlgn="b"/>
+                      <a:r>
+                        <a:rPr lang="en-US" sz="1100" u="none" strike="noStrike">
+                          <a:effectLst/>
+                        </a:rPr>
+                        <a:t>4.81E+22</a:t>
+                      </a:r>
+                      <a:endParaRPr lang="en-US" sz="1100" b="0" i="0" u="none" strike="noStrike">
+                        <a:solidFill>
+                          <a:srgbClr val="000000"/>
+                        </a:solidFill>
+                        <a:effectLst/>
+                        <a:latin typeface="Calibri"/>
+                      </a:endParaRPr>
+                    </a:p>
+                  </a:txBody>
+                  <a:tcPr marL="9525" marR="9525" marT="9525" marB="0" anchor="b"/>
+                </a:tc>
+              </a:tr>
+              <a:tr h="259647">
+                <a:tc>
+                  <a:txBody>
+                    <a:bodyPr/>
+                    <a:lstStyle/>
+                    <a:p>
+                      <a:pPr algn="ctr" fontAlgn="b"/>
+                      <a:r>
+                        <a:rPr lang="en-US" sz="1100" u="none" strike="noStrike">
+                          <a:effectLst/>
+                        </a:rPr>
+                        <a:t>k = 4</a:t>
+                      </a:r>
+                      <a:endParaRPr lang="en-US" sz="1100" b="0" i="0" u="none" strike="noStrike">
+                        <a:solidFill>
+                          <a:srgbClr val="000000"/>
+                        </a:solidFill>
+                        <a:effectLst/>
+                        <a:latin typeface="Calibri"/>
+                      </a:endParaRPr>
+                    </a:p>
+                  </a:txBody>
+                  <a:tcPr marL="9525" marR="9525" marT="9525" marB="0" anchor="b"/>
+                </a:tc>
+                <a:tc>
+                  <a:txBody>
+                    <a:bodyPr/>
+                    <a:lstStyle/>
+                    <a:p>
+                      <a:pPr algn="ctr" fontAlgn="b"/>
+                      <a:r>
+                        <a:rPr lang="en-US" sz="1100" u="none" strike="noStrike">
+                          <a:effectLst/>
+                        </a:rPr>
+                        <a:t>0.89075752</a:t>
+                      </a:r>
+                      <a:endParaRPr lang="en-US" sz="1100" b="0" i="0" u="none" strike="noStrike">
+                        <a:solidFill>
+                          <a:srgbClr val="000000"/>
+                        </a:solidFill>
+                        <a:effectLst/>
+                        <a:latin typeface="Calibri"/>
+                      </a:endParaRPr>
+                    </a:p>
+                  </a:txBody>
+                  <a:tcPr marL="9525" marR="9525" marT="9525" marB="0" anchor="b"/>
+                </a:tc>
+                <a:tc>
+                  <a:txBody>
+                    <a:bodyPr/>
+                    <a:lstStyle/>
+                    <a:p>
+                      <a:pPr algn="ctr" fontAlgn="b"/>
+                      <a:r>
+                        <a:rPr lang="en-US" sz="1100" u="none" strike="noStrike">
+                          <a:effectLst/>
+                        </a:rPr>
+                        <a:t>3.11E+10</a:t>
+                      </a:r>
+                      <a:endParaRPr lang="en-US" sz="1100" b="0" i="0" u="none" strike="noStrike">
+                        <a:solidFill>
+                          <a:srgbClr val="000000"/>
+                        </a:solidFill>
+                        <a:effectLst/>
+                        <a:latin typeface="Calibri"/>
+                      </a:endParaRPr>
+                    </a:p>
+                  </a:txBody>
+                  <a:tcPr marL="9525" marR="9525" marT="9525" marB="0" anchor="b"/>
+                </a:tc>
+                <a:tc>
+                  <a:txBody>
+                    <a:bodyPr/>
+                    <a:lstStyle/>
+                    <a:p>
+                      <a:pPr algn="ctr" fontAlgn="b"/>
+                      <a:r>
+                        <a:rPr lang="en-US" sz="1100" u="none" strike="noStrike">
+                          <a:effectLst/>
+                        </a:rPr>
+                        <a:t>9.57E+21</a:t>
+                      </a:r>
+                      <a:endParaRPr lang="en-US" sz="1100" b="0" i="0" u="none" strike="noStrike">
+                        <a:solidFill>
+                          <a:srgbClr val="000000"/>
+                        </a:solidFill>
+                        <a:effectLst/>
+                        <a:latin typeface="Calibri"/>
+                      </a:endParaRPr>
+                    </a:p>
+                  </a:txBody>
+                  <a:tcPr marL="9525" marR="9525" marT="9525" marB="0" anchor="b"/>
+                </a:tc>
+              </a:tr>
+              <a:tr h="259647">
+                <a:tc>
+                  <a:txBody>
+                    <a:bodyPr/>
+                    <a:lstStyle/>
+                    <a:p>
+                      <a:pPr algn="ctr" fontAlgn="b"/>
+                      <a:r>
+                        <a:rPr lang="en-US" sz="1100" u="none" strike="noStrike">
+                          <a:effectLst/>
+                        </a:rPr>
+                        <a:t>k = 8</a:t>
+                      </a:r>
+                      <a:endParaRPr lang="en-US" sz="1100" b="0" i="0" u="none" strike="noStrike">
+                        <a:solidFill>
+                          <a:srgbClr val="000000"/>
+                        </a:solidFill>
+                        <a:effectLst/>
+                        <a:latin typeface="Calibri"/>
+                      </a:endParaRPr>
+                    </a:p>
+                  </a:txBody>
+                  <a:tcPr marL="9525" marR="9525" marT="9525" marB="0" anchor="b"/>
+                </a:tc>
+                <a:tc>
+                  <a:txBody>
+                    <a:bodyPr/>
+                    <a:lstStyle/>
+                    <a:p>
+                      <a:pPr algn="ctr" fontAlgn="b"/>
+                      <a:r>
+                        <a:rPr lang="en-US" sz="1100" u="none" strike="noStrike">
+                          <a:effectLst/>
+                        </a:rPr>
+                        <a:t>0.894101904</a:t>
+                      </a:r>
+                      <a:endParaRPr lang="en-US" sz="1100" b="0" i="0" u="none" strike="noStrike">
+                        <a:solidFill>
+                          <a:srgbClr val="000000"/>
+                        </a:solidFill>
+                        <a:effectLst/>
+                        <a:latin typeface="Calibri"/>
+                      </a:endParaRPr>
+                    </a:p>
+                  </a:txBody>
+                  <a:tcPr marL="9525" marR="9525" marT="9525" marB="0" anchor="b"/>
+                </a:tc>
+                <a:tc>
+                  <a:txBody>
+                    <a:bodyPr/>
+                    <a:lstStyle/>
+                    <a:p>
+                      <a:pPr algn="ctr" fontAlgn="b"/>
+                      <a:r>
+                        <a:rPr lang="en-US" sz="1100" u="none" strike="noStrike">
+                          <a:effectLst/>
+                        </a:rPr>
+                        <a:t>2.48E+10</a:t>
+                      </a:r>
+                      <a:endParaRPr lang="en-US" sz="1100" b="0" i="0" u="none" strike="noStrike">
+                        <a:solidFill>
+                          <a:srgbClr val="000000"/>
+                        </a:solidFill>
+                        <a:effectLst/>
+                        <a:latin typeface="Calibri"/>
+                      </a:endParaRPr>
+                    </a:p>
+                  </a:txBody>
+                  <a:tcPr marL="9525" marR="9525" marT="9525" marB="0" anchor="b"/>
+                </a:tc>
+                <a:tc>
+                  <a:txBody>
+                    <a:bodyPr/>
+                    <a:lstStyle/>
+                    <a:p>
+                      <a:pPr algn="ctr" fontAlgn="b"/>
+                      <a:r>
+                        <a:rPr lang="en-US" sz="1100" u="none" strike="noStrike">
+                          <a:effectLst/>
+                        </a:rPr>
+                        <a:t>2.24E+21</a:t>
+                      </a:r>
+                      <a:endParaRPr lang="en-US" sz="1100" b="0" i="0" u="none" strike="noStrike">
+                        <a:solidFill>
+                          <a:srgbClr val="000000"/>
+                        </a:solidFill>
+                        <a:effectLst/>
+                        <a:latin typeface="Calibri"/>
+                      </a:endParaRPr>
+                    </a:p>
+                  </a:txBody>
+                  <a:tcPr marL="9525" marR="9525" marT="9525" marB="0" anchor="b"/>
+                </a:tc>
+              </a:tr>
+              <a:tr h="259647">
+                <a:tc>
+                  <a:txBody>
+                    <a:bodyPr/>
+                    <a:lstStyle/>
+                    <a:p>
+                      <a:pPr algn="ctr" fontAlgn="b"/>
+                      <a:r>
+                        <a:rPr lang="en-US" sz="1100" u="none" strike="noStrike" dirty="0">
+                          <a:effectLst/>
+                        </a:rPr>
+                        <a:t>k = 16</a:t>
+                      </a:r>
+                      <a:endParaRPr lang="en-US" sz="1100" b="0" i="0" u="none" strike="noStrike" dirty="0">
+                        <a:solidFill>
+                          <a:srgbClr val="000000"/>
+                        </a:solidFill>
+                        <a:effectLst/>
+                        <a:latin typeface="Calibri"/>
+                      </a:endParaRPr>
+                    </a:p>
+                  </a:txBody>
+                  <a:tcPr marL="9525" marR="9525" marT="9525" marB="0" anchor="b"/>
+                </a:tc>
+                <a:tc>
+                  <a:txBody>
+                    <a:bodyPr/>
+                    <a:lstStyle/>
+                    <a:p>
+                      <a:pPr algn="ctr" fontAlgn="b"/>
+                      <a:r>
+                        <a:rPr lang="en-US" sz="1100" u="none" strike="noStrike">
+                          <a:effectLst/>
+                        </a:rPr>
+                        <a:t>0.89646021</a:t>
+                      </a:r>
+                      <a:endParaRPr lang="en-US" sz="1100" b="0" i="0" u="none" strike="noStrike">
+                        <a:solidFill>
+                          <a:srgbClr val="000000"/>
+                        </a:solidFill>
+                        <a:effectLst/>
+                        <a:latin typeface="Calibri"/>
+                      </a:endParaRPr>
+                    </a:p>
+                  </a:txBody>
+                  <a:tcPr marL="9525" marR="9525" marT="9525" marB="0" anchor="b"/>
+                </a:tc>
+                <a:tc>
+                  <a:txBody>
+                    <a:bodyPr/>
+                    <a:lstStyle/>
+                    <a:p>
+                      <a:pPr algn="ctr" fontAlgn="b"/>
+                      <a:r>
+                        <a:rPr lang="en-US" sz="1100" u="none" strike="noStrike">
+                          <a:effectLst/>
+                        </a:rPr>
+                        <a:t>2.08E+10</a:t>
+                      </a:r>
+                      <a:endParaRPr lang="en-US" sz="1100" b="0" i="0" u="none" strike="noStrike">
+                        <a:solidFill>
+                          <a:srgbClr val="000000"/>
+                        </a:solidFill>
+                        <a:effectLst/>
+                        <a:latin typeface="Calibri"/>
+                      </a:endParaRPr>
+                    </a:p>
+                  </a:txBody>
+                  <a:tcPr marL="9525" marR="9525" marT="9525" marB="0" anchor="b"/>
+                </a:tc>
+                <a:tc>
+                  <a:txBody>
+                    <a:bodyPr/>
+                    <a:lstStyle/>
+                    <a:p>
+                      <a:pPr algn="ctr" fontAlgn="b"/>
+                      <a:r>
+                        <a:rPr lang="en-US" sz="1100" u="none" strike="noStrike" dirty="0">
+                          <a:effectLst/>
+                        </a:rPr>
+                        <a:t>4.82E+20</a:t>
+                      </a:r>
+                      <a:endParaRPr lang="en-US" sz="1100" b="0" i="0" u="none" strike="noStrike" dirty="0">
+                        <a:solidFill>
+                          <a:srgbClr val="000000"/>
+                        </a:solidFill>
+                        <a:effectLst/>
+                        <a:latin typeface="Calibri"/>
+                      </a:endParaRPr>
+                    </a:p>
+                  </a:txBody>
+                  <a:tcPr marL="9525" marR="9525" marT="9525" marB="0" anchor="b"/>
+                </a:tc>
+              </a:tr>
+            </a:tbl>
+          </a:graphicData>
+        </a:graphic>
+      </p:graphicFrame>
+      <p:sp>
+        <p:nvSpPr>
+          <p:cNvPr id="12" name="TextBox 11"/>
+          <p:cNvSpPr txBox="1"/>
+          <p:nvPr/>
+        </p:nvSpPr>
+        <p:spPr>
+          <a:xfrm>
+            <a:off x="778213" y="2597284"/>
+            <a:ext cx="2743200" cy="369332"/>
+          </a:xfrm>
+          <a:prstGeom prst="rect">
+            <a:avLst/>
+          </a:prstGeom>
+          <a:noFill/>
+        </p:spPr>
+        <p:txBody>
+          <a:bodyPr wrap="square" rtlCol="0">
+            <a:spAutoFit/>
+          </a:bodyPr>
+          <a:lstStyle/>
+          <a:p>
+            <a:r>
+              <a:rPr lang="en-US" dirty="0" smtClean="0"/>
+              <a:t>20,000 Entries:</a:t>
             </a:r>
             <a:endParaRPr lang="en-US" dirty="0"/>
           </a:p>
@@ -13559,33 +17463,51 @@
       </p:sp>
       <p:sp>
         <p:nvSpPr>
-          <p:cNvPr id="3" name="Content Placeholder 2"/>
-          <p:cNvSpPr>
-            <a:spLocks noGrp="1"/>
-          </p:cNvSpPr>
-          <p:nvPr>
-            <p:ph idx="1"/>
-          </p:nvPr>
+          <p:cNvPr id="13" name="TextBox 12"/>
+          <p:cNvSpPr txBox="1"/>
+          <p:nvPr/>
         </p:nvSpPr>
-        <p:spPr/>
+        <p:spPr>
+          <a:xfrm>
+            <a:off x="6303523" y="2597284"/>
+            <a:ext cx="1877438" cy="369332"/>
+          </a:xfrm>
+          <a:prstGeom prst="rect">
+            <a:avLst/>
+          </a:prstGeom>
+          <a:noFill/>
+        </p:spPr>
         <p:txBody>
-          <a:bodyPr/>
+          <a:bodyPr wrap="square" rtlCol="0">
+            <a:spAutoFit/>
+          </a:bodyPr>
           <a:lstStyle/>
           <a:p>
-            <a:endParaRPr lang="en-US"/>
+            <a:r>
+              <a:rPr lang="en-US" dirty="0" smtClean="0"/>
+              <a:t>50,000 Entries:</a:t>
+            </a:r>
+            <a:endParaRPr lang="en-US" dirty="0"/>
           </a:p>
         </p:txBody>
       </p:sp>
     </p:spTree>
     <p:extLst>
       <p:ext uri="{BB962C8B-B14F-4D97-AF65-F5344CB8AC3E}">
-        <p14:creationId xmlns:p14="http://schemas.microsoft.com/office/powerpoint/2010/main" val="3023477373"/>
+        <p14:creationId xmlns:p14="http://schemas.microsoft.com/office/powerpoint/2010/main" val="499012051"/>
       </p:ext>
     </p:extLst>
   </p:cSld>
   <p:clrMapOvr>
     <a:masterClrMapping/>
   </p:clrMapOvr>
+  <p:timing>
+    <p:tnLst>
+      <p:par>
+        <p:cTn id="1" dur="indefinite" restart="never" nodeType="tmRoot"/>
+      </p:par>
+    </p:tnLst>
+  </p:timing>
 </p:sld>
 </file>
 
@@ -13623,41 +17545,76 @@
           <a:p>
             <a:r>
               <a:rPr lang="en-US" dirty="0" smtClean="0"/>
-              <a:t>Visual Stuff</a:t>
+              <a:t>Information Gain</a:t>
             </a:r>
             <a:endParaRPr lang="en-US" dirty="0"/>
           </a:p>
         </p:txBody>
       </p:sp>
-      <p:sp>
-        <p:nvSpPr>
-          <p:cNvPr id="3" name="Content Placeholder 2"/>
-          <p:cNvSpPr>
-            <a:spLocks noGrp="1"/>
-          </p:cNvSpPr>
+      <p:graphicFrame>
+        <p:nvGraphicFramePr>
+          <p:cNvPr id="5" name="Content Placeholder 4"/>
+          <p:cNvGraphicFramePr>
+            <a:graphicFrameLocks noGrp="1"/>
+          </p:cNvGraphicFramePr>
           <p:nvPr>
             <p:ph idx="1"/>
+            <p:extLst>
+              <p:ext uri="{D42A27DB-BD31-4B8C-83A1-F6EECF244321}">
+                <p14:modId xmlns:p14="http://schemas.microsoft.com/office/powerpoint/2010/main" val="4185389202"/>
+              </p:ext>
+            </p:extLst>
           </p:nvPr>
-        </p:nvSpPr>
-        <p:spPr/>
-        <p:txBody>
-          <a:bodyPr/>
-          <a:lstStyle/>
-          <a:p>
-            <a:endParaRPr lang="en-US"/>
-          </a:p>
-        </p:txBody>
-      </p:sp>
+        </p:nvGraphicFramePr>
+        <p:xfrm>
+          <a:off x="1074421" y="2847340"/>
+          <a:ext cx="4411979" cy="2760980"/>
+        </p:xfrm>
+        <a:graphic>
+          <a:graphicData uri="http://schemas.openxmlformats.org/drawingml/2006/chart">
+            <c:chart xmlns:c="http://schemas.openxmlformats.org/drawingml/2006/chart" xmlns:r="http://schemas.openxmlformats.org/officeDocument/2006/relationships" r:id="rId2"/>
+          </a:graphicData>
+        </a:graphic>
+      </p:graphicFrame>
+      <p:graphicFrame>
+        <p:nvGraphicFramePr>
+          <p:cNvPr id="8" name="Chart 7"/>
+          <p:cNvGraphicFramePr/>
+          <p:nvPr>
+            <p:extLst>
+              <p:ext uri="{D42A27DB-BD31-4B8C-83A1-F6EECF244321}">
+                <p14:modId xmlns:p14="http://schemas.microsoft.com/office/powerpoint/2010/main" val="3166759054"/>
+              </p:ext>
+            </p:extLst>
+          </p:nvPr>
+        </p:nvGraphicFramePr>
+        <p:xfrm>
+          <a:off x="6471920" y="2829560"/>
+          <a:ext cx="4572000" cy="2743200"/>
+        </p:xfrm>
+        <a:graphic>
+          <a:graphicData uri="http://schemas.openxmlformats.org/drawingml/2006/chart">
+            <c:chart xmlns:c="http://schemas.openxmlformats.org/drawingml/2006/chart" xmlns:r="http://schemas.openxmlformats.org/officeDocument/2006/relationships" r:id="rId3"/>
+          </a:graphicData>
+        </a:graphic>
+      </p:graphicFrame>
     </p:spTree>
     <p:extLst>
       <p:ext uri="{BB962C8B-B14F-4D97-AF65-F5344CB8AC3E}">
-        <p14:creationId xmlns:p14="http://schemas.microsoft.com/office/powerpoint/2010/main" val="69646937"/>
+        <p14:creationId xmlns:p14="http://schemas.microsoft.com/office/powerpoint/2010/main" val="171177107"/>
       </p:ext>
     </p:extLst>
   </p:cSld>
   <p:clrMapOvr>
     <a:masterClrMapping/>
   </p:clrMapOvr>
+  <p:timing>
+    <p:tnLst>
+      <p:par>
+        <p:cTn id="1" dur="indefinite" restart="never" nodeType="tmRoot"/>
+      </p:par>
+    </p:tnLst>
+  </p:timing>
 </p:sld>
 </file>
 
@@ -13695,106 +17652,76 @@
           <a:p>
             <a:r>
               <a:rPr lang="en-US" dirty="0" smtClean="0"/>
-              <a:t>Complexity Analysis</a:t>
+              <a:t>WSS</a:t>
             </a:r>
             <a:endParaRPr lang="en-US" dirty="0"/>
           </a:p>
         </p:txBody>
       </p:sp>
-      <p:sp>
-        <p:nvSpPr>
-          <p:cNvPr id="4" name="Text Placeholder 3"/>
-          <p:cNvSpPr>
-            <a:spLocks noGrp="1"/>
-          </p:cNvSpPr>
+      <p:graphicFrame>
+        <p:nvGraphicFramePr>
+          <p:cNvPr id="4" name="Content Placeholder 3"/>
+          <p:cNvGraphicFramePr>
+            <a:graphicFrameLocks noGrp="1"/>
+          </p:cNvGraphicFramePr>
           <p:nvPr>
-            <p:ph type="body" idx="1"/>
+            <p:ph idx="1"/>
+            <p:extLst>
+              <p:ext uri="{D42A27DB-BD31-4B8C-83A1-F6EECF244321}">
+                <p14:modId xmlns:p14="http://schemas.microsoft.com/office/powerpoint/2010/main" val="2187564643"/>
+              </p:ext>
+            </p:extLst>
           </p:nvPr>
-        </p:nvSpPr>
-        <p:spPr/>
-        <p:txBody>
-          <a:bodyPr/>
-          <a:lstStyle/>
-          <a:p>
-            <a:r>
-              <a:rPr lang="en-US" dirty="0" smtClean="0"/>
-              <a:t>DBSCAN</a:t>
-            </a:r>
-            <a:endParaRPr lang="en-US" dirty="0"/>
-          </a:p>
-        </p:txBody>
-      </p:sp>
-      <p:sp>
-        <p:nvSpPr>
-          <p:cNvPr id="5" name="Content Placeholder 4"/>
-          <p:cNvSpPr>
-            <a:spLocks noGrp="1"/>
-          </p:cNvSpPr>
+        </p:nvGraphicFramePr>
+        <p:xfrm>
+          <a:off x="789940" y="2806700"/>
+          <a:ext cx="4676140" cy="2801620"/>
+        </p:xfrm>
+        <a:graphic>
+          <a:graphicData uri="http://schemas.openxmlformats.org/drawingml/2006/chart">
+            <c:chart xmlns:c="http://schemas.openxmlformats.org/drawingml/2006/chart" xmlns:r="http://schemas.openxmlformats.org/officeDocument/2006/relationships" r:id="rId2"/>
+          </a:graphicData>
+        </a:graphic>
+      </p:graphicFrame>
+      <p:graphicFrame>
+        <p:nvGraphicFramePr>
+          <p:cNvPr id="5" name="Chart 4"/>
+          <p:cNvGraphicFramePr/>
           <p:nvPr>
-            <p:ph sz="half" idx="2"/>
+            <p:extLst>
+              <p:ext uri="{D42A27DB-BD31-4B8C-83A1-F6EECF244321}">
+                <p14:modId xmlns:p14="http://schemas.microsoft.com/office/powerpoint/2010/main" val="1671909140"/>
+              </p:ext>
+            </p:extLst>
           </p:nvPr>
-        </p:nvSpPr>
-        <p:spPr/>
-        <p:txBody>
-          <a:bodyPr/>
-          <a:lstStyle/>
-          <a:p>
-            <a:endParaRPr lang="en-US" dirty="0"/>
-          </a:p>
-        </p:txBody>
-      </p:sp>
-      <p:sp>
-        <p:nvSpPr>
-          <p:cNvPr id="6" name="Text Placeholder 5"/>
-          <p:cNvSpPr>
-            <a:spLocks noGrp="1"/>
-          </p:cNvSpPr>
-          <p:nvPr>
-            <p:ph type="body" sz="quarter" idx="3"/>
-          </p:nvPr>
-        </p:nvSpPr>
-        <p:spPr/>
-        <p:txBody>
-          <a:bodyPr/>
-          <a:lstStyle/>
-          <a:p>
-            <a:r>
-              <a:rPr lang="en-US" dirty="0" smtClean="0"/>
-              <a:t>OPTICS</a:t>
-            </a:r>
-            <a:endParaRPr lang="en-US" dirty="0"/>
-          </a:p>
-        </p:txBody>
-      </p:sp>
-      <p:sp>
-        <p:nvSpPr>
-          <p:cNvPr id="7" name="Content Placeholder 6"/>
-          <p:cNvSpPr>
-            <a:spLocks noGrp="1"/>
-          </p:cNvSpPr>
-          <p:nvPr>
-            <p:ph sz="quarter" idx="4"/>
-          </p:nvPr>
-        </p:nvSpPr>
-        <p:spPr/>
-        <p:txBody>
-          <a:bodyPr/>
-          <a:lstStyle/>
-          <a:p>
-            <a:endParaRPr lang="en-US"/>
-          </a:p>
-        </p:txBody>
-      </p:sp>
+        </p:nvGraphicFramePr>
+        <p:xfrm>
+          <a:off x="6421120" y="2809240"/>
+          <a:ext cx="4683760" cy="2819400"/>
+        </p:xfrm>
+        <a:graphic>
+          <a:graphicData uri="http://schemas.openxmlformats.org/drawingml/2006/chart">
+            <c:chart xmlns:c="http://schemas.openxmlformats.org/drawingml/2006/chart" xmlns:r="http://schemas.openxmlformats.org/officeDocument/2006/relationships" r:id="rId3"/>
+          </a:graphicData>
+        </a:graphic>
+      </p:graphicFrame>
     </p:spTree>
     <p:extLst>
       <p:ext uri="{BB962C8B-B14F-4D97-AF65-F5344CB8AC3E}">
-        <p14:creationId xmlns:p14="http://schemas.microsoft.com/office/powerpoint/2010/main" val="1979480688"/>
+        <p14:creationId xmlns:p14="http://schemas.microsoft.com/office/powerpoint/2010/main" val="3346891022"/>
       </p:ext>
     </p:extLst>
   </p:cSld>
   <p:clrMapOvr>
     <a:masterClrMapping/>
   </p:clrMapOvr>
+  <p:timing>
+    <p:tnLst>
+      <p:par>
+        <p:cTn id="1" dur="indefinite" restart="never" nodeType="tmRoot"/>
+      </p:par>
+    </p:tnLst>
+  </p:timing>
 </p:sld>
 </file>
 
@@ -13832,41 +17759,73 @@
           <a:p>
             <a:r>
               <a:rPr lang="en-US" dirty="0" smtClean="0"/>
-              <a:t>Entropy by Cluster</a:t>
+              <a:t>BSS</a:t>
             </a:r>
             <a:endParaRPr lang="en-US" dirty="0"/>
           </a:p>
         </p:txBody>
       </p:sp>
-      <p:sp>
-        <p:nvSpPr>
-          <p:cNvPr id="3" name="Content Placeholder 2"/>
-          <p:cNvSpPr>
-            <a:spLocks noGrp="1"/>
-          </p:cNvSpPr>
+      <p:graphicFrame>
+        <p:nvGraphicFramePr>
+          <p:cNvPr id="4" name="Chart 3"/>
+          <p:cNvGraphicFramePr/>
           <p:nvPr>
-            <p:ph idx="1"/>
+            <p:extLst>
+              <p:ext uri="{D42A27DB-BD31-4B8C-83A1-F6EECF244321}">
+                <p14:modId xmlns:p14="http://schemas.microsoft.com/office/powerpoint/2010/main" val="2066766956"/>
+              </p:ext>
+            </p:extLst>
           </p:nvPr>
-        </p:nvSpPr>
-        <p:spPr/>
-        <p:txBody>
-          <a:bodyPr/>
-          <a:lstStyle/>
-          <a:p>
-            <a:endParaRPr lang="en-US"/>
-          </a:p>
-        </p:txBody>
-      </p:sp>
+        </p:nvGraphicFramePr>
+        <p:xfrm>
+          <a:off x="843280" y="2748280"/>
+          <a:ext cx="4643120" cy="2839720"/>
+        </p:xfrm>
+        <a:graphic>
+          <a:graphicData uri="http://schemas.openxmlformats.org/drawingml/2006/chart">
+            <c:chart xmlns:c="http://schemas.openxmlformats.org/drawingml/2006/chart" xmlns:r="http://schemas.openxmlformats.org/officeDocument/2006/relationships" r:id="rId2"/>
+          </a:graphicData>
+        </a:graphic>
+      </p:graphicFrame>
+      <p:graphicFrame>
+        <p:nvGraphicFramePr>
+          <p:cNvPr id="6" name="Chart 5"/>
+          <p:cNvGraphicFramePr/>
+          <p:nvPr>
+            <p:extLst>
+              <p:ext uri="{D42A27DB-BD31-4B8C-83A1-F6EECF244321}">
+                <p14:modId xmlns:p14="http://schemas.microsoft.com/office/powerpoint/2010/main" val="3906261177"/>
+              </p:ext>
+            </p:extLst>
+          </p:nvPr>
+        </p:nvGraphicFramePr>
+        <p:xfrm>
+          <a:off x="6461760" y="2702560"/>
+          <a:ext cx="4907280" cy="2971800"/>
+        </p:xfrm>
+        <a:graphic>
+          <a:graphicData uri="http://schemas.openxmlformats.org/drawingml/2006/chart">
+            <c:chart xmlns:c="http://schemas.openxmlformats.org/drawingml/2006/chart" xmlns:r="http://schemas.openxmlformats.org/officeDocument/2006/relationships" r:id="rId3"/>
+          </a:graphicData>
+        </a:graphic>
+      </p:graphicFrame>
     </p:spTree>
     <p:extLst>
       <p:ext uri="{BB962C8B-B14F-4D97-AF65-F5344CB8AC3E}">
-        <p14:creationId xmlns:p14="http://schemas.microsoft.com/office/powerpoint/2010/main" val="1974077312"/>
+        <p14:creationId xmlns:p14="http://schemas.microsoft.com/office/powerpoint/2010/main" val="1421996567"/>
       </p:ext>
     </p:extLst>
   </p:cSld>
   <p:clrMapOvr>
     <a:masterClrMapping/>
   </p:clrMapOvr>
+  <p:timing>
+    <p:tnLst>
+      <p:par>
+        <p:cTn id="1" dur="indefinite" restart="never" nodeType="tmRoot"/>
+      </p:par>
+    </p:tnLst>
+  </p:timing>
 </p:sld>
 </file>
 
@@ -13904,7 +17863,7 @@
           <a:p>
             <a:r>
               <a:rPr lang="en-US" dirty="0" smtClean="0"/>
-              <a:t>Prediction Assessment </a:t>
+              <a:t>Algorithm</a:t>
             </a:r>
             <a:endParaRPr lang="en-US" dirty="0"/>
           </a:p>
@@ -13932,13 +17891,20 @@
     </p:spTree>
     <p:extLst>
       <p:ext uri="{BB962C8B-B14F-4D97-AF65-F5344CB8AC3E}">
-        <p14:creationId xmlns:p14="http://schemas.microsoft.com/office/powerpoint/2010/main" val="3062305719"/>
+        <p14:creationId xmlns:p14="http://schemas.microsoft.com/office/powerpoint/2010/main" val="3023477373"/>
       </p:ext>
     </p:extLst>
   </p:cSld>
   <p:clrMapOvr>
     <a:masterClrMapping/>
   </p:clrMapOvr>
+  <p:timing>
+    <p:tnLst>
+      <p:par>
+        <p:cTn id="1" dur="indefinite" restart="never" nodeType="tmRoot"/>
+      </p:par>
+    </p:tnLst>
+  </p:timing>
 </p:sld>
 </file>
 
@@ -13976,7 +17942,7 @@
           <a:p>
             <a:r>
               <a:rPr lang="en-US" dirty="0" smtClean="0"/>
-              <a:t>Final Analysis</a:t>
+              <a:t>Visual Stuff</a:t>
             </a:r>
             <a:endParaRPr lang="en-US" dirty="0"/>
           </a:p>
@@ -13984,12 +17950,12 @@
       </p:sp>
       <p:sp>
         <p:nvSpPr>
-          <p:cNvPr id="3" name="Text Placeholder 2"/>
+          <p:cNvPr id="3" name="Content Placeholder 2"/>
           <p:cNvSpPr>
             <a:spLocks noGrp="1"/>
           </p:cNvSpPr>
           <p:nvPr>
-            <p:ph type="body" idx="1"/>
+            <p:ph idx="1"/>
           </p:nvPr>
         </p:nvSpPr>
         <p:spPr/>
@@ -13997,20 +17963,27 @@
           <a:bodyPr/>
           <a:lstStyle/>
           <a:p>
-            <a:endParaRPr lang="en-US" dirty="0"/>
+            <a:endParaRPr lang="en-US"/>
           </a:p>
         </p:txBody>
       </p:sp>
     </p:spTree>
     <p:extLst>
       <p:ext uri="{BB962C8B-B14F-4D97-AF65-F5344CB8AC3E}">
-        <p14:creationId xmlns:p14="http://schemas.microsoft.com/office/powerpoint/2010/main" val="1509802558"/>
+        <p14:creationId xmlns:p14="http://schemas.microsoft.com/office/powerpoint/2010/main" val="69646937"/>
       </p:ext>
     </p:extLst>
   </p:cSld>
   <p:clrMapOvr>
     <a:masterClrMapping/>
   </p:clrMapOvr>
+  <p:timing>
+    <p:tnLst>
+      <p:par>
+        <p:cTn id="1" dur="indefinite" restart="never" nodeType="tmRoot"/>
+      </p:par>
+    </p:tnLst>
+  </p:timing>
 </p:sld>
 </file>
 
@@ -14033,7 +18006,7 @@
       </p:grpSpPr>
       <p:sp>
         <p:nvSpPr>
-          <p:cNvPr id="4" name="Title 3"/>
+          <p:cNvPr id="2" name="Title 1"/>
           <p:cNvSpPr>
             <a:spLocks noGrp="1"/>
           </p:cNvSpPr>
@@ -14046,13 +18019,17 @@
           <a:bodyPr/>
           <a:lstStyle/>
           <a:p>
-            <a:endParaRPr lang="en-US"/>
+            <a:r>
+              <a:rPr lang="en-US" dirty="0" smtClean="0"/>
+              <a:t>Complexity Analysis</a:t>
+            </a:r>
+            <a:endParaRPr lang="en-US" dirty="0"/>
           </a:p>
         </p:txBody>
       </p:sp>
       <p:sp>
         <p:nvSpPr>
-          <p:cNvPr id="5" name="Text Placeholder 4"/>
+          <p:cNvPr id="4" name="Text Placeholder 3"/>
           <p:cNvSpPr>
             <a:spLocks noGrp="1"/>
           </p:cNvSpPr>
@@ -14067,7 +18044,7 @@
           <a:p>
             <a:r>
               <a:rPr lang="en-US" dirty="0" smtClean="0"/>
-              <a:t>PAM</a:t>
+              <a:t>DBSCAN</a:t>
             </a:r>
             <a:endParaRPr lang="en-US" dirty="0"/>
           </a:p>
@@ -14075,12 +18052,12 @@
       </p:sp>
       <p:sp>
         <p:nvSpPr>
-          <p:cNvPr id="8" name="Text Placeholder 7"/>
+          <p:cNvPr id="5" name="Content Placeholder 4"/>
           <p:cNvSpPr>
             <a:spLocks noGrp="1"/>
           </p:cNvSpPr>
           <p:nvPr>
-            <p:ph type="body" sz="half" idx="15"/>
+            <p:ph sz="half" idx="2"/>
           </p:nvPr>
         </p:nvSpPr>
         <p:spPr/>
@@ -14088,20 +18065,6 @@
           <a:bodyPr/>
           <a:lstStyle/>
           <a:p>
-            <a:pPr marL="285750" indent="-285750">
-              <a:buFont typeface="Arial" panose="020B0604020202020204" pitchFamily="34" charset="0"/>
-              <a:buChar char="•"/>
-            </a:pPr>
-            <a:r>
-              <a:rPr lang="en-US" dirty="0" smtClean="0"/>
-              <a:t>Entropy</a:t>
-            </a:r>
-          </a:p>
-          <a:p>
-            <a:pPr marL="285750" indent="-285750">
-              <a:buFont typeface="Arial" panose="020B0604020202020204" pitchFamily="34" charset="0"/>
-              <a:buChar char="•"/>
-            </a:pPr>
             <a:endParaRPr lang="en-US" dirty="0"/>
           </a:p>
         </p:txBody>
@@ -14123,7 +18086,7 @@
           <a:p>
             <a:r>
               <a:rPr lang="en-US" dirty="0" smtClean="0"/>
-              <a:t>Group Average	</a:t>
+              <a:t>OPTICS</a:t>
             </a:r>
             <a:endParaRPr lang="en-US" dirty="0"/>
           </a:p>
@@ -14131,12 +18094,12 @@
       </p:sp>
       <p:sp>
         <p:nvSpPr>
-          <p:cNvPr id="9" name="Text Placeholder 8"/>
+          <p:cNvPr id="7" name="Content Placeholder 6"/>
           <p:cNvSpPr>
             <a:spLocks noGrp="1"/>
           </p:cNvSpPr>
           <p:nvPr>
-            <p:ph type="body" sz="half" idx="16"/>
+            <p:ph sz="quarter" idx="4"/>
           </p:nvPr>
         </p:nvSpPr>
         <p:spPr/>
@@ -14144,48 +18107,6 @@
           <a:bodyPr/>
           <a:lstStyle/>
           <a:p>
-            <a:endParaRPr lang="en-US" dirty="0"/>
-          </a:p>
-        </p:txBody>
-      </p:sp>
-      <p:sp>
-        <p:nvSpPr>
-          <p:cNvPr id="7" name="Text Placeholder 6"/>
-          <p:cNvSpPr>
-            <a:spLocks noGrp="1"/>
-          </p:cNvSpPr>
-          <p:nvPr>
-            <p:ph type="body" sz="quarter" idx="13"/>
-          </p:nvPr>
-        </p:nvSpPr>
-        <p:spPr/>
-        <p:txBody>
-          <a:bodyPr/>
-          <a:lstStyle/>
-          <a:p>
-            <a:r>
-              <a:rPr lang="en-US" dirty="0" smtClean="0"/>
-              <a:t>OPTICS</a:t>
-            </a:r>
-            <a:endParaRPr lang="en-US" dirty="0"/>
-          </a:p>
-        </p:txBody>
-      </p:sp>
-      <p:sp>
-        <p:nvSpPr>
-          <p:cNvPr id="10" name="Text Placeholder 9"/>
-          <p:cNvSpPr>
-            <a:spLocks noGrp="1"/>
-          </p:cNvSpPr>
-          <p:nvPr>
-            <p:ph type="body" sz="half" idx="17"/>
-          </p:nvPr>
-        </p:nvSpPr>
-        <p:spPr/>
-        <p:txBody>
-          <a:bodyPr/>
-          <a:lstStyle/>
-          <a:p>
             <a:endParaRPr lang="en-US"/>
           </a:p>
         </p:txBody>
@@ -14193,13 +18114,20 @@
     </p:spTree>
     <p:extLst>
       <p:ext uri="{BB962C8B-B14F-4D97-AF65-F5344CB8AC3E}">
-        <p14:creationId xmlns:p14="http://schemas.microsoft.com/office/powerpoint/2010/main" val="3890624472"/>
+        <p14:creationId xmlns:p14="http://schemas.microsoft.com/office/powerpoint/2010/main" val="1979480688"/>
       </p:ext>
     </p:extLst>
   </p:cSld>
   <p:clrMapOvr>
     <a:masterClrMapping/>
   </p:clrMapOvr>
+  <p:timing>
+    <p:tnLst>
+      <p:par>
+        <p:cTn id="1" dur="indefinite" restart="never" nodeType="tmRoot"/>
+      </p:par>
+    </p:tnLst>
+  </p:timing>
 </p:sld>
 </file>
 
@@ -14237,7 +18165,7 @@
           <a:p>
             <a:r>
               <a:rPr lang="en-US" dirty="0" smtClean="0"/>
-              <a:t>Future Work</a:t>
+              <a:t>Entropy by Cluster</a:t>
             </a:r>
             <a:endParaRPr lang="en-US" dirty="0"/>
           </a:p>
@@ -14258,36 +18186,27 @@
           <a:bodyPr/>
           <a:lstStyle/>
           <a:p>
-            <a:r>
-              <a:rPr lang="en-US" dirty="0" smtClean="0"/>
-              <a:t>CLARA</a:t>
-            </a:r>
-          </a:p>
-          <a:p>
-            <a:r>
-              <a:rPr lang="en-US" dirty="0" smtClean="0"/>
-              <a:t>More suitable data set</a:t>
-            </a:r>
-          </a:p>
-          <a:p>
-            <a:r>
-              <a:rPr lang="en-US" dirty="0" smtClean="0"/>
-              <a:t>Different sigma values</a:t>
-            </a:r>
-            <a:endParaRPr lang="en-US" dirty="0"/>
+            <a:endParaRPr lang="en-US"/>
           </a:p>
         </p:txBody>
       </p:sp>
     </p:spTree>
     <p:extLst>
       <p:ext uri="{BB962C8B-B14F-4D97-AF65-F5344CB8AC3E}">
-        <p14:creationId xmlns:p14="http://schemas.microsoft.com/office/powerpoint/2010/main" val="2476803811"/>
+        <p14:creationId xmlns:p14="http://schemas.microsoft.com/office/powerpoint/2010/main" val="1974077312"/>
       </p:ext>
     </p:extLst>
   </p:cSld>
   <p:clrMapOvr>
     <a:masterClrMapping/>
   </p:clrMapOvr>
+  <p:timing>
+    <p:tnLst>
+      <p:par>
+        <p:cTn id="1" dur="indefinite" restart="never" nodeType="tmRoot"/>
+      </p:par>
+    </p:tnLst>
+  </p:timing>
 </p:sld>
 </file>
 
@@ -14375,6 +18294,462 @@
   <p:clrMapOvr>
     <a:masterClrMapping/>
   </p:clrMapOvr>
+  <p:timing>
+    <p:tnLst>
+      <p:par>
+        <p:cTn id="1" dur="indefinite" restart="never" nodeType="tmRoot"/>
+      </p:par>
+    </p:tnLst>
+  </p:timing>
+</p:sld>
+</file>
+
+<file path=ppt/slides/slide20.xml><?xml version="1.0" encoding="utf-8"?>
+<p:sld xmlns:a="http://schemas.openxmlformats.org/drawingml/2006/main" xmlns:r="http://schemas.openxmlformats.org/officeDocument/2006/relationships" xmlns:p="http://schemas.openxmlformats.org/presentationml/2006/main">
+  <p:cSld>
+    <p:spTree>
+      <p:nvGrpSpPr>
+        <p:cNvPr id="1" name=""/>
+        <p:cNvGrpSpPr/>
+        <p:nvPr/>
+      </p:nvGrpSpPr>
+      <p:grpSpPr>
+        <a:xfrm>
+          <a:off x="0" y="0"/>
+          <a:ext cx="0" cy="0"/>
+          <a:chOff x="0" y="0"/>
+          <a:chExt cx="0" cy="0"/>
+        </a:xfrm>
+      </p:grpSpPr>
+      <p:sp>
+        <p:nvSpPr>
+          <p:cNvPr id="2" name="Title 1"/>
+          <p:cNvSpPr>
+            <a:spLocks noGrp="1"/>
+          </p:cNvSpPr>
+          <p:nvPr>
+            <p:ph type="title"/>
+          </p:nvPr>
+        </p:nvSpPr>
+        <p:spPr/>
+        <p:txBody>
+          <a:bodyPr/>
+          <a:lstStyle/>
+          <a:p>
+            <a:r>
+              <a:rPr lang="en-US" dirty="0" smtClean="0"/>
+              <a:t>Prediction Assessment </a:t>
+            </a:r>
+            <a:endParaRPr lang="en-US" dirty="0"/>
+          </a:p>
+        </p:txBody>
+      </p:sp>
+      <p:sp>
+        <p:nvSpPr>
+          <p:cNvPr id="3" name="Content Placeholder 2"/>
+          <p:cNvSpPr>
+            <a:spLocks noGrp="1"/>
+          </p:cNvSpPr>
+          <p:nvPr>
+            <p:ph idx="1"/>
+          </p:nvPr>
+        </p:nvSpPr>
+        <p:spPr/>
+        <p:txBody>
+          <a:bodyPr/>
+          <a:lstStyle/>
+          <a:p>
+            <a:endParaRPr lang="en-US"/>
+          </a:p>
+        </p:txBody>
+      </p:sp>
+    </p:spTree>
+    <p:extLst>
+      <p:ext uri="{BB962C8B-B14F-4D97-AF65-F5344CB8AC3E}">
+        <p14:creationId xmlns:p14="http://schemas.microsoft.com/office/powerpoint/2010/main" val="3062305719"/>
+      </p:ext>
+    </p:extLst>
+  </p:cSld>
+  <p:clrMapOvr>
+    <a:masterClrMapping/>
+  </p:clrMapOvr>
+  <p:timing>
+    <p:tnLst>
+      <p:par>
+        <p:cTn id="1" dur="indefinite" restart="never" nodeType="tmRoot"/>
+      </p:par>
+    </p:tnLst>
+  </p:timing>
+</p:sld>
+</file>
+
+<file path=ppt/slides/slide21.xml><?xml version="1.0" encoding="utf-8"?>
+<p:sld xmlns:a="http://schemas.openxmlformats.org/drawingml/2006/main" xmlns:r="http://schemas.openxmlformats.org/officeDocument/2006/relationships" xmlns:p="http://schemas.openxmlformats.org/presentationml/2006/main">
+  <p:cSld>
+    <p:spTree>
+      <p:nvGrpSpPr>
+        <p:cNvPr id="1" name=""/>
+        <p:cNvGrpSpPr/>
+        <p:nvPr/>
+      </p:nvGrpSpPr>
+      <p:grpSpPr>
+        <a:xfrm>
+          <a:off x="0" y="0"/>
+          <a:ext cx="0" cy="0"/>
+          <a:chOff x="0" y="0"/>
+          <a:chExt cx="0" cy="0"/>
+        </a:xfrm>
+      </p:grpSpPr>
+      <p:sp>
+        <p:nvSpPr>
+          <p:cNvPr id="2" name="Title 1"/>
+          <p:cNvSpPr>
+            <a:spLocks noGrp="1"/>
+          </p:cNvSpPr>
+          <p:nvPr>
+            <p:ph type="title"/>
+          </p:nvPr>
+        </p:nvSpPr>
+        <p:spPr/>
+        <p:txBody>
+          <a:bodyPr/>
+          <a:lstStyle/>
+          <a:p>
+            <a:r>
+              <a:rPr lang="en-US" dirty="0" smtClean="0"/>
+              <a:t>Final Analysis</a:t>
+            </a:r>
+            <a:endParaRPr lang="en-US" dirty="0"/>
+          </a:p>
+        </p:txBody>
+      </p:sp>
+      <p:sp>
+        <p:nvSpPr>
+          <p:cNvPr id="3" name="Text Placeholder 2"/>
+          <p:cNvSpPr>
+            <a:spLocks noGrp="1"/>
+          </p:cNvSpPr>
+          <p:nvPr>
+            <p:ph type="body" idx="1"/>
+          </p:nvPr>
+        </p:nvSpPr>
+        <p:spPr/>
+        <p:txBody>
+          <a:bodyPr/>
+          <a:lstStyle/>
+          <a:p>
+            <a:endParaRPr lang="en-US" dirty="0"/>
+          </a:p>
+        </p:txBody>
+      </p:sp>
+    </p:spTree>
+    <p:extLst>
+      <p:ext uri="{BB962C8B-B14F-4D97-AF65-F5344CB8AC3E}">
+        <p14:creationId xmlns:p14="http://schemas.microsoft.com/office/powerpoint/2010/main" val="1509802558"/>
+      </p:ext>
+    </p:extLst>
+  </p:cSld>
+  <p:clrMapOvr>
+    <a:masterClrMapping/>
+  </p:clrMapOvr>
+  <p:timing>
+    <p:tnLst>
+      <p:par>
+        <p:cTn id="1" dur="indefinite" restart="never" nodeType="tmRoot"/>
+      </p:par>
+    </p:tnLst>
+  </p:timing>
+</p:sld>
+</file>
+
+<file path=ppt/slides/slide22.xml><?xml version="1.0" encoding="utf-8"?>
+<p:sld xmlns:a="http://schemas.openxmlformats.org/drawingml/2006/main" xmlns:r="http://schemas.openxmlformats.org/officeDocument/2006/relationships" xmlns:p="http://schemas.openxmlformats.org/presentationml/2006/main">
+  <p:cSld>
+    <p:spTree>
+      <p:nvGrpSpPr>
+        <p:cNvPr id="1" name=""/>
+        <p:cNvGrpSpPr/>
+        <p:nvPr/>
+      </p:nvGrpSpPr>
+      <p:grpSpPr>
+        <a:xfrm>
+          <a:off x="0" y="0"/>
+          <a:ext cx="0" cy="0"/>
+          <a:chOff x="0" y="0"/>
+          <a:chExt cx="0" cy="0"/>
+        </a:xfrm>
+      </p:grpSpPr>
+      <p:sp>
+        <p:nvSpPr>
+          <p:cNvPr id="4" name="Title 3"/>
+          <p:cNvSpPr>
+            <a:spLocks noGrp="1"/>
+          </p:cNvSpPr>
+          <p:nvPr>
+            <p:ph type="title"/>
+          </p:nvPr>
+        </p:nvSpPr>
+        <p:spPr/>
+        <p:txBody>
+          <a:bodyPr/>
+          <a:lstStyle/>
+          <a:p>
+            <a:endParaRPr lang="en-US"/>
+          </a:p>
+        </p:txBody>
+      </p:sp>
+      <p:sp>
+        <p:nvSpPr>
+          <p:cNvPr id="5" name="Text Placeholder 4"/>
+          <p:cNvSpPr>
+            <a:spLocks noGrp="1"/>
+          </p:cNvSpPr>
+          <p:nvPr>
+            <p:ph type="body" idx="1"/>
+          </p:nvPr>
+        </p:nvSpPr>
+        <p:spPr/>
+        <p:txBody>
+          <a:bodyPr/>
+          <a:lstStyle/>
+          <a:p>
+            <a:r>
+              <a:rPr lang="en-US" dirty="0" smtClean="0"/>
+              <a:t>PAM</a:t>
+            </a:r>
+            <a:endParaRPr lang="en-US" dirty="0"/>
+          </a:p>
+        </p:txBody>
+      </p:sp>
+      <p:sp>
+        <p:nvSpPr>
+          <p:cNvPr id="8" name="Text Placeholder 7"/>
+          <p:cNvSpPr>
+            <a:spLocks noGrp="1"/>
+          </p:cNvSpPr>
+          <p:nvPr>
+            <p:ph type="body" sz="half" idx="15"/>
+          </p:nvPr>
+        </p:nvSpPr>
+        <p:spPr/>
+        <p:txBody>
+          <a:bodyPr/>
+          <a:lstStyle/>
+          <a:p>
+            <a:pPr marL="285750" indent="-285750">
+              <a:buFont typeface="Arial" panose="020B0604020202020204" pitchFamily="34" charset="0"/>
+              <a:buChar char="•"/>
+            </a:pPr>
+            <a:r>
+              <a:rPr lang="en-US" dirty="0" smtClean="0"/>
+              <a:t>Entropy</a:t>
+            </a:r>
+          </a:p>
+          <a:p>
+            <a:pPr marL="285750" indent="-285750">
+              <a:buFont typeface="Arial" panose="020B0604020202020204" pitchFamily="34" charset="0"/>
+              <a:buChar char="•"/>
+            </a:pPr>
+            <a:endParaRPr lang="en-US" dirty="0"/>
+          </a:p>
+        </p:txBody>
+      </p:sp>
+      <p:sp>
+        <p:nvSpPr>
+          <p:cNvPr id="6" name="Text Placeholder 5"/>
+          <p:cNvSpPr>
+            <a:spLocks noGrp="1"/>
+          </p:cNvSpPr>
+          <p:nvPr>
+            <p:ph type="body" sz="quarter" idx="3"/>
+          </p:nvPr>
+        </p:nvSpPr>
+        <p:spPr/>
+        <p:txBody>
+          <a:bodyPr/>
+          <a:lstStyle/>
+          <a:p>
+            <a:r>
+              <a:rPr lang="en-US" dirty="0" smtClean="0"/>
+              <a:t>Group Average	</a:t>
+            </a:r>
+            <a:endParaRPr lang="en-US" dirty="0"/>
+          </a:p>
+        </p:txBody>
+      </p:sp>
+      <p:sp>
+        <p:nvSpPr>
+          <p:cNvPr id="9" name="Text Placeholder 8"/>
+          <p:cNvSpPr>
+            <a:spLocks noGrp="1"/>
+          </p:cNvSpPr>
+          <p:nvPr>
+            <p:ph type="body" sz="half" idx="16"/>
+          </p:nvPr>
+        </p:nvSpPr>
+        <p:spPr/>
+        <p:txBody>
+          <a:bodyPr/>
+          <a:lstStyle/>
+          <a:p>
+            <a:endParaRPr lang="en-US" dirty="0"/>
+          </a:p>
+        </p:txBody>
+      </p:sp>
+      <p:sp>
+        <p:nvSpPr>
+          <p:cNvPr id="7" name="Text Placeholder 6"/>
+          <p:cNvSpPr>
+            <a:spLocks noGrp="1"/>
+          </p:cNvSpPr>
+          <p:nvPr>
+            <p:ph type="body" sz="quarter" idx="13"/>
+          </p:nvPr>
+        </p:nvSpPr>
+        <p:spPr/>
+        <p:txBody>
+          <a:bodyPr/>
+          <a:lstStyle/>
+          <a:p>
+            <a:r>
+              <a:rPr lang="en-US" dirty="0" smtClean="0"/>
+              <a:t>OPTICS</a:t>
+            </a:r>
+            <a:endParaRPr lang="en-US" dirty="0"/>
+          </a:p>
+        </p:txBody>
+      </p:sp>
+      <p:sp>
+        <p:nvSpPr>
+          <p:cNvPr id="10" name="Text Placeholder 9"/>
+          <p:cNvSpPr>
+            <a:spLocks noGrp="1"/>
+          </p:cNvSpPr>
+          <p:nvPr>
+            <p:ph type="body" sz="half" idx="17"/>
+          </p:nvPr>
+        </p:nvSpPr>
+        <p:spPr/>
+        <p:txBody>
+          <a:bodyPr/>
+          <a:lstStyle/>
+          <a:p>
+            <a:endParaRPr lang="en-US"/>
+          </a:p>
+        </p:txBody>
+      </p:sp>
+    </p:spTree>
+    <p:extLst>
+      <p:ext uri="{BB962C8B-B14F-4D97-AF65-F5344CB8AC3E}">
+        <p14:creationId xmlns:p14="http://schemas.microsoft.com/office/powerpoint/2010/main" val="3890624472"/>
+      </p:ext>
+    </p:extLst>
+  </p:cSld>
+  <p:clrMapOvr>
+    <a:masterClrMapping/>
+  </p:clrMapOvr>
+  <p:timing>
+    <p:tnLst>
+      <p:par>
+        <p:cTn id="1" dur="indefinite" restart="never" nodeType="tmRoot"/>
+      </p:par>
+    </p:tnLst>
+  </p:timing>
+</p:sld>
+</file>
+
+<file path=ppt/slides/slide23.xml><?xml version="1.0" encoding="utf-8"?>
+<p:sld xmlns:a="http://schemas.openxmlformats.org/drawingml/2006/main" xmlns:r="http://schemas.openxmlformats.org/officeDocument/2006/relationships" xmlns:p="http://schemas.openxmlformats.org/presentationml/2006/main">
+  <p:cSld>
+    <p:spTree>
+      <p:nvGrpSpPr>
+        <p:cNvPr id="1" name=""/>
+        <p:cNvGrpSpPr/>
+        <p:nvPr/>
+      </p:nvGrpSpPr>
+      <p:grpSpPr>
+        <a:xfrm>
+          <a:off x="0" y="0"/>
+          <a:ext cx="0" cy="0"/>
+          <a:chOff x="0" y="0"/>
+          <a:chExt cx="0" cy="0"/>
+        </a:xfrm>
+      </p:grpSpPr>
+      <p:sp>
+        <p:nvSpPr>
+          <p:cNvPr id="2" name="Title 1"/>
+          <p:cNvSpPr>
+            <a:spLocks noGrp="1"/>
+          </p:cNvSpPr>
+          <p:nvPr>
+            <p:ph type="title"/>
+          </p:nvPr>
+        </p:nvSpPr>
+        <p:spPr/>
+        <p:txBody>
+          <a:bodyPr/>
+          <a:lstStyle/>
+          <a:p>
+            <a:r>
+              <a:rPr lang="en-US" dirty="0" smtClean="0"/>
+              <a:t>Future Work</a:t>
+            </a:r>
+            <a:endParaRPr lang="en-US" dirty="0"/>
+          </a:p>
+        </p:txBody>
+      </p:sp>
+      <p:sp>
+        <p:nvSpPr>
+          <p:cNvPr id="3" name="Content Placeholder 2"/>
+          <p:cNvSpPr>
+            <a:spLocks noGrp="1"/>
+          </p:cNvSpPr>
+          <p:nvPr>
+            <p:ph idx="1"/>
+          </p:nvPr>
+        </p:nvSpPr>
+        <p:spPr/>
+        <p:txBody>
+          <a:bodyPr/>
+          <a:lstStyle/>
+          <a:p>
+            <a:r>
+              <a:rPr lang="en-US" dirty="0" smtClean="0"/>
+              <a:t>CLARA</a:t>
+            </a:r>
+          </a:p>
+          <a:p>
+            <a:r>
+              <a:rPr lang="en-US" dirty="0" smtClean="0"/>
+              <a:t>More suitable data set</a:t>
+            </a:r>
+          </a:p>
+          <a:p>
+            <a:r>
+              <a:rPr lang="en-US" dirty="0" smtClean="0"/>
+              <a:t>Different sigma values</a:t>
+            </a:r>
+            <a:endParaRPr lang="en-US" dirty="0"/>
+          </a:p>
+        </p:txBody>
+      </p:sp>
+    </p:spTree>
+    <p:extLst>
+      <p:ext uri="{BB962C8B-B14F-4D97-AF65-F5344CB8AC3E}">
+        <p14:creationId xmlns:p14="http://schemas.microsoft.com/office/powerpoint/2010/main" val="2476803811"/>
+      </p:ext>
+    </p:extLst>
+  </p:cSld>
+  <p:clrMapOvr>
+    <a:masterClrMapping/>
+  </p:clrMapOvr>
+  <p:timing>
+    <p:tnLst>
+      <p:par>
+        <p:cTn id="1" dur="indefinite" restart="never" nodeType="tmRoot"/>
+      </p:par>
+    </p:tnLst>
+  </p:timing>
 </p:sld>
 </file>
 
@@ -14475,6 +18850,13 @@
   <p:clrMapOvr>
     <a:masterClrMapping/>
   </p:clrMapOvr>
+  <p:timing>
+    <p:tnLst>
+      <p:par>
+        <p:cTn id="1" dur="indefinite" restart="never" nodeType="tmRoot"/>
+      </p:par>
+    </p:tnLst>
+  </p:timing>
 </p:sld>
 </file>
 
@@ -14688,6 +19070,13 @@
   <p:clrMapOvr>
     <a:masterClrMapping/>
   </p:clrMapOvr>
+  <p:timing>
+    <p:tnLst>
+      <p:par>
+        <p:cTn id="1" dur="indefinite" restart="never" nodeType="tmRoot"/>
+      </p:par>
+    </p:tnLst>
+  </p:timing>
 </p:sld>
 </file>
 
@@ -14757,7 +19146,6 @@
               <a:rPr lang="en-US" dirty="0" smtClean="0"/>
               <a:t>Left with 11 attributes per entry</a:t>
             </a:r>
-            <a:endParaRPr lang="en-US" dirty="0" smtClean="0"/>
           </a:p>
         </p:txBody>
       </p:sp>
@@ -14771,6 +19159,13 @@
   <p:clrMapOvr>
     <a:masterClrMapping/>
   </p:clrMapOvr>
+  <p:timing>
+    <p:tnLst>
+      <p:par>
+        <p:cTn id="1" dur="indefinite" restart="never" nodeType="tmRoot"/>
+      </p:par>
+    </p:tnLst>
+  </p:timing>
 </p:sld>
 </file>
 
@@ -14920,6 +19315,13 @@
   <p:clrMapOvr>
     <a:masterClrMapping/>
   </p:clrMapOvr>
+  <p:timing>
+    <p:tnLst>
+      <p:par>
+        <p:cTn id="1" dur="indefinite" restart="never" nodeType="tmRoot"/>
+      </p:par>
+    </p:tnLst>
+  </p:timing>
 </p:sld>
 </file>
 
@@ -15184,6 +19586,13 @@
   <p:clrMapOvr>
     <a:masterClrMapping/>
   </p:clrMapOvr>
+  <p:timing>
+    <p:tnLst>
+      <p:par>
+        <p:cTn id="1" dur="indefinite" restart="never" nodeType="tmRoot"/>
+      </p:par>
+    </p:tnLst>
+  </p:timing>
 </p:sld>
 </file>
 
@@ -15366,7 +19775,7 @@
               <a:graphicData uri="http://schemas.openxmlformats.org/presentationml/2006/ole">
                 <mc:AlternateContent xmlns:mc="http://schemas.openxmlformats.org/markup-compatibility/2006">
                   <mc:Choice xmlns:v="urn:schemas-microsoft-com:vml" Requires="v">
-                    <p:oleObj spid="_x0000_s1052" name="Worksheet" r:id="rId3" imgW="2200656" imgH="2076907" progId="Excel.Sheet.8">
+                    <p:oleObj spid="_x0000_s1056" name="Worksheet" r:id="rId3" imgW="2200656" imgH="2076907" progId="Excel.Sheet.8">
                       <p:embed/>
                     </p:oleObj>
                   </mc:Choice>
@@ -16610,7 +21019,7 @@
             <a:graphicData uri="http://schemas.openxmlformats.org/presentationml/2006/ole">
               <mc:AlternateContent xmlns:mc="http://schemas.openxmlformats.org/markup-compatibility/2006">
                 <mc:Choice xmlns:v="urn:schemas-microsoft-com:vml" Requires="v">
-                  <p:oleObj spid="_x0000_s1053" name="Document" r:id="rId5" imgW="1143000" imgH="387096" progId="Word.Document.8">
+                  <p:oleObj spid="_x0000_s1057" name="Document" r:id="rId5" imgW="1143000" imgH="387096" progId="Word.Document.8">
                     <p:embed/>
                   </p:oleObj>
                 </mc:Choice>
@@ -16893,6 +21302,13 @@
   <p:clrMapOvr>
     <a:masterClrMapping/>
   </p:clrMapOvr>
+  <p:timing>
+    <p:tnLst>
+      <p:par>
+        <p:cTn id="1" dur="indefinite" restart="never" nodeType="tmRoot"/>
+      </p:par>
+    </p:tnLst>
+  </p:timing>
 </p:sld>
 </file>
 
@@ -17154,7 +21570,7 @@
   <a:extraClrSchemeLst/>
   <a:extLst>
     <a:ext uri="{05A4C25C-085E-4340-85A3-A5531E510DB2}">
-      <thm15:themeFamily xmlns:thm15="http://schemas.microsoft.com/office/thememl/2012/main" name="Ion Boardroom" id="{FC33163D-4339-46B1-8EED-24C834239D99}" vid="{B8502691-933B-45FE-8764-BA278511EF27}"/>
+      <thm15:themeFamily xmlns:thm15="http://schemas.microsoft.com/office/thememl/2012/main" xmlns="" name="Ion Boardroom" id="{FC33163D-4339-46B1-8EED-24C834239D99}" vid="{B8502691-933B-45FE-8764-BA278511EF27}"/>
     </a:ext>
   </a:extLst>
 </a:theme>

--- a/FinalPresentation.pptx
+++ b/FinalPresentation.pptx
@@ -10,24 +10,29 @@
     <p:sldId id="273" r:id="rId4"/>
     <p:sldId id="274" r:id="rId5"/>
     <p:sldId id="261" r:id="rId6"/>
-    <p:sldId id="257" r:id="rId7"/>
-    <p:sldId id="270" r:id="rId8"/>
-    <p:sldId id="271" r:id="rId9"/>
-    <p:sldId id="272" r:id="rId10"/>
-    <p:sldId id="258" r:id="rId11"/>
-    <p:sldId id="259" r:id="rId12"/>
-    <p:sldId id="275" r:id="rId13"/>
-    <p:sldId id="276" r:id="rId14"/>
-    <p:sldId id="277" r:id="rId15"/>
-    <p:sldId id="278" r:id="rId16"/>
-    <p:sldId id="262" r:id="rId17"/>
-    <p:sldId id="266" r:id="rId18"/>
-    <p:sldId id="263" r:id="rId19"/>
-    <p:sldId id="264" r:id="rId20"/>
-    <p:sldId id="265" r:id="rId21"/>
-    <p:sldId id="267" r:id="rId22"/>
-    <p:sldId id="268" r:id="rId23"/>
-    <p:sldId id="269" r:id="rId24"/>
+    <p:sldId id="282" r:id="rId7"/>
+    <p:sldId id="257" r:id="rId8"/>
+    <p:sldId id="270" r:id="rId9"/>
+    <p:sldId id="271" r:id="rId10"/>
+    <p:sldId id="272" r:id="rId11"/>
+    <p:sldId id="258" r:id="rId12"/>
+    <p:sldId id="259" r:id="rId13"/>
+    <p:sldId id="263" r:id="rId14"/>
+    <p:sldId id="280" r:id="rId15"/>
+    <p:sldId id="262" r:id="rId16"/>
+    <p:sldId id="279" r:id="rId17"/>
+    <p:sldId id="281" r:id="rId18"/>
+    <p:sldId id="275" r:id="rId19"/>
+    <p:sldId id="276" r:id="rId20"/>
+    <p:sldId id="277" r:id="rId21"/>
+    <p:sldId id="278" r:id="rId22"/>
+    <p:sldId id="283" r:id="rId23"/>
+    <p:sldId id="285" r:id="rId24"/>
+    <p:sldId id="284" r:id="rId25"/>
+    <p:sldId id="267" r:id="rId26"/>
+    <p:sldId id="268" r:id="rId27"/>
+    <p:sldId id="269" r:id="rId28"/>
+    <p:sldId id="286" r:id="rId29"/>
   </p:sldIdLst>
   <p:sldSz cx="12192000" cy="6858000"/>
   <p:notesSz cx="6858000" cy="9144000"/>
@@ -128,7 +133,7 @@
   </p:defaultTextStyle>
   <p:extLst>
     <p:ext uri="{EFAFB233-063F-42B5-8137-9DF3F51BA10A}">
-      <p15:sldGuideLst xmlns:p15="http://schemas.microsoft.com/office/powerpoint/2012/main" xmlns="">
+      <p15:sldGuideLst xmlns:p15="http://schemas.microsoft.com/office/powerpoint/2012/main">
         <p15:guide id="1" orient="horz" pos="2160">
           <p15:clr>
             <a:srgbClr val="A4A3A4"/>
@@ -352,13 +357,12 @@
           <c:showPercent val="0"/>
           <c:showBubbleSize val="0"/>
         </c:dLbls>
-        <c:marker val="1"/>
         <c:smooth val="0"/>
-        <c:axId val="89972096"/>
-        <c:axId val="91043712"/>
+        <c:axId val="2046207328"/>
+        <c:axId val="2046211680"/>
       </c:lineChart>
       <c:catAx>
-        <c:axId val="89972096"/>
+        <c:axId val="2046207328"/>
         <c:scaling>
           <c:orientation val="minMax"/>
         </c:scaling>
@@ -437,7 +441,7 @@
             <a:endParaRPr lang="en-US"/>
           </a:p>
         </c:txPr>
-        <c:crossAx val="91043712"/>
+        <c:crossAx val="2046211680"/>
         <c:crosses val="autoZero"/>
         <c:auto val="1"/>
         <c:lblAlgn val="ctr"/>
@@ -445,7 +449,7 @@
         <c:noMultiLvlLbl val="0"/>
       </c:catAx>
       <c:valAx>
-        <c:axId val="91043712"/>
+        <c:axId val="2046211680"/>
         <c:scaling>
           <c:orientation val="minMax"/>
         </c:scaling>
@@ -537,7 +541,7 @@
             <a:endParaRPr lang="en-US"/>
           </a:p>
         </c:txPr>
-        <c:crossAx val="89972096"/>
+        <c:crossAx val="2046207328"/>
         <c:crosses val="autoZero"/>
         <c:crossBetween val="between"/>
       </c:valAx>
@@ -823,13 +827,12 @@
           <c:showPercent val="0"/>
           <c:showBubbleSize val="0"/>
         </c:dLbls>
-        <c:marker val="1"/>
         <c:smooth val="0"/>
-        <c:axId val="87458560"/>
-        <c:axId val="87461248"/>
+        <c:axId val="2046206240"/>
+        <c:axId val="2046207872"/>
       </c:lineChart>
       <c:catAx>
-        <c:axId val="87458560"/>
+        <c:axId val="2046206240"/>
         <c:scaling>
           <c:orientation val="minMax"/>
         </c:scaling>
@@ -908,7 +911,7 @@
             <a:endParaRPr lang="en-US"/>
           </a:p>
         </c:txPr>
-        <c:crossAx val="87461248"/>
+        <c:crossAx val="2046207872"/>
         <c:crosses val="autoZero"/>
         <c:auto val="1"/>
         <c:lblAlgn val="ctr"/>
@@ -916,7 +919,7 @@
         <c:noMultiLvlLbl val="0"/>
       </c:catAx>
       <c:valAx>
-        <c:axId val="87461248"/>
+        <c:axId val="2046207872"/>
         <c:scaling>
           <c:orientation val="minMax"/>
         </c:scaling>
@@ -1008,7 +1011,7 @@
             <a:endParaRPr lang="en-US"/>
           </a:p>
         </c:txPr>
-        <c:crossAx val="87458560"/>
+        <c:crossAx val="2046206240"/>
         <c:crosses val="autoZero"/>
         <c:crossBetween val="between"/>
       </c:valAx>
@@ -1289,13 +1292,12 @@
           <c:showPercent val="0"/>
           <c:showBubbleSize val="0"/>
         </c:dLbls>
-        <c:marker val="1"/>
         <c:smooth val="0"/>
-        <c:axId val="87471616"/>
-        <c:axId val="87485440"/>
+        <c:axId val="1836872240"/>
+        <c:axId val="2097683152"/>
       </c:lineChart>
       <c:catAx>
-        <c:axId val="87471616"/>
+        <c:axId val="1836872240"/>
         <c:scaling>
           <c:orientation val="minMax"/>
         </c:scaling>
@@ -1374,7 +1376,7 @@
             <a:endParaRPr lang="en-US"/>
           </a:p>
         </c:txPr>
-        <c:crossAx val="87485440"/>
+        <c:crossAx val="2097683152"/>
         <c:crosses val="autoZero"/>
         <c:auto val="1"/>
         <c:lblAlgn val="ctr"/>
@@ -1382,7 +1384,7 @@
         <c:noMultiLvlLbl val="0"/>
       </c:catAx>
       <c:valAx>
-        <c:axId val="87485440"/>
+        <c:axId val="2097683152"/>
         <c:scaling>
           <c:orientation val="minMax"/>
         </c:scaling>
@@ -1469,7 +1471,7 @@
             <a:endParaRPr lang="en-US"/>
           </a:p>
         </c:txPr>
-        <c:crossAx val="87471616"/>
+        <c:crossAx val="1836872240"/>
         <c:crosses val="autoZero"/>
         <c:crossBetween val="between"/>
       </c:valAx>
@@ -1755,13 +1757,12 @@
           <c:showPercent val="0"/>
           <c:showBubbleSize val="0"/>
         </c:dLbls>
-        <c:marker val="1"/>
         <c:smooth val="0"/>
-        <c:axId val="100078336"/>
-        <c:axId val="112741760"/>
+        <c:axId val="2097677168"/>
+        <c:axId val="2097686416"/>
       </c:lineChart>
       <c:catAx>
-        <c:axId val="100078336"/>
+        <c:axId val="2097677168"/>
         <c:scaling>
           <c:orientation val="minMax"/>
         </c:scaling>
@@ -1845,7 +1846,7 @@
             <a:endParaRPr lang="en-US"/>
           </a:p>
         </c:txPr>
-        <c:crossAx val="112741760"/>
+        <c:crossAx val="2097686416"/>
         <c:crosses val="autoZero"/>
         <c:auto val="1"/>
         <c:lblAlgn val="ctr"/>
@@ -1853,7 +1854,7 @@
         <c:noMultiLvlLbl val="0"/>
       </c:catAx>
       <c:valAx>
-        <c:axId val="112741760"/>
+        <c:axId val="2097686416"/>
         <c:scaling>
           <c:orientation val="minMax"/>
         </c:scaling>
@@ -1940,7 +1941,7 @@
             <a:endParaRPr lang="en-US"/>
           </a:p>
         </c:txPr>
-        <c:crossAx val="100078336"/>
+        <c:crossAx val="2097677168"/>
         <c:crosses val="autoZero"/>
         <c:crossBetween val="between"/>
       </c:valAx>
@@ -2226,13 +2227,12 @@
           <c:showPercent val="0"/>
           <c:showBubbleSize val="0"/>
         </c:dLbls>
-        <c:marker val="1"/>
         <c:smooth val="0"/>
-        <c:axId val="68609920"/>
-        <c:axId val="69973888"/>
+        <c:axId val="2097684784"/>
+        <c:axId val="2097690224"/>
       </c:lineChart>
       <c:catAx>
-        <c:axId val="68609920"/>
+        <c:axId val="2097684784"/>
         <c:scaling>
           <c:orientation val="minMax"/>
         </c:scaling>
@@ -2316,7 +2316,7 @@
             <a:endParaRPr lang="en-US"/>
           </a:p>
         </c:txPr>
-        <c:crossAx val="69973888"/>
+        <c:crossAx val="2097690224"/>
         <c:crosses val="autoZero"/>
         <c:auto val="1"/>
         <c:lblAlgn val="ctr"/>
@@ -2324,7 +2324,7 @@
         <c:noMultiLvlLbl val="0"/>
       </c:catAx>
       <c:valAx>
-        <c:axId val="69973888"/>
+        <c:axId val="2097690224"/>
         <c:scaling>
           <c:orientation val="minMax"/>
         </c:scaling>
@@ -2411,7 +2411,7 @@
             <a:endParaRPr lang="en-US"/>
           </a:p>
         </c:txPr>
-        <c:crossAx val="68609920"/>
+        <c:crossAx val="2097684784"/>
         <c:crosses val="autoZero"/>
         <c:crossBetween val="between"/>
       </c:valAx>
@@ -2697,13 +2697,12 @@
           <c:showPercent val="0"/>
           <c:showBubbleSize val="0"/>
         </c:dLbls>
-        <c:marker val="1"/>
         <c:smooth val="0"/>
-        <c:axId val="89056000"/>
-        <c:axId val="89057920"/>
+        <c:axId val="2097683696"/>
+        <c:axId val="2097685328"/>
       </c:lineChart>
       <c:catAx>
-        <c:axId val="89056000"/>
+        <c:axId val="2097683696"/>
         <c:scaling>
           <c:orientation val="minMax"/>
         </c:scaling>
@@ -2787,7 +2786,7 @@
             <a:endParaRPr lang="en-US"/>
           </a:p>
         </c:txPr>
-        <c:crossAx val="89057920"/>
+        <c:crossAx val="2097685328"/>
         <c:crosses val="autoZero"/>
         <c:auto val="1"/>
         <c:lblAlgn val="ctr"/>
@@ -2795,7 +2794,7 @@
         <c:noMultiLvlLbl val="0"/>
       </c:catAx>
       <c:valAx>
-        <c:axId val="89057920"/>
+        <c:axId val="2097685328"/>
         <c:scaling>
           <c:orientation val="minMax"/>
         </c:scaling>
@@ -2882,7 +2881,7 @@
             <a:endParaRPr lang="en-US"/>
           </a:p>
         </c:txPr>
-        <c:crossAx val="89056000"/>
+        <c:crossAx val="2097683696"/>
         <c:crosses val="autoZero"/>
         <c:crossBetween val="between"/>
       </c:valAx>
@@ -2959,6 +2958,3745 @@
     <c:autoUpdate val="0"/>
   </c:externalData>
 </c:chartSpace>
+</file>
+
+<file path=ppt/charts/chart7.xml><?xml version="1.0" encoding="utf-8"?>
+<c:chartSpace xmlns:c="http://schemas.openxmlformats.org/drawingml/2006/chart" xmlns:a="http://schemas.openxmlformats.org/drawingml/2006/main" xmlns:r="http://schemas.openxmlformats.org/officeDocument/2006/relationships">
+  <c:date1904 val="0"/>
+  <c:lang val="en-US"/>
+  <c:roundedCorners val="0"/>
+  <mc:AlternateContent xmlns:mc="http://schemas.openxmlformats.org/markup-compatibility/2006">
+    <mc:Choice xmlns:c14="http://schemas.microsoft.com/office/drawing/2007/8/2/chart" Requires="c14">
+      <c14:style val="102"/>
+    </mc:Choice>
+    <mc:Fallback>
+      <c:style val="2"/>
+    </mc:Fallback>
+  </mc:AlternateContent>
+  <c:chart>
+    <c:title>
+      <c:tx>
+        <c:rich>
+          <a:bodyPr rot="0" spcFirstLastPara="1" vertOverflow="ellipsis" vert="horz" wrap="square" anchor="ctr" anchorCtr="1"/>
+          <a:lstStyle/>
+          <a:p>
+            <a:pPr>
+              <a:defRPr sz="1600" b="1" i="0" u="none" strike="noStrike" kern="1200" spc="100" baseline="0">
+                <a:solidFill>
+                  <a:schemeClr val="lt1">
+                    <a:lumMod val="95000"/>
+                  </a:schemeClr>
+                </a:solidFill>
+                <a:effectLst>
+                  <a:outerShdw blurRad="50800" dist="38100" dir="5400000" algn="t" rotWithShape="0">
+                    <a:prstClr val="black">
+                      <a:alpha val="40000"/>
+                    </a:prstClr>
+                  </a:outerShdw>
+                </a:effectLst>
+                <a:latin typeface="+mn-lt"/>
+                <a:ea typeface="+mn-ea"/>
+                <a:cs typeface="+mn-cs"/>
+              </a:defRPr>
+            </a:pPr>
+            <a:r>
+              <a:rPr lang="en-US"/>
+              <a:t>Total Information Gain</a:t>
+            </a:r>
+          </a:p>
+        </c:rich>
+      </c:tx>
+      <c:layout/>
+      <c:overlay val="0"/>
+      <c:spPr>
+        <a:noFill/>
+        <a:ln>
+          <a:noFill/>
+        </a:ln>
+        <a:effectLst/>
+      </c:spPr>
+      <c:txPr>
+        <a:bodyPr rot="0" spcFirstLastPara="1" vertOverflow="ellipsis" vert="horz" wrap="square" anchor="ctr" anchorCtr="1"/>
+        <a:lstStyle/>
+        <a:p>
+          <a:pPr>
+            <a:defRPr sz="1600" b="1" i="0" u="none" strike="noStrike" kern="1200" spc="100" baseline="0">
+              <a:solidFill>
+                <a:schemeClr val="lt1">
+                  <a:lumMod val="95000"/>
+                </a:schemeClr>
+              </a:solidFill>
+              <a:effectLst>
+                <a:outerShdw blurRad="50800" dist="38100" dir="5400000" algn="t" rotWithShape="0">
+                  <a:prstClr val="black">
+                    <a:alpha val="40000"/>
+                  </a:prstClr>
+                </a:outerShdw>
+              </a:effectLst>
+              <a:latin typeface="+mn-lt"/>
+              <a:ea typeface="+mn-ea"/>
+              <a:cs typeface="+mn-cs"/>
+            </a:defRPr>
+          </a:pPr>
+          <a:endParaRPr lang="en-US"/>
+        </a:p>
+      </c:txPr>
+    </c:title>
+    <c:autoTitleDeleted val="0"/>
+    <c:plotArea>
+      <c:layout>
+        <c:manualLayout>
+          <c:layoutTarget val="inner"/>
+          <c:xMode val="edge"/>
+          <c:yMode val="edge"/>
+          <c:x val="0.16516796991706889"/>
+          <c:y val="0.14016968412519004"/>
+          <c:w val="0.83483203008293116"/>
+          <c:h val="0.49459043608228093"/>
+        </c:manualLayout>
+      </c:layout>
+      <c:lineChart>
+        <c:grouping val="standard"/>
+        <c:varyColors val="0"/>
+        <c:ser>
+          <c:idx val="0"/>
+          <c:order val="0"/>
+          <c:tx>
+            <c:v>20kEuc</c:v>
+          </c:tx>
+          <c:spPr>
+            <a:ln w="34925" cap="rnd">
+              <a:solidFill>
+                <a:schemeClr val="accent1"/>
+              </a:solidFill>
+              <a:round/>
+            </a:ln>
+            <a:effectLst>
+              <a:outerShdw blurRad="57150" dist="19050" dir="5400000" algn="ctr" rotWithShape="0">
+                <a:srgbClr val="000000">
+                  <a:alpha val="63000"/>
+                </a:srgbClr>
+              </a:outerShdw>
+            </a:effectLst>
+          </c:spPr>
+          <c:marker>
+            <c:symbol val="none"/>
+          </c:marker>
+          <c:cat>
+            <c:numRef>
+              <c:f>[FinalProject.xlsx]ClusterAnalysis!$B$2:$E$2</c:f>
+              <c:numCache>
+                <c:formatCode>General</c:formatCode>
+                <c:ptCount val="4"/>
+                <c:pt idx="0">
+                  <c:v>1</c:v>
+                </c:pt>
+                <c:pt idx="1">
+                  <c:v>0.75</c:v>
+                </c:pt>
+                <c:pt idx="2">
+                  <c:v>0.5</c:v>
+                </c:pt>
+                <c:pt idx="3">
+                  <c:v>0.25</c:v>
+                </c:pt>
+              </c:numCache>
+            </c:numRef>
+          </c:cat>
+          <c:val>
+            <c:numRef>
+              <c:f>[FinalProject.xlsx]ClusterAnalysis!$B$4:$E$4</c:f>
+              <c:numCache>
+                <c:formatCode>General</c:formatCode>
+                <c:ptCount val="4"/>
+                <c:pt idx="0">
+                  <c:v>0.99944061769568704</c:v>
+                </c:pt>
+                <c:pt idx="1">
+                  <c:v>0.99960998654701005</c:v>
+                </c:pt>
+                <c:pt idx="2">
+                  <c:v>0.99960998654701005</c:v>
+                </c:pt>
+                <c:pt idx="3">
+                  <c:v>0.99960998654701005</c:v>
+                </c:pt>
+              </c:numCache>
+            </c:numRef>
+          </c:val>
+          <c:smooth val="0"/>
+        </c:ser>
+        <c:ser>
+          <c:idx val="1"/>
+          <c:order val="1"/>
+          <c:tx>
+            <c:v>20kMan</c:v>
+          </c:tx>
+          <c:spPr>
+            <a:ln w="34925" cap="rnd">
+              <a:solidFill>
+                <a:schemeClr val="accent2"/>
+              </a:solidFill>
+              <a:round/>
+            </a:ln>
+            <a:effectLst>
+              <a:outerShdw blurRad="57150" dist="19050" dir="5400000" algn="ctr" rotWithShape="0">
+                <a:srgbClr val="000000">
+                  <a:alpha val="63000"/>
+                </a:srgbClr>
+              </a:outerShdw>
+            </a:effectLst>
+          </c:spPr>
+          <c:marker>
+            <c:symbol val="none"/>
+          </c:marker>
+          <c:cat>
+            <c:numRef>
+              <c:f>[FinalProject.xlsx]ClusterAnalysis!$B$2:$E$2</c:f>
+              <c:numCache>
+                <c:formatCode>General</c:formatCode>
+                <c:ptCount val="4"/>
+                <c:pt idx="0">
+                  <c:v>1</c:v>
+                </c:pt>
+                <c:pt idx="1">
+                  <c:v>0.75</c:v>
+                </c:pt>
+                <c:pt idx="2">
+                  <c:v>0.5</c:v>
+                </c:pt>
+                <c:pt idx="3">
+                  <c:v>0.25</c:v>
+                </c:pt>
+              </c:numCache>
+            </c:numRef>
+          </c:cat>
+          <c:val>
+            <c:numRef>
+              <c:f>[FinalProject.xlsx]ClusterAnalysis!$B$17:$E$17</c:f>
+              <c:numCache>
+                <c:formatCode>General</c:formatCode>
+                <c:ptCount val="4"/>
+                <c:pt idx="0">
+                  <c:v>0.99944061769568704</c:v>
+                </c:pt>
+                <c:pt idx="1">
+                  <c:v>0.99960998654701005</c:v>
+                </c:pt>
+                <c:pt idx="2">
+                  <c:v>0.99960998654701005</c:v>
+                </c:pt>
+                <c:pt idx="3">
+                  <c:v>0.99962377886039799</c:v>
+                </c:pt>
+              </c:numCache>
+            </c:numRef>
+          </c:val>
+          <c:smooth val="0"/>
+        </c:ser>
+        <c:ser>
+          <c:idx val="2"/>
+          <c:order val="2"/>
+          <c:tx>
+            <c:v>50kEuc</c:v>
+          </c:tx>
+          <c:spPr>
+            <a:ln w="34925" cap="rnd">
+              <a:solidFill>
+                <a:schemeClr val="accent3"/>
+              </a:solidFill>
+              <a:round/>
+            </a:ln>
+            <a:effectLst>
+              <a:outerShdw blurRad="57150" dist="19050" dir="5400000" algn="ctr" rotWithShape="0">
+                <a:srgbClr val="000000">
+                  <a:alpha val="63000"/>
+                </a:srgbClr>
+              </a:outerShdw>
+            </a:effectLst>
+          </c:spPr>
+          <c:marker>
+            <c:symbol val="none"/>
+          </c:marker>
+          <c:cat>
+            <c:numRef>
+              <c:f>[FinalProject.xlsx]ClusterAnalysis!$B$2:$E$2</c:f>
+              <c:numCache>
+                <c:formatCode>General</c:formatCode>
+                <c:ptCount val="4"/>
+                <c:pt idx="0">
+                  <c:v>1</c:v>
+                </c:pt>
+                <c:pt idx="1">
+                  <c:v>0.75</c:v>
+                </c:pt>
+                <c:pt idx="2">
+                  <c:v>0.5</c:v>
+                </c:pt>
+                <c:pt idx="3">
+                  <c:v>0.25</c:v>
+                </c:pt>
+              </c:numCache>
+            </c:numRef>
+          </c:cat>
+          <c:val>
+            <c:numRef>
+              <c:f>[FinalProject.xlsx]ClusterAnalysis!$B$30:$E$30</c:f>
+              <c:numCache>
+                <c:formatCode>General</c:formatCode>
+                <c:ptCount val="4"/>
+                <c:pt idx="0">
+                  <c:v>0.99839900884038002</c:v>
+                </c:pt>
+                <c:pt idx="1">
+                  <c:v>0.99931588312791897</c:v>
+                </c:pt>
+                <c:pt idx="2">
+                  <c:v>0.99931588312791897</c:v>
+                </c:pt>
+                <c:pt idx="3">
+                  <c:v>0.99931605590630501</c:v>
+                </c:pt>
+              </c:numCache>
+            </c:numRef>
+          </c:val>
+          <c:smooth val="0"/>
+        </c:ser>
+        <c:ser>
+          <c:idx val="3"/>
+          <c:order val="3"/>
+          <c:tx>
+            <c:v>50kMan</c:v>
+          </c:tx>
+          <c:spPr>
+            <a:ln w="34925" cap="rnd">
+              <a:solidFill>
+                <a:schemeClr val="accent4"/>
+              </a:solidFill>
+              <a:round/>
+            </a:ln>
+            <a:effectLst>
+              <a:outerShdw blurRad="57150" dist="19050" dir="5400000" algn="ctr" rotWithShape="0">
+                <a:srgbClr val="000000">
+                  <a:alpha val="63000"/>
+                </a:srgbClr>
+              </a:outerShdw>
+            </a:effectLst>
+          </c:spPr>
+          <c:marker>
+            <c:symbol val="none"/>
+          </c:marker>
+          <c:cat>
+            <c:numRef>
+              <c:f>[FinalProject.xlsx]ClusterAnalysis!$B$2:$E$2</c:f>
+              <c:numCache>
+                <c:formatCode>General</c:formatCode>
+                <c:ptCount val="4"/>
+                <c:pt idx="0">
+                  <c:v>1</c:v>
+                </c:pt>
+                <c:pt idx="1">
+                  <c:v>0.75</c:v>
+                </c:pt>
+                <c:pt idx="2">
+                  <c:v>0.5</c:v>
+                </c:pt>
+                <c:pt idx="3">
+                  <c:v>0.25</c:v>
+                </c:pt>
+              </c:numCache>
+            </c:numRef>
+          </c:cat>
+          <c:val>
+            <c:numRef>
+              <c:f>[FinalProject.xlsx]ClusterAnalysis!$B$43:$E$43</c:f>
+              <c:numCache>
+                <c:formatCode>General</c:formatCode>
+                <c:ptCount val="4"/>
+                <c:pt idx="0">
+                  <c:v>0.99813984725594096</c:v>
+                </c:pt>
+                <c:pt idx="1">
+                  <c:v>0.99931588312791897</c:v>
+                </c:pt>
+                <c:pt idx="2">
+                  <c:v>0.99931595211516999</c:v>
+                </c:pt>
+                <c:pt idx="3">
+                  <c:v>0.99931725850028597</c:v>
+                </c:pt>
+              </c:numCache>
+            </c:numRef>
+          </c:val>
+          <c:smooth val="0"/>
+        </c:ser>
+        <c:dLbls>
+          <c:showLegendKey val="0"/>
+          <c:showVal val="0"/>
+          <c:showCatName val="0"/>
+          <c:showSerName val="0"/>
+          <c:showPercent val="0"/>
+          <c:showBubbleSize val="0"/>
+        </c:dLbls>
+        <c:smooth val="0"/>
+        <c:axId val="78735872"/>
+        <c:axId val="78725536"/>
+      </c:lineChart>
+      <c:catAx>
+        <c:axId val="78735872"/>
+        <c:scaling>
+          <c:orientation val="minMax"/>
+        </c:scaling>
+        <c:delete val="0"/>
+        <c:axPos val="b"/>
+        <c:title>
+          <c:tx>
+            <c:rich>
+              <a:bodyPr rot="0" spcFirstLastPara="1" vertOverflow="ellipsis" vert="horz" wrap="square" anchor="ctr" anchorCtr="1"/>
+              <a:lstStyle/>
+              <a:p>
+                <a:pPr>
+                  <a:defRPr sz="900" b="1" i="0" u="none" strike="noStrike" kern="1200" cap="all" baseline="0">
+                    <a:solidFill>
+                      <a:schemeClr val="lt1">
+                        <a:lumMod val="85000"/>
+                      </a:schemeClr>
+                    </a:solidFill>
+                    <a:latin typeface="+mn-lt"/>
+                    <a:ea typeface="+mn-ea"/>
+                    <a:cs typeface="+mn-cs"/>
+                  </a:defRPr>
+                </a:pPr>
+                <a:r>
+                  <a:rPr lang="en-US"/>
+                  <a:t>Values of Epsilon</a:t>
+                </a:r>
+              </a:p>
+            </c:rich>
+          </c:tx>
+          <c:layout>
+            <c:manualLayout>
+              <c:xMode val="edge"/>
+              <c:yMode val="edge"/>
+              <c:x val="0.4686043152575281"/>
+              <c:y val="0.56311081996282042"/>
+            </c:manualLayout>
+          </c:layout>
+          <c:overlay val="0"/>
+          <c:spPr>
+            <a:noFill/>
+            <a:ln>
+              <a:noFill/>
+            </a:ln>
+            <a:effectLst/>
+          </c:spPr>
+          <c:txPr>
+            <a:bodyPr rot="0" spcFirstLastPara="1" vertOverflow="ellipsis" vert="horz" wrap="square" anchor="ctr" anchorCtr="1"/>
+            <a:lstStyle/>
+            <a:p>
+              <a:pPr>
+                <a:defRPr sz="900" b="1" i="0" u="none" strike="noStrike" kern="1200" cap="all" baseline="0">
+                  <a:solidFill>
+                    <a:schemeClr val="lt1">
+                      <a:lumMod val="85000"/>
+                    </a:schemeClr>
+                  </a:solidFill>
+                  <a:latin typeface="+mn-lt"/>
+                  <a:ea typeface="+mn-ea"/>
+                  <a:cs typeface="+mn-cs"/>
+                </a:defRPr>
+              </a:pPr>
+              <a:endParaRPr lang="en-US"/>
+            </a:p>
+          </c:txPr>
+        </c:title>
+        <c:numFmt formatCode="General" sourceLinked="1"/>
+        <c:majorTickMark val="none"/>
+        <c:minorTickMark val="none"/>
+        <c:tickLblPos val="nextTo"/>
+        <c:spPr>
+          <a:noFill/>
+          <a:ln w="9525" cap="flat" cmpd="sng" algn="ctr">
+            <a:solidFill>
+              <a:schemeClr val="lt1">
+                <a:lumMod val="95000"/>
+                <a:alpha val="10000"/>
+              </a:schemeClr>
+            </a:solidFill>
+            <a:round/>
+          </a:ln>
+          <a:effectLst/>
+        </c:spPr>
+        <c:txPr>
+          <a:bodyPr rot="-60000000" spcFirstLastPara="1" vertOverflow="ellipsis" vert="horz" wrap="square" anchor="ctr" anchorCtr="1"/>
+          <a:lstStyle/>
+          <a:p>
+            <a:pPr>
+              <a:defRPr sz="900" b="0" i="0" u="none" strike="noStrike" kern="1200" baseline="0">
+                <a:solidFill>
+                  <a:schemeClr val="lt1">
+                    <a:lumMod val="85000"/>
+                  </a:schemeClr>
+                </a:solidFill>
+                <a:latin typeface="+mn-lt"/>
+                <a:ea typeface="+mn-ea"/>
+                <a:cs typeface="+mn-cs"/>
+              </a:defRPr>
+            </a:pPr>
+            <a:endParaRPr lang="en-US"/>
+          </a:p>
+        </c:txPr>
+        <c:crossAx val="78725536"/>
+        <c:crosses val="autoZero"/>
+        <c:auto val="1"/>
+        <c:lblAlgn val="ctr"/>
+        <c:lblOffset val="100"/>
+        <c:noMultiLvlLbl val="0"/>
+      </c:catAx>
+      <c:valAx>
+        <c:axId val="78725536"/>
+        <c:scaling>
+          <c:orientation val="minMax"/>
+        </c:scaling>
+        <c:delete val="0"/>
+        <c:axPos val="l"/>
+        <c:majorGridlines>
+          <c:spPr>
+            <a:ln w="9525" cap="flat" cmpd="sng" algn="ctr">
+              <a:solidFill>
+                <a:schemeClr val="lt1">
+                  <a:lumMod val="95000"/>
+                  <a:alpha val="10000"/>
+                </a:schemeClr>
+              </a:solidFill>
+              <a:round/>
+            </a:ln>
+            <a:effectLst/>
+          </c:spPr>
+        </c:majorGridlines>
+        <c:title>
+          <c:tx>
+            <c:rich>
+              <a:bodyPr rot="-5400000" spcFirstLastPara="1" vertOverflow="ellipsis" vert="horz" wrap="square" anchor="ctr" anchorCtr="1"/>
+              <a:lstStyle/>
+              <a:p>
+                <a:pPr>
+                  <a:defRPr sz="900" b="1" i="0" u="none" strike="noStrike" kern="1200" cap="all" baseline="0">
+                    <a:solidFill>
+                      <a:schemeClr val="lt1">
+                        <a:lumMod val="85000"/>
+                      </a:schemeClr>
+                    </a:solidFill>
+                    <a:latin typeface="+mn-lt"/>
+                    <a:ea typeface="+mn-ea"/>
+                    <a:cs typeface="+mn-cs"/>
+                  </a:defRPr>
+                </a:pPr>
+                <a:r>
+                  <a:rPr lang="en-US"/>
+                  <a:t>Information Gain</a:t>
+                </a:r>
+              </a:p>
+            </c:rich>
+          </c:tx>
+          <c:layout/>
+          <c:overlay val="0"/>
+          <c:spPr>
+            <a:noFill/>
+            <a:ln>
+              <a:noFill/>
+            </a:ln>
+            <a:effectLst/>
+          </c:spPr>
+          <c:txPr>
+            <a:bodyPr rot="-5400000" spcFirstLastPara="1" vertOverflow="ellipsis" vert="horz" wrap="square" anchor="ctr" anchorCtr="1"/>
+            <a:lstStyle/>
+            <a:p>
+              <a:pPr>
+                <a:defRPr sz="900" b="1" i="0" u="none" strike="noStrike" kern="1200" cap="all" baseline="0">
+                  <a:solidFill>
+                    <a:schemeClr val="lt1">
+                      <a:lumMod val="85000"/>
+                    </a:schemeClr>
+                  </a:solidFill>
+                  <a:latin typeface="+mn-lt"/>
+                  <a:ea typeface="+mn-ea"/>
+                  <a:cs typeface="+mn-cs"/>
+                </a:defRPr>
+              </a:pPr>
+              <a:endParaRPr lang="en-US"/>
+            </a:p>
+          </c:txPr>
+        </c:title>
+        <c:numFmt formatCode="General" sourceLinked="1"/>
+        <c:majorTickMark val="none"/>
+        <c:minorTickMark val="none"/>
+        <c:tickLblPos val="nextTo"/>
+        <c:spPr>
+          <a:noFill/>
+          <a:ln>
+            <a:noFill/>
+          </a:ln>
+          <a:effectLst/>
+        </c:spPr>
+        <c:txPr>
+          <a:bodyPr rot="-60000000" spcFirstLastPara="1" vertOverflow="ellipsis" vert="horz" wrap="square" anchor="ctr" anchorCtr="1"/>
+          <a:lstStyle/>
+          <a:p>
+            <a:pPr>
+              <a:defRPr sz="900" b="0" i="0" u="none" strike="noStrike" kern="1200" baseline="0">
+                <a:solidFill>
+                  <a:schemeClr val="lt1">
+                    <a:lumMod val="85000"/>
+                  </a:schemeClr>
+                </a:solidFill>
+                <a:latin typeface="+mn-lt"/>
+                <a:ea typeface="+mn-ea"/>
+                <a:cs typeface="+mn-cs"/>
+              </a:defRPr>
+            </a:pPr>
+            <a:endParaRPr lang="en-US"/>
+          </a:p>
+        </c:txPr>
+        <c:crossAx val="78735872"/>
+        <c:crosses val="autoZero"/>
+        <c:crossBetween val="between"/>
+      </c:valAx>
+      <c:dTable>
+        <c:showHorzBorder val="1"/>
+        <c:showVertBorder val="1"/>
+        <c:showOutline val="1"/>
+        <c:showKeys val="1"/>
+        <c:spPr>
+          <a:noFill/>
+          <a:ln w="9525">
+            <a:solidFill>
+              <a:schemeClr val="lt1">
+                <a:lumMod val="95000"/>
+                <a:alpha val="54000"/>
+              </a:schemeClr>
+            </a:solidFill>
+          </a:ln>
+          <a:effectLst/>
+        </c:spPr>
+        <c:txPr>
+          <a:bodyPr rot="0" spcFirstLastPara="1" vertOverflow="ellipsis" vert="horz" wrap="square" anchor="ctr" anchorCtr="1"/>
+          <a:lstStyle/>
+          <a:p>
+            <a:pPr rtl="0">
+              <a:defRPr sz="900" b="0" i="0" u="none" strike="noStrike" kern="1200" baseline="0">
+                <a:solidFill>
+                  <a:schemeClr val="lt1">
+                    <a:lumMod val="85000"/>
+                  </a:schemeClr>
+                </a:solidFill>
+                <a:latin typeface="+mn-lt"/>
+                <a:ea typeface="+mn-ea"/>
+                <a:cs typeface="+mn-cs"/>
+              </a:defRPr>
+            </a:pPr>
+            <a:endParaRPr lang="en-US"/>
+          </a:p>
+        </c:txPr>
+      </c:dTable>
+      <c:spPr>
+        <a:noFill/>
+        <a:ln>
+          <a:noFill/>
+        </a:ln>
+        <a:effectLst/>
+      </c:spPr>
+    </c:plotArea>
+    <c:legend>
+      <c:legendPos val="b"/>
+      <c:layout/>
+      <c:overlay val="0"/>
+      <c:spPr>
+        <a:noFill/>
+        <a:ln>
+          <a:noFill/>
+        </a:ln>
+        <a:effectLst/>
+      </c:spPr>
+      <c:txPr>
+        <a:bodyPr rot="0" spcFirstLastPara="1" vertOverflow="ellipsis" vert="horz" wrap="square" anchor="ctr" anchorCtr="1"/>
+        <a:lstStyle/>
+        <a:p>
+          <a:pPr>
+            <a:defRPr sz="900" b="0" i="0" u="none" strike="noStrike" kern="1200" baseline="0">
+              <a:solidFill>
+                <a:schemeClr val="lt1">
+                  <a:lumMod val="85000"/>
+                </a:schemeClr>
+              </a:solidFill>
+              <a:latin typeface="+mn-lt"/>
+              <a:ea typeface="+mn-ea"/>
+              <a:cs typeface="+mn-cs"/>
+            </a:defRPr>
+          </a:pPr>
+          <a:endParaRPr lang="en-US"/>
+        </a:p>
+      </c:txPr>
+    </c:legend>
+    <c:plotVisOnly val="1"/>
+    <c:dispBlanksAs val="gap"/>
+    <c:showDLblsOverMax val="0"/>
+  </c:chart>
+  <c:spPr>
+    <a:gradFill flip="none" rotWithShape="1">
+      <a:gsLst>
+        <a:gs pos="0">
+          <a:schemeClr val="dk1">
+            <a:lumMod val="65000"/>
+            <a:lumOff val="35000"/>
+          </a:schemeClr>
+        </a:gs>
+        <a:gs pos="100000">
+          <a:schemeClr val="dk1">
+            <a:lumMod val="85000"/>
+            <a:lumOff val="15000"/>
+          </a:schemeClr>
+        </a:gs>
+      </a:gsLst>
+      <a:path path="circle">
+        <a:fillToRect l="50000" t="50000" r="50000" b="50000"/>
+      </a:path>
+      <a:tileRect/>
+    </a:gradFill>
+    <a:ln>
+      <a:noFill/>
+    </a:ln>
+    <a:effectLst/>
+  </c:spPr>
+  <c:txPr>
+    <a:bodyPr/>
+    <a:lstStyle/>
+    <a:p>
+      <a:pPr>
+        <a:defRPr/>
+      </a:pPr>
+      <a:endParaRPr lang="en-US"/>
+    </a:p>
+  </c:txPr>
+  <c:externalData r:id="rId3">
+    <c:autoUpdate val="0"/>
+  </c:externalData>
+</c:chartSpace>
+</file>
+
+<file path=ppt/charts/chart8.xml><?xml version="1.0" encoding="utf-8"?>
+<c:chartSpace xmlns:c="http://schemas.openxmlformats.org/drawingml/2006/chart" xmlns:a="http://schemas.openxmlformats.org/drawingml/2006/main" xmlns:r="http://schemas.openxmlformats.org/officeDocument/2006/relationships">
+  <c:date1904 val="0"/>
+  <c:lang val="en-US"/>
+  <c:roundedCorners val="0"/>
+  <mc:AlternateContent xmlns:mc="http://schemas.openxmlformats.org/markup-compatibility/2006">
+    <mc:Choice xmlns:c14="http://schemas.microsoft.com/office/drawing/2007/8/2/chart" Requires="c14">
+      <c14:style val="102"/>
+    </mc:Choice>
+    <mc:Fallback>
+      <c:style val="2"/>
+    </mc:Fallback>
+  </mc:AlternateContent>
+  <c:chart>
+    <c:autoTitleDeleted val="1"/>
+    <c:plotArea>
+      <c:layout/>
+      <c:lineChart>
+        <c:grouping val="standard"/>
+        <c:varyColors val="0"/>
+        <c:ser>
+          <c:idx val="0"/>
+          <c:order val="0"/>
+          <c:tx>
+            <c:v>20kEuc</c:v>
+          </c:tx>
+          <c:spPr>
+            <a:ln w="28575" cap="rnd">
+              <a:solidFill>
+                <a:schemeClr val="accent1"/>
+              </a:solidFill>
+              <a:round/>
+            </a:ln>
+            <a:effectLst/>
+          </c:spPr>
+          <c:marker>
+            <c:symbol val="none"/>
+          </c:marker>
+          <c:cat>
+            <c:numRef>
+              <c:f>[FinalProject.xlsx]ClusterAnalysis!$B$16:$E$16</c:f>
+              <c:numCache>
+                <c:formatCode>General</c:formatCode>
+                <c:ptCount val="4"/>
+                <c:pt idx="0">
+                  <c:v>1</c:v>
+                </c:pt>
+                <c:pt idx="1">
+                  <c:v>0.75</c:v>
+                </c:pt>
+                <c:pt idx="2">
+                  <c:v>0.5</c:v>
+                </c:pt>
+                <c:pt idx="3">
+                  <c:v>0.25</c:v>
+                </c:pt>
+              </c:numCache>
+            </c:numRef>
+          </c:cat>
+          <c:val>
+            <c:numRef>
+              <c:f>[FinalProject.xlsx]ClusterAnalysis!$B$13:$E$13</c:f>
+              <c:numCache>
+                <c:formatCode>0.00E+00</c:formatCode>
+                <c:ptCount val="4"/>
+                <c:pt idx="0">
+                  <c:v>0.14343923583884796</c:v>
+                </c:pt>
+                <c:pt idx="1">
+                  <c:v>3.9993568529192419E-2</c:v>
+                </c:pt>
+                <c:pt idx="2">
+                  <c:v>3.0621426626069193E-2</c:v>
+                </c:pt>
+                <c:pt idx="3">
+                  <c:v>1.6381581352165643E-2</c:v>
+                </c:pt>
+              </c:numCache>
+            </c:numRef>
+          </c:val>
+          <c:smooth val="0"/>
+        </c:ser>
+        <c:ser>
+          <c:idx val="1"/>
+          <c:order val="1"/>
+          <c:tx>
+            <c:v>20kMan</c:v>
+          </c:tx>
+          <c:spPr>
+            <a:ln w="28575" cap="rnd">
+              <a:solidFill>
+                <a:schemeClr val="accent2"/>
+              </a:solidFill>
+              <a:round/>
+            </a:ln>
+            <a:effectLst/>
+          </c:spPr>
+          <c:marker>
+            <c:symbol val="none"/>
+          </c:marker>
+          <c:cat>
+            <c:numRef>
+              <c:f>[FinalProject.xlsx]ClusterAnalysis!$B$16:$E$16</c:f>
+              <c:numCache>
+                <c:formatCode>General</c:formatCode>
+                <c:ptCount val="4"/>
+                <c:pt idx="0">
+                  <c:v>1</c:v>
+                </c:pt>
+                <c:pt idx="1">
+                  <c:v>0.75</c:v>
+                </c:pt>
+                <c:pt idx="2">
+                  <c:v>0.5</c:v>
+                </c:pt>
+                <c:pt idx="3">
+                  <c:v>0.25</c:v>
+                </c:pt>
+              </c:numCache>
+            </c:numRef>
+          </c:cat>
+          <c:val>
+            <c:numRef>
+              <c:f>[FinalProject.xlsx]ClusterAnalysis!$B$27:$E$27</c:f>
+              <c:numCache>
+                <c:formatCode>0.00E+00</c:formatCode>
+                <c:ptCount val="4"/>
+                <c:pt idx="0">
+                  <c:v>0.15494096073854552</c:v>
+                </c:pt>
+                <c:pt idx="1">
+                  <c:v>4.6094285549563352E-2</c:v>
+                </c:pt>
+                <c:pt idx="2">
+                  <c:v>3.5625048704850379E-2</c:v>
+                </c:pt>
+                <c:pt idx="3">
+                  <c:v>1.2665244688597997E-2</c:v>
+                </c:pt>
+              </c:numCache>
+            </c:numRef>
+          </c:val>
+          <c:smooth val="0"/>
+        </c:ser>
+        <c:ser>
+          <c:idx val="2"/>
+          <c:order val="2"/>
+          <c:tx>
+            <c:v>50kEuc</c:v>
+          </c:tx>
+          <c:spPr>
+            <a:ln w="28575" cap="rnd">
+              <a:solidFill>
+                <a:schemeClr val="accent3"/>
+              </a:solidFill>
+              <a:round/>
+            </a:ln>
+            <a:effectLst/>
+          </c:spPr>
+          <c:marker>
+            <c:symbol val="none"/>
+          </c:marker>
+          <c:cat>
+            <c:numRef>
+              <c:f>[FinalProject.xlsx]ClusterAnalysis!$B$16:$E$16</c:f>
+              <c:numCache>
+                <c:formatCode>General</c:formatCode>
+                <c:ptCount val="4"/>
+                <c:pt idx="0">
+                  <c:v>1</c:v>
+                </c:pt>
+                <c:pt idx="1">
+                  <c:v>0.75</c:v>
+                </c:pt>
+                <c:pt idx="2">
+                  <c:v>0.5</c:v>
+                </c:pt>
+                <c:pt idx="3">
+                  <c:v>0.25</c:v>
+                </c:pt>
+              </c:numCache>
+            </c:numRef>
+          </c:cat>
+          <c:val>
+            <c:numRef>
+              <c:f>[FinalProject.xlsx]ClusterAnalysis!$B$41:$E$41</c:f>
+              <c:numCache>
+                <c:formatCode>0.00E+00</c:formatCode>
+                <c:ptCount val="4"/>
+                <c:pt idx="0" formatCode="General">
+                  <c:v>0.13267004460595908</c:v>
+                </c:pt>
+                <c:pt idx="1">
+                  <c:v>4.1340492511866785E-2</c:v>
+                </c:pt>
+                <c:pt idx="2">
+                  <c:v>3.5294992343485175E-2</c:v>
+                </c:pt>
+                <c:pt idx="3">
+                  <c:v>2.2197536724895127E-2</c:v>
+                </c:pt>
+              </c:numCache>
+            </c:numRef>
+          </c:val>
+          <c:smooth val="0"/>
+        </c:ser>
+        <c:ser>
+          <c:idx val="3"/>
+          <c:order val="3"/>
+          <c:tx>
+            <c:v>50kMan</c:v>
+          </c:tx>
+          <c:spPr>
+            <a:ln w="28575" cap="rnd">
+              <a:solidFill>
+                <a:schemeClr val="accent4"/>
+              </a:solidFill>
+              <a:round/>
+            </a:ln>
+            <a:effectLst/>
+          </c:spPr>
+          <c:marker>
+            <c:symbol val="none"/>
+          </c:marker>
+          <c:cat>
+            <c:numRef>
+              <c:f>[FinalProject.xlsx]ClusterAnalysis!$B$16:$E$16</c:f>
+              <c:numCache>
+                <c:formatCode>General</c:formatCode>
+                <c:ptCount val="4"/>
+                <c:pt idx="0">
+                  <c:v>1</c:v>
+                </c:pt>
+                <c:pt idx="1">
+                  <c:v>0.75</c:v>
+                </c:pt>
+                <c:pt idx="2">
+                  <c:v>0.5</c:v>
+                </c:pt>
+                <c:pt idx="3">
+                  <c:v>0.25</c:v>
+                </c:pt>
+              </c:numCache>
+            </c:numRef>
+          </c:cat>
+          <c:val>
+            <c:numRef>
+              <c:f>[FinalProject.xlsx]ClusterAnalysis!$B$55:$E$55</c:f>
+              <c:numCache>
+                <c:formatCode>0.00E+00</c:formatCode>
+                <c:ptCount val="4"/>
+                <c:pt idx="0" formatCode="General">
+                  <c:v>0.14796849388659689</c:v>
+                </c:pt>
+                <c:pt idx="1">
+                  <c:v>5.0220173790781225E-2</c:v>
+                </c:pt>
+                <c:pt idx="2">
+                  <c:v>4.2276179708485392E-2</c:v>
+                </c:pt>
+                <c:pt idx="3" formatCode="General">
+                  <c:v>2.0980099442213955E-2</c:v>
+                </c:pt>
+              </c:numCache>
+            </c:numRef>
+          </c:val>
+          <c:smooth val="0"/>
+        </c:ser>
+        <c:dLbls>
+          <c:showLegendKey val="0"/>
+          <c:showVal val="0"/>
+          <c:showCatName val="0"/>
+          <c:showSerName val="0"/>
+          <c:showPercent val="0"/>
+          <c:showBubbleSize val="0"/>
+        </c:dLbls>
+        <c:smooth val="0"/>
+        <c:axId val="2097689136"/>
+        <c:axId val="78733696"/>
+      </c:lineChart>
+      <c:catAx>
+        <c:axId val="2097689136"/>
+        <c:scaling>
+          <c:orientation val="minMax"/>
+        </c:scaling>
+        <c:delete val="0"/>
+        <c:axPos val="b"/>
+        <c:title>
+          <c:tx>
+            <c:rich>
+              <a:bodyPr rot="0" spcFirstLastPara="1" vertOverflow="ellipsis" vert="horz" wrap="square" anchor="ctr" anchorCtr="1"/>
+              <a:lstStyle/>
+              <a:p>
+                <a:pPr>
+                  <a:defRPr sz="1000" b="0" i="0" u="none" strike="noStrike" kern="1200" baseline="0">
+                    <a:solidFill>
+                      <a:schemeClr val="tx1">
+                        <a:lumMod val="65000"/>
+                        <a:lumOff val="35000"/>
+                      </a:schemeClr>
+                    </a:solidFill>
+                    <a:latin typeface="+mn-lt"/>
+                    <a:ea typeface="+mn-ea"/>
+                    <a:cs typeface="+mn-cs"/>
+                  </a:defRPr>
+                </a:pPr>
+                <a:r>
+                  <a:rPr lang="en-US"/>
+                  <a:t>Epsilon</a:t>
+                </a:r>
+              </a:p>
+            </c:rich>
+          </c:tx>
+          <c:layout/>
+          <c:overlay val="0"/>
+          <c:spPr>
+            <a:noFill/>
+            <a:ln>
+              <a:noFill/>
+            </a:ln>
+            <a:effectLst/>
+          </c:spPr>
+          <c:txPr>
+            <a:bodyPr rot="0" spcFirstLastPara="1" vertOverflow="ellipsis" vert="horz" wrap="square" anchor="ctr" anchorCtr="1"/>
+            <a:lstStyle/>
+            <a:p>
+              <a:pPr>
+                <a:defRPr sz="1000" b="0" i="0" u="none" strike="noStrike" kern="1200" baseline="0">
+                  <a:solidFill>
+                    <a:schemeClr val="tx1">
+                      <a:lumMod val="65000"/>
+                      <a:lumOff val="35000"/>
+                    </a:schemeClr>
+                  </a:solidFill>
+                  <a:latin typeface="+mn-lt"/>
+                  <a:ea typeface="+mn-ea"/>
+                  <a:cs typeface="+mn-cs"/>
+                </a:defRPr>
+              </a:pPr>
+              <a:endParaRPr lang="en-US"/>
+            </a:p>
+          </c:txPr>
+        </c:title>
+        <c:numFmt formatCode="General" sourceLinked="1"/>
+        <c:majorTickMark val="none"/>
+        <c:minorTickMark val="none"/>
+        <c:tickLblPos val="nextTo"/>
+        <c:spPr>
+          <a:noFill/>
+          <a:ln w="9525" cap="flat" cmpd="sng" algn="ctr">
+            <a:solidFill>
+              <a:schemeClr val="tx1">
+                <a:lumMod val="15000"/>
+                <a:lumOff val="85000"/>
+              </a:schemeClr>
+            </a:solidFill>
+            <a:round/>
+          </a:ln>
+          <a:effectLst/>
+        </c:spPr>
+        <c:txPr>
+          <a:bodyPr rot="-60000000" spcFirstLastPara="1" vertOverflow="ellipsis" vert="horz" wrap="square" anchor="ctr" anchorCtr="1"/>
+          <a:lstStyle/>
+          <a:p>
+            <a:pPr>
+              <a:defRPr sz="900" b="0" i="0" u="none" strike="noStrike" kern="1200" baseline="0">
+                <a:solidFill>
+                  <a:schemeClr val="tx1">
+                    <a:lumMod val="65000"/>
+                    <a:lumOff val="35000"/>
+                  </a:schemeClr>
+                </a:solidFill>
+                <a:latin typeface="+mn-lt"/>
+                <a:ea typeface="+mn-ea"/>
+                <a:cs typeface="+mn-cs"/>
+              </a:defRPr>
+            </a:pPr>
+            <a:endParaRPr lang="en-US"/>
+          </a:p>
+        </c:txPr>
+        <c:crossAx val="78733696"/>
+        <c:crosses val="autoZero"/>
+        <c:auto val="1"/>
+        <c:lblAlgn val="ctr"/>
+        <c:lblOffset val="100"/>
+        <c:noMultiLvlLbl val="0"/>
+      </c:catAx>
+      <c:valAx>
+        <c:axId val="78733696"/>
+        <c:scaling>
+          <c:orientation val="minMax"/>
+        </c:scaling>
+        <c:delete val="0"/>
+        <c:axPos val="l"/>
+        <c:majorGridlines>
+          <c:spPr>
+            <a:ln w="9525" cap="flat" cmpd="sng" algn="ctr">
+              <a:solidFill>
+                <a:schemeClr val="tx1">
+                  <a:lumMod val="15000"/>
+                  <a:lumOff val="85000"/>
+                </a:schemeClr>
+              </a:solidFill>
+              <a:round/>
+            </a:ln>
+            <a:effectLst/>
+          </c:spPr>
+        </c:majorGridlines>
+        <c:title>
+          <c:tx>
+            <c:rich>
+              <a:bodyPr rot="-5400000" spcFirstLastPara="1" vertOverflow="ellipsis" vert="horz" wrap="square" anchor="ctr" anchorCtr="1"/>
+              <a:lstStyle/>
+              <a:p>
+                <a:pPr>
+                  <a:defRPr sz="1000" b="0" i="0" u="none" strike="noStrike" kern="1200" baseline="0">
+                    <a:solidFill>
+                      <a:schemeClr val="tx1">
+                        <a:lumMod val="65000"/>
+                        <a:lumOff val="35000"/>
+                      </a:schemeClr>
+                    </a:solidFill>
+                    <a:latin typeface="+mn-lt"/>
+                    <a:ea typeface="+mn-ea"/>
+                    <a:cs typeface="+mn-cs"/>
+                  </a:defRPr>
+                </a:pPr>
+                <a:r>
+                  <a:rPr lang="en-US"/>
+                  <a:t>Average Core-Distance</a:t>
+                </a:r>
+              </a:p>
+            </c:rich>
+          </c:tx>
+          <c:layout/>
+          <c:overlay val="0"/>
+          <c:spPr>
+            <a:noFill/>
+            <a:ln>
+              <a:noFill/>
+            </a:ln>
+            <a:effectLst/>
+          </c:spPr>
+          <c:txPr>
+            <a:bodyPr rot="-5400000" spcFirstLastPara="1" vertOverflow="ellipsis" vert="horz" wrap="square" anchor="ctr" anchorCtr="1"/>
+            <a:lstStyle/>
+            <a:p>
+              <a:pPr>
+                <a:defRPr sz="1000" b="0" i="0" u="none" strike="noStrike" kern="1200" baseline="0">
+                  <a:solidFill>
+                    <a:schemeClr val="tx1">
+                      <a:lumMod val="65000"/>
+                      <a:lumOff val="35000"/>
+                    </a:schemeClr>
+                  </a:solidFill>
+                  <a:latin typeface="+mn-lt"/>
+                  <a:ea typeface="+mn-ea"/>
+                  <a:cs typeface="+mn-cs"/>
+                </a:defRPr>
+              </a:pPr>
+              <a:endParaRPr lang="en-US"/>
+            </a:p>
+          </c:txPr>
+        </c:title>
+        <c:numFmt formatCode="0.00E+00" sourceLinked="1"/>
+        <c:majorTickMark val="none"/>
+        <c:minorTickMark val="none"/>
+        <c:tickLblPos val="nextTo"/>
+        <c:spPr>
+          <a:noFill/>
+          <a:ln>
+            <a:noFill/>
+          </a:ln>
+          <a:effectLst/>
+        </c:spPr>
+        <c:txPr>
+          <a:bodyPr rot="-60000000" spcFirstLastPara="1" vertOverflow="ellipsis" vert="horz" wrap="square" anchor="ctr" anchorCtr="1"/>
+          <a:lstStyle/>
+          <a:p>
+            <a:pPr>
+              <a:defRPr sz="900" b="0" i="0" u="none" strike="noStrike" kern="1200" baseline="0">
+                <a:solidFill>
+                  <a:schemeClr val="tx1">
+                    <a:lumMod val="65000"/>
+                    <a:lumOff val="35000"/>
+                  </a:schemeClr>
+                </a:solidFill>
+                <a:latin typeface="+mn-lt"/>
+                <a:ea typeface="+mn-ea"/>
+                <a:cs typeface="+mn-cs"/>
+              </a:defRPr>
+            </a:pPr>
+            <a:endParaRPr lang="en-US"/>
+          </a:p>
+        </c:txPr>
+        <c:crossAx val="2097689136"/>
+        <c:crosses val="autoZero"/>
+        <c:crossBetween val="between"/>
+      </c:valAx>
+      <c:spPr>
+        <a:noFill/>
+        <a:ln>
+          <a:noFill/>
+        </a:ln>
+        <a:effectLst/>
+      </c:spPr>
+    </c:plotArea>
+    <c:legend>
+      <c:legendPos val="b"/>
+      <c:layout/>
+      <c:overlay val="0"/>
+      <c:spPr>
+        <a:noFill/>
+        <a:ln>
+          <a:noFill/>
+        </a:ln>
+        <a:effectLst/>
+      </c:spPr>
+      <c:txPr>
+        <a:bodyPr rot="0" spcFirstLastPara="1" vertOverflow="ellipsis" vert="horz" wrap="square" anchor="ctr" anchorCtr="1"/>
+        <a:lstStyle/>
+        <a:p>
+          <a:pPr>
+            <a:defRPr sz="900" b="0" i="0" u="none" strike="noStrike" kern="1200" baseline="0">
+              <a:solidFill>
+                <a:schemeClr val="tx1">
+                  <a:lumMod val="65000"/>
+                  <a:lumOff val="35000"/>
+                </a:schemeClr>
+              </a:solidFill>
+              <a:latin typeface="+mn-lt"/>
+              <a:ea typeface="+mn-ea"/>
+              <a:cs typeface="+mn-cs"/>
+            </a:defRPr>
+          </a:pPr>
+          <a:endParaRPr lang="en-US"/>
+        </a:p>
+      </c:txPr>
+    </c:legend>
+    <c:plotVisOnly val="1"/>
+    <c:dispBlanksAs val="gap"/>
+    <c:showDLblsOverMax val="0"/>
+  </c:chart>
+  <c:spPr>
+    <a:noFill/>
+    <a:ln>
+      <a:noFill/>
+    </a:ln>
+    <a:effectLst/>
+  </c:spPr>
+  <c:txPr>
+    <a:bodyPr/>
+    <a:lstStyle/>
+    <a:p>
+      <a:pPr>
+        <a:defRPr/>
+      </a:pPr>
+      <a:endParaRPr lang="en-US"/>
+    </a:p>
+  </c:txPr>
+  <c:externalData r:id="rId3">
+    <c:autoUpdate val="0"/>
+  </c:externalData>
+</c:chartSpace>
+</file>
+
+<file path=ppt/charts/chart9.xml><?xml version="1.0" encoding="utf-8"?>
+<c:chartSpace xmlns:c="http://schemas.openxmlformats.org/drawingml/2006/chart" xmlns:a="http://schemas.openxmlformats.org/drawingml/2006/main" xmlns:r="http://schemas.openxmlformats.org/officeDocument/2006/relationships">
+  <c:date1904 val="0"/>
+  <c:lang val="en-US"/>
+  <c:roundedCorners val="0"/>
+  <mc:AlternateContent xmlns:mc="http://schemas.openxmlformats.org/markup-compatibility/2006">
+    <mc:Choice xmlns:c14="http://schemas.microsoft.com/office/drawing/2007/8/2/chart" Requires="c14">
+      <c14:style val="102"/>
+    </mc:Choice>
+    <mc:Fallback>
+      <c:style val="2"/>
+    </mc:Fallback>
+  </mc:AlternateContent>
+  <c:chart>
+    <c:autoTitleDeleted val="1"/>
+    <c:plotArea>
+      <c:layout/>
+      <c:lineChart>
+        <c:grouping val="standard"/>
+        <c:varyColors val="0"/>
+        <c:ser>
+          <c:idx val="0"/>
+          <c:order val="0"/>
+          <c:tx>
+            <c:v>20kEuc</c:v>
+          </c:tx>
+          <c:spPr>
+            <a:ln w="19050" cap="rnd" cmpd="sng" algn="ctr">
+              <a:solidFill>
+                <a:schemeClr val="accent1">
+                  <a:shade val="95000"/>
+                  <a:satMod val="105000"/>
+                </a:schemeClr>
+              </a:solidFill>
+              <a:round/>
+            </a:ln>
+            <a:effectLst/>
+          </c:spPr>
+          <c:marker>
+            <c:symbol val="circle"/>
+            <c:size val="17"/>
+            <c:spPr>
+              <a:solidFill>
+                <a:schemeClr val="lt1"/>
+              </a:solidFill>
+              <a:ln>
+                <a:noFill/>
+              </a:ln>
+              <a:effectLst/>
+            </c:spPr>
+          </c:marker>
+          <c:dLbls>
+            <c:spPr>
+              <a:noFill/>
+              <a:ln>
+                <a:noFill/>
+              </a:ln>
+              <a:effectLst/>
+            </c:spPr>
+            <c:txPr>
+              <a:bodyPr rot="0" spcFirstLastPara="1" vertOverflow="ellipsis" vert="horz" wrap="square" lIns="38100" tIns="19050" rIns="38100" bIns="19050" anchor="ctr" anchorCtr="1">
+                <a:spAutoFit/>
+              </a:bodyPr>
+              <a:lstStyle/>
+              <a:p>
+                <a:pPr>
+                  <a:defRPr sz="900" b="1" i="0" u="none" strike="noStrike" kern="1200" baseline="0">
+                    <a:solidFill>
+                      <a:schemeClr val="accent1"/>
+                    </a:solidFill>
+                    <a:latin typeface="+mn-lt"/>
+                    <a:ea typeface="+mn-ea"/>
+                    <a:cs typeface="+mn-cs"/>
+                  </a:defRPr>
+                </a:pPr>
+                <a:endParaRPr lang="en-US"/>
+              </a:p>
+            </c:txPr>
+            <c:dLblPos val="ctr"/>
+            <c:showLegendKey val="0"/>
+            <c:showVal val="1"/>
+            <c:showCatName val="0"/>
+            <c:showSerName val="0"/>
+            <c:showPercent val="0"/>
+            <c:showBubbleSize val="0"/>
+            <c:showLeaderLines val="0"/>
+            <c:extLst>
+              <c:ext xmlns:c15="http://schemas.microsoft.com/office/drawing/2012/chart" uri="{CE6537A1-D6FC-4f65-9D91-7224C49458BB}">
+                <c15:layout/>
+                <c15:showLeaderLines val="1"/>
+                <c15:leaderLines>
+                  <c:spPr>
+                    <a:ln w="9525">
+                      <a:solidFill>
+                        <a:schemeClr val="dk1">
+                          <a:lumMod val="35000"/>
+                          <a:lumOff val="65000"/>
+                        </a:schemeClr>
+                      </a:solidFill>
+                    </a:ln>
+                    <a:effectLst/>
+                  </c:spPr>
+                </c15:leaderLines>
+              </c:ext>
+            </c:extLst>
+          </c:dLbls>
+          <c:cat>
+            <c:numRef>
+              <c:f>[FinalProject.xlsx]ClusterAnalysis!$B$2:$E$2</c:f>
+              <c:numCache>
+                <c:formatCode>General</c:formatCode>
+                <c:ptCount val="4"/>
+                <c:pt idx="0">
+                  <c:v>1</c:v>
+                </c:pt>
+                <c:pt idx="1">
+                  <c:v>0.75</c:v>
+                </c:pt>
+                <c:pt idx="2">
+                  <c:v>0.5</c:v>
+                </c:pt>
+                <c:pt idx="3">
+                  <c:v>0.25</c:v>
+                </c:pt>
+              </c:numCache>
+            </c:numRef>
+          </c:cat>
+          <c:val>
+            <c:numRef>
+              <c:f>[FinalProject.xlsx]ClusterAnalysis!$B$13:$E$13</c:f>
+              <c:numCache>
+                <c:formatCode>General</c:formatCode>
+                <c:ptCount val="4"/>
+                <c:pt idx="0">
+                  <c:v>252</c:v>
+                </c:pt>
+                <c:pt idx="1">
+                  <c:v>190</c:v>
+                </c:pt>
+                <c:pt idx="2">
+                  <c:v>191</c:v>
+                </c:pt>
+                <c:pt idx="3">
+                  <c:v>189</c:v>
+                </c:pt>
+              </c:numCache>
+            </c:numRef>
+          </c:val>
+          <c:smooth val="0"/>
+        </c:ser>
+        <c:ser>
+          <c:idx val="1"/>
+          <c:order val="1"/>
+          <c:tx>
+            <c:v>20kMan</c:v>
+          </c:tx>
+          <c:spPr>
+            <a:ln w="19050" cap="rnd" cmpd="sng" algn="ctr">
+              <a:solidFill>
+                <a:schemeClr val="accent2">
+                  <a:shade val="95000"/>
+                  <a:satMod val="105000"/>
+                </a:schemeClr>
+              </a:solidFill>
+              <a:round/>
+            </a:ln>
+            <a:effectLst/>
+          </c:spPr>
+          <c:marker>
+            <c:symbol val="circle"/>
+            <c:size val="17"/>
+            <c:spPr>
+              <a:solidFill>
+                <a:schemeClr val="lt1"/>
+              </a:solidFill>
+              <a:ln>
+                <a:noFill/>
+              </a:ln>
+              <a:effectLst/>
+            </c:spPr>
+          </c:marker>
+          <c:dLbls>
+            <c:spPr>
+              <a:noFill/>
+              <a:ln>
+                <a:noFill/>
+              </a:ln>
+              <a:effectLst/>
+            </c:spPr>
+            <c:txPr>
+              <a:bodyPr rot="0" spcFirstLastPara="1" vertOverflow="ellipsis" vert="horz" wrap="square" lIns="38100" tIns="19050" rIns="38100" bIns="19050" anchor="ctr" anchorCtr="1">
+                <a:spAutoFit/>
+              </a:bodyPr>
+              <a:lstStyle/>
+              <a:p>
+                <a:pPr>
+                  <a:defRPr sz="900" b="1" i="0" u="none" strike="noStrike" kern="1200" baseline="0">
+                    <a:solidFill>
+                      <a:schemeClr val="accent2"/>
+                    </a:solidFill>
+                    <a:latin typeface="+mn-lt"/>
+                    <a:ea typeface="+mn-ea"/>
+                    <a:cs typeface="+mn-cs"/>
+                  </a:defRPr>
+                </a:pPr>
+                <a:endParaRPr lang="en-US"/>
+              </a:p>
+            </c:txPr>
+            <c:dLblPos val="ctr"/>
+            <c:showLegendKey val="0"/>
+            <c:showVal val="1"/>
+            <c:showCatName val="0"/>
+            <c:showSerName val="0"/>
+            <c:showPercent val="0"/>
+            <c:showBubbleSize val="0"/>
+            <c:showLeaderLines val="0"/>
+            <c:extLst>
+              <c:ext xmlns:c15="http://schemas.microsoft.com/office/drawing/2012/chart" uri="{CE6537A1-D6FC-4f65-9D91-7224C49458BB}">
+                <c15:layout/>
+                <c15:showLeaderLines val="1"/>
+                <c15:leaderLines>
+                  <c:spPr>
+                    <a:ln w="9525">
+                      <a:solidFill>
+                        <a:schemeClr val="dk1">
+                          <a:lumMod val="35000"/>
+                          <a:lumOff val="65000"/>
+                        </a:schemeClr>
+                      </a:solidFill>
+                    </a:ln>
+                    <a:effectLst/>
+                  </c:spPr>
+                </c15:leaderLines>
+              </c:ext>
+            </c:extLst>
+          </c:dLbls>
+          <c:cat>
+            <c:numRef>
+              <c:f>[FinalProject.xlsx]ClusterAnalysis!$B$2:$E$2</c:f>
+              <c:numCache>
+                <c:formatCode>General</c:formatCode>
+                <c:ptCount val="4"/>
+                <c:pt idx="0">
+                  <c:v>1</c:v>
+                </c:pt>
+                <c:pt idx="1">
+                  <c:v>0.75</c:v>
+                </c:pt>
+                <c:pt idx="2">
+                  <c:v>0.5</c:v>
+                </c:pt>
+                <c:pt idx="3">
+                  <c:v>0.25</c:v>
+                </c:pt>
+              </c:numCache>
+            </c:numRef>
+          </c:cat>
+          <c:val>
+            <c:numRef>
+              <c:f>[FinalProject.xlsx]ClusterAnalysis!$B$26:$E$26</c:f>
+              <c:numCache>
+                <c:formatCode>General</c:formatCode>
+                <c:ptCount val="4"/>
+                <c:pt idx="0">
+                  <c:v>179</c:v>
+                </c:pt>
+                <c:pt idx="1">
+                  <c:v>151</c:v>
+                </c:pt>
+                <c:pt idx="2">
+                  <c:v>154</c:v>
+                </c:pt>
+                <c:pt idx="3">
+                  <c:v>153</c:v>
+                </c:pt>
+              </c:numCache>
+            </c:numRef>
+          </c:val>
+          <c:smooth val="0"/>
+        </c:ser>
+        <c:ser>
+          <c:idx val="2"/>
+          <c:order val="2"/>
+          <c:tx>
+            <c:v>50kEuc</c:v>
+          </c:tx>
+          <c:spPr>
+            <a:ln w="19050" cap="rnd" cmpd="sng" algn="ctr">
+              <a:solidFill>
+                <a:schemeClr val="accent3">
+                  <a:shade val="95000"/>
+                  <a:satMod val="105000"/>
+                </a:schemeClr>
+              </a:solidFill>
+              <a:round/>
+            </a:ln>
+            <a:effectLst/>
+          </c:spPr>
+          <c:marker>
+            <c:symbol val="circle"/>
+            <c:size val="17"/>
+            <c:spPr>
+              <a:solidFill>
+                <a:schemeClr val="lt1"/>
+              </a:solidFill>
+              <a:ln>
+                <a:noFill/>
+              </a:ln>
+              <a:effectLst/>
+            </c:spPr>
+          </c:marker>
+          <c:dLbls>
+            <c:spPr>
+              <a:noFill/>
+              <a:ln>
+                <a:noFill/>
+              </a:ln>
+              <a:effectLst/>
+            </c:spPr>
+            <c:txPr>
+              <a:bodyPr rot="0" spcFirstLastPara="1" vertOverflow="ellipsis" vert="horz" wrap="square" lIns="38100" tIns="19050" rIns="38100" bIns="19050" anchor="ctr" anchorCtr="1">
+                <a:spAutoFit/>
+              </a:bodyPr>
+              <a:lstStyle/>
+              <a:p>
+                <a:pPr>
+                  <a:defRPr sz="900" b="1" i="0" u="none" strike="noStrike" kern="1200" baseline="0">
+                    <a:solidFill>
+                      <a:schemeClr val="accent3"/>
+                    </a:solidFill>
+                    <a:latin typeface="+mn-lt"/>
+                    <a:ea typeface="+mn-ea"/>
+                    <a:cs typeface="+mn-cs"/>
+                  </a:defRPr>
+                </a:pPr>
+                <a:endParaRPr lang="en-US"/>
+              </a:p>
+            </c:txPr>
+            <c:dLblPos val="ctr"/>
+            <c:showLegendKey val="0"/>
+            <c:showVal val="1"/>
+            <c:showCatName val="0"/>
+            <c:showSerName val="0"/>
+            <c:showPercent val="0"/>
+            <c:showBubbleSize val="0"/>
+            <c:showLeaderLines val="0"/>
+            <c:extLst>
+              <c:ext xmlns:c15="http://schemas.microsoft.com/office/drawing/2012/chart" uri="{CE6537A1-D6FC-4f65-9D91-7224C49458BB}">
+                <c15:layout/>
+                <c15:showLeaderLines val="1"/>
+                <c15:leaderLines>
+                  <c:spPr>
+                    <a:ln w="9525">
+                      <a:solidFill>
+                        <a:schemeClr val="dk1">
+                          <a:lumMod val="35000"/>
+                          <a:lumOff val="65000"/>
+                        </a:schemeClr>
+                      </a:solidFill>
+                    </a:ln>
+                    <a:effectLst/>
+                  </c:spPr>
+                </c15:leaderLines>
+              </c:ext>
+            </c:extLst>
+          </c:dLbls>
+          <c:cat>
+            <c:numRef>
+              <c:f>[FinalProject.xlsx]ClusterAnalysis!$B$2:$E$2</c:f>
+              <c:numCache>
+                <c:formatCode>General</c:formatCode>
+                <c:ptCount val="4"/>
+                <c:pt idx="0">
+                  <c:v>1</c:v>
+                </c:pt>
+                <c:pt idx="1">
+                  <c:v>0.75</c:v>
+                </c:pt>
+                <c:pt idx="2">
+                  <c:v>0.5</c:v>
+                </c:pt>
+                <c:pt idx="3">
+                  <c:v>0.25</c:v>
+                </c:pt>
+              </c:numCache>
+            </c:numRef>
+          </c:cat>
+          <c:val>
+            <c:numRef>
+              <c:f>[FinalProject.xlsx]ClusterAnalysis!$B$39:$E$39</c:f>
+              <c:numCache>
+                <c:formatCode>General</c:formatCode>
+                <c:ptCount val="4"/>
+                <c:pt idx="0">
+                  <c:v>1544</c:v>
+                </c:pt>
+                <c:pt idx="1">
+                  <c:v>1221</c:v>
+                </c:pt>
+                <c:pt idx="2">
+                  <c:v>1231</c:v>
+                </c:pt>
+                <c:pt idx="3">
+                  <c:v>1221</c:v>
+                </c:pt>
+              </c:numCache>
+            </c:numRef>
+          </c:val>
+          <c:smooth val="0"/>
+        </c:ser>
+        <c:ser>
+          <c:idx val="3"/>
+          <c:order val="3"/>
+          <c:tx>
+            <c:v>50kMan</c:v>
+          </c:tx>
+          <c:spPr>
+            <a:ln w="19050" cap="rnd" cmpd="sng" algn="ctr">
+              <a:solidFill>
+                <a:schemeClr val="accent4">
+                  <a:shade val="95000"/>
+                  <a:satMod val="105000"/>
+                </a:schemeClr>
+              </a:solidFill>
+              <a:round/>
+            </a:ln>
+            <a:effectLst/>
+          </c:spPr>
+          <c:marker>
+            <c:symbol val="circle"/>
+            <c:size val="17"/>
+            <c:spPr>
+              <a:solidFill>
+                <a:schemeClr val="lt1"/>
+              </a:solidFill>
+              <a:ln>
+                <a:noFill/>
+              </a:ln>
+              <a:effectLst/>
+            </c:spPr>
+          </c:marker>
+          <c:dLbls>
+            <c:spPr>
+              <a:noFill/>
+              <a:ln>
+                <a:noFill/>
+              </a:ln>
+              <a:effectLst/>
+            </c:spPr>
+            <c:txPr>
+              <a:bodyPr rot="0" spcFirstLastPara="1" vertOverflow="ellipsis" vert="horz" wrap="square" lIns="38100" tIns="19050" rIns="38100" bIns="19050" anchor="ctr" anchorCtr="1">
+                <a:spAutoFit/>
+              </a:bodyPr>
+              <a:lstStyle/>
+              <a:p>
+                <a:pPr>
+                  <a:defRPr sz="900" b="1" i="0" u="none" strike="noStrike" kern="1200" baseline="0">
+                    <a:solidFill>
+                      <a:schemeClr val="accent4"/>
+                    </a:solidFill>
+                    <a:latin typeface="+mn-lt"/>
+                    <a:ea typeface="+mn-ea"/>
+                    <a:cs typeface="+mn-cs"/>
+                  </a:defRPr>
+                </a:pPr>
+                <a:endParaRPr lang="en-US"/>
+              </a:p>
+            </c:txPr>
+            <c:dLblPos val="ctr"/>
+            <c:showLegendKey val="0"/>
+            <c:showVal val="1"/>
+            <c:showCatName val="0"/>
+            <c:showSerName val="0"/>
+            <c:showPercent val="0"/>
+            <c:showBubbleSize val="0"/>
+            <c:showLeaderLines val="0"/>
+            <c:extLst>
+              <c:ext xmlns:c15="http://schemas.microsoft.com/office/drawing/2012/chart" uri="{CE6537A1-D6FC-4f65-9D91-7224C49458BB}">
+                <c15:layout/>
+                <c15:showLeaderLines val="1"/>
+                <c15:leaderLines>
+                  <c:spPr>
+                    <a:ln w="9525">
+                      <a:solidFill>
+                        <a:schemeClr val="dk1">
+                          <a:lumMod val="35000"/>
+                          <a:lumOff val="65000"/>
+                        </a:schemeClr>
+                      </a:solidFill>
+                    </a:ln>
+                    <a:effectLst/>
+                  </c:spPr>
+                </c15:leaderLines>
+              </c:ext>
+            </c:extLst>
+          </c:dLbls>
+          <c:cat>
+            <c:numRef>
+              <c:f>[FinalProject.xlsx]ClusterAnalysis!$B$2:$E$2</c:f>
+              <c:numCache>
+                <c:formatCode>General</c:formatCode>
+                <c:ptCount val="4"/>
+                <c:pt idx="0">
+                  <c:v>1</c:v>
+                </c:pt>
+                <c:pt idx="1">
+                  <c:v>0.75</c:v>
+                </c:pt>
+                <c:pt idx="2">
+                  <c:v>0.5</c:v>
+                </c:pt>
+                <c:pt idx="3">
+                  <c:v>0.25</c:v>
+                </c:pt>
+              </c:numCache>
+            </c:numRef>
+          </c:cat>
+          <c:val>
+            <c:numRef>
+              <c:f>[FinalProject.xlsx]ClusterAnalysis!$B$52:$E$52</c:f>
+              <c:numCache>
+                <c:formatCode>General</c:formatCode>
+                <c:ptCount val="4"/>
+                <c:pt idx="0">
+                  <c:v>1279</c:v>
+                </c:pt>
+                <c:pt idx="1">
+                  <c:v>987</c:v>
+                </c:pt>
+                <c:pt idx="2">
+                  <c:v>983</c:v>
+                </c:pt>
+                <c:pt idx="3">
+                  <c:v>976</c:v>
+                </c:pt>
+              </c:numCache>
+            </c:numRef>
+          </c:val>
+          <c:smooth val="0"/>
+        </c:ser>
+        <c:dLbls>
+          <c:dLblPos val="ctr"/>
+          <c:showLegendKey val="0"/>
+          <c:showVal val="1"/>
+          <c:showCatName val="0"/>
+          <c:showSerName val="0"/>
+          <c:showPercent val="0"/>
+          <c:showBubbleSize val="0"/>
+        </c:dLbls>
+        <c:marker val="1"/>
+        <c:smooth val="0"/>
+        <c:axId val="1837060464"/>
+        <c:axId val="2097690768"/>
+      </c:lineChart>
+      <c:catAx>
+        <c:axId val="1837060464"/>
+        <c:scaling>
+          <c:orientation val="minMax"/>
+        </c:scaling>
+        <c:delete val="0"/>
+        <c:axPos val="b"/>
+        <c:title>
+          <c:tx>
+            <c:rich>
+              <a:bodyPr rot="0" spcFirstLastPara="1" vertOverflow="ellipsis" vert="horz" wrap="square" anchor="ctr" anchorCtr="1"/>
+              <a:lstStyle/>
+              <a:p>
+                <a:pPr>
+                  <a:defRPr sz="900" b="0" i="0" u="none" strike="noStrike" kern="1200" baseline="0">
+                    <a:solidFill>
+                      <a:schemeClr val="dk1">
+                        <a:lumMod val="65000"/>
+                        <a:lumOff val="35000"/>
+                      </a:schemeClr>
+                    </a:solidFill>
+                    <a:latin typeface="+mn-lt"/>
+                    <a:ea typeface="+mn-ea"/>
+                    <a:cs typeface="+mn-cs"/>
+                  </a:defRPr>
+                </a:pPr>
+                <a:r>
+                  <a:rPr lang="en-US"/>
+                  <a:t>Epsilon</a:t>
+                </a:r>
+              </a:p>
+            </c:rich>
+          </c:tx>
+          <c:layout/>
+          <c:overlay val="0"/>
+          <c:spPr>
+            <a:noFill/>
+            <a:ln>
+              <a:noFill/>
+            </a:ln>
+            <a:effectLst/>
+          </c:spPr>
+          <c:txPr>
+            <a:bodyPr rot="0" spcFirstLastPara="1" vertOverflow="ellipsis" vert="horz" wrap="square" anchor="ctr" anchorCtr="1"/>
+            <a:lstStyle/>
+            <a:p>
+              <a:pPr>
+                <a:defRPr sz="900" b="0" i="0" u="none" strike="noStrike" kern="1200" baseline="0">
+                  <a:solidFill>
+                    <a:schemeClr val="dk1">
+                      <a:lumMod val="65000"/>
+                      <a:lumOff val="35000"/>
+                    </a:schemeClr>
+                  </a:solidFill>
+                  <a:latin typeface="+mn-lt"/>
+                  <a:ea typeface="+mn-ea"/>
+                  <a:cs typeface="+mn-cs"/>
+                </a:defRPr>
+              </a:pPr>
+              <a:endParaRPr lang="en-US"/>
+            </a:p>
+          </c:txPr>
+        </c:title>
+        <c:numFmt formatCode="General" sourceLinked="1"/>
+        <c:majorTickMark val="none"/>
+        <c:minorTickMark val="none"/>
+        <c:tickLblPos val="nextTo"/>
+        <c:spPr>
+          <a:noFill/>
+          <a:ln w="9525" cap="flat" cmpd="sng" algn="ctr">
+            <a:solidFill>
+              <a:schemeClr val="dk1">
+                <a:lumMod val="15000"/>
+                <a:lumOff val="85000"/>
+              </a:schemeClr>
+            </a:solidFill>
+            <a:round/>
+          </a:ln>
+          <a:effectLst/>
+        </c:spPr>
+        <c:txPr>
+          <a:bodyPr rot="-60000000" spcFirstLastPara="1" vertOverflow="ellipsis" vert="horz" wrap="square" anchor="ctr" anchorCtr="1"/>
+          <a:lstStyle/>
+          <a:p>
+            <a:pPr>
+              <a:defRPr sz="1000" b="0" i="0" u="none" strike="noStrike" kern="1200" baseline="0">
+                <a:solidFill>
+                  <a:schemeClr val="dk1">
+                    <a:lumMod val="65000"/>
+                    <a:lumOff val="35000"/>
+                  </a:schemeClr>
+                </a:solidFill>
+                <a:latin typeface="+mn-lt"/>
+                <a:ea typeface="+mn-ea"/>
+                <a:cs typeface="+mn-cs"/>
+              </a:defRPr>
+            </a:pPr>
+            <a:endParaRPr lang="en-US"/>
+          </a:p>
+        </c:txPr>
+        <c:crossAx val="2097690768"/>
+        <c:crosses val="autoZero"/>
+        <c:auto val="1"/>
+        <c:lblAlgn val="ctr"/>
+        <c:lblOffset val="100"/>
+        <c:noMultiLvlLbl val="0"/>
+      </c:catAx>
+      <c:valAx>
+        <c:axId val="2097690768"/>
+        <c:scaling>
+          <c:orientation val="minMax"/>
+        </c:scaling>
+        <c:delete val="1"/>
+        <c:axPos val="l"/>
+        <c:title>
+          <c:tx>
+            <c:rich>
+              <a:bodyPr rot="-5400000" spcFirstLastPara="1" vertOverflow="ellipsis" vert="horz" wrap="square" anchor="ctr" anchorCtr="1"/>
+              <a:lstStyle/>
+              <a:p>
+                <a:pPr>
+                  <a:defRPr sz="900" b="0" i="0" u="none" strike="noStrike" kern="1200" baseline="0">
+                    <a:solidFill>
+                      <a:schemeClr val="dk1">
+                        <a:lumMod val="65000"/>
+                        <a:lumOff val="35000"/>
+                      </a:schemeClr>
+                    </a:solidFill>
+                    <a:latin typeface="+mn-lt"/>
+                    <a:ea typeface="+mn-ea"/>
+                    <a:cs typeface="+mn-cs"/>
+                  </a:defRPr>
+                </a:pPr>
+                <a:r>
+                  <a:rPr lang="en-US"/>
+                  <a:t>Time (seconds)</a:t>
+                </a:r>
+              </a:p>
+            </c:rich>
+          </c:tx>
+          <c:layout/>
+          <c:overlay val="0"/>
+          <c:spPr>
+            <a:noFill/>
+            <a:ln>
+              <a:noFill/>
+            </a:ln>
+            <a:effectLst/>
+          </c:spPr>
+          <c:txPr>
+            <a:bodyPr rot="-5400000" spcFirstLastPara="1" vertOverflow="ellipsis" vert="horz" wrap="square" anchor="ctr" anchorCtr="1"/>
+            <a:lstStyle/>
+            <a:p>
+              <a:pPr>
+                <a:defRPr sz="900" b="0" i="0" u="none" strike="noStrike" kern="1200" baseline="0">
+                  <a:solidFill>
+                    <a:schemeClr val="dk1">
+                      <a:lumMod val="65000"/>
+                      <a:lumOff val="35000"/>
+                    </a:schemeClr>
+                  </a:solidFill>
+                  <a:latin typeface="+mn-lt"/>
+                  <a:ea typeface="+mn-ea"/>
+                  <a:cs typeface="+mn-cs"/>
+                </a:defRPr>
+              </a:pPr>
+              <a:endParaRPr lang="en-US"/>
+            </a:p>
+          </c:txPr>
+        </c:title>
+        <c:numFmt formatCode="General" sourceLinked="1"/>
+        <c:majorTickMark val="none"/>
+        <c:minorTickMark val="none"/>
+        <c:tickLblPos val="nextTo"/>
+        <c:crossAx val="1837060464"/>
+        <c:crosses val="autoZero"/>
+        <c:crossBetween val="between"/>
+      </c:valAx>
+      <c:spPr>
+        <a:noFill/>
+        <a:ln>
+          <a:noFill/>
+        </a:ln>
+        <a:effectLst/>
+      </c:spPr>
+    </c:plotArea>
+    <c:legend>
+      <c:legendPos val="b"/>
+      <c:layout/>
+      <c:overlay val="0"/>
+      <c:spPr>
+        <a:noFill/>
+        <a:ln>
+          <a:noFill/>
+        </a:ln>
+        <a:effectLst/>
+      </c:spPr>
+      <c:txPr>
+        <a:bodyPr rot="0" spcFirstLastPara="1" vertOverflow="ellipsis" vert="horz" wrap="square" anchor="ctr" anchorCtr="1"/>
+        <a:lstStyle/>
+        <a:p>
+          <a:pPr>
+            <a:defRPr sz="900" b="0" i="0" u="none" strike="noStrike" kern="1200" baseline="0">
+              <a:solidFill>
+                <a:schemeClr val="dk1">
+                  <a:lumMod val="65000"/>
+                  <a:lumOff val="35000"/>
+                </a:schemeClr>
+              </a:solidFill>
+              <a:latin typeface="+mn-lt"/>
+              <a:ea typeface="+mn-ea"/>
+              <a:cs typeface="+mn-cs"/>
+            </a:defRPr>
+          </a:pPr>
+          <a:endParaRPr lang="en-US"/>
+        </a:p>
+      </c:txPr>
+    </c:legend>
+    <c:plotVisOnly val="1"/>
+    <c:dispBlanksAs val="gap"/>
+    <c:showDLblsOverMax val="0"/>
+  </c:chart>
+  <c:spPr>
+    <a:solidFill>
+      <a:schemeClr val="lt1"/>
+    </a:solidFill>
+    <a:ln w="9525" cap="flat" cmpd="sng" algn="ctr">
+      <a:solidFill>
+        <a:schemeClr val="dk1">
+          <a:lumMod val="15000"/>
+          <a:lumOff val="85000"/>
+        </a:schemeClr>
+      </a:solidFill>
+      <a:round/>
+    </a:ln>
+    <a:effectLst/>
+  </c:spPr>
+  <c:txPr>
+    <a:bodyPr/>
+    <a:lstStyle/>
+    <a:p>
+      <a:pPr>
+        <a:defRPr/>
+      </a:pPr>
+      <a:endParaRPr lang="en-US"/>
+    </a:p>
+  </c:txPr>
+  <c:externalData r:id="rId3">
+    <c:autoUpdate val="0"/>
+  </c:externalData>
+</c:chartSpace>
+</file>
+
+<file path=ppt/charts/colors1.xml><?xml version="1.0" encoding="utf-8"?>
+<cs:colorStyle xmlns:cs="http://schemas.microsoft.com/office/drawing/2012/chartStyle" xmlns:a="http://schemas.openxmlformats.org/drawingml/2006/main" meth="cycle" id="10">
+  <a:schemeClr val="accent1"/>
+  <a:schemeClr val="accent2"/>
+  <a:schemeClr val="accent3"/>
+  <a:schemeClr val="accent4"/>
+  <a:schemeClr val="accent5"/>
+  <a:schemeClr val="accent6"/>
+  <cs:variation/>
+  <cs:variation>
+    <a:lumMod val="60000"/>
+  </cs:variation>
+  <cs:variation>
+    <a:lumMod val="80000"/>
+    <a:lumOff val="20000"/>
+  </cs:variation>
+  <cs:variation>
+    <a:lumMod val="80000"/>
+  </cs:variation>
+  <cs:variation>
+    <a:lumMod val="60000"/>
+    <a:lumOff val="40000"/>
+  </cs:variation>
+  <cs:variation>
+    <a:lumMod val="50000"/>
+  </cs:variation>
+  <cs:variation>
+    <a:lumMod val="70000"/>
+    <a:lumOff val="30000"/>
+  </cs:variation>
+  <cs:variation>
+    <a:lumMod val="70000"/>
+  </cs:variation>
+  <cs:variation>
+    <a:lumMod val="50000"/>
+    <a:lumOff val="50000"/>
+  </cs:variation>
+</cs:colorStyle>
+</file>
+
+<file path=ppt/charts/colors2.xml><?xml version="1.0" encoding="utf-8"?>
+<cs:colorStyle xmlns:cs="http://schemas.microsoft.com/office/drawing/2012/chartStyle" xmlns:a="http://schemas.openxmlformats.org/drawingml/2006/main" meth="cycle" id="10">
+  <a:schemeClr val="accent1"/>
+  <a:schemeClr val="accent2"/>
+  <a:schemeClr val="accent3"/>
+  <a:schemeClr val="accent4"/>
+  <a:schemeClr val="accent5"/>
+  <a:schemeClr val="accent6"/>
+  <cs:variation/>
+  <cs:variation>
+    <a:lumMod val="60000"/>
+  </cs:variation>
+  <cs:variation>
+    <a:lumMod val="80000"/>
+    <a:lumOff val="20000"/>
+  </cs:variation>
+  <cs:variation>
+    <a:lumMod val="80000"/>
+  </cs:variation>
+  <cs:variation>
+    <a:lumMod val="60000"/>
+    <a:lumOff val="40000"/>
+  </cs:variation>
+  <cs:variation>
+    <a:lumMod val="50000"/>
+  </cs:variation>
+  <cs:variation>
+    <a:lumMod val="70000"/>
+    <a:lumOff val="30000"/>
+  </cs:variation>
+  <cs:variation>
+    <a:lumMod val="70000"/>
+  </cs:variation>
+  <cs:variation>
+    <a:lumMod val="50000"/>
+    <a:lumOff val="50000"/>
+  </cs:variation>
+</cs:colorStyle>
+</file>
+
+<file path=ppt/charts/colors3.xml><?xml version="1.0" encoding="utf-8"?>
+<cs:colorStyle xmlns:cs="http://schemas.microsoft.com/office/drawing/2012/chartStyle" xmlns:a="http://schemas.openxmlformats.org/drawingml/2006/main" meth="cycle" id="10">
+  <a:schemeClr val="accent1"/>
+  <a:schemeClr val="accent2"/>
+  <a:schemeClr val="accent3"/>
+  <a:schemeClr val="accent4"/>
+  <a:schemeClr val="accent5"/>
+  <a:schemeClr val="accent6"/>
+  <cs:variation/>
+  <cs:variation>
+    <a:lumMod val="60000"/>
+  </cs:variation>
+  <cs:variation>
+    <a:lumMod val="80000"/>
+    <a:lumOff val="20000"/>
+  </cs:variation>
+  <cs:variation>
+    <a:lumMod val="80000"/>
+  </cs:variation>
+  <cs:variation>
+    <a:lumMod val="60000"/>
+    <a:lumOff val="40000"/>
+  </cs:variation>
+  <cs:variation>
+    <a:lumMod val="50000"/>
+  </cs:variation>
+  <cs:variation>
+    <a:lumMod val="70000"/>
+    <a:lumOff val="30000"/>
+  </cs:variation>
+  <cs:variation>
+    <a:lumMod val="70000"/>
+  </cs:variation>
+  <cs:variation>
+    <a:lumMod val="50000"/>
+    <a:lumOff val="50000"/>
+  </cs:variation>
+</cs:colorStyle>
+</file>
+
+<file path=ppt/charts/style1.xml><?xml version="1.0" encoding="utf-8"?>
+<cs:chartStyle xmlns:cs="http://schemas.microsoft.com/office/drawing/2012/chartStyle" xmlns:a="http://schemas.openxmlformats.org/drawingml/2006/main" id="233">
+  <cs:axisTitle>
+    <cs:lnRef idx="0"/>
+    <cs:fillRef idx="0"/>
+    <cs:effectRef idx="0"/>
+    <cs:fontRef idx="minor">
+      <a:schemeClr val="lt1">
+        <a:lumMod val="85000"/>
+      </a:schemeClr>
+    </cs:fontRef>
+    <cs:defRPr sz="900" b="1" kern="1200" cap="all"/>
+  </cs:axisTitle>
+  <cs:categoryAxis>
+    <cs:lnRef idx="0"/>
+    <cs:fillRef idx="0"/>
+    <cs:effectRef idx="0"/>
+    <cs:fontRef idx="minor">
+      <a:schemeClr val="lt1">
+        <a:lumMod val="85000"/>
+      </a:schemeClr>
+    </cs:fontRef>
+    <cs:spPr>
+      <a:ln w="9525" cap="flat" cmpd="sng" algn="ctr">
+        <a:solidFill>
+          <a:schemeClr val="lt1">
+            <a:lumMod val="95000"/>
+            <a:alpha val="10000"/>
+          </a:schemeClr>
+        </a:solidFill>
+        <a:round/>
+      </a:ln>
+    </cs:spPr>
+    <cs:defRPr sz="900" kern="1200"/>
+  </cs:categoryAxis>
+  <cs:chartArea>
+    <cs:lnRef idx="0"/>
+    <cs:fillRef idx="0"/>
+    <cs:effectRef idx="0"/>
+    <cs:fontRef idx="minor">
+      <a:schemeClr val="dk1"/>
+    </cs:fontRef>
+    <cs:spPr>
+      <a:gradFill flip="none" rotWithShape="1">
+        <a:gsLst>
+          <a:gs pos="0">
+            <a:schemeClr val="dk1">
+              <a:lumMod val="65000"/>
+              <a:lumOff val="35000"/>
+            </a:schemeClr>
+          </a:gs>
+          <a:gs pos="100000">
+            <a:schemeClr val="dk1">
+              <a:lumMod val="85000"/>
+              <a:lumOff val="15000"/>
+            </a:schemeClr>
+          </a:gs>
+        </a:gsLst>
+        <a:path path="circle">
+          <a:fillToRect l="50000" t="50000" r="50000" b="50000"/>
+        </a:path>
+        <a:tileRect/>
+      </a:gradFill>
+    </cs:spPr>
+    <cs:defRPr sz="1000" kern="1200"/>
+  </cs:chartArea>
+  <cs:dataLabel>
+    <cs:lnRef idx="0"/>
+    <cs:fillRef idx="0"/>
+    <cs:effectRef idx="0"/>
+    <cs:fontRef idx="minor">
+      <a:schemeClr val="lt1">
+        <a:lumMod val="85000"/>
+      </a:schemeClr>
+    </cs:fontRef>
+    <cs:defRPr sz="900" kern="1200"/>
+  </cs:dataLabel>
+  <cs:dataLabelCallout>
+    <cs:lnRef idx="0"/>
+    <cs:fillRef idx="0"/>
+    <cs:effectRef idx="0"/>
+    <cs:fontRef idx="minor">
+      <a:schemeClr val="dk1">
+        <a:lumMod val="65000"/>
+        <a:lumOff val="35000"/>
+      </a:schemeClr>
+    </cs:fontRef>
+    <cs:spPr>
+      <a:solidFill>
+        <a:schemeClr val="lt1"/>
+      </a:solidFill>
+    </cs:spPr>
+    <cs:defRPr sz="900" kern="1200"/>
+    <cs:bodyPr rot="0" spcFirstLastPara="1" vertOverflow="clip" horzOverflow="clip" vert="horz" wrap="square" lIns="36576" tIns="18288" rIns="36576" bIns="18288" anchor="ctr" anchorCtr="1">
+      <a:spAutoFit/>
+    </cs:bodyPr>
+  </cs:dataLabelCallout>
+  <cs:dataPoint>
+    <cs:lnRef idx="0"/>
+    <cs:fillRef idx="3">
+      <cs:styleClr val="auto"/>
+    </cs:fillRef>
+    <cs:effectRef idx="3"/>
+    <cs:fontRef idx="minor">
+      <a:schemeClr val="tx1"/>
+    </cs:fontRef>
+  </cs:dataPoint>
+  <cs:dataPoint3D>
+    <cs:lnRef idx="0"/>
+    <cs:fillRef idx="3">
+      <cs:styleClr val="auto"/>
+    </cs:fillRef>
+    <cs:effectRef idx="3"/>
+    <cs:fontRef idx="minor">
+      <a:schemeClr val="tx1"/>
+    </cs:fontRef>
+  </cs:dataPoint3D>
+  <cs:dataPointLine>
+    <cs:lnRef idx="0">
+      <cs:styleClr val="auto"/>
+    </cs:lnRef>
+    <cs:fillRef idx="3"/>
+    <cs:effectRef idx="3"/>
+    <cs:fontRef idx="minor">
+      <a:schemeClr val="tx1"/>
+    </cs:fontRef>
+    <cs:spPr>
+      <a:ln w="34925" cap="rnd">
+        <a:solidFill>
+          <a:schemeClr val="phClr"/>
+        </a:solidFill>
+        <a:round/>
+      </a:ln>
+    </cs:spPr>
+  </cs:dataPointLine>
+  <cs:dataPointMarker>
+    <cs:lnRef idx="0">
+      <cs:styleClr val="auto"/>
+    </cs:lnRef>
+    <cs:fillRef idx="3">
+      <cs:styleClr val="auto"/>
+    </cs:fillRef>
+    <cs:effectRef idx="3"/>
+    <cs:fontRef idx="minor">
+      <a:schemeClr val="tx1"/>
+    </cs:fontRef>
+    <cs:spPr>
+      <a:ln w="9525">
+        <a:solidFill>
+          <a:schemeClr val="phClr"/>
+        </a:solidFill>
+        <a:round/>
+      </a:ln>
+    </cs:spPr>
+  </cs:dataPointMarker>
+  <cs:dataPointMarkerLayout symbol="circle" size="6"/>
+  <cs:dataPointWireframe>
+    <cs:lnRef idx="0">
+      <cs:styleClr val="auto"/>
+    </cs:lnRef>
+    <cs:fillRef idx="3"/>
+    <cs:effectRef idx="3"/>
+    <cs:fontRef idx="minor">
+      <a:schemeClr val="tx1"/>
+    </cs:fontRef>
+    <cs:spPr>
+      <a:ln w="9525" cap="rnd">
+        <a:solidFill>
+          <a:schemeClr val="phClr"/>
+        </a:solidFill>
+        <a:round/>
+      </a:ln>
+    </cs:spPr>
+  </cs:dataPointWireframe>
+  <cs:dataTable>
+    <cs:lnRef idx="0"/>
+    <cs:fillRef idx="0"/>
+    <cs:effectRef idx="0"/>
+    <cs:fontRef idx="minor">
+      <a:schemeClr val="lt1">
+        <a:lumMod val="85000"/>
+      </a:schemeClr>
+    </cs:fontRef>
+    <cs:spPr>
+      <a:ln w="9525">
+        <a:solidFill>
+          <a:schemeClr val="lt1">
+            <a:lumMod val="95000"/>
+            <a:alpha val="54000"/>
+          </a:schemeClr>
+        </a:solidFill>
+      </a:ln>
+    </cs:spPr>
+    <cs:defRPr sz="900" kern="1200"/>
+  </cs:dataTable>
+  <cs:downBar>
+    <cs:lnRef idx="0"/>
+    <cs:fillRef idx="0"/>
+    <cs:effectRef idx="0"/>
+    <cs:fontRef idx="minor">
+      <a:schemeClr val="tx1"/>
+    </cs:fontRef>
+    <cs:spPr>
+      <a:solidFill>
+        <a:schemeClr val="dk1">
+          <a:lumMod val="75000"/>
+          <a:lumOff val="25000"/>
+        </a:schemeClr>
+      </a:solidFill>
+      <a:ln w="9525">
+        <a:solidFill>
+          <a:schemeClr val="lt1">
+            <a:lumMod val="95000"/>
+            <a:alpha val="54000"/>
+          </a:schemeClr>
+        </a:solidFill>
+      </a:ln>
+    </cs:spPr>
+  </cs:downBar>
+  <cs:dropLine>
+    <cs:lnRef idx="0"/>
+    <cs:fillRef idx="0"/>
+    <cs:effectRef idx="0"/>
+    <cs:fontRef idx="minor">
+      <a:schemeClr val="tx1"/>
+    </cs:fontRef>
+    <cs:spPr>
+      <a:ln w="9525">
+        <a:solidFill>
+          <a:schemeClr val="lt1">
+            <a:lumMod val="95000"/>
+            <a:alpha val="54000"/>
+          </a:schemeClr>
+        </a:solidFill>
+        <a:prstDash val="dash"/>
+      </a:ln>
+    </cs:spPr>
+  </cs:dropLine>
+  <cs:errorBar>
+    <cs:lnRef idx="0"/>
+    <cs:fillRef idx="0"/>
+    <cs:effectRef idx="0"/>
+    <cs:fontRef idx="minor">
+      <a:schemeClr val="tx1"/>
+    </cs:fontRef>
+    <cs:spPr>
+      <a:ln w="9525" cap="flat" cmpd="sng" algn="ctr">
+        <a:solidFill>
+          <a:schemeClr val="lt1">
+            <a:lumMod val="95000"/>
+          </a:schemeClr>
+        </a:solidFill>
+        <a:round/>
+      </a:ln>
+    </cs:spPr>
+  </cs:errorBar>
+  <cs:floor>
+    <cs:lnRef idx="0"/>
+    <cs:fillRef idx="0"/>
+    <cs:effectRef idx="0"/>
+    <cs:fontRef idx="minor">
+      <a:schemeClr val="tx1"/>
+    </cs:fontRef>
+  </cs:floor>
+  <cs:gridlineMajor>
+    <cs:lnRef idx="0"/>
+    <cs:fillRef idx="0"/>
+    <cs:effectRef idx="0"/>
+    <cs:fontRef idx="minor">
+      <a:schemeClr val="tx1"/>
+    </cs:fontRef>
+    <cs:spPr>
+      <a:ln w="9525" cap="flat" cmpd="sng" algn="ctr">
+        <a:solidFill>
+          <a:schemeClr val="lt1">
+            <a:lumMod val="95000"/>
+            <a:alpha val="10000"/>
+          </a:schemeClr>
+        </a:solidFill>
+        <a:round/>
+      </a:ln>
+    </cs:spPr>
+  </cs:gridlineMajor>
+  <cs:gridlineMinor>
+    <cs:lnRef idx="0"/>
+    <cs:fillRef idx="0"/>
+    <cs:effectRef idx="0"/>
+    <cs:fontRef idx="minor">
+      <a:schemeClr val="tx1"/>
+    </cs:fontRef>
+    <cs:spPr>
+      <a:ln>
+        <a:solidFill>
+          <a:schemeClr val="lt1">
+            <a:lumMod val="95000"/>
+            <a:alpha val="5000"/>
+          </a:schemeClr>
+        </a:solidFill>
+      </a:ln>
+    </cs:spPr>
+  </cs:gridlineMinor>
+  <cs:hiLoLine>
+    <cs:lnRef idx="0"/>
+    <cs:fillRef idx="0"/>
+    <cs:effectRef idx="0"/>
+    <cs:fontRef idx="minor">
+      <a:schemeClr val="tx1"/>
+    </cs:fontRef>
+    <cs:spPr>
+      <a:ln w="9525">
+        <a:solidFill>
+          <a:schemeClr val="lt1">
+            <a:lumMod val="95000"/>
+            <a:alpha val="54000"/>
+          </a:schemeClr>
+        </a:solidFill>
+        <a:prstDash val="dash"/>
+      </a:ln>
+    </cs:spPr>
+  </cs:hiLoLine>
+  <cs:leaderLine>
+    <cs:lnRef idx="0"/>
+    <cs:fillRef idx="0"/>
+    <cs:effectRef idx="0"/>
+    <cs:fontRef idx="minor">
+      <a:schemeClr val="tx1"/>
+    </cs:fontRef>
+    <cs:spPr>
+      <a:ln w="9525">
+        <a:solidFill>
+          <a:schemeClr val="lt1">
+            <a:lumMod val="95000"/>
+            <a:alpha val="54000"/>
+          </a:schemeClr>
+        </a:solidFill>
+      </a:ln>
+    </cs:spPr>
+  </cs:leaderLine>
+  <cs:legend>
+    <cs:lnRef idx="0"/>
+    <cs:fillRef idx="0"/>
+    <cs:effectRef idx="0"/>
+    <cs:fontRef idx="minor">
+      <a:schemeClr val="lt1">
+        <a:lumMod val="85000"/>
+      </a:schemeClr>
+    </cs:fontRef>
+    <cs:defRPr sz="900" kern="1200"/>
+  </cs:legend>
+  <cs:plotArea>
+    <cs:lnRef idx="0"/>
+    <cs:fillRef idx="0"/>
+    <cs:effectRef idx="0"/>
+    <cs:fontRef idx="minor">
+      <a:schemeClr val="tx1"/>
+    </cs:fontRef>
+  </cs:plotArea>
+  <cs:plotArea3D>
+    <cs:lnRef idx="0"/>
+    <cs:fillRef idx="0"/>
+    <cs:effectRef idx="0"/>
+    <cs:fontRef idx="minor">
+      <a:schemeClr val="tx1"/>
+    </cs:fontRef>
+  </cs:plotArea3D>
+  <cs:seriesAxis>
+    <cs:lnRef idx="0"/>
+    <cs:fillRef idx="0"/>
+    <cs:effectRef idx="0"/>
+    <cs:fontRef idx="minor">
+      <a:schemeClr val="lt1">
+        <a:lumMod val="85000"/>
+      </a:schemeClr>
+    </cs:fontRef>
+    <cs:spPr>
+      <a:ln w="12700" cap="flat" cmpd="sng" algn="ctr">
+        <a:solidFill>
+          <a:schemeClr val="lt1">
+            <a:lumMod val="95000"/>
+            <a:alpha val="54000"/>
+          </a:schemeClr>
+        </a:solidFill>
+        <a:round/>
+      </a:ln>
+    </cs:spPr>
+    <cs:defRPr sz="900" kern="1200"/>
+  </cs:seriesAxis>
+  <cs:seriesLine>
+    <cs:lnRef idx="0"/>
+    <cs:fillRef idx="0"/>
+    <cs:effectRef idx="0"/>
+    <cs:fontRef idx="minor">
+      <a:schemeClr val="lt1"/>
+    </cs:fontRef>
+    <cs:spPr>
+      <a:ln w="9525" cap="flat" cmpd="sng" algn="ctr">
+        <a:solidFill>
+          <a:schemeClr val="lt1">
+            <a:lumMod val="95000"/>
+            <a:alpha val="54000"/>
+          </a:schemeClr>
+        </a:solidFill>
+        <a:round/>
+      </a:ln>
+    </cs:spPr>
+  </cs:seriesLine>
+  <cs:title>
+    <cs:lnRef idx="0"/>
+    <cs:fillRef idx="0"/>
+    <cs:effectRef idx="0"/>
+    <cs:fontRef idx="minor">
+      <a:schemeClr val="lt1">
+        <a:lumMod val="95000"/>
+      </a:schemeClr>
+    </cs:fontRef>
+    <cs:defRPr sz="1600" b="1" kern="1200" spc="100" baseline="0">
+      <a:effectLst>
+        <a:outerShdw blurRad="50800" dist="38100" dir="5400000" algn="t" rotWithShape="0">
+          <a:prstClr val="black">
+            <a:alpha val="40000"/>
+          </a:prstClr>
+        </a:outerShdw>
+      </a:effectLst>
+    </cs:defRPr>
+  </cs:title>
+  <cs:trendline>
+    <cs:lnRef idx="0">
+      <cs:styleClr val="auto"/>
+    </cs:lnRef>
+    <cs:fillRef idx="0"/>
+    <cs:effectRef idx="0"/>
+    <cs:fontRef idx="minor">
+      <a:schemeClr val="tx1"/>
+    </cs:fontRef>
+    <cs:spPr>
+      <a:ln w="19050" cap="rnd">
+        <a:solidFill>
+          <a:schemeClr val="phClr"/>
+        </a:solidFill>
+      </a:ln>
+    </cs:spPr>
+  </cs:trendline>
+  <cs:trendlineLabel>
+    <cs:lnRef idx="0"/>
+    <cs:fillRef idx="0"/>
+    <cs:effectRef idx="0"/>
+    <cs:fontRef idx="minor">
+      <a:schemeClr val="lt1">
+        <a:lumMod val="85000"/>
+      </a:schemeClr>
+    </cs:fontRef>
+    <cs:defRPr sz="900" kern="1200"/>
+  </cs:trendlineLabel>
+  <cs:upBar>
+    <cs:lnRef idx="0"/>
+    <cs:fillRef idx="0"/>
+    <cs:effectRef idx="0"/>
+    <cs:fontRef idx="minor">
+      <a:schemeClr val="tx1"/>
+    </cs:fontRef>
+    <cs:spPr>
+      <a:solidFill>
+        <a:schemeClr val="lt1"/>
+      </a:solidFill>
+      <a:ln w="9525">
+        <a:solidFill>
+          <a:schemeClr val="lt1">
+            <a:lumMod val="95000"/>
+            <a:alpha val="54000"/>
+          </a:schemeClr>
+        </a:solidFill>
+      </a:ln>
+    </cs:spPr>
+  </cs:upBar>
+  <cs:valueAxis>
+    <cs:lnRef idx="0"/>
+    <cs:fillRef idx="0"/>
+    <cs:effectRef idx="0"/>
+    <cs:fontRef idx="minor">
+      <a:schemeClr val="lt1">
+        <a:lumMod val="85000"/>
+      </a:schemeClr>
+    </cs:fontRef>
+    <cs:defRPr sz="900" kern="1200"/>
+  </cs:valueAxis>
+  <cs:wall>
+    <cs:lnRef idx="0"/>
+    <cs:fillRef idx="0"/>
+    <cs:effectRef idx="0"/>
+    <cs:fontRef idx="minor">
+      <a:schemeClr val="tx1"/>
+    </cs:fontRef>
+  </cs:wall>
+</cs:chartStyle>
+</file>
+
+<file path=ppt/charts/style2.xml><?xml version="1.0" encoding="utf-8"?>
+<cs:chartStyle xmlns:cs="http://schemas.microsoft.com/office/drawing/2012/chartStyle" xmlns:a="http://schemas.openxmlformats.org/drawingml/2006/main" id="227">
+  <cs:axisTitle>
+    <cs:lnRef idx="0"/>
+    <cs:fillRef idx="0"/>
+    <cs:effectRef idx="0"/>
+    <cs:fontRef idx="minor">
+      <a:schemeClr val="tx1">
+        <a:lumMod val="65000"/>
+        <a:lumOff val="35000"/>
+      </a:schemeClr>
+    </cs:fontRef>
+    <cs:defRPr sz="1000" kern="1200"/>
+  </cs:axisTitle>
+  <cs:categoryAxis>
+    <cs:lnRef idx="0"/>
+    <cs:fillRef idx="0"/>
+    <cs:effectRef idx="0"/>
+    <cs:fontRef idx="minor">
+      <a:schemeClr val="tx1">
+        <a:lumMod val="65000"/>
+        <a:lumOff val="35000"/>
+      </a:schemeClr>
+    </cs:fontRef>
+    <cs:spPr>
+      <a:ln w="9525" cap="flat" cmpd="sng" algn="ctr">
+        <a:solidFill>
+          <a:schemeClr val="tx1">
+            <a:lumMod val="15000"/>
+            <a:lumOff val="85000"/>
+          </a:schemeClr>
+        </a:solidFill>
+        <a:round/>
+      </a:ln>
+    </cs:spPr>
+    <cs:defRPr sz="900" kern="1200"/>
+  </cs:categoryAxis>
+  <cs:chartArea mods="allowNoFillOverride allowNoLineOverride">
+    <cs:lnRef idx="0"/>
+    <cs:fillRef idx="0"/>
+    <cs:effectRef idx="0"/>
+    <cs:fontRef idx="minor">
+      <a:schemeClr val="tx1"/>
+    </cs:fontRef>
+    <cs:spPr>
+      <a:solidFill>
+        <a:schemeClr val="bg1"/>
+      </a:solidFill>
+      <a:ln w="9525" cap="flat" cmpd="sng" algn="ctr">
+        <a:solidFill>
+          <a:schemeClr val="tx1">
+            <a:lumMod val="15000"/>
+            <a:lumOff val="85000"/>
+          </a:schemeClr>
+        </a:solidFill>
+        <a:round/>
+      </a:ln>
+    </cs:spPr>
+    <cs:defRPr sz="1000" kern="1200"/>
+  </cs:chartArea>
+  <cs:dataLabel>
+    <cs:lnRef idx="0"/>
+    <cs:fillRef idx="0"/>
+    <cs:effectRef idx="0"/>
+    <cs:fontRef idx="minor">
+      <a:schemeClr val="tx1">
+        <a:lumMod val="75000"/>
+        <a:lumOff val="25000"/>
+      </a:schemeClr>
+    </cs:fontRef>
+    <cs:defRPr sz="900" kern="1200"/>
+  </cs:dataLabel>
+  <cs:dataLabelCallout>
+    <cs:lnRef idx="0"/>
+    <cs:fillRef idx="0"/>
+    <cs:effectRef idx="0"/>
+    <cs:fontRef idx="minor">
+      <a:schemeClr val="dk1">
+        <a:lumMod val="65000"/>
+        <a:lumOff val="35000"/>
+      </a:schemeClr>
+    </cs:fontRef>
+    <cs:spPr>
+      <a:solidFill>
+        <a:schemeClr val="lt1"/>
+      </a:solidFill>
+      <a:ln>
+        <a:solidFill>
+          <a:schemeClr val="dk1">
+            <a:lumMod val="25000"/>
+            <a:lumOff val="75000"/>
+          </a:schemeClr>
+        </a:solidFill>
+      </a:ln>
+    </cs:spPr>
+    <cs:defRPr sz="900" kern="1200"/>
+    <cs:bodyPr rot="0" spcFirstLastPara="1" vertOverflow="clip" horzOverflow="clip" vert="horz" wrap="square" lIns="36576" tIns="18288" rIns="36576" bIns="18288" anchor="ctr" anchorCtr="1">
+      <a:spAutoFit/>
+    </cs:bodyPr>
+  </cs:dataLabelCallout>
+  <cs:dataPoint>
+    <cs:lnRef idx="0"/>
+    <cs:fillRef idx="1">
+      <cs:styleClr val="auto"/>
+    </cs:fillRef>
+    <cs:effectRef idx="0"/>
+    <cs:fontRef idx="minor">
+      <a:schemeClr val="tx1"/>
+    </cs:fontRef>
+    <cs:spPr>
+      <a:solidFill>
+        <a:schemeClr val="phClr"/>
+      </a:solidFill>
+    </cs:spPr>
+  </cs:dataPoint>
+  <cs:dataPoint3D>
+    <cs:lnRef idx="0"/>
+    <cs:fillRef idx="1">
+      <cs:styleClr val="auto"/>
+    </cs:fillRef>
+    <cs:effectRef idx="0"/>
+    <cs:fontRef idx="minor">
+      <a:schemeClr val="tx1"/>
+    </cs:fontRef>
+    <cs:spPr>
+      <a:solidFill>
+        <a:schemeClr val="phClr"/>
+      </a:solidFill>
+    </cs:spPr>
+  </cs:dataPoint3D>
+  <cs:dataPointLine>
+    <cs:lnRef idx="0">
+      <cs:styleClr val="auto"/>
+    </cs:lnRef>
+    <cs:fillRef idx="1"/>
+    <cs:effectRef idx="0"/>
+    <cs:fontRef idx="minor">
+      <a:schemeClr val="tx1"/>
+    </cs:fontRef>
+    <cs:spPr>
+      <a:ln w="28575" cap="rnd">
+        <a:solidFill>
+          <a:schemeClr val="phClr"/>
+        </a:solidFill>
+        <a:round/>
+      </a:ln>
+    </cs:spPr>
+  </cs:dataPointLine>
+  <cs:dataPointMarker>
+    <cs:lnRef idx="0">
+      <cs:styleClr val="auto"/>
+    </cs:lnRef>
+    <cs:fillRef idx="1">
+      <cs:styleClr val="auto"/>
+    </cs:fillRef>
+    <cs:effectRef idx="0"/>
+    <cs:fontRef idx="minor">
+      <a:schemeClr val="tx1"/>
+    </cs:fontRef>
+    <cs:spPr>
+      <a:solidFill>
+        <a:schemeClr val="phClr"/>
+      </a:solidFill>
+      <a:ln w="9525">
+        <a:solidFill>
+          <a:schemeClr val="phClr"/>
+        </a:solidFill>
+      </a:ln>
+    </cs:spPr>
+  </cs:dataPointMarker>
+  <cs:dataPointMarkerLayout symbol="circle" size="5"/>
+  <cs:dataPointWireframe>
+    <cs:lnRef idx="0">
+      <cs:styleClr val="auto"/>
+    </cs:lnRef>
+    <cs:fillRef idx="1"/>
+    <cs:effectRef idx="0"/>
+    <cs:fontRef idx="minor">
+      <a:schemeClr val="tx1"/>
+    </cs:fontRef>
+    <cs:spPr>
+      <a:ln w="9525" cap="rnd">
+        <a:solidFill>
+          <a:schemeClr val="phClr"/>
+        </a:solidFill>
+        <a:round/>
+      </a:ln>
+    </cs:spPr>
+  </cs:dataPointWireframe>
+  <cs:dataTable>
+    <cs:lnRef idx="0"/>
+    <cs:fillRef idx="0"/>
+    <cs:effectRef idx="0"/>
+    <cs:fontRef idx="minor">
+      <a:schemeClr val="tx1">
+        <a:lumMod val="65000"/>
+        <a:lumOff val="35000"/>
+      </a:schemeClr>
+    </cs:fontRef>
+    <cs:spPr>
+      <a:noFill/>
+      <a:ln w="9525" cap="flat" cmpd="sng" algn="ctr">
+        <a:solidFill>
+          <a:schemeClr val="tx1">
+            <a:lumMod val="15000"/>
+            <a:lumOff val="85000"/>
+          </a:schemeClr>
+        </a:solidFill>
+        <a:round/>
+      </a:ln>
+    </cs:spPr>
+    <cs:defRPr sz="900" kern="1200"/>
+  </cs:dataTable>
+  <cs:downBar>
+    <cs:lnRef idx="0"/>
+    <cs:fillRef idx="0"/>
+    <cs:effectRef idx="0"/>
+    <cs:fontRef idx="minor">
+      <a:schemeClr val="dk1"/>
+    </cs:fontRef>
+    <cs:spPr>
+      <a:solidFill>
+        <a:schemeClr val="dk1">
+          <a:lumMod val="65000"/>
+          <a:lumOff val="35000"/>
+        </a:schemeClr>
+      </a:solidFill>
+      <a:ln w="9525">
+        <a:solidFill>
+          <a:schemeClr val="tx1">
+            <a:lumMod val="65000"/>
+            <a:lumOff val="35000"/>
+          </a:schemeClr>
+        </a:solidFill>
+      </a:ln>
+    </cs:spPr>
+  </cs:downBar>
+  <cs:dropLine>
+    <cs:lnRef idx="0"/>
+    <cs:fillRef idx="0"/>
+    <cs:effectRef idx="0"/>
+    <cs:fontRef idx="minor">
+      <a:schemeClr val="tx1"/>
+    </cs:fontRef>
+    <cs:spPr>
+      <a:ln w="9525" cap="flat" cmpd="sng" algn="ctr">
+        <a:solidFill>
+          <a:schemeClr val="tx1">
+            <a:lumMod val="35000"/>
+            <a:lumOff val="65000"/>
+          </a:schemeClr>
+        </a:solidFill>
+        <a:round/>
+      </a:ln>
+    </cs:spPr>
+  </cs:dropLine>
+  <cs:errorBar>
+    <cs:lnRef idx="0"/>
+    <cs:fillRef idx="0"/>
+    <cs:effectRef idx="0"/>
+    <cs:fontRef idx="minor">
+      <a:schemeClr val="tx1"/>
+    </cs:fontRef>
+    <cs:spPr>
+      <a:ln w="9525" cap="flat" cmpd="sng" algn="ctr">
+        <a:solidFill>
+          <a:schemeClr val="tx1">
+            <a:lumMod val="65000"/>
+            <a:lumOff val="35000"/>
+          </a:schemeClr>
+        </a:solidFill>
+        <a:round/>
+      </a:ln>
+    </cs:spPr>
+  </cs:errorBar>
+  <cs:floor>
+    <cs:lnRef idx="0"/>
+    <cs:fillRef idx="0"/>
+    <cs:effectRef idx="0"/>
+    <cs:fontRef idx="minor">
+      <a:schemeClr val="tx1"/>
+    </cs:fontRef>
+    <cs:spPr>
+      <a:noFill/>
+      <a:ln>
+        <a:noFill/>
+      </a:ln>
+    </cs:spPr>
+  </cs:floor>
+  <cs:gridlineMajor>
+    <cs:lnRef idx="0"/>
+    <cs:fillRef idx="0"/>
+    <cs:effectRef idx="0"/>
+    <cs:fontRef idx="minor">
+      <a:schemeClr val="tx1"/>
+    </cs:fontRef>
+    <cs:spPr>
+      <a:ln w="9525" cap="flat" cmpd="sng" algn="ctr">
+        <a:solidFill>
+          <a:schemeClr val="tx1">
+            <a:lumMod val="15000"/>
+            <a:lumOff val="85000"/>
+          </a:schemeClr>
+        </a:solidFill>
+        <a:round/>
+      </a:ln>
+    </cs:spPr>
+  </cs:gridlineMajor>
+  <cs:gridlineMinor>
+    <cs:lnRef idx="0"/>
+    <cs:fillRef idx="0"/>
+    <cs:effectRef idx="0"/>
+    <cs:fontRef idx="minor">
+      <a:schemeClr val="tx1"/>
+    </cs:fontRef>
+    <cs:spPr>
+      <a:ln w="9525" cap="flat" cmpd="sng" algn="ctr">
+        <a:solidFill>
+          <a:schemeClr val="tx1">
+            <a:lumMod val="5000"/>
+            <a:lumOff val="95000"/>
+          </a:schemeClr>
+        </a:solidFill>
+        <a:round/>
+      </a:ln>
+    </cs:spPr>
+  </cs:gridlineMinor>
+  <cs:hiLoLine>
+    <cs:lnRef idx="0"/>
+    <cs:fillRef idx="0"/>
+    <cs:effectRef idx="0"/>
+    <cs:fontRef idx="minor">
+      <a:schemeClr val="tx1"/>
+    </cs:fontRef>
+    <cs:spPr>
+      <a:ln w="9525" cap="flat" cmpd="sng" algn="ctr">
+        <a:solidFill>
+          <a:schemeClr val="tx1">
+            <a:lumMod val="75000"/>
+            <a:lumOff val="25000"/>
+          </a:schemeClr>
+        </a:solidFill>
+        <a:round/>
+      </a:ln>
+    </cs:spPr>
+  </cs:hiLoLine>
+  <cs:leaderLine>
+    <cs:lnRef idx="0"/>
+    <cs:fillRef idx="0"/>
+    <cs:effectRef idx="0"/>
+    <cs:fontRef idx="minor">
+      <a:schemeClr val="tx1"/>
+    </cs:fontRef>
+    <cs:spPr>
+      <a:ln w="9525" cap="flat" cmpd="sng" algn="ctr">
+        <a:solidFill>
+          <a:schemeClr val="tx1">
+            <a:lumMod val="35000"/>
+            <a:lumOff val="65000"/>
+          </a:schemeClr>
+        </a:solidFill>
+        <a:round/>
+      </a:ln>
+    </cs:spPr>
+  </cs:leaderLine>
+  <cs:legend>
+    <cs:lnRef idx="0"/>
+    <cs:fillRef idx="0"/>
+    <cs:effectRef idx="0"/>
+    <cs:fontRef idx="minor">
+      <a:schemeClr val="tx1">
+        <a:lumMod val="65000"/>
+        <a:lumOff val="35000"/>
+      </a:schemeClr>
+    </cs:fontRef>
+    <cs:defRPr sz="900" kern="1200"/>
+  </cs:legend>
+  <cs:plotArea mods="allowNoFillOverride allowNoLineOverride">
+    <cs:lnRef idx="0"/>
+    <cs:fillRef idx="0"/>
+    <cs:effectRef idx="0"/>
+    <cs:fontRef idx="minor">
+      <a:schemeClr val="tx1"/>
+    </cs:fontRef>
+  </cs:plotArea>
+  <cs:plotArea3D mods="allowNoFillOverride allowNoLineOverride">
+    <cs:lnRef idx="0"/>
+    <cs:fillRef idx="0"/>
+    <cs:effectRef idx="0"/>
+    <cs:fontRef idx="minor">
+      <a:schemeClr val="tx1"/>
+    </cs:fontRef>
+  </cs:plotArea3D>
+  <cs:seriesAxis>
+    <cs:lnRef idx="0"/>
+    <cs:fillRef idx="0"/>
+    <cs:effectRef idx="0"/>
+    <cs:fontRef idx="minor">
+      <a:schemeClr val="tx1">
+        <a:lumMod val="65000"/>
+        <a:lumOff val="35000"/>
+      </a:schemeClr>
+    </cs:fontRef>
+    <cs:defRPr sz="900" kern="1200"/>
+  </cs:seriesAxis>
+  <cs:seriesLine>
+    <cs:lnRef idx="0"/>
+    <cs:fillRef idx="0"/>
+    <cs:effectRef idx="0"/>
+    <cs:fontRef idx="minor">
+      <a:schemeClr val="tx1"/>
+    </cs:fontRef>
+    <cs:spPr>
+      <a:ln w="9525" cap="flat" cmpd="sng" algn="ctr">
+        <a:solidFill>
+          <a:schemeClr val="tx1">
+            <a:lumMod val="35000"/>
+            <a:lumOff val="65000"/>
+          </a:schemeClr>
+        </a:solidFill>
+        <a:round/>
+      </a:ln>
+    </cs:spPr>
+  </cs:seriesLine>
+  <cs:title>
+    <cs:lnRef idx="0"/>
+    <cs:fillRef idx="0"/>
+    <cs:effectRef idx="0"/>
+    <cs:fontRef idx="minor">
+      <a:schemeClr val="tx1">
+        <a:lumMod val="65000"/>
+        <a:lumOff val="35000"/>
+      </a:schemeClr>
+    </cs:fontRef>
+    <cs:defRPr sz="1400" b="0" kern="1200" spc="0" baseline="0"/>
+  </cs:title>
+  <cs:trendline>
+    <cs:lnRef idx="0">
+      <cs:styleClr val="auto"/>
+    </cs:lnRef>
+    <cs:fillRef idx="0"/>
+    <cs:effectRef idx="0"/>
+    <cs:fontRef idx="minor">
+      <a:schemeClr val="tx1"/>
+    </cs:fontRef>
+    <cs:spPr>
+      <a:ln w="19050" cap="rnd">
+        <a:solidFill>
+          <a:schemeClr val="phClr"/>
+        </a:solidFill>
+        <a:prstDash val="sysDot"/>
+      </a:ln>
+    </cs:spPr>
+  </cs:trendline>
+  <cs:trendlineLabel>
+    <cs:lnRef idx="0"/>
+    <cs:fillRef idx="0"/>
+    <cs:effectRef idx="0"/>
+    <cs:fontRef idx="minor">
+      <a:schemeClr val="tx1">
+        <a:lumMod val="65000"/>
+        <a:lumOff val="35000"/>
+      </a:schemeClr>
+    </cs:fontRef>
+    <cs:defRPr sz="900" kern="1200"/>
+  </cs:trendlineLabel>
+  <cs:upBar>
+    <cs:lnRef idx="0"/>
+    <cs:fillRef idx="0"/>
+    <cs:effectRef idx="0"/>
+    <cs:fontRef idx="minor">
+      <a:schemeClr val="dk1"/>
+    </cs:fontRef>
+    <cs:spPr>
+      <a:solidFill>
+        <a:schemeClr val="lt1"/>
+      </a:solidFill>
+      <a:ln w="9525">
+        <a:solidFill>
+          <a:schemeClr val="tx1">
+            <a:lumMod val="15000"/>
+            <a:lumOff val="85000"/>
+          </a:schemeClr>
+        </a:solidFill>
+      </a:ln>
+    </cs:spPr>
+  </cs:upBar>
+  <cs:valueAxis>
+    <cs:lnRef idx="0"/>
+    <cs:fillRef idx="0"/>
+    <cs:effectRef idx="0"/>
+    <cs:fontRef idx="minor">
+      <a:schemeClr val="tx1">
+        <a:lumMod val="65000"/>
+        <a:lumOff val="35000"/>
+      </a:schemeClr>
+    </cs:fontRef>
+    <cs:defRPr sz="900" kern="1200"/>
+  </cs:valueAxis>
+  <cs:wall>
+    <cs:lnRef idx="0"/>
+    <cs:fillRef idx="0"/>
+    <cs:effectRef idx="0"/>
+    <cs:fontRef idx="minor">
+      <a:schemeClr val="tx1"/>
+    </cs:fontRef>
+    <cs:spPr>
+      <a:noFill/>
+      <a:ln>
+        <a:noFill/>
+      </a:ln>
+    </cs:spPr>
+  </cs:wall>
+</cs:chartStyle>
+</file>
+
+<file path=ppt/charts/style3.xml><?xml version="1.0" encoding="utf-8"?>
+<cs:chartStyle xmlns:cs="http://schemas.microsoft.com/office/drawing/2012/chartStyle" xmlns:a="http://schemas.openxmlformats.org/drawingml/2006/main" id="234">
+  <cs:axisTitle>
+    <cs:lnRef idx="0"/>
+    <cs:fillRef idx="0"/>
+    <cs:effectRef idx="0"/>
+    <cs:fontRef idx="minor">
+      <a:schemeClr val="dk1">
+        <a:lumMod val="65000"/>
+        <a:lumOff val="35000"/>
+      </a:schemeClr>
+    </cs:fontRef>
+    <cs:defRPr sz="900" kern="1200"/>
+  </cs:axisTitle>
+  <cs:categoryAxis>
+    <cs:lnRef idx="0"/>
+    <cs:fillRef idx="0"/>
+    <cs:effectRef idx="0"/>
+    <cs:fontRef idx="minor">
+      <a:schemeClr val="dk1">
+        <a:lumMod val="65000"/>
+        <a:lumOff val="35000"/>
+      </a:schemeClr>
+    </cs:fontRef>
+    <cs:spPr>
+      <a:ln w="9525" cap="flat" cmpd="sng" algn="ctr">
+        <a:solidFill>
+          <a:schemeClr val="dk1">
+            <a:lumMod val="15000"/>
+            <a:lumOff val="85000"/>
+          </a:schemeClr>
+        </a:solidFill>
+        <a:round/>
+      </a:ln>
+    </cs:spPr>
+    <cs:defRPr sz="1000" kern="1200"/>
+  </cs:categoryAxis>
+  <cs:chartArea>
+    <cs:lnRef idx="0"/>
+    <cs:fillRef idx="0"/>
+    <cs:effectRef idx="0"/>
+    <cs:fontRef idx="minor">
+      <a:schemeClr val="dk1"/>
+    </cs:fontRef>
+    <cs:spPr>
+      <a:solidFill>
+        <a:schemeClr val="lt1"/>
+      </a:solidFill>
+      <a:ln w="9525" cap="flat" cmpd="sng" algn="ctr">
+        <a:solidFill>
+          <a:schemeClr val="dk1">
+            <a:lumMod val="15000"/>
+            <a:lumOff val="85000"/>
+          </a:schemeClr>
+        </a:solidFill>
+        <a:round/>
+      </a:ln>
+    </cs:spPr>
+    <cs:defRPr sz="900" kern="1200"/>
+  </cs:chartArea>
+  <cs:dataLabel>
+    <cs:lnRef idx="0"/>
+    <cs:fillRef idx="0"/>
+    <cs:effectRef idx="0"/>
+    <cs:fontRef idx="minor">
+      <cs:styleClr val="auto"/>
+    </cs:fontRef>
+    <cs:spPr/>
+    <cs:defRPr sz="900" b="1" i="0" u="none" strike="noStrike" kern="1200" baseline="0"/>
+  </cs:dataLabel>
+  <cs:dataLabelCallout>
+    <cs:lnRef idx="0"/>
+    <cs:fillRef idx="0"/>
+    <cs:effectRef idx="0"/>
+    <cs:fontRef idx="minor">
+      <a:schemeClr val="dk1">
+        <a:lumMod val="65000"/>
+        <a:lumOff val="35000"/>
+      </a:schemeClr>
+    </cs:fontRef>
+    <cs:spPr>
+      <a:solidFill>
+        <a:schemeClr val="lt1"/>
+      </a:solidFill>
+      <a:ln w="9575">
+        <a:solidFill>
+          <a:schemeClr val="lt1">
+            <a:lumMod val="75000"/>
+          </a:schemeClr>
+        </a:solidFill>
+      </a:ln>
+    </cs:spPr>
+    <cs:defRPr sz="900" kern="1200"/>
+    <cs:bodyPr rot="0" spcFirstLastPara="1" vertOverflow="clip" horzOverflow="clip" vert="horz" wrap="square" lIns="36576" tIns="18288" rIns="36576" bIns="18288" anchor="ctr" anchorCtr="1">
+      <a:spAutoFit/>
+    </cs:bodyPr>
+  </cs:dataLabelCallout>
+  <cs:dataPoint>
+    <cs:lnRef idx="0"/>
+    <cs:fillRef idx="0">
+      <cs:styleClr val="auto"/>
+    </cs:fillRef>
+    <cs:effectRef idx="0"/>
+    <cs:fontRef idx="minor">
+      <a:schemeClr val="dk1"/>
+    </cs:fontRef>
+    <cs:spPr>
+      <a:solidFill>
+        <a:schemeClr val="phClr"/>
+      </a:solidFill>
+    </cs:spPr>
+  </cs:dataPoint>
+  <cs:dataPoint3D>
+    <cs:lnRef idx="0"/>
+    <cs:fillRef idx="0">
+      <cs:styleClr val="auto"/>
+    </cs:fillRef>
+    <cs:effectRef idx="0"/>
+    <cs:fontRef idx="minor">
+      <a:schemeClr val="dk1"/>
+    </cs:fontRef>
+    <cs:spPr>
+      <a:solidFill>
+        <a:schemeClr val="phClr"/>
+      </a:solidFill>
+    </cs:spPr>
+  </cs:dataPoint3D>
+  <cs:dataPointLine>
+    <cs:lnRef idx="0">
+      <cs:styleClr val="auto"/>
+    </cs:lnRef>
+    <cs:fillRef idx="0"/>
+    <cs:effectRef idx="0"/>
+    <cs:fontRef idx="minor">
+      <a:schemeClr val="dk1"/>
+    </cs:fontRef>
+    <cs:spPr>
+      <a:ln w="19050" cap="rnd" cmpd="sng" algn="ctr">
+        <a:solidFill>
+          <a:schemeClr val="phClr">
+            <a:shade val="95000"/>
+            <a:satMod val="105000"/>
+          </a:schemeClr>
+        </a:solidFill>
+        <a:round/>
+      </a:ln>
+    </cs:spPr>
+  </cs:dataPointLine>
+  <cs:dataPointMarker>
+    <cs:lnRef idx="0"/>
+    <cs:fillRef idx="0"/>
+    <cs:effectRef idx="0"/>
+    <cs:fontRef idx="minor">
+      <a:schemeClr val="dk1"/>
+    </cs:fontRef>
+    <cs:spPr>
+      <a:solidFill>
+        <a:schemeClr val="lt1"/>
+      </a:solidFill>
+    </cs:spPr>
+  </cs:dataPointMarker>
+  <cs:dataPointMarkerLayout symbol="circle" size="17"/>
+  <cs:dataPointWireframe>
+    <cs:lnRef idx="0">
+      <cs:styleClr val="auto"/>
+    </cs:lnRef>
+    <cs:fillRef idx="1"/>
+    <cs:effectRef idx="0"/>
+    <cs:fontRef idx="minor">
+      <a:schemeClr val="dk1"/>
+    </cs:fontRef>
+    <cs:spPr>
+      <a:ln w="9525">
+        <a:solidFill>
+          <a:schemeClr val="phClr"/>
+        </a:solidFill>
+      </a:ln>
+    </cs:spPr>
+  </cs:dataPointWireframe>
+  <cs:dataTable>
+    <cs:lnRef idx="0"/>
+    <cs:fillRef idx="0"/>
+    <cs:effectRef idx="0"/>
+    <cs:fontRef idx="minor">
+      <a:schemeClr val="dk1">
+        <a:lumMod val="65000"/>
+        <a:lumOff val="35000"/>
+      </a:schemeClr>
+    </cs:fontRef>
+    <cs:spPr>
+      <a:ln w="9525">
+        <a:solidFill>
+          <a:schemeClr val="dk1">
+            <a:lumMod val="15000"/>
+            <a:lumOff val="85000"/>
+          </a:schemeClr>
+        </a:solidFill>
+      </a:ln>
+    </cs:spPr>
+    <cs:defRPr sz="900" kern="1200"/>
+  </cs:dataTable>
+  <cs:downBar>
+    <cs:lnRef idx="0"/>
+    <cs:fillRef idx="0"/>
+    <cs:effectRef idx="0"/>
+    <cs:fontRef idx="minor">
+      <a:schemeClr val="dk1"/>
+    </cs:fontRef>
+    <cs:spPr>
+      <a:solidFill>
+        <a:schemeClr val="dk1">
+          <a:lumMod val="75000"/>
+          <a:lumOff val="25000"/>
+        </a:schemeClr>
+      </a:solidFill>
+      <a:ln w="9525">
+        <a:solidFill>
+          <a:schemeClr val="dk1">
+            <a:lumMod val="50000"/>
+            <a:lumOff val="50000"/>
+          </a:schemeClr>
+        </a:solidFill>
+      </a:ln>
+    </cs:spPr>
+  </cs:downBar>
+  <cs:dropLine>
+    <cs:lnRef idx="0"/>
+    <cs:fillRef idx="0"/>
+    <cs:effectRef idx="0"/>
+    <cs:fontRef idx="minor">
+      <a:schemeClr val="dk1"/>
+    </cs:fontRef>
+    <cs:spPr>
+      <a:ln w="9525">
+        <a:solidFill>
+          <a:schemeClr val="dk1">
+            <a:lumMod val="35000"/>
+            <a:lumOff val="65000"/>
+          </a:schemeClr>
+        </a:solidFill>
+      </a:ln>
+    </cs:spPr>
+  </cs:dropLine>
+  <cs:errorBar>
+    <cs:lnRef idx="0"/>
+    <cs:fillRef idx="0"/>
+    <cs:effectRef idx="0"/>
+    <cs:fontRef idx="minor">
+      <a:schemeClr val="dk1"/>
+    </cs:fontRef>
+    <cs:spPr>
+      <a:ln w="9525">
+        <a:solidFill>
+          <a:schemeClr val="dk1">
+            <a:lumMod val="50000"/>
+            <a:lumOff val="50000"/>
+          </a:schemeClr>
+        </a:solidFill>
+      </a:ln>
+    </cs:spPr>
+  </cs:errorBar>
+  <cs:floor>
+    <cs:lnRef idx="0"/>
+    <cs:fillRef idx="0"/>
+    <cs:effectRef idx="0"/>
+    <cs:fontRef idx="minor">
+      <a:schemeClr val="dk1"/>
+    </cs:fontRef>
+  </cs:floor>
+  <cs:gridlineMajor>
+    <cs:lnRef idx="0"/>
+    <cs:fillRef idx="0"/>
+    <cs:effectRef idx="0"/>
+    <cs:fontRef idx="minor">
+      <a:schemeClr val="dk1"/>
+    </cs:fontRef>
+    <cs:spPr>
+      <a:ln>
+        <a:solidFill>
+          <a:schemeClr val="dk1">
+            <a:lumMod val="15000"/>
+            <a:lumOff val="85000"/>
+          </a:schemeClr>
+        </a:solidFill>
+      </a:ln>
+    </cs:spPr>
+  </cs:gridlineMajor>
+  <cs:gridlineMinor>
+    <cs:lnRef idx="0"/>
+    <cs:fillRef idx="0"/>
+    <cs:effectRef idx="0"/>
+    <cs:fontRef idx="minor">
+      <a:schemeClr val="dk1"/>
+    </cs:fontRef>
+    <cs:spPr>
+      <a:ln>
+        <a:solidFill>
+          <a:schemeClr val="dk1">
+            <a:lumMod val="5000"/>
+            <a:lumOff val="95000"/>
+          </a:schemeClr>
+        </a:solidFill>
+      </a:ln>
+    </cs:spPr>
+  </cs:gridlineMinor>
+  <cs:hiLoLine>
+    <cs:lnRef idx="0"/>
+    <cs:fillRef idx="0"/>
+    <cs:effectRef idx="0"/>
+    <cs:fontRef idx="minor">
+      <a:schemeClr val="dk1"/>
+    </cs:fontRef>
+    <cs:spPr>
+      <a:ln w="9525">
+        <a:solidFill>
+          <a:schemeClr val="dk1">
+            <a:lumMod val="35000"/>
+            <a:lumOff val="65000"/>
+          </a:schemeClr>
+        </a:solidFill>
+      </a:ln>
+    </cs:spPr>
+  </cs:hiLoLine>
+  <cs:leaderLine>
+    <cs:lnRef idx="0"/>
+    <cs:fillRef idx="0"/>
+    <cs:effectRef idx="0"/>
+    <cs:fontRef idx="minor">
+      <a:schemeClr val="dk1"/>
+    </cs:fontRef>
+    <cs:spPr>
+      <a:ln w="9525">
+        <a:solidFill>
+          <a:schemeClr val="dk1">
+            <a:lumMod val="35000"/>
+            <a:lumOff val="65000"/>
+          </a:schemeClr>
+        </a:solidFill>
+      </a:ln>
+    </cs:spPr>
+  </cs:leaderLine>
+  <cs:legend>
+    <cs:lnRef idx="0"/>
+    <cs:fillRef idx="0"/>
+    <cs:effectRef idx="0"/>
+    <cs:fontRef idx="minor">
+      <a:schemeClr val="dk1">
+        <a:lumMod val="65000"/>
+        <a:lumOff val="35000"/>
+      </a:schemeClr>
+    </cs:fontRef>
+    <cs:defRPr sz="900" kern="1200"/>
+  </cs:legend>
+  <cs:plotArea>
+    <cs:lnRef idx="0"/>
+    <cs:fillRef idx="0"/>
+    <cs:effectRef idx="0"/>
+    <cs:fontRef idx="minor">
+      <a:schemeClr val="dk1"/>
+    </cs:fontRef>
+  </cs:plotArea>
+  <cs:plotArea3D>
+    <cs:lnRef idx="0"/>
+    <cs:fillRef idx="0"/>
+    <cs:effectRef idx="0"/>
+    <cs:fontRef idx="minor">
+      <a:schemeClr val="dk1"/>
+    </cs:fontRef>
+  </cs:plotArea3D>
+  <cs:seriesAxis>
+    <cs:lnRef idx="0"/>
+    <cs:fillRef idx="0"/>
+    <cs:effectRef idx="0"/>
+    <cs:fontRef idx="minor">
+      <a:schemeClr val="dk1">
+        <a:lumMod val="65000"/>
+        <a:lumOff val="35000"/>
+      </a:schemeClr>
+    </cs:fontRef>
+    <cs:spPr>
+      <a:ln w="9525" cap="flat" cmpd="sng" algn="ctr">
+        <a:solidFill>
+          <a:schemeClr val="dk1">
+            <a:lumMod val="15000"/>
+            <a:lumOff val="85000"/>
+          </a:schemeClr>
+        </a:solidFill>
+        <a:round/>
+      </a:ln>
+    </cs:spPr>
+    <cs:defRPr sz="900" kern="1200"/>
+  </cs:seriesAxis>
+  <cs:seriesLine>
+    <cs:lnRef idx="0"/>
+    <cs:fillRef idx="0"/>
+    <cs:effectRef idx="0"/>
+    <cs:fontRef idx="minor">
+      <a:schemeClr val="dk1"/>
+    </cs:fontRef>
+    <cs:spPr>
+      <a:ln w="9525">
+        <a:solidFill>
+          <a:schemeClr val="dk1">
+            <a:lumMod val="35000"/>
+            <a:lumOff val="65000"/>
+          </a:schemeClr>
+        </a:solidFill>
+      </a:ln>
+    </cs:spPr>
+  </cs:seriesLine>
+  <cs:title>
+    <cs:lnRef idx="0"/>
+    <cs:fillRef idx="0"/>
+    <cs:effectRef idx="0"/>
+    <cs:fontRef idx="minor">
+      <a:schemeClr val="dk1"/>
+    </cs:fontRef>
+    <cs:defRPr sz="1440" b="0" kern="1200" cap="all" spc="0" baseline="0">
+      <a:gradFill>
+        <a:gsLst>
+          <a:gs pos="0">
+            <a:schemeClr val="dk1">
+              <a:lumMod val="50000"/>
+              <a:lumOff val="50000"/>
+            </a:schemeClr>
+          </a:gs>
+          <a:gs pos="100000">
+            <a:schemeClr val="dk1">
+              <a:lumMod val="85000"/>
+              <a:lumOff val="15000"/>
+            </a:schemeClr>
+          </a:gs>
+        </a:gsLst>
+        <a:lin ang="5400000" scaled="0"/>
+      </a:gradFill>
+    </cs:defRPr>
+  </cs:title>
+  <cs:trendline>
+    <cs:lnRef idx="0">
+      <cs:styleClr val="auto"/>
+    </cs:lnRef>
+    <cs:fillRef idx="0"/>
+    <cs:effectRef idx="0"/>
+    <cs:fontRef idx="minor">
+      <a:schemeClr val="dk1"/>
+    </cs:fontRef>
+    <cs:spPr>
+      <a:ln w="9525" cap="rnd">
+        <a:solidFill>
+          <a:schemeClr val="phClr"/>
+        </a:solidFill>
+      </a:ln>
+    </cs:spPr>
+  </cs:trendline>
+  <cs:trendlineLabel>
+    <cs:lnRef idx="0"/>
+    <cs:fillRef idx="0"/>
+    <cs:effectRef idx="0"/>
+    <cs:fontRef idx="minor">
+      <a:schemeClr val="dk1">
+        <a:lumMod val="65000"/>
+        <a:lumOff val="35000"/>
+      </a:schemeClr>
+    </cs:fontRef>
+    <cs:defRPr sz="900" kern="1200"/>
+  </cs:trendlineLabel>
+  <cs:upBar>
+    <cs:lnRef idx="0"/>
+    <cs:fillRef idx="0"/>
+    <cs:effectRef idx="0"/>
+    <cs:fontRef idx="minor">
+      <a:schemeClr val="dk1"/>
+    </cs:fontRef>
+    <cs:spPr>
+      <a:solidFill>
+        <a:schemeClr val="lt1"/>
+      </a:solidFill>
+      <a:ln w="9525">
+        <a:solidFill>
+          <a:schemeClr val="dk1">
+            <a:lumMod val="50000"/>
+            <a:lumOff val="50000"/>
+          </a:schemeClr>
+        </a:solidFill>
+      </a:ln>
+    </cs:spPr>
+  </cs:upBar>
+  <cs:valueAxis>
+    <cs:lnRef idx="0"/>
+    <cs:fillRef idx="0"/>
+    <cs:effectRef idx="0"/>
+    <cs:fontRef idx="minor">
+      <a:schemeClr val="dk1">
+        <a:lumMod val="65000"/>
+        <a:lumOff val="35000"/>
+      </a:schemeClr>
+    </cs:fontRef>
+    <cs:defRPr sz="900" kern="1200"/>
+  </cs:valueAxis>
+  <cs:wall>
+    <cs:lnRef idx="0"/>
+    <cs:fillRef idx="0"/>
+    <cs:effectRef idx="0"/>
+    <cs:fontRef idx="minor">
+      <a:schemeClr val="dk1"/>
+    </cs:fontRef>
+  </cs:wall>
+</cs:chartStyle>
 </file>
 
 <file path=ppt/slideLayouts/slideLayout1.xml><?xml version="1.0" encoding="utf-8"?>
@@ -16130,8 +19868,8 @@
               <a:t>Social Media </a:t>
             </a:r>
             <a:r>
-              <a:rPr lang="en-US" dirty="0" err="1" smtClean="0"/>
-              <a:t>ClusterFucking</a:t>
+              <a:rPr lang="en-US" dirty="0" smtClean="0"/>
+              <a:t>Clustering</a:t>
             </a:r>
             <a:endParaRPr lang="en-US" dirty="0"/>
           </a:p>
@@ -16222,7 +19960,7 @@
           <a:p>
             <a:r>
               <a:rPr lang="en-US" dirty="0" smtClean="0"/>
-              <a:t>Group Average</a:t>
+              <a:t>Time Complexity</a:t>
             </a:r>
             <a:endParaRPr lang="en-US" dirty="0"/>
           </a:p>
@@ -16230,12 +19968,12 @@
       </p:sp>
       <p:sp>
         <p:nvSpPr>
-          <p:cNvPr id="3" name="Text Placeholder 2"/>
+          <p:cNvPr id="3" name="Content Placeholder 2"/>
           <p:cNvSpPr>
             <a:spLocks noGrp="1"/>
           </p:cNvSpPr>
           <p:nvPr>
-            <p:ph type="body" idx="1"/>
+            <p:ph idx="1"/>
           </p:nvPr>
         </p:nvSpPr>
         <p:spPr/>
@@ -16245,20 +19983,60 @@
           <a:p>
             <a:r>
               <a:rPr lang="en-US" dirty="0" smtClean="0"/>
-              <a:t>Zach </a:t>
-            </a:r>
-            <a:r>
-              <a:rPr lang="en-US" dirty="0" err="1" smtClean="0"/>
-              <a:t>Brueske</a:t>
+              <a:t>PAM does not do large data sets well</a:t>
+            </a:r>
+          </a:p>
+          <a:p>
+            <a:r>
+              <a:rPr lang="en-US" dirty="0" smtClean="0"/>
+              <a:t>O(k(n – k)</a:t>
+            </a:r>
+            <a:r>
+              <a:rPr lang="en-US" baseline="30000" dirty="0" smtClean="0"/>
+              <a:t>2</a:t>
+            </a:r>
+            <a:r>
+              <a:rPr lang="en-US" dirty="0" smtClean="0"/>
+              <a:t>)</a:t>
             </a:r>
             <a:endParaRPr lang="en-US" dirty="0"/>
           </a:p>
         </p:txBody>
       </p:sp>
+      <p:pic>
+        <p:nvPicPr>
+          <p:cNvPr id="5" name="Picture 4"/>
+          <p:cNvPicPr>
+            <a:picLocks noChangeAspect="1"/>
+          </p:cNvPicPr>
+          <p:nvPr/>
+        </p:nvPicPr>
+        <p:blipFill>
+          <a:blip r:embed="rId2">
+            <a:extLst>
+              <a:ext uri="{28A0092B-C50C-407E-A947-70E740481C1C}">
+                <a14:useLocalDpi xmlns:a14="http://schemas.microsoft.com/office/drawing/2010/main" val="0"/>
+              </a:ext>
+            </a:extLst>
+          </a:blip>
+          <a:stretch>
+            <a:fillRect/>
+          </a:stretch>
+        </p:blipFill>
+        <p:spPr>
+          <a:xfrm>
+            <a:off x="5853049" y="2603500"/>
+            <a:ext cx="6228435" cy="3219784"/>
+          </a:xfrm>
+          <a:prstGeom prst="rect">
+            <a:avLst/>
+          </a:prstGeom>
+        </p:spPr>
+      </p:pic>
     </p:spTree>
     <p:extLst>
       <p:ext uri="{BB962C8B-B14F-4D97-AF65-F5344CB8AC3E}">
-        <p14:creationId xmlns:p14="http://schemas.microsoft.com/office/powerpoint/2010/main" val="1216694978"/>
+        <p14:creationId xmlns:p14="http://schemas.microsoft.com/office/powerpoint/2010/main" val="806575683"/>
       </p:ext>
     </p:extLst>
   </p:cSld>
@@ -16309,7 +20087,7 @@
           <a:p>
             <a:r>
               <a:rPr lang="en-US" dirty="0" smtClean="0"/>
-              <a:t>OPTICS</a:t>
+              <a:t>Group Average</a:t>
             </a:r>
             <a:endParaRPr lang="en-US" dirty="0"/>
           </a:p>
@@ -16332,7 +20110,11 @@
           <a:p>
             <a:r>
               <a:rPr lang="en-US" dirty="0" smtClean="0"/>
-              <a:t>Auston Schendzielos</a:t>
+              <a:t>Zach </a:t>
+            </a:r>
+            <a:r>
+              <a:rPr lang="en-US" dirty="0" err="1" smtClean="0"/>
+              <a:t>Brueske</a:t>
             </a:r>
             <a:endParaRPr lang="en-US" dirty="0"/>
           </a:p>
@@ -16341,7 +20123,7 @@
     </p:spTree>
     <p:extLst>
       <p:ext uri="{BB962C8B-B14F-4D97-AF65-F5344CB8AC3E}">
-        <p14:creationId xmlns:p14="http://schemas.microsoft.com/office/powerpoint/2010/main" val="182264284"/>
+        <p14:creationId xmlns:p14="http://schemas.microsoft.com/office/powerpoint/2010/main" val="1216694978"/>
       </p:ext>
     </p:extLst>
   </p:cSld>
@@ -16377,6 +20159,786 @@
       </p:grpSpPr>
       <p:sp>
         <p:nvSpPr>
+          <p:cNvPr id="2" name="Title 1"/>
+          <p:cNvSpPr>
+            <a:spLocks noGrp="1"/>
+          </p:cNvSpPr>
+          <p:nvPr>
+            <p:ph type="title"/>
+          </p:nvPr>
+        </p:nvSpPr>
+        <p:spPr/>
+        <p:txBody>
+          <a:bodyPr/>
+          <a:lstStyle/>
+          <a:p>
+            <a:r>
+              <a:rPr lang="en-US" dirty="0" smtClean="0"/>
+              <a:t>OPTICS</a:t>
+            </a:r>
+            <a:endParaRPr lang="en-US" dirty="0"/>
+          </a:p>
+        </p:txBody>
+      </p:sp>
+      <p:sp>
+        <p:nvSpPr>
+          <p:cNvPr id="3" name="Text Placeholder 2"/>
+          <p:cNvSpPr>
+            <a:spLocks noGrp="1"/>
+          </p:cNvSpPr>
+          <p:nvPr>
+            <p:ph type="body" idx="1"/>
+          </p:nvPr>
+        </p:nvSpPr>
+        <p:spPr/>
+        <p:txBody>
+          <a:bodyPr/>
+          <a:lstStyle/>
+          <a:p>
+            <a:r>
+              <a:rPr lang="en-US" dirty="0" smtClean="0"/>
+              <a:t>The answer to </a:t>
+            </a:r>
+            <a:r>
+              <a:rPr lang="en-US" dirty="0" err="1" smtClean="0"/>
+              <a:t>Dbscan’s</a:t>
+            </a:r>
+            <a:r>
+              <a:rPr lang="en-US" dirty="0" smtClean="0"/>
+              <a:t> weakness</a:t>
+            </a:r>
+            <a:endParaRPr lang="en-US" dirty="0"/>
+          </a:p>
+        </p:txBody>
+      </p:sp>
+    </p:spTree>
+    <p:extLst>
+      <p:ext uri="{BB962C8B-B14F-4D97-AF65-F5344CB8AC3E}">
+        <p14:creationId xmlns:p14="http://schemas.microsoft.com/office/powerpoint/2010/main" val="182264284"/>
+      </p:ext>
+    </p:extLst>
+  </p:cSld>
+  <p:clrMapOvr>
+    <a:masterClrMapping/>
+  </p:clrMapOvr>
+  <p:timing>
+    <p:tnLst>
+      <p:par>
+        <p:cTn id="1" dur="indefinite" restart="never" nodeType="tmRoot"/>
+      </p:par>
+    </p:tnLst>
+  </p:timing>
+</p:sld>
+</file>
+
+<file path=ppt/slides/slide13.xml><?xml version="1.0" encoding="utf-8"?>
+<p:sld xmlns:a="http://schemas.openxmlformats.org/drawingml/2006/main" xmlns:r="http://schemas.openxmlformats.org/officeDocument/2006/relationships" xmlns:p="http://schemas.openxmlformats.org/presentationml/2006/main">
+  <p:cSld>
+    <p:spTree>
+      <p:nvGrpSpPr>
+        <p:cNvPr id="1" name=""/>
+        <p:cNvGrpSpPr/>
+        <p:nvPr/>
+      </p:nvGrpSpPr>
+      <p:grpSpPr>
+        <a:xfrm>
+          <a:off x="0" y="0"/>
+          <a:ext cx="0" cy="0"/>
+          <a:chOff x="0" y="0"/>
+          <a:chExt cx="0" cy="0"/>
+        </a:xfrm>
+      </p:grpSpPr>
+      <p:sp>
+        <p:nvSpPr>
+          <p:cNvPr id="2" name="Title 1"/>
+          <p:cNvSpPr>
+            <a:spLocks noGrp="1"/>
+          </p:cNvSpPr>
+          <p:nvPr>
+            <p:ph type="title"/>
+          </p:nvPr>
+        </p:nvSpPr>
+        <p:spPr/>
+        <p:txBody>
+          <a:bodyPr/>
+          <a:lstStyle/>
+          <a:p>
+            <a:r>
+              <a:rPr lang="en-US" dirty="0" smtClean="0"/>
+              <a:t>Comparisons to DBSCAN</a:t>
+            </a:r>
+            <a:endParaRPr lang="en-US" dirty="0"/>
+          </a:p>
+        </p:txBody>
+      </p:sp>
+      <p:sp>
+        <p:nvSpPr>
+          <p:cNvPr id="4" name="Text Placeholder 3"/>
+          <p:cNvSpPr>
+            <a:spLocks noGrp="1"/>
+          </p:cNvSpPr>
+          <p:nvPr>
+            <p:ph type="body" idx="1"/>
+          </p:nvPr>
+        </p:nvSpPr>
+        <p:spPr/>
+        <p:txBody>
+          <a:bodyPr/>
+          <a:lstStyle/>
+          <a:p>
+            <a:r>
+              <a:rPr lang="en-US" dirty="0" smtClean="0"/>
+              <a:t>DBSCAN</a:t>
+            </a:r>
+            <a:endParaRPr lang="en-US" dirty="0"/>
+          </a:p>
+        </p:txBody>
+      </p:sp>
+      <p:sp>
+        <p:nvSpPr>
+          <p:cNvPr id="8" name="Text Placeholder 7"/>
+          <p:cNvSpPr>
+            <a:spLocks noGrp="1"/>
+          </p:cNvSpPr>
+          <p:nvPr>
+            <p:ph type="body" sz="half" idx="15"/>
+          </p:nvPr>
+        </p:nvSpPr>
+        <p:spPr/>
+        <p:txBody>
+          <a:bodyPr/>
+          <a:lstStyle/>
+          <a:p>
+            <a:pPr marL="285750" indent="-285750">
+              <a:buFont typeface="Arial" panose="020B0604020202020204" pitchFamily="34" charset="0"/>
+              <a:buChar char="•"/>
+            </a:pPr>
+            <a:r>
+              <a:rPr lang="en-US" dirty="0" smtClean="0"/>
+              <a:t>Not sensitive to differing densities</a:t>
+            </a:r>
+          </a:p>
+          <a:p>
+            <a:pPr marL="285750" indent="-285750">
+              <a:buFont typeface="Arial" panose="020B0604020202020204" pitchFamily="34" charset="0"/>
+              <a:buChar char="•"/>
+            </a:pPr>
+            <a:endParaRPr lang="en-US" dirty="0"/>
+          </a:p>
+        </p:txBody>
+      </p:sp>
+      <p:sp>
+        <p:nvSpPr>
+          <p:cNvPr id="6" name="Text Placeholder 5"/>
+          <p:cNvSpPr>
+            <a:spLocks noGrp="1"/>
+          </p:cNvSpPr>
+          <p:nvPr>
+            <p:ph type="body" sz="quarter" idx="3"/>
+          </p:nvPr>
+        </p:nvSpPr>
+        <p:spPr/>
+        <p:txBody>
+          <a:bodyPr/>
+          <a:lstStyle/>
+          <a:p>
+            <a:r>
+              <a:rPr lang="en-US" dirty="0" smtClean="0"/>
+              <a:t>OPTICS</a:t>
+            </a:r>
+            <a:endParaRPr lang="en-US" dirty="0"/>
+          </a:p>
+        </p:txBody>
+      </p:sp>
+      <p:sp>
+        <p:nvSpPr>
+          <p:cNvPr id="9" name="Text Placeholder 8"/>
+          <p:cNvSpPr>
+            <a:spLocks noGrp="1"/>
+          </p:cNvSpPr>
+          <p:nvPr>
+            <p:ph type="body" sz="half" idx="16"/>
+          </p:nvPr>
+        </p:nvSpPr>
+        <p:spPr/>
+        <p:txBody>
+          <a:bodyPr/>
+          <a:lstStyle/>
+          <a:p>
+            <a:pPr marL="285750" indent="-285750">
+              <a:buFont typeface="Arial" panose="020B0604020202020204" pitchFamily="34" charset="0"/>
+              <a:buChar char="•"/>
+            </a:pPr>
+            <a:r>
+              <a:rPr lang="en-US" dirty="0" smtClean="0"/>
+              <a:t>Can handle differing densities based off of reachability-distance</a:t>
+            </a:r>
+          </a:p>
+          <a:p>
+            <a:pPr marL="285750" indent="-285750">
+              <a:buFont typeface="Arial" panose="020B0604020202020204" pitchFamily="34" charset="0"/>
+              <a:buChar char="•"/>
+            </a:pPr>
+            <a:endParaRPr lang="en-US" dirty="0" smtClean="0"/>
+          </a:p>
+          <a:p>
+            <a:pPr marL="285750" indent="-285750">
+              <a:buFont typeface="Arial" panose="020B0604020202020204" pitchFamily="34" charset="0"/>
+              <a:buChar char="•"/>
+            </a:pPr>
+            <a:endParaRPr lang="en-US" dirty="0"/>
+          </a:p>
+        </p:txBody>
+      </p:sp>
+      <p:sp>
+        <p:nvSpPr>
+          <p:cNvPr id="3" name="Text Placeholder 2"/>
+          <p:cNvSpPr>
+            <a:spLocks noGrp="1"/>
+          </p:cNvSpPr>
+          <p:nvPr>
+            <p:ph type="body" sz="quarter" idx="13"/>
+          </p:nvPr>
+        </p:nvSpPr>
+        <p:spPr/>
+        <p:txBody>
+          <a:bodyPr/>
+          <a:lstStyle/>
+          <a:p>
+            <a:r>
+              <a:rPr lang="en-US" dirty="0" smtClean="0"/>
+              <a:t>Both</a:t>
+            </a:r>
+            <a:endParaRPr lang="en-US" dirty="0"/>
+          </a:p>
+        </p:txBody>
+      </p:sp>
+      <p:sp>
+        <p:nvSpPr>
+          <p:cNvPr id="10" name="Text Placeholder 9"/>
+          <p:cNvSpPr>
+            <a:spLocks noGrp="1"/>
+          </p:cNvSpPr>
+          <p:nvPr>
+            <p:ph type="body" sz="half" idx="17"/>
+          </p:nvPr>
+        </p:nvSpPr>
+        <p:spPr/>
+        <p:txBody>
+          <a:bodyPr/>
+          <a:lstStyle/>
+          <a:p>
+            <a:pPr marL="285750" indent="-285750">
+              <a:buFont typeface="Arial" panose="020B0604020202020204" pitchFamily="34" charset="0"/>
+              <a:buChar char="•"/>
+            </a:pPr>
+            <a:r>
+              <a:rPr lang="en-US" dirty="0"/>
+              <a:t>O(n*log(n))</a:t>
+            </a:r>
+          </a:p>
+          <a:p>
+            <a:pPr marL="285750" indent="-285750">
+              <a:buFont typeface="Arial" panose="020B0604020202020204" pitchFamily="34" charset="0"/>
+              <a:buChar char="•"/>
+            </a:pPr>
+            <a:r>
+              <a:rPr lang="en-US" dirty="0" smtClean="0"/>
+              <a:t>Good for outlier detection</a:t>
+            </a:r>
+          </a:p>
+          <a:p>
+            <a:pPr marL="285750" indent="-285750">
+              <a:buFont typeface="Arial" panose="020B0604020202020204" pitchFamily="34" charset="0"/>
+              <a:buChar char="•"/>
+            </a:pPr>
+            <a:r>
+              <a:rPr lang="en-US" dirty="0" smtClean="0"/>
+              <a:t>Can handle non-globular shapes</a:t>
+            </a:r>
+          </a:p>
+          <a:p>
+            <a:pPr marL="285750" indent="-285750">
+              <a:buFont typeface="Arial" panose="020B0604020202020204" pitchFamily="34" charset="0"/>
+              <a:buChar char="•"/>
+            </a:pPr>
+            <a:r>
+              <a:rPr lang="en-US" dirty="0" smtClean="0"/>
+              <a:t>Variables </a:t>
+            </a:r>
+            <a:r>
+              <a:rPr lang="en-US" i="1" dirty="0" smtClean="0"/>
+              <a:t>epsilon</a:t>
+            </a:r>
+            <a:r>
+              <a:rPr lang="en-US" dirty="0" smtClean="0"/>
+              <a:t> and </a:t>
+            </a:r>
+            <a:r>
+              <a:rPr lang="en-US" i="1" dirty="0" err="1" smtClean="0"/>
+              <a:t>MinPoints</a:t>
+            </a:r>
+            <a:r>
+              <a:rPr lang="en-US" dirty="0"/>
+              <a:t> </a:t>
+            </a:r>
+            <a:r>
+              <a:rPr lang="en-US" dirty="0" smtClean="0"/>
+              <a:t>are arbitrary</a:t>
+            </a:r>
+          </a:p>
+          <a:p>
+            <a:pPr marL="285750" indent="-285750">
+              <a:buFont typeface="Arial" panose="020B0604020202020204" pitchFamily="34" charset="0"/>
+              <a:buChar char="•"/>
+            </a:pPr>
+            <a:r>
+              <a:rPr lang="en-US" dirty="0" smtClean="0"/>
+              <a:t>Run-time complexity depends highly on </a:t>
+            </a:r>
+            <a:r>
+              <a:rPr lang="en-US" i="1" dirty="0" smtClean="0"/>
+              <a:t>epsilon</a:t>
+            </a:r>
+            <a:r>
+              <a:rPr lang="en-US" dirty="0" smtClean="0"/>
+              <a:t> and </a:t>
+            </a:r>
+            <a:r>
+              <a:rPr lang="en-US" i="1" dirty="0" err="1" smtClean="0"/>
+              <a:t>MinPoints</a:t>
+            </a:r>
+            <a:r>
+              <a:rPr lang="en-US" dirty="0" smtClean="0"/>
+              <a:t> selection</a:t>
+            </a:r>
+            <a:endParaRPr lang="en-US" dirty="0"/>
+          </a:p>
+        </p:txBody>
+      </p:sp>
+    </p:spTree>
+    <p:extLst>
+      <p:ext uri="{BB962C8B-B14F-4D97-AF65-F5344CB8AC3E}">
+        <p14:creationId xmlns:p14="http://schemas.microsoft.com/office/powerpoint/2010/main" val="1979480688"/>
+      </p:ext>
+    </p:extLst>
+  </p:cSld>
+  <p:clrMapOvr>
+    <a:masterClrMapping/>
+  </p:clrMapOvr>
+  <p:timing>
+    <p:tnLst>
+      <p:par>
+        <p:cTn id="1" dur="indefinite" restart="never" nodeType="tmRoot"/>
+      </p:par>
+    </p:tnLst>
+  </p:timing>
+</p:sld>
+</file>
+
+<file path=ppt/slides/slide14.xml><?xml version="1.0" encoding="utf-8"?>
+<p:sld xmlns:a="http://schemas.openxmlformats.org/drawingml/2006/main" xmlns:r="http://schemas.openxmlformats.org/officeDocument/2006/relationships" xmlns:p="http://schemas.openxmlformats.org/presentationml/2006/main">
+  <p:cSld>
+    <p:spTree>
+      <p:nvGrpSpPr>
+        <p:cNvPr id="1" name=""/>
+        <p:cNvGrpSpPr/>
+        <p:nvPr/>
+      </p:nvGrpSpPr>
+      <p:grpSpPr>
+        <a:xfrm>
+          <a:off x="0" y="0"/>
+          <a:ext cx="0" cy="0"/>
+          <a:chOff x="0" y="0"/>
+          <a:chExt cx="0" cy="0"/>
+        </a:xfrm>
+      </p:grpSpPr>
+      <p:sp>
+        <p:nvSpPr>
+          <p:cNvPr id="2" name="Title 1"/>
+          <p:cNvSpPr>
+            <a:spLocks noGrp="1"/>
+          </p:cNvSpPr>
+          <p:nvPr>
+            <p:ph type="title"/>
+          </p:nvPr>
+        </p:nvSpPr>
+        <p:spPr/>
+        <p:txBody>
+          <a:bodyPr/>
+          <a:lstStyle/>
+          <a:p>
+            <a:r>
+              <a:rPr lang="en-US" dirty="0" smtClean="0"/>
+              <a:t>Definitions</a:t>
+            </a:r>
+            <a:endParaRPr lang="en-US" dirty="0"/>
+          </a:p>
+        </p:txBody>
+      </p:sp>
+      <p:pic>
+        <p:nvPicPr>
+          <p:cNvPr id="4" name="Content Placeholder 3"/>
+          <p:cNvPicPr>
+            <a:picLocks noGrp="1" noChangeAspect="1"/>
+          </p:cNvPicPr>
+          <p:nvPr>
+            <p:ph idx="1"/>
+          </p:nvPr>
+        </p:nvPicPr>
+        <p:blipFill>
+          <a:blip r:embed="rId2">
+            <a:extLst>
+              <a:ext uri="{28A0092B-C50C-407E-A947-70E740481C1C}">
+                <a14:useLocalDpi xmlns:a14="http://schemas.microsoft.com/office/drawing/2010/main" val="0"/>
+              </a:ext>
+            </a:extLst>
+          </a:blip>
+          <a:stretch>
+            <a:fillRect/>
+          </a:stretch>
+        </p:blipFill>
+        <p:spPr>
+          <a:xfrm>
+            <a:off x="946554" y="2843203"/>
+            <a:ext cx="9178211" cy="896776"/>
+          </a:xfrm>
+        </p:spPr>
+      </p:pic>
+      <p:pic>
+        <p:nvPicPr>
+          <p:cNvPr id="5" name="Picture 4"/>
+          <p:cNvPicPr>
+            <a:picLocks noChangeAspect="1"/>
+          </p:cNvPicPr>
+          <p:nvPr/>
+        </p:nvPicPr>
+        <p:blipFill>
+          <a:blip r:embed="rId3">
+            <a:extLst>
+              <a:ext uri="{28A0092B-C50C-407E-A947-70E740481C1C}">
+                <a14:useLocalDpi xmlns:a14="http://schemas.microsoft.com/office/drawing/2010/main" val="0"/>
+              </a:ext>
+            </a:extLst>
+          </a:blip>
+          <a:stretch>
+            <a:fillRect/>
+          </a:stretch>
+        </p:blipFill>
+        <p:spPr>
+          <a:xfrm>
+            <a:off x="946554" y="4269090"/>
+            <a:ext cx="8808050" cy="665669"/>
+          </a:xfrm>
+          <a:prstGeom prst="rect">
+            <a:avLst/>
+          </a:prstGeom>
+        </p:spPr>
+      </p:pic>
+    </p:spTree>
+    <p:extLst>
+      <p:ext uri="{BB962C8B-B14F-4D97-AF65-F5344CB8AC3E}">
+        <p14:creationId xmlns:p14="http://schemas.microsoft.com/office/powerpoint/2010/main" val="3213696594"/>
+      </p:ext>
+    </p:extLst>
+  </p:cSld>
+  <p:clrMapOvr>
+    <a:masterClrMapping/>
+  </p:clrMapOvr>
+</p:sld>
+</file>
+
+<file path=ppt/slides/slide15.xml><?xml version="1.0" encoding="utf-8"?>
+<p:sld xmlns:a="http://schemas.openxmlformats.org/drawingml/2006/main" xmlns:r="http://schemas.openxmlformats.org/officeDocument/2006/relationships" xmlns:p="http://schemas.openxmlformats.org/presentationml/2006/main">
+  <p:cSld>
+    <p:spTree>
+      <p:nvGrpSpPr>
+        <p:cNvPr id="1" name=""/>
+        <p:cNvGrpSpPr/>
+        <p:nvPr/>
+      </p:nvGrpSpPr>
+      <p:grpSpPr>
+        <a:xfrm>
+          <a:off x="0" y="0"/>
+          <a:ext cx="0" cy="0"/>
+          <a:chOff x="0" y="0"/>
+          <a:chExt cx="0" cy="0"/>
+        </a:xfrm>
+      </p:grpSpPr>
+      <p:sp>
+        <p:nvSpPr>
+          <p:cNvPr id="2" name="Title 1"/>
+          <p:cNvSpPr>
+            <a:spLocks noGrp="1"/>
+          </p:cNvSpPr>
+          <p:nvPr>
+            <p:ph type="title"/>
+          </p:nvPr>
+        </p:nvSpPr>
+        <p:spPr/>
+        <p:txBody>
+          <a:bodyPr/>
+          <a:lstStyle/>
+          <a:p>
+            <a:r>
+              <a:rPr lang="en-US" dirty="0" smtClean="0"/>
+              <a:t>Algorithm</a:t>
+            </a:r>
+            <a:endParaRPr lang="en-US" dirty="0"/>
+          </a:p>
+        </p:txBody>
+      </p:sp>
+      <p:pic>
+        <p:nvPicPr>
+          <p:cNvPr id="7" name="Content Placeholder 6"/>
+          <p:cNvPicPr>
+            <a:picLocks noGrp="1" noChangeAspect="1"/>
+          </p:cNvPicPr>
+          <p:nvPr>
+            <p:ph sz="half" idx="1"/>
+          </p:nvPr>
+        </p:nvPicPr>
+        <p:blipFill>
+          <a:blip r:embed="rId2">
+            <a:extLst>
+              <a:ext uri="{28A0092B-C50C-407E-A947-70E740481C1C}">
+                <a14:useLocalDpi xmlns:a14="http://schemas.microsoft.com/office/drawing/2010/main" val="0"/>
+              </a:ext>
+            </a:extLst>
+          </a:blip>
+          <a:stretch>
+            <a:fillRect/>
+          </a:stretch>
+        </p:blipFill>
+        <p:spPr>
+          <a:xfrm>
+            <a:off x="675503" y="2537564"/>
+            <a:ext cx="5245407" cy="3217325"/>
+          </a:xfrm>
+        </p:spPr>
+      </p:pic>
+      <p:pic>
+        <p:nvPicPr>
+          <p:cNvPr id="8" name="Content Placeholder 7"/>
+          <p:cNvPicPr>
+            <a:picLocks noGrp="1" noChangeAspect="1"/>
+          </p:cNvPicPr>
+          <p:nvPr>
+            <p:ph sz="half" idx="2"/>
+          </p:nvPr>
+        </p:nvPicPr>
+        <p:blipFill>
+          <a:blip r:embed="rId3">
+            <a:extLst>
+              <a:ext uri="{28A0092B-C50C-407E-A947-70E740481C1C}">
+                <a14:useLocalDpi xmlns:a14="http://schemas.microsoft.com/office/drawing/2010/main" val="0"/>
+              </a:ext>
+            </a:extLst>
+          </a:blip>
+          <a:stretch>
+            <a:fillRect/>
+          </a:stretch>
+        </p:blipFill>
+        <p:spPr>
+          <a:xfrm>
+            <a:off x="5711868" y="3048001"/>
+            <a:ext cx="5510727" cy="2130196"/>
+          </a:xfrm>
+        </p:spPr>
+      </p:pic>
+    </p:spTree>
+    <p:extLst>
+      <p:ext uri="{BB962C8B-B14F-4D97-AF65-F5344CB8AC3E}">
+        <p14:creationId xmlns:p14="http://schemas.microsoft.com/office/powerpoint/2010/main" val="3023477373"/>
+      </p:ext>
+    </p:extLst>
+  </p:cSld>
+  <p:clrMapOvr>
+    <a:masterClrMapping/>
+  </p:clrMapOvr>
+  <p:timing>
+    <p:tnLst>
+      <p:par>
+        <p:cTn id="1" dur="indefinite" restart="never" nodeType="tmRoot"/>
+      </p:par>
+    </p:tnLst>
+  </p:timing>
+</p:sld>
+</file>
+
+<file path=ppt/slides/slide16.xml><?xml version="1.0" encoding="utf-8"?>
+<p:sld xmlns:a="http://schemas.openxmlformats.org/drawingml/2006/main" xmlns:r="http://schemas.openxmlformats.org/officeDocument/2006/relationships" xmlns:p="http://schemas.openxmlformats.org/presentationml/2006/main">
+  <p:cSld>
+    <p:spTree>
+      <p:nvGrpSpPr>
+        <p:cNvPr id="1" name=""/>
+        <p:cNvGrpSpPr/>
+        <p:nvPr/>
+      </p:nvGrpSpPr>
+      <p:grpSpPr>
+        <a:xfrm>
+          <a:off x="0" y="0"/>
+          <a:ext cx="0" cy="0"/>
+          <a:chOff x="0" y="0"/>
+          <a:chExt cx="0" cy="0"/>
+        </a:xfrm>
+      </p:grpSpPr>
+      <p:sp>
+        <p:nvSpPr>
+          <p:cNvPr id="2" name="Title 1"/>
+          <p:cNvSpPr>
+            <a:spLocks noGrp="1"/>
+          </p:cNvSpPr>
+          <p:nvPr>
+            <p:ph type="title"/>
+          </p:nvPr>
+        </p:nvSpPr>
+        <p:spPr/>
+        <p:txBody>
+          <a:bodyPr/>
+          <a:lstStyle/>
+          <a:p>
+            <a:r>
+              <a:rPr lang="en-US" dirty="0" smtClean="0"/>
+              <a:t>Visualization</a:t>
+            </a:r>
+            <a:endParaRPr lang="en-US" dirty="0"/>
+          </a:p>
+        </p:txBody>
+      </p:sp>
+      <p:pic>
+        <p:nvPicPr>
+          <p:cNvPr id="4" name="Content Placeholder 3"/>
+          <p:cNvPicPr>
+            <a:picLocks noGrp="1" noChangeAspect="1"/>
+          </p:cNvPicPr>
+          <p:nvPr>
+            <p:ph idx="1"/>
+          </p:nvPr>
+        </p:nvPicPr>
+        <p:blipFill>
+          <a:blip r:embed="rId2">
+            <a:extLst>
+              <a:ext uri="{28A0092B-C50C-407E-A947-70E740481C1C}">
+                <a14:useLocalDpi xmlns:a14="http://schemas.microsoft.com/office/drawing/2010/main" val="0"/>
+              </a:ext>
+            </a:extLst>
+          </a:blip>
+          <a:stretch>
+            <a:fillRect/>
+          </a:stretch>
+        </p:blipFill>
+        <p:spPr>
+          <a:xfrm>
+            <a:off x="2714733" y="2468979"/>
+            <a:ext cx="5641853" cy="3913286"/>
+          </a:xfrm>
+        </p:spPr>
+      </p:pic>
+    </p:spTree>
+    <p:extLst>
+      <p:ext uri="{BB962C8B-B14F-4D97-AF65-F5344CB8AC3E}">
+        <p14:creationId xmlns:p14="http://schemas.microsoft.com/office/powerpoint/2010/main" val="1066567460"/>
+      </p:ext>
+    </p:extLst>
+  </p:cSld>
+  <p:clrMapOvr>
+    <a:masterClrMapping/>
+  </p:clrMapOvr>
+</p:sld>
+</file>
+
+<file path=ppt/slides/slide17.xml><?xml version="1.0" encoding="utf-8"?>
+<p:sld xmlns:a="http://schemas.openxmlformats.org/drawingml/2006/main" xmlns:r="http://schemas.openxmlformats.org/officeDocument/2006/relationships" xmlns:p="http://schemas.openxmlformats.org/presentationml/2006/main">
+  <p:cSld>
+    <p:spTree>
+      <p:nvGrpSpPr>
+        <p:cNvPr id="1" name=""/>
+        <p:cNvGrpSpPr/>
+        <p:nvPr/>
+      </p:nvGrpSpPr>
+      <p:grpSpPr>
+        <a:xfrm>
+          <a:off x="0" y="0"/>
+          <a:ext cx="0" cy="0"/>
+          <a:chOff x="0" y="0"/>
+          <a:chExt cx="0" cy="0"/>
+        </a:xfrm>
+      </p:grpSpPr>
+      <p:sp>
+        <p:nvSpPr>
+          <p:cNvPr id="2" name="Title 1"/>
+          <p:cNvSpPr>
+            <a:spLocks noGrp="1"/>
+          </p:cNvSpPr>
+          <p:nvPr>
+            <p:ph type="title"/>
+          </p:nvPr>
+        </p:nvSpPr>
+        <p:spPr/>
+        <p:txBody>
+          <a:bodyPr/>
+          <a:lstStyle/>
+          <a:p>
+            <a:r>
+              <a:rPr lang="en-US" dirty="0" smtClean="0"/>
+              <a:t>Results</a:t>
+            </a:r>
+            <a:endParaRPr lang="en-US" dirty="0"/>
+          </a:p>
+        </p:txBody>
+      </p:sp>
+      <p:sp>
+        <p:nvSpPr>
+          <p:cNvPr id="3" name="Text Placeholder 2"/>
+          <p:cNvSpPr>
+            <a:spLocks noGrp="1"/>
+          </p:cNvSpPr>
+          <p:nvPr>
+            <p:ph type="body" idx="1"/>
+          </p:nvPr>
+        </p:nvSpPr>
+        <p:spPr/>
+        <p:txBody>
+          <a:bodyPr/>
+          <a:lstStyle/>
+          <a:p>
+            <a:endParaRPr lang="en-US"/>
+          </a:p>
+        </p:txBody>
+      </p:sp>
+    </p:spTree>
+    <p:extLst>
+      <p:ext uri="{BB962C8B-B14F-4D97-AF65-F5344CB8AC3E}">
+        <p14:creationId xmlns:p14="http://schemas.microsoft.com/office/powerpoint/2010/main" val="499788087"/>
+      </p:ext>
+    </p:extLst>
+  </p:cSld>
+  <p:clrMapOvr>
+    <a:masterClrMapping/>
+  </p:clrMapOvr>
+</p:sld>
+</file>
+
+<file path=ppt/slides/slide18.xml><?xml version="1.0" encoding="utf-8"?>
+<p:sld xmlns:a="http://schemas.openxmlformats.org/drawingml/2006/main" xmlns:r="http://schemas.openxmlformats.org/officeDocument/2006/relationships" xmlns:p="http://schemas.openxmlformats.org/presentationml/2006/main">
+  <p:cSld>
+    <p:spTree>
+      <p:nvGrpSpPr>
+        <p:cNvPr id="1" name=""/>
+        <p:cNvGrpSpPr/>
+        <p:nvPr/>
+      </p:nvGrpSpPr>
+      <p:grpSpPr>
+        <a:xfrm>
+          <a:off x="0" y="0"/>
+          <a:ext cx="0" cy="0"/>
+          <a:chOff x="0" y="0"/>
+          <a:chExt cx="0" cy="0"/>
+        </a:xfrm>
+      </p:grpSpPr>
+      <p:sp>
+        <p:nvSpPr>
           <p:cNvPr id="4" name="Title 3"/>
           <p:cNvSpPr>
             <a:spLocks noGrp="1"/>
@@ -16392,7 +20954,7 @@
           <a:p>
             <a:r>
               <a:rPr lang="en-US" dirty="0" smtClean="0"/>
-              <a:t>Results (PAM)</a:t>
+              <a:t>PAM</a:t>
             </a:r>
             <a:endParaRPr lang="en-US" dirty="0"/>
           </a:p>
@@ -17511,7 +22073,7 @@
 </p:sld>
 </file>
 
-<file path=ppt/slides/slide13.xml><?xml version="1.0" encoding="utf-8"?>
+<file path=ppt/slides/slide19.xml><?xml version="1.0" encoding="utf-8"?>
 <p:sld xmlns:a="http://schemas.openxmlformats.org/drawingml/2006/main" xmlns:r="http://schemas.openxmlformats.org/officeDocument/2006/relationships" xmlns:p="http://schemas.openxmlformats.org/presentationml/2006/main">
   <p:cSld>
     <p:spTree>
@@ -17618,7 +22180,101 @@
 </p:sld>
 </file>
 
-<file path=ppt/slides/slide14.xml><?xml version="1.0" encoding="utf-8"?>
+<file path=ppt/slides/slide2.xml><?xml version="1.0" encoding="utf-8"?>
+<p:sld xmlns:a="http://schemas.openxmlformats.org/drawingml/2006/main" xmlns:r="http://schemas.openxmlformats.org/officeDocument/2006/relationships" xmlns:p="http://schemas.openxmlformats.org/presentationml/2006/main">
+  <p:cSld>
+    <p:spTree>
+      <p:nvGrpSpPr>
+        <p:cNvPr id="1" name=""/>
+        <p:cNvGrpSpPr/>
+        <p:nvPr/>
+      </p:nvGrpSpPr>
+      <p:grpSpPr>
+        <a:xfrm>
+          <a:off x="0" y="0"/>
+          <a:ext cx="0" cy="0"/>
+          <a:chOff x="0" y="0"/>
+          <a:chExt cx="0" cy="0"/>
+        </a:xfrm>
+      </p:grpSpPr>
+      <p:sp>
+        <p:nvSpPr>
+          <p:cNvPr id="2" name="Title 1"/>
+          <p:cNvSpPr>
+            <a:spLocks noGrp="1"/>
+          </p:cNvSpPr>
+          <p:nvPr>
+            <p:ph type="title"/>
+          </p:nvPr>
+        </p:nvSpPr>
+        <p:spPr/>
+        <p:txBody>
+          <a:bodyPr/>
+          <a:lstStyle/>
+          <a:p>
+            <a:r>
+              <a:rPr lang="en-US" dirty="0" smtClean="0"/>
+              <a:t>Objectives</a:t>
+            </a:r>
+            <a:endParaRPr lang="en-US" dirty="0"/>
+          </a:p>
+        </p:txBody>
+      </p:sp>
+      <p:sp>
+        <p:nvSpPr>
+          <p:cNvPr id="3" name="Content Placeholder 2"/>
+          <p:cNvSpPr>
+            <a:spLocks noGrp="1"/>
+          </p:cNvSpPr>
+          <p:nvPr>
+            <p:ph idx="1"/>
+          </p:nvPr>
+        </p:nvSpPr>
+        <p:spPr/>
+        <p:txBody>
+          <a:bodyPr/>
+          <a:lstStyle/>
+          <a:p>
+            <a:r>
+              <a:rPr lang="en-US" dirty="0" smtClean="0"/>
+              <a:t>Run three clustering algorithms on the data set</a:t>
+            </a:r>
+          </a:p>
+          <a:p>
+            <a:r>
+              <a:rPr lang="en-US" dirty="0" smtClean="0"/>
+              <a:t>Observe and compare difference in output</a:t>
+            </a:r>
+          </a:p>
+          <a:p>
+            <a:endParaRPr lang="en-US" dirty="0"/>
+          </a:p>
+          <a:p>
+            <a:endParaRPr lang="en-US" dirty="0"/>
+          </a:p>
+        </p:txBody>
+      </p:sp>
+    </p:spTree>
+    <p:extLst>
+      <p:ext uri="{BB962C8B-B14F-4D97-AF65-F5344CB8AC3E}">
+        <p14:creationId xmlns:p14="http://schemas.microsoft.com/office/powerpoint/2010/main" val="1890079334"/>
+      </p:ext>
+    </p:extLst>
+  </p:cSld>
+  <p:clrMapOvr>
+    <a:masterClrMapping/>
+  </p:clrMapOvr>
+  <p:timing>
+    <p:tnLst>
+      <p:par>
+        <p:cTn id="1" dur="indefinite" restart="never" nodeType="tmRoot"/>
+      </p:par>
+    </p:tnLst>
+  </p:timing>
+</p:sld>
+</file>
+
+<file path=ppt/slides/slide20.xml><?xml version="1.0" encoding="utf-8"?>
 <p:sld xmlns:a="http://schemas.openxmlformats.org/drawingml/2006/main" xmlns:r="http://schemas.openxmlformats.org/officeDocument/2006/relationships" xmlns:p="http://schemas.openxmlformats.org/presentationml/2006/main">
   <p:cSld>
     <p:spTree>
@@ -17725,7 +22381,7 @@
 </p:sld>
 </file>
 
-<file path=ppt/slides/slide15.xml><?xml version="1.0" encoding="utf-8"?>
+<file path=ppt/slides/slide21.xml><?xml version="1.0" encoding="utf-8"?>
 <p:sld xmlns:a="http://schemas.openxmlformats.org/drawingml/2006/main" xmlns:r="http://schemas.openxmlformats.org/officeDocument/2006/relationships" xmlns:p="http://schemas.openxmlformats.org/presentationml/2006/main">
   <p:cSld>
     <p:spTree>
@@ -17829,7 +22485,7 @@
 </p:sld>
 </file>
 
-<file path=ppt/slides/slide16.xml><?xml version="1.0" encoding="utf-8"?>
+<file path=ppt/slides/slide22.xml><?xml version="1.0" encoding="utf-8"?>
 <p:sld xmlns:a="http://schemas.openxmlformats.org/drawingml/2006/main" xmlns:r="http://schemas.openxmlformats.org/officeDocument/2006/relationships" xmlns:p="http://schemas.openxmlformats.org/presentationml/2006/main">
   <p:cSld>
     <p:spTree>
@@ -17863,798 +22519,46 @@
           <a:p>
             <a:r>
               <a:rPr lang="en-US" dirty="0" smtClean="0"/>
-              <a:t>Algorithm</a:t>
+              <a:t>OPTICS</a:t>
             </a:r>
             <a:endParaRPr lang="en-US" dirty="0"/>
           </a:p>
         </p:txBody>
       </p:sp>
-      <p:sp>
-        <p:nvSpPr>
-          <p:cNvPr id="3" name="Content Placeholder 2"/>
-          <p:cNvSpPr>
-            <a:spLocks noGrp="1"/>
-          </p:cNvSpPr>
+      <p:graphicFrame>
+        <p:nvGraphicFramePr>
+          <p:cNvPr id="4" name="Chart 3"/>
+          <p:cNvGraphicFramePr>
+            <a:graphicFrameLocks/>
+          </p:cNvGraphicFramePr>
           <p:nvPr>
-            <p:ph idx="1"/>
+            <p:extLst>
+              <p:ext uri="{D42A27DB-BD31-4B8C-83A1-F6EECF244321}">
+                <p14:modId xmlns:p14="http://schemas.microsoft.com/office/powerpoint/2010/main" val="2223323624"/>
+              </p:ext>
+            </p:extLst>
           </p:nvPr>
-        </p:nvSpPr>
-        <p:spPr/>
-        <p:txBody>
-          <a:bodyPr/>
-          <a:lstStyle/>
-          <a:p>
-            <a:endParaRPr lang="en-US"/>
-          </a:p>
-        </p:txBody>
-      </p:sp>
+        </p:nvGraphicFramePr>
+        <p:xfrm>
+          <a:off x="2364260" y="2594918"/>
+          <a:ext cx="6874862" cy="3952167"/>
+        </p:xfrm>
+        <a:graphic>
+          <a:graphicData uri="http://schemas.openxmlformats.org/drawingml/2006/chart">
+            <c:chart xmlns:c="http://schemas.openxmlformats.org/drawingml/2006/chart" xmlns:r="http://schemas.openxmlformats.org/officeDocument/2006/relationships" r:id="rId2"/>
+          </a:graphicData>
+        </a:graphic>
+      </p:graphicFrame>
     </p:spTree>
     <p:extLst>
       <p:ext uri="{BB962C8B-B14F-4D97-AF65-F5344CB8AC3E}">
-        <p14:creationId xmlns:p14="http://schemas.microsoft.com/office/powerpoint/2010/main" val="3023477373"/>
+        <p14:creationId xmlns:p14="http://schemas.microsoft.com/office/powerpoint/2010/main" val="3156488886"/>
       </p:ext>
     </p:extLst>
   </p:cSld>
   <p:clrMapOvr>
     <a:masterClrMapping/>
   </p:clrMapOvr>
-  <p:timing>
-    <p:tnLst>
-      <p:par>
-        <p:cTn id="1" dur="indefinite" restart="never" nodeType="tmRoot"/>
-      </p:par>
-    </p:tnLst>
-  </p:timing>
-</p:sld>
-</file>
-
-<file path=ppt/slides/slide17.xml><?xml version="1.0" encoding="utf-8"?>
-<p:sld xmlns:a="http://schemas.openxmlformats.org/drawingml/2006/main" xmlns:r="http://schemas.openxmlformats.org/officeDocument/2006/relationships" xmlns:p="http://schemas.openxmlformats.org/presentationml/2006/main">
-  <p:cSld>
-    <p:spTree>
-      <p:nvGrpSpPr>
-        <p:cNvPr id="1" name=""/>
-        <p:cNvGrpSpPr/>
-        <p:nvPr/>
-      </p:nvGrpSpPr>
-      <p:grpSpPr>
-        <a:xfrm>
-          <a:off x="0" y="0"/>
-          <a:ext cx="0" cy="0"/>
-          <a:chOff x="0" y="0"/>
-          <a:chExt cx="0" cy="0"/>
-        </a:xfrm>
-      </p:grpSpPr>
-      <p:sp>
-        <p:nvSpPr>
-          <p:cNvPr id="2" name="Title 1"/>
-          <p:cNvSpPr>
-            <a:spLocks noGrp="1"/>
-          </p:cNvSpPr>
-          <p:nvPr>
-            <p:ph type="title"/>
-          </p:nvPr>
-        </p:nvSpPr>
-        <p:spPr/>
-        <p:txBody>
-          <a:bodyPr/>
-          <a:lstStyle/>
-          <a:p>
-            <a:r>
-              <a:rPr lang="en-US" dirty="0" smtClean="0"/>
-              <a:t>Visual Stuff</a:t>
-            </a:r>
-            <a:endParaRPr lang="en-US" dirty="0"/>
-          </a:p>
-        </p:txBody>
-      </p:sp>
-      <p:sp>
-        <p:nvSpPr>
-          <p:cNvPr id="3" name="Content Placeholder 2"/>
-          <p:cNvSpPr>
-            <a:spLocks noGrp="1"/>
-          </p:cNvSpPr>
-          <p:nvPr>
-            <p:ph idx="1"/>
-          </p:nvPr>
-        </p:nvSpPr>
-        <p:spPr/>
-        <p:txBody>
-          <a:bodyPr/>
-          <a:lstStyle/>
-          <a:p>
-            <a:endParaRPr lang="en-US"/>
-          </a:p>
-        </p:txBody>
-      </p:sp>
-    </p:spTree>
-    <p:extLst>
-      <p:ext uri="{BB962C8B-B14F-4D97-AF65-F5344CB8AC3E}">
-        <p14:creationId xmlns:p14="http://schemas.microsoft.com/office/powerpoint/2010/main" val="69646937"/>
-      </p:ext>
-    </p:extLst>
-  </p:cSld>
-  <p:clrMapOvr>
-    <a:masterClrMapping/>
-  </p:clrMapOvr>
-  <p:timing>
-    <p:tnLst>
-      <p:par>
-        <p:cTn id="1" dur="indefinite" restart="never" nodeType="tmRoot"/>
-      </p:par>
-    </p:tnLst>
-  </p:timing>
-</p:sld>
-</file>
-
-<file path=ppt/slides/slide18.xml><?xml version="1.0" encoding="utf-8"?>
-<p:sld xmlns:a="http://schemas.openxmlformats.org/drawingml/2006/main" xmlns:r="http://schemas.openxmlformats.org/officeDocument/2006/relationships" xmlns:p="http://schemas.openxmlformats.org/presentationml/2006/main">
-  <p:cSld>
-    <p:spTree>
-      <p:nvGrpSpPr>
-        <p:cNvPr id="1" name=""/>
-        <p:cNvGrpSpPr/>
-        <p:nvPr/>
-      </p:nvGrpSpPr>
-      <p:grpSpPr>
-        <a:xfrm>
-          <a:off x="0" y="0"/>
-          <a:ext cx="0" cy="0"/>
-          <a:chOff x="0" y="0"/>
-          <a:chExt cx="0" cy="0"/>
-        </a:xfrm>
-      </p:grpSpPr>
-      <p:sp>
-        <p:nvSpPr>
-          <p:cNvPr id="2" name="Title 1"/>
-          <p:cNvSpPr>
-            <a:spLocks noGrp="1"/>
-          </p:cNvSpPr>
-          <p:nvPr>
-            <p:ph type="title"/>
-          </p:nvPr>
-        </p:nvSpPr>
-        <p:spPr/>
-        <p:txBody>
-          <a:bodyPr/>
-          <a:lstStyle/>
-          <a:p>
-            <a:r>
-              <a:rPr lang="en-US" dirty="0" smtClean="0"/>
-              <a:t>Complexity Analysis</a:t>
-            </a:r>
-            <a:endParaRPr lang="en-US" dirty="0"/>
-          </a:p>
-        </p:txBody>
-      </p:sp>
-      <p:sp>
-        <p:nvSpPr>
-          <p:cNvPr id="4" name="Text Placeholder 3"/>
-          <p:cNvSpPr>
-            <a:spLocks noGrp="1"/>
-          </p:cNvSpPr>
-          <p:nvPr>
-            <p:ph type="body" idx="1"/>
-          </p:nvPr>
-        </p:nvSpPr>
-        <p:spPr/>
-        <p:txBody>
-          <a:bodyPr/>
-          <a:lstStyle/>
-          <a:p>
-            <a:r>
-              <a:rPr lang="en-US" dirty="0" smtClean="0"/>
-              <a:t>DBSCAN</a:t>
-            </a:r>
-            <a:endParaRPr lang="en-US" dirty="0"/>
-          </a:p>
-        </p:txBody>
-      </p:sp>
-      <p:sp>
-        <p:nvSpPr>
-          <p:cNvPr id="5" name="Content Placeholder 4"/>
-          <p:cNvSpPr>
-            <a:spLocks noGrp="1"/>
-          </p:cNvSpPr>
-          <p:nvPr>
-            <p:ph sz="half" idx="2"/>
-          </p:nvPr>
-        </p:nvSpPr>
-        <p:spPr/>
-        <p:txBody>
-          <a:bodyPr/>
-          <a:lstStyle/>
-          <a:p>
-            <a:endParaRPr lang="en-US" dirty="0"/>
-          </a:p>
-        </p:txBody>
-      </p:sp>
-      <p:sp>
-        <p:nvSpPr>
-          <p:cNvPr id="6" name="Text Placeholder 5"/>
-          <p:cNvSpPr>
-            <a:spLocks noGrp="1"/>
-          </p:cNvSpPr>
-          <p:nvPr>
-            <p:ph type="body" sz="quarter" idx="3"/>
-          </p:nvPr>
-        </p:nvSpPr>
-        <p:spPr/>
-        <p:txBody>
-          <a:bodyPr/>
-          <a:lstStyle/>
-          <a:p>
-            <a:r>
-              <a:rPr lang="en-US" dirty="0" smtClean="0"/>
-              <a:t>OPTICS</a:t>
-            </a:r>
-            <a:endParaRPr lang="en-US" dirty="0"/>
-          </a:p>
-        </p:txBody>
-      </p:sp>
-      <p:sp>
-        <p:nvSpPr>
-          <p:cNvPr id="7" name="Content Placeholder 6"/>
-          <p:cNvSpPr>
-            <a:spLocks noGrp="1"/>
-          </p:cNvSpPr>
-          <p:nvPr>
-            <p:ph sz="quarter" idx="4"/>
-          </p:nvPr>
-        </p:nvSpPr>
-        <p:spPr/>
-        <p:txBody>
-          <a:bodyPr/>
-          <a:lstStyle/>
-          <a:p>
-            <a:endParaRPr lang="en-US"/>
-          </a:p>
-        </p:txBody>
-      </p:sp>
-    </p:spTree>
-    <p:extLst>
-      <p:ext uri="{BB962C8B-B14F-4D97-AF65-F5344CB8AC3E}">
-        <p14:creationId xmlns:p14="http://schemas.microsoft.com/office/powerpoint/2010/main" val="1979480688"/>
-      </p:ext>
-    </p:extLst>
-  </p:cSld>
-  <p:clrMapOvr>
-    <a:masterClrMapping/>
-  </p:clrMapOvr>
-  <p:timing>
-    <p:tnLst>
-      <p:par>
-        <p:cTn id="1" dur="indefinite" restart="never" nodeType="tmRoot"/>
-      </p:par>
-    </p:tnLst>
-  </p:timing>
-</p:sld>
-</file>
-
-<file path=ppt/slides/slide19.xml><?xml version="1.0" encoding="utf-8"?>
-<p:sld xmlns:a="http://schemas.openxmlformats.org/drawingml/2006/main" xmlns:r="http://schemas.openxmlformats.org/officeDocument/2006/relationships" xmlns:p="http://schemas.openxmlformats.org/presentationml/2006/main">
-  <p:cSld>
-    <p:spTree>
-      <p:nvGrpSpPr>
-        <p:cNvPr id="1" name=""/>
-        <p:cNvGrpSpPr/>
-        <p:nvPr/>
-      </p:nvGrpSpPr>
-      <p:grpSpPr>
-        <a:xfrm>
-          <a:off x="0" y="0"/>
-          <a:ext cx="0" cy="0"/>
-          <a:chOff x="0" y="0"/>
-          <a:chExt cx="0" cy="0"/>
-        </a:xfrm>
-      </p:grpSpPr>
-      <p:sp>
-        <p:nvSpPr>
-          <p:cNvPr id="2" name="Title 1"/>
-          <p:cNvSpPr>
-            <a:spLocks noGrp="1"/>
-          </p:cNvSpPr>
-          <p:nvPr>
-            <p:ph type="title"/>
-          </p:nvPr>
-        </p:nvSpPr>
-        <p:spPr/>
-        <p:txBody>
-          <a:bodyPr/>
-          <a:lstStyle/>
-          <a:p>
-            <a:r>
-              <a:rPr lang="en-US" dirty="0" smtClean="0"/>
-              <a:t>Entropy by Cluster</a:t>
-            </a:r>
-            <a:endParaRPr lang="en-US" dirty="0"/>
-          </a:p>
-        </p:txBody>
-      </p:sp>
-      <p:sp>
-        <p:nvSpPr>
-          <p:cNvPr id="3" name="Content Placeholder 2"/>
-          <p:cNvSpPr>
-            <a:spLocks noGrp="1"/>
-          </p:cNvSpPr>
-          <p:nvPr>
-            <p:ph idx="1"/>
-          </p:nvPr>
-        </p:nvSpPr>
-        <p:spPr/>
-        <p:txBody>
-          <a:bodyPr/>
-          <a:lstStyle/>
-          <a:p>
-            <a:endParaRPr lang="en-US"/>
-          </a:p>
-        </p:txBody>
-      </p:sp>
-    </p:spTree>
-    <p:extLst>
-      <p:ext uri="{BB962C8B-B14F-4D97-AF65-F5344CB8AC3E}">
-        <p14:creationId xmlns:p14="http://schemas.microsoft.com/office/powerpoint/2010/main" val="1974077312"/>
-      </p:ext>
-    </p:extLst>
-  </p:cSld>
-  <p:clrMapOvr>
-    <a:masterClrMapping/>
-  </p:clrMapOvr>
-  <p:timing>
-    <p:tnLst>
-      <p:par>
-        <p:cTn id="1" dur="indefinite" restart="never" nodeType="tmRoot"/>
-      </p:par>
-    </p:tnLst>
-  </p:timing>
-</p:sld>
-</file>
-
-<file path=ppt/slides/slide2.xml><?xml version="1.0" encoding="utf-8"?>
-<p:sld xmlns:a="http://schemas.openxmlformats.org/drawingml/2006/main" xmlns:r="http://schemas.openxmlformats.org/officeDocument/2006/relationships" xmlns:p="http://schemas.openxmlformats.org/presentationml/2006/main">
-  <p:cSld>
-    <p:spTree>
-      <p:nvGrpSpPr>
-        <p:cNvPr id="1" name=""/>
-        <p:cNvGrpSpPr/>
-        <p:nvPr/>
-      </p:nvGrpSpPr>
-      <p:grpSpPr>
-        <a:xfrm>
-          <a:off x="0" y="0"/>
-          <a:ext cx="0" cy="0"/>
-          <a:chOff x="0" y="0"/>
-          <a:chExt cx="0" cy="0"/>
-        </a:xfrm>
-      </p:grpSpPr>
-      <p:sp>
-        <p:nvSpPr>
-          <p:cNvPr id="2" name="Title 1"/>
-          <p:cNvSpPr>
-            <a:spLocks noGrp="1"/>
-          </p:cNvSpPr>
-          <p:nvPr>
-            <p:ph type="title"/>
-          </p:nvPr>
-        </p:nvSpPr>
-        <p:spPr/>
-        <p:txBody>
-          <a:bodyPr/>
-          <a:lstStyle/>
-          <a:p>
-            <a:r>
-              <a:rPr lang="en-US" dirty="0" smtClean="0"/>
-              <a:t>Objectives</a:t>
-            </a:r>
-            <a:endParaRPr lang="en-US" dirty="0"/>
-          </a:p>
-        </p:txBody>
-      </p:sp>
-      <p:sp>
-        <p:nvSpPr>
-          <p:cNvPr id="3" name="Content Placeholder 2"/>
-          <p:cNvSpPr>
-            <a:spLocks noGrp="1"/>
-          </p:cNvSpPr>
-          <p:nvPr>
-            <p:ph idx="1"/>
-          </p:nvPr>
-        </p:nvSpPr>
-        <p:spPr/>
-        <p:txBody>
-          <a:bodyPr/>
-          <a:lstStyle/>
-          <a:p>
-            <a:r>
-              <a:rPr lang="en-US" dirty="0" smtClean="0"/>
-              <a:t>Run three clustering algorithms on the data set</a:t>
-            </a:r>
-          </a:p>
-          <a:p>
-            <a:r>
-              <a:rPr lang="en-US" dirty="0" smtClean="0"/>
-              <a:t>Observe and compare difference in output</a:t>
-            </a:r>
-          </a:p>
-          <a:p>
-            <a:endParaRPr lang="en-US" dirty="0"/>
-          </a:p>
-          <a:p>
-            <a:endParaRPr lang="en-US" dirty="0"/>
-          </a:p>
-        </p:txBody>
-      </p:sp>
-    </p:spTree>
-    <p:extLst>
-      <p:ext uri="{BB962C8B-B14F-4D97-AF65-F5344CB8AC3E}">
-        <p14:creationId xmlns:p14="http://schemas.microsoft.com/office/powerpoint/2010/main" val="1890079334"/>
-      </p:ext>
-    </p:extLst>
-  </p:cSld>
-  <p:clrMapOvr>
-    <a:masterClrMapping/>
-  </p:clrMapOvr>
-  <p:timing>
-    <p:tnLst>
-      <p:par>
-        <p:cTn id="1" dur="indefinite" restart="never" nodeType="tmRoot"/>
-      </p:par>
-    </p:tnLst>
-  </p:timing>
-</p:sld>
-</file>
-
-<file path=ppt/slides/slide20.xml><?xml version="1.0" encoding="utf-8"?>
-<p:sld xmlns:a="http://schemas.openxmlformats.org/drawingml/2006/main" xmlns:r="http://schemas.openxmlformats.org/officeDocument/2006/relationships" xmlns:p="http://schemas.openxmlformats.org/presentationml/2006/main">
-  <p:cSld>
-    <p:spTree>
-      <p:nvGrpSpPr>
-        <p:cNvPr id="1" name=""/>
-        <p:cNvGrpSpPr/>
-        <p:nvPr/>
-      </p:nvGrpSpPr>
-      <p:grpSpPr>
-        <a:xfrm>
-          <a:off x="0" y="0"/>
-          <a:ext cx="0" cy="0"/>
-          <a:chOff x="0" y="0"/>
-          <a:chExt cx="0" cy="0"/>
-        </a:xfrm>
-      </p:grpSpPr>
-      <p:sp>
-        <p:nvSpPr>
-          <p:cNvPr id="2" name="Title 1"/>
-          <p:cNvSpPr>
-            <a:spLocks noGrp="1"/>
-          </p:cNvSpPr>
-          <p:nvPr>
-            <p:ph type="title"/>
-          </p:nvPr>
-        </p:nvSpPr>
-        <p:spPr/>
-        <p:txBody>
-          <a:bodyPr/>
-          <a:lstStyle/>
-          <a:p>
-            <a:r>
-              <a:rPr lang="en-US" dirty="0" smtClean="0"/>
-              <a:t>Prediction Assessment </a:t>
-            </a:r>
-            <a:endParaRPr lang="en-US" dirty="0"/>
-          </a:p>
-        </p:txBody>
-      </p:sp>
-      <p:sp>
-        <p:nvSpPr>
-          <p:cNvPr id="3" name="Content Placeholder 2"/>
-          <p:cNvSpPr>
-            <a:spLocks noGrp="1"/>
-          </p:cNvSpPr>
-          <p:nvPr>
-            <p:ph idx="1"/>
-          </p:nvPr>
-        </p:nvSpPr>
-        <p:spPr/>
-        <p:txBody>
-          <a:bodyPr/>
-          <a:lstStyle/>
-          <a:p>
-            <a:endParaRPr lang="en-US"/>
-          </a:p>
-        </p:txBody>
-      </p:sp>
-    </p:spTree>
-    <p:extLst>
-      <p:ext uri="{BB962C8B-B14F-4D97-AF65-F5344CB8AC3E}">
-        <p14:creationId xmlns:p14="http://schemas.microsoft.com/office/powerpoint/2010/main" val="3062305719"/>
-      </p:ext>
-    </p:extLst>
-  </p:cSld>
-  <p:clrMapOvr>
-    <a:masterClrMapping/>
-  </p:clrMapOvr>
-  <p:timing>
-    <p:tnLst>
-      <p:par>
-        <p:cTn id="1" dur="indefinite" restart="never" nodeType="tmRoot"/>
-      </p:par>
-    </p:tnLst>
-  </p:timing>
-</p:sld>
-</file>
-
-<file path=ppt/slides/slide21.xml><?xml version="1.0" encoding="utf-8"?>
-<p:sld xmlns:a="http://schemas.openxmlformats.org/drawingml/2006/main" xmlns:r="http://schemas.openxmlformats.org/officeDocument/2006/relationships" xmlns:p="http://schemas.openxmlformats.org/presentationml/2006/main">
-  <p:cSld>
-    <p:spTree>
-      <p:nvGrpSpPr>
-        <p:cNvPr id="1" name=""/>
-        <p:cNvGrpSpPr/>
-        <p:nvPr/>
-      </p:nvGrpSpPr>
-      <p:grpSpPr>
-        <a:xfrm>
-          <a:off x="0" y="0"/>
-          <a:ext cx="0" cy="0"/>
-          <a:chOff x="0" y="0"/>
-          <a:chExt cx="0" cy="0"/>
-        </a:xfrm>
-      </p:grpSpPr>
-      <p:sp>
-        <p:nvSpPr>
-          <p:cNvPr id="2" name="Title 1"/>
-          <p:cNvSpPr>
-            <a:spLocks noGrp="1"/>
-          </p:cNvSpPr>
-          <p:nvPr>
-            <p:ph type="title"/>
-          </p:nvPr>
-        </p:nvSpPr>
-        <p:spPr/>
-        <p:txBody>
-          <a:bodyPr/>
-          <a:lstStyle/>
-          <a:p>
-            <a:r>
-              <a:rPr lang="en-US" dirty="0" smtClean="0"/>
-              <a:t>Final Analysis</a:t>
-            </a:r>
-            <a:endParaRPr lang="en-US" dirty="0"/>
-          </a:p>
-        </p:txBody>
-      </p:sp>
-      <p:sp>
-        <p:nvSpPr>
-          <p:cNvPr id="3" name="Text Placeholder 2"/>
-          <p:cNvSpPr>
-            <a:spLocks noGrp="1"/>
-          </p:cNvSpPr>
-          <p:nvPr>
-            <p:ph type="body" idx="1"/>
-          </p:nvPr>
-        </p:nvSpPr>
-        <p:spPr/>
-        <p:txBody>
-          <a:bodyPr/>
-          <a:lstStyle/>
-          <a:p>
-            <a:endParaRPr lang="en-US" dirty="0"/>
-          </a:p>
-        </p:txBody>
-      </p:sp>
-    </p:spTree>
-    <p:extLst>
-      <p:ext uri="{BB962C8B-B14F-4D97-AF65-F5344CB8AC3E}">
-        <p14:creationId xmlns:p14="http://schemas.microsoft.com/office/powerpoint/2010/main" val="1509802558"/>
-      </p:ext>
-    </p:extLst>
-  </p:cSld>
-  <p:clrMapOvr>
-    <a:masterClrMapping/>
-  </p:clrMapOvr>
-  <p:timing>
-    <p:tnLst>
-      <p:par>
-        <p:cTn id="1" dur="indefinite" restart="never" nodeType="tmRoot"/>
-      </p:par>
-    </p:tnLst>
-  </p:timing>
-</p:sld>
-</file>
-
-<file path=ppt/slides/slide22.xml><?xml version="1.0" encoding="utf-8"?>
-<p:sld xmlns:a="http://schemas.openxmlformats.org/drawingml/2006/main" xmlns:r="http://schemas.openxmlformats.org/officeDocument/2006/relationships" xmlns:p="http://schemas.openxmlformats.org/presentationml/2006/main">
-  <p:cSld>
-    <p:spTree>
-      <p:nvGrpSpPr>
-        <p:cNvPr id="1" name=""/>
-        <p:cNvGrpSpPr/>
-        <p:nvPr/>
-      </p:nvGrpSpPr>
-      <p:grpSpPr>
-        <a:xfrm>
-          <a:off x="0" y="0"/>
-          <a:ext cx="0" cy="0"/>
-          <a:chOff x="0" y="0"/>
-          <a:chExt cx="0" cy="0"/>
-        </a:xfrm>
-      </p:grpSpPr>
-      <p:sp>
-        <p:nvSpPr>
-          <p:cNvPr id="4" name="Title 3"/>
-          <p:cNvSpPr>
-            <a:spLocks noGrp="1"/>
-          </p:cNvSpPr>
-          <p:nvPr>
-            <p:ph type="title"/>
-          </p:nvPr>
-        </p:nvSpPr>
-        <p:spPr/>
-        <p:txBody>
-          <a:bodyPr/>
-          <a:lstStyle/>
-          <a:p>
-            <a:endParaRPr lang="en-US"/>
-          </a:p>
-        </p:txBody>
-      </p:sp>
-      <p:sp>
-        <p:nvSpPr>
-          <p:cNvPr id="5" name="Text Placeholder 4"/>
-          <p:cNvSpPr>
-            <a:spLocks noGrp="1"/>
-          </p:cNvSpPr>
-          <p:nvPr>
-            <p:ph type="body" idx="1"/>
-          </p:nvPr>
-        </p:nvSpPr>
-        <p:spPr/>
-        <p:txBody>
-          <a:bodyPr/>
-          <a:lstStyle/>
-          <a:p>
-            <a:r>
-              <a:rPr lang="en-US" dirty="0" smtClean="0"/>
-              <a:t>PAM</a:t>
-            </a:r>
-            <a:endParaRPr lang="en-US" dirty="0"/>
-          </a:p>
-        </p:txBody>
-      </p:sp>
-      <p:sp>
-        <p:nvSpPr>
-          <p:cNvPr id="8" name="Text Placeholder 7"/>
-          <p:cNvSpPr>
-            <a:spLocks noGrp="1"/>
-          </p:cNvSpPr>
-          <p:nvPr>
-            <p:ph type="body" sz="half" idx="15"/>
-          </p:nvPr>
-        </p:nvSpPr>
-        <p:spPr/>
-        <p:txBody>
-          <a:bodyPr/>
-          <a:lstStyle/>
-          <a:p>
-            <a:pPr marL="285750" indent="-285750">
-              <a:buFont typeface="Arial" panose="020B0604020202020204" pitchFamily="34" charset="0"/>
-              <a:buChar char="•"/>
-            </a:pPr>
-            <a:r>
-              <a:rPr lang="en-US" dirty="0" smtClean="0"/>
-              <a:t>Entropy</a:t>
-            </a:r>
-          </a:p>
-          <a:p>
-            <a:pPr marL="285750" indent="-285750">
-              <a:buFont typeface="Arial" panose="020B0604020202020204" pitchFamily="34" charset="0"/>
-              <a:buChar char="•"/>
-            </a:pPr>
-            <a:endParaRPr lang="en-US" dirty="0"/>
-          </a:p>
-        </p:txBody>
-      </p:sp>
-      <p:sp>
-        <p:nvSpPr>
-          <p:cNvPr id="6" name="Text Placeholder 5"/>
-          <p:cNvSpPr>
-            <a:spLocks noGrp="1"/>
-          </p:cNvSpPr>
-          <p:nvPr>
-            <p:ph type="body" sz="quarter" idx="3"/>
-          </p:nvPr>
-        </p:nvSpPr>
-        <p:spPr/>
-        <p:txBody>
-          <a:bodyPr/>
-          <a:lstStyle/>
-          <a:p>
-            <a:r>
-              <a:rPr lang="en-US" dirty="0" smtClean="0"/>
-              <a:t>Group Average	</a:t>
-            </a:r>
-            <a:endParaRPr lang="en-US" dirty="0"/>
-          </a:p>
-        </p:txBody>
-      </p:sp>
-      <p:sp>
-        <p:nvSpPr>
-          <p:cNvPr id="9" name="Text Placeholder 8"/>
-          <p:cNvSpPr>
-            <a:spLocks noGrp="1"/>
-          </p:cNvSpPr>
-          <p:nvPr>
-            <p:ph type="body" sz="half" idx="16"/>
-          </p:nvPr>
-        </p:nvSpPr>
-        <p:spPr/>
-        <p:txBody>
-          <a:bodyPr/>
-          <a:lstStyle/>
-          <a:p>
-            <a:endParaRPr lang="en-US" dirty="0"/>
-          </a:p>
-        </p:txBody>
-      </p:sp>
-      <p:sp>
-        <p:nvSpPr>
-          <p:cNvPr id="7" name="Text Placeholder 6"/>
-          <p:cNvSpPr>
-            <a:spLocks noGrp="1"/>
-          </p:cNvSpPr>
-          <p:nvPr>
-            <p:ph type="body" sz="quarter" idx="13"/>
-          </p:nvPr>
-        </p:nvSpPr>
-        <p:spPr/>
-        <p:txBody>
-          <a:bodyPr/>
-          <a:lstStyle/>
-          <a:p>
-            <a:r>
-              <a:rPr lang="en-US" dirty="0" smtClean="0"/>
-              <a:t>OPTICS</a:t>
-            </a:r>
-            <a:endParaRPr lang="en-US" dirty="0"/>
-          </a:p>
-        </p:txBody>
-      </p:sp>
-      <p:sp>
-        <p:nvSpPr>
-          <p:cNvPr id="10" name="Text Placeholder 9"/>
-          <p:cNvSpPr>
-            <a:spLocks noGrp="1"/>
-          </p:cNvSpPr>
-          <p:nvPr>
-            <p:ph type="body" sz="half" idx="17"/>
-          </p:nvPr>
-        </p:nvSpPr>
-        <p:spPr/>
-        <p:txBody>
-          <a:bodyPr/>
-          <a:lstStyle/>
-          <a:p>
-            <a:endParaRPr lang="en-US"/>
-          </a:p>
-        </p:txBody>
-      </p:sp>
-    </p:spTree>
-    <p:extLst>
-      <p:ext uri="{BB962C8B-B14F-4D97-AF65-F5344CB8AC3E}">
-        <p14:creationId xmlns:p14="http://schemas.microsoft.com/office/powerpoint/2010/main" val="3890624472"/>
-      </p:ext>
-    </p:extLst>
-  </p:cSld>
-  <p:clrMapOvr>
-    <a:masterClrMapping/>
-  </p:clrMapOvr>
-  <p:timing>
-    <p:tnLst>
-      <p:par>
-        <p:cTn id="1" dur="indefinite" restart="never" nodeType="tmRoot"/>
-      </p:par>
-    </p:tnLst>
-  </p:timing>
 </p:sld>
 </file>
 
@@ -18692,6 +22596,439 @@
           <a:p>
             <a:r>
               <a:rPr lang="en-US" dirty="0" smtClean="0"/>
+              <a:t>Density Analysis</a:t>
+            </a:r>
+            <a:endParaRPr lang="en-US" dirty="0"/>
+          </a:p>
+        </p:txBody>
+      </p:sp>
+      <p:graphicFrame>
+        <p:nvGraphicFramePr>
+          <p:cNvPr id="3" name="Chart 2"/>
+          <p:cNvGraphicFramePr>
+            <a:graphicFrameLocks/>
+          </p:cNvGraphicFramePr>
+          <p:nvPr>
+            <p:extLst>
+              <p:ext uri="{D42A27DB-BD31-4B8C-83A1-F6EECF244321}">
+                <p14:modId xmlns:p14="http://schemas.microsoft.com/office/powerpoint/2010/main" val="1260048260"/>
+              </p:ext>
+            </p:extLst>
+          </p:nvPr>
+        </p:nvGraphicFramePr>
+        <p:xfrm>
+          <a:off x="1938401" y="2400751"/>
+          <a:ext cx="7491413" cy="4214812"/>
+        </p:xfrm>
+        <a:graphic>
+          <a:graphicData uri="http://schemas.openxmlformats.org/drawingml/2006/chart">
+            <c:chart xmlns:c="http://schemas.openxmlformats.org/drawingml/2006/chart" xmlns:r="http://schemas.openxmlformats.org/officeDocument/2006/relationships" r:id="rId2"/>
+          </a:graphicData>
+        </a:graphic>
+      </p:graphicFrame>
+    </p:spTree>
+    <p:extLst>
+      <p:ext uri="{BB962C8B-B14F-4D97-AF65-F5344CB8AC3E}">
+        <p14:creationId xmlns:p14="http://schemas.microsoft.com/office/powerpoint/2010/main" val="1368876465"/>
+      </p:ext>
+    </p:extLst>
+  </p:cSld>
+  <p:clrMapOvr>
+    <a:masterClrMapping/>
+  </p:clrMapOvr>
+</p:sld>
+</file>
+
+<file path=ppt/slides/slide24.xml><?xml version="1.0" encoding="utf-8"?>
+<p:sld xmlns:a="http://schemas.openxmlformats.org/drawingml/2006/main" xmlns:r="http://schemas.openxmlformats.org/officeDocument/2006/relationships" xmlns:p="http://schemas.openxmlformats.org/presentationml/2006/main">
+  <p:cSld>
+    <p:spTree>
+      <p:nvGrpSpPr>
+        <p:cNvPr id="1" name=""/>
+        <p:cNvGrpSpPr/>
+        <p:nvPr/>
+      </p:nvGrpSpPr>
+      <p:grpSpPr>
+        <a:xfrm>
+          <a:off x="0" y="0"/>
+          <a:ext cx="0" cy="0"/>
+          <a:chOff x="0" y="0"/>
+          <a:chExt cx="0" cy="0"/>
+        </a:xfrm>
+      </p:grpSpPr>
+      <p:sp>
+        <p:nvSpPr>
+          <p:cNvPr id="2" name="Title 1"/>
+          <p:cNvSpPr>
+            <a:spLocks noGrp="1"/>
+          </p:cNvSpPr>
+          <p:nvPr>
+            <p:ph type="title"/>
+          </p:nvPr>
+        </p:nvSpPr>
+        <p:spPr/>
+        <p:txBody>
+          <a:bodyPr/>
+          <a:lstStyle/>
+          <a:p>
+            <a:r>
+              <a:rPr lang="en-US" dirty="0" smtClean="0"/>
+              <a:t>Time Analysis</a:t>
+            </a:r>
+            <a:endParaRPr lang="en-US" dirty="0"/>
+          </a:p>
+        </p:txBody>
+      </p:sp>
+      <p:graphicFrame>
+        <p:nvGraphicFramePr>
+          <p:cNvPr id="3" name="Chart 2"/>
+          <p:cNvGraphicFramePr>
+            <a:graphicFrameLocks/>
+          </p:cNvGraphicFramePr>
+          <p:nvPr>
+            <p:extLst>
+              <p:ext uri="{D42A27DB-BD31-4B8C-83A1-F6EECF244321}">
+                <p14:modId xmlns:p14="http://schemas.microsoft.com/office/powerpoint/2010/main" val="309330561"/>
+              </p:ext>
+            </p:extLst>
+          </p:nvPr>
+        </p:nvGraphicFramePr>
+        <p:xfrm>
+          <a:off x="2307367" y="2344952"/>
+          <a:ext cx="7181850" cy="4095750"/>
+        </p:xfrm>
+        <a:graphic>
+          <a:graphicData uri="http://schemas.openxmlformats.org/drawingml/2006/chart">
+            <c:chart xmlns:c="http://schemas.openxmlformats.org/drawingml/2006/chart" xmlns:r="http://schemas.openxmlformats.org/officeDocument/2006/relationships" r:id="rId2"/>
+          </a:graphicData>
+        </a:graphic>
+      </p:graphicFrame>
+    </p:spTree>
+    <p:extLst>
+      <p:ext uri="{BB962C8B-B14F-4D97-AF65-F5344CB8AC3E}">
+        <p14:creationId xmlns:p14="http://schemas.microsoft.com/office/powerpoint/2010/main" val="357157579"/>
+      </p:ext>
+    </p:extLst>
+  </p:cSld>
+  <p:clrMapOvr>
+    <a:masterClrMapping/>
+  </p:clrMapOvr>
+</p:sld>
+</file>
+
+<file path=ppt/slides/slide25.xml><?xml version="1.0" encoding="utf-8"?>
+<p:sld xmlns:a="http://schemas.openxmlformats.org/drawingml/2006/main" xmlns:r="http://schemas.openxmlformats.org/officeDocument/2006/relationships" xmlns:p="http://schemas.openxmlformats.org/presentationml/2006/main">
+  <p:cSld>
+    <p:spTree>
+      <p:nvGrpSpPr>
+        <p:cNvPr id="1" name=""/>
+        <p:cNvGrpSpPr/>
+        <p:nvPr/>
+      </p:nvGrpSpPr>
+      <p:grpSpPr>
+        <a:xfrm>
+          <a:off x="0" y="0"/>
+          <a:ext cx="0" cy="0"/>
+          <a:chOff x="0" y="0"/>
+          <a:chExt cx="0" cy="0"/>
+        </a:xfrm>
+      </p:grpSpPr>
+      <p:sp>
+        <p:nvSpPr>
+          <p:cNvPr id="2" name="Title 1"/>
+          <p:cNvSpPr>
+            <a:spLocks noGrp="1"/>
+          </p:cNvSpPr>
+          <p:nvPr>
+            <p:ph type="title"/>
+          </p:nvPr>
+        </p:nvSpPr>
+        <p:spPr/>
+        <p:txBody>
+          <a:bodyPr/>
+          <a:lstStyle/>
+          <a:p>
+            <a:r>
+              <a:rPr lang="en-US" dirty="0" smtClean="0"/>
+              <a:t>Final Analysis</a:t>
+            </a:r>
+            <a:endParaRPr lang="en-US" dirty="0"/>
+          </a:p>
+        </p:txBody>
+      </p:sp>
+      <p:sp>
+        <p:nvSpPr>
+          <p:cNvPr id="3" name="Text Placeholder 2"/>
+          <p:cNvSpPr>
+            <a:spLocks noGrp="1"/>
+          </p:cNvSpPr>
+          <p:nvPr>
+            <p:ph type="body" idx="1"/>
+          </p:nvPr>
+        </p:nvSpPr>
+        <p:spPr/>
+        <p:txBody>
+          <a:bodyPr/>
+          <a:lstStyle/>
+          <a:p>
+            <a:endParaRPr lang="en-US" dirty="0"/>
+          </a:p>
+        </p:txBody>
+      </p:sp>
+    </p:spTree>
+    <p:extLst>
+      <p:ext uri="{BB962C8B-B14F-4D97-AF65-F5344CB8AC3E}">
+        <p14:creationId xmlns:p14="http://schemas.microsoft.com/office/powerpoint/2010/main" val="1509802558"/>
+      </p:ext>
+    </p:extLst>
+  </p:cSld>
+  <p:clrMapOvr>
+    <a:masterClrMapping/>
+  </p:clrMapOvr>
+  <p:timing>
+    <p:tnLst>
+      <p:par>
+        <p:cTn id="1" dur="indefinite" restart="never" nodeType="tmRoot"/>
+      </p:par>
+    </p:tnLst>
+  </p:timing>
+</p:sld>
+</file>
+
+<file path=ppt/slides/slide26.xml><?xml version="1.0" encoding="utf-8"?>
+<p:sld xmlns:a="http://schemas.openxmlformats.org/drawingml/2006/main" xmlns:r="http://schemas.openxmlformats.org/officeDocument/2006/relationships" xmlns:p="http://schemas.openxmlformats.org/presentationml/2006/main">
+  <p:cSld>
+    <p:spTree>
+      <p:nvGrpSpPr>
+        <p:cNvPr id="1" name=""/>
+        <p:cNvGrpSpPr/>
+        <p:nvPr/>
+      </p:nvGrpSpPr>
+      <p:grpSpPr>
+        <a:xfrm>
+          <a:off x="0" y="0"/>
+          <a:ext cx="0" cy="0"/>
+          <a:chOff x="0" y="0"/>
+          <a:chExt cx="0" cy="0"/>
+        </a:xfrm>
+      </p:grpSpPr>
+      <p:sp>
+        <p:nvSpPr>
+          <p:cNvPr id="4" name="Title 3"/>
+          <p:cNvSpPr>
+            <a:spLocks noGrp="1"/>
+          </p:cNvSpPr>
+          <p:nvPr>
+            <p:ph type="title"/>
+          </p:nvPr>
+        </p:nvSpPr>
+        <p:spPr/>
+        <p:txBody>
+          <a:bodyPr/>
+          <a:lstStyle/>
+          <a:p>
+            <a:r>
+              <a:rPr lang="en-US" dirty="0" smtClean="0"/>
+              <a:t>Head-to-Head Comparisons</a:t>
+            </a:r>
+            <a:endParaRPr lang="en-US" dirty="0"/>
+          </a:p>
+        </p:txBody>
+      </p:sp>
+      <p:sp>
+        <p:nvSpPr>
+          <p:cNvPr id="5" name="Text Placeholder 4"/>
+          <p:cNvSpPr>
+            <a:spLocks noGrp="1"/>
+          </p:cNvSpPr>
+          <p:nvPr>
+            <p:ph type="body" idx="1"/>
+          </p:nvPr>
+        </p:nvSpPr>
+        <p:spPr/>
+        <p:txBody>
+          <a:bodyPr/>
+          <a:lstStyle/>
+          <a:p>
+            <a:r>
+              <a:rPr lang="en-US" dirty="0" smtClean="0"/>
+              <a:t>PAM</a:t>
+            </a:r>
+            <a:endParaRPr lang="en-US" dirty="0"/>
+          </a:p>
+        </p:txBody>
+      </p:sp>
+      <p:sp>
+        <p:nvSpPr>
+          <p:cNvPr id="8" name="Text Placeholder 7"/>
+          <p:cNvSpPr>
+            <a:spLocks noGrp="1"/>
+          </p:cNvSpPr>
+          <p:nvPr>
+            <p:ph type="body" sz="half" idx="15"/>
+          </p:nvPr>
+        </p:nvSpPr>
+        <p:spPr/>
+        <p:txBody>
+          <a:bodyPr/>
+          <a:lstStyle/>
+          <a:p>
+            <a:pPr marL="285750" indent="-285750">
+              <a:buFont typeface="Arial" panose="020B0604020202020204" pitchFamily="34" charset="0"/>
+              <a:buChar char="•"/>
+            </a:pPr>
+            <a:r>
+              <a:rPr lang="en-US" dirty="0" smtClean="0"/>
+              <a:t>Entropy</a:t>
+            </a:r>
+          </a:p>
+          <a:p>
+            <a:pPr marL="285750" indent="-285750">
+              <a:buFont typeface="Arial" panose="020B0604020202020204" pitchFamily="34" charset="0"/>
+              <a:buChar char="•"/>
+            </a:pPr>
+            <a:endParaRPr lang="en-US" dirty="0"/>
+          </a:p>
+        </p:txBody>
+      </p:sp>
+      <p:sp>
+        <p:nvSpPr>
+          <p:cNvPr id="6" name="Text Placeholder 5"/>
+          <p:cNvSpPr>
+            <a:spLocks noGrp="1"/>
+          </p:cNvSpPr>
+          <p:nvPr>
+            <p:ph type="body" sz="quarter" idx="3"/>
+          </p:nvPr>
+        </p:nvSpPr>
+        <p:spPr/>
+        <p:txBody>
+          <a:bodyPr/>
+          <a:lstStyle/>
+          <a:p>
+            <a:r>
+              <a:rPr lang="en-US" dirty="0" smtClean="0"/>
+              <a:t>Group Average	</a:t>
+            </a:r>
+            <a:endParaRPr lang="en-US" dirty="0"/>
+          </a:p>
+        </p:txBody>
+      </p:sp>
+      <p:sp>
+        <p:nvSpPr>
+          <p:cNvPr id="9" name="Text Placeholder 8"/>
+          <p:cNvSpPr>
+            <a:spLocks noGrp="1"/>
+          </p:cNvSpPr>
+          <p:nvPr>
+            <p:ph type="body" sz="half" idx="16"/>
+          </p:nvPr>
+        </p:nvSpPr>
+        <p:spPr/>
+        <p:txBody>
+          <a:bodyPr/>
+          <a:lstStyle/>
+          <a:p>
+            <a:endParaRPr lang="en-US" dirty="0"/>
+          </a:p>
+        </p:txBody>
+      </p:sp>
+      <p:sp>
+        <p:nvSpPr>
+          <p:cNvPr id="7" name="Text Placeholder 6"/>
+          <p:cNvSpPr>
+            <a:spLocks noGrp="1"/>
+          </p:cNvSpPr>
+          <p:nvPr>
+            <p:ph type="body" sz="quarter" idx="13"/>
+          </p:nvPr>
+        </p:nvSpPr>
+        <p:spPr/>
+        <p:txBody>
+          <a:bodyPr/>
+          <a:lstStyle/>
+          <a:p>
+            <a:r>
+              <a:rPr lang="en-US" dirty="0" smtClean="0"/>
+              <a:t>OPTICS</a:t>
+            </a:r>
+            <a:endParaRPr lang="en-US" dirty="0"/>
+          </a:p>
+        </p:txBody>
+      </p:sp>
+      <p:sp>
+        <p:nvSpPr>
+          <p:cNvPr id="10" name="Text Placeholder 9"/>
+          <p:cNvSpPr>
+            <a:spLocks noGrp="1"/>
+          </p:cNvSpPr>
+          <p:nvPr>
+            <p:ph type="body" sz="half" idx="17"/>
+          </p:nvPr>
+        </p:nvSpPr>
+        <p:spPr/>
+        <p:txBody>
+          <a:bodyPr/>
+          <a:lstStyle/>
+          <a:p>
+            <a:endParaRPr lang="en-US"/>
+          </a:p>
+        </p:txBody>
+      </p:sp>
+    </p:spTree>
+    <p:extLst>
+      <p:ext uri="{BB962C8B-B14F-4D97-AF65-F5344CB8AC3E}">
+        <p14:creationId xmlns:p14="http://schemas.microsoft.com/office/powerpoint/2010/main" val="3890624472"/>
+      </p:ext>
+    </p:extLst>
+  </p:cSld>
+  <p:clrMapOvr>
+    <a:masterClrMapping/>
+  </p:clrMapOvr>
+  <p:timing>
+    <p:tnLst>
+      <p:par>
+        <p:cTn id="1" dur="indefinite" restart="never" nodeType="tmRoot"/>
+      </p:par>
+    </p:tnLst>
+  </p:timing>
+</p:sld>
+</file>
+
+<file path=ppt/slides/slide27.xml><?xml version="1.0" encoding="utf-8"?>
+<p:sld xmlns:a="http://schemas.openxmlformats.org/drawingml/2006/main" xmlns:r="http://schemas.openxmlformats.org/officeDocument/2006/relationships" xmlns:p="http://schemas.openxmlformats.org/presentationml/2006/main">
+  <p:cSld>
+    <p:spTree>
+      <p:nvGrpSpPr>
+        <p:cNvPr id="1" name=""/>
+        <p:cNvGrpSpPr/>
+        <p:nvPr/>
+      </p:nvGrpSpPr>
+      <p:grpSpPr>
+        <a:xfrm>
+          <a:off x="0" y="0"/>
+          <a:ext cx="0" cy="0"/>
+          <a:chOff x="0" y="0"/>
+          <a:chExt cx="0" cy="0"/>
+        </a:xfrm>
+      </p:grpSpPr>
+      <p:sp>
+        <p:nvSpPr>
+          <p:cNvPr id="2" name="Title 1"/>
+          <p:cNvSpPr>
+            <a:spLocks noGrp="1"/>
+          </p:cNvSpPr>
+          <p:nvPr>
+            <p:ph type="title"/>
+          </p:nvPr>
+        </p:nvSpPr>
+        <p:spPr/>
+        <p:txBody>
+          <a:bodyPr/>
+          <a:lstStyle/>
+          <a:p>
+            <a:r>
+              <a:rPr lang="en-US" dirty="0" smtClean="0"/>
               <a:t>Future Work</a:t>
             </a:r>
             <a:endParaRPr lang="en-US" dirty="0"/>
@@ -18705,7 +23042,7 @@
             <a:spLocks noGrp="1"/>
           </p:cNvSpPr>
           <p:nvPr>
-            <p:ph idx="1"/>
+            <p:ph type="body" idx="1"/>
           </p:nvPr>
         </p:nvSpPr>
         <p:spPr/>
@@ -18715,20 +23052,140 @@
           <a:p>
             <a:r>
               <a:rPr lang="en-US" dirty="0" smtClean="0"/>
+              <a:t>PAM</a:t>
+            </a:r>
+            <a:endParaRPr lang="en-US" dirty="0"/>
+          </a:p>
+        </p:txBody>
+      </p:sp>
+      <p:sp>
+        <p:nvSpPr>
+          <p:cNvPr id="6" name="Text Placeholder 5"/>
+          <p:cNvSpPr>
+            <a:spLocks noGrp="1"/>
+          </p:cNvSpPr>
+          <p:nvPr>
+            <p:ph type="body" sz="half" idx="15"/>
+          </p:nvPr>
+        </p:nvSpPr>
+        <p:spPr/>
+        <p:txBody>
+          <a:bodyPr/>
+          <a:lstStyle/>
+          <a:p>
+            <a:pPr marL="285750" indent="-285750">
+              <a:buFont typeface="Arial" panose="020B0604020202020204" pitchFamily="34" charset="0"/>
+              <a:buChar char="•"/>
+            </a:pPr>
+            <a:r>
+              <a:rPr lang="en-US" dirty="0"/>
               <a:t>CLARA</a:t>
             </a:r>
           </a:p>
           <a:p>
+            <a:endParaRPr lang="en-US" dirty="0"/>
+          </a:p>
+        </p:txBody>
+      </p:sp>
+      <p:sp>
+        <p:nvSpPr>
+          <p:cNvPr id="4" name="Text Placeholder 3"/>
+          <p:cNvSpPr>
+            <a:spLocks noGrp="1"/>
+          </p:cNvSpPr>
+          <p:nvPr>
+            <p:ph type="body" sz="quarter" idx="3"/>
+          </p:nvPr>
+        </p:nvSpPr>
+        <p:spPr/>
+        <p:txBody>
+          <a:bodyPr/>
+          <a:lstStyle/>
+          <a:p>
             <a:r>
               <a:rPr lang="en-US" dirty="0" smtClean="0"/>
-              <a:t>More suitable data set</a:t>
-            </a:r>
-          </a:p>
+              <a:t>Group Average</a:t>
+            </a:r>
+            <a:endParaRPr lang="en-US" dirty="0"/>
+          </a:p>
+        </p:txBody>
+      </p:sp>
+      <p:sp>
+        <p:nvSpPr>
+          <p:cNvPr id="7" name="Text Placeholder 6"/>
+          <p:cNvSpPr>
+            <a:spLocks noGrp="1"/>
+          </p:cNvSpPr>
+          <p:nvPr>
+            <p:ph type="body" sz="half" idx="16"/>
+          </p:nvPr>
+        </p:nvSpPr>
+        <p:spPr/>
+        <p:txBody>
+          <a:bodyPr/>
+          <a:lstStyle/>
+          <a:p>
+            <a:endParaRPr lang="en-US" dirty="0"/>
+          </a:p>
+        </p:txBody>
+      </p:sp>
+      <p:sp>
+        <p:nvSpPr>
+          <p:cNvPr id="5" name="Text Placeholder 4"/>
+          <p:cNvSpPr>
+            <a:spLocks noGrp="1"/>
+          </p:cNvSpPr>
+          <p:nvPr>
+            <p:ph type="body" sz="quarter" idx="13"/>
+          </p:nvPr>
+        </p:nvSpPr>
+        <p:spPr/>
+        <p:txBody>
+          <a:bodyPr/>
+          <a:lstStyle/>
           <a:p>
             <a:r>
               <a:rPr lang="en-US" dirty="0" smtClean="0"/>
-              <a:t>Different sigma values</a:t>
-            </a:r>
+              <a:t>OPTICS</a:t>
+            </a:r>
+            <a:endParaRPr lang="en-US" dirty="0"/>
+          </a:p>
+        </p:txBody>
+      </p:sp>
+      <p:sp>
+        <p:nvSpPr>
+          <p:cNvPr id="8" name="Text Placeholder 7"/>
+          <p:cNvSpPr>
+            <a:spLocks noGrp="1"/>
+          </p:cNvSpPr>
+          <p:nvPr>
+            <p:ph type="body" sz="half" idx="17"/>
+          </p:nvPr>
+        </p:nvSpPr>
+        <p:spPr/>
+        <p:txBody>
+          <a:bodyPr/>
+          <a:lstStyle/>
+          <a:p>
+            <a:pPr marL="285750" indent="-285750">
+              <a:buFont typeface="Arial" panose="020B0604020202020204" pitchFamily="34" charset="0"/>
+              <a:buChar char="•"/>
+            </a:pPr>
+            <a:r>
+              <a:rPr lang="en-US" dirty="0" smtClean="0"/>
+              <a:t>Experiment with </a:t>
+            </a:r>
+            <a:r>
+              <a:rPr lang="en-US" dirty="0" err="1" smtClean="0"/>
+              <a:t>MinPoints</a:t>
+            </a:r>
+            <a:endParaRPr lang="en-US" dirty="0" smtClean="0"/>
+          </a:p>
+          <a:p>
+            <a:pPr marL="285750" indent="-285750">
+              <a:buFont typeface="Arial" panose="020B0604020202020204" pitchFamily="34" charset="0"/>
+              <a:buChar char="•"/>
+            </a:pPr>
             <a:endParaRPr lang="en-US" dirty="0"/>
           </a:p>
         </p:txBody>
@@ -18750,6 +23207,110 @@
       </p:par>
     </p:tnLst>
   </p:timing>
+</p:sld>
+</file>
+
+<file path=ppt/slides/slide28.xml><?xml version="1.0" encoding="utf-8"?>
+<p:sld xmlns:a="http://schemas.openxmlformats.org/drawingml/2006/main" xmlns:r="http://schemas.openxmlformats.org/officeDocument/2006/relationships" xmlns:p="http://schemas.openxmlformats.org/presentationml/2006/main">
+  <p:cSld>
+    <p:spTree>
+      <p:nvGrpSpPr>
+        <p:cNvPr id="1" name=""/>
+        <p:cNvGrpSpPr/>
+        <p:nvPr/>
+      </p:nvGrpSpPr>
+      <p:grpSpPr>
+        <a:xfrm>
+          <a:off x="0" y="0"/>
+          <a:ext cx="0" cy="0"/>
+          <a:chOff x="0" y="0"/>
+          <a:chExt cx="0" cy="0"/>
+        </a:xfrm>
+      </p:grpSpPr>
+      <p:sp>
+        <p:nvSpPr>
+          <p:cNvPr id="2" name="Title 1"/>
+          <p:cNvSpPr>
+            <a:spLocks noGrp="1"/>
+          </p:cNvSpPr>
+          <p:nvPr>
+            <p:ph type="title"/>
+          </p:nvPr>
+        </p:nvSpPr>
+        <p:spPr/>
+        <p:txBody>
+          <a:bodyPr/>
+          <a:lstStyle/>
+          <a:p>
+            <a:r>
+              <a:rPr lang="en-US" dirty="0" smtClean="0"/>
+              <a:t>Future Work</a:t>
+            </a:r>
+            <a:endParaRPr lang="en-US" dirty="0"/>
+          </a:p>
+        </p:txBody>
+      </p:sp>
+      <p:sp>
+        <p:nvSpPr>
+          <p:cNvPr id="3" name="Content Placeholder 2"/>
+          <p:cNvSpPr>
+            <a:spLocks noGrp="1"/>
+          </p:cNvSpPr>
+          <p:nvPr>
+            <p:ph idx="1"/>
+          </p:nvPr>
+        </p:nvSpPr>
+        <p:spPr/>
+        <p:txBody>
+          <a:bodyPr/>
+          <a:lstStyle/>
+          <a:p>
+            <a:r>
+              <a:rPr lang="en-US" dirty="0" smtClean="0"/>
+              <a:t>More suitable data set</a:t>
+            </a:r>
+          </a:p>
+          <a:p>
+            <a:pPr lvl="1"/>
+            <a:r>
+              <a:rPr lang="en-US" dirty="0" smtClean="0"/>
+              <a:t>Preprocess more</a:t>
+            </a:r>
+          </a:p>
+          <a:p>
+            <a:pPr lvl="1"/>
+            <a:r>
+              <a:rPr lang="en-US" dirty="0" smtClean="0"/>
+              <a:t>Make smaller datasets with better than random selection</a:t>
+            </a:r>
+          </a:p>
+          <a:p>
+            <a:r>
+              <a:rPr lang="en-US" dirty="0" smtClean="0"/>
+              <a:t>Different sigma values</a:t>
+            </a:r>
+          </a:p>
+          <a:p>
+            <a:r>
+              <a:rPr lang="en-US" dirty="0" smtClean="0"/>
+              <a:t>Do Prediction analysis on test set</a:t>
+            </a:r>
+          </a:p>
+          <a:p>
+            <a:endParaRPr lang="en-US" dirty="0"/>
+          </a:p>
+        </p:txBody>
+      </p:sp>
+    </p:spTree>
+    <p:extLst>
+      <p:ext uri="{BB962C8B-B14F-4D97-AF65-F5344CB8AC3E}">
+        <p14:creationId xmlns:p14="http://schemas.microsoft.com/office/powerpoint/2010/main" val="3973552725"/>
+      </p:ext>
+    </p:extLst>
+  </p:cSld>
+  <p:clrMapOvr>
+    <a:masterClrMapping/>
+  </p:clrMapOvr>
 </p:sld>
 </file>
 
@@ -19041,25 +23602,682 @@
           </a:p>
         </p:txBody>
       </p:sp>
-      <p:sp>
-        <p:nvSpPr>
-          <p:cNvPr id="9" name="Content Placeholder 8"/>
-          <p:cNvSpPr>
-            <a:spLocks noGrp="1"/>
-          </p:cNvSpPr>
+      <p:graphicFrame>
+        <p:nvGraphicFramePr>
+          <p:cNvPr id="4" name="Content Placeholder 3"/>
+          <p:cNvGraphicFramePr>
+            <a:graphicFrameLocks noGrp="1"/>
+          </p:cNvGraphicFramePr>
           <p:nvPr>
             <p:ph idx="1"/>
+            <p:extLst>
+              <p:ext uri="{D42A27DB-BD31-4B8C-83A1-F6EECF244321}">
+                <p14:modId xmlns:p14="http://schemas.microsoft.com/office/powerpoint/2010/main" val="1389536789"/>
+              </p:ext>
+            </p:extLst>
           </p:nvPr>
-        </p:nvSpPr>
-        <p:spPr/>
-        <p:txBody>
-          <a:bodyPr/>
-          <a:lstStyle/>
-          <a:p>
-            <a:endParaRPr lang="en-US"/>
-          </a:p>
-        </p:txBody>
-      </p:sp>
+        </p:nvGraphicFramePr>
+        <p:xfrm>
+          <a:off x="5461685" y="1447800"/>
+          <a:ext cx="5509530" cy="3536096"/>
+        </p:xfrm>
+        <a:graphic>
+          <a:graphicData uri="http://schemas.openxmlformats.org/drawingml/2006/table">
+            <a:tbl>
+              <a:tblPr firstRow="1" bandRow="1">
+                <a:tableStyleId>{5C22544A-7EE6-4342-B048-85BDC9FD1C3A}</a:tableStyleId>
+              </a:tblPr>
+              <a:tblGrid>
+                <a:gridCol w="1101906"/>
+                <a:gridCol w="1101906"/>
+                <a:gridCol w="1101906"/>
+                <a:gridCol w="1101906"/>
+                <a:gridCol w="1101906"/>
+              </a:tblGrid>
+              <a:tr h="442012">
+                <a:tc>
+                  <a:txBody>
+                    <a:bodyPr/>
+                    <a:lstStyle/>
+                    <a:p>
+                      <a:r>
+                        <a:rPr lang="en-US" dirty="0" smtClean="0"/>
+                        <a:t>Feature</a:t>
+                      </a:r>
+                      <a:endParaRPr lang="en-US" dirty="0"/>
+                    </a:p>
+                  </a:txBody>
+                  <a:tcPr/>
+                </a:tc>
+                <a:tc>
+                  <a:txBody>
+                    <a:bodyPr/>
+                    <a:lstStyle/>
+                    <a:p>
+                      <a:r>
+                        <a:rPr lang="en-US" dirty="0" smtClean="0"/>
+                        <a:t>Min</a:t>
+                      </a:r>
+                      <a:endParaRPr lang="en-US" dirty="0"/>
+                    </a:p>
+                  </a:txBody>
+                  <a:tcPr/>
+                </a:tc>
+                <a:tc>
+                  <a:txBody>
+                    <a:bodyPr/>
+                    <a:lstStyle/>
+                    <a:p>
+                      <a:r>
+                        <a:rPr lang="en-US" dirty="0" smtClean="0"/>
+                        <a:t>Max</a:t>
+                      </a:r>
+                      <a:endParaRPr lang="en-US" dirty="0"/>
+                    </a:p>
+                  </a:txBody>
+                  <a:tcPr/>
+                </a:tc>
+                <a:tc>
+                  <a:txBody>
+                    <a:bodyPr/>
+                    <a:lstStyle/>
+                    <a:p>
+                      <a:r>
+                        <a:rPr lang="en-US" dirty="0" smtClean="0"/>
+                        <a:t>Mean</a:t>
+                      </a:r>
+                      <a:endParaRPr lang="en-US" dirty="0"/>
+                    </a:p>
+                  </a:txBody>
+                  <a:tcPr/>
+                </a:tc>
+                <a:tc>
+                  <a:txBody>
+                    <a:bodyPr/>
+                    <a:lstStyle/>
+                    <a:p>
+                      <a:r>
+                        <a:rPr lang="en-US" dirty="0" err="1" smtClean="0"/>
+                        <a:t>Std</a:t>
+                      </a:r>
+                      <a:endParaRPr lang="en-US" dirty="0"/>
+                    </a:p>
+                  </a:txBody>
+                  <a:tcPr/>
+                </a:tc>
+              </a:tr>
+              <a:tr h="442012">
+                <a:tc>
+                  <a:txBody>
+                    <a:bodyPr/>
+                    <a:lstStyle/>
+                    <a:p>
+                      <a:r>
+                        <a:rPr lang="en-US" dirty="0" smtClean="0"/>
+                        <a:t>NCD_0</a:t>
+                      </a:r>
+                      <a:endParaRPr lang="en-US" dirty="0"/>
+                    </a:p>
+                  </a:txBody>
+                  <a:tcPr/>
+                </a:tc>
+                <a:tc>
+                  <a:txBody>
+                    <a:bodyPr/>
+                    <a:lstStyle/>
+                    <a:p>
+                      <a:r>
+                        <a:rPr lang="en-US" dirty="0" smtClean="0"/>
+                        <a:t>0</a:t>
+                      </a:r>
+                      <a:endParaRPr lang="en-US" dirty="0"/>
+                    </a:p>
+                  </a:txBody>
+                  <a:tcPr/>
+                </a:tc>
+                <a:tc>
+                  <a:txBody>
+                    <a:bodyPr/>
+                    <a:lstStyle/>
+                    <a:p>
+                      <a:r>
+                        <a:rPr lang="en-US" dirty="0" smtClean="0"/>
+                        <a:t>24210</a:t>
+                      </a:r>
+                      <a:endParaRPr lang="en-US" dirty="0"/>
+                    </a:p>
+                  </a:txBody>
+                  <a:tcPr/>
+                </a:tc>
+                <a:tc>
+                  <a:txBody>
+                    <a:bodyPr/>
+                    <a:lstStyle/>
+                    <a:p>
+                      <a:r>
+                        <a:rPr lang="en-US" dirty="0" smtClean="0"/>
+                        <a:t>172.267</a:t>
+                      </a:r>
+                      <a:endParaRPr lang="en-US" dirty="0"/>
+                    </a:p>
+                  </a:txBody>
+                  <a:tcPr/>
+                </a:tc>
+                <a:tc>
+                  <a:txBody>
+                    <a:bodyPr/>
+                    <a:lstStyle/>
+                    <a:p>
+                      <a:r>
+                        <a:rPr lang="en-US" dirty="0" smtClean="0"/>
+                        <a:t>509.768</a:t>
+                      </a:r>
+                      <a:endParaRPr lang="en-US" dirty="0"/>
+                    </a:p>
+                  </a:txBody>
+                  <a:tcPr/>
+                </a:tc>
+              </a:tr>
+              <a:tr h="442012">
+                <a:tc>
+                  <a:txBody>
+                    <a:bodyPr/>
+                    <a:lstStyle/>
+                    <a:p>
+                      <a:r>
+                        <a:rPr lang="en-US" dirty="0" smtClean="0"/>
+                        <a:t>NCD_1</a:t>
+                      </a:r>
+                      <a:endParaRPr lang="en-US" dirty="0"/>
+                    </a:p>
+                  </a:txBody>
+                  <a:tcPr/>
+                </a:tc>
+                <a:tc>
+                  <a:txBody>
+                    <a:bodyPr/>
+                    <a:lstStyle/>
+                    <a:p>
+                      <a:r>
+                        <a:rPr lang="en-US" dirty="0" smtClean="0"/>
+                        <a:t>0</a:t>
+                      </a:r>
+                      <a:endParaRPr lang="en-US" dirty="0"/>
+                    </a:p>
+                  </a:txBody>
+                  <a:tcPr/>
+                </a:tc>
+                <a:tc>
+                  <a:txBody>
+                    <a:bodyPr/>
+                    <a:lstStyle/>
+                    <a:p>
+                      <a:r>
+                        <a:rPr lang="en-US" dirty="0" smtClean="0"/>
+                        <a:t>22899</a:t>
+                      </a:r>
+                      <a:endParaRPr lang="en-US" dirty="0"/>
+                    </a:p>
+                  </a:txBody>
+                  <a:tcPr/>
+                </a:tc>
+                <a:tc>
+                  <a:txBody>
+                    <a:bodyPr/>
+                    <a:lstStyle/>
+                    <a:p>
+                      <a:r>
+                        <a:rPr lang="en-US" dirty="0" smtClean="0"/>
+                        <a:t>155.135</a:t>
+                      </a:r>
+                      <a:endParaRPr lang="en-US" dirty="0"/>
+                    </a:p>
+                  </a:txBody>
+                  <a:tcPr/>
+                </a:tc>
+                <a:tc>
+                  <a:txBody>
+                    <a:bodyPr/>
+                    <a:lstStyle/>
+                    <a:p>
+                      <a:r>
+                        <a:rPr lang="en-US" dirty="0" smtClean="0"/>
+                        <a:t>471.615</a:t>
+                      </a:r>
+                      <a:endParaRPr lang="en-US" dirty="0"/>
+                    </a:p>
+                  </a:txBody>
+                  <a:tcPr/>
+                </a:tc>
+              </a:tr>
+              <a:tr h="442012">
+                <a:tc>
+                  <a:txBody>
+                    <a:bodyPr/>
+                    <a:lstStyle/>
+                    <a:p>
+                      <a:pPr marL="0" marR="0" indent="0" algn="l" defTabSz="914400" rtl="0" eaLnBrk="1" fontAlgn="auto" latinLnBrk="0" hangingPunct="1">
+                        <a:lnSpc>
+                          <a:spcPct val="100000"/>
+                        </a:lnSpc>
+                        <a:spcBef>
+                          <a:spcPts val="0"/>
+                        </a:spcBef>
+                        <a:spcAft>
+                          <a:spcPts val="0"/>
+                        </a:spcAft>
+                        <a:buClrTx/>
+                        <a:buSzTx/>
+                        <a:buFontTx/>
+                        <a:buNone/>
+                        <a:tabLst/>
+                        <a:defRPr/>
+                      </a:pPr>
+                      <a:r>
+                        <a:rPr lang="en-US" dirty="0" smtClean="0"/>
+                        <a:t>NCD_2</a:t>
+                      </a:r>
+                    </a:p>
+                  </a:txBody>
+                  <a:tcPr/>
+                </a:tc>
+                <a:tc>
+                  <a:txBody>
+                    <a:bodyPr/>
+                    <a:lstStyle/>
+                    <a:p>
+                      <a:r>
+                        <a:rPr lang="en-US" dirty="0" smtClean="0"/>
+                        <a:t>0</a:t>
+                      </a:r>
+                      <a:endParaRPr lang="en-US" dirty="0"/>
+                    </a:p>
+                  </a:txBody>
+                  <a:tcPr/>
+                </a:tc>
+                <a:tc>
+                  <a:txBody>
+                    <a:bodyPr/>
+                    <a:lstStyle/>
+                    <a:p>
+                      <a:r>
+                        <a:rPr lang="en-US" dirty="0" smtClean="0"/>
+                        <a:t>20495</a:t>
+                      </a:r>
+                      <a:endParaRPr lang="en-US" dirty="0"/>
+                    </a:p>
+                  </a:txBody>
+                  <a:tcPr/>
+                </a:tc>
+                <a:tc>
+                  <a:txBody>
+                    <a:bodyPr/>
+                    <a:lstStyle/>
+                    <a:p>
+                      <a:r>
+                        <a:rPr lang="en-US" dirty="0" smtClean="0"/>
+                        <a:t>165.459</a:t>
+                      </a:r>
+                      <a:endParaRPr lang="en-US" dirty="0"/>
+                    </a:p>
+                  </a:txBody>
+                  <a:tcPr/>
+                </a:tc>
+                <a:tc>
+                  <a:txBody>
+                    <a:bodyPr/>
+                    <a:lstStyle/>
+                    <a:p>
+                      <a:r>
+                        <a:rPr lang="en-US" dirty="0" smtClean="0"/>
+                        <a:t>495.287</a:t>
+                      </a:r>
+                      <a:endParaRPr lang="en-US" dirty="0"/>
+                    </a:p>
+                  </a:txBody>
+                  <a:tcPr/>
+                </a:tc>
+              </a:tr>
+              <a:tr h="442012">
+                <a:tc>
+                  <a:txBody>
+                    <a:bodyPr/>
+                    <a:lstStyle/>
+                    <a:p>
+                      <a:pPr marL="0" marR="0" indent="0" algn="l" defTabSz="914400" rtl="0" eaLnBrk="1" fontAlgn="auto" latinLnBrk="0" hangingPunct="1">
+                        <a:lnSpc>
+                          <a:spcPct val="100000"/>
+                        </a:lnSpc>
+                        <a:spcBef>
+                          <a:spcPts val="0"/>
+                        </a:spcBef>
+                        <a:spcAft>
+                          <a:spcPts val="0"/>
+                        </a:spcAft>
+                        <a:buClrTx/>
+                        <a:buSzTx/>
+                        <a:buFontTx/>
+                        <a:buNone/>
+                        <a:tabLst/>
+                        <a:defRPr/>
+                      </a:pPr>
+                      <a:r>
+                        <a:rPr lang="en-US" dirty="0" smtClean="0"/>
+                        <a:t>NCD_3</a:t>
+                      </a:r>
+                    </a:p>
+                  </a:txBody>
+                  <a:tcPr/>
+                </a:tc>
+                <a:tc>
+                  <a:txBody>
+                    <a:bodyPr/>
+                    <a:lstStyle/>
+                    <a:p>
+                      <a:r>
+                        <a:rPr lang="en-US" dirty="0" smtClean="0"/>
+                        <a:t>0</a:t>
+                      </a:r>
+                      <a:endParaRPr lang="en-US" dirty="0"/>
+                    </a:p>
+                  </a:txBody>
+                  <a:tcPr/>
+                </a:tc>
+                <a:tc>
+                  <a:txBody>
+                    <a:bodyPr/>
+                    <a:lstStyle/>
+                    <a:p>
+                      <a:r>
+                        <a:rPr lang="en-US" dirty="0" smtClean="0"/>
+                        <a:t>27007</a:t>
+                      </a:r>
+                      <a:endParaRPr lang="en-US" dirty="0"/>
+                    </a:p>
+                  </a:txBody>
+                  <a:tcPr/>
+                </a:tc>
+                <a:tc>
+                  <a:txBody>
+                    <a:bodyPr/>
+                    <a:lstStyle/>
+                    <a:p>
+                      <a:r>
+                        <a:rPr lang="en-US" dirty="0" smtClean="0"/>
+                        <a:t>176.811</a:t>
+                      </a:r>
+                      <a:endParaRPr lang="en-US" dirty="0"/>
+                    </a:p>
+                  </a:txBody>
+                  <a:tcPr/>
+                </a:tc>
+                <a:tc>
+                  <a:txBody>
+                    <a:bodyPr/>
+                    <a:lstStyle/>
+                    <a:p>
+                      <a:r>
+                        <a:rPr lang="en-US" dirty="0" smtClean="0"/>
+                        <a:t>528.350</a:t>
+                      </a:r>
+                      <a:endParaRPr lang="en-US" dirty="0"/>
+                    </a:p>
+                  </a:txBody>
+                  <a:tcPr/>
+                </a:tc>
+              </a:tr>
+              <a:tr h="442012">
+                <a:tc>
+                  <a:txBody>
+                    <a:bodyPr/>
+                    <a:lstStyle/>
+                    <a:p>
+                      <a:pPr marL="0" marR="0" indent="0" algn="l" defTabSz="914400" rtl="0" eaLnBrk="1" fontAlgn="auto" latinLnBrk="0" hangingPunct="1">
+                        <a:lnSpc>
+                          <a:spcPct val="100000"/>
+                        </a:lnSpc>
+                        <a:spcBef>
+                          <a:spcPts val="0"/>
+                        </a:spcBef>
+                        <a:spcAft>
+                          <a:spcPts val="0"/>
+                        </a:spcAft>
+                        <a:buClrTx/>
+                        <a:buSzTx/>
+                        <a:buFontTx/>
+                        <a:buNone/>
+                        <a:tabLst/>
+                        <a:defRPr/>
+                      </a:pPr>
+                      <a:r>
+                        <a:rPr lang="en-US" dirty="0" smtClean="0"/>
+                        <a:t>NCD_4</a:t>
+                      </a:r>
+                    </a:p>
+                  </a:txBody>
+                  <a:tcPr/>
+                </a:tc>
+                <a:tc>
+                  <a:txBody>
+                    <a:bodyPr/>
+                    <a:lstStyle/>
+                    <a:p>
+                      <a:r>
+                        <a:rPr lang="en-US" dirty="0" smtClean="0"/>
+                        <a:t>0</a:t>
+                      </a:r>
+                      <a:endParaRPr lang="en-US" dirty="0"/>
+                    </a:p>
+                  </a:txBody>
+                  <a:tcPr/>
+                </a:tc>
+                <a:tc>
+                  <a:txBody>
+                    <a:bodyPr/>
+                    <a:lstStyle/>
+                    <a:p>
+                      <a:r>
+                        <a:rPr lang="en-US" dirty="0" smtClean="0"/>
+                        <a:t>30957</a:t>
+                      </a:r>
+                      <a:endParaRPr lang="en-US" dirty="0"/>
+                    </a:p>
+                  </a:txBody>
+                  <a:tcPr/>
+                </a:tc>
+                <a:tc>
+                  <a:txBody>
+                    <a:bodyPr/>
+                    <a:lstStyle/>
+                    <a:p>
+                      <a:r>
+                        <a:rPr lang="en-US" dirty="0" smtClean="0"/>
+                        <a:t>186.929</a:t>
+                      </a:r>
+                      <a:endParaRPr lang="en-US" dirty="0"/>
+                    </a:p>
+                  </a:txBody>
+                  <a:tcPr/>
+                </a:tc>
+                <a:tc>
+                  <a:txBody>
+                    <a:bodyPr/>
+                    <a:lstStyle/>
+                    <a:p>
+                      <a:r>
+                        <a:rPr lang="en-US" dirty="0" smtClean="0"/>
+                        <a:t>560.329</a:t>
+                      </a:r>
+                      <a:endParaRPr lang="en-US" dirty="0"/>
+                    </a:p>
+                  </a:txBody>
+                  <a:tcPr/>
+                </a:tc>
+              </a:tr>
+              <a:tr h="442012">
+                <a:tc>
+                  <a:txBody>
+                    <a:bodyPr/>
+                    <a:lstStyle/>
+                    <a:p>
+                      <a:pPr marL="0" marR="0" indent="0" algn="l" defTabSz="914400" rtl="0" eaLnBrk="1" fontAlgn="auto" latinLnBrk="0" hangingPunct="1">
+                        <a:lnSpc>
+                          <a:spcPct val="100000"/>
+                        </a:lnSpc>
+                        <a:spcBef>
+                          <a:spcPts val="0"/>
+                        </a:spcBef>
+                        <a:spcAft>
+                          <a:spcPts val="0"/>
+                        </a:spcAft>
+                        <a:buClrTx/>
+                        <a:buSzTx/>
+                        <a:buFontTx/>
+                        <a:buNone/>
+                        <a:tabLst/>
+                        <a:defRPr/>
+                      </a:pPr>
+                      <a:r>
+                        <a:rPr lang="en-US" dirty="0" smtClean="0"/>
+                        <a:t>NCD_5</a:t>
+                      </a:r>
+                    </a:p>
+                  </a:txBody>
+                  <a:tcPr/>
+                </a:tc>
+                <a:tc>
+                  <a:txBody>
+                    <a:bodyPr/>
+                    <a:lstStyle/>
+                    <a:p>
+                      <a:r>
+                        <a:rPr lang="en-US" dirty="0" smtClean="0"/>
+                        <a:t>0</a:t>
+                      </a:r>
+                      <a:endParaRPr lang="en-US" dirty="0"/>
+                    </a:p>
+                  </a:txBody>
+                  <a:tcPr/>
+                </a:tc>
+                <a:tc>
+                  <a:txBody>
+                    <a:bodyPr/>
+                    <a:lstStyle/>
+                    <a:p>
+                      <a:r>
+                        <a:rPr lang="en-US" dirty="0" smtClean="0"/>
+                        <a:t>28603</a:t>
+                      </a:r>
+                      <a:endParaRPr lang="en-US" dirty="0"/>
+                    </a:p>
+                  </a:txBody>
+                  <a:tcPr/>
+                </a:tc>
+                <a:tc>
+                  <a:txBody>
+                    <a:bodyPr/>
+                    <a:lstStyle/>
+                    <a:p>
+                      <a:r>
+                        <a:rPr lang="en-US" dirty="0" smtClean="0"/>
+                        <a:t>216.197</a:t>
+                      </a:r>
+                      <a:endParaRPr lang="en-US" dirty="0"/>
+                    </a:p>
+                  </a:txBody>
+                  <a:tcPr/>
+                </a:tc>
+                <a:tc>
+                  <a:txBody>
+                    <a:bodyPr/>
+                    <a:lstStyle/>
+                    <a:p>
+                      <a:r>
+                        <a:rPr lang="en-US" dirty="0" smtClean="0"/>
+                        <a:t>632.107</a:t>
+                      </a:r>
+                      <a:endParaRPr lang="en-US" dirty="0"/>
+                    </a:p>
+                  </a:txBody>
+                  <a:tcPr/>
+                </a:tc>
+              </a:tr>
+              <a:tr h="442012">
+                <a:tc>
+                  <a:txBody>
+                    <a:bodyPr/>
+                    <a:lstStyle/>
+                    <a:p>
+                      <a:r>
+                        <a:rPr lang="en-US" dirty="0" smtClean="0"/>
+                        <a:t>NCD_6</a:t>
+                      </a:r>
+                      <a:endParaRPr lang="en-US" dirty="0"/>
+                    </a:p>
+                  </a:txBody>
+                  <a:tcPr/>
+                </a:tc>
+                <a:tc>
+                  <a:txBody>
+                    <a:bodyPr/>
+                    <a:lstStyle/>
+                    <a:p>
+                      <a:r>
+                        <a:rPr lang="en-US" dirty="0" smtClean="0"/>
+                        <a:t>0</a:t>
+                      </a:r>
+                      <a:endParaRPr lang="en-US" dirty="0"/>
+                    </a:p>
+                  </a:txBody>
+                  <a:tcPr/>
+                </a:tc>
+                <a:tc>
+                  <a:txBody>
+                    <a:bodyPr/>
+                    <a:lstStyle/>
+                    <a:p>
+                      <a:r>
+                        <a:rPr lang="en-US" dirty="0" smtClean="0"/>
+                        <a:t>37505</a:t>
+                      </a:r>
+                      <a:endParaRPr lang="en-US" dirty="0"/>
+                    </a:p>
+                  </a:txBody>
+                  <a:tcPr/>
+                </a:tc>
+                <a:tc>
+                  <a:txBody>
+                    <a:bodyPr/>
+                    <a:lstStyle/>
+                    <a:p>
+                      <a:r>
+                        <a:rPr lang="en-US" dirty="0" smtClean="0"/>
+                        <a:t>243.856</a:t>
+                      </a:r>
+                      <a:endParaRPr lang="en-US" dirty="0"/>
+                    </a:p>
+                  </a:txBody>
+                  <a:tcPr/>
+                </a:tc>
+                <a:tc>
+                  <a:txBody>
+                    <a:bodyPr/>
+                    <a:lstStyle/>
+                    <a:p>
+                      <a:r>
+                        <a:rPr lang="en-US" dirty="0" smtClean="0"/>
+                        <a:t>707.354</a:t>
+                      </a:r>
+                      <a:endParaRPr lang="en-US" dirty="0"/>
+                    </a:p>
+                  </a:txBody>
+                  <a:tcPr/>
+                </a:tc>
+              </a:tr>
+            </a:tbl>
+          </a:graphicData>
+        </a:graphic>
+      </p:graphicFrame>
     </p:spTree>
     <p:extLst>
       <p:ext uri="{BB962C8B-B14F-4D97-AF65-F5344CB8AC3E}">
@@ -19137,15 +24355,32 @@
           <a:p>
             <a:r>
               <a:rPr lang="en-US" dirty="0" smtClean="0"/>
-              <a:t>Averaged out the 77</a:t>
+              <a:t>Median value of attribute over the 7 days</a:t>
+            </a:r>
+          </a:p>
+          <a:p>
+            <a:r>
+              <a:rPr lang="en-US" dirty="0" smtClean="0"/>
+              <a:t>Still too big</a:t>
             </a:r>
           </a:p>
           <a:p>
             <a:pPr lvl="1"/>
             <a:r>
               <a:rPr lang="en-US" dirty="0" smtClean="0"/>
-              <a:t>Left with 11 attributes per entry</a:t>
-            </a:r>
+              <a:t>Used a random selector to make smaller datasets from the original</a:t>
+            </a:r>
+          </a:p>
+          <a:p>
+            <a:pPr lvl="2"/>
+            <a:r>
+              <a:rPr lang="en-US" dirty="0" smtClean="0"/>
+              <a:t>Samples sizes of 20,000, 50,000, and 5,000 were used</a:t>
+            </a:r>
+          </a:p>
+          <a:p>
+            <a:pPr lvl="2"/>
+            <a:endParaRPr lang="en-US" dirty="0" smtClean="0"/>
           </a:p>
         </p:txBody>
       </p:sp>
@@ -19203,6 +24438,369 @@
           <a:p>
             <a:r>
               <a:rPr lang="en-US" dirty="0" smtClean="0"/>
+              <a:t>Problems with Datasets</a:t>
+            </a:r>
+            <a:endParaRPr lang="en-US" dirty="0"/>
+          </a:p>
+        </p:txBody>
+      </p:sp>
+      <p:sp>
+        <p:nvSpPr>
+          <p:cNvPr id="3" name="Content Placeholder 2"/>
+          <p:cNvSpPr>
+            <a:spLocks noGrp="1"/>
+          </p:cNvSpPr>
+          <p:nvPr>
+            <p:ph idx="1"/>
+          </p:nvPr>
+        </p:nvSpPr>
+        <p:spPr>
+          <a:xfrm>
+            <a:off x="1154954" y="2603500"/>
+            <a:ext cx="8825659" cy="1260046"/>
+          </a:xfrm>
+        </p:spPr>
+        <p:txBody>
+          <a:bodyPr/>
+          <a:lstStyle/>
+          <a:p>
+            <a:r>
+              <a:rPr lang="en-US" dirty="0" smtClean="0"/>
+              <a:t>Initial data set is way too big</a:t>
+            </a:r>
+          </a:p>
+          <a:p>
+            <a:pPr lvl="1"/>
+            <a:r>
+              <a:rPr lang="en-US" dirty="0" smtClean="0"/>
+              <a:t>Originally used for Classification</a:t>
+            </a:r>
+          </a:p>
+          <a:p>
+            <a:r>
+              <a:rPr lang="en-US" dirty="0" smtClean="0"/>
+              <a:t>Poor Parent Entropy even for smaller sets</a:t>
+            </a:r>
+          </a:p>
+          <a:p>
+            <a:endParaRPr lang="en-US" dirty="0"/>
+          </a:p>
+        </p:txBody>
+      </p:sp>
+      <p:pic>
+        <p:nvPicPr>
+          <p:cNvPr id="4" name="Picture 3"/>
+          <p:cNvPicPr>
+            <a:picLocks noChangeAspect="1"/>
+          </p:cNvPicPr>
+          <p:nvPr/>
+        </p:nvPicPr>
+        <p:blipFill rotWithShape="1">
+          <a:blip r:embed="rId2"/>
+          <a:srcRect l="25450" r="24162"/>
+          <a:stretch/>
+        </p:blipFill>
+        <p:spPr>
+          <a:xfrm>
+            <a:off x="1154954" y="3863546"/>
+            <a:ext cx="2306595" cy="2751439"/>
+          </a:xfrm>
+          <a:prstGeom prst="rect">
+            <a:avLst/>
+          </a:prstGeom>
+        </p:spPr>
+      </p:pic>
+      <p:pic>
+        <p:nvPicPr>
+          <p:cNvPr id="5" name="Picture 4"/>
+          <p:cNvPicPr>
+            <a:picLocks noChangeAspect="1"/>
+          </p:cNvPicPr>
+          <p:nvPr/>
+        </p:nvPicPr>
+        <p:blipFill rotWithShape="1">
+          <a:blip r:embed="rId3"/>
+          <a:srcRect l="26283" r="24664"/>
+          <a:stretch/>
+        </p:blipFill>
+        <p:spPr>
+          <a:xfrm>
+            <a:off x="3566984" y="3861450"/>
+            <a:ext cx="2248930" cy="2755631"/>
+          </a:xfrm>
+          <a:prstGeom prst="rect">
+            <a:avLst/>
+          </a:prstGeom>
+        </p:spPr>
+      </p:pic>
+      <p:graphicFrame>
+        <p:nvGraphicFramePr>
+          <p:cNvPr id="6" name="Table 5"/>
+          <p:cNvGraphicFramePr>
+            <a:graphicFrameLocks noGrp="1"/>
+          </p:cNvGraphicFramePr>
+          <p:nvPr>
+            <p:extLst>
+              <p:ext uri="{D42A27DB-BD31-4B8C-83A1-F6EECF244321}">
+                <p14:modId xmlns:p14="http://schemas.microsoft.com/office/powerpoint/2010/main" val="633886612"/>
+              </p:ext>
+            </p:extLst>
+          </p:nvPr>
+        </p:nvGraphicFramePr>
+        <p:xfrm>
+          <a:off x="6236042" y="3092163"/>
+          <a:ext cx="5398530" cy="1480828"/>
+        </p:xfrm>
+        <a:graphic>
+          <a:graphicData uri="http://schemas.openxmlformats.org/drawingml/2006/table">
+            <a:tbl>
+              <a:tblPr firstRow="1" bandRow="1">
+                <a:tableStyleId>{5C22544A-7EE6-4342-B048-85BDC9FD1C3A}</a:tableStyleId>
+              </a:tblPr>
+              <a:tblGrid>
+                <a:gridCol w="1799510"/>
+                <a:gridCol w="1799510"/>
+                <a:gridCol w="1799510"/>
+              </a:tblGrid>
+              <a:tr h="370207">
+                <a:tc>
+                  <a:txBody>
+                    <a:bodyPr/>
+                    <a:lstStyle/>
+                    <a:p>
+                      <a:endParaRPr lang="en-US" dirty="0"/>
+                    </a:p>
+                  </a:txBody>
+                  <a:tcPr/>
+                </a:tc>
+                <a:tc>
+                  <a:txBody>
+                    <a:bodyPr/>
+                    <a:lstStyle/>
+                    <a:p>
+                      <a:r>
+                        <a:rPr lang="en-US" dirty="0" smtClean="0"/>
+                        <a:t>20,000</a:t>
+                      </a:r>
+                      <a:endParaRPr lang="en-US" dirty="0"/>
+                    </a:p>
+                  </a:txBody>
+                  <a:tcPr/>
+                </a:tc>
+                <a:tc>
+                  <a:txBody>
+                    <a:bodyPr/>
+                    <a:lstStyle/>
+                    <a:p>
+                      <a:r>
+                        <a:rPr lang="en-US" dirty="0" smtClean="0"/>
+                        <a:t>50,000</a:t>
+                      </a:r>
+                      <a:endParaRPr lang="en-US" dirty="0"/>
+                    </a:p>
+                  </a:txBody>
+                  <a:tcPr/>
+                </a:tc>
+              </a:tr>
+              <a:tr h="370207">
+                <a:tc>
+                  <a:txBody>
+                    <a:bodyPr/>
+                    <a:lstStyle/>
+                    <a:p>
+                      <a:r>
+                        <a:rPr lang="en-US" b="1" dirty="0" smtClean="0"/>
+                        <a:t>Buzz</a:t>
+                      </a:r>
+                      <a:endParaRPr lang="en-US" b="1" dirty="0"/>
+                    </a:p>
+                  </a:txBody>
+                  <a:tcPr/>
+                </a:tc>
+                <a:tc>
+                  <a:txBody>
+                    <a:bodyPr/>
+                    <a:lstStyle/>
+                    <a:p>
+                      <a:r>
+                        <a:rPr lang="en-US" dirty="0" smtClean="0"/>
+                        <a:t>2.43%</a:t>
+                      </a:r>
+                      <a:endParaRPr lang="en-US" dirty="0"/>
+                    </a:p>
+                  </a:txBody>
+                  <a:tcPr/>
+                </a:tc>
+                <a:tc>
+                  <a:txBody>
+                    <a:bodyPr/>
+                    <a:lstStyle/>
+                    <a:p>
+                      <a:r>
+                        <a:rPr lang="en-US" dirty="0" smtClean="0"/>
+                        <a:t>2.488%</a:t>
+                      </a:r>
+                      <a:endParaRPr lang="en-US" dirty="0"/>
+                    </a:p>
+                  </a:txBody>
+                  <a:tcPr/>
+                </a:tc>
+              </a:tr>
+              <a:tr h="370207">
+                <a:tc>
+                  <a:txBody>
+                    <a:bodyPr/>
+                    <a:lstStyle/>
+                    <a:p>
+                      <a:r>
+                        <a:rPr lang="en-US" b="1" dirty="0" err="1" smtClean="0"/>
+                        <a:t>NonBuzz</a:t>
+                      </a:r>
+                      <a:endParaRPr lang="en-US" b="1" dirty="0"/>
+                    </a:p>
+                  </a:txBody>
+                  <a:tcPr/>
+                </a:tc>
+                <a:tc>
+                  <a:txBody>
+                    <a:bodyPr/>
+                    <a:lstStyle/>
+                    <a:p>
+                      <a:r>
+                        <a:rPr lang="en-US" dirty="0" smtClean="0"/>
+                        <a:t>97.57%</a:t>
+                      </a:r>
+                      <a:endParaRPr lang="en-US" dirty="0"/>
+                    </a:p>
+                  </a:txBody>
+                  <a:tcPr/>
+                </a:tc>
+                <a:tc>
+                  <a:txBody>
+                    <a:bodyPr/>
+                    <a:lstStyle/>
+                    <a:p>
+                      <a:r>
+                        <a:rPr lang="en-US" dirty="0" smtClean="0"/>
+                        <a:t>97.512%</a:t>
+                      </a:r>
+                      <a:endParaRPr lang="en-US" dirty="0"/>
+                    </a:p>
+                  </a:txBody>
+                  <a:tcPr/>
+                </a:tc>
+              </a:tr>
+              <a:tr h="370207">
+                <a:tc>
+                  <a:txBody>
+                    <a:bodyPr/>
+                    <a:lstStyle/>
+                    <a:p>
+                      <a:r>
+                        <a:rPr lang="en-US" b="1" dirty="0" smtClean="0"/>
+                        <a:t>Parent Entropy</a:t>
+                      </a:r>
+                      <a:endParaRPr lang="en-US" b="1" dirty="0"/>
+                    </a:p>
+                  </a:txBody>
+                  <a:tcPr/>
+                </a:tc>
+                <a:tc>
+                  <a:txBody>
+                    <a:bodyPr/>
+                    <a:lstStyle/>
+                    <a:p>
+                      <a:r>
+                        <a:rPr lang="en-US" dirty="0" smtClean="0">
+                          <a:solidFill>
+                            <a:srgbClr val="FF0000"/>
+                          </a:solidFill>
+                        </a:rPr>
+                        <a:t>0.164947</a:t>
+                      </a:r>
+                      <a:endParaRPr lang="en-US" dirty="0">
+                        <a:solidFill>
+                          <a:srgbClr val="FF0000"/>
+                        </a:solidFill>
+                      </a:endParaRPr>
+                    </a:p>
+                  </a:txBody>
+                  <a:tcPr/>
+                </a:tc>
+                <a:tc>
+                  <a:txBody>
+                    <a:bodyPr/>
+                    <a:lstStyle/>
+                    <a:p>
+                      <a:r>
+                        <a:rPr lang="en-US" dirty="0" smtClean="0">
+                          <a:solidFill>
+                            <a:srgbClr val="FF0000"/>
+                          </a:solidFill>
+                        </a:rPr>
+                        <a:t>0.168026</a:t>
+                      </a:r>
+                      <a:endParaRPr lang="en-US" dirty="0">
+                        <a:solidFill>
+                          <a:srgbClr val="FF0000"/>
+                        </a:solidFill>
+                      </a:endParaRPr>
+                    </a:p>
+                  </a:txBody>
+                  <a:tcPr/>
+                </a:tc>
+              </a:tr>
+            </a:tbl>
+          </a:graphicData>
+        </a:graphic>
+      </p:graphicFrame>
+    </p:spTree>
+    <p:extLst>
+      <p:ext uri="{BB962C8B-B14F-4D97-AF65-F5344CB8AC3E}">
+        <p14:creationId xmlns:p14="http://schemas.microsoft.com/office/powerpoint/2010/main" val="1928842106"/>
+      </p:ext>
+    </p:extLst>
+  </p:cSld>
+  <p:clrMapOvr>
+    <a:masterClrMapping/>
+  </p:clrMapOvr>
+</p:sld>
+</file>
+
+<file path=ppt/slides/slide7.xml><?xml version="1.0" encoding="utf-8"?>
+<p:sld xmlns:a="http://schemas.openxmlformats.org/drawingml/2006/main" xmlns:r="http://schemas.openxmlformats.org/officeDocument/2006/relationships" xmlns:p="http://schemas.openxmlformats.org/presentationml/2006/main">
+  <p:cSld>
+    <p:spTree>
+      <p:nvGrpSpPr>
+        <p:cNvPr id="1" name=""/>
+        <p:cNvGrpSpPr/>
+        <p:nvPr/>
+      </p:nvGrpSpPr>
+      <p:grpSpPr>
+        <a:xfrm>
+          <a:off x="0" y="0"/>
+          <a:ext cx="0" cy="0"/>
+          <a:chOff x="0" y="0"/>
+          <a:chExt cx="0" cy="0"/>
+        </a:xfrm>
+      </p:grpSpPr>
+      <p:sp>
+        <p:nvSpPr>
+          <p:cNvPr id="2" name="Title 1"/>
+          <p:cNvSpPr>
+            <a:spLocks noGrp="1"/>
+          </p:cNvSpPr>
+          <p:nvPr>
+            <p:ph type="title"/>
+          </p:nvPr>
+        </p:nvSpPr>
+        <p:spPr/>
+        <p:txBody>
+          <a:bodyPr/>
+          <a:lstStyle/>
+          <a:p>
+            <a:r>
+              <a:rPr lang="en-US" dirty="0" smtClean="0"/>
               <a:t>Partition Around  </a:t>
             </a:r>
             <a:r>
@@ -19226,7 +24824,7 @@
         <p:spPr>
           <a:xfrm>
             <a:off x="6945548" y="1760706"/>
-            <a:ext cx="3356043" cy="3970318"/>
+            <a:ext cx="3356043" cy="3139321"/>
           </a:xfrm>
           <a:prstGeom prst="rect">
             <a:avLst/>
@@ -19245,7 +24843,7 @@
             </a:pPr>
             <a:r>
               <a:rPr lang="en-US" dirty="0" smtClean="0"/>
-              <a:t>Involves finding representative objects, called </a:t>
+              <a:t>Uses </a:t>
             </a:r>
             <a:r>
               <a:rPr lang="en-US" dirty="0" err="1" smtClean="0"/>
@@ -19253,7 +24851,25 @@
             </a:r>
             <a:r>
               <a:rPr lang="en-US" dirty="0" smtClean="0"/>
-              <a:t>, in clusters</a:t>
+              <a:t> instead of centroids</a:t>
+            </a:r>
+            <a:endParaRPr lang="en-US" dirty="0"/>
+          </a:p>
+          <a:p>
+            <a:pPr marL="285750" indent="-285750">
+              <a:buFont typeface="Arial" panose="020B0604020202020204" pitchFamily="34" charset="0"/>
+              <a:buChar char="•"/>
+            </a:pPr>
+            <a:endParaRPr lang="en-US" dirty="0" smtClean="0"/>
+          </a:p>
+          <a:p>
+            <a:pPr marL="285750" indent="-285750">
+              <a:buFont typeface="Arial" panose="020B0604020202020204" pitchFamily="34" charset="0"/>
+              <a:buChar char="•"/>
+            </a:pPr>
+            <a:r>
+              <a:rPr lang="en-US" dirty="0" smtClean="0"/>
+              <a:t>Very effective on small data sets, but scales poorly with large</a:t>
             </a:r>
           </a:p>
           <a:p>
@@ -19268,34 +24884,15 @@
               <a:buFont typeface="Arial" panose="020B0604020202020204" pitchFamily="34" charset="0"/>
               <a:buChar char="•"/>
             </a:pPr>
+            <a:r>
+              <a:rPr lang="en-US" dirty="0" smtClean="0"/>
+              <a:t>Handles outliers and noise </a:t>
+            </a:r>
+            <a:r>
+              <a:rPr lang="en-US" dirty="0" smtClean="0"/>
+              <a:t>better than K-Means</a:t>
+            </a:r>
             <a:endParaRPr lang="en-US" dirty="0" smtClean="0"/>
-          </a:p>
-          <a:p>
-            <a:pPr marL="285750" indent="-285750">
-              <a:buFont typeface="Arial" panose="020B0604020202020204" pitchFamily="34" charset="0"/>
-              <a:buChar char="•"/>
-            </a:pPr>
-            <a:r>
-              <a:rPr lang="en-US" dirty="0" smtClean="0"/>
-              <a:t>Very effective on small data sets, but scales poorly with large</a:t>
-            </a:r>
-          </a:p>
-          <a:p>
-            <a:pPr marL="285750" indent="-285750">
-              <a:buFont typeface="Arial" panose="020B0604020202020204" pitchFamily="34" charset="0"/>
-              <a:buChar char="•"/>
-            </a:pPr>
-            <a:endParaRPr lang="en-US" dirty="0"/>
-          </a:p>
-          <a:p>
-            <a:pPr marL="285750" indent="-285750">
-              <a:buFont typeface="Arial" panose="020B0604020202020204" pitchFamily="34" charset="0"/>
-              <a:buChar char="•"/>
-            </a:pPr>
-            <a:r>
-              <a:rPr lang="en-US" dirty="0" smtClean="0"/>
-              <a:t>Handles outliers and noise better</a:t>
-            </a:r>
           </a:p>
           <a:p>
             <a:endParaRPr lang="en-US" dirty="0"/>
@@ -19325,7 +24922,7 @@
 </p:sld>
 </file>
 
-<file path=ppt/slides/slide7.xml><?xml version="1.0" encoding="utf-8"?>
+<file path=ppt/slides/slide8.xml><?xml version="1.0" encoding="utf-8"?>
 <p:sld xmlns:a="http://schemas.openxmlformats.org/drawingml/2006/main" xmlns:r="http://schemas.openxmlformats.org/officeDocument/2006/relationships" xmlns:p="http://schemas.openxmlformats.org/presentationml/2006/main">
   <p:cSld>
     <p:spTree>
@@ -19596,7 +25193,7 @@
 </p:sld>
 </file>
 
-<file path=ppt/slides/slide8.xml><?xml version="1.0" encoding="utf-8"?>
+<file path=ppt/slides/slide9.xml><?xml version="1.0" encoding="utf-8"?>
 <p:sld xmlns:a="http://schemas.openxmlformats.org/drawingml/2006/main" xmlns:r="http://schemas.openxmlformats.org/officeDocument/2006/relationships" xmlns:p="http://schemas.openxmlformats.org/presentationml/2006/main">
   <p:cSld>
     <p:spTree>
@@ -19775,7 +25372,7 @@
               <a:graphicData uri="http://schemas.openxmlformats.org/presentationml/2006/ole">
                 <mc:AlternateContent xmlns:mc="http://schemas.openxmlformats.org/markup-compatibility/2006">
                   <mc:Choice xmlns:v="urn:schemas-microsoft-com:vml" Requires="v">
-                    <p:oleObj spid="_x0000_s1056" name="Worksheet" r:id="rId3" imgW="2200656" imgH="2076907" progId="Excel.Sheet.8">
+                    <p:oleObj spid="_x0000_s1072" name="Worksheet" r:id="rId3" imgW="2200656" imgH="2076907" progId="Excel.Sheet.8">
                       <p:embed/>
                     </p:oleObj>
                   </mc:Choice>
@@ -21019,7 +26616,7 @@
             <a:graphicData uri="http://schemas.openxmlformats.org/presentationml/2006/ole">
               <mc:AlternateContent xmlns:mc="http://schemas.openxmlformats.org/markup-compatibility/2006">
                 <mc:Choice xmlns:v="urn:schemas-microsoft-com:vml" Requires="v">
-                  <p:oleObj spid="_x0000_s1057" name="Document" r:id="rId5" imgW="1143000" imgH="387096" progId="Word.Document.8">
+                  <p:oleObj spid="_x0000_s1073" name="Document" r:id="rId5" imgW="1143000" imgH="387096" progId="Word.Document.8">
                     <p:embed/>
                   </p:oleObj>
                 </mc:Choice>
@@ -21179,133 +26776,6 @@
             </p:seq>
           </p:childTnLst>
         </p:cTn>
-      </p:par>
-    </p:tnLst>
-  </p:timing>
-</p:sld>
-</file>
-
-<file path=ppt/slides/slide9.xml><?xml version="1.0" encoding="utf-8"?>
-<p:sld xmlns:a="http://schemas.openxmlformats.org/drawingml/2006/main" xmlns:r="http://schemas.openxmlformats.org/officeDocument/2006/relationships" xmlns:p="http://schemas.openxmlformats.org/presentationml/2006/main">
-  <p:cSld>
-    <p:spTree>
-      <p:nvGrpSpPr>
-        <p:cNvPr id="1" name=""/>
-        <p:cNvGrpSpPr/>
-        <p:nvPr/>
-      </p:nvGrpSpPr>
-      <p:grpSpPr>
-        <a:xfrm>
-          <a:off x="0" y="0"/>
-          <a:ext cx="0" cy="0"/>
-          <a:chOff x="0" y="0"/>
-          <a:chExt cx="0" cy="0"/>
-        </a:xfrm>
-      </p:grpSpPr>
-      <p:sp>
-        <p:nvSpPr>
-          <p:cNvPr id="2" name="Title 1"/>
-          <p:cNvSpPr>
-            <a:spLocks noGrp="1"/>
-          </p:cNvSpPr>
-          <p:nvPr>
-            <p:ph type="title"/>
-          </p:nvPr>
-        </p:nvSpPr>
-        <p:spPr/>
-        <p:txBody>
-          <a:bodyPr/>
-          <a:lstStyle/>
-          <a:p>
-            <a:r>
-              <a:rPr lang="en-US" dirty="0" smtClean="0"/>
-              <a:t>Time Complexity</a:t>
-            </a:r>
-            <a:endParaRPr lang="en-US" dirty="0"/>
-          </a:p>
-        </p:txBody>
-      </p:sp>
-      <p:sp>
-        <p:nvSpPr>
-          <p:cNvPr id="3" name="Content Placeholder 2"/>
-          <p:cNvSpPr>
-            <a:spLocks noGrp="1"/>
-          </p:cNvSpPr>
-          <p:nvPr>
-            <p:ph idx="1"/>
-          </p:nvPr>
-        </p:nvSpPr>
-        <p:spPr/>
-        <p:txBody>
-          <a:bodyPr/>
-          <a:lstStyle/>
-          <a:p>
-            <a:r>
-              <a:rPr lang="en-US" dirty="0" smtClean="0"/>
-              <a:t>PAM does not do large data sets well</a:t>
-            </a:r>
-          </a:p>
-          <a:p>
-            <a:r>
-              <a:rPr lang="en-US" dirty="0" smtClean="0"/>
-              <a:t>O(k(n – k)</a:t>
-            </a:r>
-            <a:r>
-              <a:rPr lang="en-US" baseline="30000" dirty="0" smtClean="0"/>
-              <a:t>2</a:t>
-            </a:r>
-            <a:r>
-              <a:rPr lang="en-US" dirty="0" smtClean="0"/>
-              <a:t>)</a:t>
-            </a:r>
-            <a:endParaRPr lang="en-US" dirty="0"/>
-          </a:p>
-        </p:txBody>
-      </p:sp>
-      <p:pic>
-        <p:nvPicPr>
-          <p:cNvPr id="5" name="Picture 4"/>
-          <p:cNvPicPr>
-            <a:picLocks noChangeAspect="1"/>
-          </p:cNvPicPr>
-          <p:nvPr/>
-        </p:nvPicPr>
-        <p:blipFill>
-          <a:blip r:embed="rId2">
-            <a:extLst>
-              <a:ext uri="{28A0092B-C50C-407E-A947-70E740481C1C}">
-                <a14:useLocalDpi xmlns:a14="http://schemas.microsoft.com/office/drawing/2010/main" val="0"/>
-              </a:ext>
-            </a:extLst>
-          </a:blip>
-          <a:stretch>
-            <a:fillRect/>
-          </a:stretch>
-        </p:blipFill>
-        <p:spPr>
-          <a:xfrm>
-            <a:off x="5853049" y="2603500"/>
-            <a:ext cx="6228435" cy="3219784"/>
-          </a:xfrm>
-          <a:prstGeom prst="rect">
-            <a:avLst/>
-          </a:prstGeom>
-        </p:spPr>
-      </p:pic>
-    </p:spTree>
-    <p:extLst>
-      <p:ext uri="{BB962C8B-B14F-4D97-AF65-F5344CB8AC3E}">
-        <p14:creationId xmlns:p14="http://schemas.microsoft.com/office/powerpoint/2010/main" val="806575683"/>
-      </p:ext>
-    </p:extLst>
-  </p:cSld>
-  <p:clrMapOvr>
-    <a:masterClrMapping/>
-  </p:clrMapOvr>
-  <p:timing>
-    <p:tnLst>
-      <p:par>
-        <p:cTn id="1" dur="indefinite" restart="never" nodeType="tmRoot"/>
       </p:par>
     </p:tnLst>
   </p:timing>
@@ -21570,7 +27040,7 @@
   <a:extraClrSchemeLst/>
   <a:extLst>
     <a:ext uri="{05A4C25C-085E-4340-85A3-A5531E510DB2}">
-      <thm15:themeFamily xmlns:thm15="http://schemas.microsoft.com/office/thememl/2012/main" xmlns="" name="Ion Boardroom" id="{FC33163D-4339-46B1-8EED-24C834239D99}" vid="{B8502691-933B-45FE-8764-BA278511EF27}"/>
+      <thm15:themeFamily xmlns:thm15="http://schemas.microsoft.com/office/thememl/2012/main" name="Ion Boardroom" id="{FC33163D-4339-46B1-8EED-24C834239D99}" vid="{B8502691-933B-45FE-8764-BA278511EF27}"/>
     </a:ext>
   </a:extLst>
 </a:theme>

--- a/FinalPresentation.pptx
+++ b/FinalPresentation.pptx
@@ -16,23 +16,25 @@
     <p:sldId id="271" r:id="rId10"/>
     <p:sldId id="272" r:id="rId11"/>
     <p:sldId id="258" r:id="rId12"/>
-    <p:sldId id="259" r:id="rId13"/>
-    <p:sldId id="263" r:id="rId14"/>
-    <p:sldId id="280" r:id="rId15"/>
-    <p:sldId id="262" r:id="rId16"/>
-    <p:sldId id="279" r:id="rId17"/>
-    <p:sldId id="281" r:id="rId18"/>
-    <p:sldId id="275" r:id="rId19"/>
-    <p:sldId id="276" r:id="rId20"/>
-    <p:sldId id="277" r:id="rId21"/>
-    <p:sldId id="278" r:id="rId22"/>
-    <p:sldId id="283" r:id="rId23"/>
-    <p:sldId id="285" r:id="rId24"/>
-    <p:sldId id="284" r:id="rId25"/>
-    <p:sldId id="267" r:id="rId26"/>
-    <p:sldId id="268" r:id="rId27"/>
-    <p:sldId id="269" r:id="rId28"/>
-    <p:sldId id="286" r:id="rId29"/>
+    <p:sldId id="287" r:id="rId13"/>
+    <p:sldId id="288" r:id="rId14"/>
+    <p:sldId id="259" r:id="rId15"/>
+    <p:sldId id="263" r:id="rId16"/>
+    <p:sldId id="280" r:id="rId17"/>
+    <p:sldId id="262" r:id="rId18"/>
+    <p:sldId id="279" r:id="rId19"/>
+    <p:sldId id="281" r:id="rId20"/>
+    <p:sldId id="275" r:id="rId21"/>
+    <p:sldId id="276" r:id="rId22"/>
+    <p:sldId id="277" r:id="rId23"/>
+    <p:sldId id="278" r:id="rId24"/>
+    <p:sldId id="283" r:id="rId25"/>
+    <p:sldId id="285" r:id="rId26"/>
+    <p:sldId id="284" r:id="rId27"/>
+    <p:sldId id="267" r:id="rId28"/>
+    <p:sldId id="268" r:id="rId29"/>
+    <p:sldId id="269" r:id="rId30"/>
+    <p:sldId id="286" r:id="rId31"/>
   </p:sldIdLst>
   <p:sldSz cx="12192000" cy="6858000"/>
   <p:notesSz cx="6858000" cy="9144000"/>
@@ -195,7 +197,6 @@
           </a:p>
         </c:rich>
       </c:tx>
-      <c:layout/>
       <c:overlay val="0"/>
       <c:spPr>
         <a:noFill/>
@@ -358,11 +359,11 @@
           <c:showBubbleSize val="0"/>
         </c:dLbls>
         <c:smooth val="0"/>
-        <c:axId val="2046207328"/>
-        <c:axId val="2046211680"/>
+        <c:axId val="341810024"/>
+        <c:axId val="341810416"/>
       </c:lineChart>
       <c:catAx>
-        <c:axId val="2046207328"/>
+        <c:axId val="341810024"/>
         <c:scaling>
           <c:orientation val="minMax"/>
         </c:scaling>
@@ -394,7 +395,6 @@
               </a:p>
             </c:rich>
           </c:tx>
-          <c:layout/>
           <c:overlay val="0"/>
           <c:spPr>
             <a:noFill/>
@@ -441,7 +441,7 @@
             <a:endParaRPr lang="en-US"/>
           </a:p>
         </c:txPr>
-        <c:crossAx val="2046211680"/>
+        <c:crossAx val="341810416"/>
         <c:crosses val="autoZero"/>
         <c:auto val="1"/>
         <c:lblAlgn val="ctr"/>
@@ -449,7 +449,7 @@
         <c:noMultiLvlLbl val="0"/>
       </c:catAx>
       <c:valAx>
-        <c:axId val="2046211680"/>
+        <c:axId val="341810416"/>
         <c:scaling>
           <c:orientation val="minMax"/>
         </c:scaling>
@@ -500,7 +500,6 @@
               </a:p>
             </c:rich>
           </c:tx>
-          <c:layout/>
           <c:overlay val="0"/>
           <c:spPr>
             <a:noFill/>
@@ -541,7 +540,7 @@
             <a:endParaRPr lang="en-US"/>
           </a:p>
         </c:txPr>
-        <c:crossAx val="2046207328"/>
+        <c:crossAx val="341810024"/>
         <c:crosses val="autoZero"/>
         <c:crossBetween val="between"/>
       </c:valAx>
@@ -555,7 +554,6 @@
     </c:plotArea>
     <c:legend>
       <c:legendPos val="r"/>
-      <c:layout/>
       <c:overlay val="0"/>
       <c:spPr>
         <a:noFill/>
@@ -665,7 +663,6 @@
           </a:p>
         </c:rich>
       </c:tx>
-      <c:layout/>
       <c:overlay val="0"/>
       <c:spPr>
         <a:noFill/>
@@ -828,11 +825,11 @@
           <c:showBubbleSize val="0"/>
         </c:dLbls>
         <c:smooth val="0"/>
-        <c:axId val="2046206240"/>
-        <c:axId val="2046207872"/>
+        <c:axId val="341811200"/>
+        <c:axId val="341811592"/>
       </c:lineChart>
       <c:catAx>
-        <c:axId val="2046206240"/>
+        <c:axId val="341811200"/>
         <c:scaling>
           <c:orientation val="minMax"/>
         </c:scaling>
@@ -864,7 +861,6 @@
               </a:p>
             </c:rich>
           </c:tx>
-          <c:layout/>
           <c:overlay val="0"/>
           <c:spPr>
             <a:noFill/>
@@ -911,7 +907,7 @@
             <a:endParaRPr lang="en-US"/>
           </a:p>
         </c:txPr>
-        <c:crossAx val="2046207872"/>
+        <c:crossAx val="341811592"/>
         <c:crosses val="autoZero"/>
         <c:auto val="1"/>
         <c:lblAlgn val="ctr"/>
@@ -919,7 +915,7 @@
         <c:noMultiLvlLbl val="0"/>
       </c:catAx>
       <c:valAx>
-        <c:axId val="2046207872"/>
+        <c:axId val="341811592"/>
         <c:scaling>
           <c:orientation val="minMax"/>
         </c:scaling>
@@ -970,7 +966,6 @@
               </a:p>
             </c:rich>
           </c:tx>
-          <c:layout/>
           <c:overlay val="0"/>
           <c:spPr>
             <a:noFill/>
@@ -1011,7 +1006,7 @@
             <a:endParaRPr lang="en-US"/>
           </a:p>
         </c:txPr>
-        <c:crossAx val="2046206240"/>
+        <c:crossAx val="341811200"/>
         <c:crosses val="autoZero"/>
         <c:crossBetween val="between"/>
       </c:valAx>
@@ -1025,7 +1020,6 @@
     </c:plotArea>
     <c:legend>
       <c:legendPos val="r"/>
-      <c:layout/>
       <c:overlay val="0"/>
       <c:spPr>
         <a:noFill/>
@@ -1130,7 +1124,6 @@
           </a:p>
         </c:rich>
       </c:tx>
-      <c:layout/>
       <c:overlay val="0"/>
       <c:spPr>
         <a:noFill/>
@@ -1293,11 +1286,11 @@
           <c:showBubbleSize val="0"/>
         </c:dLbls>
         <c:smooth val="0"/>
-        <c:axId val="1836872240"/>
-        <c:axId val="2097683152"/>
+        <c:axId val="342705496"/>
+        <c:axId val="342705888"/>
       </c:lineChart>
       <c:catAx>
-        <c:axId val="1836872240"/>
+        <c:axId val="342705496"/>
         <c:scaling>
           <c:orientation val="minMax"/>
         </c:scaling>
@@ -1329,7 +1322,6 @@
               </a:p>
             </c:rich>
           </c:tx>
-          <c:layout/>
           <c:overlay val="0"/>
           <c:spPr>
             <a:noFill/>
@@ -1376,7 +1368,7 @@
             <a:endParaRPr lang="en-US"/>
           </a:p>
         </c:txPr>
-        <c:crossAx val="2097683152"/>
+        <c:crossAx val="342705888"/>
         <c:crosses val="autoZero"/>
         <c:auto val="1"/>
         <c:lblAlgn val="ctr"/>
@@ -1384,7 +1376,7 @@
         <c:noMultiLvlLbl val="0"/>
       </c:catAx>
       <c:valAx>
-        <c:axId val="2097683152"/>
+        <c:axId val="342705888"/>
         <c:scaling>
           <c:orientation val="minMax"/>
         </c:scaling>
@@ -1430,7 +1422,6 @@
               </a:p>
             </c:rich>
           </c:tx>
-          <c:layout/>
           <c:overlay val="0"/>
           <c:spPr>
             <a:noFill/>
@@ -1471,7 +1462,7 @@
             <a:endParaRPr lang="en-US"/>
           </a:p>
         </c:txPr>
-        <c:crossAx val="1836872240"/>
+        <c:crossAx val="342705496"/>
         <c:crosses val="autoZero"/>
         <c:crossBetween val="between"/>
       </c:valAx>
@@ -1485,7 +1476,6 @@
     </c:plotArea>
     <c:legend>
       <c:legendPos val="r"/>
-      <c:layout/>
       <c:overlay val="0"/>
       <c:spPr>
         <a:noFill/>
@@ -1595,7 +1585,6 @@
           </a:p>
         </c:rich>
       </c:tx>
-      <c:layout/>
       <c:overlay val="0"/>
       <c:spPr>
         <a:noFill/>
@@ -1758,11 +1747,11 @@
           <c:showBubbleSize val="0"/>
         </c:dLbls>
         <c:smooth val="0"/>
-        <c:axId val="2097677168"/>
-        <c:axId val="2097686416"/>
+        <c:axId val="342706672"/>
+        <c:axId val="342707064"/>
       </c:lineChart>
       <c:catAx>
-        <c:axId val="2097677168"/>
+        <c:axId val="342706672"/>
         <c:scaling>
           <c:orientation val="minMax"/>
         </c:scaling>
@@ -1799,7 +1788,6 @@
               </a:p>
             </c:rich>
           </c:tx>
-          <c:layout/>
           <c:overlay val="0"/>
           <c:spPr>
             <a:noFill/>
@@ -1846,7 +1834,7 @@
             <a:endParaRPr lang="en-US"/>
           </a:p>
         </c:txPr>
-        <c:crossAx val="2097686416"/>
+        <c:crossAx val="342707064"/>
         <c:crosses val="autoZero"/>
         <c:auto val="1"/>
         <c:lblAlgn val="ctr"/>
@@ -1854,7 +1842,7 @@
         <c:noMultiLvlLbl val="0"/>
       </c:catAx>
       <c:valAx>
-        <c:axId val="2097686416"/>
+        <c:axId val="342707064"/>
         <c:scaling>
           <c:orientation val="minMax"/>
         </c:scaling>
@@ -1900,7 +1888,6 @@
               </a:p>
             </c:rich>
           </c:tx>
-          <c:layout/>
           <c:overlay val="0"/>
           <c:spPr>
             <a:noFill/>
@@ -1941,7 +1928,7 @@
             <a:endParaRPr lang="en-US"/>
           </a:p>
         </c:txPr>
-        <c:crossAx val="2097677168"/>
+        <c:crossAx val="342706672"/>
         <c:crosses val="autoZero"/>
         <c:crossBetween val="between"/>
       </c:valAx>
@@ -1955,7 +1942,6 @@
     </c:plotArea>
     <c:legend>
       <c:legendPos val="r"/>
-      <c:layout/>
       <c:overlay val="0"/>
       <c:spPr>
         <a:noFill/>
@@ -2065,7 +2051,6 @@
           </a:p>
         </c:rich>
       </c:tx>
-      <c:layout/>
       <c:overlay val="0"/>
       <c:spPr>
         <a:noFill/>
@@ -2228,11 +2213,11 @@
           <c:showBubbleSize val="0"/>
         </c:dLbls>
         <c:smooth val="0"/>
-        <c:axId val="2097684784"/>
-        <c:axId val="2097690224"/>
+        <c:axId val="342707848"/>
+        <c:axId val="342708240"/>
       </c:lineChart>
       <c:catAx>
-        <c:axId val="2097684784"/>
+        <c:axId val="342707848"/>
         <c:scaling>
           <c:orientation val="minMax"/>
         </c:scaling>
@@ -2269,7 +2254,6 @@
               </a:p>
             </c:rich>
           </c:tx>
-          <c:layout/>
           <c:overlay val="0"/>
           <c:spPr>
             <a:noFill/>
@@ -2316,7 +2300,7 @@
             <a:endParaRPr lang="en-US"/>
           </a:p>
         </c:txPr>
-        <c:crossAx val="2097690224"/>
+        <c:crossAx val="342708240"/>
         <c:crosses val="autoZero"/>
         <c:auto val="1"/>
         <c:lblAlgn val="ctr"/>
@@ -2324,7 +2308,7 @@
         <c:noMultiLvlLbl val="0"/>
       </c:catAx>
       <c:valAx>
-        <c:axId val="2097690224"/>
+        <c:axId val="342708240"/>
         <c:scaling>
           <c:orientation val="minMax"/>
         </c:scaling>
@@ -2370,7 +2354,6 @@
               </a:p>
             </c:rich>
           </c:tx>
-          <c:layout/>
           <c:overlay val="0"/>
           <c:spPr>
             <a:noFill/>
@@ -2411,7 +2394,7 @@
             <a:endParaRPr lang="en-US"/>
           </a:p>
         </c:txPr>
-        <c:crossAx val="2097684784"/>
+        <c:crossAx val="342707848"/>
         <c:crosses val="autoZero"/>
         <c:crossBetween val="between"/>
       </c:valAx>
@@ -2425,7 +2408,6 @@
     </c:plotArea>
     <c:legend>
       <c:legendPos val="r"/>
-      <c:layout/>
       <c:overlay val="0"/>
       <c:spPr>
         <a:noFill/>
@@ -2535,7 +2517,6 @@
           </a:p>
         </c:rich>
       </c:tx>
-      <c:layout/>
       <c:overlay val="0"/>
       <c:spPr>
         <a:noFill/>
@@ -2698,11 +2679,11 @@
           <c:showBubbleSize val="0"/>
         </c:dLbls>
         <c:smooth val="0"/>
-        <c:axId val="2097683696"/>
-        <c:axId val="2097685328"/>
+        <c:axId val="342709024"/>
+        <c:axId val="342926976"/>
       </c:lineChart>
       <c:catAx>
-        <c:axId val="2097683696"/>
+        <c:axId val="342709024"/>
         <c:scaling>
           <c:orientation val="minMax"/>
         </c:scaling>
@@ -2739,7 +2720,6 @@
               </a:p>
             </c:rich>
           </c:tx>
-          <c:layout/>
           <c:overlay val="0"/>
           <c:spPr>
             <a:noFill/>
@@ -2786,7 +2766,7 @@
             <a:endParaRPr lang="en-US"/>
           </a:p>
         </c:txPr>
-        <c:crossAx val="2097685328"/>
+        <c:crossAx val="342926976"/>
         <c:crosses val="autoZero"/>
         <c:auto val="1"/>
         <c:lblAlgn val="ctr"/>
@@ -2794,7 +2774,7 @@
         <c:noMultiLvlLbl val="0"/>
       </c:catAx>
       <c:valAx>
-        <c:axId val="2097685328"/>
+        <c:axId val="342926976"/>
         <c:scaling>
           <c:orientation val="minMax"/>
         </c:scaling>
@@ -2840,7 +2820,6 @@
               </a:p>
             </c:rich>
           </c:tx>
-          <c:layout/>
           <c:overlay val="0"/>
           <c:spPr>
             <a:noFill/>
@@ -2881,7 +2860,7 @@
             <a:endParaRPr lang="en-US"/>
           </a:p>
         </c:txPr>
-        <c:crossAx val="2097683696"/>
+        <c:crossAx val="342709024"/>
         <c:crosses val="autoZero"/>
         <c:crossBetween val="between"/>
       </c:valAx>
@@ -2895,7 +2874,6 @@
     </c:plotArea>
     <c:legend>
       <c:legendPos val="r"/>
-      <c:layout/>
       <c:overlay val="0"/>
       <c:spPr>
         <a:noFill/>
@@ -3006,7 +2984,6 @@
           </a:p>
         </c:rich>
       </c:tx>
-      <c:layout/>
       <c:overlay val="0"/>
       <c:spPr>
         <a:noFill/>
@@ -3339,11 +3316,11 @@
           <c:showBubbleSize val="0"/>
         </c:dLbls>
         <c:smooth val="0"/>
-        <c:axId val="78735872"/>
-        <c:axId val="78725536"/>
+        <c:axId val="342927760"/>
+        <c:axId val="342928152"/>
       </c:lineChart>
       <c:catAx>
-        <c:axId val="78735872"/>
+        <c:axId val="342927760"/>
         <c:scaling>
           <c:orientation val="minMax"/>
         </c:scaling>
@@ -3446,7 +3423,7 @@
             <a:endParaRPr lang="en-US"/>
           </a:p>
         </c:txPr>
-        <c:crossAx val="78725536"/>
+        <c:crossAx val="342928152"/>
         <c:crosses val="autoZero"/>
         <c:auto val="1"/>
         <c:lblAlgn val="ctr"/>
@@ -3454,7 +3431,7 @@
         <c:noMultiLvlLbl val="0"/>
       </c:catAx>
       <c:valAx>
-        <c:axId val="78725536"/>
+        <c:axId val="342928152"/>
         <c:scaling>
           <c:orientation val="minMax"/>
         </c:scaling>
@@ -3499,7 +3476,6 @@
               </a:p>
             </c:rich>
           </c:tx>
-          <c:layout/>
           <c:overlay val="0"/>
           <c:spPr>
             <a:noFill/>
@@ -3558,7 +3534,7 @@
             <a:endParaRPr lang="en-US"/>
           </a:p>
         </c:txPr>
-        <c:crossAx val="78735872"/>
+        <c:crossAx val="342927760"/>
         <c:crosses val="autoZero"/>
         <c:crossBetween val="between"/>
       </c:valAx>
@@ -3609,7 +3585,6 @@
     </c:plotArea>
     <c:legend>
       <c:legendPos val="b"/>
-      <c:layout/>
       <c:overlay val="0"/>
       <c:spPr>
         <a:noFill/>
@@ -3961,11 +3936,11 @@
           <c:showBubbleSize val="0"/>
         </c:dLbls>
         <c:smooth val="0"/>
-        <c:axId val="2097689136"/>
-        <c:axId val="78733696"/>
+        <c:axId val="342929328"/>
+        <c:axId val="342929720"/>
       </c:lineChart>
       <c:catAx>
-        <c:axId val="2097689136"/>
+        <c:axId val="342929328"/>
         <c:scaling>
           <c:orientation val="minMax"/>
         </c:scaling>
@@ -3997,7 +3972,6 @@
               </a:p>
             </c:rich>
           </c:tx>
-          <c:layout/>
           <c:overlay val="0"/>
           <c:spPr>
             <a:noFill/>
@@ -4064,7 +4038,7 @@
             <a:endParaRPr lang="en-US"/>
           </a:p>
         </c:txPr>
-        <c:crossAx val="78733696"/>
+        <c:crossAx val="342929720"/>
         <c:crosses val="autoZero"/>
         <c:auto val="1"/>
         <c:lblAlgn val="ctr"/>
@@ -4072,7 +4046,7 @@
         <c:noMultiLvlLbl val="0"/>
       </c:catAx>
       <c:valAx>
-        <c:axId val="78733696"/>
+        <c:axId val="342929720"/>
         <c:scaling>
           <c:orientation val="minMax"/>
         </c:scaling>
@@ -4118,7 +4092,6 @@
               </a:p>
             </c:rich>
           </c:tx>
-          <c:layout/>
           <c:overlay val="0"/>
           <c:spPr>
             <a:noFill/>
@@ -4179,7 +4152,7 @@
             <a:endParaRPr lang="en-US"/>
           </a:p>
         </c:txPr>
-        <c:crossAx val="2097689136"/>
+        <c:crossAx val="342929328"/>
         <c:crosses val="autoZero"/>
         <c:crossBetween val="between"/>
       </c:valAx>
@@ -4193,7 +4166,6 @@
     </c:plotArea>
     <c:legend>
       <c:legendPos val="b"/>
-      <c:layout/>
       <c:overlay val="0"/>
       <c:spPr>
         <a:noFill/>
@@ -4338,7 +4310,6 @@
             <c:showLeaderLines val="0"/>
             <c:extLst>
               <c:ext xmlns:c15="http://schemas.microsoft.com/office/drawing/2012/chart" uri="{CE6537A1-D6FC-4f65-9D91-7224C49458BB}">
-                <c15:layout/>
                 <c15:showLeaderLines val="1"/>
                 <c15:leaderLines>
                   <c:spPr>
@@ -4468,7 +4439,6 @@
             <c:showLeaderLines val="0"/>
             <c:extLst>
               <c:ext xmlns:c15="http://schemas.microsoft.com/office/drawing/2012/chart" uri="{CE6537A1-D6FC-4f65-9D91-7224C49458BB}">
-                <c15:layout/>
                 <c15:showLeaderLines val="1"/>
                 <c15:leaderLines>
                   <c:spPr>
@@ -4598,7 +4568,6 @@
             <c:showLeaderLines val="0"/>
             <c:extLst>
               <c:ext xmlns:c15="http://schemas.microsoft.com/office/drawing/2012/chart" uri="{CE6537A1-D6FC-4f65-9D91-7224C49458BB}">
-                <c15:layout/>
                 <c15:showLeaderLines val="1"/>
                 <c15:leaderLines>
                   <c:spPr>
@@ -4728,7 +4697,6 @@
             <c:showLeaderLines val="0"/>
             <c:extLst>
               <c:ext xmlns:c15="http://schemas.microsoft.com/office/drawing/2012/chart" uri="{CE6537A1-D6FC-4f65-9D91-7224C49458BB}">
-                <c15:layout/>
                 <c15:showLeaderLines val="1"/>
                 <c15:leaderLines>
                   <c:spPr>
@@ -4801,11 +4769,11 @@
         </c:dLbls>
         <c:marker val="1"/>
         <c:smooth val="0"/>
-        <c:axId val="1837060464"/>
-        <c:axId val="2097690768"/>
+        <c:axId val="342930504"/>
+        <c:axId val="342303056"/>
       </c:lineChart>
       <c:catAx>
-        <c:axId val="1837060464"/>
+        <c:axId val="342930504"/>
         <c:scaling>
           <c:orientation val="minMax"/>
         </c:scaling>
@@ -4837,7 +4805,6 @@
               </a:p>
             </c:rich>
           </c:tx>
-          <c:layout/>
           <c:overlay val="0"/>
           <c:spPr>
             <a:noFill/>
@@ -4904,7 +4871,7 @@
             <a:endParaRPr lang="en-US"/>
           </a:p>
         </c:txPr>
-        <c:crossAx val="2097690768"/>
+        <c:crossAx val="342303056"/>
         <c:crosses val="autoZero"/>
         <c:auto val="1"/>
         <c:lblAlgn val="ctr"/>
@@ -4912,7 +4879,7 @@
         <c:noMultiLvlLbl val="0"/>
       </c:catAx>
       <c:valAx>
-        <c:axId val="2097690768"/>
+        <c:axId val="342303056"/>
         <c:scaling>
           <c:orientation val="minMax"/>
         </c:scaling>
@@ -4944,7 +4911,6 @@
               </a:p>
             </c:rich>
           </c:tx>
-          <c:layout/>
           <c:overlay val="0"/>
           <c:spPr>
             <a:noFill/>
@@ -4978,7 +4944,7 @@
         <c:majorTickMark val="none"/>
         <c:minorTickMark val="none"/>
         <c:tickLblPos val="nextTo"/>
-        <c:crossAx val="1837060464"/>
+        <c:crossAx val="342930504"/>
         <c:crosses val="autoZero"/>
         <c:crossBetween val="between"/>
       </c:valAx>
@@ -4992,7 +4958,6 @@
     </c:plotArea>
     <c:legend>
       <c:legendPos val="b"/>
-      <c:layout/>
       <c:overlay val="0"/>
       <c:spPr>
         <a:noFill/>
@@ -7035,7 +7000,7 @@
             <a:fld id="{5923F103-BC34-4FE4-A40E-EDDEECFDA5D0}" type="datetimeFigureOut">
               <a:rPr lang="en-US" dirty="0"/>
               <a:pPr/>
-              <a:t>5/6/2014</a:t>
+              <a:t>5/7/2014</a:t>
             </a:fld>
             <a:endParaRPr lang="en-US" dirty="0"/>
           </a:p>
@@ -8123,7 +8088,7 @@
           <a:p>
             <a:fld id="{923A1CC3-2375-41D4-9E03-427CAF2A4C1A}" type="datetimeFigureOut">
               <a:rPr lang="en-US" dirty="0"/>
-              <a:t>5/6/2014</a:t>
+              <a:t>5/7/2014</a:t>
             </a:fld>
             <a:endParaRPr lang="en-US" dirty="0"/>
           </a:p>
@@ -9103,7 +9068,7 @@
           <a:p>
             <a:fld id="{AFF16868-8199-4C2C-A5B1-63AEE139F88E}" type="datetimeFigureOut">
               <a:rPr lang="en-US" dirty="0"/>
-              <a:t>5/6/2014</a:t>
+              <a:t>5/7/2014</a:t>
             </a:fld>
             <a:endParaRPr lang="en-US" dirty="0"/>
           </a:p>
@@ -10237,7 +10202,7 @@
           <a:p>
             <a:fld id="{AAD9FF7F-6988-44CC-821B-644E70CD2F73}" type="datetimeFigureOut">
               <a:rPr lang="en-US" dirty="0"/>
-              <a:t>5/6/2014</a:t>
+              <a:t>5/7/2014</a:t>
             </a:fld>
             <a:endParaRPr lang="en-US" dirty="0"/>
           </a:p>
@@ -11270,7 +11235,7 @@
           <a:p>
             <a:fld id="{5C12C299-16B2-4475-990D-751901EACC14}" type="datetimeFigureOut">
               <a:rPr lang="en-US" dirty="0"/>
-              <a:t>5/6/2014</a:t>
+              <a:t>5/7/2014</a:t>
             </a:fld>
             <a:endParaRPr lang="en-US" dirty="0"/>
           </a:p>
@@ -11930,7 +11895,7 @@
           <a:p>
             <a:fld id="{9FE86839-B9D8-4651-8783-F325ECE74E65}" type="datetimeFigureOut">
               <a:rPr lang="en-US" dirty="0"/>
-              <a:t>5/6/2014</a:t>
+              <a:t>5/7/2014</a:t>
             </a:fld>
             <a:endParaRPr lang="en-US" dirty="0"/>
           </a:p>
@@ -12791,7 +12756,7 @@
           <a:p>
             <a:fld id="{FD484F64-32F6-45C5-931F-ADC1662401D0}" type="datetimeFigureOut">
               <a:rPr lang="en-US" dirty="0"/>
-              <a:t>5/6/2014</a:t>
+              <a:t>5/7/2014</a:t>
             </a:fld>
             <a:endParaRPr lang="en-US" dirty="0"/>
           </a:p>
@@ -12981,7 +12946,7 @@
           <a:p>
             <a:fld id="{53086D93-FCAC-47E0-A2EE-787E62CA814C}" type="datetimeFigureOut">
               <a:rPr lang="en-US" dirty="0"/>
-              <a:t>5/6/2014</a:t>
+              <a:t>5/7/2014</a:t>
             </a:fld>
             <a:endParaRPr lang="en-US" dirty="0"/>
           </a:p>
@@ -13953,7 +13918,7 @@
           <a:p>
             <a:fld id="{CDA879A6-0FD0-4734-A311-86BFCA472E6E}" type="datetimeFigureOut">
               <a:rPr lang="en-US" dirty="0"/>
-              <a:t>5/6/2014</a:t>
+              <a:t>5/7/2014</a:t>
             </a:fld>
             <a:endParaRPr lang="en-US" dirty="0"/>
           </a:p>
@@ -14164,7 +14129,7 @@
           <a:p>
             <a:fld id="{19C9CA7B-DFD4-44B5-8C60-D14B8CD1FB59}" type="datetimeFigureOut">
               <a:rPr lang="en-US" dirty="0"/>
-              <a:t>5/6/2014</a:t>
+              <a:t>5/7/2014</a:t>
             </a:fld>
             <a:endParaRPr lang="en-US" dirty="0"/>
           </a:p>
@@ -15198,7 +15163,7 @@
           <a:p>
             <a:fld id="{F34E6425-0181-43F2-84FC-787E803FD2F8}" type="datetimeFigureOut">
               <a:rPr lang="en-US" dirty="0"/>
-              <a:t>5/6/2014</a:t>
+              <a:t>5/7/2014</a:t>
             </a:fld>
             <a:endParaRPr lang="en-US" dirty="0"/>
           </a:p>
@@ -15470,7 +15435,7 @@
           <a:p>
             <a:fld id="{3BDB8791-F1B0-41E7-B7FD-A781E65C4266}" type="datetimeFigureOut">
               <a:rPr lang="en-US" dirty="0"/>
-              <a:t>5/6/2014</a:t>
+              <a:t>5/7/2014</a:t>
             </a:fld>
             <a:endParaRPr lang="en-US" dirty="0"/>
           </a:p>
@@ -15880,7 +15845,7 @@
           <a:p>
             <a:fld id="{5FDD63B2-E120-4ED8-B27B-C685F510A5FE}" type="datetimeFigureOut">
               <a:rPr lang="en-US" dirty="0"/>
-              <a:t>5/6/2014</a:t>
+              <a:t>5/7/2014</a:t>
             </a:fld>
             <a:endParaRPr lang="en-US" dirty="0"/>
           </a:p>
@@ -16007,7 +15972,7 @@
           <a:p>
             <a:fld id="{7AA18ACC-A947-437B-A130-35BD54FDF1E9}" type="datetimeFigureOut">
               <a:rPr lang="en-US" dirty="0"/>
-              <a:t>5/6/2014</a:t>
+              <a:t>5/7/2014</a:t>
             </a:fld>
             <a:endParaRPr lang="en-US" dirty="0"/>
           </a:p>
@@ -16102,7 +16067,7 @@
           <a:p>
             <a:fld id="{7C8D7E02-BCB8-4D50-A234-369438C08659}" type="datetimeFigureOut">
               <a:rPr lang="en-US" dirty="0"/>
-              <a:t>5/6/2014</a:t>
+              <a:t>5/7/2014</a:t>
             </a:fld>
             <a:endParaRPr lang="en-US" dirty="0"/>
           </a:p>
@@ -17183,7 +17148,7 @@
           <a:p>
             <a:fld id="{76E86A4C-8E40-4F87-A4F0-01A0687C5742}" type="datetimeFigureOut">
               <a:rPr lang="en-US" dirty="0"/>
-              <a:t>5/6/2014</a:t>
+              <a:t>5/7/2014</a:t>
             </a:fld>
             <a:endParaRPr lang="en-US" dirty="0"/>
           </a:p>
@@ -18291,7 +18256,7 @@
           <a:p>
             <a:fld id="{35E72C73-2D91-4E12-BA25-F0AA0C03599B}" type="datetimeFigureOut">
               <a:rPr lang="en-US" dirty="0"/>
-              <a:t>5/6/2014</a:t>
+              <a:t>5/7/2014</a:t>
             </a:fld>
             <a:endParaRPr lang="en-US" dirty="0"/>
           </a:p>
@@ -19288,7 +19253,7 @@
           <a:p>
             <a:fld id="{2BE451C3-0FF4-47C4-B829-773ADF60F88C}" type="datetimeFigureOut">
               <a:rPr lang="en-US" dirty="0"/>
-              <a:t>5/6/2014</a:t>
+              <a:t>5/7/2014</a:t>
             </a:fld>
             <a:endParaRPr lang="en-US" dirty="0"/>
           </a:p>
@@ -19865,11 +19830,7 @@
           <a:p>
             <a:r>
               <a:rPr lang="en-US" dirty="0" smtClean="0"/>
-              <a:t>Social Media </a:t>
-            </a:r>
-            <a:r>
-              <a:rPr lang="en-US" dirty="0" smtClean="0"/>
-              <a:t>Clustering</a:t>
+              <a:t>Social Media Clustering</a:t>
             </a:r>
             <a:endParaRPr lang="en-US" dirty="0"/>
           </a:p>
@@ -20159,7 +20120,7 @@
       </p:grpSpPr>
       <p:sp>
         <p:nvSpPr>
-          <p:cNvPr id="2" name="Title 1"/>
+          <p:cNvPr id="4" name="Title 3"/>
           <p:cNvSpPr>
             <a:spLocks noGrp="1"/>
           </p:cNvSpPr>
@@ -20174,7 +20135,7 @@
           <a:p>
             <a:r>
               <a:rPr lang="en-US" dirty="0" smtClean="0"/>
-              <a:t>OPTICS</a:t>
+              <a:t>Algorithm</a:t>
             </a:r>
             <a:endParaRPr lang="en-US" dirty="0"/>
           </a:p>
@@ -20182,12 +20143,12 @@
       </p:sp>
       <p:sp>
         <p:nvSpPr>
-          <p:cNvPr id="3" name="Text Placeholder 2"/>
+          <p:cNvPr id="5" name="Content Placeholder 4"/>
           <p:cNvSpPr>
             <a:spLocks noGrp="1"/>
           </p:cNvSpPr>
           <p:nvPr>
-            <p:ph type="body" idx="1"/>
+            <p:ph idx="1"/>
           </p:nvPr>
         </p:nvSpPr>
         <p:spPr/>
@@ -20196,16 +20157,53 @@
           <a:lstStyle/>
           <a:p>
             <a:r>
+              <a:rPr lang="en-US" dirty="0"/>
+              <a:t>Compute the proximity matrix</a:t>
+            </a:r>
+          </a:p>
+          <a:p>
+            <a:r>
+              <a:rPr lang="en-US" dirty="0"/>
+              <a:t>Let each data point be a cluster</a:t>
+            </a:r>
+          </a:p>
+          <a:p>
+            <a:r>
+              <a:rPr lang="en-US" dirty="0"/>
+              <a:t>Repeat</a:t>
+            </a:r>
+          </a:p>
+          <a:p>
+            <a:pPr lvl="1"/>
+            <a:r>
+              <a:rPr lang="en-US" dirty="0"/>
+              <a:t>Merge the two closest clusters</a:t>
+            </a:r>
+          </a:p>
+          <a:p>
+            <a:pPr lvl="1"/>
+            <a:r>
+              <a:rPr lang="en-US" dirty="0"/>
+              <a:t>Update the proximity matrix </a:t>
+            </a:r>
+          </a:p>
+          <a:p>
+            <a:r>
+              <a:rPr lang="en-US" dirty="0"/>
+              <a:t>Until only a single cluster </a:t>
+            </a:r>
+            <a:r>
               <a:rPr lang="en-US" dirty="0" smtClean="0"/>
-              <a:t>The answer to </a:t>
-            </a:r>
-            <a:r>
-              <a:rPr lang="en-US" dirty="0" err="1" smtClean="0"/>
-              <a:t>Dbscan’s</a:t>
-            </a:r>
+              <a:t>remains</a:t>
+            </a:r>
+          </a:p>
+          <a:p>
+            <a:endParaRPr lang="en-US" dirty="0"/>
+          </a:p>
+          <a:p>
             <a:r>
               <a:rPr lang="en-US" dirty="0" smtClean="0"/>
-              <a:t> weakness</a:t>
+              <a:t>(Or when you reach the desired number of clusters)</a:t>
             </a:r>
             <a:endParaRPr lang="en-US" dirty="0"/>
           </a:p>
@@ -20214,20 +20212,13 @@
     </p:spTree>
     <p:extLst>
       <p:ext uri="{BB962C8B-B14F-4D97-AF65-F5344CB8AC3E}">
-        <p14:creationId xmlns:p14="http://schemas.microsoft.com/office/powerpoint/2010/main" val="182264284"/>
+        <p14:creationId xmlns:p14="http://schemas.microsoft.com/office/powerpoint/2010/main" val="666553469"/>
       </p:ext>
     </p:extLst>
   </p:cSld>
   <p:clrMapOvr>
     <a:masterClrMapping/>
   </p:clrMapOvr>
-  <p:timing>
-    <p:tnLst>
-      <p:par>
-        <p:cTn id="1" dur="indefinite" restart="never" nodeType="tmRoot"/>
-      </p:par>
-    </p:tnLst>
-  </p:timing>
 </p:sld>
 </file>
 
@@ -20265,6 +20256,190 @@
           <a:p>
             <a:r>
               <a:rPr lang="en-US" dirty="0" smtClean="0"/>
+              <a:t>Differences From Other Similar Algorithms</a:t>
+            </a:r>
+            <a:endParaRPr lang="en-US" dirty="0"/>
+          </a:p>
+        </p:txBody>
+      </p:sp>
+      <p:sp>
+        <p:nvSpPr>
+          <p:cNvPr id="3" name="Content Placeholder 2"/>
+          <p:cNvSpPr>
+            <a:spLocks noGrp="1"/>
+          </p:cNvSpPr>
+          <p:nvPr>
+            <p:ph idx="1"/>
+          </p:nvPr>
+        </p:nvSpPr>
+        <p:spPr/>
+        <p:txBody>
+          <a:bodyPr/>
+          <a:lstStyle/>
+          <a:p>
+            <a:r>
+              <a:rPr lang="en-US" dirty="0" smtClean="0"/>
+              <a:t>Takes the average distance of all points in the cluster to all points in another cluster</a:t>
+            </a:r>
+          </a:p>
+          <a:p>
+            <a:r>
+              <a:rPr lang="en-US" dirty="0"/>
+              <a:t>Less susceptible to noise and </a:t>
+            </a:r>
+            <a:r>
+              <a:rPr lang="en-US" dirty="0" smtClean="0"/>
+              <a:t>outliers</a:t>
+            </a:r>
+          </a:p>
+          <a:p>
+            <a:pPr lvl="1"/>
+            <a:r>
+              <a:rPr lang="en-US" dirty="0" smtClean="0"/>
+              <a:t>Get more accurate readings for better results</a:t>
+            </a:r>
+            <a:endParaRPr lang="en-US" dirty="0"/>
+          </a:p>
+        </p:txBody>
+      </p:sp>
+    </p:spTree>
+    <p:extLst>
+      <p:ext uri="{BB962C8B-B14F-4D97-AF65-F5344CB8AC3E}">
+        <p14:creationId xmlns:p14="http://schemas.microsoft.com/office/powerpoint/2010/main" val="2727446323"/>
+      </p:ext>
+    </p:extLst>
+  </p:cSld>
+  <p:clrMapOvr>
+    <a:masterClrMapping/>
+  </p:clrMapOvr>
+</p:sld>
+</file>
+
+<file path=ppt/slides/slide14.xml><?xml version="1.0" encoding="utf-8"?>
+<p:sld xmlns:a="http://schemas.openxmlformats.org/drawingml/2006/main" xmlns:r="http://schemas.openxmlformats.org/officeDocument/2006/relationships" xmlns:p="http://schemas.openxmlformats.org/presentationml/2006/main">
+  <p:cSld>
+    <p:spTree>
+      <p:nvGrpSpPr>
+        <p:cNvPr id="1" name=""/>
+        <p:cNvGrpSpPr/>
+        <p:nvPr/>
+      </p:nvGrpSpPr>
+      <p:grpSpPr>
+        <a:xfrm>
+          <a:off x="0" y="0"/>
+          <a:ext cx="0" cy="0"/>
+          <a:chOff x="0" y="0"/>
+          <a:chExt cx="0" cy="0"/>
+        </a:xfrm>
+      </p:grpSpPr>
+      <p:sp>
+        <p:nvSpPr>
+          <p:cNvPr id="2" name="Title 1"/>
+          <p:cNvSpPr>
+            <a:spLocks noGrp="1"/>
+          </p:cNvSpPr>
+          <p:nvPr>
+            <p:ph type="title"/>
+          </p:nvPr>
+        </p:nvSpPr>
+        <p:spPr/>
+        <p:txBody>
+          <a:bodyPr/>
+          <a:lstStyle/>
+          <a:p>
+            <a:r>
+              <a:rPr lang="en-US" dirty="0" smtClean="0"/>
+              <a:t>OPTICS</a:t>
+            </a:r>
+            <a:endParaRPr lang="en-US" dirty="0"/>
+          </a:p>
+        </p:txBody>
+      </p:sp>
+      <p:sp>
+        <p:nvSpPr>
+          <p:cNvPr id="3" name="Text Placeholder 2"/>
+          <p:cNvSpPr>
+            <a:spLocks noGrp="1"/>
+          </p:cNvSpPr>
+          <p:nvPr>
+            <p:ph type="body" idx="1"/>
+          </p:nvPr>
+        </p:nvSpPr>
+        <p:spPr/>
+        <p:txBody>
+          <a:bodyPr/>
+          <a:lstStyle/>
+          <a:p>
+            <a:r>
+              <a:rPr lang="en-US" dirty="0" smtClean="0"/>
+              <a:t>The answer to </a:t>
+            </a:r>
+            <a:r>
+              <a:rPr lang="en-US" dirty="0" err="1" smtClean="0"/>
+              <a:t>Dbscan’s</a:t>
+            </a:r>
+            <a:r>
+              <a:rPr lang="en-US" dirty="0" smtClean="0"/>
+              <a:t> weakness</a:t>
+            </a:r>
+            <a:endParaRPr lang="en-US" dirty="0"/>
+          </a:p>
+        </p:txBody>
+      </p:sp>
+    </p:spTree>
+    <p:extLst>
+      <p:ext uri="{BB962C8B-B14F-4D97-AF65-F5344CB8AC3E}">
+        <p14:creationId xmlns:p14="http://schemas.microsoft.com/office/powerpoint/2010/main" val="182264284"/>
+      </p:ext>
+    </p:extLst>
+  </p:cSld>
+  <p:clrMapOvr>
+    <a:masterClrMapping/>
+  </p:clrMapOvr>
+  <p:timing>
+    <p:tnLst>
+      <p:par>
+        <p:cTn id="1" dur="indefinite" restart="never" nodeType="tmRoot"/>
+      </p:par>
+    </p:tnLst>
+  </p:timing>
+</p:sld>
+</file>
+
+<file path=ppt/slides/slide15.xml><?xml version="1.0" encoding="utf-8"?>
+<p:sld xmlns:a="http://schemas.openxmlformats.org/drawingml/2006/main" xmlns:r="http://schemas.openxmlformats.org/officeDocument/2006/relationships" xmlns:p="http://schemas.openxmlformats.org/presentationml/2006/main">
+  <p:cSld>
+    <p:spTree>
+      <p:nvGrpSpPr>
+        <p:cNvPr id="1" name=""/>
+        <p:cNvGrpSpPr/>
+        <p:nvPr/>
+      </p:nvGrpSpPr>
+      <p:grpSpPr>
+        <a:xfrm>
+          <a:off x="0" y="0"/>
+          <a:ext cx="0" cy="0"/>
+          <a:chOff x="0" y="0"/>
+          <a:chExt cx="0" cy="0"/>
+        </a:xfrm>
+      </p:grpSpPr>
+      <p:sp>
+        <p:nvSpPr>
+          <p:cNvPr id="2" name="Title 1"/>
+          <p:cNvSpPr>
+            <a:spLocks noGrp="1"/>
+          </p:cNvSpPr>
+          <p:nvPr>
+            <p:ph type="title"/>
+          </p:nvPr>
+        </p:nvSpPr>
+        <p:spPr/>
+        <p:txBody>
+          <a:bodyPr/>
+          <a:lstStyle/>
+          <a:p>
+            <a:r>
+              <a:rPr lang="en-US" dirty="0" smtClean="0"/>
               <a:t>Comparisons to DBSCAN</a:t>
             </a:r>
             <a:endParaRPr lang="en-US" dirty="0"/>
@@ -20536,7 +20711,7 @@
 </p:sld>
 </file>
 
-<file path=ppt/slides/slide14.xml><?xml version="1.0" encoding="utf-8"?>
+<file path=ppt/slides/slide16.xml><?xml version="1.0" encoding="utf-8"?>
 <p:sld xmlns:a="http://schemas.openxmlformats.org/drawingml/2006/main" xmlns:r="http://schemas.openxmlformats.org/officeDocument/2006/relationships" xmlns:p="http://schemas.openxmlformats.org/presentationml/2006/main">
   <p:cSld>
     <p:spTree>
@@ -20648,7 +20823,7 @@
 </p:sld>
 </file>
 
-<file path=ppt/slides/slide15.xml><?xml version="1.0" encoding="utf-8"?>
+<file path=ppt/slides/slide17.xml><?xml version="1.0" encoding="utf-8"?>
 <p:sld xmlns:a="http://schemas.openxmlformats.org/drawingml/2006/main" xmlns:r="http://schemas.openxmlformats.org/officeDocument/2006/relationships" xmlns:p="http://schemas.openxmlformats.org/presentationml/2006/main">
   <p:cSld>
     <p:spTree>
@@ -20766,7 +20941,7 @@
 </p:sld>
 </file>
 
-<file path=ppt/slides/slide16.xml><?xml version="1.0" encoding="utf-8"?>
+<file path=ppt/slides/slide18.xml><?xml version="1.0" encoding="utf-8"?>
 <p:sld xmlns:a="http://schemas.openxmlformats.org/drawingml/2006/main" xmlns:r="http://schemas.openxmlformats.org/officeDocument/2006/relationships" xmlns:p="http://schemas.openxmlformats.org/presentationml/2006/main">
   <p:cSld>
     <p:spTree>
@@ -20848,7 +21023,7 @@
 </p:sld>
 </file>
 
-<file path=ppt/slides/slide17.xml><?xml version="1.0" encoding="utf-8"?>
+<file path=ppt/slides/slide19.xml><?xml version="1.0" encoding="utf-8"?>
 <p:sld xmlns:a="http://schemas.openxmlformats.org/drawingml/2006/main" xmlns:r="http://schemas.openxmlformats.org/officeDocument/2006/relationships" xmlns:p="http://schemas.openxmlformats.org/presentationml/2006/main">
   <p:cSld>
     <p:spTree>
@@ -20920,7 +21095,101 @@
 </p:sld>
 </file>
 
-<file path=ppt/slides/slide18.xml><?xml version="1.0" encoding="utf-8"?>
+<file path=ppt/slides/slide2.xml><?xml version="1.0" encoding="utf-8"?>
+<p:sld xmlns:a="http://schemas.openxmlformats.org/drawingml/2006/main" xmlns:r="http://schemas.openxmlformats.org/officeDocument/2006/relationships" xmlns:p="http://schemas.openxmlformats.org/presentationml/2006/main">
+  <p:cSld>
+    <p:spTree>
+      <p:nvGrpSpPr>
+        <p:cNvPr id="1" name=""/>
+        <p:cNvGrpSpPr/>
+        <p:nvPr/>
+      </p:nvGrpSpPr>
+      <p:grpSpPr>
+        <a:xfrm>
+          <a:off x="0" y="0"/>
+          <a:ext cx="0" cy="0"/>
+          <a:chOff x="0" y="0"/>
+          <a:chExt cx="0" cy="0"/>
+        </a:xfrm>
+      </p:grpSpPr>
+      <p:sp>
+        <p:nvSpPr>
+          <p:cNvPr id="2" name="Title 1"/>
+          <p:cNvSpPr>
+            <a:spLocks noGrp="1"/>
+          </p:cNvSpPr>
+          <p:nvPr>
+            <p:ph type="title"/>
+          </p:nvPr>
+        </p:nvSpPr>
+        <p:spPr/>
+        <p:txBody>
+          <a:bodyPr/>
+          <a:lstStyle/>
+          <a:p>
+            <a:r>
+              <a:rPr lang="en-US" dirty="0" smtClean="0"/>
+              <a:t>Objectives</a:t>
+            </a:r>
+            <a:endParaRPr lang="en-US" dirty="0"/>
+          </a:p>
+        </p:txBody>
+      </p:sp>
+      <p:sp>
+        <p:nvSpPr>
+          <p:cNvPr id="3" name="Content Placeholder 2"/>
+          <p:cNvSpPr>
+            <a:spLocks noGrp="1"/>
+          </p:cNvSpPr>
+          <p:nvPr>
+            <p:ph idx="1"/>
+          </p:nvPr>
+        </p:nvSpPr>
+        <p:spPr/>
+        <p:txBody>
+          <a:bodyPr/>
+          <a:lstStyle/>
+          <a:p>
+            <a:r>
+              <a:rPr lang="en-US" dirty="0" smtClean="0"/>
+              <a:t>Run three clustering algorithms on the data set</a:t>
+            </a:r>
+          </a:p>
+          <a:p>
+            <a:r>
+              <a:rPr lang="en-US" dirty="0" smtClean="0"/>
+              <a:t>Observe and compare difference in output</a:t>
+            </a:r>
+          </a:p>
+          <a:p>
+            <a:endParaRPr lang="en-US" dirty="0"/>
+          </a:p>
+          <a:p>
+            <a:endParaRPr lang="en-US" dirty="0"/>
+          </a:p>
+        </p:txBody>
+      </p:sp>
+    </p:spTree>
+    <p:extLst>
+      <p:ext uri="{BB962C8B-B14F-4D97-AF65-F5344CB8AC3E}">
+        <p14:creationId xmlns:p14="http://schemas.microsoft.com/office/powerpoint/2010/main" val="1890079334"/>
+      </p:ext>
+    </p:extLst>
+  </p:cSld>
+  <p:clrMapOvr>
+    <a:masterClrMapping/>
+  </p:clrMapOvr>
+  <p:timing>
+    <p:tnLst>
+      <p:par>
+        <p:cTn id="1" dur="indefinite" restart="never" nodeType="tmRoot"/>
+      </p:par>
+    </p:tnLst>
+  </p:timing>
+</p:sld>
+</file>
+
+<file path=ppt/slides/slide20.xml><?xml version="1.0" encoding="utf-8"?>
 <p:sld xmlns:a="http://schemas.openxmlformats.org/drawingml/2006/main" xmlns:r="http://schemas.openxmlformats.org/officeDocument/2006/relationships" xmlns:p="http://schemas.openxmlformats.org/presentationml/2006/main">
   <p:cSld>
     <p:spTree>
@@ -22073,7 +22342,7 @@
 </p:sld>
 </file>
 
-<file path=ppt/slides/slide19.xml><?xml version="1.0" encoding="utf-8"?>
+<file path=ppt/slides/slide21.xml><?xml version="1.0" encoding="utf-8"?>
 <p:sld xmlns:a="http://schemas.openxmlformats.org/drawingml/2006/main" xmlns:r="http://schemas.openxmlformats.org/officeDocument/2006/relationships" xmlns:p="http://schemas.openxmlformats.org/presentationml/2006/main">
   <p:cSld>
     <p:spTree>
@@ -22180,101 +22449,7 @@
 </p:sld>
 </file>
 
-<file path=ppt/slides/slide2.xml><?xml version="1.0" encoding="utf-8"?>
-<p:sld xmlns:a="http://schemas.openxmlformats.org/drawingml/2006/main" xmlns:r="http://schemas.openxmlformats.org/officeDocument/2006/relationships" xmlns:p="http://schemas.openxmlformats.org/presentationml/2006/main">
-  <p:cSld>
-    <p:spTree>
-      <p:nvGrpSpPr>
-        <p:cNvPr id="1" name=""/>
-        <p:cNvGrpSpPr/>
-        <p:nvPr/>
-      </p:nvGrpSpPr>
-      <p:grpSpPr>
-        <a:xfrm>
-          <a:off x="0" y="0"/>
-          <a:ext cx="0" cy="0"/>
-          <a:chOff x="0" y="0"/>
-          <a:chExt cx="0" cy="0"/>
-        </a:xfrm>
-      </p:grpSpPr>
-      <p:sp>
-        <p:nvSpPr>
-          <p:cNvPr id="2" name="Title 1"/>
-          <p:cNvSpPr>
-            <a:spLocks noGrp="1"/>
-          </p:cNvSpPr>
-          <p:nvPr>
-            <p:ph type="title"/>
-          </p:nvPr>
-        </p:nvSpPr>
-        <p:spPr/>
-        <p:txBody>
-          <a:bodyPr/>
-          <a:lstStyle/>
-          <a:p>
-            <a:r>
-              <a:rPr lang="en-US" dirty="0" smtClean="0"/>
-              <a:t>Objectives</a:t>
-            </a:r>
-            <a:endParaRPr lang="en-US" dirty="0"/>
-          </a:p>
-        </p:txBody>
-      </p:sp>
-      <p:sp>
-        <p:nvSpPr>
-          <p:cNvPr id="3" name="Content Placeholder 2"/>
-          <p:cNvSpPr>
-            <a:spLocks noGrp="1"/>
-          </p:cNvSpPr>
-          <p:nvPr>
-            <p:ph idx="1"/>
-          </p:nvPr>
-        </p:nvSpPr>
-        <p:spPr/>
-        <p:txBody>
-          <a:bodyPr/>
-          <a:lstStyle/>
-          <a:p>
-            <a:r>
-              <a:rPr lang="en-US" dirty="0" smtClean="0"/>
-              <a:t>Run three clustering algorithms on the data set</a:t>
-            </a:r>
-          </a:p>
-          <a:p>
-            <a:r>
-              <a:rPr lang="en-US" dirty="0" smtClean="0"/>
-              <a:t>Observe and compare difference in output</a:t>
-            </a:r>
-          </a:p>
-          <a:p>
-            <a:endParaRPr lang="en-US" dirty="0"/>
-          </a:p>
-          <a:p>
-            <a:endParaRPr lang="en-US" dirty="0"/>
-          </a:p>
-        </p:txBody>
-      </p:sp>
-    </p:spTree>
-    <p:extLst>
-      <p:ext uri="{BB962C8B-B14F-4D97-AF65-F5344CB8AC3E}">
-        <p14:creationId xmlns:p14="http://schemas.microsoft.com/office/powerpoint/2010/main" val="1890079334"/>
-      </p:ext>
-    </p:extLst>
-  </p:cSld>
-  <p:clrMapOvr>
-    <a:masterClrMapping/>
-  </p:clrMapOvr>
-  <p:timing>
-    <p:tnLst>
-      <p:par>
-        <p:cTn id="1" dur="indefinite" restart="never" nodeType="tmRoot"/>
-      </p:par>
-    </p:tnLst>
-  </p:timing>
-</p:sld>
-</file>
-
-<file path=ppt/slides/slide20.xml><?xml version="1.0" encoding="utf-8"?>
+<file path=ppt/slides/slide22.xml><?xml version="1.0" encoding="utf-8"?>
 <p:sld xmlns:a="http://schemas.openxmlformats.org/drawingml/2006/main" xmlns:r="http://schemas.openxmlformats.org/officeDocument/2006/relationships" xmlns:p="http://schemas.openxmlformats.org/presentationml/2006/main">
   <p:cSld>
     <p:spTree>
@@ -22381,7 +22556,7 @@
 </p:sld>
 </file>
 
-<file path=ppt/slides/slide21.xml><?xml version="1.0" encoding="utf-8"?>
+<file path=ppt/slides/slide23.xml><?xml version="1.0" encoding="utf-8"?>
 <p:sld xmlns:a="http://schemas.openxmlformats.org/drawingml/2006/main" xmlns:r="http://schemas.openxmlformats.org/officeDocument/2006/relationships" xmlns:p="http://schemas.openxmlformats.org/presentationml/2006/main">
   <p:cSld>
     <p:spTree>
@@ -22485,160 +22660,6 @@
 </p:sld>
 </file>
 
-<file path=ppt/slides/slide22.xml><?xml version="1.0" encoding="utf-8"?>
-<p:sld xmlns:a="http://schemas.openxmlformats.org/drawingml/2006/main" xmlns:r="http://schemas.openxmlformats.org/officeDocument/2006/relationships" xmlns:p="http://schemas.openxmlformats.org/presentationml/2006/main">
-  <p:cSld>
-    <p:spTree>
-      <p:nvGrpSpPr>
-        <p:cNvPr id="1" name=""/>
-        <p:cNvGrpSpPr/>
-        <p:nvPr/>
-      </p:nvGrpSpPr>
-      <p:grpSpPr>
-        <a:xfrm>
-          <a:off x="0" y="0"/>
-          <a:ext cx="0" cy="0"/>
-          <a:chOff x="0" y="0"/>
-          <a:chExt cx="0" cy="0"/>
-        </a:xfrm>
-      </p:grpSpPr>
-      <p:sp>
-        <p:nvSpPr>
-          <p:cNvPr id="2" name="Title 1"/>
-          <p:cNvSpPr>
-            <a:spLocks noGrp="1"/>
-          </p:cNvSpPr>
-          <p:nvPr>
-            <p:ph type="title"/>
-          </p:nvPr>
-        </p:nvSpPr>
-        <p:spPr/>
-        <p:txBody>
-          <a:bodyPr/>
-          <a:lstStyle/>
-          <a:p>
-            <a:r>
-              <a:rPr lang="en-US" dirty="0" smtClean="0"/>
-              <a:t>OPTICS</a:t>
-            </a:r>
-            <a:endParaRPr lang="en-US" dirty="0"/>
-          </a:p>
-        </p:txBody>
-      </p:sp>
-      <p:graphicFrame>
-        <p:nvGraphicFramePr>
-          <p:cNvPr id="4" name="Chart 3"/>
-          <p:cNvGraphicFramePr>
-            <a:graphicFrameLocks/>
-          </p:cNvGraphicFramePr>
-          <p:nvPr>
-            <p:extLst>
-              <p:ext uri="{D42A27DB-BD31-4B8C-83A1-F6EECF244321}">
-                <p14:modId xmlns:p14="http://schemas.microsoft.com/office/powerpoint/2010/main" val="2223323624"/>
-              </p:ext>
-            </p:extLst>
-          </p:nvPr>
-        </p:nvGraphicFramePr>
-        <p:xfrm>
-          <a:off x="2364260" y="2594918"/>
-          <a:ext cx="6874862" cy="3952167"/>
-        </p:xfrm>
-        <a:graphic>
-          <a:graphicData uri="http://schemas.openxmlformats.org/drawingml/2006/chart">
-            <c:chart xmlns:c="http://schemas.openxmlformats.org/drawingml/2006/chart" xmlns:r="http://schemas.openxmlformats.org/officeDocument/2006/relationships" r:id="rId2"/>
-          </a:graphicData>
-        </a:graphic>
-      </p:graphicFrame>
-    </p:spTree>
-    <p:extLst>
-      <p:ext uri="{BB962C8B-B14F-4D97-AF65-F5344CB8AC3E}">
-        <p14:creationId xmlns:p14="http://schemas.microsoft.com/office/powerpoint/2010/main" val="3156488886"/>
-      </p:ext>
-    </p:extLst>
-  </p:cSld>
-  <p:clrMapOvr>
-    <a:masterClrMapping/>
-  </p:clrMapOvr>
-</p:sld>
-</file>
-
-<file path=ppt/slides/slide23.xml><?xml version="1.0" encoding="utf-8"?>
-<p:sld xmlns:a="http://schemas.openxmlformats.org/drawingml/2006/main" xmlns:r="http://schemas.openxmlformats.org/officeDocument/2006/relationships" xmlns:p="http://schemas.openxmlformats.org/presentationml/2006/main">
-  <p:cSld>
-    <p:spTree>
-      <p:nvGrpSpPr>
-        <p:cNvPr id="1" name=""/>
-        <p:cNvGrpSpPr/>
-        <p:nvPr/>
-      </p:nvGrpSpPr>
-      <p:grpSpPr>
-        <a:xfrm>
-          <a:off x="0" y="0"/>
-          <a:ext cx="0" cy="0"/>
-          <a:chOff x="0" y="0"/>
-          <a:chExt cx="0" cy="0"/>
-        </a:xfrm>
-      </p:grpSpPr>
-      <p:sp>
-        <p:nvSpPr>
-          <p:cNvPr id="2" name="Title 1"/>
-          <p:cNvSpPr>
-            <a:spLocks noGrp="1"/>
-          </p:cNvSpPr>
-          <p:nvPr>
-            <p:ph type="title"/>
-          </p:nvPr>
-        </p:nvSpPr>
-        <p:spPr/>
-        <p:txBody>
-          <a:bodyPr/>
-          <a:lstStyle/>
-          <a:p>
-            <a:r>
-              <a:rPr lang="en-US" dirty="0" smtClean="0"/>
-              <a:t>Density Analysis</a:t>
-            </a:r>
-            <a:endParaRPr lang="en-US" dirty="0"/>
-          </a:p>
-        </p:txBody>
-      </p:sp>
-      <p:graphicFrame>
-        <p:nvGraphicFramePr>
-          <p:cNvPr id="3" name="Chart 2"/>
-          <p:cNvGraphicFramePr>
-            <a:graphicFrameLocks/>
-          </p:cNvGraphicFramePr>
-          <p:nvPr>
-            <p:extLst>
-              <p:ext uri="{D42A27DB-BD31-4B8C-83A1-F6EECF244321}">
-                <p14:modId xmlns:p14="http://schemas.microsoft.com/office/powerpoint/2010/main" val="1260048260"/>
-              </p:ext>
-            </p:extLst>
-          </p:nvPr>
-        </p:nvGraphicFramePr>
-        <p:xfrm>
-          <a:off x="1938401" y="2400751"/>
-          <a:ext cx="7491413" cy="4214812"/>
-        </p:xfrm>
-        <a:graphic>
-          <a:graphicData uri="http://schemas.openxmlformats.org/drawingml/2006/chart">
-            <c:chart xmlns:c="http://schemas.openxmlformats.org/drawingml/2006/chart" xmlns:r="http://schemas.openxmlformats.org/officeDocument/2006/relationships" r:id="rId2"/>
-          </a:graphicData>
-        </a:graphic>
-      </p:graphicFrame>
-    </p:spTree>
-    <p:extLst>
-      <p:ext uri="{BB962C8B-B14F-4D97-AF65-F5344CB8AC3E}">
-        <p14:creationId xmlns:p14="http://schemas.microsoft.com/office/powerpoint/2010/main" val="1368876465"/>
-      </p:ext>
-    </p:extLst>
-  </p:cSld>
-  <p:clrMapOvr>
-    <a:masterClrMapping/>
-  </p:clrMapOvr>
-</p:sld>
-</file>
-
 <file path=ppt/slides/slide24.xml><?xml version="1.0" encoding="utf-8"?>
 <p:sld xmlns:a="http://schemas.openxmlformats.org/drawingml/2006/main" xmlns:r="http://schemas.openxmlformats.org/officeDocument/2006/relationships" xmlns:p="http://schemas.openxmlformats.org/presentationml/2006/main">
   <p:cSld>
@@ -22673,7 +22694,7 @@
           <a:p>
             <a:r>
               <a:rPr lang="en-US" dirty="0" smtClean="0"/>
-              <a:t>Time Analysis</a:t>
+              <a:t>OPTICS</a:t>
             </a:r>
             <a:endParaRPr lang="en-US" dirty="0"/>
           </a:p>
@@ -22681,21 +22702,21 @@
       </p:sp>
       <p:graphicFrame>
         <p:nvGraphicFramePr>
-          <p:cNvPr id="3" name="Chart 2"/>
+          <p:cNvPr id="4" name="Chart 3"/>
           <p:cNvGraphicFramePr>
             <a:graphicFrameLocks/>
           </p:cNvGraphicFramePr>
           <p:nvPr>
             <p:extLst>
               <p:ext uri="{D42A27DB-BD31-4B8C-83A1-F6EECF244321}">
-                <p14:modId xmlns:p14="http://schemas.microsoft.com/office/powerpoint/2010/main" val="309330561"/>
+                <p14:modId xmlns:p14="http://schemas.microsoft.com/office/powerpoint/2010/main" val="2223323624"/>
               </p:ext>
             </p:extLst>
           </p:nvPr>
         </p:nvGraphicFramePr>
         <p:xfrm>
-          <a:off x="2307367" y="2344952"/>
-          <a:ext cx="7181850" cy="4095750"/>
+          <a:off x="2364260" y="2594918"/>
+          <a:ext cx="6874862" cy="3952167"/>
         </p:xfrm>
         <a:graphic>
           <a:graphicData uri="http://schemas.openxmlformats.org/drawingml/2006/chart">
@@ -22706,7 +22727,7 @@
     </p:spTree>
     <p:extLst>
       <p:ext uri="{BB962C8B-B14F-4D97-AF65-F5344CB8AC3E}">
-        <p14:creationId xmlns:p14="http://schemas.microsoft.com/office/powerpoint/2010/main" val="357157579"/>
+        <p14:creationId xmlns:p14="http://schemas.microsoft.com/office/powerpoint/2010/main" val="3156488886"/>
       </p:ext>
     </p:extLst>
   </p:cSld>
@@ -22750,48 +22771,46 @@
           <a:p>
             <a:r>
               <a:rPr lang="en-US" dirty="0" smtClean="0"/>
-              <a:t>Final Analysis</a:t>
+              <a:t>Density Analysis</a:t>
             </a:r>
             <a:endParaRPr lang="en-US" dirty="0"/>
           </a:p>
         </p:txBody>
       </p:sp>
-      <p:sp>
-        <p:nvSpPr>
-          <p:cNvPr id="3" name="Text Placeholder 2"/>
-          <p:cNvSpPr>
-            <a:spLocks noGrp="1"/>
-          </p:cNvSpPr>
+      <p:graphicFrame>
+        <p:nvGraphicFramePr>
+          <p:cNvPr id="3" name="Chart 2"/>
+          <p:cNvGraphicFramePr>
+            <a:graphicFrameLocks/>
+          </p:cNvGraphicFramePr>
           <p:nvPr>
-            <p:ph type="body" idx="1"/>
+            <p:extLst>
+              <p:ext uri="{D42A27DB-BD31-4B8C-83A1-F6EECF244321}">
+                <p14:modId xmlns:p14="http://schemas.microsoft.com/office/powerpoint/2010/main" val="1260048260"/>
+              </p:ext>
+            </p:extLst>
           </p:nvPr>
-        </p:nvSpPr>
-        <p:spPr/>
-        <p:txBody>
-          <a:bodyPr/>
-          <a:lstStyle/>
-          <a:p>
-            <a:endParaRPr lang="en-US" dirty="0"/>
-          </a:p>
-        </p:txBody>
-      </p:sp>
+        </p:nvGraphicFramePr>
+        <p:xfrm>
+          <a:off x="1938401" y="2400751"/>
+          <a:ext cx="7491413" cy="4214812"/>
+        </p:xfrm>
+        <a:graphic>
+          <a:graphicData uri="http://schemas.openxmlformats.org/drawingml/2006/chart">
+            <c:chart xmlns:c="http://schemas.openxmlformats.org/drawingml/2006/chart" xmlns:r="http://schemas.openxmlformats.org/officeDocument/2006/relationships" r:id="rId2"/>
+          </a:graphicData>
+        </a:graphic>
+      </p:graphicFrame>
     </p:spTree>
     <p:extLst>
       <p:ext uri="{BB962C8B-B14F-4D97-AF65-F5344CB8AC3E}">
-        <p14:creationId xmlns:p14="http://schemas.microsoft.com/office/powerpoint/2010/main" val="1509802558"/>
+        <p14:creationId xmlns:p14="http://schemas.microsoft.com/office/powerpoint/2010/main" val="1368876465"/>
       </p:ext>
     </p:extLst>
   </p:cSld>
   <p:clrMapOvr>
     <a:masterClrMapping/>
   </p:clrMapOvr>
-  <p:timing>
-    <p:tnLst>
-      <p:par>
-        <p:cTn id="1" dur="indefinite" restart="never" nodeType="tmRoot"/>
-      </p:par>
-    </p:tnLst>
-  </p:timing>
 </p:sld>
 </file>
 
@@ -22814,7 +22833,7 @@
       </p:grpSpPr>
       <p:sp>
         <p:nvSpPr>
-          <p:cNvPr id="4" name="Title 3"/>
+          <p:cNvPr id="2" name="Title 1"/>
           <p:cNvSpPr>
             <a:spLocks noGrp="1"/>
           </p:cNvSpPr>
@@ -22829,169 +22848,46 @@
           <a:p>
             <a:r>
               <a:rPr lang="en-US" dirty="0" smtClean="0"/>
-              <a:t>Head-to-Head Comparisons</a:t>
+              <a:t>Time Analysis</a:t>
             </a:r>
             <a:endParaRPr lang="en-US" dirty="0"/>
           </a:p>
         </p:txBody>
       </p:sp>
-      <p:sp>
-        <p:nvSpPr>
-          <p:cNvPr id="5" name="Text Placeholder 4"/>
-          <p:cNvSpPr>
-            <a:spLocks noGrp="1"/>
-          </p:cNvSpPr>
+      <p:graphicFrame>
+        <p:nvGraphicFramePr>
+          <p:cNvPr id="3" name="Chart 2"/>
+          <p:cNvGraphicFramePr>
+            <a:graphicFrameLocks/>
+          </p:cNvGraphicFramePr>
           <p:nvPr>
-            <p:ph type="body" idx="1"/>
+            <p:extLst>
+              <p:ext uri="{D42A27DB-BD31-4B8C-83A1-F6EECF244321}">
+                <p14:modId xmlns:p14="http://schemas.microsoft.com/office/powerpoint/2010/main" val="309330561"/>
+              </p:ext>
+            </p:extLst>
           </p:nvPr>
-        </p:nvSpPr>
-        <p:spPr/>
-        <p:txBody>
-          <a:bodyPr/>
-          <a:lstStyle/>
-          <a:p>
-            <a:r>
-              <a:rPr lang="en-US" dirty="0" smtClean="0"/>
-              <a:t>PAM</a:t>
-            </a:r>
-            <a:endParaRPr lang="en-US" dirty="0"/>
-          </a:p>
-        </p:txBody>
-      </p:sp>
-      <p:sp>
-        <p:nvSpPr>
-          <p:cNvPr id="8" name="Text Placeholder 7"/>
-          <p:cNvSpPr>
-            <a:spLocks noGrp="1"/>
-          </p:cNvSpPr>
-          <p:nvPr>
-            <p:ph type="body" sz="half" idx="15"/>
-          </p:nvPr>
-        </p:nvSpPr>
-        <p:spPr/>
-        <p:txBody>
-          <a:bodyPr/>
-          <a:lstStyle/>
-          <a:p>
-            <a:pPr marL="285750" indent="-285750">
-              <a:buFont typeface="Arial" panose="020B0604020202020204" pitchFamily="34" charset="0"/>
-              <a:buChar char="•"/>
-            </a:pPr>
-            <a:r>
-              <a:rPr lang="en-US" dirty="0" smtClean="0"/>
-              <a:t>Entropy</a:t>
-            </a:r>
-          </a:p>
-          <a:p>
-            <a:pPr marL="285750" indent="-285750">
-              <a:buFont typeface="Arial" panose="020B0604020202020204" pitchFamily="34" charset="0"/>
-              <a:buChar char="•"/>
-            </a:pPr>
-            <a:endParaRPr lang="en-US" dirty="0"/>
-          </a:p>
-        </p:txBody>
-      </p:sp>
-      <p:sp>
-        <p:nvSpPr>
-          <p:cNvPr id="6" name="Text Placeholder 5"/>
-          <p:cNvSpPr>
-            <a:spLocks noGrp="1"/>
-          </p:cNvSpPr>
-          <p:nvPr>
-            <p:ph type="body" sz="quarter" idx="3"/>
-          </p:nvPr>
-        </p:nvSpPr>
-        <p:spPr/>
-        <p:txBody>
-          <a:bodyPr/>
-          <a:lstStyle/>
-          <a:p>
-            <a:r>
-              <a:rPr lang="en-US" dirty="0" smtClean="0"/>
-              <a:t>Group Average	</a:t>
-            </a:r>
-            <a:endParaRPr lang="en-US" dirty="0"/>
-          </a:p>
-        </p:txBody>
-      </p:sp>
-      <p:sp>
-        <p:nvSpPr>
-          <p:cNvPr id="9" name="Text Placeholder 8"/>
-          <p:cNvSpPr>
-            <a:spLocks noGrp="1"/>
-          </p:cNvSpPr>
-          <p:nvPr>
-            <p:ph type="body" sz="half" idx="16"/>
-          </p:nvPr>
-        </p:nvSpPr>
-        <p:spPr/>
-        <p:txBody>
-          <a:bodyPr/>
-          <a:lstStyle/>
-          <a:p>
-            <a:endParaRPr lang="en-US" dirty="0"/>
-          </a:p>
-        </p:txBody>
-      </p:sp>
-      <p:sp>
-        <p:nvSpPr>
-          <p:cNvPr id="7" name="Text Placeholder 6"/>
-          <p:cNvSpPr>
-            <a:spLocks noGrp="1"/>
-          </p:cNvSpPr>
-          <p:nvPr>
-            <p:ph type="body" sz="quarter" idx="13"/>
-          </p:nvPr>
-        </p:nvSpPr>
-        <p:spPr/>
-        <p:txBody>
-          <a:bodyPr/>
-          <a:lstStyle/>
-          <a:p>
-            <a:r>
-              <a:rPr lang="en-US" dirty="0" smtClean="0"/>
-              <a:t>OPTICS</a:t>
-            </a:r>
-            <a:endParaRPr lang="en-US" dirty="0"/>
-          </a:p>
-        </p:txBody>
-      </p:sp>
-      <p:sp>
-        <p:nvSpPr>
-          <p:cNvPr id="10" name="Text Placeholder 9"/>
-          <p:cNvSpPr>
-            <a:spLocks noGrp="1"/>
-          </p:cNvSpPr>
-          <p:nvPr>
-            <p:ph type="body" sz="half" idx="17"/>
-          </p:nvPr>
-        </p:nvSpPr>
-        <p:spPr/>
-        <p:txBody>
-          <a:bodyPr/>
-          <a:lstStyle/>
-          <a:p>
-            <a:endParaRPr lang="en-US"/>
-          </a:p>
-        </p:txBody>
-      </p:sp>
+        </p:nvGraphicFramePr>
+        <p:xfrm>
+          <a:off x="2307367" y="2344952"/>
+          <a:ext cx="7181850" cy="4095750"/>
+        </p:xfrm>
+        <a:graphic>
+          <a:graphicData uri="http://schemas.openxmlformats.org/drawingml/2006/chart">
+            <c:chart xmlns:c="http://schemas.openxmlformats.org/drawingml/2006/chart" xmlns:r="http://schemas.openxmlformats.org/officeDocument/2006/relationships" r:id="rId2"/>
+          </a:graphicData>
+        </a:graphic>
+      </p:graphicFrame>
     </p:spTree>
     <p:extLst>
       <p:ext uri="{BB962C8B-B14F-4D97-AF65-F5344CB8AC3E}">
-        <p14:creationId xmlns:p14="http://schemas.microsoft.com/office/powerpoint/2010/main" val="3890624472"/>
+        <p14:creationId xmlns:p14="http://schemas.microsoft.com/office/powerpoint/2010/main" val="357157579"/>
       </p:ext>
     </p:extLst>
   </p:cSld>
   <p:clrMapOvr>
     <a:masterClrMapping/>
   </p:clrMapOvr>
-  <p:timing>
-    <p:tnLst>
-      <p:par>
-        <p:cTn id="1" dur="indefinite" restart="never" nodeType="tmRoot"/>
-      </p:par>
-    </p:tnLst>
-  </p:timing>
 </p:sld>
 </file>
 
@@ -23029,7 +22925,7 @@
           <a:p>
             <a:r>
               <a:rPr lang="en-US" dirty="0" smtClean="0"/>
-              <a:t>Future Work</a:t>
+              <a:t>Final Analysis</a:t>
             </a:r>
             <a:endParaRPr lang="en-US" dirty="0"/>
           </a:p>
@@ -23037,7 +22933,7 @@
       </p:sp>
       <p:sp>
         <p:nvSpPr>
-          <p:cNvPr id="3" name="Content Placeholder 2"/>
+          <p:cNvPr id="3" name="Text Placeholder 2"/>
           <p:cNvSpPr>
             <a:spLocks noGrp="1"/>
           </p:cNvSpPr>
@@ -23050,142 +22946,6 @@
           <a:bodyPr/>
           <a:lstStyle/>
           <a:p>
-            <a:r>
-              <a:rPr lang="en-US" dirty="0" smtClean="0"/>
-              <a:t>PAM</a:t>
-            </a:r>
-            <a:endParaRPr lang="en-US" dirty="0"/>
-          </a:p>
-        </p:txBody>
-      </p:sp>
-      <p:sp>
-        <p:nvSpPr>
-          <p:cNvPr id="6" name="Text Placeholder 5"/>
-          <p:cNvSpPr>
-            <a:spLocks noGrp="1"/>
-          </p:cNvSpPr>
-          <p:nvPr>
-            <p:ph type="body" sz="half" idx="15"/>
-          </p:nvPr>
-        </p:nvSpPr>
-        <p:spPr/>
-        <p:txBody>
-          <a:bodyPr/>
-          <a:lstStyle/>
-          <a:p>
-            <a:pPr marL="285750" indent="-285750">
-              <a:buFont typeface="Arial" panose="020B0604020202020204" pitchFamily="34" charset="0"/>
-              <a:buChar char="•"/>
-            </a:pPr>
-            <a:r>
-              <a:rPr lang="en-US" dirty="0"/>
-              <a:t>CLARA</a:t>
-            </a:r>
-          </a:p>
-          <a:p>
-            <a:endParaRPr lang="en-US" dirty="0"/>
-          </a:p>
-        </p:txBody>
-      </p:sp>
-      <p:sp>
-        <p:nvSpPr>
-          <p:cNvPr id="4" name="Text Placeholder 3"/>
-          <p:cNvSpPr>
-            <a:spLocks noGrp="1"/>
-          </p:cNvSpPr>
-          <p:nvPr>
-            <p:ph type="body" sz="quarter" idx="3"/>
-          </p:nvPr>
-        </p:nvSpPr>
-        <p:spPr/>
-        <p:txBody>
-          <a:bodyPr/>
-          <a:lstStyle/>
-          <a:p>
-            <a:r>
-              <a:rPr lang="en-US" dirty="0" smtClean="0"/>
-              <a:t>Group Average</a:t>
-            </a:r>
-            <a:endParaRPr lang="en-US" dirty="0"/>
-          </a:p>
-        </p:txBody>
-      </p:sp>
-      <p:sp>
-        <p:nvSpPr>
-          <p:cNvPr id="7" name="Text Placeholder 6"/>
-          <p:cNvSpPr>
-            <a:spLocks noGrp="1"/>
-          </p:cNvSpPr>
-          <p:nvPr>
-            <p:ph type="body" sz="half" idx="16"/>
-          </p:nvPr>
-        </p:nvSpPr>
-        <p:spPr/>
-        <p:txBody>
-          <a:bodyPr/>
-          <a:lstStyle/>
-          <a:p>
-            <a:endParaRPr lang="en-US" dirty="0"/>
-          </a:p>
-        </p:txBody>
-      </p:sp>
-      <p:sp>
-        <p:nvSpPr>
-          <p:cNvPr id="5" name="Text Placeholder 4"/>
-          <p:cNvSpPr>
-            <a:spLocks noGrp="1"/>
-          </p:cNvSpPr>
-          <p:nvPr>
-            <p:ph type="body" sz="quarter" idx="13"/>
-          </p:nvPr>
-        </p:nvSpPr>
-        <p:spPr/>
-        <p:txBody>
-          <a:bodyPr/>
-          <a:lstStyle/>
-          <a:p>
-            <a:r>
-              <a:rPr lang="en-US" dirty="0" smtClean="0"/>
-              <a:t>OPTICS</a:t>
-            </a:r>
-            <a:endParaRPr lang="en-US" dirty="0"/>
-          </a:p>
-        </p:txBody>
-      </p:sp>
-      <p:sp>
-        <p:nvSpPr>
-          <p:cNvPr id="8" name="Text Placeholder 7"/>
-          <p:cNvSpPr>
-            <a:spLocks noGrp="1"/>
-          </p:cNvSpPr>
-          <p:nvPr>
-            <p:ph type="body" sz="half" idx="17"/>
-          </p:nvPr>
-        </p:nvSpPr>
-        <p:spPr/>
-        <p:txBody>
-          <a:bodyPr/>
-          <a:lstStyle/>
-          <a:p>
-            <a:pPr marL="285750" indent="-285750">
-              <a:buFont typeface="Arial" panose="020B0604020202020204" pitchFamily="34" charset="0"/>
-              <a:buChar char="•"/>
-            </a:pPr>
-            <a:r>
-              <a:rPr lang="en-US" dirty="0" smtClean="0"/>
-              <a:t>Experiment with </a:t>
-            </a:r>
-            <a:r>
-              <a:rPr lang="en-US" dirty="0" err="1" smtClean="0"/>
-              <a:t>MinPoints</a:t>
-            </a:r>
-            <a:endParaRPr lang="en-US" dirty="0" smtClean="0"/>
-          </a:p>
-          <a:p>
-            <a:pPr marL="285750" indent="-285750">
-              <a:buFont typeface="Arial" panose="020B0604020202020204" pitchFamily="34" charset="0"/>
-              <a:buChar char="•"/>
-            </a:pPr>
             <a:endParaRPr lang="en-US" dirty="0"/>
           </a:p>
         </p:txBody>
@@ -23193,7 +22953,7 @@
     </p:spTree>
     <p:extLst>
       <p:ext uri="{BB962C8B-B14F-4D97-AF65-F5344CB8AC3E}">
-        <p14:creationId xmlns:p14="http://schemas.microsoft.com/office/powerpoint/2010/main" val="2476803811"/>
+        <p14:creationId xmlns:p14="http://schemas.microsoft.com/office/powerpoint/2010/main" val="1509802558"/>
       </p:ext>
     </p:extLst>
   </p:cSld>
@@ -23229,6 +22989,206 @@
       </p:grpSpPr>
       <p:sp>
         <p:nvSpPr>
+          <p:cNvPr id="4" name="Title 3"/>
+          <p:cNvSpPr>
+            <a:spLocks noGrp="1"/>
+          </p:cNvSpPr>
+          <p:nvPr>
+            <p:ph type="title"/>
+          </p:nvPr>
+        </p:nvSpPr>
+        <p:spPr/>
+        <p:txBody>
+          <a:bodyPr/>
+          <a:lstStyle/>
+          <a:p>
+            <a:r>
+              <a:rPr lang="en-US" dirty="0" smtClean="0"/>
+              <a:t>Head-to-Head Comparisons</a:t>
+            </a:r>
+            <a:endParaRPr lang="en-US" dirty="0"/>
+          </a:p>
+        </p:txBody>
+      </p:sp>
+      <p:sp>
+        <p:nvSpPr>
+          <p:cNvPr id="5" name="Text Placeholder 4"/>
+          <p:cNvSpPr>
+            <a:spLocks noGrp="1"/>
+          </p:cNvSpPr>
+          <p:nvPr>
+            <p:ph type="body" idx="1"/>
+          </p:nvPr>
+        </p:nvSpPr>
+        <p:spPr/>
+        <p:txBody>
+          <a:bodyPr/>
+          <a:lstStyle/>
+          <a:p>
+            <a:r>
+              <a:rPr lang="en-US" dirty="0" smtClean="0"/>
+              <a:t>PAM</a:t>
+            </a:r>
+            <a:endParaRPr lang="en-US" dirty="0"/>
+          </a:p>
+        </p:txBody>
+      </p:sp>
+      <p:sp>
+        <p:nvSpPr>
+          <p:cNvPr id="8" name="Text Placeholder 7"/>
+          <p:cNvSpPr>
+            <a:spLocks noGrp="1"/>
+          </p:cNvSpPr>
+          <p:nvPr>
+            <p:ph type="body" sz="half" idx="15"/>
+          </p:nvPr>
+        </p:nvSpPr>
+        <p:spPr/>
+        <p:txBody>
+          <a:bodyPr/>
+          <a:lstStyle/>
+          <a:p>
+            <a:pPr marL="285750" indent="-285750">
+              <a:buFont typeface="Arial" panose="020B0604020202020204" pitchFamily="34" charset="0"/>
+              <a:buChar char="•"/>
+            </a:pPr>
+            <a:r>
+              <a:rPr lang="en-US" dirty="0" smtClean="0"/>
+              <a:t>Entropy</a:t>
+            </a:r>
+          </a:p>
+          <a:p>
+            <a:pPr marL="285750" indent="-285750">
+              <a:buFont typeface="Arial" panose="020B0604020202020204" pitchFamily="34" charset="0"/>
+              <a:buChar char="•"/>
+            </a:pPr>
+            <a:endParaRPr lang="en-US" dirty="0"/>
+          </a:p>
+        </p:txBody>
+      </p:sp>
+      <p:sp>
+        <p:nvSpPr>
+          <p:cNvPr id="6" name="Text Placeholder 5"/>
+          <p:cNvSpPr>
+            <a:spLocks noGrp="1"/>
+          </p:cNvSpPr>
+          <p:nvPr>
+            <p:ph type="body" sz="quarter" idx="3"/>
+          </p:nvPr>
+        </p:nvSpPr>
+        <p:spPr/>
+        <p:txBody>
+          <a:bodyPr/>
+          <a:lstStyle/>
+          <a:p>
+            <a:r>
+              <a:rPr lang="en-US" dirty="0" smtClean="0"/>
+              <a:t>Group Average	</a:t>
+            </a:r>
+            <a:endParaRPr lang="en-US" dirty="0"/>
+          </a:p>
+        </p:txBody>
+      </p:sp>
+      <p:sp>
+        <p:nvSpPr>
+          <p:cNvPr id="9" name="Text Placeholder 8"/>
+          <p:cNvSpPr>
+            <a:spLocks noGrp="1"/>
+          </p:cNvSpPr>
+          <p:nvPr>
+            <p:ph type="body" sz="half" idx="16"/>
+          </p:nvPr>
+        </p:nvSpPr>
+        <p:spPr/>
+        <p:txBody>
+          <a:bodyPr/>
+          <a:lstStyle/>
+          <a:p>
+            <a:endParaRPr lang="en-US" dirty="0"/>
+          </a:p>
+        </p:txBody>
+      </p:sp>
+      <p:sp>
+        <p:nvSpPr>
+          <p:cNvPr id="7" name="Text Placeholder 6"/>
+          <p:cNvSpPr>
+            <a:spLocks noGrp="1"/>
+          </p:cNvSpPr>
+          <p:nvPr>
+            <p:ph type="body" sz="quarter" idx="13"/>
+          </p:nvPr>
+        </p:nvSpPr>
+        <p:spPr/>
+        <p:txBody>
+          <a:bodyPr/>
+          <a:lstStyle/>
+          <a:p>
+            <a:r>
+              <a:rPr lang="en-US" dirty="0" smtClean="0"/>
+              <a:t>OPTICS</a:t>
+            </a:r>
+            <a:endParaRPr lang="en-US" dirty="0"/>
+          </a:p>
+        </p:txBody>
+      </p:sp>
+      <p:sp>
+        <p:nvSpPr>
+          <p:cNvPr id="10" name="Text Placeholder 9"/>
+          <p:cNvSpPr>
+            <a:spLocks noGrp="1"/>
+          </p:cNvSpPr>
+          <p:nvPr>
+            <p:ph type="body" sz="half" idx="17"/>
+          </p:nvPr>
+        </p:nvSpPr>
+        <p:spPr/>
+        <p:txBody>
+          <a:bodyPr/>
+          <a:lstStyle/>
+          <a:p>
+            <a:endParaRPr lang="en-US"/>
+          </a:p>
+        </p:txBody>
+      </p:sp>
+    </p:spTree>
+    <p:extLst>
+      <p:ext uri="{BB962C8B-B14F-4D97-AF65-F5344CB8AC3E}">
+        <p14:creationId xmlns:p14="http://schemas.microsoft.com/office/powerpoint/2010/main" val="3890624472"/>
+      </p:ext>
+    </p:extLst>
+  </p:cSld>
+  <p:clrMapOvr>
+    <a:masterClrMapping/>
+  </p:clrMapOvr>
+  <p:timing>
+    <p:tnLst>
+      <p:par>
+        <p:cTn id="1" dur="indefinite" restart="never" nodeType="tmRoot"/>
+      </p:par>
+    </p:tnLst>
+  </p:timing>
+</p:sld>
+</file>
+
+<file path=ppt/slides/slide29.xml><?xml version="1.0" encoding="utf-8"?>
+<p:sld xmlns:a="http://schemas.openxmlformats.org/drawingml/2006/main" xmlns:r="http://schemas.openxmlformats.org/officeDocument/2006/relationships" xmlns:p="http://schemas.openxmlformats.org/presentationml/2006/main">
+  <p:cSld>
+    <p:spTree>
+      <p:nvGrpSpPr>
+        <p:cNvPr id="1" name=""/>
+        <p:cNvGrpSpPr/>
+        <p:nvPr/>
+      </p:nvGrpSpPr>
+      <p:grpSpPr>
+        <a:xfrm>
+          <a:off x="0" y="0"/>
+          <a:ext cx="0" cy="0"/>
+          <a:chOff x="0" y="0"/>
+          <a:chExt cx="0" cy="0"/>
+        </a:xfrm>
+      </p:grpSpPr>
+      <p:sp>
+        <p:nvSpPr>
           <p:cNvPr id="2" name="Title 1"/>
           <p:cNvSpPr>
             <a:spLocks noGrp="1"/>
@@ -23257,7 +23217,7 @@
             <a:spLocks noGrp="1"/>
           </p:cNvSpPr>
           <p:nvPr>
-            <p:ph idx="1"/>
+            <p:ph type="body" idx="1"/>
           </p:nvPr>
         </p:nvSpPr>
         <p:spPr/>
@@ -23267,36 +23227,158 @@
           <a:p>
             <a:r>
               <a:rPr lang="en-US" dirty="0" smtClean="0"/>
-              <a:t>More suitable data set</a:t>
-            </a:r>
-          </a:p>
-          <a:p>
-            <a:pPr lvl="1"/>
+              <a:t>PAM</a:t>
+            </a:r>
+            <a:endParaRPr lang="en-US" dirty="0"/>
+          </a:p>
+        </p:txBody>
+      </p:sp>
+      <p:sp>
+        <p:nvSpPr>
+          <p:cNvPr id="6" name="Text Placeholder 5"/>
+          <p:cNvSpPr>
+            <a:spLocks noGrp="1"/>
+          </p:cNvSpPr>
+          <p:nvPr>
+            <p:ph type="body" sz="half" idx="15"/>
+          </p:nvPr>
+        </p:nvSpPr>
+        <p:spPr/>
+        <p:txBody>
+          <a:bodyPr/>
+          <a:lstStyle/>
+          <a:p>
+            <a:pPr marL="285750" indent="-285750">
+              <a:buFont typeface="Arial" panose="020B0604020202020204" pitchFamily="34" charset="0"/>
+              <a:buChar char="•"/>
+            </a:pPr>
+            <a:r>
+              <a:rPr lang="en-US" dirty="0"/>
+              <a:t>CLARA</a:t>
+            </a:r>
+          </a:p>
+          <a:p>
+            <a:endParaRPr lang="en-US" dirty="0"/>
+          </a:p>
+        </p:txBody>
+      </p:sp>
+      <p:sp>
+        <p:nvSpPr>
+          <p:cNvPr id="4" name="Text Placeholder 3"/>
+          <p:cNvSpPr>
+            <a:spLocks noGrp="1"/>
+          </p:cNvSpPr>
+          <p:nvPr>
+            <p:ph type="body" sz="quarter" idx="3"/>
+          </p:nvPr>
+        </p:nvSpPr>
+        <p:spPr/>
+        <p:txBody>
+          <a:bodyPr/>
+          <a:lstStyle/>
+          <a:p>
             <a:r>
               <a:rPr lang="en-US" dirty="0" smtClean="0"/>
-              <a:t>Preprocess more</a:t>
-            </a:r>
-          </a:p>
-          <a:p>
-            <a:pPr lvl="1"/>
+              <a:t>Group Average</a:t>
+            </a:r>
+            <a:endParaRPr lang="en-US" dirty="0"/>
+          </a:p>
+        </p:txBody>
+      </p:sp>
+      <p:sp>
+        <p:nvSpPr>
+          <p:cNvPr id="7" name="Text Placeholder 6"/>
+          <p:cNvSpPr>
+            <a:spLocks noGrp="1"/>
+          </p:cNvSpPr>
+          <p:nvPr>
+            <p:ph type="body" sz="half" idx="16"/>
+          </p:nvPr>
+        </p:nvSpPr>
+        <p:spPr/>
+        <p:txBody>
+          <a:bodyPr/>
+          <a:lstStyle/>
+          <a:p>
+            <a:pPr marL="285750" indent="-285750">
+              <a:buFont typeface="Arial" panose="020B0604020202020204" pitchFamily="34" charset="0"/>
+              <a:buChar char="•"/>
+            </a:pPr>
             <a:r>
               <a:rPr lang="en-US" dirty="0" smtClean="0"/>
-              <a:t>Make smaller datasets with better than random selection</a:t>
-            </a:r>
-          </a:p>
-          <a:p>
+              <a:t>Different way to store data</a:t>
+            </a:r>
+          </a:p>
+          <a:p>
+            <a:pPr marL="285750" indent="-285750">
+              <a:buFont typeface="Arial" panose="020B0604020202020204" pitchFamily="34" charset="0"/>
+              <a:buChar char="•"/>
+            </a:pPr>
             <a:r>
               <a:rPr lang="en-US" dirty="0" smtClean="0"/>
-              <a:t>Different sigma values</a:t>
-            </a:r>
-          </a:p>
+              <a:t>Find a way to go through the data faster, parallelism?</a:t>
+            </a:r>
+            <a:endParaRPr lang="en-US" dirty="0"/>
+          </a:p>
+        </p:txBody>
+      </p:sp>
+      <p:sp>
+        <p:nvSpPr>
+          <p:cNvPr id="5" name="Text Placeholder 4"/>
+          <p:cNvSpPr>
+            <a:spLocks noGrp="1"/>
+          </p:cNvSpPr>
+          <p:nvPr>
+            <p:ph type="body" sz="quarter" idx="13"/>
+          </p:nvPr>
+        </p:nvSpPr>
+        <p:spPr/>
+        <p:txBody>
+          <a:bodyPr/>
+          <a:lstStyle/>
           <a:p>
             <a:r>
               <a:rPr lang="en-US" dirty="0" smtClean="0"/>
-              <a:t>Do Prediction analysis on test set</a:t>
-            </a:r>
-          </a:p>
-          <a:p>
+              <a:t>OPTICS</a:t>
+            </a:r>
+            <a:endParaRPr lang="en-US" dirty="0"/>
+          </a:p>
+        </p:txBody>
+      </p:sp>
+      <p:sp>
+        <p:nvSpPr>
+          <p:cNvPr id="8" name="Text Placeholder 7"/>
+          <p:cNvSpPr>
+            <a:spLocks noGrp="1"/>
+          </p:cNvSpPr>
+          <p:nvPr>
+            <p:ph type="body" sz="half" idx="17"/>
+          </p:nvPr>
+        </p:nvSpPr>
+        <p:spPr/>
+        <p:txBody>
+          <a:bodyPr/>
+          <a:lstStyle/>
+          <a:p>
+            <a:pPr marL="285750" indent="-285750">
+              <a:buFont typeface="Arial" panose="020B0604020202020204" pitchFamily="34" charset="0"/>
+              <a:buChar char="•"/>
+            </a:pPr>
+            <a:r>
+              <a:rPr lang="en-US" dirty="0" smtClean="0"/>
+              <a:t>Experiment with </a:t>
+            </a:r>
+            <a:r>
+              <a:rPr lang="en-US" dirty="0" err="1" smtClean="0"/>
+              <a:t>MinPoints</a:t>
+            </a:r>
+            <a:endParaRPr lang="en-US" dirty="0" smtClean="0"/>
+          </a:p>
+          <a:p>
+            <a:pPr marL="285750" indent="-285750">
+              <a:buFont typeface="Arial" panose="020B0604020202020204" pitchFamily="34" charset="0"/>
+              <a:buChar char="•"/>
+            </a:pPr>
             <a:endParaRPr lang="en-US" dirty="0"/>
           </a:p>
         </p:txBody>
@@ -23304,13 +23386,20 @@
     </p:spTree>
     <p:extLst>
       <p:ext uri="{BB962C8B-B14F-4D97-AF65-F5344CB8AC3E}">
-        <p14:creationId xmlns:p14="http://schemas.microsoft.com/office/powerpoint/2010/main" val="3973552725"/>
+        <p14:creationId xmlns:p14="http://schemas.microsoft.com/office/powerpoint/2010/main" val="2476803811"/>
       </p:ext>
     </p:extLst>
   </p:cSld>
   <p:clrMapOvr>
     <a:masterClrMapping/>
   </p:clrMapOvr>
+  <p:timing>
+    <p:tnLst>
+      <p:par>
+        <p:cTn id="1" dur="indefinite" restart="never" nodeType="tmRoot"/>
+      </p:par>
+    </p:tnLst>
+  </p:timing>
 </p:sld>
 </file>
 
@@ -23418,6 +23507,110 @@
       </p:par>
     </p:tnLst>
   </p:timing>
+</p:sld>
+</file>
+
+<file path=ppt/slides/slide30.xml><?xml version="1.0" encoding="utf-8"?>
+<p:sld xmlns:a="http://schemas.openxmlformats.org/drawingml/2006/main" xmlns:r="http://schemas.openxmlformats.org/officeDocument/2006/relationships" xmlns:p="http://schemas.openxmlformats.org/presentationml/2006/main">
+  <p:cSld>
+    <p:spTree>
+      <p:nvGrpSpPr>
+        <p:cNvPr id="1" name=""/>
+        <p:cNvGrpSpPr/>
+        <p:nvPr/>
+      </p:nvGrpSpPr>
+      <p:grpSpPr>
+        <a:xfrm>
+          <a:off x="0" y="0"/>
+          <a:ext cx="0" cy="0"/>
+          <a:chOff x="0" y="0"/>
+          <a:chExt cx="0" cy="0"/>
+        </a:xfrm>
+      </p:grpSpPr>
+      <p:sp>
+        <p:nvSpPr>
+          <p:cNvPr id="2" name="Title 1"/>
+          <p:cNvSpPr>
+            <a:spLocks noGrp="1"/>
+          </p:cNvSpPr>
+          <p:nvPr>
+            <p:ph type="title"/>
+          </p:nvPr>
+        </p:nvSpPr>
+        <p:spPr/>
+        <p:txBody>
+          <a:bodyPr/>
+          <a:lstStyle/>
+          <a:p>
+            <a:r>
+              <a:rPr lang="en-US" dirty="0" smtClean="0"/>
+              <a:t>Future Work</a:t>
+            </a:r>
+            <a:endParaRPr lang="en-US" dirty="0"/>
+          </a:p>
+        </p:txBody>
+      </p:sp>
+      <p:sp>
+        <p:nvSpPr>
+          <p:cNvPr id="3" name="Content Placeholder 2"/>
+          <p:cNvSpPr>
+            <a:spLocks noGrp="1"/>
+          </p:cNvSpPr>
+          <p:nvPr>
+            <p:ph idx="1"/>
+          </p:nvPr>
+        </p:nvSpPr>
+        <p:spPr/>
+        <p:txBody>
+          <a:bodyPr/>
+          <a:lstStyle/>
+          <a:p>
+            <a:r>
+              <a:rPr lang="en-US" dirty="0" smtClean="0"/>
+              <a:t>More suitable data set</a:t>
+            </a:r>
+          </a:p>
+          <a:p>
+            <a:pPr lvl="1"/>
+            <a:r>
+              <a:rPr lang="en-US" dirty="0" smtClean="0"/>
+              <a:t>Preprocess more</a:t>
+            </a:r>
+          </a:p>
+          <a:p>
+            <a:pPr lvl="1"/>
+            <a:r>
+              <a:rPr lang="en-US" dirty="0" smtClean="0"/>
+              <a:t>Make smaller datasets with better than random selection</a:t>
+            </a:r>
+          </a:p>
+          <a:p>
+            <a:r>
+              <a:rPr lang="en-US" dirty="0" smtClean="0"/>
+              <a:t>Different sigma values</a:t>
+            </a:r>
+          </a:p>
+          <a:p>
+            <a:r>
+              <a:rPr lang="en-US" dirty="0" smtClean="0"/>
+              <a:t>Do Prediction analysis on test set</a:t>
+            </a:r>
+          </a:p>
+          <a:p>
+            <a:endParaRPr lang="en-US" dirty="0"/>
+          </a:p>
+        </p:txBody>
+      </p:sp>
+    </p:spTree>
+    <p:extLst>
+      <p:ext uri="{BB962C8B-B14F-4D97-AF65-F5344CB8AC3E}">
+        <p14:creationId xmlns:p14="http://schemas.microsoft.com/office/powerpoint/2010/main" val="3973552725"/>
+      </p:ext>
+    </p:extLst>
+  </p:cSld>
+  <p:clrMapOvr>
+    <a:masterClrMapping/>
+  </p:clrMapOvr>
 </p:sld>
 </file>
 
@@ -24886,13 +25079,8 @@
             </a:pPr>
             <a:r>
               <a:rPr lang="en-US" dirty="0" smtClean="0"/>
-              <a:t>Handles outliers and noise </a:t>
-            </a:r>
-            <a:r>
-              <a:rPr lang="en-US" dirty="0" smtClean="0"/>
-              <a:t>better than K-Means</a:t>
-            </a:r>
-            <a:endParaRPr lang="en-US" dirty="0" smtClean="0"/>
+              <a:t>Handles outliers and noise better than K-Means</a:t>
+            </a:r>
           </a:p>
           <a:p>
             <a:endParaRPr lang="en-US" dirty="0"/>
@@ -25372,7 +25560,7 @@
               <a:graphicData uri="http://schemas.openxmlformats.org/presentationml/2006/ole">
                 <mc:AlternateContent xmlns:mc="http://schemas.openxmlformats.org/markup-compatibility/2006">
                   <mc:Choice xmlns:v="urn:schemas-microsoft-com:vml" Requires="v">
-                    <p:oleObj spid="_x0000_s1072" name="Worksheet" r:id="rId3" imgW="2200656" imgH="2076907" progId="Excel.Sheet.8">
+                    <p:oleObj spid="_x0000_s1080" name="Worksheet" r:id="rId3" imgW="2200656" imgH="2076907" progId="Excel.Sheet.8">
                       <p:embed/>
                     </p:oleObj>
                   </mc:Choice>
@@ -26616,7 +26804,7 @@
             <a:graphicData uri="http://schemas.openxmlformats.org/presentationml/2006/ole">
               <mc:AlternateContent xmlns:mc="http://schemas.openxmlformats.org/markup-compatibility/2006">
                 <mc:Choice xmlns:v="urn:schemas-microsoft-com:vml" Requires="v">
-                  <p:oleObj spid="_x0000_s1073" name="Document" r:id="rId5" imgW="1143000" imgH="387096" progId="Word.Document.8">
+                  <p:oleObj spid="_x0000_s1081" name="Document" r:id="rId5" imgW="1143000" imgH="387096" progId="Word.Document.8">
                     <p:embed/>
                   </p:oleObj>
                 </mc:Choice>

--- a/FinalPresentation.pptx
+++ b/FinalPresentation.pptx
@@ -32,9 +32,8 @@
     <p:sldId id="285" r:id="rId26"/>
     <p:sldId id="284" r:id="rId27"/>
     <p:sldId id="267" r:id="rId28"/>
-    <p:sldId id="268" r:id="rId29"/>
-    <p:sldId id="269" r:id="rId30"/>
-    <p:sldId id="286" r:id="rId31"/>
+    <p:sldId id="269" r:id="rId29"/>
+    <p:sldId id="286" r:id="rId30"/>
   </p:sldIdLst>
   <p:sldSz cx="12192000" cy="6858000"/>
   <p:notesSz cx="6858000" cy="9144000"/>
@@ -135,7 +134,7 @@
   </p:defaultTextStyle>
   <p:extLst>
     <p:ext uri="{EFAFB233-063F-42B5-8137-9DF3F51BA10A}">
-      <p15:sldGuideLst xmlns:p15="http://schemas.microsoft.com/office/powerpoint/2012/main">
+      <p15:sldGuideLst xmlns:p15="http://schemas.microsoft.com/office/powerpoint/2012/main" xmlns="">
         <p15:guide id="1" orient="horz" pos="2160">
           <p15:clr>
             <a:srgbClr val="A4A3A4"/>
@@ -197,6 +196,7 @@
           </a:p>
         </c:rich>
       </c:tx>
+      <c:layout/>
       <c:overlay val="0"/>
       <c:spPr>
         <a:noFill/>
@@ -358,12 +358,13 @@
           <c:showPercent val="0"/>
           <c:showBubbleSize val="0"/>
         </c:dLbls>
+        <c:marker val="1"/>
         <c:smooth val="0"/>
-        <c:axId val="341810024"/>
-        <c:axId val="341810416"/>
+        <c:axId val="99267712"/>
+        <c:axId val="99269632"/>
       </c:lineChart>
       <c:catAx>
-        <c:axId val="341810024"/>
+        <c:axId val="99267712"/>
         <c:scaling>
           <c:orientation val="minMax"/>
         </c:scaling>
@@ -395,6 +396,7 @@
               </a:p>
             </c:rich>
           </c:tx>
+          <c:layout/>
           <c:overlay val="0"/>
           <c:spPr>
             <a:noFill/>
@@ -441,7 +443,7 @@
             <a:endParaRPr lang="en-US"/>
           </a:p>
         </c:txPr>
-        <c:crossAx val="341810416"/>
+        <c:crossAx val="99269632"/>
         <c:crosses val="autoZero"/>
         <c:auto val="1"/>
         <c:lblAlgn val="ctr"/>
@@ -449,7 +451,7 @@
         <c:noMultiLvlLbl val="0"/>
       </c:catAx>
       <c:valAx>
-        <c:axId val="341810416"/>
+        <c:axId val="99269632"/>
         <c:scaling>
           <c:orientation val="minMax"/>
         </c:scaling>
@@ -500,6 +502,7 @@
               </a:p>
             </c:rich>
           </c:tx>
+          <c:layout/>
           <c:overlay val="0"/>
           <c:spPr>
             <a:noFill/>
@@ -540,7 +543,7 @@
             <a:endParaRPr lang="en-US"/>
           </a:p>
         </c:txPr>
-        <c:crossAx val="341810024"/>
+        <c:crossAx val="99267712"/>
         <c:crosses val="autoZero"/>
         <c:crossBetween val="between"/>
       </c:valAx>
@@ -554,6 +557,7 @@
     </c:plotArea>
     <c:legend>
       <c:legendPos val="r"/>
+      <c:layout/>
       <c:overlay val="0"/>
       <c:spPr>
         <a:noFill/>
@@ -663,6 +667,7 @@
           </a:p>
         </c:rich>
       </c:tx>
+      <c:layout/>
       <c:overlay val="0"/>
       <c:spPr>
         <a:noFill/>
@@ -824,12 +829,13 @@
           <c:showPercent val="0"/>
           <c:showBubbleSize val="0"/>
         </c:dLbls>
+        <c:marker val="1"/>
         <c:smooth val="0"/>
-        <c:axId val="341811200"/>
-        <c:axId val="341811592"/>
+        <c:axId val="102162816"/>
+        <c:axId val="102164736"/>
       </c:lineChart>
       <c:catAx>
-        <c:axId val="341811200"/>
+        <c:axId val="102162816"/>
         <c:scaling>
           <c:orientation val="minMax"/>
         </c:scaling>
@@ -861,6 +867,7 @@
               </a:p>
             </c:rich>
           </c:tx>
+          <c:layout/>
           <c:overlay val="0"/>
           <c:spPr>
             <a:noFill/>
@@ -907,7 +914,7 @@
             <a:endParaRPr lang="en-US"/>
           </a:p>
         </c:txPr>
-        <c:crossAx val="341811592"/>
+        <c:crossAx val="102164736"/>
         <c:crosses val="autoZero"/>
         <c:auto val="1"/>
         <c:lblAlgn val="ctr"/>
@@ -915,7 +922,7 @@
         <c:noMultiLvlLbl val="0"/>
       </c:catAx>
       <c:valAx>
-        <c:axId val="341811592"/>
+        <c:axId val="102164736"/>
         <c:scaling>
           <c:orientation val="minMax"/>
         </c:scaling>
@@ -966,6 +973,7 @@
               </a:p>
             </c:rich>
           </c:tx>
+          <c:layout/>
           <c:overlay val="0"/>
           <c:spPr>
             <a:noFill/>
@@ -1006,7 +1014,7 @@
             <a:endParaRPr lang="en-US"/>
           </a:p>
         </c:txPr>
-        <c:crossAx val="341811200"/>
+        <c:crossAx val="102162816"/>
         <c:crosses val="autoZero"/>
         <c:crossBetween val="between"/>
       </c:valAx>
@@ -1020,6 +1028,7 @@
     </c:plotArea>
     <c:legend>
       <c:legendPos val="r"/>
+      <c:layout/>
       <c:overlay val="0"/>
       <c:spPr>
         <a:noFill/>
@@ -1124,6 +1133,7 @@
           </a:p>
         </c:rich>
       </c:tx>
+      <c:layout/>
       <c:overlay val="0"/>
       <c:spPr>
         <a:noFill/>
@@ -1285,12 +1295,13 @@
           <c:showPercent val="0"/>
           <c:showBubbleSize val="0"/>
         </c:dLbls>
+        <c:marker val="1"/>
         <c:smooth val="0"/>
-        <c:axId val="342705496"/>
-        <c:axId val="342705888"/>
+        <c:axId val="102224256"/>
+        <c:axId val="102226176"/>
       </c:lineChart>
       <c:catAx>
-        <c:axId val="342705496"/>
+        <c:axId val="102224256"/>
         <c:scaling>
           <c:orientation val="minMax"/>
         </c:scaling>
@@ -1322,6 +1333,7 @@
               </a:p>
             </c:rich>
           </c:tx>
+          <c:layout/>
           <c:overlay val="0"/>
           <c:spPr>
             <a:noFill/>
@@ -1368,7 +1380,7 @@
             <a:endParaRPr lang="en-US"/>
           </a:p>
         </c:txPr>
-        <c:crossAx val="342705888"/>
+        <c:crossAx val="102226176"/>
         <c:crosses val="autoZero"/>
         <c:auto val="1"/>
         <c:lblAlgn val="ctr"/>
@@ -1376,7 +1388,7 @@
         <c:noMultiLvlLbl val="0"/>
       </c:catAx>
       <c:valAx>
-        <c:axId val="342705888"/>
+        <c:axId val="102226176"/>
         <c:scaling>
           <c:orientation val="minMax"/>
         </c:scaling>
@@ -1422,6 +1434,7 @@
               </a:p>
             </c:rich>
           </c:tx>
+          <c:layout/>
           <c:overlay val="0"/>
           <c:spPr>
             <a:noFill/>
@@ -1462,7 +1475,7 @@
             <a:endParaRPr lang="en-US"/>
           </a:p>
         </c:txPr>
-        <c:crossAx val="342705496"/>
+        <c:crossAx val="102224256"/>
         <c:crosses val="autoZero"/>
         <c:crossBetween val="between"/>
       </c:valAx>
@@ -1476,6 +1489,7 @@
     </c:plotArea>
     <c:legend>
       <c:legendPos val="r"/>
+      <c:layout/>
       <c:overlay val="0"/>
       <c:spPr>
         <a:noFill/>
@@ -1585,6 +1599,7 @@
           </a:p>
         </c:rich>
       </c:tx>
+      <c:layout/>
       <c:overlay val="0"/>
       <c:spPr>
         <a:noFill/>
@@ -1746,12 +1761,13 @@
           <c:showPercent val="0"/>
           <c:showBubbleSize val="0"/>
         </c:dLbls>
+        <c:marker val="1"/>
         <c:smooth val="0"/>
-        <c:axId val="342706672"/>
-        <c:axId val="342707064"/>
+        <c:axId val="102239616"/>
+        <c:axId val="102258176"/>
       </c:lineChart>
       <c:catAx>
-        <c:axId val="342706672"/>
+        <c:axId val="102239616"/>
         <c:scaling>
           <c:orientation val="minMax"/>
         </c:scaling>
@@ -1788,6 +1804,7 @@
               </a:p>
             </c:rich>
           </c:tx>
+          <c:layout/>
           <c:overlay val="0"/>
           <c:spPr>
             <a:noFill/>
@@ -1834,7 +1851,7 @@
             <a:endParaRPr lang="en-US"/>
           </a:p>
         </c:txPr>
-        <c:crossAx val="342707064"/>
+        <c:crossAx val="102258176"/>
         <c:crosses val="autoZero"/>
         <c:auto val="1"/>
         <c:lblAlgn val="ctr"/>
@@ -1842,7 +1859,7 @@
         <c:noMultiLvlLbl val="0"/>
       </c:catAx>
       <c:valAx>
-        <c:axId val="342707064"/>
+        <c:axId val="102258176"/>
         <c:scaling>
           <c:orientation val="minMax"/>
         </c:scaling>
@@ -1888,6 +1905,7 @@
               </a:p>
             </c:rich>
           </c:tx>
+          <c:layout/>
           <c:overlay val="0"/>
           <c:spPr>
             <a:noFill/>
@@ -1928,7 +1946,7 @@
             <a:endParaRPr lang="en-US"/>
           </a:p>
         </c:txPr>
-        <c:crossAx val="342706672"/>
+        <c:crossAx val="102239616"/>
         <c:crosses val="autoZero"/>
         <c:crossBetween val="between"/>
       </c:valAx>
@@ -1942,6 +1960,7 @@
     </c:plotArea>
     <c:legend>
       <c:legendPos val="r"/>
+      <c:layout/>
       <c:overlay val="0"/>
       <c:spPr>
         <a:noFill/>
@@ -2051,6 +2070,7 @@
           </a:p>
         </c:rich>
       </c:tx>
+      <c:layout/>
       <c:overlay val="0"/>
       <c:spPr>
         <a:noFill/>
@@ -2212,12 +2232,13 @@
           <c:showPercent val="0"/>
           <c:showBubbleSize val="0"/>
         </c:dLbls>
+        <c:marker val="1"/>
         <c:smooth val="0"/>
-        <c:axId val="342707848"/>
-        <c:axId val="342708240"/>
+        <c:axId val="102276480"/>
+        <c:axId val="107550208"/>
       </c:lineChart>
       <c:catAx>
-        <c:axId val="342707848"/>
+        <c:axId val="102276480"/>
         <c:scaling>
           <c:orientation val="minMax"/>
         </c:scaling>
@@ -2254,6 +2275,7 @@
               </a:p>
             </c:rich>
           </c:tx>
+          <c:layout/>
           <c:overlay val="0"/>
           <c:spPr>
             <a:noFill/>
@@ -2300,7 +2322,7 @@
             <a:endParaRPr lang="en-US"/>
           </a:p>
         </c:txPr>
-        <c:crossAx val="342708240"/>
+        <c:crossAx val="107550208"/>
         <c:crosses val="autoZero"/>
         <c:auto val="1"/>
         <c:lblAlgn val="ctr"/>
@@ -2308,7 +2330,7 @@
         <c:noMultiLvlLbl val="0"/>
       </c:catAx>
       <c:valAx>
-        <c:axId val="342708240"/>
+        <c:axId val="107550208"/>
         <c:scaling>
           <c:orientation val="minMax"/>
         </c:scaling>
@@ -2354,6 +2376,7 @@
               </a:p>
             </c:rich>
           </c:tx>
+          <c:layout/>
           <c:overlay val="0"/>
           <c:spPr>
             <a:noFill/>
@@ -2394,7 +2417,7 @@
             <a:endParaRPr lang="en-US"/>
           </a:p>
         </c:txPr>
-        <c:crossAx val="342707848"/>
+        <c:crossAx val="102276480"/>
         <c:crosses val="autoZero"/>
         <c:crossBetween val="between"/>
       </c:valAx>
@@ -2408,6 +2431,7 @@
     </c:plotArea>
     <c:legend>
       <c:legendPos val="r"/>
+      <c:layout/>
       <c:overlay val="0"/>
       <c:spPr>
         <a:noFill/>
@@ -2517,6 +2541,7 @@
           </a:p>
         </c:rich>
       </c:tx>
+      <c:layout/>
       <c:overlay val="0"/>
       <c:spPr>
         <a:noFill/>
@@ -2678,12 +2703,13 @@
           <c:showPercent val="0"/>
           <c:showBubbleSize val="0"/>
         </c:dLbls>
+        <c:marker val="1"/>
         <c:smooth val="0"/>
-        <c:axId val="342709024"/>
-        <c:axId val="342926976"/>
+        <c:axId val="107588224"/>
+        <c:axId val="107606784"/>
       </c:lineChart>
       <c:catAx>
-        <c:axId val="342709024"/>
+        <c:axId val="107588224"/>
         <c:scaling>
           <c:orientation val="minMax"/>
         </c:scaling>
@@ -2720,6 +2746,7 @@
               </a:p>
             </c:rich>
           </c:tx>
+          <c:layout/>
           <c:overlay val="0"/>
           <c:spPr>
             <a:noFill/>
@@ -2766,7 +2793,7 @@
             <a:endParaRPr lang="en-US"/>
           </a:p>
         </c:txPr>
-        <c:crossAx val="342926976"/>
+        <c:crossAx val="107606784"/>
         <c:crosses val="autoZero"/>
         <c:auto val="1"/>
         <c:lblAlgn val="ctr"/>
@@ -2774,7 +2801,7 @@
         <c:noMultiLvlLbl val="0"/>
       </c:catAx>
       <c:valAx>
-        <c:axId val="342926976"/>
+        <c:axId val="107606784"/>
         <c:scaling>
           <c:orientation val="minMax"/>
         </c:scaling>
@@ -2820,6 +2847,7 @@
               </a:p>
             </c:rich>
           </c:tx>
+          <c:layout/>
           <c:overlay val="0"/>
           <c:spPr>
             <a:noFill/>
@@ -2860,7 +2888,7 @@
             <a:endParaRPr lang="en-US"/>
           </a:p>
         </c:txPr>
-        <c:crossAx val="342709024"/>
+        <c:crossAx val="107588224"/>
         <c:crosses val="autoZero"/>
         <c:crossBetween val="between"/>
       </c:valAx>
@@ -2874,6 +2902,7 @@
     </c:plotArea>
     <c:legend>
       <c:legendPos val="r"/>
+      <c:layout/>
       <c:overlay val="0"/>
       <c:spPr>
         <a:noFill/>
@@ -2984,6 +3013,7 @@
           </a:p>
         </c:rich>
       </c:tx>
+      <c:layout/>
       <c:overlay val="0"/>
       <c:spPr>
         <a:noFill/>
@@ -2992,32 +3022,6 @@
         </a:ln>
         <a:effectLst/>
       </c:spPr>
-      <c:txPr>
-        <a:bodyPr rot="0" spcFirstLastPara="1" vertOverflow="ellipsis" vert="horz" wrap="square" anchor="ctr" anchorCtr="1"/>
-        <a:lstStyle/>
-        <a:p>
-          <a:pPr>
-            <a:defRPr sz="1600" b="1" i="0" u="none" strike="noStrike" kern="1200" spc="100" baseline="0">
-              <a:solidFill>
-                <a:schemeClr val="lt1">
-                  <a:lumMod val="95000"/>
-                </a:schemeClr>
-              </a:solidFill>
-              <a:effectLst>
-                <a:outerShdw blurRad="50800" dist="38100" dir="5400000" algn="t" rotWithShape="0">
-                  <a:prstClr val="black">
-                    <a:alpha val="40000"/>
-                  </a:prstClr>
-                </a:outerShdw>
-              </a:effectLst>
-              <a:latin typeface="+mn-lt"/>
-              <a:ea typeface="+mn-ea"/>
-              <a:cs typeface="+mn-cs"/>
-            </a:defRPr>
-          </a:pPr>
-          <a:endParaRPr lang="en-US"/>
-        </a:p>
-      </c:txPr>
     </c:title>
     <c:autoTitleDeleted val="0"/>
     <c:plotArea>
@@ -3315,12 +3319,13 @@
           <c:showPercent val="0"/>
           <c:showBubbleSize val="0"/>
         </c:dLbls>
+        <c:marker val="1"/>
         <c:smooth val="0"/>
-        <c:axId val="342927760"/>
-        <c:axId val="342928152"/>
+        <c:axId val="107663744"/>
+        <c:axId val="107665664"/>
       </c:lineChart>
       <c:catAx>
-        <c:axId val="342927760"/>
+        <c:axId val="107663744"/>
         <c:scaling>
           <c:orientation val="minMax"/>
         </c:scaling>
@@ -3367,25 +3372,6 @@
             </a:ln>
             <a:effectLst/>
           </c:spPr>
-          <c:txPr>
-            <a:bodyPr rot="0" spcFirstLastPara="1" vertOverflow="ellipsis" vert="horz" wrap="square" anchor="ctr" anchorCtr="1"/>
-            <a:lstStyle/>
-            <a:p>
-              <a:pPr>
-                <a:defRPr sz="900" b="1" i="0" u="none" strike="noStrike" kern="1200" cap="all" baseline="0">
-                  <a:solidFill>
-                    <a:schemeClr val="lt1">
-                      <a:lumMod val="85000"/>
-                    </a:schemeClr>
-                  </a:solidFill>
-                  <a:latin typeface="+mn-lt"/>
-                  <a:ea typeface="+mn-ea"/>
-                  <a:cs typeface="+mn-cs"/>
-                </a:defRPr>
-              </a:pPr>
-              <a:endParaRPr lang="en-US"/>
-            </a:p>
-          </c:txPr>
         </c:title>
         <c:numFmt formatCode="General" sourceLinked="1"/>
         <c:majorTickMark val="none"/>
@@ -3423,7 +3409,7 @@
             <a:endParaRPr lang="en-US"/>
           </a:p>
         </c:txPr>
-        <c:crossAx val="342928152"/>
+        <c:crossAx val="107665664"/>
         <c:crosses val="autoZero"/>
         <c:auto val="1"/>
         <c:lblAlgn val="ctr"/>
@@ -3431,7 +3417,7 @@
         <c:noMultiLvlLbl val="0"/>
       </c:catAx>
       <c:valAx>
-        <c:axId val="342928152"/>
+        <c:axId val="107665664"/>
         <c:scaling>
           <c:orientation val="minMax"/>
         </c:scaling>
@@ -3476,6 +3462,7 @@
               </a:p>
             </c:rich>
           </c:tx>
+          <c:layout/>
           <c:overlay val="0"/>
           <c:spPr>
             <a:noFill/>
@@ -3484,25 +3471,6 @@
             </a:ln>
             <a:effectLst/>
           </c:spPr>
-          <c:txPr>
-            <a:bodyPr rot="-5400000" spcFirstLastPara="1" vertOverflow="ellipsis" vert="horz" wrap="square" anchor="ctr" anchorCtr="1"/>
-            <a:lstStyle/>
-            <a:p>
-              <a:pPr>
-                <a:defRPr sz="900" b="1" i="0" u="none" strike="noStrike" kern="1200" cap="all" baseline="0">
-                  <a:solidFill>
-                    <a:schemeClr val="lt1">
-                      <a:lumMod val="85000"/>
-                    </a:schemeClr>
-                  </a:solidFill>
-                  <a:latin typeface="+mn-lt"/>
-                  <a:ea typeface="+mn-ea"/>
-                  <a:cs typeface="+mn-cs"/>
-                </a:defRPr>
-              </a:pPr>
-              <a:endParaRPr lang="en-US"/>
-            </a:p>
-          </c:txPr>
         </c:title>
         <c:numFmt formatCode="General" sourceLinked="1"/>
         <c:majorTickMark val="none"/>
@@ -3534,7 +3502,7 @@
             <a:endParaRPr lang="en-US"/>
           </a:p>
         </c:txPr>
-        <c:crossAx val="342927760"/>
+        <c:crossAx val="107663744"/>
         <c:crosses val="autoZero"/>
         <c:crossBetween val="between"/>
       </c:valAx>
@@ -3585,6 +3553,7 @@
     </c:plotArea>
     <c:legend>
       <c:legendPos val="b"/>
+      <c:layout/>
       <c:overlay val="0"/>
       <c:spPr>
         <a:noFill/>
@@ -3653,7 +3622,7 @@
       <a:endParaRPr lang="en-US"/>
     </a:p>
   </c:txPr>
-  <c:externalData r:id="rId3">
+  <c:externalData r:id="rId1">
     <c:autoUpdate val="0"/>
   </c:externalData>
 </c:chartSpace>
@@ -3935,12 +3904,13 @@
           <c:showPercent val="0"/>
           <c:showBubbleSize val="0"/>
         </c:dLbls>
+        <c:marker val="1"/>
         <c:smooth val="0"/>
-        <c:axId val="342929328"/>
-        <c:axId val="342929720"/>
+        <c:axId val="107724160"/>
+        <c:axId val="107730432"/>
       </c:lineChart>
       <c:catAx>
-        <c:axId val="342929328"/>
+        <c:axId val="107724160"/>
         <c:scaling>
           <c:orientation val="minMax"/>
         </c:scaling>
@@ -3972,6 +3942,7 @@
               </a:p>
             </c:rich>
           </c:tx>
+          <c:layout/>
           <c:overlay val="0"/>
           <c:spPr>
             <a:noFill/>
@@ -3980,26 +3951,6 @@
             </a:ln>
             <a:effectLst/>
           </c:spPr>
-          <c:txPr>
-            <a:bodyPr rot="0" spcFirstLastPara="1" vertOverflow="ellipsis" vert="horz" wrap="square" anchor="ctr" anchorCtr="1"/>
-            <a:lstStyle/>
-            <a:p>
-              <a:pPr>
-                <a:defRPr sz="1000" b="0" i="0" u="none" strike="noStrike" kern="1200" baseline="0">
-                  <a:solidFill>
-                    <a:schemeClr val="tx1">
-                      <a:lumMod val="65000"/>
-                      <a:lumOff val="35000"/>
-                    </a:schemeClr>
-                  </a:solidFill>
-                  <a:latin typeface="+mn-lt"/>
-                  <a:ea typeface="+mn-ea"/>
-                  <a:cs typeface="+mn-cs"/>
-                </a:defRPr>
-              </a:pPr>
-              <a:endParaRPr lang="en-US"/>
-            </a:p>
-          </c:txPr>
         </c:title>
         <c:numFmt formatCode="General" sourceLinked="1"/>
         <c:majorTickMark val="none"/>
@@ -4038,7 +3989,7 @@
             <a:endParaRPr lang="en-US"/>
           </a:p>
         </c:txPr>
-        <c:crossAx val="342929720"/>
+        <c:crossAx val="107730432"/>
         <c:crosses val="autoZero"/>
         <c:auto val="1"/>
         <c:lblAlgn val="ctr"/>
@@ -4046,7 +3997,7 @@
         <c:noMultiLvlLbl val="0"/>
       </c:catAx>
       <c:valAx>
-        <c:axId val="342929720"/>
+        <c:axId val="107730432"/>
         <c:scaling>
           <c:orientation val="minMax"/>
         </c:scaling>
@@ -4092,6 +4043,7 @@
               </a:p>
             </c:rich>
           </c:tx>
+          <c:layout/>
           <c:overlay val="0"/>
           <c:spPr>
             <a:noFill/>
@@ -4100,26 +4052,6 @@
             </a:ln>
             <a:effectLst/>
           </c:spPr>
-          <c:txPr>
-            <a:bodyPr rot="-5400000" spcFirstLastPara="1" vertOverflow="ellipsis" vert="horz" wrap="square" anchor="ctr" anchorCtr="1"/>
-            <a:lstStyle/>
-            <a:p>
-              <a:pPr>
-                <a:defRPr sz="1000" b="0" i="0" u="none" strike="noStrike" kern="1200" baseline="0">
-                  <a:solidFill>
-                    <a:schemeClr val="tx1">
-                      <a:lumMod val="65000"/>
-                      <a:lumOff val="35000"/>
-                    </a:schemeClr>
-                  </a:solidFill>
-                  <a:latin typeface="+mn-lt"/>
-                  <a:ea typeface="+mn-ea"/>
-                  <a:cs typeface="+mn-cs"/>
-                </a:defRPr>
-              </a:pPr>
-              <a:endParaRPr lang="en-US"/>
-            </a:p>
-          </c:txPr>
         </c:title>
         <c:numFmt formatCode="0.00E+00" sourceLinked="1"/>
         <c:majorTickMark val="none"/>
@@ -4152,7 +4084,7 @@
             <a:endParaRPr lang="en-US"/>
           </a:p>
         </c:txPr>
-        <c:crossAx val="342929328"/>
+        <c:crossAx val="107724160"/>
         <c:crosses val="autoZero"/>
         <c:crossBetween val="between"/>
       </c:valAx>
@@ -4166,6 +4098,7 @@
     </c:plotArea>
     <c:legend>
       <c:legendPos val="b"/>
+      <c:layout/>
       <c:overlay val="0"/>
       <c:spPr>
         <a:noFill/>
@@ -4216,7 +4149,7 @@
       <a:endParaRPr lang="en-US"/>
     </a:p>
   </c:txPr>
-  <c:externalData r:id="rId3">
+  <c:externalData r:id="rId1">
     <c:autoUpdate val="0"/>
   </c:externalData>
 </c:chartSpace>
@@ -4769,11 +4702,11 @@
         </c:dLbls>
         <c:marker val="1"/>
         <c:smooth val="0"/>
-        <c:axId val="342930504"/>
-        <c:axId val="342303056"/>
+        <c:axId val="108038400"/>
+        <c:axId val="108048768"/>
       </c:lineChart>
       <c:catAx>
-        <c:axId val="342930504"/>
+        <c:axId val="108038400"/>
         <c:scaling>
           <c:orientation val="minMax"/>
         </c:scaling>
@@ -4805,6 +4738,7 @@
               </a:p>
             </c:rich>
           </c:tx>
+          <c:layout/>
           <c:overlay val="0"/>
           <c:spPr>
             <a:noFill/>
@@ -4813,26 +4747,6 @@
             </a:ln>
             <a:effectLst/>
           </c:spPr>
-          <c:txPr>
-            <a:bodyPr rot="0" spcFirstLastPara="1" vertOverflow="ellipsis" vert="horz" wrap="square" anchor="ctr" anchorCtr="1"/>
-            <a:lstStyle/>
-            <a:p>
-              <a:pPr>
-                <a:defRPr sz="900" b="0" i="0" u="none" strike="noStrike" kern="1200" baseline="0">
-                  <a:solidFill>
-                    <a:schemeClr val="dk1">
-                      <a:lumMod val="65000"/>
-                      <a:lumOff val="35000"/>
-                    </a:schemeClr>
-                  </a:solidFill>
-                  <a:latin typeface="+mn-lt"/>
-                  <a:ea typeface="+mn-ea"/>
-                  <a:cs typeface="+mn-cs"/>
-                </a:defRPr>
-              </a:pPr>
-              <a:endParaRPr lang="en-US"/>
-            </a:p>
-          </c:txPr>
         </c:title>
         <c:numFmt formatCode="General" sourceLinked="1"/>
         <c:majorTickMark val="none"/>
@@ -4871,7 +4785,7 @@
             <a:endParaRPr lang="en-US"/>
           </a:p>
         </c:txPr>
-        <c:crossAx val="342303056"/>
+        <c:crossAx val="108048768"/>
         <c:crosses val="autoZero"/>
         <c:auto val="1"/>
         <c:lblAlgn val="ctr"/>
@@ -4879,7 +4793,7 @@
         <c:noMultiLvlLbl val="0"/>
       </c:catAx>
       <c:valAx>
-        <c:axId val="342303056"/>
+        <c:axId val="108048768"/>
         <c:scaling>
           <c:orientation val="minMax"/>
         </c:scaling>
@@ -4911,6 +4825,7 @@
               </a:p>
             </c:rich>
           </c:tx>
+          <c:layout/>
           <c:overlay val="0"/>
           <c:spPr>
             <a:noFill/>
@@ -4919,32 +4834,12 @@
             </a:ln>
             <a:effectLst/>
           </c:spPr>
-          <c:txPr>
-            <a:bodyPr rot="-5400000" spcFirstLastPara="1" vertOverflow="ellipsis" vert="horz" wrap="square" anchor="ctr" anchorCtr="1"/>
-            <a:lstStyle/>
-            <a:p>
-              <a:pPr>
-                <a:defRPr sz="900" b="0" i="0" u="none" strike="noStrike" kern="1200" baseline="0">
-                  <a:solidFill>
-                    <a:schemeClr val="dk1">
-                      <a:lumMod val="65000"/>
-                      <a:lumOff val="35000"/>
-                    </a:schemeClr>
-                  </a:solidFill>
-                  <a:latin typeface="+mn-lt"/>
-                  <a:ea typeface="+mn-ea"/>
-                  <a:cs typeface="+mn-cs"/>
-                </a:defRPr>
-              </a:pPr>
-              <a:endParaRPr lang="en-US"/>
-            </a:p>
-          </c:txPr>
         </c:title>
         <c:numFmt formatCode="General" sourceLinked="1"/>
         <c:majorTickMark val="none"/>
         <c:minorTickMark val="none"/>
         <c:tickLblPos val="nextTo"/>
-        <c:crossAx val="342930504"/>
+        <c:crossAx val="108038400"/>
         <c:crosses val="autoZero"/>
         <c:crossBetween val="between"/>
       </c:valAx>
@@ -4958,6 +4853,7 @@
     </c:plotArea>
     <c:legend>
       <c:legendPos val="b"/>
+      <c:layout/>
       <c:overlay val="0"/>
       <c:spPr>
         <a:noFill/>
@@ -5016,7 +4912,7 @@
       <a:endParaRPr lang="en-US"/>
     </a:p>
   </c:txPr>
-  <c:externalData r:id="rId3">
+  <c:externalData r:id="rId1">
     <c:autoUpdate val="0"/>
   </c:externalData>
 </c:chartSpace>
@@ -21152,8 +21048,20 @@
           <a:p>
             <a:r>
               <a:rPr lang="en-US" dirty="0" smtClean="0"/>
-              <a:t>Run three clustering algorithms on the data set</a:t>
-            </a:r>
+              <a:t>Run three clustering algorithms on the data </a:t>
+            </a:r>
+            <a:r>
+              <a:rPr lang="en-US" dirty="0" smtClean="0"/>
+              <a:t>set</a:t>
+            </a:r>
+          </a:p>
+          <a:p>
+            <a:pPr lvl="1"/>
+            <a:r>
+              <a:rPr lang="en-US" dirty="0" smtClean="0"/>
+              <a:t>PAM, OPTICS, Group Average</a:t>
+            </a:r>
+            <a:endParaRPr lang="en-US" dirty="0" smtClean="0"/>
           </a:p>
           <a:p>
             <a:r>
@@ -21162,9 +21070,11 @@
             </a:r>
           </a:p>
           <a:p>
-            <a:endParaRPr lang="en-US" dirty="0"/>
-          </a:p>
-          <a:p>
+            <a:pPr lvl="1"/>
+            <a:r>
+              <a:rPr lang="en-US" dirty="0" smtClean="0"/>
+              <a:t>Info gain, average core distance, WSS, BSS, etc…</a:t>
+            </a:r>
             <a:endParaRPr lang="en-US" dirty="0"/>
           </a:p>
         </p:txBody>
@@ -22989,7 +22899,7 @@
       </p:grpSpPr>
       <p:sp>
         <p:nvSpPr>
-          <p:cNvPr id="4" name="Title 3"/>
+          <p:cNvPr id="2" name="Title 1"/>
           <p:cNvSpPr>
             <a:spLocks noGrp="1"/>
           </p:cNvSpPr>
@@ -23004,7 +22914,7 @@
           <a:p>
             <a:r>
               <a:rPr lang="en-US" dirty="0" smtClean="0"/>
-              <a:t>Head-to-Head Comparisons</a:t>
+              <a:t>Future Work</a:t>
             </a:r>
             <a:endParaRPr lang="en-US" dirty="0"/>
           </a:p>
@@ -23012,7 +22922,7 @@
       </p:sp>
       <p:sp>
         <p:nvSpPr>
-          <p:cNvPr id="5" name="Text Placeholder 4"/>
+          <p:cNvPr id="3" name="Content Placeholder 2"/>
           <p:cNvSpPr>
             <a:spLocks noGrp="1"/>
           </p:cNvSpPr>
@@ -23035,7 +22945,7 @@
       </p:sp>
       <p:sp>
         <p:nvSpPr>
-          <p:cNvPr id="8" name="Text Placeholder 7"/>
+          <p:cNvPr id="6" name="Text Placeholder 5"/>
           <p:cNvSpPr>
             <a:spLocks noGrp="1"/>
           </p:cNvSpPr>
@@ -23053,22 +22963,18 @@
               <a:buChar char="•"/>
             </a:pPr>
             <a:r>
-              <a:rPr lang="en-US" dirty="0" smtClean="0"/>
-              <a:t>Entropy</a:t>
-            </a:r>
-          </a:p>
-          <a:p>
-            <a:pPr marL="285750" indent="-285750">
-              <a:buFont typeface="Arial" panose="020B0604020202020204" pitchFamily="34" charset="0"/>
-              <a:buChar char="•"/>
-            </a:pPr>
+              <a:rPr lang="en-US" dirty="0"/>
+              <a:t>CLARA</a:t>
+            </a:r>
+          </a:p>
+          <a:p>
             <a:endParaRPr lang="en-US" dirty="0"/>
           </a:p>
         </p:txBody>
       </p:sp>
       <p:sp>
         <p:nvSpPr>
-          <p:cNvPr id="6" name="Text Placeholder 5"/>
+          <p:cNvPr id="4" name="Text Placeholder 3"/>
           <p:cNvSpPr>
             <a:spLocks noGrp="1"/>
           </p:cNvSpPr>
@@ -23083,7 +22989,7 @@
           <a:p>
             <a:r>
               <a:rPr lang="en-US" dirty="0" smtClean="0"/>
-              <a:t>Group Average	</a:t>
+              <a:t>Group Average</a:t>
             </a:r>
             <a:endParaRPr lang="en-US" dirty="0"/>
           </a:p>
@@ -23091,7 +22997,7 @@
       </p:sp>
       <p:sp>
         <p:nvSpPr>
-          <p:cNvPr id="9" name="Text Placeholder 8"/>
+          <p:cNvPr id="7" name="Text Placeholder 6"/>
           <p:cNvSpPr>
             <a:spLocks noGrp="1"/>
           </p:cNvSpPr>
@@ -23104,13 +23010,31 @@
           <a:bodyPr/>
           <a:lstStyle/>
           <a:p>
+            <a:pPr marL="285750" indent="-285750">
+              <a:buFont typeface="Arial" panose="020B0604020202020204" pitchFamily="34" charset="0"/>
+              <a:buChar char="•"/>
+            </a:pPr>
+            <a:r>
+              <a:rPr lang="en-US" dirty="0" smtClean="0"/>
+              <a:t>Different way to store data</a:t>
+            </a:r>
+          </a:p>
+          <a:p>
+            <a:pPr marL="285750" indent="-285750">
+              <a:buFont typeface="Arial" panose="020B0604020202020204" pitchFamily="34" charset="0"/>
+              <a:buChar char="•"/>
+            </a:pPr>
+            <a:r>
+              <a:rPr lang="en-US" dirty="0" smtClean="0"/>
+              <a:t>Find a way to go through the data faster, parallelism?</a:t>
+            </a:r>
             <a:endParaRPr lang="en-US" dirty="0"/>
           </a:p>
         </p:txBody>
       </p:sp>
       <p:sp>
         <p:nvSpPr>
-          <p:cNvPr id="7" name="Text Placeholder 6"/>
+          <p:cNvPr id="5" name="Text Placeholder 4"/>
           <p:cNvSpPr>
             <a:spLocks noGrp="1"/>
           </p:cNvSpPr>
@@ -23133,7 +23057,7 @@
       </p:sp>
       <p:sp>
         <p:nvSpPr>
-          <p:cNvPr id="10" name="Text Placeholder 9"/>
+          <p:cNvPr id="8" name="Text Placeholder 7"/>
           <p:cNvSpPr>
             <a:spLocks noGrp="1"/>
           </p:cNvSpPr>
@@ -23146,14 +23070,33 @@
           <a:bodyPr/>
           <a:lstStyle/>
           <a:p>
-            <a:endParaRPr lang="en-US"/>
+            <a:pPr marL="285750" indent="-285750">
+              <a:buFont typeface="Arial" panose="020B0604020202020204" pitchFamily="34" charset="0"/>
+              <a:buChar char="•"/>
+            </a:pPr>
+            <a:r>
+              <a:rPr lang="en-US" dirty="0" smtClean="0"/>
+              <a:t>Experiment with </a:t>
+            </a:r>
+            <a:r>
+              <a:rPr lang="en-US" dirty="0" err="1" smtClean="0"/>
+              <a:t>MinPoints</a:t>
+            </a:r>
+            <a:endParaRPr lang="en-US" dirty="0" smtClean="0"/>
+          </a:p>
+          <a:p>
+            <a:pPr marL="285750" indent="-285750">
+              <a:buFont typeface="Arial" panose="020B0604020202020204" pitchFamily="34" charset="0"/>
+              <a:buChar char="•"/>
+            </a:pPr>
+            <a:endParaRPr lang="en-US" dirty="0"/>
           </a:p>
         </p:txBody>
       </p:sp>
     </p:spTree>
     <p:extLst>
       <p:ext uri="{BB962C8B-B14F-4D97-AF65-F5344CB8AC3E}">
-        <p14:creationId xmlns:p14="http://schemas.microsoft.com/office/powerpoint/2010/main" val="3890624472"/>
+        <p14:creationId xmlns:p14="http://schemas.microsoft.com/office/powerpoint/2010/main" val="2476803811"/>
       </p:ext>
     </p:extLst>
   </p:cSld>
@@ -23217,7 +23160,7 @@
             <a:spLocks noGrp="1"/>
           </p:cNvSpPr>
           <p:nvPr>
-            <p:ph type="body" idx="1"/>
+            <p:ph idx="1"/>
           </p:nvPr>
         </p:nvSpPr>
         <p:spPr/>
@@ -23227,158 +23170,36 @@
           <a:p>
             <a:r>
               <a:rPr lang="en-US" dirty="0" smtClean="0"/>
-              <a:t>PAM</a:t>
-            </a:r>
-            <a:endParaRPr lang="en-US" dirty="0"/>
-          </a:p>
-        </p:txBody>
-      </p:sp>
-      <p:sp>
-        <p:nvSpPr>
-          <p:cNvPr id="6" name="Text Placeholder 5"/>
-          <p:cNvSpPr>
-            <a:spLocks noGrp="1"/>
-          </p:cNvSpPr>
-          <p:nvPr>
-            <p:ph type="body" sz="half" idx="15"/>
-          </p:nvPr>
-        </p:nvSpPr>
-        <p:spPr/>
-        <p:txBody>
-          <a:bodyPr/>
-          <a:lstStyle/>
-          <a:p>
-            <a:pPr marL="285750" indent="-285750">
-              <a:buFont typeface="Arial" panose="020B0604020202020204" pitchFamily="34" charset="0"/>
-              <a:buChar char="•"/>
-            </a:pPr>
-            <a:r>
-              <a:rPr lang="en-US" dirty="0"/>
-              <a:t>CLARA</a:t>
-            </a:r>
-          </a:p>
-          <a:p>
-            <a:endParaRPr lang="en-US" dirty="0"/>
-          </a:p>
-        </p:txBody>
-      </p:sp>
-      <p:sp>
-        <p:nvSpPr>
-          <p:cNvPr id="4" name="Text Placeholder 3"/>
-          <p:cNvSpPr>
-            <a:spLocks noGrp="1"/>
-          </p:cNvSpPr>
-          <p:nvPr>
-            <p:ph type="body" sz="quarter" idx="3"/>
-          </p:nvPr>
-        </p:nvSpPr>
-        <p:spPr/>
-        <p:txBody>
-          <a:bodyPr/>
-          <a:lstStyle/>
-          <a:p>
+              <a:t>More suitable data set</a:t>
+            </a:r>
+          </a:p>
+          <a:p>
+            <a:pPr lvl="1"/>
             <a:r>
               <a:rPr lang="en-US" dirty="0" smtClean="0"/>
-              <a:t>Group Average</a:t>
-            </a:r>
-            <a:endParaRPr lang="en-US" dirty="0"/>
-          </a:p>
-        </p:txBody>
-      </p:sp>
-      <p:sp>
-        <p:nvSpPr>
-          <p:cNvPr id="7" name="Text Placeholder 6"/>
-          <p:cNvSpPr>
-            <a:spLocks noGrp="1"/>
-          </p:cNvSpPr>
-          <p:nvPr>
-            <p:ph type="body" sz="half" idx="16"/>
-          </p:nvPr>
-        </p:nvSpPr>
-        <p:spPr/>
-        <p:txBody>
-          <a:bodyPr/>
-          <a:lstStyle/>
-          <a:p>
-            <a:pPr marL="285750" indent="-285750">
-              <a:buFont typeface="Arial" panose="020B0604020202020204" pitchFamily="34" charset="0"/>
-              <a:buChar char="•"/>
-            </a:pPr>
+              <a:t>Preprocess more</a:t>
+            </a:r>
+          </a:p>
+          <a:p>
+            <a:pPr lvl="1"/>
             <a:r>
               <a:rPr lang="en-US" dirty="0" smtClean="0"/>
-              <a:t>Different way to store data</a:t>
-            </a:r>
-          </a:p>
-          <a:p>
-            <a:pPr marL="285750" indent="-285750">
-              <a:buFont typeface="Arial" panose="020B0604020202020204" pitchFamily="34" charset="0"/>
-              <a:buChar char="•"/>
-            </a:pPr>
+              <a:t>Make smaller datasets with better than random selection</a:t>
+            </a:r>
+          </a:p>
+          <a:p>
             <a:r>
               <a:rPr lang="en-US" dirty="0" smtClean="0"/>
-              <a:t>Find a way to go through the data faster, parallelism?</a:t>
-            </a:r>
-            <a:endParaRPr lang="en-US" dirty="0"/>
-          </a:p>
-        </p:txBody>
-      </p:sp>
-      <p:sp>
-        <p:nvSpPr>
-          <p:cNvPr id="5" name="Text Placeholder 4"/>
-          <p:cNvSpPr>
-            <a:spLocks noGrp="1"/>
-          </p:cNvSpPr>
-          <p:nvPr>
-            <p:ph type="body" sz="quarter" idx="13"/>
-          </p:nvPr>
-        </p:nvSpPr>
-        <p:spPr/>
-        <p:txBody>
-          <a:bodyPr/>
-          <a:lstStyle/>
+              <a:t>Different sigma values</a:t>
+            </a:r>
+          </a:p>
           <a:p>
             <a:r>
               <a:rPr lang="en-US" dirty="0" smtClean="0"/>
-              <a:t>OPTICS</a:t>
-            </a:r>
-            <a:endParaRPr lang="en-US" dirty="0"/>
-          </a:p>
-        </p:txBody>
-      </p:sp>
-      <p:sp>
-        <p:nvSpPr>
-          <p:cNvPr id="8" name="Text Placeholder 7"/>
-          <p:cNvSpPr>
-            <a:spLocks noGrp="1"/>
-          </p:cNvSpPr>
-          <p:nvPr>
-            <p:ph type="body" sz="half" idx="17"/>
-          </p:nvPr>
-        </p:nvSpPr>
-        <p:spPr/>
-        <p:txBody>
-          <a:bodyPr/>
-          <a:lstStyle/>
-          <a:p>
-            <a:pPr marL="285750" indent="-285750">
-              <a:buFont typeface="Arial" panose="020B0604020202020204" pitchFamily="34" charset="0"/>
-              <a:buChar char="•"/>
-            </a:pPr>
-            <a:r>
-              <a:rPr lang="en-US" dirty="0" smtClean="0"/>
-              <a:t>Experiment with </a:t>
-            </a:r>
-            <a:r>
-              <a:rPr lang="en-US" dirty="0" err="1" smtClean="0"/>
-              <a:t>MinPoints</a:t>
-            </a:r>
-            <a:endParaRPr lang="en-US" dirty="0" smtClean="0"/>
-          </a:p>
-          <a:p>
-            <a:pPr marL="285750" indent="-285750">
-              <a:buFont typeface="Arial" panose="020B0604020202020204" pitchFamily="34" charset="0"/>
-              <a:buChar char="•"/>
-            </a:pPr>
+              <a:t>Do Prediction analysis on test set</a:t>
+            </a:r>
+          </a:p>
+          <a:p>
             <a:endParaRPr lang="en-US" dirty="0"/>
           </a:p>
         </p:txBody>
@@ -23386,20 +23207,13 @@
     </p:spTree>
     <p:extLst>
       <p:ext uri="{BB962C8B-B14F-4D97-AF65-F5344CB8AC3E}">
-        <p14:creationId xmlns:p14="http://schemas.microsoft.com/office/powerpoint/2010/main" val="2476803811"/>
+        <p14:creationId xmlns:p14="http://schemas.microsoft.com/office/powerpoint/2010/main" val="3973552725"/>
       </p:ext>
     </p:extLst>
   </p:cSld>
   <p:clrMapOvr>
     <a:masterClrMapping/>
   </p:clrMapOvr>
-  <p:timing>
-    <p:tnLst>
-      <p:par>
-        <p:cTn id="1" dur="indefinite" restart="never" nodeType="tmRoot"/>
-      </p:par>
-    </p:tnLst>
-  </p:timing>
 </p:sld>
 </file>
 
@@ -23507,110 +23321,6 @@
       </p:par>
     </p:tnLst>
   </p:timing>
-</p:sld>
-</file>
-
-<file path=ppt/slides/slide30.xml><?xml version="1.0" encoding="utf-8"?>
-<p:sld xmlns:a="http://schemas.openxmlformats.org/drawingml/2006/main" xmlns:r="http://schemas.openxmlformats.org/officeDocument/2006/relationships" xmlns:p="http://schemas.openxmlformats.org/presentationml/2006/main">
-  <p:cSld>
-    <p:spTree>
-      <p:nvGrpSpPr>
-        <p:cNvPr id="1" name=""/>
-        <p:cNvGrpSpPr/>
-        <p:nvPr/>
-      </p:nvGrpSpPr>
-      <p:grpSpPr>
-        <a:xfrm>
-          <a:off x="0" y="0"/>
-          <a:ext cx="0" cy="0"/>
-          <a:chOff x="0" y="0"/>
-          <a:chExt cx="0" cy="0"/>
-        </a:xfrm>
-      </p:grpSpPr>
-      <p:sp>
-        <p:nvSpPr>
-          <p:cNvPr id="2" name="Title 1"/>
-          <p:cNvSpPr>
-            <a:spLocks noGrp="1"/>
-          </p:cNvSpPr>
-          <p:nvPr>
-            <p:ph type="title"/>
-          </p:nvPr>
-        </p:nvSpPr>
-        <p:spPr/>
-        <p:txBody>
-          <a:bodyPr/>
-          <a:lstStyle/>
-          <a:p>
-            <a:r>
-              <a:rPr lang="en-US" dirty="0" smtClean="0"/>
-              <a:t>Future Work</a:t>
-            </a:r>
-            <a:endParaRPr lang="en-US" dirty="0"/>
-          </a:p>
-        </p:txBody>
-      </p:sp>
-      <p:sp>
-        <p:nvSpPr>
-          <p:cNvPr id="3" name="Content Placeholder 2"/>
-          <p:cNvSpPr>
-            <a:spLocks noGrp="1"/>
-          </p:cNvSpPr>
-          <p:nvPr>
-            <p:ph idx="1"/>
-          </p:nvPr>
-        </p:nvSpPr>
-        <p:spPr/>
-        <p:txBody>
-          <a:bodyPr/>
-          <a:lstStyle/>
-          <a:p>
-            <a:r>
-              <a:rPr lang="en-US" dirty="0" smtClean="0"/>
-              <a:t>More suitable data set</a:t>
-            </a:r>
-          </a:p>
-          <a:p>
-            <a:pPr lvl="1"/>
-            <a:r>
-              <a:rPr lang="en-US" dirty="0" smtClean="0"/>
-              <a:t>Preprocess more</a:t>
-            </a:r>
-          </a:p>
-          <a:p>
-            <a:pPr lvl="1"/>
-            <a:r>
-              <a:rPr lang="en-US" dirty="0" smtClean="0"/>
-              <a:t>Make smaller datasets with better than random selection</a:t>
-            </a:r>
-          </a:p>
-          <a:p>
-            <a:r>
-              <a:rPr lang="en-US" dirty="0" smtClean="0"/>
-              <a:t>Different sigma values</a:t>
-            </a:r>
-          </a:p>
-          <a:p>
-            <a:r>
-              <a:rPr lang="en-US" dirty="0" smtClean="0"/>
-              <a:t>Do Prediction analysis on test set</a:t>
-            </a:r>
-          </a:p>
-          <a:p>
-            <a:endParaRPr lang="en-US" dirty="0"/>
-          </a:p>
-        </p:txBody>
-      </p:sp>
-    </p:spTree>
-    <p:extLst>
-      <p:ext uri="{BB962C8B-B14F-4D97-AF65-F5344CB8AC3E}">
-        <p14:creationId xmlns:p14="http://schemas.microsoft.com/office/powerpoint/2010/main" val="3973552725"/>
-      </p:ext>
-    </p:extLst>
-  </p:cSld>
-  <p:clrMapOvr>
-    <a:masterClrMapping/>
-  </p:clrMapOvr>
 </p:sld>
 </file>
 
@@ -24471,6 +24181,36 @@
           </a:graphicData>
         </a:graphic>
       </p:graphicFrame>
+      <p:sp>
+        <p:nvSpPr>
+          <p:cNvPr id="2" name="TextBox 1"/>
+          <p:cNvSpPr txBox="1"/>
+          <p:nvPr/>
+        </p:nvSpPr>
+        <p:spPr>
+          <a:xfrm>
+            <a:off x="5778229" y="778213"/>
+            <a:ext cx="4143983" cy="369332"/>
+          </a:xfrm>
+          <a:prstGeom prst="rect">
+            <a:avLst/>
+          </a:prstGeom>
+          <a:noFill/>
+        </p:spPr>
+        <p:txBody>
+          <a:bodyPr wrap="square" rtlCol="0">
+            <a:spAutoFit/>
+          </a:bodyPr>
+          <a:lstStyle/>
+          <a:p>
+            <a:r>
+              <a:rPr lang="en-US" dirty="0" smtClean="0"/>
+              <a:t>Number of Created Discussions</a:t>
+            </a:r>
+            <a:endParaRPr lang="en-US" dirty="0"/>
+          </a:p>
+        </p:txBody>
+      </p:sp>
     </p:spTree>
     <p:extLst>
       <p:ext uri="{BB962C8B-B14F-4D97-AF65-F5344CB8AC3E}">
@@ -25560,7 +25300,7 @@
               <a:graphicData uri="http://schemas.openxmlformats.org/presentationml/2006/ole">
                 <mc:AlternateContent xmlns:mc="http://schemas.openxmlformats.org/markup-compatibility/2006">
                   <mc:Choice xmlns:v="urn:schemas-microsoft-com:vml" Requires="v">
-                    <p:oleObj spid="_x0000_s1080" name="Worksheet" r:id="rId3" imgW="2200656" imgH="2076907" progId="Excel.Sheet.8">
+                    <p:oleObj spid="_x0000_s1084" name="Worksheet" r:id="rId3" imgW="2200656" imgH="2076907" progId="Excel.Sheet.8">
                       <p:embed/>
                     </p:oleObj>
                   </mc:Choice>
@@ -26804,7 +26544,7 @@
             <a:graphicData uri="http://schemas.openxmlformats.org/presentationml/2006/ole">
               <mc:AlternateContent xmlns:mc="http://schemas.openxmlformats.org/markup-compatibility/2006">
                 <mc:Choice xmlns:v="urn:schemas-microsoft-com:vml" Requires="v">
-                  <p:oleObj spid="_x0000_s1081" name="Document" r:id="rId5" imgW="1143000" imgH="387096" progId="Word.Document.8">
+                  <p:oleObj spid="_x0000_s1085" name="Document" r:id="rId5" imgW="1143000" imgH="387096" progId="Word.Document.8">
                     <p:embed/>
                   </p:oleObj>
                 </mc:Choice>
@@ -27228,7 +26968,7 @@
   <a:extraClrSchemeLst/>
   <a:extLst>
     <a:ext uri="{05A4C25C-085E-4340-85A3-A5531E510DB2}">
-      <thm15:themeFamily xmlns:thm15="http://schemas.microsoft.com/office/thememl/2012/main" name="Ion Boardroom" id="{FC33163D-4339-46B1-8EED-24C834239D99}" vid="{B8502691-933B-45FE-8764-BA278511EF27}"/>
+      <thm15:themeFamily xmlns:thm15="http://schemas.microsoft.com/office/thememl/2012/main" xmlns="" name="Ion Boardroom" id="{FC33163D-4339-46B1-8EED-24C834239D99}" vid="{B8502691-933B-45FE-8764-BA278511EF27}"/>
     </a:ext>
   </a:extLst>
 </a:theme>
